--- a/[Document]/소개운영자료/[DIVE_운영방향_김경원교수].pptx
+++ b/[Document]/소개운영자료/[DIVE_운영방향_김경원교수].pptx
@@ -284,7 +284,7 @@
       </p15:notesGuideLst>
     </p:ext>
     <p:ext uri="http://customooxmlschemas.google.com/">
-      <go:slidesCustomData xmlns="" xmlns:mc="http://schemas.openxmlformats.org/markup-compatibility/2006" xmlns:mv="urn:schemas-microsoft-com:mac:vml" xmlns:c="http://schemas.openxmlformats.org/drawingml/2006/chart" xmlns:dgm="http://schemas.openxmlformats.org/drawingml/2006/diagram" xmlns:o="urn:schemas-microsoft-com:office:office" xmlns:v="urn:schemas-microsoft-com:vml" xmlns:pvml="urn:schemas-microsoft-com:office:powerpoint" xmlns:com="http://schemas.openxmlformats.org/drawingml/2006/compatibility" xmlns:p14="http://schemas.microsoft.com/office/powerpoint/2010/main" xmlns:p15="http://schemas.microsoft.com/office/powerpoint/2012/main" xmlns:go="http://customooxmlschemas.google.com/" r:id="rId105" roundtripDataSignature="AMtx7miUWwlRzSp7FmXEzuK0I58SVnBqRw=="/>
+      <go:slidesCustomData xmlns:go="http://customooxmlschemas.google.com/" xmlns:p15="http://schemas.microsoft.com/office/powerpoint/2012/main" xmlns:p14="http://schemas.microsoft.com/office/powerpoint/2010/main" xmlns:com="http://schemas.openxmlformats.org/drawingml/2006/compatibility" xmlns:pvml="urn:schemas-microsoft-com:office:powerpoint" xmlns:v="urn:schemas-microsoft-com:vml" xmlns:o="urn:schemas-microsoft-com:office:office" xmlns:dgm="http://schemas.openxmlformats.org/drawingml/2006/diagram" xmlns:c="http://schemas.openxmlformats.org/drawingml/2006/chart" xmlns:mv="urn:schemas-microsoft-com:mac:vml" xmlns:mc="http://schemas.openxmlformats.org/markup-compatibility/2006" xmlns="" r:id="rId105" roundtripDataSignature="AMtx7miUWwlRzSp7FmXEzuK0I58SVnBqRw=="/>
     </p:ext>
   </p:extLst>
 </p:presentation>
@@ -384,7 +384,7 @@
           <a:p>
             <a:fld id="{0FE758C4-0839-4DFD-B23C-C4B0E1666FA8}" type="datetimeFigureOut">
               <a:rPr lang="ko-KR" altLang="en-US" smtClean="0"/>
-              <a:t>2025-06-21</a:t>
+              <a:t>2025-06-23</a:t>
             </a:fld>
             <a:endParaRPr lang="ko-KR" altLang="en-US"/>
           </a:p>
@@ -5052,6 +5052,833 @@
       </p:grpSpPr>
       <p:sp>
         <p:nvSpPr>
+          <p:cNvPr id="7" name="Google Shape;721;p43">
+            <a:extLst>
+              <a:ext uri="{FF2B5EF4-FFF2-40B4-BE49-F238E27FC236}">
+                <a16:creationId xmlns:a16="http://schemas.microsoft.com/office/drawing/2014/main" id="{B75324E4-B745-140A-85CB-8626D4F88AFA}"/>
+              </a:ext>
+            </a:extLst>
+          </p:cNvPr>
+          <p:cNvSpPr txBox="1"/>
+          <p:nvPr/>
+        </p:nvSpPr>
+        <p:spPr>
+          <a:xfrm>
+            <a:off x="6063094" y="2300797"/>
+            <a:ext cx="2717652" cy="2576049"/>
+          </a:xfrm>
+          <a:prstGeom prst="rect">
+            <a:avLst/>
+          </a:prstGeom>
+          <a:noFill/>
+          <a:ln>
+            <a:noFill/>
+          </a:ln>
+        </p:spPr>
+        <p:txBody>
+          <a:bodyPr spcFirstLastPara="1" wrap="square" lIns="91425" tIns="45700" rIns="91425" bIns="45700" anchor="t" anchorCtr="0">
+            <a:spAutoFit/>
+          </a:bodyPr>
+          <a:lstStyle/>
+          <a:p>
+            <a:pPr marL="92075" marR="0" lvl="0" indent="-92075" algn="l" rtl="0">
+              <a:lnSpc>
+                <a:spcPct val="120000"/>
+              </a:lnSpc>
+              <a:spcBef>
+                <a:spcPts val="0"/>
+              </a:spcBef>
+              <a:spcAft>
+                <a:spcPts val="0"/>
+              </a:spcAft>
+              <a:buClr>
+                <a:srgbClr val="000000"/>
+              </a:buClr>
+              <a:buSzPts val="1400"/>
+              <a:buFont typeface="Noto Sans Symbols"/>
+              <a:buChar char="▪"/>
+            </a:pPr>
+            <a:r>
+              <a:rPr lang="ko-KR" altLang="en-US" sz="1050" b="1">
+                <a:solidFill>
+                  <a:schemeClr val="dk1"/>
+                </a:solidFill>
+                <a:latin typeface="Calibri"/>
+                <a:ea typeface="Calibri"/>
+                <a:cs typeface="Calibri"/>
+                <a:sym typeface="Calibri"/>
+              </a:rPr>
+              <a:t>목표</a:t>
+            </a:r>
+            <a:r>
+              <a:rPr lang="en-US" altLang="ko-KR" sz="1050" b="1">
+                <a:solidFill>
+                  <a:schemeClr val="dk1"/>
+                </a:solidFill>
+                <a:latin typeface="Calibri"/>
+                <a:ea typeface="Calibri"/>
+                <a:cs typeface="Calibri"/>
+                <a:sym typeface="Calibri"/>
+              </a:rPr>
+              <a:t>:</a:t>
+            </a:r>
+            <a:r>
+              <a:rPr lang="en-US" altLang="ko-KR" sz="1050">
+                <a:solidFill>
+                  <a:schemeClr val="dk1"/>
+                </a:solidFill>
+                <a:latin typeface="Calibri"/>
+                <a:ea typeface="Calibri"/>
+                <a:cs typeface="Calibri"/>
+                <a:sym typeface="Calibri"/>
+              </a:rPr>
+              <a:t> </a:t>
+            </a:r>
+            <a:r>
+              <a:rPr lang="ko-KR" altLang="en-US" sz="1050">
+                <a:solidFill>
+                  <a:schemeClr val="dk1"/>
+                </a:solidFill>
+                <a:latin typeface="Calibri"/>
+                <a:ea typeface="Calibri"/>
+                <a:cs typeface="Calibri"/>
+                <a:sym typeface="Calibri"/>
+              </a:rPr>
+              <a:t>데이터 애널리스트 역량 입증</a:t>
+            </a:r>
+            <a:endParaRPr lang="en-US" altLang="ko-KR" sz="1050">
+              <a:solidFill>
+                <a:schemeClr val="dk1"/>
+              </a:solidFill>
+              <a:latin typeface="Calibri"/>
+              <a:ea typeface="Calibri"/>
+              <a:cs typeface="Calibri"/>
+              <a:sym typeface="Calibri"/>
+            </a:endParaRPr>
+          </a:p>
+          <a:p>
+            <a:pPr marL="92075" marR="0" lvl="0" indent="-92075" algn="l" rtl="0">
+              <a:lnSpc>
+                <a:spcPct val="120000"/>
+              </a:lnSpc>
+              <a:spcBef>
+                <a:spcPts val="0"/>
+              </a:spcBef>
+              <a:spcAft>
+                <a:spcPts val="0"/>
+              </a:spcAft>
+              <a:buClr>
+                <a:srgbClr val="000000"/>
+              </a:buClr>
+              <a:buSzPts val="1400"/>
+              <a:buFont typeface="Noto Sans Symbols"/>
+              <a:buChar char="▪"/>
+            </a:pPr>
+            <a:r>
+              <a:rPr lang="ko-KR" altLang="en-US" sz="1050" b="1">
+                <a:solidFill>
+                  <a:schemeClr val="dk1"/>
+                </a:solidFill>
+                <a:latin typeface="Calibri"/>
+                <a:ea typeface="Calibri"/>
+                <a:cs typeface="Calibri"/>
+                <a:sym typeface="Calibri"/>
+              </a:rPr>
+              <a:t>방항</a:t>
+            </a:r>
+            <a:r>
+              <a:rPr lang="en-US" altLang="ko-KR" sz="1050" b="1">
+                <a:solidFill>
+                  <a:schemeClr val="dk1"/>
+                </a:solidFill>
+                <a:latin typeface="Calibri"/>
+                <a:ea typeface="Calibri"/>
+                <a:cs typeface="Calibri"/>
+                <a:sym typeface="Calibri"/>
+              </a:rPr>
+              <a:t>:</a:t>
+            </a:r>
+            <a:r>
+              <a:rPr lang="en-US" altLang="ko-KR" sz="1050">
+                <a:solidFill>
+                  <a:schemeClr val="dk1"/>
+                </a:solidFill>
+                <a:latin typeface="Calibri"/>
+                <a:ea typeface="Calibri"/>
+                <a:cs typeface="Calibri"/>
+                <a:sym typeface="Calibri"/>
+              </a:rPr>
+              <a:t> </a:t>
+            </a:r>
+            <a:r>
+              <a:rPr lang="ko-KR" altLang="en-US" sz="1050">
+                <a:solidFill>
+                  <a:schemeClr val="dk1"/>
+                </a:solidFill>
+                <a:latin typeface="Calibri"/>
+                <a:ea typeface="Calibri"/>
+                <a:cs typeface="Calibri"/>
+                <a:sym typeface="Calibri"/>
+              </a:rPr>
+              <a:t>본인 진로의 전문성을 입증할 수 있는 산출물을 제시하며 브랜딩 집중</a:t>
+            </a:r>
+            <a:endParaRPr lang="en-US" altLang="ko-KR" sz="1050">
+              <a:solidFill>
+                <a:schemeClr val="dk1"/>
+              </a:solidFill>
+              <a:latin typeface="Calibri"/>
+              <a:ea typeface="Calibri"/>
+              <a:cs typeface="Calibri"/>
+              <a:sym typeface="Calibri"/>
+            </a:endParaRPr>
+          </a:p>
+          <a:p>
+            <a:pPr marL="92075" marR="0" lvl="0" indent="-92075" algn="l" rtl="0">
+              <a:lnSpc>
+                <a:spcPct val="120000"/>
+              </a:lnSpc>
+              <a:spcBef>
+                <a:spcPts val="0"/>
+              </a:spcBef>
+              <a:spcAft>
+                <a:spcPts val="0"/>
+              </a:spcAft>
+              <a:buClr>
+                <a:srgbClr val="000000"/>
+              </a:buClr>
+              <a:buSzPts val="1400"/>
+              <a:buFont typeface="Noto Sans Symbols"/>
+              <a:buChar char="▪"/>
+            </a:pPr>
+            <a:r>
+              <a:rPr lang="ko-KR" altLang="en-US" sz="1050" b="1">
+                <a:solidFill>
+                  <a:schemeClr val="dk1"/>
+                </a:solidFill>
+                <a:latin typeface="Calibri"/>
+                <a:ea typeface="Calibri"/>
+                <a:cs typeface="Calibri"/>
+                <a:sym typeface="Calibri"/>
+              </a:rPr>
+              <a:t>자격</a:t>
+            </a:r>
+            <a:r>
+              <a:rPr lang="en-US" altLang="ko-KR" sz="1050" b="1">
+                <a:solidFill>
+                  <a:schemeClr val="dk1"/>
+                </a:solidFill>
+                <a:latin typeface="Calibri"/>
+                <a:ea typeface="Calibri"/>
+                <a:cs typeface="Calibri"/>
+                <a:sym typeface="Calibri"/>
+              </a:rPr>
+              <a:t>:</a:t>
+            </a:r>
+            <a:r>
+              <a:rPr lang="en-US" altLang="ko-KR" sz="1050">
+                <a:solidFill>
+                  <a:schemeClr val="dk1"/>
+                </a:solidFill>
+                <a:latin typeface="Calibri"/>
+                <a:ea typeface="Calibri"/>
+                <a:cs typeface="Calibri"/>
+                <a:sym typeface="Calibri"/>
+              </a:rPr>
+              <a:t> Studing Diving + Project Diving </a:t>
+            </a:r>
+            <a:r>
+              <a:rPr lang="ko-KR" altLang="en-US" sz="1050">
+                <a:solidFill>
+                  <a:schemeClr val="dk1"/>
+                </a:solidFill>
+                <a:latin typeface="Calibri"/>
+                <a:ea typeface="Calibri"/>
+                <a:cs typeface="Calibri"/>
+                <a:sym typeface="Calibri"/>
+              </a:rPr>
+              <a:t>필수</a:t>
+            </a:r>
+            <a:endParaRPr lang="en-US" altLang="ko-KR" sz="1050">
+              <a:solidFill>
+                <a:schemeClr val="dk1"/>
+              </a:solidFill>
+              <a:latin typeface="Calibri"/>
+              <a:ea typeface="Calibri"/>
+              <a:cs typeface="Calibri"/>
+              <a:sym typeface="Calibri"/>
+            </a:endParaRPr>
+          </a:p>
+          <a:p>
+            <a:pPr marL="92075" marR="0" lvl="0" indent="-92075" algn="l" rtl="0">
+              <a:lnSpc>
+                <a:spcPct val="120000"/>
+              </a:lnSpc>
+              <a:spcBef>
+                <a:spcPts val="0"/>
+              </a:spcBef>
+              <a:spcAft>
+                <a:spcPts val="0"/>
+              </a:spcAft>
+              <a:buClr>
+                <a:srgbClr val="000000"/>
+              </a:buClr>
+              <a:buSzPts val="1400"/>
+              <a:buFont typeface="Noto Sans Symbols"/>
+              <a:buChar char="▪"/>
+            </a:pPr>
+            <a:r>
+              <a:rPr lang="ko-KR" altLang="en-US" sz="1050" b="1">
+                <a:solidFill>
+                  <a:schemeClr val="dk1"/>
+                </a:solidFill>
+                <a:latin typeface="Calibri"/>
+                <a:ea typeface="Calibri"/>
+                <a:cs typeface="Calibri"/>
+                <a:sym typeface="Calibri"/>
+              </a:rPr>
+              <a:t>산출물</a:t>
+            </a:r>
+            <a:r>
+              <a:rPr lang="en-US" altLang="ko-KR" sz="1050" b="1">
+                <a:solidFill>
+                  <a:schemeClr val="dk1"/>
+                </a:solidFill>
+                <a:latin typeface="Calibri"/>
+                <a:ea typeface="Calibri"/>
+                <a:cs typeface="Calibri"/>
+                <a:sym typeface="Calibri"/>
+              </a:rPr>
+              <a:t>:</a:t>
+            </a:r>
+            <a:r>
+              <a:rPr lang="en-US" altLang="ko-KR" sz="1050">
+                <a:solidFill>
+                  <a:schemeClr val="dk1"/>
+                </a:solidFill>
+                <a:latin typeface="Calibri"/>
+                <a:ea typeface="Calibri"/>
+                <a:cs typeface="Calibri"/>
+                <a:sym typeface="Calibri"/>
+              </a:rPr>
+              <a:t> </a:t>
+            </a:r>
+          </a:p>
+          <a:p>
+            <a:pPr lvl="0">
+              <a:lnSpc>
+                <a:spcPct val="120000"/>
+              </a:lnSpc>
+              <a:buSzPts val="1400"/>
+            </a:pPr>
+            <a:r>
+              <a:rPr lang="ko-KR" altLang="en-US" sz="1050">
+                <a:solidFill>
+                  <a:schemeClr val="dk1"/>
+                </a:solidFill>
+                <a:latin typeface="Calibri"/>
+                <a:ea typeface="Calibri"/>
+                <a:cs typeface="Calibri"/>
+                <a:sym typeface="Calibri"/>
+              </a:rPr>
+              <a:t>① 공모전 수상</a:t>
+            </a:r>
+            <a:endParaRPr lang="en-US" altLang="ko-KR" sz="1050">
+              <a:solidFill>
+                <a:schemeClr val="dk1"/>
+              </a:solidFill>
+              <a:latin typeface="Calibri"/>
+              <a:ea typeface="Calibri"/>
+              <a:cs typeface="Calibri"/>
+              <a:sym typeface="Calibri"/>
+            </a:endParaRPr>
+          </a:p>
+          <a:p>
+            <a:pPr lvl="0">
+              <a:lnSpc>
+                <a:spcPct val="120000"/>
+              </a:lnSpc>
+              <a:buSzPts val="1400"/>
+            </a:pPr>
+            <a:r>
+              <a:rPr lang="ko-KR" altLang="en-US" sz="1050">
+                <a:solidFill>
+                  <a:schemeClr val="dk1"/>
+                </a:solidFill>
+                <a:latin typeface="Calibri"/>
+                <a:ea typeface="Calibri"/>
+                <a:cs typeface="Calibri"/>
+                <a:sym typeface="Calibri"/>
+              </a:rPr>
+              <a:t>② </a:t>
+            </a:r>
+            <a:r>
+              <a:rPr lang="en-US" altLang="ko-KR" sz="1050">
+                <a:solidFill>
+                  <a:schemeClr val="dk1"/>
+                </a:solidFill>
+                <a:latin typeface="Calibri"/>
+                <a:ea typeface="Calibri"/>
+                <a:cs typeface="Calibri"/>
+                <a:sym typeface="Calibri"/>
+              </a:rPr>
+              <a:t>KCI/SCIE/SSCI </a:t>
+            </a:r>
+            <a:r>
+              <a:rPr lang="ko-KR" altLang="en-US" sz="1050">
+                <a:solidFill>
+                  <a:schemeClr val="dk1"/>
+                </a:solidFill>
+                <a:latin typeface="Calibri"/>
+                <a:ea typeface="Calibri"/>
+                <a:cs typeface="Calibri"/>
+                <a:sym typeface="Calibri"/>
+              </a:rPr>
+              <a:t>연구논문 작성</a:t>
+            </a:r>
+            <a:endParaRPr lang="en-US" altLang="ko-KR" sz="1050">
+              <a:solidFill>
+                <a:schemeClr val="dk1"/>
+              </a:solidFill>
+              <a:latin typeface="Calibri"/>
+              <a:ea typeface="Calibri"/>
+              <a:cs typeface="Calibri"/>
+              <a:sym typeface="Calibri"/>
+            </a:endParaRPr>
+          </a:p>
+          <a:p>
+            <a:pPr lvl="0">
+              <a:lnSpc>
+                <a:spcPct val="120000"/>
+              </a:lnSpc>
+              <a:buSzPts val="1400"/>
+            </a:pPr>
+            <a:r>
+              <a:rPr lang="ko-KR" altLang="ko-KR" sz="1050">
+                <a:solidFill>
+                  <a:schemeClr val="dk1"/>
+                </a:solidFill>
+                <a:latin typeface="Calibri"/>
+                <a:ea typeface="Calibri"/>
+                <a:cs typeface="Calibri"/>
+                <a:sym typeface="Calibri"/>
+              </a:rPr>
+              <a:t>③ </a:t>
+            </a:r>
+            <a:r>
+              <a:rPr lang="ko-KR" altLang="en-US" sz="1050">
+                <a:solidFill>
+                  <a:schemeClr val="dk1"/>
+                </a:solidFill>
+                <a:latin typeface="Calibri"/>
+                <a:ea typeface="Calibri"/>
+                <a:cs typeface="Calibri"/>
+                <a:sym typeface="Calibri"/>
+              </a:rPr>
+              <a:t>창업</a:t>
+            </a:r>
+            <a:r>
+              <a:rPr lang="en-US" altLang="ko-KR" sz="1050">
+                <a:solidFill>
+                  <a:schemeClr val="dk1"/>
+                </a:solidFill>
+                <a:latin typeface="Calibri"/>
+                <a:ea typeface="Calibri"/>
+                <a:cs typeface="Calibri"/>
+                <a:sym typeface="Calibri"/>
+              </a:rPr>
+              <a:t>/</a:t>
+            </a:r>
+            <a:r>
+              <a:rPr lang="ko-KR" altLang="en-US" sz="1050">
+                <a:solidFill>
+                  <a:schemeClr val="dk1"/>
+                </a:solidFill>
+                <a:latin typeface="Calibri"/>
+                <a:ea typeface="Calibri"/>
+                <a:cs typeface="Calibri"/>
+                <a:sym typeface="Calibri"/>
+              </a:rPr>
+              <a:t>특허 제안서 작성</a:t>
+            </a:r>
+            <a:endParaRPr lang="en-US" altLang="ko-KR" sz="1050">
+              <a:solidFill>
+                <a:schemeClr val="dk1"/>
+              </a:solidFill>
+              <a:latin typeface="Calibri"/>
+              <a:ea typeface="Calibri"/>
+              <a:cs typeface="Calibri"/>
+              <a:sym typeface="Calibri"/>
+            </a:endParaRPr>
+          </a:p>
+          <a:p>
+            <a:pPr marL="92075" marR="0" lvl="0" indent="-92075" algn="l" rtl="0">
+              <a:lnSpc>
+                <a:spcPct val="120000"/>
+              </a:lnSpc>
+              <a:spcBef>
+                <a:spcPts val="0"/>
+              </a:spcBef>
+              <a:spcAft>
+                <a:spcPts val="0"/>
+              </a:spcAft>
+              <a:buClr>
+                <a:srgbClr val="000000"/>
+              </a:buClr>
+              <a:buSzPts val="1400"/>
+              <a:buFont typeface="Noto Sans Symbols"/>
+              <a:buChar char="▪"/>
+            </a:pPr>
+            <a:r>
+              <a:rPr lang="ko-KR" altLang="en-US" sz="1050" b="1" i="0" u="none" strike="noStrike" cap="none">
+                <a:solidFill>
+                  <a:schemeClr val="dk1"/>
+                </a:solidFill>
+                <a:latin typeface="Calibri"/>
+                <a:ea typeface="Calibri"/>
+                <a:cs typeface="Calibri"/>
+                <a:sym typeface="Calibri"/>
+              </a:rPr>
+              <a:t>주의사항</a:t>
+            </a:r>
+            <a:r>
+              <a:rPr lang="en-US" altLang="ko-KR" sz="1050" b="1" i="0" u="none" strike="noStrike" cap="none">
+                <a:solidFill>
+                  <a:schemeClr val="dk1"/>
+                </a:solidFill>
+                <a:latin typeface="Calibri"/>
+                <a:ea typeface="Calibri"/>
+                <a:cs typeface="Calibri"/>
+                <a:sym typeface="Calibri"/>
+              </a:rPr>
+              <a:t>:</a:t>
+            </a:r>
+          </a:p>
+          <a:p>
+            <a:pPr marL="171450" marR="0" lvl="0" indent="-171450" algn="l" rtl="0">
+              <a:lnSpc>
+                <a:spcPct val="120000"/>
+              </a:lnSpc>
+              <a:spcBef>
+                <a:spcPts val="0"/>
+              </a:spcBef>
+              <a:spcAft>
+                <a:spcPts val="0"/>
+              </a:spcAft>
+              <a:buClr>
+                <a:srgbClr val="000000"/>
+              </a:buClr>
+              <a:buSzPts val="1400"/>
+              <a:buFontTx/>
+              <a:buChar char="-"/>
+            </a:pPr>
+            <a:r>
+              <a:rPr lang="en-US" altLang="ko-KR" sz="800">
+                <a:solidFill>
+                  <a:schemeClr val="dk1"/>
+                </a:solidFill>
+                <a:latin typeface="Calibri"/>
+                <a:ea typeface="Calibri"/>
+                <a:cs typeface="Calibri"/>
+                <a:sym typeface="Calibri"/>
+              </a:rPr>
+              <a:t>2</a:t>
+            </a:r>
+            <a:r>
+              <a:rPr lang="ko-KR" altLang="en-US" sz="800">
+                <a:solidFill>
+                  <a:schemeClr val="dk1"/>
+                </a:solidFill>
+                <a:latin typeface="Calibri"/>
+                <a:ea typeface="Calibri"/>
+                <a:cs typeface="Calibri"/>
+                <a:sym typeface="Calibri"/>
+              </a:rPr>
+              <a:t>학기에는 지도교수와의 직접 지도</a:t>
+            </a:r>
+            <a:endParaRPr lang="en-US" altLang="ko-KR" sz="800">
+              <a:solidFill>
+                <a:schemeClr val="dk1"/>
+              </a:solidFill>
+              <a:latin typeface="Calibri"/>
+              <a:ea typeface="Calibri"/>
+              <a:cs typeface="Calibri"/>
+              <a:sym typeface="Calibri"/>
+            </a:endParaRPr>
+          </a:p>
+          <a:p>
+            <a:pPr marL="171450" marR="0" lvl="0" indent="-171450" algn="l" rtl="0">
+              <a:lnSpc>
+                <a:spcPct val="120000"/>
+              </a:lnSpc>
+              <a:spcBef>
+                <a:spcPts val="0"/>
+              </a:spcBef>
+              <a:spcAft>
+                <a:spcPts val="0"/>
+              </a:spcAft>
+              <a:buClr>
+                <a:srgbClr val="000000"/>
+              </a:buClr>
+              <a:buSzPts val="1400"/>
+              <a:buFontTx/>
+              <a:buChar char="-"/>
+            </a:pPr>
+            <a:r>
+              <a:rPr lang="en-US" altLang="ko-KR" sz="800">
+                <a:solidFill>
+                  <a:schemeClr val="dk1"/>
+                </a:solidFill>
+                <a:latin typeface="Calibri"/>
+                <a:ea typeface="Calibri"/>
+                <a:cs typeface="Calibri"/>
+                <a:sym typeface="Calibri"/>
+              </a:rPr>
+              <a:t>1</a:t>
+            </a:r>
+            <a:r>
+              <a:rPr lang="ko-KR" altLang="en-US" sz="800">
+                <a:solidFill>
+                  <a:schemeClr val="dk1"/>
+                </a:solidFill>
+                <a:latin typeface="Calibri"/>
+                <a:ea typeface="Calibri"/>
+                <a:cs typeface="Calibri"/>
+                <a:sym typeface="Calibri"/>
+              </a:rPr>
+              <a:t>학기에는 </a:t>
+            </a:r>
+            <a:r>
+              <a:rPr lang="en-US" altLang="ko-KR" sz="800">
+                <a:solidFill>
+                  <a:schemeClr val="dk1"/>
+                </a:solidFill>
+                <a:latin typeface="Calibri"/>
+                <a:ea typeface="Calibri"/>
+                <a:cs typeface="Calibri"/>
+                <a:sym typeface="Calibri"/>
+              </a:rPr>
+              <a:t>“</a:t>
+            </a:r>
+            <a:r>
+              <a:rPr lang="ko-KR" altLang="en-US" sz="800">
+                <a:solidFill>
+                  <a:schemeClr val="dk1"/>
+                </a:solidFill>
+                <a:latin typeface="Calibri"/>
+                <a:ea typeface="Calibri"/>
+                <a:cs typeface="Calibri"/>
+                <a:sym typeface="Calibri"/>
+              </a:rPr>
+              <a:t>인공지능기반의사결정</a:t>
+            </a:r>
+            <a:r>
+              <a:rPr lang="en-US" altLang="ko-KR" sz="800">
+                <a:solidFill>
+                  <a:schemeClr val="dk1"/>
+                </a:solidFill>
+                <a:latin typeface="Calibri"/>
+                <a:ea typeface="Calibri"/>
+                <a:cs typeface="Calibri"/>
+                <a:sym typeface="Calibri"/>
+              </a:rPr>
+              <a:t>” </a:t>
+            </a:r>
+            <a:r>
+              <a:rPr lang="ko-KR" altLang="en-US" sz="800">
+                <a:solidFill>
+                  <a:schemeClr val="dk1"/>
+                </a:solidFill>
+                <a:latin typeface="Calibri"/>
+                <a:ea typeface="Calibri"/>
+                <a:cs typeface="Calibri"/>
+                <a:sym typeface="Calibri"/>
+              </a:rPr>
+              <a:t>수강</a:t>
+            </a:r>
+            <a:r>
+              <a:rPr lang="en-US" altLang="ko-KR" sz="800">
+                <a:solidFill>
+                  <a:schemeClr val="dk1"/>
+                </a:solidFill>
+                <a:latin typeface="Calibri"/>
+                <a:ea typeface="Calibri"/>
+                <a:cs typeface="Calibri"/>
+                <a:sym typeface="Calibri"/>
+              </a:rPr>
+              <a:t>/</a:t>
+            </a:r>
+            <a:r>
+              <a:rPr lang="ko-KR" altLang="en-US" sz="800">
+                <a:solidFill>
+                  <a:schemeClr val="dk1"/>
+                </a:solidFill>
+                <a:latin typeface="Calibri"/>
+                <a:ea typeface="Calibri"/>
+                <a:cs typeface="Calibri"/>
+                <a:sym typeface="Calibri"/>
+              </a:rPr>
+              <a:t>청강</a:t>
+            </a:r>
+            <a:endParaRPr lang="en-US" altLang="ko-KR" sz="800">
+              <a:solidFill>
+                <a:schemeClr val="dk1"/>
+              </a:solidFill>
+              <a:latin typeface="Calibri"/>
+              <a:ea typeface="Calibri"/>
+              <a:cs typeface="Calibri"/>
+              <a:sym typeface="Calibri"/>
+            </a:endParaRPr>
+          </a:p>
+          <a:p>
+            <a:pPr marL="171450" marR="0" lvl="0" indent="-171450" algn="l" rtl="0">
+              <a:lnSpc>
+                <a:spcPct val="120000"/>
+              </a:lnSpc>
+              <a:spcBef>
+                <a:spcPts val="0"/>
+              </a:spcBef>
+              <a:spcAft>
+                <a:spcPts val="0"/>
+              </a:spcAft>
+              <a:buClr>
+                <a:srgbClr val="000000"/>
+              </a:buClr>
+              <a:buSzPts val="1400"/>
+              <a:buFontTx/>
+              <a:buChar char="-"/>
+            </a:pPr>
+            <a:r>
+              <a:rPr lang="ko-KR" altLang="en-US" sz="800">
+                <a:solidFill>
+                  <a:schemeClr val="dk1"/>
+                </a:solidFill>
+                <a:latin typeface="Calibri"/>
+                <a:ea typeface="Calibri"/>
+                <a:cs typeface="Calibri"/>
+                <a:sym typeface="Calibri"/>
+              </a:rPr>
+              <a:t>실질적 효과를 위해선 선행된 공모전이나 연구 또는 창업현황을 미리 분석 후</a:t>
+            </a:r>
+            <a:r>
+              <a:rPr lang="en-US" altLang="ko-KR" sz="800">
+                <a:solidFill>
+                  <a:schemeClr val="dk1"/>
+                </a:solidFill>
+                <a:latin typeface="Calibri"/>
+                <a:ea typeface="Calibri"/>
+                <a:cs typeface="Calibri"/>
+                <a:sym typeface="Calibri"/>
+              </a:rPr>
+              <a:t>, </a:t>
+            </a:r>
+            <a:r>
+              <a:rPr lang="ko-KR" altLang="en-US" sz="800">
+                <a:solidFill>
+                  <a:schemeClr val="dk1"/>
+                </a:solidFill>
+                <a:latin typeface="Calibri"/>
+                <a:ea typeface="Calibri"/>
+                <a:cs typeface="Calibri"/>
+                <a:sym typeface="Calibri"/>
+              </a:rPr>
+              <a:t>빠른 대응</a:t>
+            </a:r>
+            <a:r>
+              <a:rPr lang="en-US" altLang="ko-KR" sz="800">
+                <a:solidFill>
+                  <a:schemeClr val="dk1"/>
+                </a:solidFill>
+                <a:latin typeface="Calibri"/>
+                <a:ea typeface="Calibri"/>
+                <a:cs typeface="Calibri"/>
+                <a:sym typeface="Calibri"/>
+              </a:rPr>
+              <a:t>/</a:t>
+            </a:r>
+            <a:r>
+              <a:rPr lang="ko-KR" altLang="en-US" sz="800">
+                <a:solidFill>
+                  <a:schemeClr val="dk1"/>
+                </a:solidFill>
+                <a:latin typeface="Calibri"/>
+                <a:ea typeface="Calibri"/>
+                <a:cs typeface="Calibri"/>
+                <a:sym typeface="Calibri"/>
+              </a:rPr>
+              <a:t>작성 필수적</a:t>
+            </a:r>
+          </a:p>
+          <a:p>
+            <a:pPr marL="171450" indent="-171450">
+              <a:lnSpc>
+                <a:spcPct val="120000"/>
+              </a:lnSpc>
+              <a:buSzPts val="1400"/>
+              <a:buFontTx/>
+              <a:buChar char="-"/>
+            </a:pPr>
+            <a:r>
+              <a:rPr lang="ko-KR" altLang="en-US" sz="800">
+                <a:solidFill>
+                  <a:schemeClr val="dk1"/>
+                </a:solidFill>
+                <a:latin typeface="Calibri"/>
+                <a:ea typeface="Calibri"/>
+                <a:cs typeface="Calibri"/>
+                <a:sym typeface="Calibri"/>
+              </a:rPr>
+              <a:t>필요에 따라 도구 스터디 및 </a:t>
+            </a:r>
+            <a:r>
+              <a:rPr lang="en-US" altLang="ko-KR" sz="800">
+                <a:solidFill>
+                  <a:schemeClr val="dk1"/>
+                </a:solidFill>
+                <a:latin typeface="Calibri"/>
+                <a:ea typeface="Calibri"/>
+                <a:cs typeface="Calibri"/>
+                <a:sym typeface="Calibri"/>
+              </a:rPr>
+              <a:t>Study Diving </a:t>
+            </a:r>
+            <a:r>
+              <a:rPr lang="ko-KR" altLang="en-US" sz="800">
+                <a:solidFill>
+                  <a:schemeClr val="dk1"/>
+                </a:solidFill>
+                <a:latin typeface="Calibri"/>
+                <a:ea typeface="Calibri"/>
+                <a:cs typeface="Calibri"/>
+                <a:sym typeface="Calibri"/>
+              </a:rPr>
+              <a:t>가이드</a:t>
+            </a:r>
+            <a:r>
+              <a:rPr lang="en-US" altLang="ko-KR" sz="800">
+                <a:solidFill>
+                  <a:schemeClr val="dk1"/>
+                </a:solidFill>
+                <a:latin typeface="Calibri"/>
+                <a:ea typeface="Calibri"/>
+                <a:cs typeface="Calibri"/>
+                <a:sym typeface="Calibri"/>
+              </a:rPr>
+              <a:t>~</a:t>
+            </a:r>
+            <a:endParaRPr lang="en-US" altLang="ko-KR" sz="500">
+              <a:solidFill>
+                <a:schemeClr val="dk1"/>
+              </a:solidFill>
+              <a:latin typeface="Calibri"/>
+              <a:ea typeface="Calibri"/>
+              <a:cs typeface="Calibri"/>
+              <a:sym typeface="Calibri"/>
+            </a:endParaRPr>
+          </a:p>
+        </p:txBody>
+      </p:sp>
+      <p:sp>
+        <p:nvSpPr>
           <p:cNvPr id="576" name="Google Shape;576;p41"/>
           <p:cNvSpPr txBox="1"/>
           <p:nvPr/>
@@ -5275,7 +6102,7 @@
         </p:nvSpPr>
         <p:spPr>
           <a:xfrm>
-            <a:off x="370982" y="1831612"/>
+            <a:off x="370982" y="1971883"/>
             <a:ext cx="2717652" cy="3034751"/>
           </a:xfrm>
           <a:prstGeom prst="rect">
@@ -5401,7 +6228,7 @@
         </p:nvSpPr>
         <p:spPr>
           <a:xfrm>
-            <a:off x="3217039" y="1831615"/>
+            <a:off x="3217039" y="1971886"/>
             <a:ext cx="2717652" cy="3034749"/>
           </a:xfrm>
           <a:prstGeom prst="rect">
@@ -5519,7 +6346,7 @@
         </p:nvSpPr>
         <p:spPr>
           <a:xfrm>
-            <a:off x="6063095" y="1831615"/>
+            <a:off x="6063095" y="1971886"/>
             <a:ext cx="2717652" cy="3034749"/>
           </a:xfrm>
           <a:prstGeom prst="rect">
@@ -5667,8 +6494,8 @@
           </a:p>
         </p:txBody>
       </p:sp>
-      <mc:AlternateContent xmlns:mc="http://schemas.openxmlformats.org/markup-compatibility/2006">
-        <mc:Choice xmlns:a14="http://schemas.microsoft.com/office/drawing/2010/main" Requires="a14">
+      <mc:AlternateContent xmlns:mc="http://schemas.openxmlformats.org/markup-compatibility/2006" xmlns:a14="http://schemas.microsoft.com/office/drawing/2010/main">
+        <mc:Choice Requires="a14">
           <p:sp>
             <p:nvSpPr>
               <p:cNvPr id="3" name="Google Shape;721;p43">
@@ -6336,7 +7163,7 @@
             </p:txBody>
           </p:sp>
         </mc:Choice>
-        <mc:Fallback>
+        <mc:Fallback xmlns="">
           <p:sp>
             <p:nvSpPr>
               <p:cNvPr id="3" name="Google Shape;721;p43">
@@ -6399,7 +7226,7 @@
         <p:spPr>
           <a:xfrm>
             <a:off x="3217038" y="2300797"/>
-            <a:ext cx="2717652" cy="2382150"/>
+            <a:ext cx="2717652" cy="2529883"/>
           </a:xfrm>
           <a:prstGeom prst="rect">
             <a:avLst/>
@@ -6991,754 +7818,45 @@
                 <a:cs typeface="Calibri"/>
                 <a:sym typeface="Calibri"/>
               </a:rPr>
-              <a:t>와 같은 도구 사용 요구됨</a:t>
+              <a:t>와 같은 도구 사용 스터디 필요 및 </a:t>
+            </a:r>
+            <a:r>
+              <a:rPr lang="en-US" altLang="ko-KR" sz="800">
+                <a:solidFill>
+                  <a:schemeClr val="dk1"/>
+                </a:solidFill>
+                <a:latin typeface="Calibri"/>
+                <a:ea typeface="Calibri"/>
+                <a:cs typeface="Calibri"/>
+                <a:sym typeface="Calibri"/>
+              </a:rPr>
+              <a:t>Study Diving </a:t>
+            </a:r>
+            <a:r>
+              <a:rPr lang="ko-KR" altLang="en-US" sz="800">
+                <a:solidFill>
+                  <a:schemeClr val="dk1"/>
+                </a:solidFill>
+                <a:latin typeface="Calibri"/>
+                <a:ea typeface="Calibri"/>
+                <a:cs typeface="Calibri"/>
+                <a:sym typeface="Calibri"/>
+              </a:rPr>
+              <a:t>과정에 가이드</a:t>
+            </a:r>
+            <a:r>
+              <a:rPr lang="en-US" altLang="ko-KR" sz="800">
+                <a:solidFill>
+                  <a:schemeClr val="dk1"/>
+                </a:solidFill>
+                <a:latin typeface="Calibri"/>
+                <a:ea typeface="Calibri"/>
+                <a:cs typeface="Calibri"/>
+                <a:sym typeface="Calibri"/>
+              </a:rPr>
+              <a:t>~</a:t>
             </a:r>
             <a:endParaRPr lang="en-US" altLang="ko-KR" sz="500">
-              <a:solidFill>
-                <a:schemeClr val="dk1"/>
-              </a:solidFill>
-              <a:latin typeface="Calibri"/>
-              <a:ea typeface="Calibri"/>
-              <a:cs typeface="Calibri"/>
-              <a:sym typeface="Calibri"/>
-            </a:endParaRPr>
-          </a:p>
-        </p:txBody>
-      </p:sp>
-      <p:sp>
-        <p:nvSpPr>
-          <p:cNvPr id="7" name="Google Shape;721;p43">
-            <a:extLst>
-              <a:ext uri="{FF2B5EF4-FFF2-40B4-BE49-F238E27FC236}">
-                <a16:creationId xmlns:a16="http://schemas.microsoft.com/office/drawing/2014/main" id="{B75324E4-B745-140A-85CB-8626D4F88AFA}"/>
-              </a:ext>
-            </a:extLst>
-          </p:cNvPr>
-          <p:cNvSpPr txBox="1"/>
-          <p:nvPr/>
-        </p:nvSpPr>
-        <p:spPr>
-          <a:xfrm>
-            <a:off x="6063094" y="2300797"/>
-            <a:ext cx="2717652" cy="2576049"/>
-          </a:xfrm>
-          <a:prstGeom prst="rect">
-            <a:avLst/>
-          </a:prstGeom>
-          <a:noFill/>
-          <a:ln>
-            <a:noFill/>
-          </a:ln>
-        </p:spPr>
-        <p:txBody>
-          <a:bodyPr spcFirstLastPara="1" wrap="square" lIns="91425" tIns="45700" rIns="91425" bIns="45700" anchor="t" anchorCtr="0">
-            <a:spAutoFit/>
-          </a:bodyPr>
-          <a:lstStyle/>
-          <a:p>
-            <a:pPr marL="92075" marR="0" lvl="0" indent="-92075" algn="l" rtl="0">
-              <a:lnSpc>
-                <a:spcPct val="120000"/>
-              </a:lnSpc>
-              <a:spcBef>
-                <a:spcPts val="0"/>
-              </a:spcBef>
-              <a:spcAft>
-                <a:spcPts val="0"/>
-              </a:spcAft>
-              <a:buClr>
-                <a:srgbClr val="000000"/>
-              </a:buClr>
-              <a:buSzPts val="1400"/>
-              <a:buFont typeface="Noto Sans Symbols"/>
-              <a:buChar char="▪"/>
-            </a:pPr>
-            <a:r>
-              <a:rPr lang="ko-KR" altLang="en-US" sz="1050" b="1">
-                <a:solidFill>
-                  <a:schemeClr val="dk1"/>
-                </a:solidFill>
-                <a:latin typeface="Calibri"/>
-                <a:ea typeface="Calibri"/>
-                <a:cs typeface="Calibri"/>
-                <a:sym typeface="Calibri"/>
-              </a:rPr>
-              <a:t>목표</a:t>
-            </a:r>
-            <a:r>
-              <a:rPr lang="en-US" altLang="ko-KR" sz="1050" b="1">
-                <a:solidFill>
-                  <a:schemeClr val="dk1"/>
-                </a:solidFill>
-                <a:latin typeface="Calibri"/>
-                <a:ea typeface="Calibri"/>
-                <a:cs typeface="Calibri"/>
-                <a:sym typeface="Calibri"/>
-              </a:rPr>
-              <a:t>:</a:t>
-            </a:r>
-            <a:r>
-              <a:rPr lang="en-US" altLang="ko-KR" sz="1050">
-                <a:solidFill>
-                  <a:schemeClr val="dk1"/>
-                </a:solidFill>
-                <a:latin typeface="Calibri"/>
-                <a:ea typeface="Calibri"/>
-                <a:cs typeface="Calibri"/>
-                <a:sym typeface="Calibri"/>
-              </a:rPr>
-              <a:t> </a:t>
-            </a:r>
-            <a:r>
-              <a:rPr lang="ko-KR" altLang="en-US" sz="1050">
-                <a:solidFill>
-                  <a:schemeClr val="dk1"/>
-                </a:solidFill>
-                <a:latin typeface="Calibri"/>
-                <a:ea typeface="Calibri"/>
-                <a:cs typeface="Calibri"/>
-                <a:sym typeface="Calibri"/>
-              </a:rPr>
-              <a:t>데이터 애널리스트 역량 입증</a:t>
-            </a:r>
-            <a:endParaRPr lang="en-US" altLang="ko-KR" sz="1050">
-              <a:solidFill>
-                <a:schemeClr val="dk1"/>
-              </a:solidFill>
-              <a:latin typeface="Calibri"/>
-              <a:ea typeface="Calibri"/>
-              <a:cs typeface="Calibri"/>
-              <a:sym typeface="Calibri"/>
-            </a:endParaRPr>
-          </a:p>
-          <a:p>
-            <a:pPr marL="92075" marR="0" lvl="0" indent="-92075" algn="l" rtl="0">
-              <a:lnSpc>
-                <a:spcPct val="120000"/>
-              </a:lnSpc>
-              <a:spcBef>
-                <a:spcPts val="0"/>
-              </a:spcBef>
-              <a:spcAft>
-                <a:spcPts val="0"/>
-              </a:spcAft>
-              <a:buClr>
-                <a:srgbClr val="000000"/>
-              </a:buClr>
-              <a:buSzPts val="1400"/>
-              <a:buFont typeface="Noto Sans Symbols"/>
-              <a:buChar char="▪"/>
-            </a:pPr>
-            <a:r>
-              <a:rPr lang="ko-KR" altLang="en-US" sz="1050" b="1">
-                <a:solidFill>
-                  <a:schemeClr val="dk1"/>
-                </a:solidFill>
-                <a:latin typeface="Calibri"/>
-                <a:ea typeface="Calibri"/>
-                <a:cs typeface="Calibri"/>
-                <a:sym typeface="Calibri"/>
-              </a:rPr>
-              <a:t>방항</a:t>
-            </a:r>
-            <a:r>
-              <a:rPr lang="en-US" altLang="ko-KR" sz="1050" b="1">
-                <a:solidFill>
-                  <a:schemeClr val="dk1"/>
-                </a:solidFill>
-                <a:latin typeface="Calibri"/>
-                <a:ea typeface="Calibri"/>
-                <a:cs typeface="Calibri"/>
-                <a:sym typeface="Calibri"/>
-              </a:rPr>
-              <a:t>:</a:t>
-            </a:r>
-            <a:r>
-              <a:rPr lang="en-US" altLang="ko-KR" sz="1050">
-                <a:solidFill>
-                  <a:schemeClr val="dk1"/>
-                </a:solidFill>
-                <a:latin typeface="Calibri"/>
-                <a:ea typeface="Calibri"/>
-                <a:cs typeface="Calibri"/>
-                <a:sym typeface="Calibri"/>
-              </a:rPr>
-              <a:t> </a:t>
-            </a:r>
-            <a:r>
-              <a:rPr lang="ko-KR" altLang="en-US" sz="1050">
-                <a:solidFill>
-                  <a:schemeClr val="dk1"/>
-                </a:solidFill>
-                <a:latin typeface="Calibri"/>
-                <a:ea typeface="Calibri"/>
-                <a:cs typeface="Calibri"/>
-                <a:sym typeface="Calibri"/>
-              </a:rPr>
-              <a:t>본인 진로의 전문성을 입증할 수 있는 산출물을 제시하며 브랜딩 집중</a:t>
-            </a:r>
-            <a:endParaRPr lang="en-US" altLang="ko-KR" sz="1050">
-              <a:solidFill>
-                <a:schemeClr val="dk1"/>
-              </a:solidFill>
-              <a:latin typeface="Calibri"/>
-              <a:ea typeface="Calibri"/>
-              <a:cs typeface="Calibri"/>
-              <a:sym typeface="Calibri"/>
-            </a:endParaRPr>
-          </a:p>
-          <a:p>
-            <a:pPr marL="92075" marR="0" lvl="0" indent="-92075" algn="l" rtl="0">
-              <a:lnSpc>
-                <a:spcPct val="120000"/>
-              </a:lnSpc>
-              <a:spcBef>
-                <a:spcPts val="0"/>
-              </a:spcBef>
-              <a:spcAft>
-                <a:spcPts val="0"/>
-              </a:spcAft>
-              <a:buClr>
-                <a:srgbClr val="000000"/>
-              </a:buClr>
-              <a:buSzPts val="1400"/>
-              <a:buFont typeface="Noto Sans Symbols"/>
-              <a:buChar char="▪"/>
-            </a:pPr>
-            <a:r>
-              <a:rPr lang="ko-KR" altLang="en-US" sz="1050" b="1">
-                <a:solidFill>
-                  <a:schemeClr val="dk1"/>
-                </a:solidFill>
-                <a:latin typeface="Calibri"/>
-                <a:ea typeface="Calibri"/>
-                <a:cs typeface="Calibri"/>
-                <a:sym typeface="Calibri"/>
-              </a:rPr>
-              <a:t>자격</a:t>
-            </a:r>
-            <a:r>
-              <a:rPr lang="en-US" altLang="ko-KR" sz="1050" b="1">
-                <a:solidFill>
-                  <a:schemeClr val="dk1"/>
-                </a:solidFill>
-                <a:latin typeface="Calibri"/>
-                <a:ea typeface="Calibri"/>
-                <a:cs typeface="Calibri"/>
-                <a:sym typeface="Calibri"/>
-              </a:rPr>
-              <a:t>:</a:t>
-            </a:r>
-            <a:r>
-              <a:rPr lang="en-US" altLang="ko-KR" sz="1050">
-                <a:solidFill>
-                  <a:schemeClr val="dk1"/>
-                </a:solidFill>
-                <a:latin typeface="Calibri"/>
-                <a:ea typeface="Calibri"/>
-                <a:cs typeface="Calibri"/>
-                <a:sym typeface="Calibri"/>
-              </a:rPr>
-              <a:t> Studing Diving + Project Diving </a:t>
-            </a:r>
-            <a:r>
-              <a:rPr lang="ko-KR" altLang="en-US" sz="1050">
-                <a:solidFill>
-                  <a:schemeClr val="dk1"/>
-                </a:solidFill>
-                <a:latin typeface="Calibri"/>
-                <a:ea typeface="Calibri"/>
-                <a:cs typeface="Calibri"/>
-                <a:sym typeface="Calibri"/>
-              </a:rPr>
-              <a:t>필수</a:t>
-            </a:r>
-            <a:endParaRPr lang="en-US" altLang="ko-KR" sz="1050">
-              <a:solidFill>
-                <a:schemeClr val="dk1"/>
-              </a:solidFill>
-              <a:latin typeface="Calibri"/>
-              <a:ea typeface="Calibri"/>
-              <a:cs typeface="Calibri"/>
-              <a:sym typeface="Calibri"/>
-            </a:endParaRPr>
-          </a:p>
-          <a:p>
-            <a:pPr marL="92075" marR="0" lvl="0" indent="-92075" algn="l" rtl="0">
-              <a:lnSpc>
-                <a:spcPct val="120000"/>
-              </a:lnSpc>
-              <a:spcBef>
-                <a:spcPts val="0"/>
-              </a:spcBef>
-              <a:spcAft>
-                <a:spcPts val="0"/>
-              </a:spcAft>
-              <a:buClr>
-                <a:srgbClr val="000000"/>
-              </a:buClr>
-              <a:buSzPts val="1400"/>
-              <a:buFont typeface="Noto Sans Symbols"/>
-              <a:buChar char="▪"/>
-            </a:pPr>
-            <a:r>
-              <a:rPr lang="ko-KR" altLang="en-US" sz="1050" b="1">
-                <a:solidFill>
-                  <a:schemeClr val="dk1"/>
-                </a:solidFill>
-                <a:latin typeface="Calibri"/>
-                <a:ea typeface="Calibri"/>
-                <a:cs typeface="Calibri"/>
-                <a:sym typeface="Calibri"/>
-              </a:rPr>
-              <a:t>산출물</a:t>
-            </a:r>
-            <a:r>
-              <a:rPr lang="en-US" altLang="ko-KR" sz="1050" b="1">
-                <a:solidFill>
-                  <a:schemeClr val="dk1"/>
-                </a:solidFill>
-                <a:latin typeface="Calibri"/>
-                <a:ea typeface="Calibri"/>
-                <a:cs typeface="Calibri"/>
-                <a:sym typeface="Calibri"/>
-              </a:rPr>
-              <a:t>:</a:t>
-            </a:r>
-            <a:r>
-              <a:rPr lang="en-US" altLang="ko-KR" sz="1050">
-                <a:solidFill>
-                  <a:schemeClr val="dk1"/>
-                </a:solidFill>
-                <a:latin typeface="Calibri"/>
-                <a:ea typeface="Calibri"/>
-                <a:cs typeface="Calibri"/>
-                <a:sym typeface="Calibri"/>
-              </a:rPr>
-              <a:t> </a:t>
-            </a:r>
-          </a:p>
-          <a:p>
-            <a:pPr lvl="0">
-              <a:lnSpc>
-                <a:spcPct val="120000"/>
-              </a:lnSpc>
-              <a:buSzPts val="1400"/>
-            </a:pPr>
-            <a:r>
-              <a:rPr lang="ko-KR" altLang="en-US" sz="1050">
-                <a:solidFill>
-                  <a:schemeClr val="dk1"/>
-                </a:solidFill>
-                <a:latin typeface="Calibri"/>
-                <a:ea typeface="Calibri"/>
-                <a:cs typeface="Calibri"/>
-                <a:sym typeface="Calibri"/>
-              </a:rPr>
-              <a:t>① 공모전 수상</a:t>
-            </a:r>
-            <a:endParaRPr lang="en-US" altLang="ko-KR" sz="1050">
-              <a:solidFill>
-                <a:schemeClr val="dk1"/>
-              </a:solidFill>
-              <a:latin typeface="Calibri"/>
-              <a:ea typeface="Calibri"/>
-              <a:cs typeface="Calibri"/>
-              <a:sym typeface="Calibri"/>
-            </a:endParaRPr>
-          </a:p>
-          <a:p>
-            <a:pPr lvl="0">
-              <a:lnSpc>
-                <a:spcPct val="120000"/>
-              </a:lnSpc>
-              <a:buSzPts val="1400"/>
-            </a:pPr>
-            <a:r>
-              <a:rPr lang="ko-KR" altLang="en-US" sz="1050">
-                <a:solidFill>
-                  <a:schemeClr val="dk1"/>
-                </a:solidFill>
-                <a:latin typeface="Calibri"/>
-                <a:ea typeface="Calibri"/>
-                <a:cs typeface="Calibri"/>
-                <a:sym typeface="Calibri"/>
-              </a:rPr>
-              <a:t>② </a:t>
-            </a:r>
-            <a:r>
-              <a:rPr lang="en-US" altLang="ko-KR" sz="1050">
-                <a:solidFill>
-                  <a:schemeClr val="dk1"/>
-                </a:solidFill>
-                <a:latin typeface="Calibri"/>
-                <a:ea typeface="Calibri"/>
-                <a:cs typeface="Calibri"/>
-                <a:sym typeface="Calibri"/>
-              </a:rPr>
-              <a:t>KCI/SCIE/SSCI </a:t>
-            </a:r>
-            <a:r>
-              <a:rPr lang="ko-KR" altLang="en-US" sz="1050">
-                <a:solidFill>
-                  <a:schemeClr val="dk1"/>
-                </a:solidFill>
-                <a:latin typeface="Calibri"/>
-                <a:ea typeface="Calibri"/>
-                <a:cs typeface="Calibri"/>
-                <a:sym typeface="Calibri"/>
-              </a:rPr>
-              <a:t>연구논문 작성</a:t>
-            </a:r>
-            <a:endParaRPr lang="en-US" altLang="ko-KR" sz="1050">
-              <a:solidFill>
-                <a:schemeClr val="dk1"/>
-              </a:solidFill>
-              <a:latin typeface="Calibri"/>
-              <a:ea typeface="Calibri"/>
-              <a:cs typeface="Calibri"/>
-              <a:sym typeface="Calibri"/>
-            </a:endParaRPr>
-          </a:p>
-          <a:p>
-            <a:pPr lvl="0">
-              <a:lnSpc>
-                <a:spcPct val="120000"/>
-              </a:lnSpc>
-              <a:buSzPts val="1400"/>
-            </a:pPr>
-            <a:r>
-              <a:rPr lang="ko-KR" altLang="ko-KR" sz="1050">
-                <a:solidFill>
-                  <a:schemeClr val="dk1"/>
-                </a:solidFill>
-                <a:latin typeface="Calibri"/>
-                <a:ea typeface="Calibri"/>
-                <a:cs typeface="Calibri"/>
-                <a:sym typeface="Calibri"/>
-              </a:rPr>
-              <a:t>③ </a:t>
-            </a:r>
-            <a:r>
-              <a:rPr lang="ko-KR" altLang="en-US" sz="1050">
-                <a:solidFill>
-                  <a:schemeClr val="dk1"/>
-                </a:solidFill>
-                <a:latin typeface="Calibri"/>
-                <a:ea typeface="Calibri"/>
-                <a:cs typeface="Calibri"/>
-                <a:sym typeface="Calibri"/>
-              </a:rPr>
-              <a:t>창업</a:t>
-            </a:r>
-            <a:r>
-              <a:rPr lang="en-US" altLang="ko-KR" sz="1050">
-                <a:solidFill>
-                  <a:schemeClr val="dk1"/>
-                </a:solidFill>
-                <a:latin typeface="Calibri"/>
-                <a:ea typeface="Calibri"/>
-                <a:cs typeface="Calibri"/>
-                <a:sym typeface="Calibri"/>
-              </a:rPr>
-              <a:t>/</a:t>
-            </a:r>
-            <a:r>
-              <a:rPr lang="ko-KR" altLang="en-US" sz="1050">
-                <a:solidFill>
-                  <a:schemeClr val="dk1"/>
-                </a:solidFill>
-                <a:latin typeface="Calibri"/>
-                <a:ea typeface="Calibri"/>
-                <a:cs typeface="Calibri"/>
-                <a:sym typeface="Calibri"/>
-              </a:rPr>
-              <a:t>특허 제안서 작성</a:t>
-            </a:r>
-            <a:endParaRPr lang="en-US" altLang="ko-KR" sz="1050">
-              <a:solidFill>
-                <a:schemeClr val="dk1"/>
-              </a:solidFill>
-              <a:latin typeface="Calibri"/>
-              <a:ea typeface="Calibri"/>
-              <a:cs typeface="Calibri"/>
-              <a:sym typeface="Calibri"/>
-            </a:endParaRPr>
-          </a:p>
-          <a:p>
-            <a:pPr marL="92075" marR="0" lvl="0" indent="-92075" algn="l" rtl="0">
-              <a:lnSpc>
-                <a:spcPct val="120000"/>
-              </a:lnSpc>
-              <a:spcBef>
-                <a:spcPts val="0"/>
-              </a:spcBef>
-              <a:spcAft>
-                <a:spcPts val="0"/>
-              </a:spcAft>
-              <a:buClr>
-                <a:srgbClr val="000000"/>
-              </a:buClr>
-              <a:buSzPts val="1400"/>
-              <a:buFont typeface="Noto Sans Symbols"/>
-              <a:buChar char="▪"/>
-            </a:pPr>
-            <a:r>
-              <a:rPr lang="ko-KR" altLang="en-US" sz="1050" b="1" i="0" u="none" strike="noStrike" cap="none">
-                <a:solidFill>
-                  <a:schemeClr val="dk1"/>
-                </a:solidFill>
-                <a:latin typeface="Calibri"/>
-                <a:ea typeface="Calibri"/>
-                <a:cs typeface="Calibri"/>
-                <a:sym typeface="Calibri"/>
-              </a:rPr>
-              <a:t>주의사항</a:t>
-            </a:r>
-            <a:r>
-              <a:rPr lang="en-US" altLang="ko-KR" sz="1050" b="1" i="0" u="none" strike="noStrike" cap="none">
-                <a:solidFill>
-                  <a:schemeClr val="dk1"/>
-                </a:solidFill>
-                <a:latin typeface="Calibri"/>
-                <a:ea typeface="Calibri"/>
-                <a:cs typeface="Calibri"/>
-                <a:sym typeface="Calibri"/>
-              </a:rPr>
-              <a:t>:</a:t>
-            </a:r>
-          </a:p>
-          <a:p>
-            <a:pPr marL="171450" marR="0" lvl="0" indent="-171450" algn="l" rtl="0">
-              <a:lnSpc>
-                <a:spcPct val="120000"/>
-              </a:lnSpc>
-              <a:spcBef>
-                <a:spcPts val="0"/>
-              </a:spcBef>
-              <a:spcAft>
-                <a:spcPts val="0"/>
-              </a:spcAft>
-              <a:buClr>
-                <a:srgbClr val="000000"/>
-              </a:buClr>
-              <a:buSzPts val="1400"/>
-              <a:buFontTx/>
-              <a:buChar char="-"/>
-            </a:pPr>
-            <a:r>
-              <a:rPr lang="en-US" altLang="ko-KR" sz="800">
-                <a:solidFill>
-                  <a:schemeClr val="dk1"/>
-                </a:solidFill>
-                <a:latin typeface="Calibri"/>
-                <a:ea typeface="Calibri"/>
-                <a:cs typeface="Calibri"/>
-                <a:sym typeface="Calibri"/>
-              </a:rPr>
-              <a:t>2</a:t>
-            </a:r>
-            <a:r>
-              <a:rPr lang="ko-KR" altLang="en-US" sz="800">
-                <a:solidFill>
-                  <a:schemeClr val="dk1"/>
-                </a:solidFill>
-                <a:latin typeface="Calibri"/>
-                <a:ea typeface="Calibri"/>
-                <a:cs typeface="Calibri"/>
-                <a:sym typeface="Calibri"/>
-              </a:rPr>
-              <a:t>학기에는 지도교수와의 직접 지도</a:t>
-            </a:r>
-            <a:endParaRPr lang="en-US" altLang="ko-KR" sz="800">
-              <a:solidFill>
-                <a:schemeClr val="dk1"/>
-              </a:solidFill>
-              <a:latin typeface="Calibri"/>
-              <a:ea typeface="Calibri"/>
-              <a:cs typeface="Calibri"/>
-              <a:sym typeface="Calibri"/>
-            </a:endParaRPr>
-          </a:p>
-          <a:p>
-            <a:pPr marL="171450" marR="0" lvl="0" indent="-171450" algn="l" rtl="0">
-              <a:lnSpc>
-                <a:spcPct val="120000"/>
-              </a:lnSpc>
-              <a:spcBef>
-                <a:spcPts val="0"/>
-              </a:spcBef>
-              <a:spcAft>
-                <a:spcPts val="0"/>
-              </a:spcAft>
-              <a:buClr>
-                <a:srgbClr val="000000"/>
-              </a:buClr>
-              <a:buSzPts val="1400"/>
-              <a:buFontTx/>
-              <a:buChar char="-"/>
-            </a:pPr>
-            <a:r>
-              <a:rPr lang="en-US" altLang="ko-KR" sz="800">
-                <a:solidFill>
-                  <a:schemeClr val="dk1"/>
-                </a:solidFill>
-                <a:latin typeface="Calibri"/>
-                <a:ea typeface="Calibri"/>
-                <a:cs typeface="Calibri"/>
-                <a:sym typeface="Calibri"/>
-              </a:rPr>
-              <a:t>1</a:t>
-            </a:r>
-            <a:r>
-              <a:rPr lang="ko-KR" altLang="en-US" sz="800">
-                <a:solidFill>
-                  <a:schemeClr val="dk1"/>
-                </a:solidFill>
-                <a:latin typeface="Calibri"/>
-                <a:ea typeface="Calibri"/>
-                <a:cs typeface="Calibri"/>
-                <a:sym typeface="Calibri"/>
-              </a:rPr>
-              <a:t>학기에는 </a:t>
-            </a:r>
-            <a:r>
-              <a:rPr lang="en-US" altLang="ko-KR" sz="800">
-                <a:solidFill>
-                  <a:schemeClr val="dk1"/>
-                </a:solidFill>
-                <a:latin typeface="Calibri"/>
-                <a:ea typeface="Calibri"/>
-                <a:cs typeface="Calibri"/>
-                <a:sym typeface="Calibri"/>
-              </a:rPr>
-              <a:t>“</a:t>
-            </a:r>
-            <a:r>
-              <a:rPr lang="ko-KR" altLang="en-US" sz="800">
-                <a:solidFill>
-                  <a:schemeClr val="dk1"/>
-                </a:solidFill>
-                <a:latin typeface="Calibri"/>
-                <a:ea typeface="Calibri"/>
-                <a:cs typeface="Calibri"/>
-                <a:sym typeface="Calibri"/>
-              </a:rPr>
-              <a:t>인공지능기반의사결정</a:t>
-            </a:r>
-            <a:r>
-              <a:rPr lang="en-US" altLang="ko-KR" sz="800">
-                <a:solidFill>
-                  <a:schemeClr val="dk1"/>
-                </a:solidFill>
-                <a:latin typeface="Calibri"/>
-                <a:ea typeface="Calibri"/>
-                <a:cs typeface="Calibri"/>
-                <a:sym typeface="Calibri"/>
-              </a:rPr>
-              <a:t>” </a:t>
-            </a:r>
-            <a:r>
-              <a:rPr lang="ko-KR" altLang="en-US" sz="800">
-                <a:solidFill>
-                  <a:schemeClr val="dk1"/>
-                </a:solidFill>
-                <a:latin typeface="Calibri"/>
-                <a:ea typeface="Calibri"/>
-                <a:cs typeface="Calibri"/>
-                <a:sym typeface="Calibri"/>
-              </a:rPr>
-              <a:t>수강</a:t>
-            </a:r>
-            <a:r>
-              <a:rPr lang="en-US" altLang="ko-KR" sz="800">
-                <a:solidFill>
-                  <a:schemeClr val="dk1"/>
-                </a:solidFill>
-                <a:latin typeface="Calibri"/>
-                <a:ea typeface="Calibri"/>
-                <a:cs typeface="Calibri"/>
-                <a:sym typeface="Calibri"/>
-              </a:rPr>
-              <a:t>/</a:t>
-            </a:r>
-            <a:r>
-              <a:rPr lang="ko-KR" altLang="en-US" sz="800">
-                <a:solidFill>
-                  <a:schemeClr val="dk1"/>
-                </a:solidFill>
-                <a:latin typeface="Calibri"/>
-                <a:ea typeface="Calibri"/>
-                <a:cs typeface="Calibri"/>
-                <a:sym typeface="Calibri"/>
-              </a:rPr>
-              <a:t>청강</a:t>
-            </a:r>
-            <a:endParaRPr lang="en-US" altLang="ko-KR" sz="800">
-              <a:solidFill>
-                <a:schemeClr val="dk1"/>
-              </a:solidFill>
-              <a:latin typeface="Calibri"/>
-              <a:ea typeface="Calibri"/>
-              <a:cs typeface="Calibri"/>
-              <a:sym typeface="Calibri"/>
-            </a:endParaRPr>
-          </a:p>
-          <a:p>
-            <a:pPr marL="171450" marR="0" lvl="0" indent="-171450" algn="l" rtl="0">
-              <a:lnSpc>
-                <a:spcPct val="120000"/>
-              </a:lnSpc>
-              <a:spcBef>
-                <a:spcPts val="0"/>
-              </a:spcBef>
-              <a:spcAft>
-                <a:spcPts val="0"/>
-              </a:spcAft>
-              <a:buClr>
-                <a:srgbClr val="000000"/>
-              </a:buClr>
-              <a:buSzPts val="1400"/>
-              <a:buFontTx/>
-              <a:buChar char="-"/>
-            </a:pPr>
-            <a:r>
-              <a:rPr lang="ko-KR" altLang="en-US" sz="800">
-                <a:solidFill>
-                  <a:schemeClr val="dk1"/>
-                </a:solidFill>
-                <a:latin typeface="Calibri"/>
-                <a:ea typeface="Calibri"/>
-                <a:cs typeface="Calibri"/>
-                <a:sym typeface="Calibri"/>
-              </a:rPr>
-              <a:t>실질적 효과를 위해선 선행된 공모전이나 연구 또는 창업현황을 조사 및 미리 분석을 해둔 후</a:t>
-            </a:r>
-            <a:r>
-              <a:rPr lang="en-US" altLang="ko-KR" sz="800">
-                <a:solidFill>
-                  <a:schemeClr val="dk1"/>
-                </a:solidFill>
-                <a:latin typeface="Calibri"/>
-                <a:ea typeface="Calibri"/>
-                <a:cs typeface="Calibri"/>
-                <a:sym typeface="Calibri"/>
-              </a:rPr>
-              <a:t>, </a:t>
-            </a:r>
-            <a:r>
-              <a:rPr lang="ko-KR" altLang="en-US" sz="800">
-                <a:solidFill>
-                  <a:schemeClr val="dk1"/>
-                </a:solidFill>
-                <a:latin typeface="Calibri"/>
-                <a:ea typeface="Calibri"/>
-                <a:cs typeface="Calibri"/>
-                <a:sym typeface="Calibri"/>
-              </a:rPr>
-              <a:t>빠른 대응과 작성이 필수적일듯</a:t>
-            </a:r>
-            <a:endParaRPr lang="en-US" altLang="ko-KR" sz="800">
               <a:solidFill>
                 <a:schemeClr val="dk1"/>
               </a:solidFill>
@@ -7904,7 +8022,7 @@
         </p:nvSpPr>
         <p:spPr>
           <a:xfrm>
-            <a:off x="594703" y="4876847"/>
+            <a:off x="594703" y="5058127"/>
             <a:ext cx="7954483" cy="1222673"/>
           </a:xfrm>
           <a:prstGeom prst="rect">
@@ -8467,287 +8585,6 @@
               </a:rPr>
               <a:t>!</a:t>
             </a:r>
-          </a:p>
-          <a:p>
-            <a:pPr marR="0" lvl="0" algn="l" rtl="0">
-              <a:lnSpc>
-                <a:spcPct val="150000"/>
-              </a:lnSpc>
-              <a:spcBef>
-                <a:spcPts val="0"/>
-              </a:spcBef>
-              <a:spcAft>
-                <a:spcPts val="0"/>
-              </a:spcAft>
-              <a:buClr>
-                <a:schemeClr val="dk1"/>
-              </a:buClr>
-              <a:buSzPts val="1400"/>
-            </a:pPr>
-            <a:r>
-              <a:rPr lang="en-US" altLang="ko-KR" sz="1000" u="sng">
-                <a:solidFill>
-                  <a:srgbClr val="FF0000"/>
-                </a:solidFill>
-                <a:latin typeface="Calibri" panose="020F0502020204030204" pitchFamily="34" charset="0"/>
-                <a:cs typeface="Calibri" panose="020F0502020204030204" pitchFamily="34" charset="0"/>
-              </a:rPr>
-              <a:t>3</a:t>
-            </a:r>
-            <a:r>
-              <a:rPr lang="ko-KR" altLang="en-US" sz="1000" u="sng">
-                <a:solidFill>
-                  <a:srgbClr val="FF0000"/>
-                </a:solidFill>
-                <a:latin typeface="Calibri" panose="020F0502020204030204" pitchFamily="34" charset="0"/>
-                <a:cs typeface="Calibri" panose="020F0502020204030204" pitchFamily="34" charset="0"/>
-              </a:rPr>
-              <a:t>분기 예시</a:t>
-            </a:r>
-            <a:r>
-              <a:rPr lang="en-US" altLang="ko-KR" sz="1000" u="sng">
-                <a:solidFill>
-                  <a:srgbClr val="FF0000"/>
-                </a:solidFill>
-                <a:latin typeface="Calibri" panose="020F0502020204030204" pitchFamily="34" charset="0"/>
-                <a:cs typeface="Calibri" panose="020F0502020204030204" pitchFamily="34" charset="0"/>
-              </a:rPr>
-              <a:t>) Study Diving: </a:t>
-            </a:r>
-            <a:r>
-              <a:rPr lang="ko-KR" altLang="en-US" sz="1000" u="sng">
-                <a:solidFill>
-                  <a:srgbClr val="FF0000"/>
-                </a:solidFill>
-                <a:latin typeface="Calibri" panose="020F0502020204030204" pitchFamily="34" charset="0"/>
-                <a:cs typeface="Calibri" panose="020F0502020204030204" pitchFamily="34" charset="0"/>
-              </a:rPr>
-              <a:t>유효정</a:t>
-            </a:r>
-            <a:r>
-              <a:rPr lang="en-US" altLang="ko-KR" sz="1000" u="sng">
-                <a:solidFill>
-                  <a:srgbClr val="FF0000"/>
-                </a:solidFill>
-                <a:latin typeface="Calibri" panose="020F0502020204030204" pitchFamily="34" charset="0"/>
-                <a:cs typeface="Calibri" panose="020F0502020204030204" pitchFamily="34" charset="0"/>
-              </a:rPr>
-              <a:t>, </a:t>
-            </a:r>
-            <a:r>
-              <a:rPr lang="ko-KR" altLang="en-US" sz="1000" u="sng">
-                <a:solidFill>
-                  <a:srgbClr val="FF0000"/>
-                </a:solidFill>
-                <a:latin typeface="Calibri" panose="020F0502020204030204" pitchFamily="34" charset="0"/>
-                <a:cs typeface="Calibri" panose="020F0502020204030204" pitchFamily="34" charset="0"/>
-              </a:rPr>
-              <a:t>조은지</a:t>
-            </a:r>
-            <a:r>
-              <a:rPr lang="en-US" altLang="ko-KR" sz="1000" u="sng">
-                <a:solidFill>
-                  <a:srgbClr val="FF0000"/>
-                </a:solidFill>
-                <a:latin typeface="Calibri" panose="020F0502020204030204" pitchFamily="34" charset="0"/>
-                <a:cs typeface="Calibri" panose="020F0502020204030204" pitchFamily="34" charset="0"/>
-              </a:rPr>
-              <a:t>, </a:t>
-            </a:r>
-            <a:r>
-              <a:rPr lang="ko-KR" altLang="en-US" sz="1000" u="sng">
-                <a:solidFill>
-                  <a:srgbClr val="FF0000"/>
-                </a:solidFill>
-                <a:latin typeface="Calibri" panose="020F0502020204030204" pitchFamily="34" charset="0"/>
-                <a:cs typeface="Calibri" panose="020F0502020204030204" pitchFamily="34" charset="0"/>
-              </a:rPr>
-              <a:t>방가연</a:t>
-            </a:r>
-            <a:r>
-              <a:rPr lang="en-US" altLang="ko-KR" sz="1000" u="sng">
-                <a:solidFill>
-                  <a:srgbClr val="FF0000"/>
-                </a:solidFill>
-                <a:latin typeface="Calibri" panose="020F0502020204030204" pitchFamily="34" charset="0"/>
-                <a:cs typeface="Calibri" panose="020F0502020204030204" pitchFamily="34" charset="0"/>
-              </a:rPr>
-              <a:t>?, </a:t>
-            </a:r>
-            <a:r>
-              <a:rPr lang="ko-KR" altLang="en-US" sz="1000" u="sng">
-                <a:solidFill>
-                  <a:srgbClr val="FF0000"/>
-                </a:solidFill>
-                <a:latin typeface="Calibri" panose="020F0502020204030204" pitchFamily="34" charset="0"/>
-                <a:cs typeface="Calibri" panose="020F0502020204030204" pitchFamily="34" charset="0"/>
-              </a:rPr>
-              <a:t>이현서</a:t>
-            </a:r>
-            <a:r>
-              <a:rPr lang="en-US" altLang="ko-KR" sz="1000" u="sng">
-                <a:solidFill>
-                  <a:srgbClr val="FF0000"/>
-                </a:solidFill>
-                <a:latin typeface="Calibri" panose="020F0502020204030204" pitchFamily="34" charset="0"/>
-                <a:cs typeface="Calibri" panose="020F0502020204030204" pitchFamily="34" charset="0"/>
-              </a:rPr>
-              <a:t>, </a:t>
-            </a:r>
-            <a:r>
-              <a:rPr lang="ko-KR" altLang="en-US" sz="1000" u="sng">
-                <a:solidFill>
-                  <a:srgbClr val="FF0000"/>
-                </a:solidFill>
-                <a:latin typeface="Calibri" panose="020F0502020204030204" pitchFamily="34" charset="0"/>
-                <a:cs typeface="Calibri" panose="020F0502020204030204" pitchFamily="34" charset="0"/>
-              </a:rPr>
-              <a:t>이준형</a:t>
-            </a:r>
-            <a:r>
-              <a:rPr lang="en-US" altLang="ko-KR" sz="1000" u="sng">
-                <a:solidFill>
-                  <a:srgbClr val="FF0000"/>
-                </a:solidFill>
-                <a:latin typeface="Calibri" panose="020F0502020204030204" pitchFamily="34" charset="0"/>
-                <a:cs typeface="Calibri" panose="020F0502020204030204" pitchFamily="34" charset="0"/>
-              </a:rPr>
-              <a:t>? + 3</a:t>
-            </a:r>
-            <a:r>
-              <a:rPr lang="ko-KR" altLang="en-US" sz="1000" u="sng">
-                <a:solidFill>
-                  <a:srgbClr val="FF0000"/>
-                </a:solidFill>
-                <a:latin typeface="Calibri" panose="020F0502020204030204" pitchFamily="34" charset="0"/>
-                <a:cs typeface="Calibri" panose="020F0502020204030204" pitchFamily="34" charset="0"/>
-              </a:rPr>
-              <a:t>기 </a:t>
-            </a:r>
-            <a:r>
-              <a:rPr lang="en-US" altLang="ko-KR" sz="1000" u="sng">
-                <a:solidFill>
-                  <a:srgbClr val="FF0000"/>
-                </a:solidFill>
-                <a:latin typeface="Calibri" panose="020F0502020204030204" pitchFamily="34" charset="0"/>
-                <a:cs typeface="Calibri" panose="020F0502020204030204" pitchFamily="34" charset="0"/>
-              </a:rPr>
-              <a:t>/ Project Diving: </a:t>
-            </a:r>
-            <a:r>
-              <a:rPr lang="ko-KR" altLang="en-US" sz="1000" u="sng">
-                <a:solidFill>
-                  <a:srgbClr val="FF0000"/>
-                </a:solidFill>
-                <a:latin typeface="Calibri" panose="020F0502020204030204" pitchFamily="34" charset="0"/>
-                <a:cs typeface="Calibri" panose="020F0502020204030204" pitchFamily="34" charset="0"/>
-              </a:rPr>
-              <a:t>방가연 </a:t>
-            </a:r>
-            <a:r>
-              <a:rPr lang="en-US" altLang="ko-KR" sz="1000" u="sng">
-                <a:solidFill>
-                  <a:srgbClr val="FF0000"/>
-                </a:solidFill>
-                <a:latin typeface="Calibri" panose="020F0502020204030204" pitchFamily="34" charset="0"/>
-                <a:cs typeface="Calibri" panose="020F0502020204030204" pitchFamily="34" charset="0"/>
-              </a:rPr>
-              <a:t>/ Brand Diving: </a:t>
-            </a:r>
-            <a:r>
-              <a:rPr lang="ko-KR" altLang="en-US" sz="1000" u="sng">
-                <a:solidFill>
-                  <a:srgbClr val="FF0000"/>
-                </a:solidFill>
-                <a:latin typeface="Calibri" panose="020F0502020204030204" pitchFamily="34" charset="0"/>
-                <a:cs typeface="Calibri" panose="020F0502020204030204" pitchFamily="34" charset="0"/>
-              </a:rPr>
-              <a:t>임보민</a:t>
-            </a:r>
-            <a:r>
-              <a:rPr lang="en-US" altLang="ko-KR" sz="1000" u="sng">
-                <a:solidFill>
-                  <a:srgbClr val="FF0000"/>
-                </a:solidFill>
-                <a:latin typeface="Calibri" panose="020F0502020204030204" pitchFamily="34" charset="0"/>
-                <a:cs typeface="Calibri" panose="020F0502020204030204" pitchFamily="34" charset="0"/>
-              </a:rPr>
-              <a:t>, </a:t>
-            </a:r>
-            <a:r>
-              <a:rPr lang="ko-KR" altLang="en-US" sz="1000" u="sng">
-                <a:solidFill>
-                  <a:srgbClr val="FF0000"/>
-                </a:solidFill>
-                <a:latin typeface="Calibri" panose="020F0502020204030204" pitchFamily="34" charset="0"/>
-                <a:cs typeface="Calibri" panose="020F0502020204030204" pitchFamily="34" charset="0"/>
-              </a:rPr>
-              <a:t>박재흥</a:t>
-            </a:r>
-            <a:r>
-              <a:rPr lang="en-US" altLang="ko-KR" sz="1000" u="sng">
-                <a:solidFill>
-                  <a:srgbClr val="FF0000"/>
-                </a:solidFill>
-                <a:latin typeface="Calibri" panose="020F0502020204030204" pitchFamily="34" charset="0"/>
-                <a:cs typeface="Calibri" panose="020F0502020204030204" pitchFamily="34" charset="0"/>
-              </a:rPr>
-              <a:t>, </a:t>
-            </a:r>
-            <a:r>
-              <a:rPr lang="ko-KR" altLang="en-US" sz="1000" u="sng">
-                <a:solidFill>
-                  <a:srgbClr val="FF0000"/>
-                </a:solidFill>
-                <a:latin typeface="Calibri" panose="020F0502020204030204" pitchFamily="34" charset="0"/>
-                <a:cs typeface="Calibri" panose="020F0502020204030204" pitchFamily="34" charset="0"/>
-              </a:rPr>
-              <a:t>이준형</a:t>
-            </a:r>
-            <a:r>
-              <a:rPr lang="en-US" altLang="ko-KR" sz="1000" u="sng">
-                <a:solidFill>
-                  <a:srgbClr val="FF0000"/>
-                </a:solidFill>
-                <a:latin typeface="Calibri" panose="020F0502020204030204" pitchFamily="34" charset="0"/>
-                <a:cs typeface="Calibri" panose="020F0502020204030204" pitchFamily="34" charset="0"/>
-              </a:rPr>
-              <a:t>, </a:t>
-            </a:r>
-            <a:r>
-              <a:rPr lang="ko-KR" altLang="en-US" sz="1000" u="sng">
-                <a:solidFill>
-                  <a:srgbClr val="FF0000"/>
-                </a:solidFill>
-                <a:latin typeface="Calibri" panose="020F0502020204030204" pitchFamily="34" charset="0"/>
-                <a:cs typeface="Calibri" panose="020F0502020204030204" pitchFamily="34" charset="0"/>
-              </a:rPr>
-              <a:t>조성훈</a:t>
-            </a:r>
-            <a:endParaRPr lang="en-US" altLang="ko-KR" sz="1000" u="sng">
-              <a:solidFill>
-                <a:srgbClr val="FF0000"/>
-              </a:solidFill>
-              <a:latin typeface="Calibri" panose="020F0502020204030204" pitchFamily="34" charset="0"/>
-              <a:cs typeface="Calibri" panose="020F0502020204030204" pitchFamily="34" charset="0"/>
-            </a:endParaRPr>
-          </a:p>
-          <a:p>
-            <a:pPr marR="0" lvl="0" algn="l" rtl="0">
-              <a:lnSpc>
-                <a:spcPct val="150000"/>
-              </a:lnSpc>
-              <a:spcBef>
-                <a:spcPts val="0"/>
-              </a:spcBef>
-              <a:spcAft>
-                <a:spcPts val="0"/>
-              </a:spcAft>
-              <a:buClr>
-                <a:schemeClr val="dk1"/>
-              </a:buClr>
-              <a:buSzPts val="1400"/>
-            </a:pPr>
             <a:endParaRPr sz="1000">
               <a:latin typeface="Calibri" panose="020F0502020204030204" pitchFamily="34" charset="0"/>
               <a:cs typeface="Calibri" panose="020F0502020204030204" pitchFamily="34" charset="0"/>

--- a/[Document]/소개운영자료/[DIVE_운영방향_김경원교수].pptx
+++ b/[Document]/소개운영자료/[DIVE_운영방향_김경원교수].pptx
@@ -5,13 +5,14 @@
     <p:sldMasterId id="2147483648" r:id="rId1"/>
   </p:sldMasterIdLst>
   <p:notesMasterIdLst>
-    <p:notesMasterId r:id="rId3"/>
+    <p:notesMasterId r:id="rId4"/>
   </p:notesMasterIdLst>
   <p:handoutMasterIdLst>
-    <p:handoutMasterId r:id="rId4"/>
+    <p:handoutMasterId r:id="rId5"/>
   </p:handoutMasterIdLst>
   <p:sldIdLst>
     <p:sldId id="365" r:id="rId2"/>
+    <p:sldId id="367" r:id="rId3"/>
   </p:sldIdLst>
   <p:sldSz cx="9144000" cy="6858000" type="screen4x3"/>
   <p:notesSz cx="6797675" cy="9926638"/>
@@ -284,7 +285,7 @@
       </p15:notesGuideLst>
     </p:ext>
     <p:ext uri="http://customooxmlschemas.google.com/">
-      <go:slidesCustomData xmlns:go="http://customooxmlschemas.google.com/" xmlns:p15="http://schemas.microsoft.com/office/powerpoint/2012/main" xmlns:p14="http://schemas.microsoft.com/office/powerpoint/2010/main" xmlns:com="http://schemas.openxmlformats.org/drawingml/2006/compatibility" xmlns:pvml="urn:schemas-microsoft-com:office:powerpoint" xmlns:v="urn:schemas-microsoft-com:vml" xmlns:o="urn:schemas-microsoft-com:office:office" xmlns:dgm="http://schemas.openxmlformats.org/drawingml/2006/diagram" xmlns:c="http://schemas.openxmlformats.org/drawingml/2006/chart" xmlns:mv="urn:schemas-microsoft-com:mac:vml" xmlns:mc="http://schemas.openxmlformats.org/markup-compatibility/2006" xmlns="" r:id="rId105" roundtripDataSignature="AMtx7miUWwlRzSp7FmXEzuK0I58SVnBqRw=="/>
+      <go:slidesCustomData xmlns="" xmlns:mc="http://schemas.openxmlformats.org/markup-compatibility/2006" xmlns:mv="urn:schemas-microsoft-com:mac:vml" xmlns:c="http://schemas.openxmlformats.org/drawingml/2006/chart" xmlns:dgm="http://schemas.openxmlformats.org/drawingml/2006/diagram" xmlns:o="urn:schemas-microsoft-com:office:office" xmlns:v="urn:schemas-microsoft-com:vml" xmlns:pvml="urn:schemas-microsoft-com:office:powerpoint" xmlns:com="http://schemas.openxmlformats.org/drawingml/2006/compatibility" xmlns:p14="http://schemas.microsoft.com/office/powerpoint/2010/main" xmlns:p15="http://schemas.microsoft.com/office/powerpoint/2012/main" xmlns:go="http://customooxmlschemas.google.com/" r:id="rId105" roundtripDataSignature="AMtx7miUWwlRzSp7FmXEzuK0I58SVnBqRw=="/>
     </p:ext>
   </p:extLst>
 </p:presentation>
@@ -384,7 +385,7 @@
           <a:p>
             <a:fld id="{0FE758C4-0839-4DFD-B23C-C4B0E1666FA8}" type="datetimeFigureOut">
               <a:rPr lang="ko-KR" altLang="en-US" smtClean="0"/>
-              <a:t>2025-06-23</a:t>
+              <a:t>2025-07-03</a:t>
             </a:fld>
             <a:endParaRPr lang="ko-KR" altLang="en-US"/>
           </a:p>
@@ -2031,6 +2032,133 @@
         </p:spPr>
       </p:sp>
     </p:spTree>
+  </p:cSld>
+  <p:clrMapOvr>
+    <a:masterClrMapping/>
+  </p:clrMapOvr>
+</p:notes>
+</file>
+
+<file path=ppt/notesSlides/notesSlide2.xml><?xml version="1.0" encoding="utf-8"?>
+<p:notes xmlns:a="http://schemas.openxmlformats.org/drawingml/2006/main" xmlns:r="http://schemas.openxmlformats.org/officeDocument/2006/relationships" xmlns:p="http://schemas.openxmlformats.org/presentationml/2006/main" showMasterSp="0" showMasterPhAnim="0">
+  <p:cSld>
+    <p:spTree>
+      <p:nvGrpSpPr>
+        <p:cNvPr id="1" name="Shape 572">
+          <a:extLst>
+            <a:ext uri="{FF2B5EF4-FFF2-40B4-BE49-F238E27FC236}">
+              <a16:creationId xmlns:a16="http://schemas.microsoft.com/office/drawing/2014/main" id="{6D995013-4226-2582-4E70-CEB26ABBE43B}"/>
+            </a:ext>
+          </a:extLst>
+        </p:cNvPr>
+        <p:cNvGrpSpPr/>
+        <p:nvPr/>
+      </p:nvGrpSpPr>
+      <p:grpSpPr>
+        <a:xfrm>
+          <a:off x="0" y="0"/>
+          <a:ext cx="0" cy="0"/>
+          <a:chOff x="0" y="0"/>
+          <a:chExt cx="0" cy="0"/>
+        </a:xfrm>
+      </p:grpSpPr>
+      <p:sp>
+        <p:nvSpPr>
+          <p:cNvPr id="573" name="Google Shape;573;p41:notes">
+            <a:extLst>
+              <a:ext uri="{FF2B5EF4-FFF2-40B4-BE49-F238E27FC236}">
+                <a16:creationId xmlns:a16="http://schemas.microsoft.com/office/drawing/2014/main" id="{D67D3314-E025-F744-6602-8EB9E20FD3F3}"/>
+              </a:ext>
+            </a:extLst>
+          </p:cNvPr>
+          <p:cNvSpPr txBox="1">
+            <a:spLocks noGrp="1"/>
+          </p:cNvSpPr>
+          <p:nvPr>
+            <p:ph type="body" idx="1"/>
+          </p:nvPr>
+        </p:nvSpPr>
+        <p:spPr>
+          <a:xfrm>
+            <a:off x="679768" y="4715154"/>
+            <a:ext cx="5438140" cy="4466987"/>
+          </a:xfrm>
+          <a:prstGeom prst="rect">
+            <a:avLst/>
+          </a:prstGeom>
+        </p:spPr>
+        <p:txBody>
+          <a:bodyPr spcFirstLastPara="1" wrap="square" lIns="91425" tIns="45700" rIns="91425" bIns="45700" anchor="t" anchorCtr="0">
+            <a:noAutofit/>
+          </a:bodyPr>
+          <a:lstStyle/>
+          <a:p>
+            <a:pPr marL="0" lvl="0" indent="0" algn="l" rtl="0">
+              <a:spcBef>
+                <a:spcPts val="0"/>
+              </a:spcBef>
+              <a:spcAft>
+                <a:spcPts val="0"/>
+              </a:spcAft>
+              <a:buNone/>
+            </a:pPr>
+            <a:endParaRPr/>
+          </a:p>
+        </p:txBody>
+      </p:sp>
+      <p:sp>
+        <p:nvSpPr>
+          <p:cNvPr id="574" name="Google Shape;574;p41:notes">
+            <a:extLst>
+              <a:ext uri="{FF2B5EF4-FFF2-40B4-BE49-F238E27FC236}">
+                <a16:creationId xmlns:a16="http://schemas.microsoft.com/office/drawing/2014/main" id="{399546D5-2311-8373-EDBE-7DAB34128651}"/>
+              </a:ext>
+            </a:extLst>
+          </p:cNvPr>
+          <p:cNvSpPr>
+            <a:spLocks noGrp="1" noRot="1" noChangeAspect="1"/>
+          </p:cNvSpPr>
+          <p:nvPr>
+            <p:ph type="sldImg" idx="2"/>
+          </p:nvPr>
+        </p:nvSpPr>
+        <p:spPr>
+          <a:xfrm>
+            <a:off x="917575" y="744538"/>
+            <a:ext cx="4962525" cy="3722687"/>
+          </a:xfrm>
+          <a:custGeom>
+            <a:avLst/>
+            <a:gdLst/>
+            <a:ahLst/>
+            <a:cxnLst/>
+            <a:rect l="l" t="t" r="r" b="b"/>
+            <a:pathLst>
+              <a:path w="120000" h="120000" extrusionOk="0">
+                <a:moveTo>
+                  <a:pt x="0" y="0"/>
+                </a:moveTo>
+                <a:lnTo>
+                  <a:pt x="120000" y="0"/>
+                </a:lnTo>
+                <a:lnTo>
+                  <a:pt x="120000" y="120000"/>
+                </a:lnTo>
+                <a:lnTo>
+                  <a:pt x="0" y="120000"/>
+                </a:lnTo>
+                <a:close/>
+              </a:path>
+            </a:pathLst>
+          </a:custGeom>
+        </p:spPr>
+      </p:sp>
+    </p:spTree>
+    <p:extLst>
+      <p:ext uri="{BB962C8B-B14F-4D97-AF65-F5344CB8AC3E}">
+        <p14:creationId xmlns:p14="http://schemas.microsoft.com/office/powerpoint/2010/main" val="3428987260"/>
+      </p:ext>
+    </p:extLst>
   </p:cSld>
   <p:clrMapOvr>
     <a:masterClrMapping/>
@@ -5184,7 +5312,7 @@
                 <a:cs typeface="Calibri"/>
                 <a:sym typeface="Calibri"/>
               </a:rPr>
-              <a:t>방항</a:t>
+              <a:t>방향</a:t>
             </a:r>
             <a:r>
               <a:rPr lang="en-US" altLang="ko-KR" sz="1050" b="1">
@@ -8593,6 +8721,2619 @@
         </p:txBody>
       </p:sp>
     </p:spTree>
+  </p:cSld>
+  <p:clrMapOvr>
+    <a:masterClrMapping/>
+  </p:clrMapOvr>
+</p:sld>
+</file>
+
+<file path=ppt/slides/slide2.xml><?xml version="1.0" encoding="utf-8"?>
+<p:sld xmlns:a="http://schemas.openxmlformats.org/drawingml/2006/main" xmlns:r="http://schemas.openxmlformats.org/officeDocument/2006/relationships" xmlns:p="http://schemas.openxmlformats.org/presentationml/2006/main">
+  <p:cSld>
+    <p:spTree>
+      <p:nvGrpSpPr>
+        <p:cNvPr id="1" name="Shape 575">
+          <a:extLst>
+            <a:ext uri="{FF2B5EF4-FFF2-40B4-BE49-F238E27FC236}">
+              <a16:creationId xmlns:a16="http://schemas.microsoft.com/office/drawing/2014/main" id="{2C3A2FB4-D7F1-DF0C-8BF2-4C9BCA355DEF}"/>
+            </a:ext>
+          </a:extLst>
+        </p:cNvPr>
+        <p:cNvGrpSpPr/>
+        <p:nvPr/>
+      </p:nvGrpSpPr>
+      <p:grpSpPr>
+        <a:xfrm>
+          <a:off x="0" y="0"/>
+          <a:ext cx="0" cy="0"/>
+          <a:chOff x="0" y="0"/>
+          <a:chExt cx="0" cy="0"/>
+        </a:xfrm>
+      </p:grpSpPr>
+      <p:sp>
+        <p:nvSpPr>
+          <p:cNvPr id="7" name="Google Shape;721;p43">
+            <a:extLst>
+              <a:ext uri="{FF2B5EF4-FFF2-40B4-BE49-F238E27FC236}">
+                <a16:creationId xmlns:a16="http://schemas.microsoft.com/office/drawing/2014/main" id="{076B17AA-E937-F55C-6C2C-6B65E3D8E10C}"/>
+              </a:ext>
+            </a:extLst>
+          </p:cNvPr>
+          <p:cNvSpPr txBox="1"/>
+          <p:nvPr/>
+        </p:nvSpPr>
+        <p:spPr>
+          <a:xfrm>
+            <a:off x="4655529" y="2300797"/>
+            <a:ext cx="4125217" cy="2483716"/>
+          </a:xfrm>
+          <a:prstGeom prst="rect">
+            <a:avLst/>
+          </a:prstGeom>
+          <a:noFill/>
+          <a:ln>
+            <a:noFill/>
+          </a:ln>
+        </p:spPr>
+        <p:txBody>
+          <a:bodyPr spcFirstLastPara="1" wrap="square" lIns="91425" tIns="45700" rIns="91425" bIns="45700" anchor="t" anchorCtr="0">
+            <a:spAutoFit/>
+          </a:bodyPr>
+          <a:lstStyle/>
+          <a:p>
+            <a:pPr marL="92075" marR="0" lvl="0" indent="-92075" algn="l" rtl="0">
+              <a:lnSpc>
+                <a:spcPct val="120000"/>
+              </a:lnSpc>
+              <a:spcBef>
+                <a:spcPts val="0"/>
+              </a:spcBef>
+              <a:spcAft>
+                <a:spcPts val="0"/>
+              </a:spcAft>
+              <a:buClr>
+                <a:srgbClr val="000000"/>
+              </a:buClr>
+              <a:buSzPts val="1400"/>
+              <a:buFont typeface="Noto Sans Symbols"/>
+              <a:buChar char="▪"/>
+            </a:pPr>
+            <a:r>
+              <a:rPr lang="ko-KR" altLang="en-US" sz="1050" b="1">
+                <a:solidFill>
+                  <a:schemeClr val="dk1"/>
+                </a:solidFill>
+                <a:latin typeface="Calibri"/>
+                <a:ea typeface="Calibri"/>
+                <a:cs typeface="Calibri"/>
+                <a:sym typeface="Calibri"/>
+              </a:rPr>
+              <a:t>비즈니스 애널리틱스</a:t>
+            </a:r>
+            <a:r>
+              <a:rPr lang="en-US" altLang="ko-KR" sz="1050" b="1">
+                <a:solidFill>
+                  <a:schemeClr val="dk1"/>
+                </a:solidFill>
+                <a:latin typeface="Calibri"/>
+                <a:ea typeface="Calibri"/>
+                <a:cs typeface="Calibri"/>
+                <a:sym typeface="Calibri"/>
+              </a:rPr>
+              <a:t>2: </a:t>
+            </a:r>
+            <a:r>
+              <a:rPr lang="ko-KR" altLang="en-US" sz="1050">
+                <a:solidFill>
+                  <a:schemeClr val="dk1"/>
+                </a:solidFill>
+                <a:latin typeface="Calibri"/>
+                <a:ea typeface="Calibri"/>
+                <a:cs typeface="Calibri"/>
+                <a:sym typeface="Calibri"/>
+              </a:rPr>
+              <a:t>비즈니스 수요를 정확하게 예측해볼까</a:t>
+            </a:r>
+            <a:r>
+              <a:rPr lang="en-US" altLang="ko-KR" sz="1050">
+                <a:solidFill>
+                  <a:schemeClr val="dk1"/>
+                </a:solidFill>
+                <a:latin typeface="Calibri"/>
+                <a:ea typeface="Calibri"/>
+                <a:cs typeface="Calibri"/>
+                <a:sym typeface="Calibri"/>
+              </a:rPr>
+              <a:t>? </a:t>
+            </a:r>
+            <a:r>
+              <a:rPr lang="ko-KR" altLang="en-US" sz="1050">
+                <a:solidFill>
+                  <a:schemeClr val="dk1"/>
+                </a:solidFill>
+                <a:latin typeface="Calibri"/>
+                <a:ea typeface="Calibri"/>
+                <a:cs typeface="Calibri"/>
+                <a:sym typeface="Calibri"/>
+              </a:rPr>
+              <a:t>시계열 및 텍스트 형태로 구성된 경제지표와 뉴스데이터 융합을 통한 미래예측</a:t>
+            </a:r>
+            <a:endParaRPr lang="en-US" altLang="ko-KR" sz="1050">
+              <a:solidFill>
+                <a:schemeClr val="dk1"/>
+              </a:solidFill>
+              <a:latin typeface="Calibri"/>
+              <a:ea typeface="Calibri"/>
+              <a:cs typeface="Calibri"/>
+              <a:sym typeface="Calibri"/>
+            </a:endParaRPr>
+          </a:p>
+          <a:p>
+            <a:pPr marL="92075" marR="0" lvl="0" indent="-92075" algn="l" rtl="0">
+              <a:lnSpc>
+                <a:spcPct val="120000"/>
+              </a:lnSpc>
+              <a:spcBef>
+                <a:spcPts val="0"/>
+              </a:spcBef>
+              <a:spcAft>
+                <a:spcPts val="0"/>
+              </a:spcAft>
+              <a:buClr>
+                <a:srgbClr val="000000"/>
+              </a:buClr>
+              <a:buSzPts val="1400"/>
+              <a:buFont typeface="Noto Sans Symbols"/>
+              <a:buChar char="▪"/>
+            </a:pPr>
+            <a:r>
+              <a:rPr lang="ko-KR" altLang="en-US" sz="1050" b="1">
+                <a:solidFill>
+                  <a:schemeClr val="dk1"/>
+                </a:solidFill>
+                <a:latin typeface="Calibri"/>
+                <a:ea typeface="Calibri"/>
+                <a:cs typeface="Calibri"/>
+                <a:sym typeface="Calibri"/>
+              </a:rPr>
+              <a:t>목표</a:t>
+            </a:r>
+            <a:r>
+              <a:rPr lang="en-US" altLang="ko-KR" sz="1050" b="1">
+                <a:solidFill>
+                  <a:schemeClr val="dk1"/>
+                </a:solidFill>
+                <a:latin typeface="Calibri"/>
+                <a:ea typeface="Calibri"/>
+                <a:cs typeface="Calibri"/>
+                <a:sym typeface="Calibri"/>
+              </a:rPr>
+              <a:t>1: </a:t>
+            </a:r>
+            <a:r>
+              <a:rPr lang="ko-KR" altLang="en-US" sz="1050" b="1">
+                <a:solidFill>
+                  <a:schemeClr val="dk1"/>
+                </a:solidFill>
+                <a:latin typeface="Calibri"/>
+                <a:ea typeface="Calibri"/>
+                <a:cs typeface="Calibri"/>
+                <a:sym typeface="Calibri"/>
+              </a:rPr>
+              <a:t>데이터결합 </a:t>
+            </a:r>
+            <a:r>
+              <a:rPr lang="en-US" altLang="ko-KR" sz="1050" b="1">
+                <a:solidFill>
+                  <a:schemeClr val="dk1"/>
+                </a:solidFill>
+                <a:latin typeface="Calibri"/>
+                <a:ea typeface="Calibri"/>
+                <a:cs typeface="Calibri"/>
+                <a:sym typeface="Calibri"/>
+              </a:rPr>
+              <a:t>+ </a:t>
+            </a:r>
+            <a:r>
+              <a:rPr lang="ko-KR" altLang="en-US" sz="1050" b="1">
+                <a:solidFill>
+                  <a:schemeClr val="dk1"/>
+                </a:solidFill>
+                <a:latin typeface="Calibri"/>
+                <a:ea typeface="Calibri"/>
+                <a:cs typeface="Calibri"/>
+                <a:sym typeface="Calibri"/>
+              </a:rPr>
+              <a:t>시계열정보추출 </a:t>
+            </a:r>
+            <a:r>
+              <a:rPr lang="en-US" altLang="ko-KR" sz="1050" b="1">
+                <a:solidFill>
+                  <a:schemeClr val="dk1"/>
+                </a:solidFill>
+                <a:latin typeface="Calibri"/>
+                <a:ea typeface="Calibri"/>
+                <a:cs typeface="Calibri"/>
+                <a:sym typeface="Calibri"/>
+              </a:rPr>
+              <a:t>+ </a:t>
+            </a:r>
+            <a:r>
+              <a:rPr lang="ko-KR" altLang="en-US" sz="1050" b="1">
+                <a:solidFill>
+                  <a:schemeClr val="dk1"/>
+                </a:solidFill>
+                <a:latin typeface="Calibri"/>
+                <a:ea typeface="Calibri"/>
+                <a:cs typeface="Calibri"/>
+                <a:sym typeface="Calibri"/>
+              </a:rPr>
+              <a:t>텍스트정보추출</a:t>
+            </a:r>
+            <a:endParaRPr lang="en-US" altLang="ko-KR" sz="1050" b="1">
+              <a:solidFill>
+                <a:schemeClr val="dk1"/>
+              </a:solidFill>
+              <a:latin typeface="Calibri"/>
+              <a:ea typeface="Calibri"/>
+              <a:cs typeface="Calibri"/>
+              <a:sym typeface="Calibri"/>
+            </a:endParaRPr>
+          </a:p>
+          <a:p>
+            <a:pPr marL="171450" lvl="0" indent="-171450">
+              <a:lnSpc>
+                <a:spcPct val="120000"/>
+              </a:lnSpc>
+              <a:buSzPts val="1400"/>
+              <a:buFontTx/>
+              <a:buChar char="-"/>
+            </a:pPr>
+            <a:r>
+              <a:rPr lang="ko-KR" altLang="en-US" sz="900">
+                <a:solidFill>
+                  <a:schemeClr val="dk1"/>
+                </a:solidFill>
+                <a:latin typeface="Calibri"/>
+                <a:ea typeface="Calibri"/>
+                <a:cs typeface="Calibri"/>
+                <a:sym typeface="Calibri"/>
+              </a:rPr>
+              <a:t>데이터</a:t>
+            </a:r>
+            <a:r>
+              <a:rPr lang="en-US" altLang="ko-KR" sz="900">
+                <a:solidFill>
+                  <a:schemeClr val="dk1"/>
+                </a:solidFill>
+                <a:latin typeface="Calibri"/>
+                <a:ea typeface="Calibri"/>
+                <a:cs typeface="Calibri"/>
+                <a:sym typeface="Calibri"/>
+              </a:rPr>
+              <a:t>: </a:t>
+            </a:r>
+            <a:r>
+              <a:rPr lang="en-US" altLang="ko-KR" sz="900">
+                <a:solidFill>
+                  <a:schemeClr val="dk1"/>
+                </a:solidFill>
+                <a:latin typeface="Calibri"/>
+                <a:ea typeface="Calibri"/>
+                <a:cs typeface="Calibri"/>
+                <a:sym typeface="Calibri"/>
+                <a:hlinkClick r:id="rId3"/>
+              </a:rPr>
+              <a:t>https://github.com/thekimk/Lecture-NIA/tree/main/Data</a:t>
+            </a:r>
+            <a:endParaRPr lang="en-US" altLang="ko-KR" sz="900">
+              <a:solidFill>
+                <a:schemeClr val="dk1"/>
+              </a:solidFill>
+              <a:latin typeface="Calibri"/>
+              <a:ea typeface="Calibri"/>
+              <a:cs typeface="Calibri"/>
+              <a:sym typeface="Calibri"/>
+            </a:endParaRPr>
+          </a:p>
+          <a:p>
+            <a:pPr marL="171450" marR="0" lvl="0" indent="-171450" algn="l" rtl="0">
+              <a:lnSpc>
+                <a:spcPct val="120000"/>
+              </a:lnSpc>
+              <a:spcBef>
+                <a:spcPts val="0"/>
+              </a:spcBef>
+              <a:spcAft>
+                <a:spcPts val="0"/>
+              </a:spcAft>
+              <a:buClr>
+                <a:srgbClr val="000000"/>
+              </a:buClr>
+              <a:buSzPts val="1400"/>
+              <a:buFontTx/>
+              <a:buChar char="-"/>
+            </a:pPr>
+            <a:r>
+              <a:rPr lang="ko-KR" altLang="en-US" sz="900">
+                <a:solidFill>
+                  <a:schemeClr val="dk1"/>
+                </a:solidFill>
+                <a:latin typeface="Calibri"/>
+                <a:ea typeface="Calibri"/>
+                <a:cs typeface="Calibri"/>
+                <a:sym typeface="Calibri"/>
+              </a:rPr>
+              <a:t>데이터결합</a:t>
+            </a:r>
+            <a:r>
+              <a:rPr lang="en-US" altLang="ko-KR" sz="900">
+                <a:solidFill>
+                  <a:schemeClr val="dk1"/>
+                </a:solidFill>
+                <a:latin typeface="Calibri"/>
+                <a:ea typeface="Calibri"/>
+                <a:cs typeface="Calibri"/>
+                <a:sym typeface="Calibri"/>
+              </a:rPr>
+              <a:t>: </a:t>
+            </a:r>
+            <a:r>
+              <a:rPr lang="ko-KR" altLang="en-US" sz="900">
+                <a:solidFill>
+                  <a:schemeClr val="dk1"/>
+                </a:solidFill>
+                <a:latin typeface="Calibri"/>
+                <a:ea typeface="Calibri"/>
+                <a:cs typeface="Calibri"/>
+                <a:sym typeface="Calibri"/>
+              </a:rPr>
+              <a:t>비즈니스 수요데이터</a:t>
+            </a:r>
+            <a:r>
+              <a:rPr lang="en-US" altLang="ko-KR" sz="900">
+                <a:solidFill>
+                  <a:schemeClr val="dk1"/>
+                </a:solidFill>
+                <a:latin typeface="Calibri"/>
+                <a:ea typeface="Calibri"/>
+                <a:cs typeface="Calibri"/>
+                <a:sym typeface="Calibri"/>
+              </a:rPr>
+              <a:t>(df_KTX_monthsum_example_KK)</a:t>
+            </a:r>
+            <a:r>
+              <a:rPr lang="ko-KR" altLang="en-US" sz="900">
+                <a:solidFill>
+                  <a:schemeClr val="dk1"/>
+                </a:solidFill>
+                <a:latin typeface="Calibri"/>
+                <a:ea typeface="Calibri"/>
+                <a:cs typeface="Calibri"/>
+                <a:sym typeface="Calibri"/>
+              </a:rPr>
+              <a:t> </a:t>
+            </a:r>
+            <a:r>
+              <a:rPr lang="en-US" altLang="ko-KR" sz="900">
+                <a:solidFill>
+                  <a:schemeClr val="dk1"/>
+                </a:solidFill>
+                <a:latin typeface="Calibri"/>
+                <a:ea typeface="Calibri"/>
+                <a:cs typeface="Calibri"/>
+                <a:sym typeface="Calibri"/>
+              </a:rPr>
+              <a:t>+ </a:t>
+            </a:r>
+            <a:r>
+              <a:rPr lang="ko-KR" altLang="en-US" sz="900">
+                <a:solidFill>
+                  <a:schemeClr val="dk1"/>
+                </a:solidFill>
+                <a:latin typeface="Calibri"/>
+                <a:ea typeface="Calibri"/>
+                <a:cs typeface="Calibri"/>
+                <a:sym typeface="Calibri"/>
+              </a:rPr>
+              <a:t>경제지표 데이터</a:t>
+            </a:r>
+            <a:r>
+              <a:rPr lang="en-US" altLang="ko-KR" sz="900">
+                <a:solidFill>
+                  <a:schemeClr val="dk1"/>
+                </a:solidFill>
+                <a:latin typeface="Calibri"/>
+                <a:ea typeface="Calibri"/>
+                <a:cs typeface="Calibri"/>
+                <a:sym typeface="Calibri"/>
+              </a:rPr>
+              <a:t>(ECON &amp; KOSIS)</a:t>
+            </a:r>
+          </a:p>
+          <a:p>
+            <a:pPr marL="171450" marR="0" lvl="0" indent="-171450" algn="l" rtl="0">
+              <a:lnSpc>
+                <a:spcPct val="120000"/>
+              </a:lnSpc>
+              <a:spcBef>
+                <a:spcPts val="0"/>
+              </a:spcBef>
+              <a:spcAft>
+                <a:spcPts val="0"/>
+              </a:spcAft>
+              <a:buClr>
+                <a:srgbClr val="000000"/>
+              </a:buClr>
+              <a:buSzPts val="1400"/>
+              <a:buFontTx/>
+              <a:buChar char="-"/>
+            </a:pPr>
+            <a:r>
+              <a:rPr lang="ko-KR" altLang="en-US" sz="900">
+                <a:solidFill>
+                  <a:schemeClr val="dk1"/>
+                </a:solidFill>
+                <a:latin typeface="Calibri"/>
+                <a:ea typeface="Calibri"/>
+                <a:cs typeface="Calibri"/>
+                <a:sym typeface="Calibri"/>
+              </a:rPr>
+              <a:t>시계열정보추출</a:t>
+            </a:r>
+            <a:r>
+              <a:rPr lang="en-US" altLang="ko-KR" sz="900">
+                <a:solidFill>
+                  <a:schemeClr val="dk1"/>
+                </a:solidFill>
+                <a:latin typeface="Calibri"/>
+                <a:ea typeface="Calibri"/>
+                <a:cs typeface="Calibri"/>
+                <a:sym typeface="Calibri"/>
+              </a:rPr>
+              <a:t>: </a:t>
+            </a:r>
+            <a:r>
+              <a:rPr lang="ko-KR" altLang="en-US" sz="900">
+                <a:solidFill>
+                  <a:schemeClr val="dk1"/>
+                </a:solidFill>
+                <a:latin typeface="Calibri"/>
+                <a:ea typeface="Calibri"/>
+                <a:cs typeface="Calibri"/>
+                <a:sym typeface="Calibri"/>
+              </a:rPr>
+              <a:t>비즈니스 시간 정보에서 추출할 수 있는 주말</a:t>
+            </a:r>
+            <a:r>
+              <a:rPr lang="en-US" altLang="ko-KR" sz="900">
+                <a:solidFill>
+                  <a:schemeClr val="dk1"/>
+                </a:solidFill>
+                <a:latin typeface="Calibri"/>
+                <a:ea typeface="Calibri"/>
+                <a:cs typeface="Calibri"/>
+                <a:sym typeface="Calibri"/>
+              </a:rPr>
+              <a:t>, </a:t>
+            </a:r>
+            <a:r>
+              <a:rPr lang="ko-KR" altLang="en-US" sz="900">
+                <a:solidFill>
+                  <a:schemeClr val="dk1"/>
+                </a:solidFill>
+                <a:latin typeface="Calibri"/>
+                <a:ea typeface="Calibri"/>
+                <a:cs typeface="Calibri"/>
+                <a:sym typeface="Calibri"/>
+              </a:rPr>
+              <a:t>주중</a:t>
+            </a:r>
+            <a:r>
+              <a:rPr lang="en-US" altLang="ko-KR" sz="900">
+                <a:solidFill>
+                  <a:schemeClr val="dk1"/>
+                </a:solidFill>
+                <a:latin typeface="Calibri"/>
+                <a:ea typeface="Calibri"/>
+                <a:cs typeface="Calibri"/>
+                <a:sym typeface="Calibri"/>
+              </a:rPr>
+              <a:t>, </a:t>
+            </a:r>
+            <a:r>
+              <a:rPr lang="ko-KR" altLang="en-US" sz="900">
+                <a:solidFill>
+                  <a:schemeClr val="dk1"/>
+                </a:solidFill>
+                <a:latin typeface="Calibri"/>
+                <a:ea typeface="Calibri"/>
+                <a:cs typeface="Calibri"/>
+                <a:sym typeface="Calibri"/>
+              </a:rPr>
+              <a:t>공휴일</a:t>
+            </a:r>
+            <a:r>
+              <a:rPr lang="en-US" altLang="ko-KR" sz="900">
+                <a:solidFill>
+                  <a:schemeClr val="dk1"/>
+                </a:solidFill>
+                <a:latin typeface="Calibri"/>
+                <a:ea typeface="Calibri"/>
+                <a:cs typeface="Calibri"/>
+                <a:sym typeface="Calibri"/>
+              </a:rPr>
+              <a:t>, </a:t>
+            </a:r>
+            <a:r>
+              <a:rPr lang="ko-KR" altLang="en-US" sz="900">
+                <a:solidFill>
+                  <a:schemeClr val="dk1"/>
+                </a:solidFill>
+                <a:latin typeface="Calibri"/>
+                <a:ea typeface="Calibri"/>
+                <a:cs typeface="Calibri"/>
+                <a:sym typeface="Calibri"/>
+              </a:rPr>
+              <a:t>대체공휴일</a:t>
+            </a:r>
+            <a:r>
+              <a:rPr lang="en-US" altLang="ko-KR" sz="900">
+                <a:solidFill>
+                  <a:schemeClr val="dk1"/>
+                </a:solidFill>
+                <a:latin typeface="Calibri"/>
+                <a:ea typeface="Calibri"/>
+                <a:cs typeface="Calibri"/>
+                <a:sym typeface="Calibri"/>
+              </a:rPr>
+              <a:t>, </a:t>
+            </a:r>
+            <a:r>
+              <a:rPr lang="ko-KR" altLang="en-US" sz="900">
+                <a:solidFill>
+                  <a:schemeClr val="dk1"/>
+                </a:solidFill>
+                <a:latin typeface="Calibri"/>
+                <a:ea typeface="Calibri"/>
+                <a:cs typeface="Calibri"/>
+                <a:sym typeface="Calibri"/>
+              </a:rPr>
+              <a:t>명절 등 추출</a:t>
+            </a:r>
+            <a:endParaRPr lang="en-US" altLang="ko-KR" sz="900">
+              <a:solidFill>
+                <a:schemeClr val="dk1"/>
+              </a:solidFill>
+              <a:latin typeface="Calibri"/>
+              <a:ea typeface="Calibri"/>
+              <a:cs typeface="Calibri"/>
+              <a:sym typeface="Calibri"/>
+            </a:endParaRPr>
+          </a:p>
+          <a:p>
+            <a:pPr marL="171450" lvl="0" indent="-171450">
+              <a:lnSpc>
+                <a:spcPct val="120000"/>
+              </a:lnSpc>
+              <a:buSzPts val="1400"/>
+              <a:buFontTx/>
+              <a:buChar char="-"/>
+            </a:pPr>
+            <a:r>
+              <a:rPr lang="ko-KR" altLang="en-US" sz="900">
+                <a:solidFill>
+                  <a:schemeClr val="dk1"/>
+                </a:solidFill>
+                <a:latin typeface="Calibri"/>
+                <a:ea typeface="Calibri"/>
+                <a:cs typeface="Calibri"/>
+                <a:sym typeface="Calibri"/>
+              </a:rPr>
+              <a:t>뉴스데이터</a:t>
+            </a:r>
+            <a:r>
+              <a:rPr lang="en-US" altLang="ko-KR" sz="900">
+                <a:solidFill>
+                  <a:schemeClr val="dk1"/>
+                </a:solidFill>
+                <a:latin typeface="Calibri"/>
+                <a:ea typeface="Calibri"/>
+                <a:cs typeface="Calibri"/>
+                <a:sym typeface="Calibri"/>
+              </a:rPr>
+              <a:t>: </a:t>
+            </a:r>
+            <a:r>
+              <a:rPr lang="ko-KR" altLang="en-US" sz="900">
+                <a:solidFill>
+                  <a:schemeClr val="dk1"/>
+                </a:solidFill>
+                <a:latin typeface="Calibri"/>
+                <a:ea typeface="Calibri"/>
+                <a:cs typeface="Calibri"/>
+                <a:sym typeface="Calibri"/>
+              </a:rPr>
+              <a:t>크롤링 또는 빅카인즈에서 뉴스데이터 추출 </a:t>
+            </a:r>
+            <a:r>
+              <a:rPr lang="en-US" altLang="ko-KR" sz="900">
+                <a:solidFill>
+                  <a:schemeClr val="dk1"/>
+                </a:solidFill>
+                <a:latin typeface="Calibri"/>
+                <a:ea typeface="Calibri"/>
+                <a:cs typeface="Calibri"/>
+                <a:sym typeface="Calibri"/>
+              </a:rPr>
+              <a:t>(NewsResult_20150101-20250331_KTX</a:t>
+            </a:r>
+            <a:r>
+              <a:rPr lang="ko-KR" altLang="en-US" sz="900">
+                <a:solidFill>
+                  <a:schemeClr val="dk1"/>
+                </a:solidFill>
+                <a:latin typeface="Calibri"/>
+                <a:ea typeface="Calibri"/>
+                <a:cs typeface="Calibri"/>
+                <a:sym typeface="Calibri"/>
+              </a:rPr>
+              <a:t>코레일</a:t>
+            </a:r>
+            <a:r>
+              <a:rPr lang="en-US" altLang="ko-KR" sz="900">
+                <a:solidFill>
+                  <a:schemeClr val="dk1"/>
+                </a:solidFill>
+                <a:latin typeface="Calibri"/>
+                <a:ea typeface="Calibri"/>
+                <a:cs typeface="Calibri"/>
+                <a:sym typeface="Calibri"/>
+              </a:rPr>
+              <a:t>.xlsx) </a:t>
+            </a:r>
+          </a:p>
+          <a:p>
+            <a:pPr lvl="0">
+              <a:lnSpc>
+                <a:spcPct val="120000"/>
+              </a:lnSpc>
+              <a:buSzPts val="1400"/>
+            </a:pPr>
+            <a:r>
+              <a:rPr lang="en-US" altLang="ko-KR" sz="500">
+                <a:solidFill>
+                  <a:schemeClr val="dk1"/>
+                </a:solidFill>
+                <a:latin typeface="Calibri"/>
+                <a:ea typeface="Calibri"/>
+                <a:cs typeface="Calibri"/>
+                <a:sym typeface="Calibri"/>
+              </a:rPr>
+              <a:t>            (</a:t>
+            </a:r>
+            <a:r>
+              <a:rPr lang="ko-KR" altLang="en-US" sz="500">
+                <a:solidFill>
+                  <a:schemeClr val="dk1"/>
+                </a:solidFill>
+                <a:latin typeface="Calibri"/>
+                <a:ea typeface="Calibri"/>
+                <a:cs typeface="Calibri"/>
+                <a:sym typeface="Calibri"/>
+              </a:rPr>
+              <a:t>검색어</a:t>
+            </a:r>
+            <a:r>
+              <a:rPr lang="en-US" altLang="ko-KR" sz="500">
+                <a:solidFill>
+                  <a:schemeClr val="dk1"/>
+                </a:solidFill>
+                <a:latin typeface="Calibri"/>
+                <a:ea typeface="Calibri"/>
+                <a:cs typeface="Calibri"/>
+                <a:sym typeface="Calibri"/>
+              </a:rPr>
+              <a:t>: KTX </a:t>
+            </a:r>
+            <a:r>
+              <a:rPr lang="ko-KR" altLang="en-US" sz="500">
+                <a:solidFill>
+                  <a:schemeClr val="dk1"/>
+                </a:solidFill>
+                <a:latin typeface="Calibri"/>
+                <a:ea typeface="Calibri"/>
+                <a:cs typeface="Calibri"/>
+                <a:sym typeface="Calibri"/>
+              </a:rPr>
+              <a:t>코레일</a:t>
+            </a:r>
+            <a:r>
+              <a:rPr lang="en-US" altLang="ko-KR" sz="500">
+                <a:solidFill>
+                  <a:schemeClr val="dk1"/>
+                </a:solidFill>
+                <a:latin typeface="Calibri"/>
+                <a:ea typeface="Calibri"/>
+                <a:cs typeface="Calibri"/>
+                <a:sym typeface="Calibri"/>
+              </a:rPr>
+              <a:t> + </a:t>
+            </a:r>
+            <a:r>
+              <a:rPr lang="ko-KR" altLang="en-US" sz="500">
+                <a:solidFill>
+                  <a:schemeClr val="dk1"/>
+                </a:solidFill>
+                <a:latin typeface="Calibri"/>
+                <a:ea typeface="Calibri"/>
+                <a:cs typeface="Calibri"/>
+                <a:sym typeface="Calibri"/>
+              </a:rPr>
+              <a:t>기간</a:t>
+            </a:r>
+            <a:r>
+              <a:rPr lang="en-US" altLang="ko-KR" sz="500">
+                <a:solidFill>
+                  <a:schemeClr val="dk1"/>
+                </a:solidFill>
+                <a:latin typeface="Calibri"/>
+                <a:ea typeface="Calibri"/>
+                <a:cs typeface="Calibri"/>
+                <a:sym typeface="Calibri"/>
+              </a:rPr>
+              <a:t>: 15</a:t>
+            </a:r>
+            <a:r>
+              <a:rPr lang="ko-KR" altLang="en-US" sz="500">
+                <a:solidFill>
+                  <a:schemeClr val="dk1"/>
+                </a:solidFill>
+                <a:latin typeface="Calibri"/>
+                <a:ea typeface="Calibri"/>
+                <a:cs typeface="Calibri"/>
+                <a:sym typeface="Calibri"/>
+              </a:rPr>
+              <a:t>년</a:t>
+            </a:r>
+            <a:r>
+              <a:rPr lang="en-US" altLang="ko-KR" sz="500">
+                <a:solidFill>
+                  <a:schemeClr val="dk1"/>
+                </a:solidFill>
+                <a:latin typeface="Calibri"/>
+                <a:ea typeface="Calibri"/>
+                <a:cs typeface="Calibri"/>
+                <a:sym typeface="Calibri"/>
+              </a:rPr>
+              <a:t>1</a:t>
+            </a:r>
+            <a:r>
+              <a:rPr lang="ko-KR" altLang="en-US" sz="500">
+                <a:solidFill>
+                  <a:schemeClr val="dk1"/>
+                </a:solidFill>
+                <a:latin typeface="Calibri"/>
+                <a:ea typeface="Calibri"/>
+                <a:cs typeface="Calibri"/>
+                <a:sym typeface="Calibri"/>
+              </a:rPr>
+              <a:t>월</a:t>
+            </a:r>
+            <a:r>
+              <a:rPr lang="en-US" altLang="ko-KR" sz="500">
+                <a:solidFill>
+                  <a:schemeClr val="dk1"/>
+                </a:solidFill>
+                <a:latin typeface="Calibri"/>
+                <a:ea typeface="Calibri"/>
+                <a:cs typeface="Calibri"/>
+                <a:sym typeface="Calibri"/>
+              </a:rPr>
+              <a:t>1</a:t>
+            </a:r>
+            <a:r>
+              <a:rPr lang="ko-KR" altLang="en-US" sz="500">
+                <a:solidFill>
+                  <a:schemeClr val="dk1"/>
+                </a:solidFill>
+                <a:latin typeface="Calibri"/>
+                <a:ea typeface="Calibri"/>
+                <a:cs typeface="Calibri"/>
+                <a:sym typeface="Calibri"/>
+              </a:rPr>
+              <a:t>일</a:t>
+            </a:r>
+            <a:r>
+              <a:rPr lang="en-US" altLang="ko-KR" sz="500">
+                <a:solidFill>
+                  <a:schemeClr val="dk1"/>
+                </a:solidFill>
+                <a:latin typeface="Calibri"/>
+                <a:ea typeface="Calibri"/>
+                <a:cs typeface="Calibri"/>
+                <a:sym typeface="Calibri"/>
+              </a:rPr>
+              <a:t>~25</a:t>
+            </a:r>
+            <a:r>
+              <a:rPr lang="ko-KR" altLang="en-US" sz="500">
+                <a:solidFill>
+                  <a:schemeClr val="dk1"/>
+                </a:solidFill>
+                <a:latin typeface="Calibri"/>
+                <a:ea typeface="Calibri"/>
+                <a:cs typeface="Calibri"/>
+                <a:sym typeface="Calibri"/>
+              </a:rPr>
+              <a:t>년</a:t>
+            </a:r>
+            <a:r>
+              <a:rPr lang="en-US" altLang="ko-KR" sz="500">
+                <a:solidFill>
+                  <a:schemeClr val="dk1"/>
+                </a:solidFill>
+                <a:latin typeface="Calibri"/>
+                <a:ea typeface="Calibri"/>
+                <a:cs typeface="Calibri"/>
+                <a:sym typeface="Calibri"/>
+              </a:rPr>
+              <a:t>3</a:t>
+            </a:r>
+            <a:r>
+              <a:rPr lang="ko-KR" altLang="en-US" sz="500">
+                <a:solidFill>
+                  <a:schemeClr val="dk1"/>
+                </a:solidFill>
+                <a:latin typeface="Calibri"/>
+                <a:ea typeface="Calibri"/>
+                <a:cs typeface="Calibri"/>
+                <a:sym typeface="Calibri"/>
+              </a:rPr>
+              <a:t>월</a:t>
+            </a:r>
+            <a:r>
+              <a:rPr lang="en-US" altLang="ko-KR" sz="500">
+                <a:solidFill>
+                  <a:schemeClr val="dk1"/>
+                </a:solidFill>
+                <a:latin typeface="Calibri"/>
+                <a:ea typeface="Calibri"/>
+                <a:cs typeface="Calibri"/>
+                <a:sym typeface="Calibri"/>
+              </a:rPr>
+              <a:t>31</a:t>
+            </a:r>
+            <a:r>
+              <a:rPr lang="ko-KR" altLang="en-US" sz="500">
+                <a:solidFill>
+                  <a:schemeClr val="dk1"/>
+                </a:solidFill>
+                <a:latin typeface="Calibri"/>
+                <a:ea typeface="Calibri"/>
+                <a:cs typeface="Calibri"/>
+                <a:sym typeface="Calibri"/>
+              </a:rPr>
+              <a:t>일 </a:t>
+            </a:r>
+            <a:r>
+              <a:rPr lang="en-US" altLang="ko-KR" sz="500">
+                <a:solidFill>
+                  <a:schemeClr val="dk1"/>
+                </a:solidFill>
+                <a:latin typeface="Calibri"/>
+                <a:ea typeface="Calibri"/>
+                <a:cs typeface="Calibri"/>
+                <a:sym typeface="Calibri"/>
+              </a:rPr>
+              <a:t>+ </a:t>
+            </a:r>
+            <a:r>
+              <a:rPr lang="ko-KR" altLang="en-US" sz="500">
+                <a:solidFill>
+                  <a:schemeClr val="dk1"/>
+                </a:solidFill>
+                <a:latin typeface="Calibri"/>
+                <a:ea typeface="Calibri"/>
+                <a:cs typeface="Calibri"/>
+                <a:sym typeface="Calibri"/>
+              </a:rPr>
+              <a:t>언론사</a:t>
+            </a:r>
+            <a:r>
+              <a:rPr lang="en-US" altLang="ko-KR" sz="500">
+                <a:solidFill>
+                  <a:schemeClr val="dk1"/>
+                </a:solidFill>
+                <a:latin typeface="Calibri"/>
+                <a:ea typeface="Calibri"/>
+                <a:cs typeface="Calibri"/>
+                <a:sym typeface="Calibri"/>
+              </a:rPr>
+              <a:t>: </a:t>
+            </a:r>
+            <a:r>
+              <a:rPr lang="ko-KR" altLang="en-US" sz="500">
+                <a:solidFill>
+                  <a:schemeClr val="dk1"/>
+                </a:solidFill>
+                <a:latin typeface="Calibri"/>
+                <a:ea typeface="Calibri"/>
+                <a:cs typeface="Calibri"/>
+                <a:sym typeface="Calibri"/>
+              </a:rPr>
+              <a:t>전국일간지</a:t>
+            </a:r>
+            <a:r>
+              <a:rPr lang="en-US" altLang="ko-KR" sz="500">
+                <a:solidFill>
+                  <a:schemeClr val="dk1"/>
+                </a:solidFill>
+                <a:latin typeface="Calibri"/>
+                <a:ea typeface="Calibri"/>
+                <a:cs typeface="Calibri"/>
+                <a:sym typeface="Calibri"/>
+              </a:rPr>
+              <a:t>/</a:t>
+            </a:r>
+            <a:r>
+              <a:rPr lang="ko-KR" altLang="en-US" sz="500">
+                <a:solidFill>
+                  <a:schemeClr val="dk1"/>
+                </a:solidFill>
+                <a:latin typeface="Calibri"/>
+                <a:ea typeface="Calibri"/>
+                <a:cs typeface="Calibri"/>
+                <a:sym typeface="Calibri"/>
+              </a:rPr>
+              <a:t>경제일간지</a:t>
+            </a:r>
+            <a:r>
+              <a:rPr lang="en-US" altLang="ko-KR" sz="500">
+                <a:solidFill>
+                  <a:schemeClr val="dk1"/>
+                </a:solidFill>
+                <a:latin typeface="Calibri"/>
+                <a:ea typeface="Calibri"/>
+                <a:cs typeface="Calibri"/>
+                <a:sym typeface="Calibri"/>
+              </a:rPr>
+              <a:t>/</a:t>
+            </a:r>
+            <a:r>
+              <a:rPr lang="ko-KR" altLang="en-US" sz="500">
+                <a:solidFill>
+                  <a:schemeClr val="dk1"/>
+                </a:solidFill>
+                <a:latin typeface="Calibri"/>
+                <a:ea typeface="Calibri"/>
+                <a:cs typeface="Calibri"/>
+                <a:sym typeface="Calibri"/>
+              </a:rPr>
+              <a:t>방송사</a:t>
+            </a:r>
+            <a:r>
+              <a:rPr lang="en-US" altLang="ko-KR" sz="500">
+                <a:solidFill>
+                  <a:schemeClr val="dk1"/>
+                </a:solidFill>
+                <a:latin typeface="Calibri"/>
+                <a:ea typeface="Calibri"/>
+                <a:cs typeface="Calibri"/>
+                <a:sym typeface="Calibri"/>
+              </a:rPr>
+              <a:t>/</a:t>
+            </a:r>
+            <a:r>
+              <a:rPr lang="ko-KR" altLang="en-US" sz="500">
+                <a:solidFill>
+                  <a:schemeClr val="dk1"/>
+                </a:solidFill>
+                <a:latin typeface="Calibri"/>
+                <a:ea typeface="Calibri"/>
+                <a:cs typeface="Calibri"/>
+                <a:sym typeface="Calibri"/>
+              </a:rPr>
+              <a:t>전문지 </a:t>
+            </a:r>
+            <a:r>
+              <a:rPr lang="en-US" altLang="ko-KR" sz="500">
+                <a:solidFill>
+                  <a:schemeClr val="dk1"/>
+                </a:solidFill>
+                <a:latin typeface="Calibri"/>
+                <a:ea typeface="Calibri"/>
+                <a:cs typeface="Calibri"/>
+                <a:sym typeface="Calibri"/>
+              </a:rPr>
+              <a:t>+ </a:t>
+            </a:r>
+            <a:r>
+              <a:rPr lang="ko-KR" altLang="en-US" sz="500">
+                <a:solidFill>
+                  <a:schemeClr val="dk1"/>
+                </a:solidFill>
+                <a:latin typeface="Calibri"/>
+                <a:ea typeface="Calibri"/>
+                <a:cs typeface="Calibri"/>
+                <a:sym typeface="Calibri"/>
+              </a:rPr>
+              <a:t>통합분류</a:t>
+            </a:r>
+            <a:r>
+              <a:rPr lang="en-US" altLang="ko-KR" sz="500">
+                <a:solidFill>
+                  <a:schemeClr val="dk1"/>
+                </a:solidFill>
+                <a:latin typeface="Calibri"/>
+                <a:ea typeface="Calibri"/>
+                <a:cs typeface="Calibri"/>
+                <a:sym typeface="Calibri"/>
+              </a:rPr>
+              <a:t>: </a:t>
+            </a:r>
+            <a:r>
+              <a:rPr lang="ko-KR" altLang="en-US" sz="500">
+                <a:solidFill>
+                  <a:schemeClr val="dk1"/>
+                </a:solidFill>
+                <a:latin typeface="Calibri"/>
+                <a:ea typeface="Calibri"/>
+                <a:cs typeface="Calibri"/>
+                <a:sym typeface="Calibri"/>
+              </a:rPr>
+              <a:t>경제</a:t>
+            </a:r>
+            <a:r>
+              <a:rPr lang="en-US" altLang="ko-KR" sz="500">
+                <a:solidFill>
+                  <a:schemeClr val="dk1"/>
+                </a:solidFill>
+                <a:latin typeface="Calibri"/>
+                <a:ea typeface="Calibri"/>
+                <a:cs typeface="Calibri"/>
+                <a:sym typeface="Calibri"/>
+              </a:rPr>
+              <a:t>/</a:t>
+            </a:r>
+            <a:r>
+              <a:rPr lang="ko-KR" altLang="en-US" sz="500">
+                <a:solidFill>
+                  <a:schemeClr val="dk1"/>
+                </a:solidFill>
+                <a:latin typeface="Calibri"/>
+                <a:ea typeface="Calibri"/>
+                <a:cs typeface="Calibri"/>
+                <a:sym typeface="Calibri"/>
+              </a:rPr>
+              <a:t>사회</a:t>
+            </a:r>
+            <a:r>
+              <a:rPr lang="en-US" altLang="ko-KR" sz="500">
+                <a:solidFill>
+                  <a:schemeClr val="dk1"/>
+                </a:solidFill>
+                <a:latin typeface="Calibri"/>
+                <a:ea typeface="Calibri"/>
+                <a:cs typeface="Calibri"/>
+                <a:sym typeface="Calibri"/>
+              </a:rPr>
+              <a:t>)</a:t>
+            </a:r>
+          </a:p>
+          <a:p>
+            <a:pPr marL="171450" lvl="0" indent="-171450">
+              <a:lnSpc>
+                <a:spcPct val="120000"/>
+              </a:lnSpc>
+              <a:buSzPts val="1400"/>
+              <a:buFontTx/>
+              <a:buChar char="-"/>
+            </a:pPr>
+            <a:r>
+              <a:rPr lang="ko-KR" altLang="en-US" sz="900">
+                <a:solidFill>
+                  <a:schemeClr val="dk1"/>
+                </a:solidFill>
+                <a:latin typeface="Calibri"/>
+                <a:ea typeface="Calibri"/>
+                <a:cs typeface="Calibri"/>
+                <a:sym typeface="Calibri"/>
+              </a:rPr>
+              <a:t>텍스트정보추출</a:t>
+            </a:r>
+            <a:r>
+              <a:rPr lang="en-US" altLang="ko-KR" sz="900">
+                <a:solidFill>
+                  <a:schemeClr val="dk1"/>
+                </a:solidFill>
+                <a:latin typeface="Calibri"/>
+                <a:ea typeface="Calibri"/>
+                <a:cs typeface="Calibri"/>
+                <a:sym typeface="Calibri"/>
+              </a:rPr>
+              <a:t>: </a:t>
+            </a:r>
+            <a:r>
+              <a:rPr lang="ko-KR" altLang="en-US" sz="900">
+                <a:solidFill>
+                  <a:schemeClr val="dk1"/>
+                </a:solidFill>
+                <a:latin typeface="Calibri"/>
+                <a:ea typeface="Calibri"/>
+                <a:cs typeface="Calibri"/>
+                <a:sym typeface="Calibri"/>
+              </a:rPr>
+              <a:t>시간 빈도별 뉴스 트래픽 및 </a:t>
+            </a:r>
+            <a:r>
+              <a:rPr lang="en-US" altLang="ko-KR" sz="900">
+                <a:solidFill>
+                  <a:schemeClr val="dk1"/>
+                </a:solidFill>
+                <a:latin typeface="Calibri"/>
+                <a:ea typeface="Calibri"/>
+                <a:cs typeface="Calibri"/>
+                <a:sym typeface="Calibri"/>
+              </a:rPr>
+              <a:t>Transformer </a:t>
+            </a:r>
+            <a:r>
+              <a:rPr lang="ko-KR" altLang="en-US" sz="900">
+                <a:solidFill>
+                  <a:schemeClr val="dk1"/>
+                </a:solidFill>
+                <a:latin typeface="Calibri"/>
+                <a:ea typeface="Calibri"/>
+                <a:cs typeface="Calibri"/>
+                <a:sym typeface="Calibri"/>
+              </a:rPr>
+              <a:t>기반 감성분석</a:t>
+            </a:r>
+            <a:endParaRPr lang="en-US" altLang="ko-KR" sz="1050">
+              <a:solidFill>
+                <a:schemeClr val="dk1"/>
+              </a:solidFill>
+              <a:latin typeface="Calibri"/>
+              <a:ea typeface="Calibri"/>
+              <a:cs typeface="Calibri"/>
+              <a:sym typeface="Calibri"/>
+            </a:endParaRPr>
+          </a:p>
+          <a:p>
+            <a:pPr marL="92075" marR="0" lvl="0" indent="-92075" algn="l" rtl="0">
+              <a:lnSpc>
+                <a:spcPct val="120000"/>
+              </a:lnSpc>
+              <a:spcBef>
+                <a:spcPts val="0"/>
+              </a:spcBef>
+              <a:spcAft>
+                <a:spcPts val="0"/>
+              </a:spcAft>
+              <a:buClr>
+                <a:srgbClr val="000000"/>
+              </a:buClr>
+              <a:buSzPts val="1400"/>
+              <a:buFont typeface="Noto Sans Symbols"/>
+              <a:buChar char="▪"/>
+            </a:pPr>
+            <a:r>
+              <a:rPr lang="ko-KR" altLang="en-US" sz="1050" b="1">
+                <a:solidFill>
+                  <a:schemeClr val="dk1"/>
+                </a:solidFill>
+                <a:latin typeface="Calibri"/>
+                <a:ea typeface="Calibri"/>
+                <a:cs typeface="Calibri"/>
+                <a:sym typeface="Calibri"/>
+              </a:rPr>
+              <a:t>목표</a:t>
+            </a:r>
+            <a:r>
+              <a:rPr lang="en-US" altLang="ko-KR" sz="1050" b="1">
+                <a:solidFill>
+                  <a:schemeClr val="dk1"/>
+                </a:solidFill>
+                <a:latin typeface="Calibri"/>
+                <a:ea typeface="Calibri"/>
+                <a:cs typeface="Calibri"/>
+                <a:sym typeface="Calibri"/>
+              </a:rPr>
+              <a:t>2: </a:t>
+            </a:r>
+            <a:r>
+              <a:rPr lang="ko-KR" altLang="en-US" sz="1050" b="1">
+                <a:solidFill>
+                  <a:schemeClr val="dk1"/>
+                </a:solidFill>
+                <a:latin typeface="Calibri"/>
+                <a:ea typeface="Calibri"/>
+                <a:cs typeface="Calibri"/>
+                <a:sym typeface="Calibri"/>
+              </a:rPr>
+              <a:t>독립변수 </a:t>
+            </a:r>
+            <a:r>
+              <a:rPr lang="en-US" altLang="ko-KR" sz="1050" b="1">
+                <a:solidFill>
+                  <a:schemeClr val="dk1"/>
+                </a:solidFill>
+                <a:latin typeface="Calibri"/>
+                <a:ea typeface="Calibri"/>
+                <a:cs typeface="Calibri"/>
+                <a:sym typeface="Calibri"/>
+              </a:rPr>
+              <a:t>X</a:t>
+            </a:r>
+            <a:r>
+              <a:rPr lang="ko-KR" altLang="en-US" sz="1050" b="1">
+                <a:solidFill>
+                  <a:schemeClr val="dk1"/>
+                </a:solidFill>
+                <a:latin typeface="Calibri"/>
+                <a:ea typeface="Calibri"/>
+                <a:cs typeface="Calibri"/>
+                <a:sym typeface="Calibri"/>
+              </a:rPr>
+              <a:t>가 없는 미래 기간의 수요 예측</a:t>
+            </a:r>
+            <a:endParaRPr lang="en-US" altLang="ko-KR" sz="1050" b="1">
+              <a:solidFill>
+                <a:schemeClr val="dk1"/>
+              </a:solidFill>
+              <a:latin typeface="Calibri"/>
+              <a:ea typeface="Calibri"/>
+              <a:cs typeface="Calibri"/>
+              <a:sym typeface="Calibri"/>
+            </a:endParaRPr>
+          </a:p>
+        </p:txBody>
+      </p:sp>
+      <p:sp>
+        <p:nvSpPr>
+          <p:cNvPr id="576" name="Google Shape;576;p41">
+            <a:extLst>
+              <a:ext uri="{FF2B5EF4-FFF2-40B4-BE49-F238E27FC236}">
+                <a16:creationId xmlns:a16="http://schemas.microsoft.com/office/drawing/2014/main" id="{FE7F8EAC-BD31-A85E-0C71-76CBDEF05DB9}"/>
+              </a:ext>
+            </a:extLst>
+          </p:cNvPr>
+          <p:cNvSpPr txBox="1"/>
+          <p:nvPr/>
+        </p:nvSpPr>
+        <p:spPr>
+          <a:xfrm>
+            <a:off x="112295" y="101025"/>
+            <a:ext cx="8919300" cy="461700"/>
+          </a:xfrm>
+          <a:prstGeom prst="rect">
+            <a:avLst/>
+          </a:prstGeom>
+          <a:noFill/>
+          <a:ln>
+            <a:noFill/>
+          </a:ln>
+        </p:spPr>
+        <p:txBody>
+          <a:bodyPr spcFirstLastPara="1" wrap="square" lIns="91425" tIns="45700" rIns="91425" bIns="45700" anchor="t" anchorCtr="0">
+            <a:noAutofit/>
+          </a:bodyPr>
+          <a:lstStyle/>
+          <a:p>
+            <a:pPr marL="0" marR="0" lvl="0" indent="0" algn="l" rtl="0">
+              <a:lnSpc>
+                <a:spcPct val="100000"/>
+              </a:lnSpc>
+              <a:spcBef>
+                <a:spcPts val="0"/>
+              </a:spcBef>
+              <a:spcAft>
+                <a:spcPts val="0"/>
+              </a:spcAft>
+              <a:buNone/>
+            </a:pPr>
+            <a:r>
+              <a:rPr lang="en-US" sz="2400" b="1" i="0" u="none" strike="noStrike" cap="none">
+                <a:solidFill>
+                  <a:schemeClr val="lt1"/>
+                </a:solidFill>
+                <a:latin typeface="Calibri"/>
+                <a:ea typeface="Calibri"/>
+                <a:cs typeface="Calibri"/>
+                <a:sym typeface="Calibri"/>
+              </a:rPr>
+              <a:t>Introduction of DIVE Research Group</a:t>
+            </a:r>
+            <a:endParaRPr/>
+          </a:p>
+        </p:txBody>
+      </p:sp>
+      <p:sp>
+        <p:nvSpPr>
+          <p:cNvPr id="579" name="Google Shape;579;p41">
+            <a:extLst>
+              <a:ext uri="{FF2B5EF4-FFF2-40B4-BE49-F238E27FC236}">
+                <a16:creationId xmlns:a16="http://schemas.microsoft.com/office/drawing/2014/main" id="{F587D563-F5F6-3D4E-9489-7778FEBCD607}"/>
+              </a:ext>
+            </a:extLst>
+          </p:cNvPr>
+          <p:cNvSpPr txBox="1"/>
+          <p:nvPr/>
+        </p:nvSpPr>
+        <p:spPr>
+          <a:xfrm>
+            <a:off x="1507587" y="645940"/>
+            <a:ext cx="6128825" cy="584735"/>
+          </a:xfrm>
+          <a:prstGeom prst="rect">
+            <a:avLst/>
+          </a:prstGeom>
+          <a:noFill/>
+          <a:ln>
+            <a:noFill/>
+          </a:ln>
+        </p:spPr>
+        <p:txBody>
+          <a:bodyPr spcFirstLastPara="1" wrap="square" lIns="91425" tIns="45700" rIns="91425" bIns="45700" anchor="t" anchorCtr="0">
+            <a:spAutoFit/>
+          </a:bodyPr>
+          <a:lstStyle/>
+          <a:p>
+            <a:pPr algn="ctr"/>
+            <a:r>
+              <a:rPr lang="en-US" altLang="ko-KR" sz="3200" b="1">
+                <a:solidFill>
+                  <a:srgbClr val="C00000"/>
+                </a:solidFill>
+                <a:latin typeface="Calibri"/>
+                <a:ea typeface="Calibri"/>
+                <a:cs typeface="Calibri"/>
+                <a:sym typeface="Calibri"/>
+              </a:rPr>
+              <a:t>DIVE</a:t>
+            </a:r>
+            <a:r>
+              <a:rPr lang="en-US" altLang="ko-KR" sz="3200" b="1">
+                <a:solidFill>
+                  <a:srgbClr val="002060"/>
+                </a:solidFill>
+                <a:latin typeface="Calibri"/>
+                <a:ea typeface="Calibri"/>
+                <a:cs typeface="Calibri"/>
+                <a:sym typeface="Calibri"/>
+              </a:rPr>
+              <a:t> Group &gt; Project Diving</a:t>
+            </a:r>
+            <a:endParaRPr lang="en-US" altLang="ko-KR" sz="2000" b="1">
+              <a:solidFill>
+                <a:srgbClr val="002060"/>
+              </a:solidFill>
+              <a:latin typeface="Calibri"/>
+              <a:ea typeface="Calibri"/>
+              <a:cs typeface="Calibri"/>
+              <a:sym typeface="Calibri"/>
+            </a:endParaRPr>
+          </a:p>
+        </p:txBody>
+      </p:sp>
+      <p:sp>
+        <p:nvSpPr>
+          <p:cNvPr id="580" name="Google Shape;580;p41">
+            <a:extLst>
+              <a:ext uri="{FF2B5EF4-FFF2-40B4-BE49-F238E27FC236}">
+                <a16:creationId xmlns:a16="http://schemas.microsoft.com/office/drawing/2014/main" id="{8633FAD7-6280-CA7F-92B9-FC836BAB3F55}"/>
+              </a:ext>
+            </a:extLst>
+          </p:cNvPr>
+          <p:cNvSpPr/>
+          <p:nvPr/>
+        </p:nvSpPr>
+        <p:spPr>
+          <a:xfrm>
+            <a:off x="370981" y="1971883"/>
+            <a:ext cx="4117491" cy="4055244"/>
+          </a:xfrm>
+          <a:prstGeom prst="rect">
+            <a:avLst/>
+          </a:prstGeom>
+          <a:noFill/>
+          <a:ln w="9525" cap="flat" cmpd="sng">
+            <a:solidFill>
+              <a:srgbClr val="023A79"/>
+            </a:solidFill>
+            <a:prstDash val="solid"/>
+            <a:round/>
+            <a:headEnd type="none" w="sm" len="sm"/>
+            <a:tailEnd type="none" w="sm" len="sm"/>
+          </a:ln>
+        </p:spPr>
+        <p:txBody>
+          <a:bodyPr spcFirstLastPara="1" wrap="square" lIns="68575" tIns="34275" rIns="68575" bIns="34275" anchor="t" anchorCtr="0">
+            <a:noAutofit/>
+          </a:bodyPr>
+          <a:lstStyle/>
+          <a:p>
+            <a:pPr marL="0" marR="0" lvl="0" indent="0" algn="l" rtl="0">
+              <a:lnSpc>
+                <a:spcPct val="100000"/>
+              </a:lnSpc>
+              <a:spcBef>
+                <a:spcPts val="0"/>
+              </a:spcBef>
+              <a:spcAft>
+                <a:spcPts val="0"/>
+              </a:spcAft>
+              <a:buNone/>
+            </a:pPr>
+            <a:endParaRPr sz="1200" b="0" i="0" u="none" strike="noStrike" cap="none">
+              <a:solidFill>
+                <a:srgbClr val="000000"/>
+              </a:solidFill>
+              <a:latin typeface="Calibri"/>
+              <a:ea typeface="Calibri"/>
+              <a:cs typeface="Calibri"/>
+              <a:sym typeface="Calibri"/>
+            </a:endParaRPr>
+          </a:p>
+        </p:txBody>
+      </p:sp>
+      <p:sp>
+        <p:nvSpPr>
+          <p:cNvPr id="581" name="Google Shape;581;p41">
+            <a:extLst>
+              <a:ext uri="{FF2B5EF4-FFF2-40B4-BE49-F238E27FC236}">
+                <a16:creationId xmlns:a16="http://schemas.microsoft.com/office/drawing/2014/main" id="{4E98DC28-46C2-7B79-B179-BE21F052791D}"/>
+              </a:ext>
+            </a:extLst>
+          </p:cNvPr>
+          <p:cNvSpPr/>
+          <p:nvPr/>
+        </p:nvSpPr>
+        <p:spPr>
+          <a:xfrm>
+            <a:off x="370981" y="1820232"/>
+            <a:ext cx="4117491" cy="461701"/>
+          </a:xfrm>
+          <a:prstGeom prst="roundRect">
+            <a:avLst>
+              <a:gd name="adj" fmla="val 0"/>
+            </a:avLst>
+          </a:prstGeom>
+          <a:solidFill>
+            <a:srgbClr val="002060"/>
+          </a:solidFill>
+          <a:ln w="9525" cap="flat" cmpd="sng">
+            <a:solidFill>
+              <a:srgbClr val="7F7F7F"/>
+            </a:solidFill>
+            <a:prstDash val="solid"/>
+            <a:round/>
+            <a:headEnd type="none" w="sm" len="sm"/>
+            <a:tailEnd type="none" w="sm" len="sm"/>
+          </a:ln>
+        </p:spPr>
+        <p:txBody>
+          <a:bodyPr spcFirstLastPara="1" wrap="square" lIns="91425" tIns="45700" rIns="91425" bIns="45700" anchor="ctr" anchorCtr="0">
+            <a:noAutofit/>
+          </a:bodyPr>
+          <a:lstStyle/>
+          <a:p>
+            <a:pPr lvl="0" algn="ctr"/>
+            <a:r>
+              <a:rPr lang="en-US" altLang="ko-KR" sz="2000" b="1">
+                <a:solidFill>
+                  <a:srgbClr val="FFFFFF"/>
+                </a:solidFill>
+                <a:latin typeface="Calibri"/>
+                <a:ea typeface="Calibri"/>
+                <a:cs typeface="Calibri"/>
+                <a:sym typeface="Calibri"/>
+              </a:rPr>
+              <a:t>Supervised Classification</a:t>
+            </a:r>
+            <a:endParaRPr lang="en-US" altLang="ko-KR" sz="1800"/>
+          </a:p>
+        </p:txBody>
+      </p:sp>
+      <p:sp>
+        <p:nvSpPr>
+          <p:cNvPr id="599" name="Google Shape;599;p41">
+            <a:extLst>
+              <a:ext uri="{FF2B5EF4-FFF2-40B4-BE49-F238E27FC236}">
+                <a16:creationId xmlns:a16="http://schemas.microsoft.com/office/drawing/2014/main" id="{4094AB5F-724C-BB87-1B4A-3FF259D58B15}"/>
+              </a:ext>
+            </a:extLst>
+          </p:cNvPr>
+          <p:cNvSpPr/>
+          <p:nvPr/>
+        </p:nvSpPr>
+        <p:spPr>
+          <a:xfrm>
+            <a:off x="4655530" y="1971886"/>
+            <a:ext cx="4125217" cy="4055241"/>
+          </a:xfrm>
+          <a:prstGeom prst="rect">
+            <a:avLst/>
+          </a:prstGeom>
+          <a:noFill/>
+          <a:ln w="9525" cap="flat" cmpd="sng">
+            <a:solidFill>
+              <a:srgbClr val="023A79"/>
+            </a:solidFill>
+            <a:prstDash val="solid"/>
+            <a:round/>
+            <a:headEnd type="none" w="sm" len="sm"/>
+            <a:tailEnd type="none" w="sm" len="sm"/>
+          </a:ln>
+        </p:spPr>
+        <p:txBody>
+          <a:bodyPr spcFirstLastPara="1" wrap="square" lIns="68575" tIns="34275" rIns="68575" bIns="34275" anchor="t" anchorCtr="0">
+            <a:noAutofit/>
+          </a:bodyPr>
+          <a:lstStyle/>
+          <a:p>
+            <a:pPr marL="0" marR="0" lvl="0" indent="0" algn="l" rtl="0">
+              <a:lnSpc>
+                <a:spcPct val="100000"/>
+              </a:lnSpc>
+              <a:spcBef>
+                <a:spcPts val="0"/>
+              </a:spcBef>
+              <a:spcAft>
+                <a:spcPts val="0"/>
+              </a:spcAft>
+              <a:buNone/>
+            </a:pPr>
+            <a:endParaRPr sz="1200" b="0" i="0" u="none" strike="noStrike" cap="none">
+              <a:solidFill>
+                <a:srgbClr val="000000"/>
+              </a:solidFill>
+              <a:latin typeface="Calibri"/>
+              <a:ea typeface="Calibri"/>
+              <a:cs typeface="Calibri"/>
+              <a:sym typeface="Calibri"/>
+            </a:endParaRPr>
+          </a:p>
+        </p:txBody>
+      </p:sp>
+      <p:sp>
+        <p:nvSpPr>
+          <p:cNvPr id="601" name="Google Shape;601;p41">
+            <a:extLst>
+              <a:ext uri="{FF2B5EF4-FFF2-40B4-BE49-F238E27FC236}">
+                <a16:creationId xmlns:a16="http://schemas.microsoft.com/office/drawing/2014/main" id="{D26E273D-7050-5E18-3C83-595A20BF12A3}"/>
+              </a:ext>
+            </a:extLst>
+          </p:cNvPr>
+          <p:cNvSpPr/>
+          <p:nvPr/>
+        </p:nvSpPr>
+        <p:spPr>
+          <a:xfrm>
+            <a:off x="4655530" y="1820232"/>
+            <a:ext cx="4125217" cy="461701"/>
+          </a:xfrm>
+          <a:prstGeom prst="roundRect">
+            <a:avLst>
+              <a:gd name="adj" fmla="val 0"/>
+            </a:avLst>
+          </a:prstGeom>
+          <a:solidFill>
+            <a:srgbClr val="002060"/>
+          </a:solidFill>
+          <a:ln w="9525" cap="flat" cmpd="sng">
+            <a:solidFill>
+              <a:srgbClr val="7F7F7F"/>
+            </a:solidFill>
+            <a:prstDash val="solid"/>
+            <a:round/>
+            <a:headEnd type="none" w="sm" len="sm"/>
+            <a:tailEnd type="none" w="sm" len="sm"/>
+          </a:ln>
+        </p:spPr>
+        <p:txBody>
+          <a:bodyPr spcFirstLastPara="1" wrap="square" lIns="91425" tIns="45700" rIns="91425" bIns="45700" anchor="ctr" anchorCtr="0">
+            <a:noAutofit/>
+          </a:bodyPr>
+          <a:lstStyle/>
+          <a:p>
+            <a:pPr marL="0" marR="0" lvl="0" indent="0" algn="ctr" rtl="0">
+              <a:lnSpc>
+                <a:spcPct val="100000"/>
+              </a:lnSpc>
+              <a:spcBef>
+                <a:spcPts val="0"/>
+              </a:spcBef>
+              <a:spcAft>
+                <a:spcPts val="0"/>
+              </a:spcAft>
+              <a:buNone/>
+            </a:pPr>
+            <a:r>
+              <a:rPr lang="en-US" sz="2000" b="1" i="0" u="none" strike="noStrike" cap="none">
+                <a:solidFill>
+                  <a:srgbClr val="FFFFFF"/>
+                </a:solidFill>
+                <a:latin typeface="Calibri"/>
+                <a:ea typeface="Calibri"/>
+                <a:cs typeface="Calibri"/>
+                <a:sym typeface="Calibri"/>
+              </a:rPr>
+              <a:t>Supervised Regression</a:t>
+            </a:r>
+            <a:endParaRPr sz="1800"/>
+          </a:p>
+        </p:txBody>
+      </p:sp>
+      <p:sp>
+        <p:nvSpPr>
+          <p:cNvPr id="2" name="슬라이드 번호 개체 틀 1">
+            <a:extLst>
+              <a:ext uri="{FF2B5EF4-FFF2-40B4-BE49-F238E27FC236}">
+                <a16:creationId xmlns:a16="http://schemas.microsoft.com/office/drawing/2014/main" id="{D19C9E40-0491-DBA1-089A-F6D8D99B42FE}"/>
+              </a:ext>
+            </a:extLst>
+          </p:cNvPr>
+          <p:cNvSpPr>
+            <a:spLocks noGrp="1"/>
+          </p:cNvSpPr>
+          <p:nvPr>
+            <p:ph type="sldNum" sz="quarter" idx="4"/>
+          </p:nvPr>
+        </p:nvSpPr>
+        <p:spPr/>
+        <p:txBody>
+          <a:bodyPr/>
+          <a:lstStyle/>
+          <a:p>
+            <a:fld id="{CDF9F5A3-DAD3-49E7-B926-6F61E4EB127E}" type="slidenum">
+              <a:rPr lang="ko-KR" altLang="en-US" smtClean="0"/>
+              <a:pPr/>
+              <a:t>1</a:t>
+            </a:fld>
+            <a:r>
+              <a:rPr lang="ko-KR" altLang="en-US"/>
+              <a:t> </a:t>
+            </a:r>
+            <a:r>
+              <a:rPr lang="en-US" altLang="ko-KR"/>
+              <a:t>/ 37</a:t>
+            </a:r>
+            <a:endParaRPr lang="ko-KR" altLang="en-US" dirty="0"/>
+          </a:p>
+        </p:txBody>
+      </p:sp>
+      <p:sp>
+        <p:nvSpPr>
+          <p:cNvPr id="3" name="Google Shape;721;p43">
+            <a:extLst>
+              <a:ext uri="{FF2B5EF4-FFF2-40B4-BE49-F238E27FC236}">
+                <a16:creationId xmlns:a16="http://schemas.microsoft.com/office/drawing/2014/main" id="{EFE624B8-920D-7DF2-74DF-4ABC4CF6737D}"/>
+              </a:ext>
+            </a:extLst>
+          </p:cNvPr>
+          <p:cNvSpPr txBox="1"/>
+          <p:nvPr/>
+        </p:nvSpPr>
+        <p:spPr>
+          <a:xfrm>
+            <a:off x="370982" y="2300797"/>
+            <a:ext cx="4117490" cy="2733015"/>
+          </a:xfrm>
+          <a:prstGeom prst="rect">
+            <a:avLst/>
+          </a:prstGeom>
+          <a:noFill/>
+          <a:ln>
+            <a:noFill/>
+          </a:ln>
+        </p:spPr>
+        <p:txBody>
+          <a:bodyPr spcFirstLastPara="1" wrap="square" lIns="91425" tIns="45700" rIns="91425" bIns="45700" anchor="t" anchorCtr="0">
+            <a:spAutoFit/>
+          </a:bodyPr>
+          <a:lstStyle/>
+          <a:p>
+            <a:pPr marL="92075" marR="0" lvl="0" indent="-92075" algn="l" rtl="0">
+              <a:lnSpc>
+                <a:spcPct val="120000"/>
+              </a:lnSpc>
+              <a:spcBef>
+                <a:spcPts val="0"/>
+              </a:spcBef>
+              <a:spcAft>
+                <a:spcPts val="0"/>
+              </a:spcAft>
+              <a:buClr>
+                <a:srgbClr val="000000"/>
+              </a:buClr>
+              <a:buSzPts val="1400"/>
+              <a:buFont typeface="Noto Sans Symbols"/>
+              <a:buChar char="▪"/>
+            </a:pPr>
+            <a:r>
+              <a:rPr lang="ko-KR" altLang="en-US" sz="1050" b="1">
+                <a:solidFill>
+                  <a:schemeClr val="dk1"/>
+                </a:solidFill>
+                <a:latin typeface="Calibri"/>
+                <a:ea typeface="Calibri"/>
+                <a:cs typeface="Calibri"/>
+                <a:sym typeface="Calibri"/>
+              </a:rPr>
+              <a:t>비즈니스 애널리틱스</a:t>
+            </a:r>
+            <a:r>
+              <a:rPr lang="en-US" altLang="ko-KR" sz="1050" b="1">
+                <a:solidFill>
+                  <a:schemeClr val="dk1"/>
+                </a:solidFill>
+                <a:latin typeface="Calibri"/>
+                <a:ea typeface="Calibri"/>
+                <a:cs typeface="Calibri"/>
+                <a:sym typeface="Calibri"/>
+              </a:rPr>
+              <a:t>1: </a:t>
+            </a:r>
+            <a:r>
+              <a:rPr lang="ko-KR" altLang="en-US" sz="1050">
+                <a:solidFill>
+                  <a:schemeClr val="dk1"/>
+                </a:solidFill>
+                <a:latin typeface="Calibri"/>
+                <a:ea typeface="Calibri"/>
+                <a:cs typeface="Calibri"/>
+                <a:sym typeface="Calibri"/>
+              </a:rPr>
+              <a:t>누구에게 마케팅을 해야할 것인가</a:t>
+            </a:r>
+            <a:r>
+              <a:rPr lang="en-US" altLang="ko-KR" sz="1050">
+                <a:solidFill>
+                  <a:schemeClr val="dk1"/>
+                </a:solidFill>
+                <a:latin typeface="Calibri"/>
+                <a:ea typeface="Calibri"/>
+                <a:cs typeface="Calibri"/>
+                <a:sym typeface="Calibri"/>
+              </a:rPr>
+              <a:t>? </a:t>
+            </a:r>
+            <a:r>
+              <a:rPr lang="ko-KR" altLang="en-US" sz="1050">
+                <a:solidFill>
+                  <a:schemeClr val="dk1"/>
+                </a:solidFill>
+                <a:latin typeface="Calibri"/>
+                <a:ea typeface="Calibri"/>
+                <a:cs typeface="Calibri"/>
+                <a:sym typeface="Calibri"/>
+              </a:rPr>
+              <a:t>설명가능한 인공지능을 활용한 추천과 근거</a:t>
+            </a:r>
+            <a:endParaRPr lang="en-US" altLang="ko-KR" sz="1050">
+              <a:solidFill>
+                <a:schemeClr val="dk1"/>
+              </a:solidFill>
+              <a:latin typeface="Calibri"/>
+              <a:ea typeface="Calibri"/>
+              <a:cs typeface="Calibri"/>
+              <a:sym typeface="Calibri"/>
+            </a:endParaRPr>
+          </a:p>
+          <a:p>
+            <a:pPr marL="92075" lvl="0" indent="-92075">
+              <a:lnSpc>
+                <a:spcPct val="120000"/>
+              </a:lnSpc>
+              <a:buSzPts val="1400"/>
+              <a:buFont typeface="Noto Sans Symbols"/>
+              <a:buChar char="▪"/>
+            </a:pPr>
+            <a:r>
+              <a:rPr lang="ko-KR" altLang="en-US" sz="1050" b="1" i="0" u="none" strike="noStrike" cap="none">
+                <a:solidFill>
+                  <a:schemeClr val="dk1"/>
+                </a:solidFill>
+                <a:latin typeface="Calibri"/>
+                <a:ea typeface="Calibri"/>
+                <a:cs typeface="Calibri"/>
+                <a:sym typeface="Calibri"/>
+              </a:rPr>
+              <a:t>목표</a:t>
+            </a:r>
+            <a:r>
+              <a:rPr lang="en-US" altLang="ko-KR" sz="1050" b="1" i="0" u="none" strike="noStrike" cap="none">
+                <a:solidFill>
+                  <a:schemeClr val="dk1"/>
+                </a:solidFill>
+                <a:latin typeface="Calibri"/>
+                <a:ea typeface="Calibri"/>
+                <a:cs typeface="Calibri"/>
+                <a:sym typeface="Calibri"/>
+              </a:rPr>
+              <a:t>1: </a:t>
+            </a:r>
+            <a:r>
+              <a:rPr lang="ko-KR" altLang="en-US" sz="1050" b="1" i="0" u="none" strike="noStrike" cap="none">
+                <a:solidFill>
+                  <a:schemeClr val="dk1"/>
+                </a:solidFill>
+                <a:latin typeface="Calibri"/>
+                <a:ea typeface="Calibri"/>
+                <a:cs typeface="Calibri"/>
+                <a:sym typeface="Calibri"/>
+              </a:rPr>
+              <a:t>샘플 데이터로 분석프로세스 완성</a:t>
+            </a:r>
+            <a:endParaRPr lang="en-US" altLang="ko-KR" sz="1050" b="1" i="0" u="none" strike="noStrike" cap="none">
+              <a:solidFill>
+                <a:schemeClr val="dk1"/>
+              </a:solidFill>
+              <a:latin typeface="Calibri"/>
+              <a:ea typeface="Calibri"/>
+              <a:cs typeface="Calibri"/>
+              <a:sym typeface="Calibri"/>
+            </a:endParaRPr>
+          </a:p>
+          <a:p>
+            <a:pPr marL="171450" indent="-171450">
+              <a:lnSpc>
+                <a:spcPct val="120000"/>
+              </a:lnSpc>
+              <a:buSzPts val="1400"/>
+              <a:buFontTx/>
+              <a:buChar char="-"/>
+            </a:pPr>
+            <a:r>
+              <a:rPr lang="ko-KR" altLang="en-US" sz="900">
+                <a:solidFill>
+                  <a:schemeClr val="dk1"/>
+                </a:solidFill>
+                <a:latin typeface="Calibri"/>
+                <a:ea typeface="Calibri"/>
+                <a:cs typeface="Calibri"/>
+                <a:sym typeface="Calibri"/>
+              </a:rPr>
+              <a:t>샘플 데이터</a:t>
+            </a:r>
+            <a:r>
+              <a:rPr lang="en-US" altLang="ko-KR" sz="900">
+                <a:solidFill>
+                  <a:schemeClr val="dk1"/>
+                </a:solidFill>
+                <a:latin typeface="Calibri"/>
+                <a:ea typeface="Calibri"/>
+                <a:cs typeface="Calibri"/>
+                <a:sym typeface="Calibri"/>
+              </a:rPr>
+              <a:t>(</a:t>
+            </a:r>
+            <a:r>
+              <a:rPr lang="ko-KR" altLang="en-US" sz="900">
+                <a:solidFill>
+                  <a:schemeClr val="dk1"/>
+                </a:solidFill>
+                <a:latin typeface="Calibri"/>
+                <a:ea typeface="Calibri"/>
+                <a:cs typeface="Calibri"/>
+                <a:sym typeface="Calibri"/>
+              </a:rPr>
+              <a:t>숫자 설문조사</a:t>
+            </a:r>
+            <a:r>
+              <a:rPr lang="en-US" altLang="ko-KR" sz="900">
+                <a:solidFill>
+                  <a:schemeClr val="dk1"/>
+                </a:solidFill>
+                <a:latin typeface="Calibri"/>
+                <a:ea typeface="Calibri"/>
+                <a:cs typeface="Calibri"/>
+                <a:sym typeface="Calibri"/>
+              </a:rPr>
+              <a:t>): </a:t>
+            </a:r>
+            <a:r>
+              <a:rPr lang="en-US" altLang="ko-KR" sz="800">
+                <a:solidFill>
+                  <a:schemeClr val="dk1"/>
+                </a:solidFill>
+                <a:latin typeface="Calibri"/>
+                <a:ea typeface="Calibri"/>
+                <a:cs typeface="Calibri"/>
+                <a:sym typeface="Calibri"/>
+                <a:hlinkClick r:id="rId4"/>
+              </a:rPr>
+              <a:t>https://github.com/thekimk/Lecture-NIA/blob/main/Data/df_concat_BA1.csv</a:t>
+            </a:r>
+            <a:endParaRPr lang="en-US" altLang="ko-KR" sz="800">
+              <a:solidFill>
+                <a:schemeClr val="dk1"/>
+              </a:solidFill>
+              <a:latin typeface="Calibri"/>
+              <a:ea typeface="Calibri"/>
+              <a:cs typeface="Calibri"/>
+              <a:sym typeface="Calibri"/>
+            </a:endParaRPr>
+          </a:p>
+          <a:p>
+            <a:pPr marL="171450" lvl="0" indent="-171450">
+              <a:lnSpc>
+                <a:spcPct val="120000"/>
+              </a:lnSpc>
+              <a:buSzPts val="1400"/>
+              <a:buFontTx/>
+              <a:buChar char="-"/>
+            </a:pPr>
+            <a:r>
+              <a:rPr lang="ko-KR" altLang="en-US" sz="900">
+                <a:solidFill>
+                  <a:schemeClr val="dk1"/>
+                </a:solidFill>
+                <a:latin typeface="Calibri"/>
+                <a:ea typeface="Calibri"/>
+                <a:cs typeface="Calibri"/>
+                <a:sym typeface="Calibri"/>
+              </a:rPr>
+              <a:t>모델링</a:t>
+            </a:r>
+            <a:r>
+              <a:rPr lang="en-US" altLang="ko-KR" sz="900">
+                <a:solidFill>
+                  <a:schemeClr val="dk1"/>
+                </a:solidFill>
+                <a:latin typeface="Calibri"/>
+                <a:ea typeface="Calibri"/>
+                <a:cs typeface="Calibri"/>
+                <a:sym typeface="Calibri"/>
+              </a:rPr>
+              <a:t>: Logistic Regression, Random Forest, XGBoost, LightGBM, CatBoost, MLP, CNN 7</a:t>
+            </a:r>
+            <a:r>
+              <a:rPr lang="ko-KR" altLang="en-US" sz="900">
+                <a:solidFill>
+                  <a:schemeClr val="dk1"/>
+                </a:solidFill>
+                <a:latin typeface="Calibri"/>
+                <a:ea typeface="Calibri"/>
+                <a:cs typeface="Calibri"/>
+                <a:sym typeface="Calibri"/>
+              </a:rPr>
+              <a:t>종 </a:t>
+            </a:r>
+            <a:r>
+              <a:rPr lang="en-US" altLang="ko-KR" sz="900">
+                <a:solidFill>
+                  <a:schemeClr val="dk1"/>
+                </a:solidFill>
+                <a:latin typeface="Calibri"/>
+                <a:ea typeface="Calibri"/>
+                <a:cs typeface="Calibri"/>
+                <a:sym typeface="Calibri"/>
+              </a:rPr>
+              <a:t>+ SHAP </a:t>
+            </a:r>
+            <a:r>
+              <a:rPr lang="ko-KR" altLang="en-US" sz="900">
+                <a:solidFill>
+                  <a:schemeClr val="dk1"/>
+                </a:solidFill>
+                <a:latin typeface="Calibri"/>
+                <a:ea typeface="Calibri"/>
+                <a:cs typeface="Calibri"/>
+                <a:sym typeface="Calibri"/>
+              </a:rPr>
+              <a:t>기반 개인설명</a:t>
+            </a:r>
+            <a:r>
+              <a:rPr lang="en-US" altLang="ko-KR" sz="900">
+                <a:solidFill>
+                  <a:schemeClr val="dk1"/>
+                </a:solidFill>
+                <a:latin typeface="Calibri"/>
+                <a:ea typeface="Calibri"/>
+                <a:cs typeface="Calibri"/>
+                <a:sym typeface="Calibri"/>
+              </a:rPr>
+              <a:t>/</a:t>
+            </a:r>
+            <a:r>
+              <a:rPr lang="ko-KR" altLang="en-US" sz="900">
+                <a:solidFill>
+                  <a:schemeClr val="dk1"/>
+                </a:solidFill>
+                <a:latin typeface="Calibri"/>
+                <a:ea typeface="Calibri"/>
+                <a:cs typeface="Calibri"/>
+                <a:sym typeface="Calibri"/>
+              </a:rPr>
+              <a:t>전체설명</a:t>
+            </a:r>
+            <a:r>
+              <a:rPr lang="en-US" altLang="ko-KR" sz="900">
+                <a:solidFill>
+                  <a:schemeClr val="dk1"/>
+                </a:solidFill>
+                <a:latin typeface="Calibri"/>
+                <a:ea typeface="Calibri"/>
+                <a:cs typeface="Calibri"/>
+                <a:sym typeface="Calibri"/>
+              </a:rPr>
+              <a:t>/</a:t>
+            </a:r>
+            <a:r>
+              <a:rPr lang="ko-KR" altLang="en-US" sz="900">
+                <a:solidFill>
+                  <a:schemeClr val="dk1"/>
+                </a:solidFill>
+                <a:latin typeface="Calibri"/>
+                <a:ea typeface="Calibri"/>
+                <a:cs typeface="Calibri"/>
+                <a:sym typeface="Calibri"/>
+              </a:rPr>
+              <a:t>의존성</a:t>
+            </a:r>
+            <a:endParaRPr lang="en-US" altLang="ko-KR" sz="900" b="1" i="0" u="none" strike="noStrike" cap="none">
+              <a:solidFill>
+                <a:schemeClr val="dk1"/>
+              </a:solidFill>
+              <a:latin typeface="Calibri"/>
+              <a:ea typeface="Calibri"/>
+              <a:cs typeface="Calibri"/>
+              <a:sym typeface="Calibri"/>
+            </a:endParaRPr>
+          </a:p>
+          <a:p>
+            <a:pPr marL="92075" lvl="0" indent="-92075">
+              <a:lnSpc>
+                <a:spcPct val="120000"/>
+              </a:lnSpc>
+              <a:buSzPts val="1400"/>
+              <a:buFont typeface="Noto Sans Symbols"/>
+              <a:buChar char="▪"/>
+            </a:pPr>
+            <a:r>
+              <a:rPr lang="ko-KR" altLang="en-US" sz="1050" b="1" i="0" u="none" strike="noStrike" cap="none">
+                <a:solidFill>
+                  <a:schemeClr val="dk1"/>
+                </a:solidFill>
+                <a:latin typeface="Calibri"/>
+                <a:ea typeface="Calibri"/>
+                <a:cs typeface="Calibri"/>
+                <a:sym typeface="Calibri"/>
+              </a:rPr>
+              <a:t>목표</a:t>
+            </a:r>
+            <a:r>
+              <a:rPr lang="en-US" altLang="ko-KR" sz="1050" b="1" i="0" u="none" strike="noStrike" cap="none">
+                <a:solidFill>
+                  <a:schemeClr val="dk1"/>
+                </a:solidFill>
+                <a:latin typeface="Calibri"/>
+                <a:ea typeface="Calibri"/>
+                <a:cs typeface="Calibri"/>
+                <a:sym typeface="Calibri"/>
+              </a:rPr>
+              <a:t>2: </a:t>
+            </a:r>
+            <a:r>
+              <a:rPr lang="ko-KR" altLang="en-US" sz="1050" b="1" i="0" u="none" strike="noStrike" cap="none">
+                <a:solidFill>
+                  <a:schemeClr val="dk1"/>
+                </a:solidFill>
+                <a:latin typeface="Calibri"/>
+                <a:ea typeface="Calibri"/>
+                <a:cs typeface="Calibri"/>
+                <a:sym typeface="Calibri"/>
+              </a:rPr>
+              <a:t>실제 데이터로 분석 프로세스 완성</a:t>
+            </a:r>
+            <a:endParaRPr lang="en-US" altLang="ko-KR" sz="1050" b="1" i="0" u="none" strike="noStrike" cap="none">
+              <a:solidFill>
+                <a:schemeClr val="dk1"/>
+              </a:solidFill>
+              <a:latin typeface="Calibri"/>
+              <a:ea typeface="Calibri"/>
+              <a:cs typeface="Calibri"/>
+              <a:sym typeface="Calibri"/>
+            </a:endParaRPr>
+          </a:p>
+          <a:p>
+            <a:pPr marL="171450" lvl="0" indent="-171450">
+              <a:lnSpc>
+                <a:spcPct val="120000"/>
+              </a:lnSpc>
+              <a:buSzPts val="1400"/>
+              <a:buFontTx/>
+              <a:buChar char="-"/>
+            </a:pPr>
+            <a:r>
+              <a:rPr lang="ko-KR" altLang="en-US" sz="900">
+                <a:solidFill>
+                  <a:schemeClr val="dk1"/>
+                </a:solidFill>
+                <a:latin typeface="Calibri"/>
+                <a:ea typeface="Calibri"/>
+                <a:cs typeface="Calibri"/>
+                <a:sym typeface="Calibri"/>
+              </a:rPr>
+              <a:t>전체 데이터 논리적 결합</a:t>
+            </a:r>
+            <a:r>
+              <a:rPr lang="en-US" altLang="ko-KR" sz="900">
+                <a:solidFill>
+                  <a:schemeClr val="dk1"/>
+                </a:solidFill>
+                <a:latin typeface="Calibri"/>
+                <a:ea typeface="Calibri"/>
+                <a:cs typeface="Calibri"/>
+                <a:sym typeface="Calibri"/>
+              </a:rPr>
+              <a:t>: </a:t>
+            </a:r>
+            <a:r>
+              <a:rPr lang="en-US" altLang="ko-KR" sz="800">
+                <a:solidFill>
+                  <a:schemeClr val="dk1"/>
+                </a:solidFill>
+                <a:latin typeface="Calibri"/>
+                <a:ea typeface="Calibri"/>
+                <a:cs typeface="Calibri"/>
+                <a:sym typeface="Calibri"/>
+                <a:hlinkClick r:id="rId5"/>
+              </a:rPr>
+              <a:t>https://mdis.kostat.go.kr/dwnlSvc/ofrSurvSearch.do?curMenuNo=UI_POR_P9240</a:t>
+            </a:r>
+            <a:endParaRPr lang="en-US" altLang="ko-KR" sz="800">
+              <a:solidFill>
+                <a:schemeClr val="dk1"/>
+              </a:solidFill>
+              <a:latin typeface="Calibri"/>
+              <a:ea typeface="Calibri"/>
+              <a:cs typeface="Calibri"/>
+              <a:sym typeface="Calibri"/>
+            </a:endParaRPr>
+          </a:p>
+          <a:p>
+            <a:pPr marL="171450" indent="-171450">
+              <a:lnSpc>
+                <a:spcPct val="120000"/>
+              </a:lnSpc>
+              <a:buSzPts val="1400"/>
+              <a:buFontTx/>
+              <a:buChar char="-"/>
+            </a:pPr>
+            <a:r>
+              <a:rPr lang="ko-KR" altLang="en-US" sz="900">
+                <a:solidFill>
+                  <a:schemeClr val="dk1"/>
+                </a:solidFill>
+                <a:latin typeface="Calibri"/>
+                <a:ea typeface="Calibri"/>
+                <a:cs typeface="Calibri"/>
+                <a:sym typeface="Calibri"/>
+              </a:rPr>
+              <a:t>모델링</a:t>
+            </a:r>
+            <a:r>
+              <a:rPr lang="en-US" altLang="ko-KR" sz="900">
+                <a:solidFill>
+                  <a:schemeClr val="dk1"/>
+                </a:solidFill>
+                <a:latin typeface="Calibri"/>
+                <a:ea typeface="Calibri"/>
+                <a:cs typeface="Calibri"/>
+                <a:sym typeface="Calibri"/>
+              </a:rPr>
+              <a:t>: Logistic Regression, Random Forest, XGBoost, LightGBM, CatBoost, MLP, CNN 7</a:t>
+            </a:r>
+            <a:r>
+              <a:rPr lang="ko-KR" altLang="en-US" sz="900">
+                <a:solidFill>
+                  <a:schemeClr val="dk1"/>
+                </a:solidFill>
+                <a:latin typeface="Calibri"/>
+                <a:ea typeface="Calibri"/>
+                <a:cs typeface="Calibri"/>
+                <a:sym typeface="Calibri"/>
+              </a:rPr>
+              <a:t>종 </a:t>
+            </a:r>
+            <a:r>
+              <a:rPr lang="en-US" altLang="ko-KR" sz="900">
+                <a:solidFill>
+                  <a:schemeClr val="dk1"/>
+                </a:solidFill>
+                <a:latin typeface="Calibri"/>
+                <a:ea typeface="Calibri"/>
+                <a:cs typeface="Calibri"/>
+                <a:sym typeface="Calibri"/>
+              </a:rPr>
+              <a:t>+ SHAP </a:t>
+            </a:r>
+            <a:r>
+              <a:rPr lang="ko-KR" altLang="en-US" sz="900">
+                <a:solidFill>
+                  <a:schemeClr val="dk1"/>
+                </a:solidFill>
+                <a:latin typeface="Calibri"/>
+                <a:ea typeface="Calibri"/>
+                <a:cs typeface="Calibri"/>
+                <a:sym typeface="Calibri"/>
+              </a:rPr>
+              <a:t>기반 개인설명</a:t>
+            </a:r>
+            <a:r>
+              <a:rPr lang="en-US" altLang="ko-KR" sz="900">
+                <a:solidFill>
+                  <a:schemeClr val="dk1"/>
+                </a:solidFill>
+                <a:latin typeface="Calibri"/>
+                <a:ea typeface="Calibri"/>
+                <a:cs typeface="Calibri"/>
+                <a:sym typeface="Calibri"/>
+              </a:rPr>
+              <a:t>/</a:t>
+            </a:r>
+            <a:r>
+              <a:rPr lang="ko-KR" altLang="en-US" sz="900">
+                <a:solidFill>
+                  <a:schemeClr val="dk1"/>
+                </a:solidFill>
+                <a:latin typeface="Calibri"/>
+                <a:ea typeface="Calibri"/>
+                <a:cs typeface="Calibri"/>
+                <a:sym typeface="Calibri"/>
+              </a:rPr>
+              <a:t>전체설명</a:t>
+            </a:r>
+            <a:r>
+              <a:rPr lang="en-US" altLang="ko-KR" sz="900">
+                <a:solidFill>
+                  <a:schemeClr val="dk1"/>
+                </a:solidFill>
+                <a:latin typeface="Calibri"/>
+                <a:ea typeface="Calibri"/>
+                <a:cs typeface="Calibri"/>
+                <a:sym typeface="Calibri"/>
+              </a:rPr>
+              <a:t>/</a:t>
+            </a:r>
+            <a:r>
+              <a:rPr lang="ko-KR" altLang="en-US" sz="900">
+                <a:solidFill>
+                  <a:schemeClr val="dk1"/>
+                </a:solidFill>
+                <a:latin typeface="Calibri"/>
+                <a:ea typeface="Calibri"/>
+                <a:cs typeface="Calibri"/>
+                <a:sym typeface="Calibri"/>
+              </a:rPr>
+              <a:t>의존성</a:t>
+            </a:r>
+            <a:endParaRPr lang="en-US" altLang="ko-KR" sz="900">
+              <a:solidFill>
+                <a:schemeClr val="dk1"/>
+              </a:solidFill>
+              <a:latin typeface="Calibri"/>
+              <a:ea typeface="Calibri"/>
+              <a:cs typeface="Calibri"/>
+              <a:sym typeface="Calibri"/>
+            </a:endParaRPr>
+          </a:p>
+          <a:p>
+            <a:pPr marL="92075" lvl="0" indent="-92075">
+              <a:lnSpc>
+                <a:spcPct val="120000"/>
+              </a:lnSpc>
+              <a:buSzPts val="1400"/>
+              <a:buFont typeface="Noto Sans Symbols"/>
+              <a:buChar char="▪"/>
+            </a:pPr>
+            <a:r>
+              <a:rPr lang="ko-KR" altLang="en-US" sz="1050" b="1">
+                <a:solidFill>
+                  <a:schemeClr val="dk1"/>
+                </a:solidFill>
+                <a:latin typeface="Calibri"/>
+                <a:ea typeface="Calibri"/>
+                <a:cs typeface="Calibri"/>
+                <a:sym typeface="Calibri"/>
+              </a:rPr>
+              <a:t>목표</a:t>
+            </a:r>
+            <a:r>
+              <a:rPr lang="en-US" altLang="ko-KR" sz="1050" b="1">
+                <a:solidFill>
+                  <a:schemeClr val="dk1"/>
+                </a:solidFill>
+                <a:latin typeface="Calibri"/>
+                <a:ea typeface="Calibri"/>
+                <a:cs typeface="Calibri"/>
+                <a:sym typeface="Calibri"/>
+              </a:rPr>
+              <a:t>3: </a:t>
+            </a:r>
+            <a:r>
+              <a:rPr lang="ko-KR" altLang="en-US" sz="1050" b="1">
+                <a:solidFill>
+                  <a:schemeClr val="dk1"/>
+                </a:solidFill>
+                <a:latin typeface="Calibri"/>
+                <a:ea typeface="Calibri"/>
+                <a:cs typeface="Calibri"/>
+                <a:sym typeface="Calibri"/>
+              </a:rPr>
+              <a:t>성능 업데이트</a:t>
+            </a:r>
+            <a:endParaRPr lang="en-US" altLang="ko-KR" sz="1050" b="1">
+              <a:solidFill>
+                <a:schemeClr val="dk1"/>
+              </a:solidFill>
+              <a:latin typeface="Calibri"/>
+              <a:ea typeface="Calibri"/>
+              <a:cs typeface="Calibri"/>
+              <a:sym typeface="Calibri"/>
+            </a:endParaRPr>
+          </a:p>
+          <a:p>
+            <a:pPr marL="171450" lvl="0" indent="-171450">
+              <a:lnSpc>
+                <a:spcPct val="120000"/>
+              </a:lnSpc>
+              <a:buSzPts val="1400"/>
+              <a:buFontTx/>
+              <a:buChar char="-"/>
+            </a:pPr>
+            <a:r>
+              <a:rPr lang="en-US" altLang="ko-KR" sz="900">
+                <a:solidFill>
+                  <a:schemeClr val="dk1"/>
+                </a:solidFill>
+                <a:latin typeface="Calibri"/>
+                <a:ea typeface="Calibri"/>
+                <a:cs typeface="Calibri"/>
+                <a:sym typeface="Calibri"/>
+              </a:rPr>
+              <a:t>Baseline </a:t>
+            </a:r>
+            <a:r>
+              <a:rPr lang="ko-KR" altLang="en-US" sz="900">
+                <a:solidFill>
+                  <a:schemeClr val="dk1"/>
+                </a:solidFill>
+                <a:latin typeface="Calibri"/>
+                <a:ea typeface="Calibri"/>
+                <a:cs typeface="Calibri"/>
+                <a:sym typeface="Calibri"/>
+              </a:rPr>
+              <a:t>성능 넘어서기</a:t>
+            </a:r>
+            <a:endParaRPr lang="en-US" altLang="ko-KR" sz="900">
+              <a:solidFill>
+                <a:schemeClr val="dk1"/>
+              </a:solidFill>
+              <a:latin typeface="Calibri"/>
+              <a:ea typeface="Calibri"/>
+              <a:cs typeface="Calibri"/>
+              <a:sym typeface="Calibri"/>
+            </a:endParaRPr>
+          </a:p>
+          <a:p>
+            <a:pPr lvl="0">
+              <a:lnSpc>
+                <a:spcPct val="120000"/>
+              </a:lnSpc>
+              <a:buSzPts val="1400"/>
+            </a:pPr>
+            <a:endParaRPr lang="en-US" altLang="ko-KR" sz="1050" b="1">
+              <a:solidFill>
+                <a:schemeClr val="dk1"/>
+              </a:solidFill>
+              <a:latin typeface="Calibri"/>
+              <a:ea typeface="Calibri"/>
+              <a:cs typeface="Calibri"/>
+              <a:sym typeface="Calibri"/>
+            </a:endParaRPr>
+          </a:p>
+        </p:txBody>
+      </p:sp>
+      <p:cxnSp>
+        <p:nvCxnSpPr>
+          <p:cNvPr id="19" name="연결선: 꺾임 18">
+            <a:extLst>
+              <a:ext uri="{FF2B5EF4-FFF2-40B4-BE49-F238E27FC236}">
+                <a16:creationId xmlns:a16="http://schemas.microsoft.com/office/drawing/2014/main" id="{174405D2-28AD-37A2-6CA5-AB88B9C15988}"/>
+              </a:ext>
+            </a:extLst>
+          </p:cNvPr>
+          <p:cNvCxnSpPr>
+            <a:cxnSpLocks/>
+            <a:stCxn id="579" idx="2"/>
+            <a:endCxn id="581" idx="0"/>
+          </p:cNvCxnSpPr>
+          <p:nvPr/>
+        </p:nvCxnSpPr>
+        <p:spPr>
+          <a:xfrm rot="5400000">
+            <a:off x="3206086" y="454317"/>
+            <a:ext cx="589557" cy="2142273"/>
+          </a:xfrm>
+          <a:prstGeom prst="bentConnector3">
+            <a:avLst/>
+          </a:prstGeom>
+          <a:ln>
+            <a:solidFill>
+              <a:srgbClr val="002060"/>
+            </a:solidFill>
+            <a:tailEnd type="triangle"/>
+          </a:ln>
+        </p:spPr>
+        <p:style>
+          <a:lnRef idx="1">
+            <a:schemeClr val="accent1"/>
+          </a:lnRef>
+          <a:fillRef idx="0">
+            <a:schemeClr val="accent1"/>
+          </a:fillRef>
+          <a:effectRef idx="0">
+            <a:schemeClr val="accent1"/>
+          </a:effectRef>
+          <a:fontRef idx="minor">
+            <a:schemeClr val="tx1"/>
+          </a:fontRef>
+        </p:style>
+      </p:cxnSp>
+      <p:cxnSp>
+        <p:nvCxnSpPr>
+          <p:cNvPr id="21" name="연결선: 꺾임 20">
+            <a:extLst>
+              <a:ext uri="{FF2B5EF4-FFF2-40B4-BE49-F238E27FC236}">
+                <a16:creationId xmlns:a16="http://schemas.microsoft.com/office/drawing/2014/main" id="{7DB30250-B249-69EB-7590-A0B64C9A769B}"/>
+              </a:ext>
+            </a:extLst>
+          </p:cNvPr>
+          <p:cNvCxnSpPr>
+            <a:cxnSpLocks/>
+            <a:stCxn id="579" idx="2"/>
+            <a:endCxn id="601" idx="0"/>
+          </p:cNvCxnSpPr>
+          <p:nvPr/>
+        </p:nvCxnSpPr>
+        <p:spPr>
+          <a:xfrm rot="16200000" flipH="1">
+            <a:off x="5350291" y="452383"/>
+            <a:ext cx="589557" cy="2146139"/>
+          </a:xfrm>
+          <a:prstGeom prst="bentConnector3">
+            <a:avLst>
+              <a:gd name="adj1" fmla="val 50000"/>
+            </a:avLst>
+          </a:prstGeom>
+          <a:ln>
+            <a:solidFill>
+              <a:srgbClr val="002060"/>
+            </a:solidFill>
+            <a:tailEnd type="triangle"/>
+          </a:ln>
+        </p:spPr>
+        <p:style>
+          <a:lnRef idx="1">
+            <a:schemeClr val="accent1"/>
+          </a:lnRef>
+          <a:fillRef idx="0">
+            <a:schemeClr val="accent1"/>
+          </a:fillRef>
+          <a:effectRef idx="0">
+            <a:schemeClr val="accent1"/>
+          </a:effectRef>
+          <a:fontRef idx="minor">
+            <a:schemeClr val="tx1"/>
+          </a:fontRef>
+        </p:style>
+      </p:cxnSp>
+      <p:pic>
+        <p:nvPicPr>
+          <p:cNvPr id="1026" name="Picture 2">
+            <a:extLst>
+              <a:ext uri="{FF2B5EF4-FFF2-40B4-BE49-F238E27FC236}">
+                <a16:creationId xmlns:a16="http://schemas.microsoft.com/office/drawing/2014/main" id="{FB5ADD8F-806A-BA35-33E6-0FA8B2D23951}"/>
+              </a:ext>
+            </a:extLst>
+          </p:cNvPr>
+          <p:cNvPicPr>
+            <a:picLocks noChangeAspect="1" noChangeArrowheads="1"/>
+          </p:cNvPicPr>
+          <p:nvPr/>
+        </p:nvPicPr>
+        <p:blipFill rotWithShape="1">
+          <a:blip r:embed="rId6">
+            <a:extLst>
+              <a:ext uri="{28A0092B-C50C-407E-A947-70E740481C1C}">
+                <a14:useLocalDpi xmlns:a14="http://schemas.microsoft.com/office/drawing/2010/main" val="0"/>
+              </a:ext>
+            </a:extLst>
+          </a:blip>
+          <a:srcRect b="55547"/>
+          <a:stretch>
+            <a:fillRect/>
+          </a:stretch>
+        </p:blipFill>
+        <p:spPr bwMode="auto">
+          <a:xfrm>
+            <a:off x="415704" y="4766959"/>
+            <a:ext cx="4026771" cy="1198621"/>
+          </a:xfrm>
+          <a:prstGeom prst="rect">
+            <a:avLst/>
+          </a:prstGeom>
+          <a:noFill/>
+          <a:extLst>
+            <a:ext uri="{909E8E84-426E-40DD-AFC4-6F175D3DCCD1}">
+              <a14:hiddenFill xmlns:a14="http://schemas.microsoft.com/office/drawing/2010/main">
+                <a:solidFill>
+                  <a:srgbClr val="FFFFFF"/>
+                </a:solidFill>
+              </a14:hiddenFill>
+            </a:ext>
+          </a:extLst>
+        </p:spPr>
+      </p:pic>
+      <p:pic>
+        <p:nvPicPr>
+          <p:cNvPr id="1028" name="Picture 4">
+            <a:extLst>
+              <a:ext uri="{FF2B5EF4-FFF2-40B4-BE49-F238E27FC236}">
+                <a16:creationId xmlns:a16="http://schemas.microsoft.com/office/drawing/2014/main" id="{AF8DCAF3-275F-FB7A-411E-774354649254}"/>
+              </a:ext>
+            </a:extLst>
+          </p:cNvPr>
+          <p:cNvPicPr>
+            <a:picLocks noChangeAspect="1" noChangeArrowheads="1"/>
+          </p:cNvPicPr>
+          <p:nvPr/>
+        </p:nvPicPr>
+        <p:blipFill rotWithShape="1">
+          <a:blip r:embed="rId7">
+            <a:extLst>
+              <a:ext uri="{28A0092B-C50C-407E-A947-70E740481C1C}">
+                <a14:useLocalDpi xmlns:a14="http://schemas.microsoft.com/office/drawing/2010/main" val="0"/>
+              </a:ext>
+            </a:extLst>
+          </a:blip>
+          <a:srcRect b="29898"/>
+          <a:stretch>
+            <a:fillRect/>
+          </a:stretch>
+        </p:blipFill>
+        <p:spPr bwMode="auto">
+          <a:xfrm>
+            <a:off x="5675734" y="4708280"/>
+            <a:ext cx="2084809" cy="1310151"/>
+          </a:xfrm>
+          <a:prstGeom prst="rect">
+            <a:avLst/>
+          </a:prstGeom>
+          <a:noFill/>
+          <a:extLst>
+            <a:ext uri="{909E8E84-426E-40DD-AFC4-6F175D3DCCD1}">
+              <a14:hiddenFill xmlns:a14="http://schemas.microsoft.com/office/drawing/2010/main">
+                <a:solidFill>
+                  <a:srgbClr val="FFFFFF"/>
+                </a:solidFill>
+              </a14:hiddenFill>
+            </a:ext>
+          </a:extLst>
+        </p:spPr>
+      </p:pic>
+    </p:spTree>
+    <p:extLst>
+      <p:ext uri="{BB962C8B-B14F-4D97-AF65-F5344CB8AC3E}">
+        <p14:creationId xmlns:p14="http://schemas.microsoft.com/office/powerpoint/2010/main" val="2378669709"/>
+      </p:ext>
+    </p:extLst>
   </p:cSld>
   <p:clrMapOvr>
     <a:masterClrMapping/>

--- a/[Document]/소개운영자료/[DIVE_운영방향_김경원교수].pptx
+++ b/[Document]/소개운영자료/[DIVE_운영방향_김경원교수].pptx
@@ -285,7 +285,7 @@
       </p15:notesGuideLst>
     </p:ext>
     <p:ext uri="http://customooxmlschemas.google.com/">
-      <go:slidesCustomData xmlns="" xmlns:mc="http://schemas.openxmlformats.org/markup-compatibility/2006" xmlns:mv="urn:schemas-microsoft-com:mac:vml" xmlns:c="http://schemas.openxmlformats.org/drawingml/2006/chart" xmlns:dgm="http://schemas.openxmlformats.org/drawingml/2006/diagram" xmlns:o="urn:schemas-microsoft-com:office:office" xmlns:v="urn:schemas-microsoft-com:vml" xmlns:pvml="urn:schemas-microsoft-com:office:powerpoint" xmlns:com="http://schemas.openxmlformats.org/drawingml/2006/compatibility" xmlns:p14="http://schemas.microsoft.com/office/powerpoint/2010/main" xmlns:p15="http://schemas.microsoft.com/office/powerpoint/2012/main" xmlns:go="http://customooxmlschemas.google.com/" r:id="rId105" roundtripDataSignature="AMtx7miUWwlRzSp7FmXEzuK0I58SVnBqRw=="/>
+      <go:slidesCustomData xmlns:go="http://customooxmlschemas.google.com/" xmlns:p15="http://schemas.microsoft.com/office/powerpoint/2012/main" xmlns:p14="http://schemas.microsoft.com/office/powerpoint/2010/main" xmlns:com="http://schemas.openxmlformats.org/drawingml/2006/compatibility" xmlns:pvml="urn:schemas-microsoft-com:office:powerpoint" xmlns:v="urn:schemas-microsoft-com:vml" xmlns:o="urn:schemas-microsoft-com:office:office" xmlns:dgm="http://schemas.openxmlformats.org/drawingml/2006/diagram" xmlns:c="http://schemas.openxmlformats.org/drawingml/2006/chart" xmlns:mv="urn:schemas-microsoft-com:mac:vml" xmlns:mc="http://schemas.openxmlformats.org/markup-compatibility/2006" xmlns="" r:id="rId105" roundtripDataSignature="AMtx7miUWwlRzSp7FmXEzuK0I58SVnBqRw=="/>
     </p:ext>
   </p:extLst>
 </p:presentation>
@@ -8969,17 +8969,44 @@
                 <a:cs typeface="Calibri"/>
                 <a:sym typeface="Calibri"/>
               </a:rPr>
-              <a:t>텍스트정보추출</a:t>
-            </a:r>
-            <a:endParaRPr lang="en-US" altLang="ko-KR" sz="1050" b="1">
-              <a:solidFill>
-                <a:schemeClr val="dk1"/>
-              </a:solidFill>
-              <a:latin typeface="Calibri"/>
-              <a:ea typeface="Calibri"/>
-              <a:cs typeface="Calibri"/>
-              <a:sym typeface="Calibri"/>
-            </a:endParaRPr>
+              <a:t>텍스트정보추출 </a:t>
+            </a:r>
+            <a:r>
+              <a:rPr lang="en-US" altLang="ko-KR" sz="1050" b="1">
+                <a:solidFill>
+                  <a:schemeClr val="dk1"/>
+                </a:solidFill>
+                <a:latin typeface="Calibri"/>
+                <a:ea typeface="Calibri"/>
+                <a:cs typeface="Calibri"/>
+                <a:sym typeface="Calibri"/>
+              </a:rPr>
+              <a:t>+ </a:t>
+            </a:r>
+            <a:r>
+              <a:rPr lang="ko-KR" altLang="en-US" sz="1050" b="1">
+                <a:solidFill>
+                  <a:schemeClr val="dk1"/>
+                </a:solidFill>
+                <a:latin typeface="Calibri"/>
+                <a:ea typeface="Calibri"/>
+                <a:cs typeface="Calibri"/>
+                <a:sym typeface="Calibri"/>
+              </a:rPr>
+              <a:t>신규</a:t>
+            </a:r>
+            <a:r>
+              <a:rPr lang="en-US" altLang="ko-KR" sz="1050" b="1">
+                <a:solidFill>
+                  <a:schemeClr val="dk1"/>
+                </a:solidFill>
+                <a:latin typeface="Calibri"/>
+                <a:ea typeface="Calibri"/>
+                <a:cs typeface="Calibri"/>
+                <a:sym typeface="Calibri"/>
+              </a:rPr>
+              <a:t>DB</a:t>
+            </a:r>
           </a:p>
           <a:p>
             <a:pPr marL="171450" lvl="0" indent="-171450">

--- a/[Document]/소개운영자료/[DIVE_운영방향_김경원교수].pptx
+++ b/[Document]/소개운영자료/[DIVE_운영방향_김경원교수].pptx
@@ -5,14 +5,17 @@
     <p:sldMasterId id="2147483648" r:id="rId1"/>
   </p:sldMasterIdLst>
   <p:notesMasterIdLst>
-    <p:notesMasterId r:id="rId4"/>
+    <p:notesMasterId r:id="rId7"/>
   </p:notesMasterIdLst>
   <p:handoutMasterIdLst>
-    <p:handoutMasterId r:id="rId5"/>
+    <p:handoutMasterId r:id="rId8"/>
   </p:handoutMasterIdLst>
   <p:sldIdLst>
     <p:sldId id="365" r:id="rId2"/>
     <p:sldId id="367" r:id="rId3"/>
+    <p:sldId id="370" r:id="rId4"/>
+    <p:sldId id="371" r:id="rId5"/>
+    <p:sldId id="369" r:id="rId6"/>
   </p:sldIdLst>
   <p:sldSz cx="9144000" cy="6858000" type="screen4x3"/>
   <p:notesSz cx="6797675" cy="9926638"/>
@@ -385,7 +388,7 @@
           <a:p>
             <a:fld id="{0FE758C4-0839-4DFD-B23C-C4B0E1666FA8}" type="datetimeFigureOut">
               <a:rPr lang="ko-KR" altLang="en-US" smtClean="0"/>
-              <a:t>2025-07-03</a:t>
+              <a:t>2025-07-05</a:t>
             </a:fld>
             <a:endParaRPr lang="ko-KR" altLang="en-US"/>
           </a:p>
@@ -2157,6 +2160,387 @@
     <p:extLst>
       <p:ext uri="{BB962C8B-B14F-4D97-AF65-F5344CB8AC3E}">
         <p14:creationId xmlns:p14="http://schemas.microsoft.com/office/powerpoint/2010/main" val="3428987260"/>
+      </p:ext>
+    </p:extLst>
+  </p:cSld>
+  <p:clrMapOvr>
+    <a:masterClrMapping/>
+  </p:clrMapOvr>
+</p:notes>
+</file>
+
+<file path=ppt/notesSlides/notesSlide3.xml><?xml version="1.0" encoding="utf-8"?>
+<p:notes xmlns:a="http://schemas.openxmlformats.org/drawingml/2006/main" xmlns:r="http://schemas.openxmlformats.org/officeDocument/2006/relationships" xmlns:p="http://schemas.openxmlformats.org/presentationml/2006/main" showMasterSp="0" showMasterPhAnim="0">
+  <p:cSld>
+    <p:spTree>
+      <p:nvGrpSpPr>
+        <p:cNvPr id="1" name="Shape 572">
+          <a:extLst>
+            <a:ext uri="{FF2B5EF4-FFF2-40B4-BE49-F238E27FC236}">
+              <a16:creationId xmlns:a16="http://schemas.microsoft.com/office/drawing/2014/main" id="{04BE0B2B-387D-11A5-A011-54F821926DC6}"/>
+            </a:ext>
+          </a:extLst>
+        </p:cNvPr>
+        <p:cNvGrpSpPr/>
+        <p:nvPr/>
+      </p:nvGrpSpPr>
+      <p:grpSpPr>
+        <a:xfrm>
+          <a:off x="0" y="0"/>
+          <a:ext cx="0" cy="0"/>
+          <a:chOff x="0" y="0"/>
+          <a:chExt cx="0" cy="0"/>
+        </a:xfrm>
+      </p:grpSpPr>
+      <p:sp>
+        <p:nvSpPr>
+          <p:cNvPr id="573" name="Google Shape;573;p41:notes">
+            <a:extLst>
+              <a:ext uri="{FF2B5EF4-FFF2-40B4-BE49-F238E27FC236}">
+                <a16:creationId xmlns:a16="http://schemas.microsoft.com/office/drawing/2014/main" id="{46FB8681-2539-0413-9185-44979CECD021}"/>
+              </a:ext>
+            </a:extLst>
+          </p:cNvPr>
+          <p:cNvSpPr txBox="1">
+            <a:spLocks noGrp="1"/>
+          </p:cNvSpPr>
+          <p:nvPr>
+            <p:ph type="body" idx="1"/>
+          </p:nvPr>
+        </p:nvSpPr>
+        <p:spPr>
+          <a:xfrm>
+            <a:off x="679768" y="4715154"/>
+            <a:ext cx="5438140" cy="4466987"/>
+          </a:xfrm>
+          <a:prstGeom prst="rect">
+            <a:avLst/>
+          </a:prstGeom>
+        </p:spPr>
+        <p:txBody>
+          <a:bodyPr spcFirstLastPara="1" wrap="square" lIns="91425" tIns="45700" rIns="91425" bIns="45700" anchor="t" anchorCtr="0">
+            <a:noAutofit/>
+          </a:bodyPr>
+          <a:lstStyle/>
+          <a:p>
+            <a:pPr marL="0" lvl="0" indent="0" algn="l" rtl="0">
+              <a:spcBef>
+                <a:spcPts val="0"/>
+              </a:spcBef>
+              <a:spcAft>
+                <a:spcPts val="0"/>
+              </a:spcAft>
+              <a:buNone/>
+            </a:pPr>
+            <a:endParaRPr/>
+          </a:p>
+        </p:txBody>
+      </p:sp>
+      <p:sp>
+        <p:nvSpPr>
+          <p:cNvPr id="574" name="Google Shape;574;p41:notes">
+            <a:extLst>
+              <a:ext uri="{FF2B5EF4-FFF2-40B4-BE49-F238E27FC236}">
+                <a16:creationId xmlns:a16="http://schemas.microsoft.com/office/drawing/2014/main" id="{EB9ACB1E-D913-4C42-081A-DECA6B131E5F}"/>
+              </a:ext>
+            </a:extLst>
+          </p:cNvPr>
+          <p:cNvSpPr>
+            <a:spLocks noGrp="1" noRot="1" noChangeAspect="1"/>
+          </p:cNvSpPr>
+          <p:nvPr>
+            <p:ph type="sldImg" idx="2"/>
+          </p:nvPr>
+        </p:nvSpPr>
+        <p:spPr>
+          <a:xfrm>
+            <a:off x="917575" y="744538"/>
+            <a:ext cx="4962525" cy="3722687"/>
+          </a:xfrm>
+          <a:custGeom>
+            <a:avLst/>
+            <a:gdLst/>
+            <a:ahLst/>
+            <a:cxnLst/>
+            <a:rect l="l" t="t" r="r" b="b"/>
+            <a:pathLst>
+              <a:path w="120000" h="120000" extrusionOk="0">
+                <a:moveTo>
+                  <a:pt x="0" y="0"/>
+                </a:moveTo>
+                <a:lnTo>
+                  <a:pt x="120000" y="0"/>
+                </a:lnTo>
+                <a:lnTo>
+                  <a:pt x="120000" y="120000"/>
+                </a:lnTo>
+                <a:lnTo>
+                  <a:pt x="0" y="120000"/>
+                </a:lnTo>
+                <a:close/>
+              </a:path>
+            </a:pathLst>
+          </a:custGeom>
+        </p:spPr>
+      </p:sp>
+    </p:spTree>
+    <p:extLst>
+      <p:ext uri="{BB962C8B-B14F-4D97-AF65-F5344CB8AC3E}">
+        <p14:creationId xmlns:p14="http://schemas.microsoft.com/office/powerpoint/2010/main" val="1631335632"/>
+      </p:ext>
+    </p:extLst>
+  </p:cSld>
+  <p:clrMapOvr>
+    <a:masterClrMapping/>
+  </p:clrMapOvr>
+</p:notes>
+</file>
+
+<file path=ppt/notesSlides/notesSlide4.xml><?xml version="1.0" encoding="utf-8"?>
+<p:notes xmlns:a="http://schemas.openxmlformats.org/drawingml/2006/main" xmlns:r="http://schemas.openxmlformats.org/officeDocument/2006/relationships" xmlns:p="http://schemas.openxmlformats.org/presentationml/2006/main" showMasterSp="0" showMasterPhAnim="0">
+  <p:cSld>
+    <p:spTree>
+      <p:nvGrpSpPr>
+        <p:cNvPr id="1" name="Shape 572">
+          <a:extLst>
+            <a:ext uri="{FF2B5EF4-FFF2-40B4-BE49-F238E27FC236}">
+              <a16:creationId xmlns:a16="http://schemas.microsoft.com/office/drawing/2014/main" id="{8B3C8F36-5234-930E-719A-F80CF2E187A9}"/>
+            </a:ext>
+          </a:extLst>
+        </p:cNvPr>
+        <p:cNvGrpSpPr/>
+        <p:nvPr/>
+      </p:nvGrpSpPr>
+      <p:grpSpPr>
+        <a:xfrm>
+          <a:off x="0" y="0"/>
+          <a:ext cx="0" cy="0"/>
+          <a:chOff x="0" y="0"/>
+          <a:chExt cx="0" cy="0"/>
+        </a:xfrm>
+      </p:grpSpPr>
+      <p:sp>
+        <p:nvSpPr>
+          <p:cNvPr id="573" name="Google Shape;573;p41:notes">
+            <a:extLst>
+              <a:ext uri="{FF2B5EF4-FFF2-40B4-BE49-F238E27FC236}">
+                <a16:creationId xmlns:a16="http://schemas.microsoft.com/office/drawing/2014/main" id="{1C951375-4387-FC68-4DF3-4693A606FEAF}"/>
+              </a:ext>
+            </a:extLst>
+          </p:cNvPr>
+          <p:cNvSpPr txBox="1">
+            <a:spLocks noGrp="1"/>
+          </p:cNvSpPr>
+          <p:nvPr>
+            <p:ph type="body" idx="1"/>
+          </p:nvPr>
+        </p:nvSpPr>
+        <p:spPr>
+          <a:xfrm>
+            <a:off x="679768" y="4715154"/>
+            <a:ext cx="5438140" cy="4466987"/>
+          </a:xfrm>
+          <a:prstGeom prst="rect">
+            <a:avLst/>
+          </a:prstGeom>
+        </p:spPr>
+        <p:txBody>
+          <a:bodyPr spcFirstLastPara="1" wrap="square" lIns="91425" tIns="45700" rIns="91425" bIns="45700" anchor="t" anchorCtr="0">
+            <a:noAutofit/>
+          </a:bodyPr>
+          <a:lstStyle/>
+          <a:p>
+            <a:pPr marL="0" lvl="0" indent="0" algn="l" rtl="0">
+              <a:spcBef>
+                <a:spcPts val="0"/>
+              </a:spcBef>
+              <a:spcAft>
+                <a:spcPts val="0"/>
+              </a:spcAft>
+              <a:buNone/>
+            </a:pPr>
+            <a:endParaRPr/>
+          </a:p>
+        </p:txBody>
+      </p:sp>
+      <p:sp>
+        <p:nvSpPr>
+          <p:cNvPr id="574" name="Google Shape;574;p41:notes">
+            <a:extLst>
+              <a:ext uri="{FF2B5EF4-FFF2-40B4-BE49-F238E27FC236}">
+                <a16:creationId xmlns:a16="http://schemas.microsoft.com/office/drawing/2014/main" id="{692FF73E-6277-B34C-86F2-0A63282E3D12}"/>
+              </a:ext>
+            </a:extLst>
+          </p:cNvPr>
+          <p:cNvSpPr>
+            <a:spLocks noGrp="1" noRot="1" noChangeAspect="1"/>
+          </p:cNvSpPr>
+          <p:nvPr>
+            <p:ph type="sldImg" idx="2"/>
+          </p:nvPr>
+        </p:nvSpPr>
+        <p:spPr>
+          <a:xfrm>
+            <a:off x="917575" y="744538"/>
+            <a:ext cx="4962525" cy="3722687"/>
+          </a:xfrm>
+          <a:custGeom>
+            <a:avLst/>
+            <a:gdLst/>
+            <a:ahLst/>
+            <a:cxnLst/>
+            <a:rect l="l" t="t" r="r" b="b"/>
+            <a:pathLst>
+              <a:path w="120000" h="120000" extrusionOk="0">
+                <a:moveTo>
+                  <a:pt x="0" y="0"/>
+                </a:moveTo>
+                <a:lnTo>
+                  <a:pt x="120000" y="0"/>
+                </a:lnTo>
+                <a:lnTo>
+                  <a:pt x="120000" y="120000"/>
+                </a:lnTo>
+                <a:lnTo>
+                  <a:pt x="0" y="120000"/>
+                </a:lnTo>
+                <a:close/>
+              </a:path>
+            </a:pathLst>
+          </a:custGeom>
+        </p:spPr>
+      </p:sp>
+    </p:spTree>
+    <p:extLst>
+      <p:ext uri="{BB962C8B-B14F-4D97-AF65-F5344CB8AC3E}">
+        <p14:creationId xmlns:p14="http://schemas.microsoft.com/office/powerpoint/2010/main" val="348363485"/>
+      </p:ext>
+    </p:extLst>
+  </p:cSld>
+  <p:clrMapOvr>
+    <a:masterClrMapping/>
+  </p:clrMapOvr>
+</p:notes>
+</file>
+
+<file path=ppt/notesSlides/notesSlide5.xml><?xml version="1.0" encoding="utf-8"?>
+<p:notes xmlns:a="http://schemas.openxmlformats.org/drawingml/2006/main" xmlns:r="http://schemas.openxmlformats.org/officeDocument/2006/relationships" xmlns:p="http://schemas.openxmlformats.org/presentationml/2006/main" showMasterSp="0" showMasterPhAnim="0">
+  <p:cSld>
+    <p:spTree>
+      <p:nvGrpSpPr>
+        <p:cNvPr id="1" name="Shape 572">
+          <a:extLst>
+            <a:ext uri="{FF2B5EF4-FFF2-40B4-BE49-F238E27FC236}">
+              <a16:creationId xmlns:a16="http://schemas.microsoft.com/office/drawing/2014/main" id="{38886A70-0C8E-0B6E-B3CD-6AB75C59734C}"/>
+            </a:ext>
+          </a:extLst>
+        </p:cNvPr>
+        <p:cNvGrpSpPr/>
+        <p:nvPr/>
+      </p:nvGrpSpPr>
+      <p:grpSpPr>
+        <a:xfrm>
+          <a:off x="0" y="0"/>
+          <a:ext cx="0" cy="0"/>
+          <a:chOff x="0" y="0"/>
+          <a:chExt cx="0" cy="0"/>
+        </a:xfrm>
+      </p:grpSpPr>
+      <p:sp>
+        <p:nvSpPr>
+          <p:cNvPr id="573" name="Google Shape;573;p41:notes">
+            <a:extLst>
+              <a:ext uri="{FF2B5EF4-FFF2-40B4-BE49-F238E27FC236}">
+                <a16:creationId xmlns:a16="http://schemas.microsoft.com/office/drawing/2014/main" id="{098D23DC-CC4D-0196-5523-67666CC55460}"/>
+              </a:ext>
+            </a:extLst>
+          </p:cNvPr>
+          <p:cNvSpPr txBox="1">
+            <a:spLocks noGrp="1"/>
+          </p:cNvSpPr>
+          <p:nvPr>
+            <p:ph type="body" idx="1"/>
+          </p:nvPr>
+        </p:nvSpPr>
+        <p:spPr>
+          <a:xfrm>
+            <a:off x="679768" y="4715154"/>
+            <a:ext cx="5438140" cy="4466987"/>
+          </a:xfrm>
+          <a:prstGeom prst="rect">
+            <a:avLst/>
+          </a:prstGeom>
+        </p:spPr>
+        <p:txBody>
+          <a:bodyPr spcFirstLastPara="1" wrap="square" lIns="91425" tIns="45700" rIns="91425" bIns="45700" anchor="t" anchorCtr="0">
+            <a:noAutofit/>
+          </a:bodyPr>
+          <a:lstStyle/>
+          <a:p>
+            <a:pPr marL="0" lvl="0" indent="0" algn="l" rtl="0">
+              <a:spcBef>
+                <a:spcPts val="0"/>
+              </a:spcBef>
+              <a:spcAft>
+                <a:spcPts val="0"/>
+              </a:spcAft>
+              <a:buNone/>
+            </a:pPr>
+            <a:endParaRPr/>
+          </a:p>
+        </p:txBody>
+      </p:sp>
+      <p:sp>
+        <p:nvSpPr>
+          <p:cNvPr id="574" name="Google Shape;574;p41:notes">
+            <a:extLst>
+              <a:ext uri="{FF2B5EF4-FFF2-40B4-BE49-F238E27FC236}">
+                <a16:creationId xmlns:a16="http://schemas.microsoft.com/office/drawing/2014/main" id="{2AF9D8C2-DC04-CCD7-4C37-BD6BE189B547}"/>
+              </a:ext>
+            </a:extLst>
+          </p:cNvPr>
+          <p:cNvSpPr>
+            <a:spLocks noGrp="1" noRot="1" noChangeAspect="1"/>
+          </p:cNvSpPr>
+          <p:nvPr>
+            <p:ph type="sldImg" idx="2"/>
+          </p:nvPr>
+        </p:nvSpPr>
+        <p:spPr>
+          <a:xfrm>
+            <a:off x="917575" y="744538"/>
+            <a:ext cx="4962525" cy="3722687"/>
+          </a:xfrm>
+          <a:custGeom>
+            <a:avLst/>
+            <a:gdLst/>
+            <a:ahLst/>
+            <a:cxnLst/>
+            <a:rect l="l" t="t" r="r" b="b"/>
+            <a:pathLst>
+              <a:path w="120000" h="120000" extrusionOk="0">
+                <a:moveTo>
+                  <a:pt x="0" y="0"/>
+                </a:moveTo>
+                <a:lnTo>
+                  <a:pt x="120000" y="0"/>
+                </a:lnTo>
+                <a:lnTo>
+                  <a:pt x="120000" y="120000"/>
+                </a:lnTo>
+                <a:lnTo>
+                  <a:pt x="0" y="120000"/>
+                </a:lnTo>
+                <a:close/>
+              </a:path>
+            </a:pathLst>
+          </a:custGeom>
+        </p:spPr>
+      </p:sp>
+    </p:spTree>
+    <p:extLst>
+      <p:ext uri="{BB962C8B-B14F-4D97-AF65-F5344CB8AC3E}">
+        <p14:creationId xmlns:p14="http://schemas.microsoft.com/office/powerpoint/2010/main" val="1770662911"/>
       </p:ext>
     </p:extLst>
   </p:cSld>
@@ -8766,7 +9150,7 @@
         <p:spPr>
           <a:xfrm>
             <a:off x="4655529" y="2300797"/>
-            <a:ext cx="4125217" cy="2483716"/>
+            <a:ext cx="4125217" cy="2437550"/>
           </a:xfrm>
           <a:prstGeom prst="rect">
             <a:avLst/>
@@ -8782,19 +9166,10 @@
           </a:bodyPr>
           <a:lstStyle/>
           <a:p>
-            <a:pPr marL="92075" marR="0" lvl="0" indent="-92075" algn="l" rtl="0">
+            <a:pPr marL="92075" lvl="0" indent="-92075">
               <a:lnSpc>
                 <a:spcPct val="120000"/>
               </a:lnSpc>
-              <a:spcBef>
-                <a:spcPts val="0"/>
-              </a:spcBef>
-              <a:spcAft>
-                <a:spcPts val="0"/>
-              </a:spcAft>
-              <a:buClr>
-                <a:srgbClr val="000000"/>
-              </a:buClr>
               <a:buSzPts val="1400"/>
               <a:buFont typeface="Noto Sans Symbols"/>
               <a:buChar char="▪"/>
@@ -8809,7 +9184,7 @@
                 <a:cs typeface="Calibri"/>
                 <a:sym typeface="Calibri"/>
               </a:rPr>
-              <a:t>비즈니스 애널리틱스</a:t>
+              <a:t>목표</a:t>
             </a:r>
             <a:r>
               <a:rPr lang="en-US" altLang="ko-KR" sz="1050" b="1">
@@ -8821,7 +9196,19 @@
                 <a:cs typeface="Calibri"/>
                 <a:sym typeface="Calibri"/>
               </a:rPr>
-              <a:t>2: </a:t>
+              <a:t>:</a:t>
+            </a:r>
+            <a:r>
+              <a:rPr lang="en-US" altLang="ko-KR" sz="1050">
+                <a:solidFill>
+                  <a:schemeClr val="dk1"/>
+                </a:solidFill>
+                <a:latin typeface="Calibri"/>
+                <a:ea typeface="Calibri"/>
+                <a:cs typeface="Calibri"/>
+                <a:sym typeface="Calibri"/>
+              </a:rPr>
+              <a:t> </a:t>
             </a:r>
             <a:r>
               <a:rPr lang="ko-KR" altLang="en-US" sz="1050">
@@ -8833,31 +9220,7 @@
                 <a:cs typeface="Calibri"/>
                 <a:sym typeface="Calibri"/>
               </a:rPr>
-              <a:t>비즈니스 수요를 정확하게 예측해볼까</a:t>
-            </a:r>
-            <a:r>
-              <a:rPr lang="en-US" altLang="ko-KR" sz="1050">
-                <a:solidFill>
-                  <a:schemeClr val="dk1"/>
-                </a:solidFill>
-                <a:latin typeface="Calibri"/>
-                <a:ea typeface="Calibri"/>
-                <a:cs typeface="Calibri"/>
-                <a:sym typeface="Calibri"/>
-              </a:rPr>
-              <a:t>? </a:t>
-            </a:r>
-            <a:r>
-              <a:rPr lang="ko-KR" altLang="en-US" sz="1050">
-                <a:solidFill>
-                  <a:schemeClr val="dk1"/>
-                </a:solidFill>
-                <a:latin typeface="Calibri"/>
-                <a:ea typeface="Calibri"/>
-                <a:cs typeface="Calibri"/>
-                <a:sym typeface="Calibri"/>
-              </a:rPr>
-              <a:t>시계열 및 텍스트 형태로 구성된 경제지표와 뉴스데이터 융합을 통한 미래예측</a:t>
+              <a:t>데이터분석 배경지식과 용어 지식화를 위한 필수내용 요약 소개</a:t>
             </a:r>
             <a:endParaRPr lang="en-US" altLang="ko-KR" sz="1050">
               <a:solidFill>
@@ -8870,1054 +9233,14 @@
             </a:endParaRPr>
           </a:p>
           <a:p>
-            <a:pPr marL="92075" marR="0" lvl="0" indent="-92075" algn="l" rtl="0">
+            <a:pPr marL="92075" lvl="0" indent="-92075">
               <a:lnSpc>
                 <a:spcPct val="120000"/>
               </a:lnSpc>
-              <a:spcBef>
-                <a:spcPts val="0"/>
-              </a:spcBef>
-              <a:spcAft>
-                <a:spcPts val="0"/>
-              </a:spcAft>
-              <a:buClr>
-                <a:srgbClr val="000000"/>
-              </a:buClr>
               <a:buSzPts val="1400"/>
               <a:buFont typeface="Noto Sans Symbols"/>
               <a:buChar char="▪"/>
             </a:pPr>
-            <a:r>
-              <a:rPr lang="ko-KR" altLang="en-US" sz="1050" b="1">
-                <a:solidFill>
-                  <a:schemeClr val="dk1"/>
-                </a:solidFill>
-                <a:latin typeface="Calibri"/>
-                <a:ea typeface="Calibri"/>
-                <a:cs typeface="Calibri"/>
-                <a:sym typeface="Calibri"/>
-              </a:rPr>
-              <a:t>목표</a:t>
-            </a:r>
-            <a:r>
-              <a:rPr lang="en-US" altLang="ko-KR" sz="1050" b="1">
-                <a:solidFill>
-                  <a:schemeClr val="dk1"/>
-                </a:solidFill>
-                <a:latin typeface="Calibri"/>
-                <a:ea typeface="Calibri"/>
-                <a:cs typeface="Calibri"/>
-                <a:sym typeface="Calibri"/>
-              </a:rPr>
-              <a:t>1: </a:t>
-            </a:r>
-            <a:r>
-              <a:rPr lang="ko-KR" altLang="en-US" sz="1050" b="1">
-                <a:solidFill>
-                  <a:schemeClr val="dk1"/>
-                </a:solidFill>
-                <a:latin typeface="Calibri"/>
-                <a:ea typeface="Calibri"/>
-                <a:cs typeface="Calibri"/>
-                <a:sym typeface="Calibri"/>
-              </a:rPr>
-              <a:t>데이터결합 </a:t>
-            </a:r>
-            <a:r>
-              <a:rPr lang="en-US" altLang="ko-KR" sz="1050" b="1">
-                <a:solidFill>
-                  <a:schemeClr val="dk1"/>
-                </a:solidFill>
-                <a:latin typeface="Calibri"/>
-                <a:ea typeface="Calibri"/>
-                <a:cs typeface="Calibri"/>
-                <a:sym typeface="Calibri"/>
-              </a:rPr>
-              <a:t>+ </a:t>
-            </a:r>
-            <a:r>
-              <a:rPr lang="ko-KR" altLang="en-US" sz="1050" b="1">
-                <a:solidFill>
-                  <a:schemeClr val="dk1"/>
-                </a:solidFill>
-                <a:latin typeface="Calibri"/>
-                <a:ea typeface="Calibri"/>
-                <a:cs typeface="Calibri"/>
-                <a:sym typeface="Calibri"/>
-              </a:rPr>
-              <a:t>시계열정보추출 </a:t>
-            </a:r>
-            <a:r>
-              <a:rPr lang="en-US" altLang="ko-KR" sz="1050" b="1">
-                <a:solidFill>
-                  <a:schemeClr val="dk1"/>
-                </a:solidFill>
-                <a:latin typeface="Calibri"/>
-                <a:ea typeface="Calibri"/>
-                <a:cs typeface="Calibri"/>
-                <a:sym typeface="Calibri"/>
-              </a:rPr>
-              <a:t>+ </a:t>
-            </a:r>
-            <a:r>
-              <a:rPr lang="ko-KR" altLang="en-US" sz="1050" b="1">
-                <a:solidFill>
-                  <a:schemeClr val="dk1"/>
-                </a:solidFill>
-                <a:latin typeface="Calibri"/>
-                <a:ea typeface="Calibri"/>
-                <a:cs typeface="Calibri"/>
-                <a:sym typeface="Calibri"/>
-              </a:rPr>
-              <a:t>텍스트정보추출 </a:t>
-            </a:r>
-            <a:r>
-              <a:rPr lang="en-US" altLang="ko-KR" sz="1050" b="1">
-                <a:solidFill>
-                  <a:schemeClr val="dk1"/>
-                </a:solidFill>
-                <a:latin typeface="Calibri"/>
-                <a:ea typeface="Calibri"/>
-                <a:cs typeface="Calibri"/>
-                <a:sym typeface="Calibri"/>
-              </a:rPr>
-              <a:t>+ </a:t>
-            </a:r>
-            <a:r>
-              <a:rPr lang="ko-KR" altLang="en-US" sz="1050" b="1">
-                <a:solidFill>
-                  <a:schemeClr val="dk1"/>
-                </a:solidFill>
-                <a:latin typeface="Calibri"/>
-                <a:ea typeface="Calibri"/>
-                <a:cs typeface="Calibri"/>
-                <a:sym typeface="Calibri"/>
-              </a:rPr>
-              <a:t>신규</a:t>
-            </a:r>
-            <a:r>
-              <a:rPr lang="en-US" altLang="ko-KR" sz="1050" b="1">
-                <a:solidFill>
-                  <a:schemeClr val="dk1"/>
-                </a:solidFill>
-                <a:latin typeface="Calibri"/>
-                <a:ea typeface="Calibri"/>
-                <a:cs typeface="Calibri"/>
-                <a:sym typeface="Calibri"/>
-              </a:rPr>
-              <a:t>DB</a:t>
-            </a:r>
-          </a:p>
-          <a:p>
-            <a:pPr marL="171450" lvl="0" indent="-171450">
-              <a:lnSpc>
-                <a:spcPct val="120000"/>
-              </a:lnSpc>
-              <a:buSzPts val="1400"/>
-              <a:buFontTx/>
-              <a:buChar char="-"/>
-            </a:pPr>
-            <a:r>
-              <a:rPr lang="ko-KR" altLang="en-US" sz="900">
-                <a:solidFill>
-                  <a:schemeClr val="dk1"/>
-                </a:solidFill>
-                <a:latin typeface="Calibri"/>
-                <a:ea typeface="Calibri"/>
-                <a:cs typeface="Calibri"/>
-                <a:sym typeface="Calibri"/>
-              </a:rPr>
-              <a:t>데이터</a:t>
-            </a:r>
-            <a:r>
-              <a:rPr lang="en-US" altLang="ko-KR" sz="900">
-                <a:solidFill>
-                  <a:schemeClr val="dk1"/>
-                </a:solidFill>
-                <a:latin typeface="Calibri"/>
-                <a:ea typeface="Calibri"/>
-                <a:cs typeface="Calibri"/>
-                <a:sym typeface="Calibri"/>
-              </a:rPr>
-              <a:t>: </a:t>
-            </a:r>
-            <a:r>
-              <a:rPr lang="en-US" altLang="ko-KR" sz="900">
-                <a:solidFill>
-                  <a:schemeClr val="dk1"/>
-                </a:solidFill>
-                <a:latin typeface="Calibri"/>
-                <a:ea typeface="Calibri"/>
-                <a:cs typeface="Calibri"/>
-                <a:sym typeface="Calibri"/>
-                <a:hlinkClick r:id="rId3"/>
-              </a:rPr>
-              <a:t>https://github.com/thekimk/Lecture-NIA/tree/main/Data</a:t>
-            </a:r>
-            <a:endParaRPr lang="en-US" altLang="ko-KR" sz="900">
-              <a:solidFill>
-                <a:schemeClr val="dk1"/>
-              </a:solidFill>
-              <a:latin typeface="Calibri"/>
-              <a:ea typeface="Calibri"/>
-              <a:cs typeface="Calibri"/>
-              <a:sym typeface="Calibri"/>
-            </a:endParaRPr>
-          </a:p>
-          <a:p>
-            <a:pPr marL="171450" marR="0" lvl="0" indent="-171450" algn="l" rtl="0">
-              <a:lnSpc>
-                <a:spcPct val="120000"/>
-              </a:lnSpc>
-              <a:spcBef>
-                <a:spcPts val="0"/>
-              </a:spcBef>
-              <a:spcAft>
-                <a:spcPts val="0"/>
-              </a:spcAft>
-              <a:buClr>
-                <a:srgbClr val="000000"/>
-              </a:buClr>
-              <a:buSzPts val="1400"/>
-              <a:buFontTx/>
-              <a:buChar char="-"/>
-            </a:pPr>
-            <a:r>
-              <a:rPr lang="ko-KR" altLang="en-US" sz="900">
-                <a:solidFill>
-                  <a:schemeClr val="dk1"/>
-                </a:solidFill>
-                <a:latin typeface="Calibri"/>
-                <a:ea typeface="Calibri"/>
-                <a:cs typeface="Calibri"/>
-                <a:sym typeface="Calibri"/>
-              </a:rPr>
-              <a:t>데이터결합</a:t>
-            </a:r>
-            <a:r>
-              <a:rPr lang="en-US" altLang="ko-KR" sz="900">
-                <a:solidFill>
-                  <a:schemeClr val="dk1"/>
-                </a:solidFill>
-                <a:latin typeface="Calibri"/>
-                <a:ea typeface="Calibri"/>
-                <a:cs typeface="Calibri"/>
-                <a:sym typeface="Calibri"/>
-              </a:rPr>
-              <a:t>: </a:t>
-            </a:r>
-            <a:r>
-              <a:rPr lang="ko-KR" altLang="en-US" sz="900">
-                <a:solidFill>
-                  <a:schemeClr val="dk1"/>
-                </a:solidFill>
-                <a:latin typeface="Calibri"/>
-                <a:ea typeface="Calibri"/>
-                <a:cs typeface="Calibri"/>
-                <a:sym typeface="Calibri"/>
-              </a:rPr>
-              <a:t>비즈니스 수요데이터</a:t>
-            </a:r>
-            <a:r>
-              <a:rPr lang="en-US" altLang="ko-KR" sz="900">
-                <a:solidFill>
-                  <a:schemeClr val="dk1"/>
-                </a:solidFill>
-                <a:latin typeface="Calibri"/>
-                <a:ea typeface="Calibri"/>
-                <a:cs typeface="Calibri"/>
-                <a:sym typeface="Calibri"/>
-              </a:rPr>
-              <a:t>(df_KTX_monthsum_example_KK)</a:t>
-            </a:r>
-            <a:r>
-              <a:rPr lang="ko-KR" altLang="en-US" sz="900">
-                <a:solidFill>
-                  <a:schemeClr val="dk1"/>
-                </a:solidFill>
-                <a:latin typeface="Calibri"/>
-                <a:ea typeface="Calibri"/>
-                <a:cs typeface="Calibri"/>
-                <a:sym typeface="Calibri"/>
-              </a:rPr>
-              <a:t> </a:t>
-            </a:r>
-            <a:r>
-              <a:rPr lang="en-US" altLang="ko-KR" sz="900">
-                <a:solidFill>
-                  <a:schemeClr val="dk1"/>
-                </a:solidFill>
-                <a:latin typeface="Calibri"/>
-                <a:ea typeface="Calibri"/>
-                <a:cs typeface="Calibri"/>
-                <a:sym typeface="Calibri"/>
-              </a:rPr>
-              <a:t>+ </a:t>
-            </a:r>
-            <a:r>
-              <a:rPr lang="ko-KR" altLang="en-US" sz="900">
-                <a:solidFill>
-                  <a:schemeClr val="dk1"/>
-                </a:solidFill>
-                <a:latin typeface="Calibri"/>
-                <a:ea typeface="Calibri"/>
-                <a:cs typeface="Calibri"/>
-                <a:sym typeface="Calibri"/>
-              </a:rPr>
-              <a:t>경제지표 데이터</a:t>
-            </a:r>
-            <a:r>
-              <a:rPr lang="en-US" altLang="ko-KR" sz="900">
-                <a:solidFill>
-                  <a:schemeClr val="dk1"/>
-                </a:solidFill>
-                <a:latin typeface="Calibri"/>
-                <a:ea typeface="Calibri"/>
-                <a:cs typeface="Calibri"/>
-                <a:sym typeface="Calibri"/>
-              </a:rPr>
-              <a:t>(ECON &amp; KOSIS)</a:t>
-            </a:r>
-          </a:p>
-          <a:p>
-            <a:pPr marL="171450" marR="0" lvl="0" indent="-171450" algn="l" rtl="0">
-              <a:lnSpc>
-                <a:spcPct val="120000"/>
-              </a:lnSpc>
-              <a:spcBef>
-                <a:spcPts val="0"/>
-              </a:spcBef>
-              <a:spcAft>
-                <a:spcPts val="0"/>
-              </a:spcAft>
-              <a:buClr>
-                <a:srgbClr val="000000"/>
-              </a:buClr>
-              <a:buSzPts val="1400"/>
-              <a:buFontTx/>
-              <a:buChar char="-"/>
-            </a:pPr>
-            <a:r>
-              <a:rPr lang="ko-KR" altLang="en-US" sz="900">
-                <a:solidFill>
-                  <a:schemeClr val="dk1"/>
-                </a:solidFill>
-                <a:latin typeface="Calibri"/>
-                <a:ea typeface="Calibri"/>
-                <a:cs typeface="Calibri"/>
-                <a:sym typeface="Calibri"/>
-              </a:rPr>
-              <a:t>시계열정보추출</a:t>
-            </a:r>
-            <a:r>
-              <a:rPr lang="en-US" altLang="ko-KR" sz="900">
-                <a:solidFill>
-                  <a:schemeClr val="dk1"/>
-                </a:solidFill>
-                <a:latin typeface="Calibri"/>
-                <a:ea typeface="Calibri"/>
-                <a:cs typeface="Calibri"/>
-                <a:sym typeface="Calibri"/>
-              </a:rPr>
-              <a:t>: </a:t>
-            </a:r>
-            <a:r>
-              <a:rPr lang="ko-KR" altLang="en-US" sz="900">
-                <a:solidFill>
-                  <a:schemeClr val="dk1"/>
-                </a:solidFill>
-                <a:latin typeface="Calibri"/>
-                <a:ea typeface="Calibri"/>
-                <a:cs typeface="Calibri"/>
-                <a:sym typeface="Calibri"/>
-              </a:rPr>
-              <a:t>비즈니스 시간 정보에서 추출할 수 있는 주말</a:t>
-            </a:r>
-            <a:r>
-              <a:rPr lang="en-US" altLang="ko-KR" sz="900">
-                <a:solidFill>
-                  <a:schemeClr val="dk1"/>
-                </a:solidFill>
-                <a:latin typeface="Calibri"/>
-                <a:ea typeface="Calibri"/>
-                <a:cs typeface="Calibri"/>
-                <a:sym typeface="Calibri"/>
-              </a:rPr>
-              <a:t>, </a:t>
-            </a:r>
-            <a:r>
-              <a:rPr lang="ko-KR" altLang="en-US" sz="900">
-                <a:solidFill>
-                  <a:schemeClr val="dk1"/>
-                </a:solidFill>
-                <a:latin typeface="Calibri"/>
-                <a:ea typeface="Calibri"/>
-                <a:cs typeface="Calibri"/>
-                <a:sym typeface="Calibri"/>
-              </a:rPr>
-              <a:t>주중</a:t>
-            </a:r>
-            <a:r>
-              <a:rPr lang="en-US" altLang="ko-KR" sz="900">
-                <a:solidFill>
-                  <a:schemeClr val="dk1"/>
-                </a:solidFill>
-                <a:latin typeface="Calibri"/>
-                <a:ea typeface="Calibri"/>
-                <a:cs typeface="Calibri"/>
-                <a:sym typeface="Calibri"/>
-              </a:rPr>
-              <a:t>, </a:t>
-            </a:r>
-            <a:r>
-              <a:rPr lang="ko-KR" altLang="en-US" sz="900">
-                <a:solidFill>
-                  <a:schemeClr val="dk1"/>
-                </a:solidFill>
-                <a:latin typeface="Calibri"/>
-                <a:ea typeface="Calibri"/>
-                <a:cs typeface="Calibri"/>
-                <a:sym typeface="Calibri"/>
-              </a:rPr>
-              <a:t>공휴일</a:t>
-            </a:r>
-            <a:r>
-              <a:rPr lang="en-US" altLang="ko-KR" sz="900">
-                <a:solidFill>
-                  <a:schemeClr val="dk1"/>
-                </a:solidFill>
-                <a:latin typeface="Calibri"/>
-                <a:ea typeface="Calibri"/>
-                <a:cs typeface="Calibri"/>
-                <a:sym typeface="Calibri"/>
-              </a:rPr>
-              <a:t>, </a:t>
-            </a:r>
-            <a:r>
-              <a:rPr lang="ko-KR" altLang="en-US" sz="900">
-                <a:solidFill>
-                  <a:schemeClr val="dk1"/>
-                </a:solidFill>
-                <a:latin typeface="Calibri"/>
-                <a:ea typeface="Calibri"/>
-                <a:cs typeface="Calibri"/>
-                <a:sym typeface="Calibri"/>
-              </a:rPr>
-              <a:t>대체공휴일</a:t>
-            </a:r>
-            <a:r>
-              <a:rPr lang="en-US" altLang="ko-KR" sz="900">
-                <a:solidFill>
-                  <a:schemeClr val="dk1"/>
-                </a:solidFill>
-                <a:latin typeface="Calibri"/>
-                <a:ea typeface="Calibri"/>
-                <a:cs typeface="Calibri"/>
-                <a:sym typeface="Calibri"/>
-              </a:rPr>
-              <a:t>, </a:t>
-            </a:r>
-            <a:r>
-              <a:rPr lang="ko-KR" altLang="en-US" sz="900">
-                <a:solidFill>
-                  <a:schemeClr val="dk1"/>
-                </a:solidFill>
-                <a:latin typeface="Calibri"/>
-                <a:ea typeface="Calibri"/>
-                <a:cs typeface="Calibri"/>
-                <a:sym typeface="Calibri"/>
-              </a:rPr>
-              <a:t>명절 등 추출</a:t>
-            </a:r>
-            <a:endParaRPr lang="en-US" altLang="ko-KR" sz="900">
-              <a:solidFill>
-                <a:schemeClr val="dk1"/>
-              </a:solidFill>
-              <a:latin typeface="Calibri"/>
-              <a:ea typeface="Calibri"/>
-              <a:cs typeface="Calibri"/>
-              <a:sym typeface="Calibri"/>
-            </a:endParaRPr>
-          </a:p>
-          <a:p>
-            <a:pPr marL="171450" lvl="0" indent="-171450">
-              <a:lnSpc>
-                <a:spcPct val="120000"/>
-              </a:lnSpc>
-              <a:buSzPts val="1400"/>
-              <a:buFontTx/>
-              <a:buChar char="-"/>
-            </a:pPr>
-            <a:r>
-              <a:rPr lang="ko-KR" altLang="en-US" sz="900">
-                <a:solidFill>
-                  <a:schemeClr val="dk1"/>
-                </a:solidFill>
-                <a:latin typeface="Calibri"/>
-                <a:ea typeface="Calibri"/>
-                <a:cs typeface="Calibri"/>
-                <a:sym typeface="Calibri"/>
-              </a:rPr>
-              <a:t>뉴스데이터</a:t>
-            </a:r>
-            <a:r>
-              <a:rPr lang="en-US" altLang="ko-KR" sz="900">
-                <a:solidFill>
-                  <a:schemeClr val="dk1"/>
-                </a:solidFill>
-                <a:latin typeface="Calibri"/>
-                <a:ea typeface="Calibri"/>
-                <a:cs typeface="Calibri"/>
-                <a:sym typeface="Calibri"/>
-              </a:rPr>
-              <a:t>: </a:t>
-            </a:r>
-            <a:r>
-              <a:rPr lang="ko-KR" altLang="en-US" sz="900">
-                <a:solidFill>
-                  <a:schemeClr val="dk1"/>
-                </a:solidFill>
-                <a:latin typeface="Calibri"/>
-                <a:ea typeface="Calibri"/>
-                <a:cs typeface="Calibri"/>
-                <a:sym typeface="Calibri"/>
-              </a:rPr>
-              <a:t>크롤링 또는 빅카인즈에서 뉴스데이터 추출 </a:t>
-            </a:r>
-            <a:r>
-              <a:rPr lang="en-US" altLang="ko-KR" sz="900">
-                <a:solidFill>
-                  <a:schemeClr val="dk1"/>
-                </a:solidFill>
-                <a:latin typeface="Calibri"/>
-                <a:ea typeface="Calibri"/>
-                <a:cs typeface="Calibri"/>
-                <a:sym typeface="Calibri"/>
-              </a:rPr>
-              <a:t>(NewsResult_20150101-20250331_KTX</a:t>
-            </a:r>
-            <a:r>
-              <a:rPr lang="ko-KR" altLang="en-US" sz="900">
-                <a:solidFill>
-                  <a:schemeClr val="dk1"/>
-                </a:solidFill>
-                <a:latin typeface="Calibri"/>
-                <a:ea typeface="Calibri"/>
-                <a:cs typeface="Calibri"/>
-                <a:sym typeface="Calibri"/>
-              </a:rPr>
-              <a:t>코레일</a:t>
-            </a:r>
-            <a:r>
-              <a:rPr lang="en-US" altLang="ko-KR" sz="900">
-                <a:solidFill>
-                  <a:schemeClr val="dk1"/>
-                </a:solidFill>
-                <a:latin typeface="Calibri"/>
-                <a:ea typeface="Calibri"/>
-                <a:cs typeface="Calibri"/>
-                <a:sym typeface="Calibri"/>
-              </a:rPr>
-              <a:t>.xlsx) </a:t>
-            </a:r>
-          </a:p>
-          <a:p>
-            <a:pPr lvl="0">
-              <a:lnSpc>
-                <a:spcPct val="120000"/>
-              </a:lnSpc>
-              <a:buSzPts val="1400"/>
-            </a:pPr>
-            <a:r>
-              <a:rPr lang="en-US" altLang="ko-KR" sz="500">
-                <a:solidFill>
-                  <a:schemeClr val="dk1"/>
-                </a:solidFill>
-                <a:latin typeface="Calibri"/>
-                <a:ea typeface="Calibri"/>
-                <a:cs typeface="Calibri"/>
-                <a:sym typeface="Calibri"/>
-              </a:rPr>
-              <a:t>            (</a:t>
-            </a:r>
-            <a:r>
-              <a:rPr lang="ko-KR" altLang="en-US" sz="500">
-                <a:solidFill>
-                  <a:schemeClr val="dk1"/>
-                </a:solidFill>
-                <a:latin typeface="Calibri"/>
-                <a:ea typeface="Calibri"/>
-                <a:cs typeface="Calibri"/>
-                <a:sym typeface="Calibri"/>
-              </a:rPr>
-              <a:t>검색어</a:t>
-            </a:r>
-            <a:r>
-              <a:rPr lang="en-US" altLang="ko-KR" sz="500">
-                <a:solidFill>
-                  <a:schemeClr val="dk1"/>
-                </a:solidFill>
-                <a:latin typeface="Calibri"/>
-                <a:ea typeface="Calibri"/>
-                <a:cs typeface="Calibri"/>
-                <a:sym typeface="Calibri"/>
-              </a:rPr>
-              <a:t>: KTX </a:t>
-            </a:r>
-            <a:r>
-              <a:rPr lang="ko-KR" altLang="en-US" sz="500">
-                <a:solidFill>
-                  <a:schemeClr val="dk1"/>
-                </a:solidFill>
-                <a:latin typeface="Calibri"/>
-                <a:ea typeface="Calibri"/>
-                <a:cs typeface="Calibri"/>
-                <a:sym typeface="Calibri"/>
-              </a:rPr>
-              <a:t>코레일</a:t>
-            </a:r>
-            <a:r>
-              <a:rPr lang="en-US" altLang="ko-KR" sz="500">
-                <a:solidFill>
-                  <a:schemeClr val="dk1"/>
-                </a:solidFill>
-                <a:latin typeface="Calibri"/>
-                <a:ea typeface="Calibri"/>
-                <a:cs typeface="Calibri"/>
-                <a:sym typeface="Calibri"/>
-              </a:rPr>
-              <a:t> + </a:t>
-            </a:r>
-            <a:r>
-              <a:rPr lang="ko-KR" altLang="en-US" sz="500">
-                <a:solidFill>
-                  <a:schemeClr val="dk1"/>
-                </a:solidFill>
-                <a:latin typeface="Calibri"/>
-                <a:ea typeface="Calibri"/>
-                <a:cs typeface="Calibri"/>
-                <a:sym typeface="Calibri"/>
-              </a:rPr>
-              <a:t>기간</a:t>
-            </a:r>
-            <a:r>
-              <a:rPr lang="en-US" altLang="ko-KR" sz="500">
-                <a:solidFill>
-                  <a:schemeClr val="dk1"/>
-                </a:solidFill>
-                <a:latin typeface="Calibri"/>
-                <a:ea typeface="Calibri"/>
-                <a:cs typeface="Calibri"/>
-                <a:sym typeface="Calibri"/>
-              </a:rPr>
-              <a:t>: 15</a:t>
-            </a:r>
-            <a:r>
-              <a:rPr lang="ko-KR" altLang="en-US" sz="500">
-                <a:solidFill>
-                  <a:schemeClr val="dk1"/>
-                </a:solidFill>
-                <a:latin typeface="Calibri"/>
-                <a:ea typeface="Calibri"/>
-                <a:cs typeface="Calibri"/>
-                <a:sym typeface="Calibri"/>
-              </a:rPr>
-              <a:t>년</a:t>
-            </a:r>
-            <a:r>
-              <a:rPr lang="en-US" altLang="ko-KR" sz="500">
-                <a:solidFill>
-                  <a:schemeClr val="dk1"/>
-                </a:solidFill>
-                <a:latin typeface="Calibri"/>
-                <a:ea typeface="Calibri"/>
-                <a:cs typeface="Calibri"/>
-                <a:sym typeface="Calibri"/>
-              </a:rPr>
-              <a:t>1</a:t>
-            </a:r>
-            <a:r>
-              <a:rPr lang="ko-KR" altLang="en-US" sz="500">
-                <a:solidFill>
-                  <a:schemeClr val="dk1"/>
-                </a:solidFill>
-                <a:latin typeface="Calibri"/>
-                <a:ea typeface="Calibri"/>
-                <a:cs typeface="Calibri"/>
-                <a:sym typeface="Calibri"/>
-              </a:rPr>
-              <a:t>월</a:t>
-            </a:r>
-            <a:r>
-              <a:rPr lang="en-US" altLang="ko-KR" sz="500">
-                <a:solidFill>
-                  <a:schemeClr val="dk1"/>
-                </a:solidFill>
-                <a:latin typeface="Calibri"/>
-                <a:ea typeface="Calibri"/>
-                <a:cs typeface="Calibri"/>
-                <a:sym typeface="Calibri"/>
-              </a:rPr>
-              <a:t>1</a:t>
-            </a:r>
-            <a:r>
-              <a:rPr lang="ko-KR" altLang="en-US" sz="500">
-                <a:solidFill>
-                  <a:schemeClr val="dk1"/>
-                </a:solidFill>
-                <a:latin typeface="Calibri"/>
-                <a:ea typeface="Calibri"/>
-                <a:cs typeface="Calibri"/>
-                <a:sym typeface="Calibri"/>
-              </a:rPr>
-              <a:t>일</a:t>
-            </a:r>
-            <a:r>
-              <a:rPr lang="en-US" altLang="ko-KR" sz="500">
-                <a:solidFill>
-                  <a:schemeClr val="dk1"/>
-                </a:solidFill>
-                <a:latin typeface="Calibri"/>
-                <a:ea typeface="Calibri"/>
-                <a:cs typeface="Calibri"/>
-                <a:sym typeface="Calibri"/>
-              </a:rPr>
-              <a:t>~25</a:t>
-            </a:r>
-            <a:r>
-              <a:rPr lang="ko-KR" altLang="en-US" sz="500">
-                <a:solidFill>
-                  <a:schemeClr val="dk1"/>
-                </a:solidFill>
-                <a:latin typeface="Calibri"/>
-                <a:ea typeface="Calibri"/>
-                <a:cs typeface="Calibri"/>
-                <a:sym typeface="Calibri"/>
-              </a:rPr>
-              <a:t>년</a:t>
-            </a:r>
-            <a:r>
-              <a:rPr lang="en-US" altLang="ko-KR" sz="500">
-                <a:solidFill>
-                  <a:schemeClr val="dk1"/>
-                </a:solidFill>
-                <a:latin typeface="Calibri"/>
-                <a:ea typeface="Calibri"/>
-                <a:cs typeface="Calibri"/>
-                <a:sym typeface="Calibri"/>
-              </a:rPr>
-              <a:t>3</a:t>
-            </a:r>
-            <a:r>
-              <a:rPr lang="ko-KR" altLang="en-US" sz="500">
-                <a:solidFill>
-                  <a:schemeClr val="dk1"/>
-                </a:solidFill>
-                <a:latin typeface="Calibri"/>
-                <a:ea typeface="Calibri"/>
-                <a:cs typeface="Calibri"/>
-                <a:sym typeface="Calibri"/>
-              </a:rPr>
-              <a:t>월</a:t>
-            </a:r>
-            <a:r>
-              <a:rPr lang="en-US" altLang="ko-KR" sz="500">
-                <a:solidFill>
-                  <a:schemeClr val="dk1"/>
-                </a:solidFill>
-                <a:latin typeface="Calibri"/>
-                <a:ea typeface="Calibri"/>
-                <a:cs typeface="Calibri"/>
-                <a:sym typeface="Calibri"/>
-              </a:rPr>
-              <a:t>31</a:t>
-            </a:r>
-            <a:r>
-              <a:rPr lang="ko-KR" altLang="en-US" sz="500">
-                <a:solidFill>
-                  <a:schemeClr val="dk1"/>
-                </a:solidFill>
-                <a:latin typeface="Calibri"/>
-                <a:ea typeface="Calibri"/>
-                <a:cs typeface="Calibri"/>
-                <a:sym typeface="Calibri"/>
-              </a:rPr>
-              <a:t>일 </a:t>
-            </a:r>
-            <a:r>
-              <a:rPr lang="en-US" altLang="ko-KR" sz="500">
-                <a:solidFill>
-                  <a:schemeClr val="dk1"/>
-                </a:solidFill>
-                <a:latin typeface="Calibri"/>
-                <a:ea typeface="Calibri"/>
-                <a:cs typeface="Calibri"/>
-                <a:sym typeface="Calibri"/>
-              </a:rPr>
-              <a:t>+ </a:t>
-            </a:r>
-            <a:r>
-              <a:rPr lang="ko-KR" altLang="en-US" sz="500">
-                <a:solidFill>
-                  <a:schemeClr val="dk1"/>
-                </a:solidFill>
-                <a:latin typeface="Calibri"/>
-                <a:ea typeface="Calibri"/>
-                <a:cs typeface="Calibri"/>
-                <a:sym typeface="Calibri"/>
-              </a:rPr>
-              <a:t>언론사</a:t>
-            </a:r>
-            <a:r>
-              <a:rPr lang="en-US" altLang="ko-KR" sz="500">
-                <a:solidFill>
-                  <a:schemeClr val="dk1"/>
-                </a:solidFill>
-                <a:latin typeface="Calibri"/>
-                <a:ea typeface="Calibri"/>
-                <a:cs typeface="Calibri"/>
-                <a:sym typeface="Calibri"/>
-              </a:rPr>
-              <a:t>: </a:t>
-            </a:r>
-            <a:r>
-              <a:rPr lang="ko-KR" altLang="en-US" sz="500">
-                <a:solidFill>
-                  <a:schemeClr val="dk1"/>
-                </a:solidFill>
-                <a:latin typeface="Calibri"/>
-                <a:ea typeface="Calibri"/>
-                <a:cs typeface="Calibri"/>
-                <a:sym typeface="Calibri"/>
-              </a:rPr>
-              <a:t>전국일간지</a:t>
-            </a:r>
-            <a:r>
-              <a:rPr lang="en-US" altLang="ko-KR" sz="500">
-                <a:solidFill>
-                  <a:schemeClr val="dk1"/>
-                </a:solidFill>
-                <a:latin typeface="Calibri"/>
-                <a:ea typeface="Calibri"/>
-                <a:cs typeface="Calibri"/>
-                <a:sym typeface="Calibri"/>
-              </a:rPr>
-              <a:t>/</a:t>
-            </a:r>
-            <a:r>
-              <a:rPr lang="ko-KR" altLang="en-US" sz="500">
-                <a:solidFill>
-                  <a:schemeClr val="dk1"/>
-                </a:solidFill>
-                <a:latin typeface="Calibri"/>
-                <a:ea typeface="Calibri"/>
-                <a:cs typeface="Calibri"/>
-                <a:sym typeface="Calibri"/>
-              </a:rPr>
-              <a:t>경제일간지</a:t>
-            </a:r>
-            <a:r>
-              <a:rPr lang="en-US" altLang="ko-KR" sz="500">
-                <a:solidFill>
-                  <a:schemeClr val="dk1"/>
-                </a:solidFill>
-                <a:latin typeface="Calibri"/>
-                <a:ea typeface="Calibri"/>
-                <a:cs typeface="Calibri"/>
-                <a:sym typeface="Calibri"/>
-              </a:rPr>
-              <a:t>/</a:t>
-            </a:r>
-            <a:r>
-              <a:rPr lang="ko-KR" altLang="en-US" sz="500">
-                <a:solidFill>
-                  <a:schemeClr val="dk1"/>
-                </a:solidFill>
-                <a:latin typeface="Calibri"/>
-                <a:ea typeface="Calibri"/>
-                <a:cs typeface="Calibri"/>
-                <a:sym typeface="Calibri"/>
-              </a:rPr>
-              <a:t>방송사</a:t>
-            </a:r>
-            <a:r>
-              <a:rPr lang="en-US" altLang="ko-KR" sz="500">
-                <a:solidFill>
-                  <a:schemeClr val="dk1"/>
-                </a:solidFill>
-                <a:latin typeface="Calibri"/>
-                <a:ea typeface="Calibri"/>
-                <a:cs typeface="Calibri"/>
-                <a:sym typeface="Calibri"/>
-              </a:rPr>
-              <a:t>/</a:t>
-            </a:r>
-            <a:r>
-              <a:rPr lang="ko-KR" altLang="en-US" sz="500">
-                <a:solidFill>
-                  <a:schemeClr val="dk1"/>
-                </a:solidFill>
-                <a:latin typeface="Calibri"/>
-                <a:ea typeface="Calibri"/>
-                <a:cs typeface="Calibri"/>
-                <a:sym typeface="Calibri"/>
-              </a:rPr>
-              <a:t>전문지 </a:t>
-            </a:r>
-            <a:r>
-              <a:rPr lang="en-US" altLang="ko-KR" sz="500">
-                <a:solidFill>
-                  <a:schemeClr val="dk1"/>
-                </a:solidFill>
-                <a:latin typeface="Calibri"/>
-                <a:ea typeface="Calibri"/>
-                <a:cs typeface="Calibri"/>
-                <a:sym typeface="Calibri"/>
-              </a:rPr>
-              <a:t>+ </a:t>
-            </a:r>
-            <a:r>
-              <a:rPr lang="ko-KR" altLang="en-US" sz="500">
-                <a:solidFill>
-                  <a:schemeClr val="dk1"/>
-                </a:solidFill>
-                <a:latin typeface="Calibri"/>
-                <a:ea typeface="Calibri"/>
-                <a:cs typeface="Calibri"/>
-                <a:sym typeface="Calibri"/>
-              </a:rPr>
-              <a:t>통합분류</a:t>
-            </a:r>
-            <a:r>
-              <a:rPr lang="en-US" altLang="ko-KR" sz="500">
-                <a:solidFill>
-                  <a:schemeClr val="dk1"/>
-                </a:solidFill>
-                <a:latin typeface="Calibri"/>
-                <a:ea typeface="Calibri"/>
-                <a:cs typeface="Calibri"/>
-                <a:sym typeface="Calibri"/>
-              </a:rPr>
-              <a:t>: </a:t>
-            </a:r>
-            <a:r>
-              <a:rPr lang="ko-KR" altLang="en-US" sz="500">
-                <a:solidFill>
-                  <a:schemeClr val="dk1"/>
-                </a:solidFill>
-                <a:latin typeface="Calibri"/>
-                <a:ea typeface="Calibri"/>
-                <a:cs typeface="Calibri"/>
-                <a:sym typeface="Calibri"/>
-              </a:rPr>
-              <a:t>경제</a:t>
-            </a:r>
-            <a:r>
-              <a:rPr lang="en-US" altLang="ko-KR" sz="500">
-                <a:solidFill>
-                  <a:schemeClr val="dk1"/>
-                </a:solidFill>
-                <a:latin typeface="Calibri"/>
-                <a:ea typeface="Calibri"/>
-                <a:cs typeface="Calibri"/>
-                <a:sym typeface="Calibri"/>
-              </a:rPr>
-              <a:t>/</a:t>
-            </a:r>
-            <a:r>
-              <a:rPr lang="ko-KR" altLang="en-US" sz="500">
-                <a:solidFill>
-                  <a:schemeClr val="dk1"/>
-                </a:solidFill>
-                <a:latin typeface="Calibri"/>
-                <a:ea typeface="Calibri"/>
-                <a:cs typeface="Calibri"/>
-                <a:sym typeface="Calibri"/>
-              </a:rPr>
-              <a:t>사회</a:t>
-            </a:r>
-            <a:r>
-              <a:rPr lang="en-US" altLang="ko-KR" sz="500">
-                <a:solidFill>
-                  <a:schemeClr val="dk1"/>
-                </a:solidFill>
-                <a:latin typeface="Calibri"/>
-                <a:ea typeface="Calibri"/>
-                <a:cs typeface="Calibri"/>
-                <a:sym typeface="Calibri"/>
-              </a:rPr>
-              <a:t>)</a:t>
-            </a:r>
-          </a:p>
-          <a:p>
-            <a:pPr marL="171450" lvl="0" indent="-171450">
-              <a:lnSpc>
-                <a:spcPct val="120000"/>
-              </a:lnSpc>
-              <a:buSzPts val="1400"/>
-              <a:buFontTx/>
-              <a:buChar char="-"/>
-            </a:pPr>
-            <a:r>
-              <a:rPr lang="ko-KR" altLang="en-US" sz="900">
-                <a:solidFill>
-                  <a:schemeClr val="dk1"/>
-                </a:solidFill>
-                <a:latin typeface="Calibri"/>
-                <a:ea typeface="Calibri"/>
-                <a:cs typeface="Calibri"/>
-                <a:sym typeface="Calibri"/>
-              </a:rPr>
-              <a:t>텍스트정보추출</a:t>
-            </a:r>
-            <a:r>
-              <a:rPr lang="en-US" altLang="ko-KR" sz="900">
-                <a:solidFill>
-                  <a:schemeClr val="dk1"/>
-                </a:solidFill>
-                <a:latin typeface="Calibri"/>
-                <a:ea typeface="Calibri"/>
-                <a:cs typeface="Calibri"/>
-                <a:sym typeface="Calibri"/>
-              </a:rPr>
-              <a:t>: </a:t>
-            </a:r>
-            <a:r>
-              <a:rPr lang="ko-KR" altLang="en-US" sz="900">
-                <a:solidFill>
-                  <a:schemeClr val="dk1"/>
-                </a:solidFill>
-                <a:latin typeface="Calibri"/>
-                <a:ea typeface="Calibri"/>
-                <a:cs typeface="Calibri"/>
-                <a:sym typeface="Calibri"/>
-              </a:rPr>
-              <a:t>시간 빈도별 뉴스 트래픽 및 </a:t>
-            </a:r>
-            <a:r>
-              <a:rPr lang="en-US" altLang="ko-KR" sz="900">
-                <a:solidFill>
-                  <a:schemeClr val="dk1"/>
-                </a:solidFill>
-                <a:latin typeface="Calibri"/>
-                <a:ea typeface="Calibri"/>
-                <a:cs typeface="Calibri"/>
-                <a:sym typeface="Calibri"/>
-              </a:rPr>
-              <a:t>Transformer </a:t>
-            </a:r>
-            <a:r>
-              <a:rPr lang="ko-KR" altLang="en-US" sz="900">
-                <a:solidFill>
-                  <a:schemeClr val="dk1"/>
-                </a:solidFill>
-                <a:latin typeface="Calibri"/>
-                <a:ea typeface="Calibri"/>
-                <a:cs typeface="Calibri"/>
-                <a:sym typeface="Calibri"/>
-              </a:rPr>
-              <a:t>기반 감성분석</a:t>
-            </a:r>
             <a:endParaRPr lang="en-US" altLang="ko-KR" sz="1050">
               <a:solidFill>
                 <a:schemeClr val="dk1"/>
@@ -9929,19 +9252,10 @@
             </a:endParaRPr>
           </a:p>
           <a:p>
-            <a:pPr marL="92075" marR="0" lvl="0" indent="-92075" algn="l" rtl="0">
+            <a:pPr marL="92075" lvl="0" indent="-92075">
               <a:lnSpc>
                 <a:spcPct val="120000"/>
               </a:lnSpc>
-              <a:spcBef>
-                <a:spcPts val="0"/>
-              </a:spcBef>
-              <a:spcAft>
-                <a:spcPts val="0"/>
-              </a:spcAft>
-              <a:buClr>
-                <a:srgbClr val="000000"/>
-              </a:buClr>
               <a:buSzPts val="1400"/>
               <a:buFont typeface="Noto Sans Symbols"/>
               <a:buChar char="▪"/>
@@ -9956,7 +9270,7 @@
                 <a:cs typeface="Calibri"/>
                 <a:sym typeface="Calibri"/>
               </a:rPr>
-              <a:t>목표</a:t>
+              <a:t>강의자료</a:t>
             </a:r>
             <a:r>
               <a:rPr lang="en-US" altLang="ko-KR" sz="1050" b="1">
@@ -9968,8 +9282,81 @@
                 <a:cs typeface="Calibri"/>
                 <a:sym typeface="Calibri"/>
               </a:rPr>
-              <a:t>2: </a:t>
-            </a:r>
+              <a:t>:</a:t>
+            </a:r>
+            <a:r>
+              <a:rPr lang="en-US" altLang="ko-KR" sz="1050">
+                <a:solidFill>
+                  <a:schemeClr val="dk1"/>
+                </a:solidFill>
+                <a:latin typeface="Calibri"/>
+                <a:ea typeface="Calibri"/>
+                <a:cs typeface="Calibri"/>
+                <a:sym typeface="Calibri"/>
+              </a:rPr>
+              <a:t> </a:t>
+            </a:r>
+          </a:p>
+          <a:p>
+            <a:pPr marL="171450" lvl="0" indent="-171450">
+              <a:lnSpc>
+                <a:spcPct val="120000"/>
+              </a:lnSpc>
+              <a:buSzPts val="1400"/>
+              <a:buFontTx/>
+              <a:buChar char="-"/>
+            </a:pPr>
+            <a:r>
+              <a:rPr lang="en-US" altLang="ko-KR" sz="800">
+                <a:solidFill>
+                  <a:schemeClr val="dk1"/>
+                </a:solidFill>
+                <a:latin typeface="Calibri"/>
+                <a:ea typeface="Calibri"/>
+                <a:cs typeface="Calibri"/>
+                <a:sym typeface="Calibri"/>
+                <a:hlinkClick r:id="rId3"/>
+              </a:rPr>
+              <a:t>https://github.com/thekimk/Tutorial-Probability-Statistics-Algorithm-DataScience</a:t>
+            </a:r>
+            <a:endParaRPr lang="en-US" altLang="ko-KR" sz="800">
+              <a:solidFill>
+                <a:schemeClr val="dk1"/>
+              </a:solidFill>
+              <a:latin typeface="Calibri"/>
+              <a:ea typeface="Calibri"/>
+              <a:cs typeface="Calibri"/>
+              <a:sym typeface="Calibri"/>
+            </a:endParaRPr>
+          </a:p>
+          <a:p>
+            <a:pPr marL="171450" lvl="0" indent="-171450">
+              <a:lnSpc>
+                <a:spcPct val="120000"/>
+              </a:lnSpc>
+              <a:buSzPts val="1400"/>
+              <a:buFontTx/>
+              <a:buChar char="-"/>
+            </a:pPr>
+            <a:endParaRPr lang="en-US" altLang="ko-KR" sz="800">
+              <a:solidFill>
+                <a:schemeClr val="dk1"/>
+              </a:solidFill>
+              <a:latin typeface="Calibri"/>
+              <a:ea typeface="Calibri"/>
+              <a:cs typeface="Calibri"/>
+              <a:sym typeface="Calibri"/>
+            </a:endParaRPr>
+          </a:p>
+          <a:p>
+            <a:pPr marL="92075" lvl="0" indent="-92075">
+              <a:lnSpc>
+                <a:spcPct val="120000"/>
+              </a:lnSpc>
+              <a:buSzPts val="1400"/>
+              <a:buFont typeface="Noto Sans Symbols"/>
+              <a:buChar char="▪"/>
+            </a:pPr>
             <a:r>
               <a:rPr lang="ko-KR" altLang="en-US" sz="1050" b="1">
                 <a:solidFill>
@@ -9980,7 +9367,7 @@
                 <a:cs typeface="Calibri"/>
                 <a:sym typeface="Calibri"/>
               </a:rPr>
-              <a:t>독립변수 </a:t>
+              <a:t>영상</a:t>
             </a:r>
             <a:r>
               <a:rPr lang="en-US" altLang="ko-KR" sz="1050" b="1">
@@ -9992,8 +9379,69 @@
                 <a:cs typeface="Calibri"/>
                 <a:sym typeface="Calibri"/>
               </a:rPr>
-              <a:t>X</a:t>
-            </a:r>
+              <a:t>:</a:t>
+            </a:r>
+          </a:p>
+          <a:p>
+            <a:pPr marL="171450" lvl="0" indent="-171450">
+              <a:lnSpc>
+                <a:spcPct val="120000"/>
+              </a:lnSpc>
+              <a:buSzPts val="1400"/>
+              <a:buFontTx/>
+              <a:buChar char="-"/>
+            </a:pPr>
+            <a:r>
+              <a:rPr lang="en-US" altLang="ko-KR" sz="800">
+                <a:solidFill>
+                  <a:schemeClr val="dk1"/>
+                </a:solidFill>
+                <a:latin typeface="Calibri"/>
+                <a:ea typeface="Calibri"/>
+                <a:cs typeface="Calibri"/>
+                <a:sym typeface="Calibri"/>
+                <a:hlinkClick r:id="rId4"/>
+              </a:rPr>
+              <a:t>https://www.youtube.com/playlist?list=PLYP0LH6y1TM4DOvCt0BhJhxXjCniU4-_A</a:t>
+            </a:r>
+            <a:endParaRPr lang="en-US" altLang="ko-KR" sz="800">
+              <a:solidFill>
+                <a:schemeClr val="dk1"/>
+              </a:solidFill>
+              <a:latin typeface="Calibri"/>
+              <a:ea typeface="Calibri"/>
+              <a:cs typeface="Calibri"/>
+              <a:sym typeface="Calibri"/>
+            </a:endParaRPr>
+          </a:p>
+          <a:p>
+            <a:pPr marL="171450" lvl="0" indent="-171450">
+              <a:lnSpc>
+                <a:spcPct val="120000"/>
+              </a:lnSpc>
+              <a:buSzPts val="1400"/>
+              <a:buFontTx/>
+              <a:buChar char="-"/>
+            </a:pPr>
+            <a:endParaRPr lang="en-US" altLang="ko-KR" sz="800">
+              <a:solidFill>
+                <a:schemeClr val="dk1"/>
+              </a:solidFill>
+              <a:latin typeface="Calibri"/>
+              <a:ea typeface="Calibri"/>
+              <a:cs typeface="Calibri"/>
+              <a:sym typeface="Calibri"/>
+            </a:endParaRPr>
+          </a:p>
+          <a:p>
+            <a:pPr marL="92075" lvl="0" indent="-92075">
+              <a:lnSpc>
+                <a:spcPct val="120000"/>
+              </a:lnSpc>
+              <a:buSzPts val="1400"/>
+              <a:buFont typeface="Noto Sans Symbols"/>
+              <a:buChar char="▪"/>
+            </a:pPr>
             <a:r>
               <a:rPr lang="ko-KR" altLang="en-US" sz="1050" b="1">
                 <a:solidFill>
@@ -10004,9 +9452,225 @@
                 <a:cs typeface="Calibri"/>
                 <a:sym typeface="Calibri"/>
               </a:rPr>
-              <a:t>가 없는 미래 기간의 수요 예측</a:t>
-            </a:r>
-            <a:endParaRPr lang="en-US" altLang="ko-KR" sz="1050" b="1">
+              <a:t>학습방향</a:t>
+            </a:r>
+            <a:r>
+              <a:rPr lang="en-US" altLang="ko-KR" sz="1050" b="1">
+                <a:solidFill>
+                  <a:schemeClr val="dk1"/>
+                </a:solidFill>
+                <a:latin typeface="Calibri"/>
+                <a:ea typeface="Calibri"/>
+                <a:cs typeface="Calibri"/>
+                <a:sym typeface="Calibri"/>
+              </a:rPr>
+              <a:t>:</a:t>
+            </a:r>
+          </a:p>
+          <a:p>
+            <a:pPr marL="171450" lvl="0" indent="-171450">
+              <a:lnSpc>
+                <a:spcPct val="120000"/>
+              </a:lnSpc>
+              <a:buSzPts val="1400"/>
+              <a:buFontTx/>
+              <a:buChar char="-"/>
+            </a:pPr>
+            <a:r>
+              <a:rPr lang="ko-KR" altLang="en-US" sz="800">
+                <a:solidFill>
+                  <a:schemeClr val="dk1"/>
+                </a:solidFill>
+                <a:latin typeface="Calibri"/>
+                <a:ea typeface="Calibri"/>
+                <a:cs typeface="Calibri"/>
+                <a:sym typeface="Calibri"/>
+              </a:rPr>
+              <a:t>데이터분석 관련 수학</a:t>
+            </a:r>
+            <a:r>
+              <a:rPr lang="en-US" altLang="ko-KR" sz="800">
+                <a:solidFill>
+                  <a:schemeClr val="dk1"/>
+                </a:solidFill>
+                <a:latin typeface="Calibri"/>
+                <a:ea typeface="Calibri"/>
+                <a:cs typeface="Calibri"/>
+                <a:sym typeface="Calibri"/>
+              </a:rPr>
+              <a:t>, </a:t>
+            </a:r>
+            <a:r>
+              <a:rPr lang="ko-KR" altLang="en-US" sz="800">
+                <a:solidFill>
+                  <a:schemeClr val="dk1"/>
+                </a:solidFill>
+                <a:latin typeface="Calibri"/>
+                <a:ea typeface="Calibri"/>
+                <a:cs typeface="Calibri"/>
+                <a:sym typeface="Calibri"/>
+              </a:rPr>
+              <a:t>통계</a:t>
+            </a:r>
+            <a:r>
+              <a:rPr lang="en-US" altLang="ko-KR" sz="800">
+                <a:solidFill>
+                  <a:schemeClr val="dk1"/>
+                </a:solidFill>
+                <a:latin typeface="Calibri"/>
+                <a:ea typeface="Calibri"/>
+                <a:cs typeface="Calibri"/>
+                <a:sym typeface="Calibri"/>
+              </a:rPr>
+              <a:t>, </a:t>
+            </a:r>
+            <a:r>
+              <a:rPr lang="ko-KR" altLang="en-US" sz="800">
+                <a:solidFill>
+                  <a:schemeClr val="dk1"/>
+                </a:solidFill>
+                <a:latin typeface="Calibri"/>
+                <a:ea typeface="Calibri"/>
+                <a:cs typeface="Calibri"/>
+                <a:sym typeface="Calibri"/>
+              </a:rPr>
+              <a:t>개론 등 수강시 미필요</a:t>
+            </a:r>
+            <a:endParaRPr lang="en-US" altLang="ko-KR" sz="800">
+              <a:solidFill>
+                <a:schemeClr val="dk1"/>
+              </a:solidFill>
+              <a:latin typeface="Calibri"/>
+              <a:ea typeface="Calibri"/>
+              <a:cs typeface="Calibri"/>
+              <a:sym typeface="Calibri"/>
+            </a:endParaRPr>
+          </a:p>
+          <a:p>
+            <a:pPr marL="171450" lvl="0" indent="-171450">
+              <a:lnSpc>
+                <a:spcPct val="120000"/>
+              </a:lnSpc>
+              <a:buSzPts val="1400"/>
+              <a:buFontTx/>
+              <a:buChar char="-"/>
+            </a:pPr>
+            <a:r>
+              <a:rPr lang="ko-KR" altLang="en-US" sz="800">
+                <a:solidFill>
+                  <a:schemeClr val="dk1"/>
+                </a:solidFill>
+                <a:latin typeface="Calibri"/>
+                <a:ea typeface="Calibri"/>
+                <a:cs typeface="Calibri"/>
+                <a:sym typeface="Calibri"/>
+              </a:rPr>
+              <a:t>디지털비즈니스애널리틱스 수강시 미필요</a:t>
+            </a:r>
+            <a:endParaRPr lang="en-US" altLang="ko-KR" sz="800">
+              <a:solidFill>
+                <a:schemeClr val="dk1"/>
+              </a:solidFill>
+              <a:latin typeface="Calibri"/>
+              <a:ea typeface="Calibri"/>
+              <a:cs typeface="Calibri"/>
+              <a:sym typeface="Calibri"/>
+            </a:endParaRPr>
+          </a:p>
+          <a:p>
+            <a:pPr marL="171450" lvl="0" indent="-171450">
+              <a:lnSpc>
+                <a:spcPct val="120000"/>
+              </a:lnSpc>
+              <a:buSzPts val="1400"/>
+              <a:buFontTx/>
+              <a:buChar char="-"/>
+            </a:pPr>
+            <a:r>
+              <a:rPr lang="ko-KR" altLang="en-US" sz="800">
+                <a:solidFill>
+                  <a:schemeClr val="dk1"/>
+                </a:solidFill>
+                <a:latin typeface="Calibri"/>
+                <a:ea typeface="Calibri"/>
+                <a:cs typeface="Calibri"/>
+                <a:sym typeface="Calibri"/>
+              </a:rPr>
+              <a:t>데이터분석에 필요한 지식은 수학과</a:t>
+            </a:r>
+            <a:r>
+              <a:rPr lang="en-US" altLang="ko-KR" sz="800">
+                <a:solidFill>
+                  <a:schemeClr val="dk1"/>
+                </a:solidFill>
+                <a:latin typeface="Calibri"/>
+                <a:ea typeface="Calibri"/>
+                <a:cs typeface="Calibri"/>
+                <a:sym typeface="Calibri"/>
+              </a:rPr>
+              <a:t>, </a:t>
+            </a:r>
+            <a:r>
+              <a:rPr lang="ko-KR" altLang="en-US" sz="800">
+                <a:solidFill>
+                  <a:schemeClr val="dk1"/>
+                </a:solidFill>
+                <a:latin typeface="Calibri"/>
+                <a:ea typeface="Calibri"/>
+                <a:cs typeface="Calibri"/>
+                <a:sym typeface="Calibri"/>
+              </a:rPr>
+              <a:t>통계학과</a:t>
+            </a:r>
+            <a:r>
+              <a:rPr lang="en-US" altLang="ko-KR" sz="800">
+                <a:solidFill>
+                  <a:schemeClr val="dk1"/>
+                </a:solidFill>
+                <a:latin typeface="Calibri"/>
+                <a:ea typeface="Calibri"/>
+                <a:cs typeface="Calibri"/>
+                <a:sym typeface="Calibri"/>
+              </a:rPr>
+              <a:t>, </a:t>
+            </a:r>
+            <a:r>
+              <a:rPr lang="ko-KR" altLang="en-US" sz="800">
+                <a:solidFill>
+                  <a:schemeClr val="dk1"/>
+                </a:solidFill>
+                <a:latin typeface="Calibri"/>
+                <a:ea typeface="Calibri"/>
+                <a:cs typeface="Calibri"/>
+                <a:sym typeface="Calibri"/>
+              </a:rPr>
+              <a:t>산업공학과</a:t>
+            </a:r>
+            <a:r>
+              <a:rPr lang="en-US" altLang="ko-KR" sz="800">
+                <a:solidFill>
+                  <a:schemeClr val="dk1"/>
+                </a:solidFill>
+                <a:latin typeface="Calibri"/>
+                <a:ea typeface="Calibri"/>
+                <a:cs typeface="Calibri"/>
+                <a:sym typeface="Calibri"/>
+              </a:rPr>
+              <a:t>, </a:t>
+            </a:r>
+            <a:r>
+              <a:rPr lang="ko-KR" altLang="en-US" sz="800">
+                <a:solidFill>
+                  <a:schemeClr val="dk1"/>
+                </a:solidFill>
+                <a:latin typeface="Calibri"/>
+                <a:ea typeface="Calibri"/>
+                <a:cs typeface="Calibri"/>
+                <a:sym typeface="Calibri"/>
+              </a:rPr>
+              <a:t>컴퓨터공학과 등 에서 매우 일부분이기 때문에 관련 교과목 미수강시 본 영상으로 필요내용만 빠르게 정리</a:t>
+            </a:r>
+            <a:endParaRPr lang="en-US" altLang="ko-KR" sz="500">
               <a:solidFill>
                 <a:schemeClr val="dk1"/>
               </a:solidFill>
@@ -10092,7 +9756,7 @@
         <p:spPr>
           <a:xfrm>
             <a:off x="1507587" y="645940"/>
-            <a:ext cx="6128825" cy="584735"/>
+            <a:ext cx="6128825" cy="892512"/>
           </a:xfrm>
           <a:prstGeom prst="rect">
             <a:avLst/>
@@ -10131,11 +9795,26 @@
                 <a:cs typeface="Calibri"/>
                 <a:sym typeface="Calibri"/>
               </a:rPr>
-              <a:t> Group &gt; Project Diving</a:t>
-            </a:r>
-            <a:endParaRPr lang="en-US" altLang="ko-KR" sz="2000" b="1">
+              <a:t> Group &gt; Study Diving</a:t>
+            </a:r>
+          </a:p>
+          <a:p>
+            <a:pPr algn="ctr"/>
+            <a:r>
+              <a:rPr lang="en-US" altLang="ko-KR" sz="2000" b="1" u="sng">
+                <a:solidFill>
+                  <a:srgbClr val="FF0000"/>
+                </a:solidFill>
+                <a:latin typeface="Calibri"/>
+                <a:ea typeface="Calibri"/>
+                <a:cs typeface="Calibri"/>
+                <a:sym typeface="Calibri"/>
+              </a:rPr>
+              <a:t>(PREREQUISITES)</a:t>
+            </a:r>
+            <a:endParaRPr lang="en-US" altLang="ko-KR" b="1" u="sng">
               <a:solidFill>
-                <a:srgbClr val="002060"/>
+                <a:srgbClr val="FF0000"/>
               </a:solidFill>
               <a:latin typeface="Calibri"/>
               <a:ea typeface="Calibri"/>
@@ -10249,7 +9928,7 @@
           <a:p>
             <a:pPr lvl="0" algn="ctr"/>
             <a:r>
-              <a:rPr lang="en-US" altLang="ko-KR" sz="2000" b="1">
+              <a:rPr lang="en-US" altLang="ko-KR" b="1">
                 <a:solidFill>
                   <a:srgbClr val="FFFFFF"/>
                 </a:solidFill>
@@ -10258,9 +9937,17 @@
                 <a:cs typeface="Calibri"/>
                 <a:sym typeface="Calibri"/>
               </a:rPr>
-              <a:t>Supervised Classification</a:t>
-            </a:r>
-            <a:endParaRPr lang="en-US" altLang="ko-KR" sz="1800"/>
+              <a:t>Data Science Tool | Python Programming Tutorial</a:t>
+            </a:r>
+            <a:endParaRPr lang="en-US" altLang="ko-KR" sz="2000" b="1">
+              <a:solidFill>
+                <a:srgbClr val="FFFFFF"/>
+              </a:solidFill>
+              <a:latin typeface="Calibri"/>
+              <a:ea typeface="Calibri"/>
+              <a:cs typeface="Calibri"/>
+              <a:sym typeface="Calibri"/>
+            </a:endParaRPr>
           </a:p>
         </p:txBody>
       </p:sp>
@@ -10366,20 +10053,9 @@
           </a:bodyPr>
           <a:lstStyle/>
           <a:p>
-            <a:pPr marL="0" marR="0" lvl="0" indent="0" algn="ctr" rtl="0">
-              <a:lnSpc>
-                <a:spcPct val="100000"/>
-              </a:lnSpc>
-              <a:spcBef>
-                <a:spcPts val="0"/>
-              </a:spcBef>
-              <a:spcAft>
-                <a:spcPts val="0"/>
-              </a:spcAft>
-              <a:buNone/>
-            </a:pPr>
-            <a:r>
-              <a:rPr lang="en-US" sz="2000" b="1" i="0" u="none" strike="noStrike" cap="none">
+            <a:pPr lvl="0" algn="ctr"/>
+            <a:r>
+              <a:rPr lang="en-US" altLang="ko-KR" b="1">
                 <a:solidFill>
                   <a:srgbClr val="FFFFFF"/>
                 </a:solidFill>
@@ -10388,9 +10064,9 @@
                 <a:cs typeface="Calibri"/>
                 <a:sym typeface="Calibri"/>
               </a:rPr>
-              <a:t>Supervised Regression</a:t>
-            </a:r>
-            <a:endParaRPr sz="1800"/>
+              <a:t>Data Science Prerequisites | What is Required to Become a Data Scientist</a:t>
+            </a:r>
+            <a:endParaRPr lang="en-US" altLang="ko-KR" sz="1200"/>
           </a:p>
         </p:txBody>
       </p:sp>
@@ -10438,6 +10114,5259 @@
             <a:extLst>
               <a:ext uri="{FF2B5EF4-FFF2-40B4-BE49-F238E27FC236}">
                 <a16:creationId xmlns:a16="http://schemas.microsoft.com/office/drawing/2014/main" id="{EFE624B8-920D-7DF2-74DF-4ABC4CF6737D}"/>
+              </a:ext>
+            </a:extLst>
+          </p:cNvPr>
+          <p:cNvSpPr txBox="1"/>
+          <p:nvPr/>
+        </p:nvSpPr>
+        <p:spPr>
+          <a:xfrm>
+            <a:off x="370982" y="2300797"/>
+            <a:ext cx="4117490" cy="2391384"/>
+          </a:xfrm>
+          <a:prstGeom prst="rect">
+            <a:avLst/>
+          </a:prstGeom>
+          <a:noFill/>
+          <a:ln>
+            <a:noFill/>
+          </a:ln>
+        </p:spPr>
+        <p:txBody>
+          <a:bodyPr spcFirstLastPara="1" wrap="square" lIns="91425" tIns="45700" rIns="91425" bIns="45700" anchor="t" anchorCtr="0">
+            <a:spAutoFit/>
+          </a:bodyPr>
+          <a:lstStyle/>
+          <a:p>
+            <a:pPr marL="92075" lvl="0" indent="-92075">
+              <a:lnSpc>
+                <a:spcPct val="120000"/>
+              </a:lnSpc>
+              <a:buSzPts val="1400"/>
+              <a:buFont typeface="Noto Sans Symbols"/>
+              <a:buChar char="▪"/>
+            </a:pPr>
+            <a:r>
+              <a:rPr lang="ko-KR" altLang="en-US" sz="1050" b="1">
+                <a:solidFill>
+                  <a:schemeClr val="dk1"/>
+                </a:solidFill>
+                <a:latin typeface="Calibri"/>
+                <a:ea typeface="Calibri"/>
+                <a:cs typeface="Calibri"/>
+                <a:sym typeface="Calibri"/>
+              </a:rPr>
+              <a:t>목표</a:t>
+            </a:r>
+            <a:r>
+              <a:rPr lang="en-US" altLang="ko-KR" sz="1050" b="1">
+                <a:solidFill>
+                  <a:schemeClr val="dk1"/>
+                </a:solidFill>
+                <a:latin typeface="Calibri"/>
+                <a:ea typeface="Calibri"/>
+                <a:cs typeface="Calibri"/>
+                <a:sym typeface="Calibri"/>
+              </a:rPr>
+              <a:t>:</a:t>
+            </a:r>
+            <a:r>
+              <a:rPr lang="en-US" altLang="ko-KR" sz="1050">
+                <a:solidFill>
+                  <a:schemeClr val="dk1"/>
+                </a:solidFill>
+                <a:latin typeface="Calibri"/>
+                <a:ea typeface="Calibri"/>
+                <a:cs typeface="Calibri"/>
+                <a:sym typeface="Calibri"/>
+              </a:rPr>
+              <a:t> </a:t>
+            </a:r>
+            <a:r>
+              <a:rPr lang="ko-KR" altLang="en-US" sz="1050">
+                <a:solidFill>
+                  <a:schemeClr val="dk1"/>
+                </a:solidFill>
+                <a:latin typeface="Calibri"/>
+                <a:ea typeface="Calibri"/>
+                <a:cs typeface="Calibri"/>
+                <a:sym typeface="Calibri"/>
+              </a:rPr>
+              <a:t>데이터분석 도구 파이썬 사용법</a:t>
+            </a:r>
+            <a:endParaRPr lang="en-US" altLang="ko-KR" sz="1050">
+              <a:solidFill>
+                <a:schemeClr val="dk1"/>
+              </a:solidFill>
+              <a:latin typeface="Calibri"/>
+              <a:ea typeface="Calibri"/>
+              <a:cs typeface="Calibri"/>
+              <a:sym typeface="Calibri"/>
+            </a:endParaRPr>
+          </a:p>
+          <a:p>
+            <a:pPr marL="92075" lvl="0" indent="-92075">
+              <a:lnSpc>
+                <a:spcPct val="120000"/>
+              </a:lnSpc>
+              <a:buSzPts val="1400"/>
+              <a:buFont typeface="Noto Sans Symbols"/>
+              <a:buChar char="▪"/>
+            </a:pPr>
+            <a:endParaRPr lang="en-US" altLang="ko-KR" sz="1050">
+              <a:solidFill>
+                <a:schemeClr val="dk1"/>
+              </a:solidFill>
+              <a:latin typeface="Calibri"/>
+              <a:ea typeface="Calibri"/>
+              <a:cs typeface="Calibri"/>
+              <a:sym typeface="Calibri"/>
+            </a:endParaRPr>
+          </a:p>
+          <a:p>
+            <a:pPr marL="92075" lvl="0" indent="-92075">
+              <a:lnSpc>
+                <a:spcPct val="120000"/>
+              </a:lnSpc>
+              <a:buSzPts val="1400"/>
+              <a:buFont typeface="Noto Sans Symbols"/>
+              <a:buChar char="▪"/>
+            </a:pPr>
+            <a:r>
+              <a:rPr lang="ko-KR" altLang="en-US" sz="1050" b="1">
+                <a:solidFill>
+                  <a:schemeClr val="dk1"/>
+                </a:solidFill>
+                <a:latin typeface="Calibri"/>
+                <a:ea typeface="Calibri"/>
+                <a:cs typeface="Calibri"/>
+                <a:sym typeface="Calibri"/>
+              </a:rPr>
+              <a:t>강의자료</a:t>
+            </a:r>
+            <a:r>
+              <a:rPr lang="en-US" altLang="ko-KR" sz="1050" b="1">
+                <a:solidFill>
+                  <a:schemeClr val="dk1"/>
+                </a:solidFill>
+                <a:latin typeface="Calibri"/>
+                <a:ea typeface="Calibri"/>
+                <a:cs typeface="Calibri"/>
+                <a:sym typeface="Calibri"/>
+              </a:rPr>
+              <a:t>:</a:t>
+            </a:r>
+          </a:p>
+          <a:p>
+            <a:pPr marL="171450" lvl="0" indent="-171450">
+              <a:lnSpc>
+                <a:spcPct val="120000"/>
+              </a:lnSpc>
+              <a:buSzPts val="1400"/>
+              <a:buFontTx/>
+              <a:buChar char="-"/>
+            </a:pPr>
+            <a:r>
+              <a:rPr lang="en-US" altLang="ko-KR" sz="800">
+                <a:solidFill>
+                  <a:schemeClr val="dk1"/>
+                </a:solidFill>
+                <a:latin typeface="Calibri"/>
+                <a:ea typeface="Calibri"/>
+                <a:cs typeface="Calibri"/>
+                <a:sym typeface="Calibri"/>
+                <a:hlinkClick r:id="rId5"/>
+              </a:rPr>
+              <a:t>https://github.com/thekimk/Tutorial-Python-Programming</a:t>
+            </a:r>
+            <a:endParaRPr lang="en-US" altLang="ko-KR" sz="800">
+              <a:solidFill>
+                <a:schemeClr val="dk1"/>
+              </a:solidFill>
+              <a:latin typeface="Calibri"/>
+              <a:ea typeface="Calibri"/>
+              <a:cs typeface="Calibri"/>
+              <a:sym typeface="Calibri"/>
+            </a:endParaRPr>
+          </a:p>
+          <a:p>
+            <a:pPr marL="171450" lvl="0" indent="-171450">
+              <a:lnSpc>
+                <a:spcPct val="120000"/>
+              </a:lnSpc>
+              <a:buSzPts val="1400"/>
+              <a:buFontTx/>
+              <a:buChar char="-"/>
+            </a:pPr>
+            <a:endParaRPr lang="en-US" altLang="ko-KR" sz="800">
+              <a:solidFill>
+                <a:schemeClr val="dk1"/>
+              </a:solidFill>
+              <a:latin typeface="Calibri"/>
+              <a:ea typeface="Calibri"/>
+              <a:cs typeface="Calibri"/>
+              <a:sym typeface="Calibri"/>
+            </a:endParaRPr>
+          </a:p>
+          <a:p>
+            <a:pPr marL="92075" lvl="0" indent="-92075">
+              <a:lnSpc>
+                <a:spcPct val="120000"/>
+              </a:lnSpc>
+              <a:buSzPts val="1400"/>
+              <a:buFont typeface="Noto Sans Symbols"/>
+              <a:buChar char="▪"/>
+            </a:pPr>
+            <a:r>
+              <a:rPr lang="ko-KR" altLang="en-US" sz="1050" b="1">
+                <a:solidFill>
+                  <a:schemeClr val="dk1"/>
+                </a:solidFill>
+                <a:latin typeface="Calibri"/>
+                <a:ea typeface="Calibri"/>
+                <a:cs typeface="Calibri"/>
+                <a:sym typeface="Calibri"/>
+              </a:rPr>
+              <a:t>영상</a:t>
+            </a:r>
+            <a:r>
+              <a:rPr lang="en-US" altLang="ko-KR" sz="1050" b="1">
+                <a:solidFill>
+                  <a:schemeClr val="dk1"/>
+                </a:solidFill>
+                <a:latin typeface="Calibri"/>
+                <a:ea typeface="Calibri"/>
+                <a:cs typeface="Calibri"/>
+                <a:sym typeface="Calibri"/>
+              </a:rPr>
+              <a:t>:</a:t>
+            </a:r>
+          </a:p>
+          <a:p>
+            <a:pPr marL="171450" lvl="0" indent="-171450">
+              <a:lnSpc>
+                <a:spcPct val="120000"/>
+              </a:lnSpc>
+              <a:buSzPts val="1400"/>
+              <a:buFontTx/>
+              <a:buChar char="-"/>
+            </a:pPr>
+            <a:r>
+              <a:rPr lang="en-US" altLang="ko-KR" sz="800">
+                <a:solidFill>
+                  <a:schemeClr val="dk1"/>
+                </a:solidFill>
+                <a:latin typeface="Calibri"/>
+                <a:ea typeface="Calibri"/>
+                <a:cs typeface="Calibri"/>
+                <a:sym typeface="Calibri"/>
+              </a:rPr>
+              <a:t>[</a:t>
+            </a:r>
+            <a:r>
+              <a:rPr lang="ko-KR" altLang="en-US" sz="800">
+                <a:solidFill>
+                  <a:schemeClr val="dk1"/>
+                </a:solidFill>
+                <a:latin typeface="Calibri"/>
+                <a:ea typeface="Calibri"/>
+                <a:cs typeface="Calibri"/>
+                <a:sym typeface="Calibri"/>
+              </a:rPr>
+              <a:t>요약본</a:t>
+            </a:r>
+            <a:r>
+              <a:rPr lang="en-US" altLang="ko-KR" sz="800">
+                <a:solidFill>
+                  <a:schemeClr val="dk1"/>
+                </a:solidFill>
+                <a:latin typeface="Calibri"/>
+                <a:ea typeface="Calibri"/>
+                <a:cs typeface="Calibri"/>
+                <a:sym typeface="Calibri"/>
+              </a:rPr>
+              <a:t>]</a:t>
+            </a:r>
+          </a:p>
+          <a:p>
+            <a:pPr lvl="0">
+              <a:lnSpc>
+                <a:spcPct val="120000"/>
+              </a:lnSpc>
+              <a:buSzPts val="1400"/>
+            </a:pPr>
+            <a:r>
+              <a:rPr lang="en-US" altLang="ko-KR" sz="800">
+                <a:solidFill>
+                  <a:schemeClr val="dk1"/>
+                </a:solidFill>
+                <a:latin typeface="Calibri"/>
+                <a:ea typeface="Calibri"/>
+                <a:cs typeface="Calibri"/>
+                <a:sym typeface="Calibri"/>
+                <a:hlinkClick r:id="rId6"/>
+              </a:rPr>
+              <a:t>https://www.youtube.com/playlist?list=PLYP0LH6y1TM4P3HMNM3JQ8MFx8z6nLo9O</a:t>
+            </a:r>
+            <a:endParaRPr lang="en-US" altLang="ko-KR" sz="800">
+              <a:solidFill>
+                <a:schemeClr val="dk1"/>
+              </a:solidFill>
+              <a:latin typeface="Calibri"/>
+              <a:ea typeface="Calibri"/>
+              <a:cs typeface="Calibri"/>
+              <a:sym typeface="Calibri"/>
+            </a:endParaRPr>
+          </a:p>
+          <a:p>
+            <a:pPr marL="171450" lvl="0" indent="-171450">
+              <a:lnSpc>
+                <a:spcPct val="120000"/>
+              </a:lnSpc>
+              <a:buSzPts val="1400"/>
+              <a:buFontTx/>
+              <a:buChar char="-"/>
+            </a:pPr>
+            <a:r>
+              <a:rPr lang="en-US" altLang="ko-KR" sz="800">
+                <a:solidFill>
+                  <a:schemeClr val="dk1"/>
+                </a:solidFill>
+                <a:latin typeface="Calibri"/>
+                <a:ea typeface="Calibri"/>
+                <a:cs typeface="Calibri"/>
+                <a:sym typeface="Calibri"/>
+              </a:rPr>
+              <a:t>[</a:t>
+            </a:r>
+            <a:r>
+              <a:rPr lang="ko-KR" altLang="en-US" sz="800">
+                <a:solidFill>
+                  <a:schemeClr val="dk1"/>
+                </a:solidFill>
+                <a:latin typeface="Calibri"/>
+                <a:ea typeface="Calibri"/>
+                <a:cs typeface="Calibri"/>
+                <a:sym typeface="Calibri"/>
+              </a:rPr>
+              <a:t>전체</a:t>
+            </a:r>
+            <a:r>
+              <a:rPr lang="en-US" altLang="ko-KR" sz="800">
+                <a:solidFill>
+                  <a:schemeClr val="dk1"/>
+                </a:solidFill>
+                <a:latin typeface="Calibri"/>
+                <a:ea typeface="Calibri"/>
+                <a:cs typeface="Calibri"/>
+                <a:sym typeface="Calibri"/>
+              </a:rPr>
+              <a:t>]</a:t>
+            </a:r>
+          </a:p>
+          <a:p>
+            <a:pPr lvl="0">
+              <a:lnSpc>
+                <a:spcPct val="120000"/>
+              </a:lnSpc>
+              <a:buSzPts val="1400"/>
+            </a:pPr>
+            <a:r>
+              <a:rPr lang="en-US" altLang="ko-KR" sz="800">
+                <a:solidFill>
+                  <a:schemeClr val="dk1"/>
+                </a:solidFill>
+                <a:latin typeface="Calibri"/>
+                <a:ea typeface="Calibri"/>
+                <a:cs typeface="Calibri"/>
+                <a:sym typeface="Calibri"/>
+                <a:hlinkClick r:id="rId7"/>
+              </a:rPr>
+              <a:t>https://www.youtube.com/playlist?list=PLYP0LH6y1TM6H3o82V-vDqQ7DbiRLJf4J</a:t>
+            </a:r>
+            <a:endParaRPr lang="en-US" altLang="ko-KR" sz="800">
+              <a:solidFill>
+                <a:schemeClr val="dk1"/>
+              </a:solidFill>
+              <a:latin typeface="Calibri"/>
+              <a:ea typeface="Calibri"/>
+              <a:cs typeface="Calibri"/>
+              <a:sym typeface="Calibri"/>
+            </a:endParaRPr>
+          </a:p>
+          <a:p>
+            <a:pPr marL="171450" lvl="0" indent="-171450">
+              <a:lnSpc>
+                <a:spcPct val="120000"/>
+              </a:lnSpc>
+              <a:buSzPts val="1400"/>
+              <a:buFontTx/>
+              <a:buChar char="-"/>
+            </a:pPr>
+            <a:endParaRPr lang="en-US" altLang="ko-KR" sz="800">
+              <a:solidFill>
+                <a:schemeClr val="dk1"/>
+              </a:solidFill>
+              <a:latin typeface="Calibri"/>
+              <a:ea typeface="Calibri"/>
+              <a:cs typeface="Calibri"/>
+              <a:sym typeface="Calibri"/>
+            </a:endParaRPr>
+          </a:p>
+          <a:p>
+            <a:pPr marL="92075" lvl="0" indent="-92075">
+              <a:lnSpc>
+                <a:spcPct val="120000"/>
+              </a:lnSpc>
+              <a:buSzPts val="1400"/>
+              <a:buFont typeface="Noto Sans Symbols"/>
+              <a:buChar char="▪"/>
+            </a:pPr>
+            <a:r>
+              <a:rPr lang="ko-KR" altLang="en-US" sz="1050" b="1">
+                <a:solidFill>
+                  <a:schemeClr val="dk1"/>
+                </a:solidFill>
+                <a:latin typeface="Calibri"/>
+                <a:ea typeface="Calibri"/>
+                <a:cs typeface="Calibri"/>
+                <a:sym typeface="Calibri"/>
+              </a:rPr>
+              <a:t>학습방향</a:t>
+            </a:r>
+            <a:r>
+              <a:rPr lang="en-US" altLang="ko-KR" sz="1050" b="1">
+                <a:solidFill>
+                  <a:schemeClr val="dk1"/>
+                </a:solidFill>
+                <a:latin typeface="Calibri"/>
+                <a:ea typeface="Calibri"/>
+                <a:cs typeface="Calibri"/>
+                <a:sym typeface="Calibri"/>
+              </a:rPr>
+              <a:t>:</a:t>
+            </a:r>
+          </a:p>
+          <a:p>
+            <a:pPr marL="171450" lvl="0" indent="-171450">
+              <a:lnSpc>
+                <a:spcPct val="120000"/>
+              </a:lnSpc>
+              <a:buSzPts val="1400"/>
+              <a:buFontTx/>
+              <a:buChar char="-"/>
+            </a:pPr>
+            <a:r>
+              <a:rPr lang="ko-KR" altLang="en-US" sz="800">
+                <a:solidFill>
+                  <a:schemeClr val="dk1"/>
+                </a:solidFill>
+                <a:latin typeface="Calibri"/>
+                <a:ea typeface="Calibri"/>
+                <a:cs typeface="Calibri"/>
+                <a:sym typeface="Calibri"/>
+              </a:rPr>
+              <a:t>비즈니스데이터사이언스의이해 또는 파이썬 프로그래밍 등 수강시 미필요</a:t>
+            </a:r>
+            <a:endParaRPr lang="en-US" altLang="ko-KR" sz="800">
+              <a:solidFill>
+                <a:schemeClr val="dk1"/>
+              </a:solidFill>
+              <a:latin typeface="Calibri"/>
+              <a:ea typeface="Calibri"/>
+              <a:cs typeface="Calibri"/>
+              <a:sym typeface="Calibri"/>
+            </a:endParaRPr>
+          </a:p>
+          <a:p>
+            <a:pPr marL="171450" lvl="0" indent="-171450">
+              <a:lnSpc>
+                <a:spcPct val="120000"/>
+              </a:lnSpc>
+              <a:buSzPts val="1400"/>
+              <a:buFontTx/>
+              <a:buChar char="-"/>
+            </a:pPr>
+            <a:r>
+              <a:rPr lang="ko-KR" altLang="en-US" sz="800">
+                <a:solidFill>
+                  <a:schemeClr val="dk1"/>
+                </a:solidFill>
+                <a:latin typeface="Calibri"/>
+                <a:ea typeface="Calibri"/>
+                <a:cs typeface="Calibri"/>
+                <a:sym typeface="Calibri"/>
+              </a:rPr>
+              <a:t>사용법 잊은 경우 </a:t>
+            </a:r>
+            <a:r>
+              <a:rPr lang="en-US" altLang="ko-KR" sz="800">
+                <a:solidFill>
+                  <a:schemeClr val="dk1"/>
+                </a:solidFill>
+                <a:latin typeface="Calibri"/>
+                <a:ea typeface="Calibri"/>
+                <a:cs typeface="Calibri"/>
+                <a:sym typeface="Wingdings" panose="05000000000000000000" pitchFamily="2" charset="2"/>
+              </a:rPr>
+              <a:t></a:t>
+            </a:r>
+            <a:r>
+              <a:rPr lang="ko-KR" altLang="en-US" sz="800">
+                <a:solidFill>
+                  <a:schemeClr val="dk1"/>
+                </a:solidFill>
+                <a:latin typeface="Calibri"/>
+                <a:ea typeface="Calibri"/>
+                <a:cs typeface="Calibri"/>
+                <a:sym typeface="Calibri"/>
+              </a:rPr>
+              <a:t> 필요한 부분만 선택적 수강</a:t>
+            </a:r>
+            <a:endParaRPr lang="en-US" altLang="ko-KR" sz="500">
+              <a:solidFill>
+                <a:schemeClr val="dk1"/>
+              </a:solidFill>
+              <a:latin typeface="Calibri"/>
+              <a:ea typeface="Calibri"/>
+              <a:cs typeface="Calibri"/>
+              <a:sym typeface="Calibri"/>
+            </a:endParaRPr>
+          </a:p>
+        </p:txBody>
+      </p:sp>
+      <p:cxnSp>
+        <p:nvCxnSpPr>
+          <p:cNvPr id="19" name="연결선: 꺾임 18">
+            <a:extLst>
+              <a:ext uri="{FF2B5EF4-FFF2-40B4-BE49-F238E27FC236}">
+                <a16:creationId xmlns:a16="http://schemas.microsoft.com/office/drawing/2014/main" id="{174405D2-28AD-37A2-6CA5-AB88B9C15988}"/>
+              </a:ext>
+            </a:extLst>
+          </p:cNvPr>
+          <p:cNvCxnSpPr>
+            <a:cxnSpLocks/>
+            <a:stCxn id="579" idx="2"/>
+            <a:endCxn id="581" idx="0"/>
+          </p:cNvCxnSpPr>
+          <p:nvPr/>
+        </p:nvCxnSpPr>
+        <p:spPr>
+          <a:xfrm rot="5400000">
+            <a:off x="3359974" y="608206"/>
+            <a:ext cx="281780" cy="2142273"/>
+          </a:xfrm>
+          <a:prstGeom prst="bentConnector3">
+            <a:avLst/>
+          </a:prstGeom>
+          <a:ln>
+            <a:solidFill>
+              <a:srgbClr val="002060"/>
+            </a:solidFill>
+            <a:tailEnd type="triangle"/>
+          </a:ln>
+        </p:spPr>
+        <p:style>
+          <a:lnRef idx="1">
+            <a:schemeClr val="accent1"/>
+          </a:lnRef>
+          <a:fillRef idx="0">
+            <a:schemeClr val="accent1"/>
+          </a:fillRef>
+          <a:effectRef idx="0">
+            <a:schemeClr val="accent1"/>
+          </a:effectRef>
+          <a:fontRef idx="minor">
+            <a:schemeClr val="tx1"/>
+          </a:fontRef>
+        </p:style>
+      </p:cxnSp>
+      <p:cxnSp>
+        <p:nvCxnSpPr>
+          <p:cNvPr id="21" name="연결선: 꺾임 20">
+            <a:extLst>
+              <a:ext uri="{FF2B5EF4-FFF2-40B4-BE49-F238E27FC236}">
+                <a16:creationId xmlns:a16="http://schemas.microsoft.com/office/drawing/2014/main" id="{7DB30250-B249-69EB-7590-A0B64C9A769B}"/>
+              </a:ext>
+            </a:extLst>
+          </p:cNvPr>
+          <p:cNvCxnSpPr>
+            <a:cxnSpLocks/>
+            <a:stCxn id="579" idx="2"/>
+            <a:endCxn id="601" idx="0"/>
+          </p:cNvCxnSpPr>
+          <p:nvPr/>
+        </p:nvCxnSpPr>
+        <p:spPr>
+          <a:xfrm rot="16200000" flipH="1">
+            <a:off x="5504179" y="606272"/>
+            <a:ext cx="281780" cy="2146139"/>
+          </a:xfrm>
+          <a:prstGeom prst="bentConnector3">
+            <a:avLst>
+              <a:gd name="adj1" fmla="val 50000"/>
+            </a:avLst>
+          </a:prstGeom>
+          <a:ln>
+            <a:solidFill>
+              <a:srgbClr val="002060"/>
+            </a:solidFill>
+            <a:tailEnd type="triangle"/>
+          </a:ln>
+        </p:spPr>
+        <p:style>
+          <a:lnRef idx="1">
+            <a:schemeClr val="accent1"/>
+          </a:lnRef>
+          <a:fillRef idx="0">
+            <a:schemeClr val="accent1"/>
+          </a:fillRef>
+          <a:effectRef idx="0">
+            <a:schemeClr val="accent1"/>
+          </a:effectRef>
+          <a:fontRef idx="minor">
+            <a:schemeClr val="tx1"/>
+          </a:fontRef>
+        </p:style>
+      </p:cxnSp>
+    </p:spTree>
+    <p:extLst>
+      <p:ext uri="{BB962C8B-B14F-4D97-AF65-F5344CB8AC3E}">
+        <p14:creationId xmlns:p14="http://schemas.microsoft.com/office/powerpoint/2010/main" val="2378669709"/>
+      </p:ext>
+    </p:extLst>
+  </p:cSld>
+  <p:clrMapOvr>
+    <a:masterClrMapping/>
+  </p:clrMapOvr>
+</p:sld>
+</file>
+
+<file path=ppt/slides/slide3.xml><?xml version="1.0" encoding="utf-8"?>
+<p:sld xmlns:a="http://schemas.openxmlformats.org/drawingml/2006/main" xmlns:r="http://schemas.openxmlformats.org/officeDocument/2006/relationships" xmlns:p="http://schemas.openxmlformats.org/presentationml/2006/main">
+  <p:cSld>
+    <p:spTree>
+      <p:nvGrpSpPr>
+        <p:cNvPr id="1" name="Shape 575">
+          <a:extLst>
+            <a:ext uri="{FF2B5EF4-FFF2-40B4-BE49-F238E27FC236}">
+              <a16:creationId xmlns:a16="http://schemas.microsoft.com/office/drawing/2014/main" id="{68B5C21B-C041-D4B9-3418-573ABF553CE8}"/>
+            </a:ext>
+          </a:extLst>
+        </p:cNvPr>
+        <p:cNvGrpSpPr/>
+        <p:nvPr/>
+      </p:nvGrpSpPr>
+      <p:grpSpPr>
+        <a:xfrm>
+          <a:off x="0" y="0"/>
+          <a:ext cx="0" cy="0"/>
+          <a:chOff x="0" y="0"/>
+          <a:chExt cx="0" cy="0"/>
+        </a:xfrm>
+      </p:grpSpPr>
+      <p:sp>
+        <p:nvSpPr>
+          <p:cNvPr id="7" name="Google Shape;721;p43">
+            <a:extLst>
+              <a:ext uri="{FF2B5EF4-FFF2-40B4-BE49-F238E27FC236}">
+                <a16:creationId xmlns:a16="http://schemas.microsoft.com/office/drawing/2014/main" id="{3AA4CD3D-0AF1-A51C-CB30-745F3DE1C9F6}"/>
+              </a:ext>
+            </a:extLst>
+          </p:cNvPr>
+          <p:cNvSpPr txBox="1"/>
+          <p:nvPr/>
+        </p:nvSpPr>
+        <p:spPr>
+          <a:xfrm>
+            <a:off x="4655529" y="2300797"/>
+            <a:ext cx="4125217" cy="2095918"/>
+          </a:xfrm>
+          <a:prstGeom prst="rect">
+            <a:avLst/>
+          </a:prstGeom>
+          <a:noFill/>
+          <a:ln>
+            <a:noFill/>
+          </a:ln>
+        </p:spPr>
+        <p:txBody>
+          <a:bodyPr spcFirstLastPara="1" wrap="square" lIns="91425" tIns="45700" rIns="91425" bIns="45700" anchor="t" anchorCtr="0">
+            <a:spAutoFit/>
+          </a:bodyPr>
+          <a:lstStyle/>
+          <a:p>
+            <a:pPr marL="92075" lvl="0" indent="-92075">
+              <a:lnSpc>
+                <a:spcPct val="120000"/>
+              </a:lnSpc>
+              <a:buSzPts val="1400"/>
+              <a:buFont typeface="Noto Sans Symbols"/>
+              <a:buChar char="▪"/>
+            </a:pPr>
+            <a:r>
+              <a:rPr lang="ko-KR" altLang="en-US" sz="1050" b="1">
+                <a:solidFill>
+                  <a:schemeClr val="dk1"/>
+                </a:solidFill>
+                <a:latin typeface="Calibri"/>
+                <a:ea typeface="Calibri"/>
+                <a:cs typeface="Calibri"/>
+                <a:sym typeface="Calibri"/>
+              </a:rPr>
+              <a:t>목표</a:t>
+            </a:r>
+            <a:r>
+              <a:rPr lang="en-US" altLang="ko-KR" sz="1050" b="1">
+                <a:solidFill>
+                  <a:schemeClr val="dk1"/>
+                </a:solidFill>
+                <a:latin typeface="Calibri"/>
+                <a:ea typeface="Calibri"/>
+                <a:cs typeface="Calibri"/>
+                <a:sym typeface="Calibri"/>
+              </a:rPr>
+              <a:t>:</a:t>
+            </a:r>
+            <a:r>
+              <a:rPr lang="en-US" altLang="ko-KR" sz="1050">
+                <a:solidFill>
+                  <a:schemeClr val="dk1"/>
+                </a:solidFill>
+                <a:latin typeface="Calibri"/>
+                <a:ea typeface="Calibri"/>
+                <a:cs typeface="Calibri"/>
+                <a:sym typeface="Calibri"/>
+              </a:rPr>
+              <a:t> </a:t>
+            </a:r>
+            <a:r>
+              <a:rPr lang="ko-KR" altLang="en-US" sz="1050">
+                <a:solidFill>
+                  <a:schemeClr val="dk1"/>
+                </a:solidFill>
+                <a:latin typeface="Calibri"/>
+                <a:ea typeface="Calibri"/>
+                <a:cs typeface="Calibri"/>
+                <a:sym typeface="Calibri"/>
+              </a:rPr>
+              <a:t>머신러닝 알고리즘 이해 및 데이터분석 성능 고도화 시작</a:t>
+            </a:r>
+            <a:endParaRPr lang="en-US" altLang="ko-KR" sz="1050">
+              <a:solidFill>
+                <a:schemeClr val="dk1"/>
+              </a:solidFill>
+              <a:latin typeface="Calibri"/>
+              <a:ea typeface="Calibri"/>
+              <a:cs typeface="Calibri"/>
+              <a:sym typeface="Calibri"/>
+            </a:endParaRPr>
+          </a:p>
+          <a:p>
+            <a:pPr marL="92075" lvl="0" indent="-92075">
+              <a:lnSpc>
+                <a:spcPct val="120000"/>
+              </a:lnSpc>
+              <a:buSzPts val="1400"/>
+              <a:buFont typeface="Noto Sans Symbols"/>
+              <a:buChar char="▪"/>
+            </a:pPr>
+            <a:endParaRPr lang="en-US" altLang="ko-KR" sz="1050">
+              <a:solidFill>
+                <a:schemeClr val="dk1"/>
+              </a:solidFill>
+              <a:latin typeface="Calibri"/>
+              <a:ea typeface="Calibri"/>
+              <a:cs typeface="Calibri"/>
+              <a:sym typeface="Calibri"/>
+            </a:endParaRPr>
+          </a:p>
+          <a:p>
+            <a:pPr marL="92075" lvl="0" indent="-92075">
+              <a:lnSpc>
+                <a:spcPct val="120000"/>
+              </a:lnSpc>
+              <a:buSzPts val="1400"/>
+              <a:buFont typeface="Noto Sans Symbols"/>
+              <a:buChar char="▪"/>
+            </a:pPr>
+            <a:r>
+              <a:rPr lang="ko-KR" altLang="en-US" sz="1050" b="1">
+                <a:solidFill>
+                  <a:schemeClr val="dk1"/>
+                </a:solidFill>
+                <a:latin typeface="Calibri"/>
+                <a:ea typeface="Calibri"/>
+                <a:cs typeface="Calibri"/>
+                <a:sym typeface="Calibri"/>
+              </a:rPr>
+              <a:t>강의자료</a:t>
+            </a:r>
+            <a:r>
+              <a:rPr lang="en-US" altLang="ko-KR" sz="1050" b="1">
+                <a:solidFill>
+                  <a:schemeClr val="dk1"/>
+                </a:solidFill>
+                <a:latin typeface="Calibri"/>
+                <a:ea typeface="Calibri"/>
+                <a:cs typeface="Calibri"/>
+                <a:sym typeface="Calibri"/>
+              </a:rPr>
+              <a:t>:</a:t>
+            </a:r>
+            <a:r>
+              <a:rPr lang="en-US" altLang="ko-KR" sz="1050">
+                <a:solidFill>
+                  <a:schemeClr val="dk1"/>
+                </a:solidFill>
+                <a:latin typeface="Calibri"/>
+                <a:ea typeface="Calibri"/>
+                <a:cs typeface="Calibri"/>
+                <a:sym typeface="Calibri"/>
+              </a:rPr>
+              <a:t> </a:t>
+            </a:r>
+          </a:p>
+          <a:p>
+            <a:pPr marL="171450" lvl="0" indent="-171450">
+              <a:lnSpc>
+                <a:spcPct val="120000"/>
+              </a:lnSpc>
+              <a:buSzPts val="1400"/>
+              <a:buFontTx/>
+              <a:buChar char="-"/>
+            </a:pPr>
+            <a:r>
+              <a:rPr lang="en-US" altLang="ko-KR" sz="800">
+                <a:solidFill>
+                  <a:schemeClr val="dk1"/>
+                </a:solidFill>
+                <a:latin typeface="Calibri"/>
+                <a:ea typeface="Calibri"/>
+                <a:cs typeface="Calibri"/>
+                <a:sym typeface="Calibri"/>
+                <a:hlinkClick r:id="rId3"/>
+              </a:rPr>
+              <a:t>https://github.com/thekimk/All-About-Machine-Learning</a:t>
+            </a:r>
+            <a:endParaRPr lang="en-US" altLang="ko-KR" sz="800">
+              <a:solidFill>
+                <a:schemeClr val="dk1"/>
+              </a:solidFill>
+              <a:latin typeface="Calibri"/>
+              <a:ea typeface="Calibri"/>
+              <a:cs typeface="Calibri"/>
+              <a:sym typeface="Calibri"/>
+            </a:endParaRPr>
+          </a:p>
+          <a:p>
+            <a:pPr marL="171450" lvl="0" indent="-171450">
+              <a:lnSpc>
+                <a:spcPct val="120000"/>
+              </a:lnSpc>
+              <a:buSzPts val="1400"/>
+              <a:buFontTx/>
+              <a:buChar char="-"/>
+            </a:pPr>
+            <a:endParaRPr lang="en-US" altLang="ko-KR" sz="800">
+              <a:solidFill>
+                <a:schemeClr val="dk1"/>
+              </a:solidFill>
+              <a:latin typeface="Calibri"/>
+              <a:ea typeface="Calibri"/>
+              <a:cs typeface="Calibri"/>
+              <a:sym typeface="Calibri"/>
+            </a:endParaRPr>
+          </a:p>
+          <a:p>
+            <a:pPr marL="92075" lvl="0" indent="-92075">
+              <a:lnSpc>
+                <a:spcPct val="120000"/>
+              </a:lnSpc>
+              <a:buSzPts val="1400"/>
+              <a:buFont typeface="Noto Sans Symbols"/>
+              <a:buChar char="▪"/>
+            </a:pPr>
+            <a:r>
+              <a:rPr lang="ko-KR" altLang="en-US" sz="1050" b="1">
+                <a:solidFill>
+                  <a:schemeClr val="dk1"/>
+                </a:solidFill>
+                <a:latin typeface="Calibri"/>
+                <a:ea typeface="Calibri"/>
+                <a:cs typeface="Calibri"/>
+                <a:sym typeface="Calibri"/>
+              </a:rPr>
+              <a:t>영상</a:t>
+            </a:r>
+            <a:r>
+              <a:rPr lang="en-US" altLang="ko-KR" sz="1050" b="1">
+                <a:solidFill>
+                  <a:schemeClr val="dk1"/>
+                </a:solidFill>
+                <a:latin typeface="Calibri"/>
+                <a:ea typeface="Calibri"/>
+                <a:cs typeface="Calibri"/>
+                <a:sym typeface="Calibri"/>
+              </a:rPr>
+              <a:t>:</a:t>
+            </a:r>
+          </a:p>
+          <a:p>
+            <a:pPr marL="171450" lvl="0" indent="-171450">
+              <a:lnSpc>
+                <a:spcPct val="120000"/>
+              </a:lnSpc>
+              <a:buSzPts val="1400"/>
+              <a:buFontTx/>
+              <a:buChar char="-"/>
+            </a:pPr>
+            <a:r>
+              <a:rPr lang="en-US" altLang="ko-KR" sz="800">
+                <a:solidFill>
+                  <a:schemeClr val="dk1"/>
+                </a:solidFill>
+                <a:latin typeface="Calibri"/>
+                <a:ea typeface="Calibri"/>
+                <a:cs typeface="Calibri"/>
+                <a:sym typeface="Calibri"/>
+                <a:hlinkClick r:id="rId4"/>
+              </a:rPr>
+              <a:t>https://www.youtube.com/playlist?list=PLYP0LH6y1TM6Khh6_ydAPoC9Fj4H_Vp-G</a:t>
+            </a:r>
+            <a:endParaRPr lang="en-US" altLang="ko-KR" sz="800">
+              <a:solidFill>
+                <a:schemeClr val="dk1"/>
+              </a:solidFill>
+              <a:latin typeface="Calibri"/>
+              <a:ea typeface="Calibri"/>
+              <a:cs typeface="Calibri"/>
+              <a:sym typeface="Calibri"/>
+            </a:endParaRPr>
+          </a:p>
+          <a:p>
+            <a:pPr marL="171450" lvl="0" indent="-171450">
+              <a:lnSpc>
+                <a:spcPct val="120000"/>
+              </a:lnSpc>
+              <a:buSzPts val="1400"/>
+              <a:buFontTx/>
+              <a:buChar char="-"/>
+            </a:pPr>
+            <a:endParaRPr lang="en-US" altLang="ko-KR" sz="800">
+              <a:solidFill>
+                <a:schemeClr val="dk1"/>
+              </a:solidFill>
+              <a:latin typeface="Calibri"/>
+              <a:ea typeface="Calibri"/>
+              <a:cs typeface="Calibri"/>
+              <a:sym typeface="Calibri"/>
+            </a:endParaRPr>
+          </a:p>
+          <a:p>
+            <a:pPr marL="92075" lvl="0" indent="-92075">
+              <a:lnSpc>
+                <a:spcPct val="120000"/>
+              </a:lnSpc>
+              <a:buSzPts val="1400"/>
+              <a:buFont typeface="Noto Sans Symbols"/>
+              <a:buChar char="▪"/>
+            </a:pPr>
+            <a:r>
+              <a:rPr lang="ko-KR" altLang="en-US" sz="1050" b="1">
+                <a:solidFill>
+                  <a:schemeClr val="dk1"/>
+                </a:solidFill>
+                <a:latin typeface="Calibri"/>
+                <a:ea typeface="Calibri"/>
+                <a:cs typeface="Calibri"/>
+                <a:sym typeface="Calibri"/>
+              </a:rPr>
+              <a:t>학습방향</a:t>
+            </a:r>
+            <a:r>
+              <a:rPr lang="en-US" altLang="ko-KR" sz="1050" b="1">
+                <a:solidFill>
+                  <a:schemeClr val="dk1"/>
+                </a:solidFill>
+                <a:latin typeface="Calibri"/>
+                <a:ea typeface="Calibri"/>
+                <a:cs typeface="Calibri"/>
+                <a:sym typeface="Calibri"/>
+              </a:rPr>
+              <a:t>:</a:t>
+            </a:r>
+          </a:p>
+          <a:p>
+            <a:pPr marL="171450" lvl="0" indent="-171450">
+              <a:lnSpc>
+                <a:spcPct val="120000"/>
+              </a:lnSpc>
+              <a:buSzPts val="1400"/>
+              <a:buFontTx/>
+              <a:buChar char="-"/>
+            </a:pPr>
+            <a:r>
+              <a:rPr lang="ko-KR" altLang="en-US" sz="800">
+                <a:solidFill>
+                  <a:schemeClr val="dk1"/>
+                </a:solidFill>
+                <a:latin typeface="Calibri"/>
+                <a:ea typeface="Calibri"/>
+                <a:cs typeface="Calibri"/>
+                <a:sym typeface="Calibri"/>
+              </a:rPr>
+              <a:t>디지털비즈니스애널리틱스 또는 머신러닝 등 수강시 미필요</a:t>
+            </a:r>
+            <a:endParaRPr lang="en-US" altLang="ko-KR" sz="800">
+              <a:solidFill>
+                <a:schemeClr val="dk1"/>
+              </a:solidFill>
+              <a:latin typeface="Calibri"/>
+              <a:ea typeface="Calibri"/>
+              <a:cs typeface="Calibri"/>
+              <a:sym typeface="Calibri"/>
+            </a:endParaRPr>
+          </a:p>
+          <a:p>
+            <a:pPr marL="171450" lvl="0" indent="-171450">
+              <a:lnSpc>
+                <a:spcPct val="120000"/>
+              </a:lnSpc>
+              <a:buSzPts val="1400"/>
+              <a:buFontTx/>
+              <a:buChar char="-"/>
+            </a:pPr>
+            <a:r>
+              <a:rPr lang="ko-KR" altLang="en-US" sz="800">
+                <a:solidFill>
+                  <a:schemeClr val="dk1"/>
+                </a:solidFill>
+                <a:latin typeface="Calibri"/>
+                <a:ea typeface="Calibri"/>
+                <a:cs typeface="Calibri"/>
+                <a:sym typeface="Calibri"/>
+              </a:rPr>
+              <a:t>데이터분석 프로세스 단계 스스로 완성할 줄 알고나서 수강 추천</a:t>
+            </a:r>
+            <a:r>
+              <a:rPr lang="en-US" altLang="ko-KR" sz="800">
+                <a:solidFill>
+                  <a:schemeClr val="dk1"/>
+                </a:solidFill>
+                <a:latin typeface="Calibri"/>
+                <a:ea typeface="Calibri"/>
+                <a:cs typeface="Calibri"/>
+                <a:sym typeface="Calibri"/>
+              </a:rPr>
+              <a:t>~</a:t>
+            </a:r>
+          </a:p>
+          <a:p>
+            <a:pPr marL="171450" lvl="0" indent="-171450">
+              <a:lnSpc>
+                <a:spcPct val="120000"/>
+              </a:lnSpc>
+              <a:buSzPts val="1400"/>
+              <a:buFontTx/>
+              <a:buChar char="-"/>
+            </a:pPr>
+            <a:r>
+              <a:rPr lang="ko-KR" altLang="en-US" sz="800">
+                <a:solidFill>
+                  <a:schemeClr val="dk1"/>
+                </a:solidFill>
+                <a:latin typeface="Calibri"/>
+                <a:ea typeface="Calibri"/>
+                <a:cs typeface="Calibri"/>
+                <a:sym typeface="Calibri"/>
+              </a:rPr>
+              <a:t>강의에 포함되지 않은 </a:t>
+            </a:r>
+            <a:r>
+              <a:rPr lang="en-US" altLang="ko-KR" sz="800">
+                <a:solidFill>
+                  <a:schemeClr val="dk1"/>
+                </a:solidFill>
+                <a:latin typeface="Calibri"/>
+                <a:ea typeface="Calibri"/>
+                <a:cs typeface="Calibri"/>
+                <a:sym typeface="Calibri"/>
+              </a:rPr>
+              <a:t>SHAP </a:t>
+            </a:r>
+            <a:r>
+              <a:rPr lang="ko-KR" altLang="en-US" sz="800">
+                <a:solidFill>
+                  <a:schemeClr val="dk1"/>
+                </a:solidFill>
+                <a:latin typeface="Calibri"/>
+                <a:ea typeface="Calibri"/>
+                <a:cs typeface="Calibri"/>
+                <a:sym typeface="Calibri"/>
+              </a:rPr>
+              <a:t>알고리즘을 통한 설명력 실습은 강의외 스스로 습득</a:t>
+            </a:r>
+            <a:endParaRPr lang="en-US" altLang="ko-KR" sz="500">
+              <a:solidFill>
+                <a:schemeClr val="dk1"/>
+              </a:solidFill>
+              <a:latin typeface="Calibri"/>
+              <a:ea typeface="Calibri"/>
+              <a:cs typeface="Calibri"/>
+              <a:sym typeface="Calibri"/>
+            </a:endParaRPr>
+          </a:p>
+        </p:txBody>
+      </p:sp>
+      <p:sp>
+        <p:nvSpPr>
+          <p:cNvPr id="576" name="Google Shape;576;p41">
+            <a:extLst>
+              <a:ext uri="{FF2B5EF4-FFF2-40B4-BE49-F238E27FC236}">
+                <a16:creationId xmlns:a16="http://schemas.microsoft.com/office/drawing/2014/main" id="{8C711457-986B-769B-2FD3-51AC01C57BFE}"/>
+              </a:ext>
+            </a:extLst>
+          </p:cNvPr>
+          <p:cNvSpPr txBox="1"/>
+          <p:nvPr/>
+        </p:nvSpPr>
+        <p:spPr>
+          <a:xfrm>
+            <a:off x="112295" y="101025"/>
+            <a:ext cx="8919300" cy="461700"/>
+          </a:xfrm>
+          <a:prstGeom prst="rect">
+            <a:avLst/>
+          </a:prstGeom>
+          <a:noFill/>
+          <a:ln>
+            <a:noFill/>
+          </a:ln>
+        </p:spPr>
+        <p:txBody>
+          <a:bodyPr spcFirstLastPara="1" wrap="square" lIns="91425" tIns="45700" rIns="91425" bIns="45700" anchor="t" anchorCtr="0">
+            <a:noAutofit/>
+          </a:bodyPr>
+          <a:lstStyle/>
+          <a:p>
+            <a:pPr marL="0" marR="0" lvl="0" indent="0" algn="l" rtl="0">
+              <a:lnSpc>
+                <a:spcPct val="100000"/>
+              </a:lnSpc>
+              <a:spcBef>
+                <a:spcPts val="0"/>
+              </a:spcBef>
+              <a:spcAft>
+                <a:spcPts val="0"/>
+              </a:spcAft>
+              <a:buNone/>
+            </a:pPr>
+            <a:r>
+              <a:rPr lang="en-US" sz="2400" b="1" i="0" u="none" strike="noStrike" cap="none">
+                <a:solidFill>
+                  <a:schemeClr val="lt1"/>
+                </a:solidFill>
+                <a:latin typeface="Calibri"/>
+                <a:ea typeface="Calibri"/>
+                <a:cs typeface="Calibri"/>
+                <a:sym typeface="Calibri"/>
+              </a:rPr>
+              <a:t>Introduction of DIVE Research Group</a:t>
+            </a:r>
+            <a:endParaRPr/>
+          </a:p>
+        </p:txBody>
+      </p:sp>
+      <p:sp>
+        <p:nvSpPr>
+          <p:cNvPr id="579" name="Google Shape;579;p41">
+            <a:extLst>
+              <a:ext uri="{FF2B5EF4-FFF2-40B4-BE49-F238E27FC236}">
+                <a16:creationId xmlns:a16="http://schemas.microsoft.com/office/drawing/2014/main" id="{A45D06D7-2FC6-9DA4-5490-F4DA235D35D3}"/>
+              </a:ext>
+            </a:extLst>
+          </p:cNvPr>
+          <p:cNvSpPr txBox="1"/>
+          <p:nvPr/>
+        </p:nvSpPr>
+        <p:spPr>
+          <a:xfrm>
+            <a:off x="1507587" y="645940"/>
+            <a:ext cx="6128825" cy="892512"/>
+          </a:xfrm>
+          <a:prstGeom prst="rect">
+            <a:avLst/>
+          </a:prstGeom>
+          <a:noFill/>
+          <a:ln>
+            <a:noFill/>
+          </a:ln>
+        </p:spPr>
+        <p:txBody>
+          <a:bodyPr spcFirstLastPara="1" wrap="square" lIns="91425" tIns="45700" rIns="91425" bIns="45700" anchor="t" anchorCtr="0">
+            <a:spAutoFit/>
+          </a:bodyPr>
+          <a:lstStyle/>
+          <a:p>
+            <a:pPr algn="ctr"/>
+            <a:r>
+              <a:rPr lang="en-US" altLang="ko-KR" sz="3200" b="1">
+                <a:solidFill>
+                  <a:srgbClr val="C00000"/>
+                </a:solidFill>
+                <a:latin typeface="Calibri"/>
+                <a:ea typeface="Calibri"/>
+                <a:cs typeface="Calibri"/>
+                <a:sym typeface="Calibri"/>
+              </a:rPr>
+              <a:t>DIVE</a:t>
+            </a:r>
+            <a:r>
+              <a:rPr lang="en-US" altLang="ko-KR" sz="3200" b="1">
+                <a:solidFill>
+                  <a:srgbClr val="002060"/>
+                </a:solidFill>
+                <a:latin typeface="Calibri"/>
+                <a:ea typeface="Calibri"/>
+                <a:cs typeface="Calibri"/>
+                <a:sym typeface="Calibri"/>
+              </a:rPr>
+              <a:t> Group &gt; Study Diving</a:t>
+            </a:r>
+          </a:p>
+          <a:p>
+            <a:pPr algn="ctr"/>
+            <a:r>
+              <a:rPr lang="en-US" altLang="ko-KR" sz="2000" b="1" u="sng">
+                <a:solidFill>
+                  <a:srgbClr val="FF0000"/>
+                </a:solidFill>
+                <a:latin typeface="Calibri"/>
+                <a:ea typeface="Calibri"/>
+                <a:cs typeface="Calibri"/>
+                <a:sym typeface="Calibri"/>
+              </a:rPr>
+              <a:t>(BASIC)</a:t>
+            </a:r>
+            <a:endParaRPr lang="en-US" altLang="ko-KR" b="1" u="sng">
+              <a:solidFill>
+                <a:srgbClr val="FF0000"/>
+              </a:solidFill>
+              <a:latin typeface="Calibri"/>
+              <a:ea typeface="Calibri"/>
+              <a:cs typeface="Calibri"/>
+              <a:sym typeface="Calibri"/>
+            </a:endParaRPr>
+          </a:p>
+        </p:txBody>
+      </p:sp>
+      <p:sp>
+        <p:nvSpPr>
+          <p:cNvPr id="580" name="Google Shape;580;p41">
+            <a:extLst>
+              <a:ext uri="{FF2B5EF4-FFF2-40B4-BE49-F238E27FC236}">
+                <a16:creationId xmlns:a16="http://schemas.microsoft.com/office/drawing/2014/main" id="{71914DEF-E855-1595-B027-C5AB3596A16A}"/>
+              </a:ext>
+            </a:extLst>
+          </p:cNvPr>
+          <p:cNvSpPr/>
+          <p:nvPr/>
+        </p:nvSpPr>
+        <p:spPr>
+          <a:xfrm>
+            <a:off x="370981" y="1971883"/>
+            <a:ext cx="4117491" cy="4055244"/>
+          </a:xfrm>
+          <a:prstGeom prst="rect">
+            <a:avLst/>
+          </a:prstGeom>
+          <a:noFill/>
+          <a:ln w="9525" cap="flat" cmpd="sng">
+            <a:solidFill>
+              <a:srgbClr val="023A79"/>
+            </a:solidFill>
+            <a:prstDash val="solid"/>
+            <a:round/>
+            <a:headEnd type="none" w="sm" len="sm"/>
+            <a:tailEnd type="none" w="sm" len="sm"/>
+          </a:ln>
+        </p:spPr>
+        <p:txBody>
+          <a:bodyPr spcFirstLastPara="1" wrap="square" lIns="68575" tIns="34275" rIns="68575" bIns="34275" anchor="t" anchorCtr="0">
+            <a:noAutofit/>
+          </a:bodyPr>
+          <a:lstStyle/>
+          <a:p>
+            <a:pPr marL="0" marR="0" lvl="0" indent="0" algn="l" rtl="0">
+              <a:lnSpc>
+                <a:spcPct val="100000"/>
+              </a:lnSpc>
+              <a:spcBef>
+                <a:spcPts val="0"/>
+              </a:spcBef>
+              <a:spcAft>
+                <a:spcPts val="0"/>
+              </a:spcAft>
+              <a:buNone/>
+            </a:pPr>
+            <a:endParaRPr sz="1200" b="0" i="0" u="none" strike="noStrike" cap="none">
+              <a:solidFill>
+                <a:srgbClr val="000000"/>
+              </a:solidFill>
+              <a:latin typeface="Calibri"/>
+              <a:ea typeface="Calibri"/>
+              <a:cs typeface="Calibri"/>
+              <a:sym typeface="Calibri"/>
+            </a:endParaRPr>
+          </a:p>
+        </p:txBody>
+      </p:sp>
+      <p:sp>
+        <p:nvSpPr>
+          <p:cNvPr id="581" name="Google Shape;581;p41">
+            <a:extLst>
+              <a:ext uri="{FF2B5EF4-FFF2-40B4-BE49-F238E27FC236}">
+                <a16:creationId xmlns:a16="http://schemas.microsoft.com/office/drawing/2014/main" id="{D9494BB2-79C2-2173-C5A5-F4A4F9E74C22}"/>
+              </a:ext>
+            </a:extLst>
+          </p:cNvPr>
+          <p:cNvSpPr/>
+          <p:nvPr/>
+        </p:nvSpPr>
+        <p:spPr>
+          <a:xfrm>
+            <a:off x="370981" y="1820232"/>
+            <a:ext cx="4117491" cy="461701"/>
+          </a:xfrm>
+          <a:prstGeom prst="roundRect">
+            <a:avLst>
+              <a:gd name="adj" fmla="val 0"/>
+            </a:avLst>
+          </a:prstGeom>
+          <a:solidFill>
+            <a:srgbClr val="002060"/>
+          </a:solidFill>
+          <a:ln w="9525" cap="flat" cmpd="sng">
+            <a:solidFill>
+              <a:srgbClr val="7F7F7F"/>
+            </a:solidFill>
+            <a:prstDash val="solid"/>
+            <a:round/>
+            <a:headEnd type="none" w="sm" len="sm"/>
+            <a:tailEnd type="none" w="sm" len="sm"/>
+          </a:ln>
+        </p:spPr>
+        <p:txBody>
+          <a:bodyPr spcFirstLastPara="1" wrap="square" lIns="91425" tIns="45700" rIns="91425" bIns="45700" anchor="ctr" anchorCtr="0">
+            <a:noAutofit/>
+          </a:bodyPr>
+          <a:lstStyle/>
+          <a:p>
+            <a:pPr lvl="0" algn="ctr"/>
+            <a:r>
+              <a:rPr lang="en-US" altLang="ko-KR" b="1">
+                <a:solidFill>
+                  <a:srgbClr val="FFFFFF"/>
+                </a:solidFill>
+                <a:latin typeface="Calibri"/>
+                <a:ea typeface="Calibri"/>
+                <a:cs typeface="Calibri"/>
+                <a:sym typeface="Calibri"/>
+              </a:rPr>
+              <a:t>Data Science Process | Why You Should Ask The Real Business Question?</a:t>
+            </a:r>
+            <a:endParaRPr lang="en-US" altLang="ko-KR" sz="2000" b="1">
+              <a:solidFill>
+                <a:srgbClr val="FFFFFF"/>
+              </a:solidFill>
+              <a:latin typeface="Calibri"/>
+              <a:ea typeface="Calibri"/>
+              <a:cs typeface="Calibri"/>
+              <a:sym typeface="Calibri"/>
+            </a:endParaRPr>
+          </a:p>
+        </p:txBody>
+      </p:sp>
+      <p:sp>
+        <p:nvSpPr>
+          <p:cNvPr id="599" name="Google Shape;599;p41">
+            <a:extLst>
+              <a:ext uri="{FF2B5EF4-FFF2-40B4-BE49-F238E27FC236}">
+                <a16:creationId xmlns:a16="http://schemas.microsoft.com/office/drawing/2014/main" id="{6E411A05-34B6-79CE-1FA3-AA26DC53B11D}"/>
+              </a:ext>
+            </a:extLst>
+          </p:cNvPr>
+          <p:cNvSpPr/>
+          <p:nvPr/>
+        </p:nvSpPr>
+        <p:spPr>
+          <a:xfrm>
+            <a:off x="4655530" y="1971886"/>
+            <a:ext cx="4125217" cy="4055241"/>
+          </a:xfrm>
+          <a:prstGeom prst="rect">
+            <a:avLst/>
+          </a:prstGeom>
+          <a:noFill/>
+          <a:ln w="9525" cap="flat" cmpd="sng">
+            <a:solidFill>
+              <a:srgbClr val="023A79"/>
+            </a:solidFill>
+            <a:prstDash val="solid"/>
+            <a:round/>
+            <a:headEnd type="none" w="sm" len="sm"/>
+            <a:tailEnd type="none" w="sm" len="sm"/>
+          </a:ln>
+        </p:spPr>
+        <p:txBody>
+          <a:bodyPr spcFirstLastPara="1" wrap="square" lIns="68575" tIns="34275" rIns="68575" bIns="34275" anchor="t" anchorCtr="0">
+            <a:noAutofit/>
+          </a:bodyPr>
+          <a:lstStyle/>
+          <a:p>
+            <a:pPr marL="0" marR="0" lvl="0" indent="0" algn="l" rtl="0">
+              <a:lnSpc>
+                <a:spcPct val="100000"/>
+              </a:lnSpc>
+              <a:spcBef>
+                <a:spcPts val="0"/>
+              </a:spcBef>
+              <a:spcAft>
+                <a:spcPts val="0"/>
+              </a:spcAft>
+              <a:buNone/>
+            </a:pPr>
+            <a:endParaRPr sz="1200" b="0" i="0" u="none" strike="noStrike" cap="none">
+              <a:solidFill>
+                <a:srgbClr val="000000"/>
+              </a:solidFill>
+              <a:latin typeface="Calibri"/>
+              <a:ea typeface="Calibri"/>
+              <a:cs typeface="Calibri"/>
+              <a:sym typeface="Calibri"/>
+            </a:endParaRPr>
+          </a:p>
+        </p:txBody>
+      </p:sp>
+      <p:sp>
+        <p:nvSpPr>
+          <p:cNvPr id="601" name="Google Shape;601;p41">
+            <a:extLst>
+              <a:ext uri="{FF2B5EF4-FFF2-40B4-BE49-F238E27FC236}">
+                <a16:creationId xmlns:a16="http://schemas.microsoft.com/office/drawing/2014/main" id="{728BEA6F-526C-0C05-BB08-7CD2715C8658}"/>
+              </a:ext>
+            </a:extLst>
+          </p:cNvPr>
+          <p:cNvSpPr/>
+          <p:nvPr/>
+        </p:nvSpPr>
+        <p:spPr>
+          <a:xfrm>
+            <a:off x="4655530" y="1820232"/>
+            <a:ext cx="4125217" cy="461701"/>
+          </a:xfrm>
+          <a:prstGeom prst="roundRect">
+            <a:avLst>
+              <a:gd name="adj" fmla="val 0"/>
+            </a:avLst>
+          </a:prstGeom>
+          <a:solidFill>
+            <a:srgbClr val="002060"/>
+          </a:solidFill>
+          <a:ln w="9525" cap="flat" cmpd="sng">
+            <a:solidFill>
+              <a:srgbClr val="7F7F7F"/>
+            </a:solidFill>
+            <a:prstDash val="solid"/>
+            <a:round/>
+            <a:headEnd type="none" w="sm" len="sm"/>
+            <a:tailEnd type="none" w="sm" len="sm"/>
+          </a:ln>
+        </p:spPr>
+        <p:txBody>
+          <a:bodyPr spcFirstLastPara="1" wrap="square" lIns="91425" tIns="45700" rIns="91425" bIns="45700" anchor="ctr" anchorCtr="0">
+            <a:noAutofit/>
+          </a:bodyPr>
+          <a:lstStyle/>
+          <a:p>
+            <a:pPr lvl="0" algn="ctr"/>
+            <a:r>
+              <a:rPr lang="en-US" altLang="ko-KR" b="1">
+                <a:solidFill>
+                  <a:srgbClr val="FFFFFF"/>
+                </a:solidFill>
+                <a:latin typeface="Calibri"/>
+                <a:ea typeface="Calibri"/>
+                <a:cs typeface="Calibri"/>
+                <a:sym typeface="Calibri"/>
+              </a:rPr>
+              <a:t>Data Science Algorithms | What are Machine Learning Algorithms for AI Engines?</a:t>
+            </a:r>
+            <a:endParaRPr lang="en-US" altLang="ko-KR" sz="1200"/>
+          </a:p>
+        </p:txBody>
+      </p:sp>
+      <p:sp>
+        <p:nvSpPr>
+          <p:cNvPr id="2" name="슬라이드 번호 개체 틀 1">
+            <a:extLst>
+              <a:ext uri="{FF2B5EF4-FFF2-40B4-BE49-F238E27FC236}">
+                <a16:creationId xmlns:a16="http://schemas.microsoft.com/office/drawing/2014/main" id="{7FC21D66-8432-0CEE-FB96-3CE1D1B8EB4F}"/>
+              </a:ext>
+            </a:extLst>
+          </p:cNvPr>
+          <p:cNvSpPr>
+            <a:spLocks noGrp="1"/>
+          </p:cNvSpPr>
+          <p:nvPr>
+            <p:ph type="sldNum" sz="quarter" idx="4"/>
+          </p:nvPr>
+        </p:nvSpPr>
+        <p:spPr/>
+        <p:txBody>
+          <a:bodyPr/>
+          <a:lstStyle/>
+          <a:p>
+            <a:fld id="{CDF9F5A3-DAD3-49E7-B926-6F61E4EB127E}" type="slidenum">
+              <a:rPr lang="ko-KR" altLang="en-US" smtClean="0"/>
+              <a:pPr/>
+              <a:t>2</a:t>
+            </a:fld>
+            <a:r>
+              <a:rPr lang="ko-KR" altLang="en-US"/>
+              <a:t> </a:t>
+            </a:r>
+            <a:r>
+              <a:rPr lang="en-US" altLang="ko-KR"/>
+              <a:t>/ 37</a:t>
+            </a:r>
+            <a:endParaRPr lang="ko-KR" altLang="en-US" dirty="0"/>
+          </a:p>
+        </p:txBody>
+      </p:sp>
+      <p:sp>
+        <p:nvSpPr>
+          <p:cNvPr id="3" name="Google Shape;721;p43">
+            <a:extLst>
+              <a:ext uri="{FF2B5EF4-FFF2-40B4-BE49-F238E27FC236}">
+                <a16:creationId xmlns:a16="http://schemas.microsoft.com/office/drawing/2014/main" id="{69543C70-2567-FA81-4203-F6FC7E9E5626}"/>
+              </a:ext>
+            </a:extLst>
+          </p:cNvPr>
+          <p:cNvSpPr txBox="1"/>
+          <p:nvPr/>
+        </p:nvSpPr>
+        <p:spPr>
+          <a:xfrm>
+            <a:off x="370982" y="2300797"/>
+            <a:ext cx="4117490" cy="2243651"/>
+          </a:xfrm>
+          <a:prstGeom prst="rect">
+            <a:avLst/>
+          </a:prstGeom>
+          <a:noFill/>
+          <a:ln>
+            <a:noFill/>
+          </a:ln>
+        </p:spPr>
+        <p:txBody>
+          <a:bodyPr spcFirstLastPara="1" wrap="square" lIns="91425" tIns="45700" rIns="91425" bIns="45700" anchor="t" anchorCtr="0">
+            <a:spAutoFit/>
+          </a:bodyPr>
+          <a:lstStyle/>
+          <a:p>
+            <a:pPr marL="92075" lvl="0" indent="-92075">
+              <a:lnSpc>
+                <a:spcPct val="120000"/>
+              </a:lnSpc>
+              <a:buSzPts val="1400"/>
+              <a:buFont typeface="Noto Sans Symbols"/>
+              <a:buChar char="▪"/>
+            </a:pPr>
+            <a:r>
+              <a:rPr lang="ko-KR" altLang="en-US" sz="1050" b="1">
+                <a:solidFill>
+                  <a:schemeClr val="dk1"/>
+                </a:solidFill>
+                <a:latin typeface="Calibri"/>
+                <a:ea typeface="Calibri"/>
+                <a:cs typeface="Calibri"/>
+                <a:sym typeface="Calibri"/>
+              </a:rPr>
+              <a:t>목표</a:t>
+            </a:r>
+            <a:r>
+              <a:rPr lang="en-US" altLang="ko-KR" sz="1050" b="1">
+                <a:solidFill>
+                  <a:schemeClr val="dk1"/>
+                </a:solidFill>
+                <a:latin typeface="Calibri"/>
+                <a:ea typeface="Calibri"/>
+                <a:cs typeface="Calibri"/>
+                <a:sym typeface="Calibri"/>
+              </a:rPr>
+              <a:t>:</a:t>
+            </a:r>
+            <a:r>
+              <a:rPr lang="en-US" altLang="ko-KR" sz="1050">
+                <a:solidFill>
+                  <a:schemeClr val="dk1"/>
+                </a:solidFill>
+                <a:latin typeface="Calibri"/>
+                <a:ea typeface="Calibri"/>
+                <a:cs typeface="Calibri"/>
+                <a:sym typeface="Calibri"/>
+              </a:rPr>
+              <a:t> </a:t>
+            </a:r>
+            <a:r>
+              <a:rPr lang="ko-KR" altLang="en-US" sz="1050">
+                <a:solidFill>
+                  <a:schemeClr val="dk1"/>
+                </a:solidFill>
+                <a:latin typeface="Calibri"/>
+                <a:ea typeface="Calibri"/>
+                <a:cs typeface="Calibri"/>
+                <a:sym typeface="Calibri"/>
+              </a:rPr>
+              <a:t>데이터분석 프로세스 단계 완성</a:t>
+            </a:r>
+            <a:endParaRPr lang="en-US" altLang="ko-KR" sz="1050">
+              <a:solidFill>
+                <a:schemeClr val="dk1"/>
+              </a:solidFill>
+              <a:latin typeface="Calibri"/>
+              <a:ea typeface="Calibri"/>
+              <a:cs typeface="Calibri"/>
+              <a:sym typeface="Calibri"/>
+            </a:endParaRPr>
+          </a:p>
+          <a:p>
+            <a:pPr marL="92075" lvl="0" indent="-92075">
+              <a:lnSpc>
+                <a:spcPct val="120000"/>
+              </a:lnSpc>
+              <a:buSzPts val="1400"/>
+              <a:buFont typeface="Noto Sans Symbols"/>
+              <a:buChar char="▪"/>
+            </a:pPr>
+            <a:endParaRPr lang="en-US" altLang="ko-KR" sz="1050">
+              <a:solidFill>
+                <a:schemeClr val="dk1"/>
+              </a:solidFill>
+              <a:latin typeface="Calibri"/>
+              <a:ea typeface="Calibri"/>
+              <a:cs typeface="Calibri"/>
+              <a:sym typeface="Calibri"/>
+            </a:endParaRPr>
+          </a:p>
+          <a:p>
+            <a:pPr marL="92075" lvl="0" indent="-92075">
+              <a:lnSpc>
+                <a:spcPct val="120000"/>
+              </a:lnSpc>
+              <a:buSzPts val="1400"/>
+              <a:buFont typeface="Noto Sans Symbols"/>
+              <a:buChar char="▪"/>
+            </a:pPr>
+            <a:r>
+              <a:rPr lang="ko-KR" altLang="en-US" sz="1050" b="1">
+                <a:solidFill>
+                  <a:schemeClr val="dk1"/>
+                </a:solidFill>
+                <a:latin typeface="Calibri"/>
+                <a:ea typeface="Calibri"/>
+                <a:cs typeface="Calibri"/>
+                <a:sym typeface="Calibri"/>
+              </a:rPr>
+              <a:t>강의자료</a:t>
+            </a:r>
+            <a:r>
+              <a:rPr lang="en-US" altLang="ko-KR" sz="1050" b="1">
+                <a:solidFill>
+                  <a:schemeClr val="dk1"/>
+                </a:solidFill>
+                <a:latin typeface="Calibri"/>
+                <a:ea typeface="Calibri"/>
+                <a:cs typeface="Calibri"/>
+                <a:sym typeface="Calibri"/>
+              </a:rPr>
+              <a:t>:</a:t>
+            </a:r>
+          </a:p>
+          <a:p>
+            <a:pPr marL="171450" lvl="0" indent="-171450">
+              <a:lnSpc>
+                <a:spcPct val="120000"/>
+              </a:lnSpc>
+              <a:buSzPts val="1400"/>
+              <a:buFontTx/>
+              <a:buChar char="-"/>
+            </a:pPr>
+            <a:r>
+              <a:rPr lang="en-US" altLang="ko-KR" sz="800">
+                <a:solidFill>
+                  <a:schemeClr val="dk1"/>
+                </a:solidFill>
+                <a:latin typeface="Calibri"/>
+                <a:ea typeface="Calibri"/>
+                <a:cs typeface="Calibri"/>
+                <a:sym typeface="Calibri"/>
+                <a:hlinkClick r:id="rId3"/>
+              </a:rPr>
+              <a:t>https://github.com/thekimk/All-About-Machine-Learning</a:t>
+            </a:r>
+            <a:endParaRPr lang="en-US" altLang="ko-KR" sz="800">
+              <a:solidFill>
+                <a:schemeClr val="dk1"/>
+              </a:solidFill>
+              <a:latin typeface="Calibri"/>
+              <a:ea typeface="Calibri"/>
+              <a:cs typeface="Calibri"/>
+              <a:sym typeface="Calibri"/>
+            </a:endParaRPr>
+          </a:p>
+          <a:p>
+            <a:pPr lvl="0">
+              <a:lnSpc>
+                <a:spcPct val="120000"/>
+              </a:lnSpc>
+              <a:buSzPts val="1400"/>
+            </a:pPr>
+            <a:endParaRPr lang="en-US" altLang="ko-KR" sz="800">
+              <a:solidFill>
+                <a:schemeClr val="dk1"/>
+              </a:solidFill>
+              <a:latin typeface="Calibri"/>
+              <a:ea typeface="Calibri"/>
+              <a:cs typeface="Calibri"/>
+              <a:sym typeface="Calibri"/>
+            </a:endParaRPr>
+          </a:p>
+          <a:p>
+            <a:pPr marL="92075" lvl="0" indent="-92075">
+              <a:lnSpc>
+                <a:spcPct val="120000"/>
+              </a:lnSpc>
+              <a:buSzPts val="1400"/>
+              <a:buFont typeface="Noto Sans Symbols"/>
+              <a:buChar char="▪"/>
+            </a:pPr>
+            <a:r>
+              <a:rPr lang="ko-KR" altLang="en-US" sz="1050" b="1">
+                <a:solidFill>
+                  <a:schemeClr val="dk1"/>
+                </a:solidFill>
+                <a:latin typeface="Calibri"/>
+                <a:ea typeface="Calibri"/>
+                <a:cs typeface="Calibri"/>
+                <a:sym typeface="Calibri"/>
+              </a:rPr>
+              <a:t>영상</a:t>
+            </a:r>
+            <a:r>
+              <a:rPr lang="en-US" altLang="ko-KR" sz="1050" b="1">
+                <a:solidFill>
+                  <a:schemeClr val="dk1"/>
+                </a:solidFill>
+                <a:latin typeface="Calibri"/>
+                <a:ea typeface="Calibri"/>
+                <a:cs typeface="Calibri"/>
+                <a:sym typeface="Calibri"/>
+              </a:rPr>
+              <a:t>:</a:t>
+            </a:r>
+          </a:p>
+          <a:p>
+            <a:pPr marL="171450" lvl="0" indent="-171450">
+              <a:lnSpc>
+                <a:spcPct val="120000"/>
+              </a:lnSpc>
+              <a:buSzPts val="1400"/>
+              <a:buFontTx/>
+              <a:buChar char="-"/>
+            </a:pPr>
+            <a:r>
+              <a:rPr lang="en-US" altLang="ko-KR" sz="800">
+                <a:solidFill>
+                  <a:schemeClr val="dk1"/>
+                </a:solidFill>
+                <a:latin typeface="Calibri"/>
+                <a:ea typeface="Calibri"/>
+                <a:cs typeface="Calibri"/>
+                <a:sym typeface="Calibri"/>
+                <a:hlinkClick r:id="rId5"/>
+              </a:rPr>
+              <a:t>https://www.youtube.com/playlist?list=PLYP0LH6y1TM50-9XqZfI2bbIOXCxYLauH</a:t>
+            </a:r>
+            <a:endParaRPr lang="en-US" altLang="ko-KR" sz="800">
+              <a:solidFill>
+                <a:schemeClr val="dk1"/>
+              </a:solidFill>
+              <a:latin typeface="Calibri"/>
+              <a:ea typeface="Calibri"/>
+              <a:cs typeface="Calibri"/>
+              <a:sym typeface="Calibri"/>
+            </a:endParaRPr>
+          </a:p>
+          <a:p>
+            <a:pPr marL="171450" lvl="0" indent="-171450">
+              <a:lnSpc>
+                <a:spcPct val="120000"/>
+              </a:lnSpc>
+              <a:buSzPts val="1400"/>
+              <a:buFontTx/>
+              <a:buChar char="-"/>
+            </a:pPr>
+            <a:endParaRPr lang="en-US" altLang="ko-KR" sz="800">
+              <a:solidFill>
+                <a:schemeClr val="dk1"/>
+              </a:solidFill>
+              <a:latin typeface="Calibri"/>
+              <a:ea typeface="Calibri"/>
+              <a:cs typeface="Calibri"/>
+              <a:sym typeface="Calibri"/>
+            </a:endParaRPr>
+          </a:p>
+          <a:p>
+            <a:pPr marL="92075" lvl="0" indent="-92075">
+              <a:lnSpc>
+                <a:spcPct val="120000"/>
+              </a:lnSpc>
+              <a:buSzPts val="1400"/>
+              <a:buFont typeface="Noto Sans Symbols"/>
+              <a:buChar char="▪"/>
+            </a:pPr>
+            <a:r>
+              <a:rPr lang="ko-KR" altLang="en-US" sz="1050" b="1">
+                <a:solidFill>
+                  <a:schemeClr val="dk1"/>
+                </a:solidFill>
+                <a:latin typeface="Calibri"/>
+                <a:ea typeface="Calibri"/>
+                <a:cs typeface="Calibri"/>
+                <a:sym typeface="Calibri"/>
+              </a:rPr>
+              <a:t>학습방향</a:t>
+            </a:r>
+            <a:r>
+              <a:rPr lang="en-US" altLang="ko-KR" sz="1050" b="1">
+                <a:solidFill>
+                  <a:schemeClr val="dk1"/>
+                </a:solidFill>
+                <a:latin typeface="Calibri"/>
+                <a:ea typeface="Calibri"/>
+                <a:cs typeface="Calibri"/>
+                <a:sym typeface="Calibri"/>
+              </a:rPr>
+              <a:t>:</a:t>
+            </a:r>
+          </a:p>
+          <a:p>
+            <a:pPr marL="171450" lvl="0" indent="-171450">
+              <a:lnSpc>
+                <a:spcPct val="120000"/>
+              </a:lnSpc>
+              <a:buSzPts val="1400"/>
+              <a:buFontTx/>
+              <a:buChar char="-"/>
+            </a:pPr>
+            <a:r>
+              <a:rPr lang="ko-KR" altLang="en-US" sz="800">
+                <a:solidFill>
+                  <a:schemeClr val="dk1"/>
+                </a:solidFill>
+                <a:latin typeface="Calibri"/>
+                <a:ea typeface="Calibri"/>
+                <a:cs typeface="Calibri"/>
+                <a:sym typeface="Calibri"/>
+              </a:rPr>
+              <a:t>디지털비즈니스애널리틱스 또는 기초데이터분석 등 수강시 미필요</a:t>
+            </a:r>
+            <a:endParaRPr lang="en-US" altLang="ko-KR" sz="800">
+              <a:solidFill>
+                <a:schemeClr val="dk1"/>
+              </a:solidFill>
+              <a:latin typeface="Calibri"/>
+              <a:ea typeface="Calibri"/>
+              <a:cs typeface="Calibri"/>
+              <a:sym typeface="Calibri"/>
+            </a:endParaRPr>
+          </a:p>
+          <a:p>
+            <a:pPr marL="171450" lvl="0" indent="-171450">
+              <a:lnSpc>
+                <a:spcPct val="120000"/>
+              </a:lnSpc>
+              <a:buSzPts val="1400"/>
+              <a:buFontTx/>
+              <a:buChar char="-"/>
+            </a:pPr>
+            <a:r>
+              <a:rPr lang="ko-KR" altLang="en-US" sz="800">
+                <a:solidFill>
+                  <a:schemeClr val="dk1"/>
+                </a:solidFill>
+                <a:latin typeface="Calibri"/>
+                <a:ea typeface="Calibri"/>
+                <a:cs typeface="Calibri"/>
+                <a:sym typeface="Calibri"/>
+              </a:rPr>
+              <a:t>알고리즘보다 전체적인 데이터분석 프로세스를 완성하는 것이 목표이므로 끝까지 달려 완성하는 실습이 매우 중요</a:t>
+            </a:r>
+            <a:r>
+              <a:rPr lang="en-US" altLang="ko-KR" sz="800">
+                <a:solidFill>
+                  <a:schemeClr val="dk1"/>
+                </a:solidFill>
+                <a:latin typeface="Calibri"/>
+                <a:ea typeface="Calibri"/>
+                <a:cs typeface="Calibri"/>
+                <a:sym typeface="Calibri"/>
+              </a:rPr>
+              <a:t>!!</a:t>
+            </a:r>
+          </a:p>
+          <a:p>
+            <a:pPr marL="171450" lvl="0" indent="-171450">
+              <a:lnSpc>
+                <a:spcPct val="120000"/>
+              </a:lnSpc>
+              <a:buSzPts val="1400"/>
+              <a:buFontTx/>
+              <a:buChar char="-"/>
+            </a:pPr>
+            <a:r>
+              <a:rPr lang="ko-KR" altLang="en-US" sz="800">
+                <a:solidFill>
+                  <a:schemeClr val="dk1"/>
+                </a:solidFill>
+                <a:latin typeface="Calibri"/>
+                <a:ea typeface="Calibri"/>
+                <a:cs typeface="Calibri"/>
+                <a:sym typeface="Calibri"/>
+              </a:rPr>
+              <a:t>프로세스 완성도 스스로 하지 못하면서 알고리즘 아무리 배워도 써먹지 못함</a:t>
+            </a:r>
+            <a:r>
+              <a:rPr lang="en-US" altLang="ko-KR" sz="800">
+                <a:solidFill>
+                  <a:schemeClr val="dk1"/>
+                </a:solidFill>
+                <a:latin typeface="Calibri"/>
+                <a:ea typeface="Calibri"/>
+                <a:cs typeface="Calibri"/>
+                <a:sym typeface="Calibri"/>
+              </a:rPr>
+              <a:t>~</a:t>
+            </a:r>
+            <a:endParaRPr lang="en-US" altLang="ko-KR" sz="500">
+              <a:solidFill>
+                <a:schemeClr val="dk1"/>
+              </a:solidFill>
+              <a:latin typeface="Calibri"/>
+              <a:ea typeface="Calibri"/>
+              <a:cs typeface="Calibri"/>
+              <a:sym typeface="Calibri"/>
+            </a:endParaRPr>
+          </a:p>
+        </p:txBody>
+      </p:sp>
+      <p:cxnSp>
+        <p:nvCxnSpPr>
+          <p:cNvPr id="19" name="연결선: 꺾임 18">
+            <a:extLst>
+              <a:ext uri="{FF2B5EF4-FFF2-40B4-BE49-F238E27FC236}">
+                <a16:creationId xmlns:a16="http://schemas.microsoft.com/office/drawing/2014/main" id="{52765C78-0726-73B6-EAC2-3E30C96C91F1}"/>
+              </a:ext>
+            </a:extLst>
+          </p:cNvPr>
+          <p:cNvCxnSpPr>
+            <a:cxnSpLocks/>
+            <a:stCxn id="579" idx="2"/>
+            <a:endCxn id="581" idx="0"/>
+          </p:cNvCxnSpPr>
+          <p:nvPr/>
+        </p:nvCxnSpPr>
+        <p:spPr>
+          <a:xfrm rot="5400000">
+            <a:off x="3359974" y="608206"/>
+            <a:ext cx="281780" cy="2142273"/>
+          </a:xfrm>
+          <a:prstGeom prst="bentConnector3">
+            <a:avLst/>
+          </a:prstGeom>
+          <a:ln>
+            <a:solidFill>
+              <a:srgbClr val="002060"/>
+            </a:solidFill>
+            <a:tailEnd type="triangle"/>
+          </a:ln>
+        </p:spPr>
+        <p:style>
+          <a:lnRef idx="1">
+            <a:schemeClr val="accent1"/>
+          </a:lnRef>
+          <a:fillRef idx="0">
+            <a:schemeClr val="accent1"/>
+          </a:fillRef>
+          <a:effectRef idx="0">
+            <a:schemeClr val="accent1"/>
+          </a:effectRef>
+          <a:fontRef idx="minor">
+            <a:schemeClr val="tx1"/>
+          </a:fontRef>
+        </p:style>
+      </p:cxnSp>
+      <p:cxnSp>
+        <p:nvCxnSpPr>
+          <p:cNvPr id="21" name="연결선: 꺾임 20">
+            <a:extLst>
+              <a:ext uri="{FF2B5EF4-FFF2-40B4-BE49-F238E27FC236}">
+                <a16:creationId xmlns:a16="http://schemas.microsoft.com/office/drawing/2014/main" id="{0AF29324-B00B-F3ED-8411-CADA487EC836}"/>
+              </a:ext>
+            </a:extLst>
+          </p:cNvPr>
+          <p:cNvCxnSpPr>
+            <a:cxnSpLocks/>
+            <a:stCxn id="579" idx="2"/>
+            <a:endCxn id="601" idx="0"/>
+          </p:cNvCxnSpPr>
+          <p:nvPr/>
+        </p:nvCxnSpPr>
+        <p:spPr>
+          <a:xfrm rot="16200000" flipH="1">
+            <a:off x="5504179" y="606272"/>
+            <a:ext cx="281780" cy="2146139"/>
+          </a:xfrm>
+          <a:prstGeom prst="bentConnector3">
+            <a:avLst>
+              <a:gd name="adj1" fmla="val 50000"/>
+            </a:avLst>
+          </a:prstGeom>
+          <a:ln>
+            <a:solidFill>
+              <a:srgbClr val="002060"/>
+            </a:solidFill>
+            <a:tailEnd type="triangle"/>
+          </a:ln>
+        </p:spPr>
+        <p:style>
+          <a:lnRef idx="1">
+            <a:schemeClr val="accent1"/>
+          </a:lnRef>
+          <a:fillRef idx="0">
+            <a:schemeClr val="accent1"/>
+          </a:fillRef>
+          <a:effectRef idx="0">
+            <a:schemeClr val="accent1"/>
+          </a:effectRef>
+          <a:fontRef idx="minor">
+            <a:schemeClr val="tx1"/>
+          </a:fontRef>
+        </p:style>
+      </p:cxnSp>
+    </p:spTree>
+    <p:extLst>
+      <p:ext uri="{BB962C8B-B14F-4D97-AF65-F5344CB8AC3E}">
+        <p14:creationId xmlns:p14="http://schemas.microsoft.com/office/powerpoint/2010/main" val="2988390345"/>
+      </p:ext>
+    </p:extLst>
+  </p:cSld>
+  <p:clrMapOvr>
+    <a:masterClrMapping/>
+  </p:clrMapOvr>
+</p:sld>
+</file>
+
+<file path=ppt/slides/slide4.xml><?xml version="1.0" encoding="utf-8"?>
+<p:sld xmlns:a="http://schemas.openxmlformats.org/drawingml/2006/main" xmlns:r="http://schemas.openxmlformats.org/officeDocument/2006/relationships" xmlns:p="http://schemas.openxmlformats.org/presentationml/2006/main">
+  <p:cSld>
+    <p:spTree>
+      <p:nvGrpSpPr>
+        <p:cNvPr id="1" name="Shape 575">
+          <a:extLst>
+            <a:ext uri="{FF2B5EF4-FFF2-40B4-BE49-F238E27FC236}">
+              <a16:creationId xmlns:a16="http://schemas.microsoft.com/office/drawing/2014/main" id="{7E4102F5-2496-0D19-D0B9-126D8590347D}"/>
+            </a:ext>
+          </a:extLst>
+        </p:cNvPr>
+        <p:cNvGrpSpPr/>
+        <p:nvPr/>
+      </p:nvGrpSpPr>
+      <p:grpSpPr>
+        <a:xfrm>
+          <a:off x="0" y="0"/>
+          <a:ext cx="0" cy="0"/>
+          <a:chOff x="0" y="0"/>
+          <a:chExt cx="0" cy="0"/>
+        </a:xfrm>
+      </p:grpSpPr>
+      <p:sp>
+        <p:nvSpPr>
+          <p:cNvPr id="7" name="Google Shape;721;p43">
+            <a:extLst>
+              <a:ext uri="{FF2B5EF4-FFF2-40B4-BE49-F238E27FC236}">
+                <a16:creationId xmlns:a16="http://schemas.microsoft.com/office/drawing/2014/main" id="{A1A07AB1-C7A7-EA49-2872-B419C5CEFF2A}"/>
+              </a:ext>
+            </a:extLst>
+          </p:cNvPr>
+          <p:cNvSpPr txBox="1"/>
+          <p:nvPr/>
+        </p:nvSpPr>
+        <p:spPr>
+          <a:xfrm>
+            <a:off x="4655529" y="2300797"/>
+            <a:ext cx="4125217" cy="2391384"/>
+          </a:xfrm>
+          <a:prstGeom prst="rect">
+            <a:avLst/>
+          </a:prstGeom>
+          <a:noFill/>
+          <a:ln>
+            <a:noFill/>
+          </a:ln>
+        </p:spPr>
+        <p:txBody>
+          <a:bodyPr spcFirstLastPara="1" wrap="square" lIns="91425" tIns="45700" rIns="91425" bIns="45700" anchor="t" anchorCtr="0">
+            <a:spAutoFit/>
+          </a:bodyPr>
+          <a:lstStyle/>
+          <a:p>
+            <a:pPr marL="92075" lvl="0" indent="-92075">
+              <a:lnSpc>
+                <a:spcPct val="120000"/>
+              </a:lnSpc>
+              <a:buSzPts val="1400"/>
+              <a:buFont typeface="Noto Sans Symbols"/>
+              <a:buChar char="▪"/>
+            </a:pPr>
+            <a:r>
+              <a:rPr lang="ko-KR" altLang="en-US" sz="1050" b="1">
+                <a:solidFill>
+                  <a:schemeClr val="dk1"/>
+                </a:solidFill>
+                <a:latin typeface="Calibri"/>
+                <a:ea typeface="Calibri"/>
+                <a:cs typeface="Calibri"/>
+                <a:sym typeface="Calibri"/>
+              </a:rPr>
+              <a:t>목표</a:t>
+            </a:r>
+            <a:r>
+              <a:rPr lang="en-US" altLang="ko-KR" sz="1050" b="1">
+                <a:solidFill>
+                  <a:schemeClr val="dk1"/>
+                </a:solidFill>
+                <a:latin typeface="Calibri"/>
+                <a:ea typeface="Calibri"/>
+                <a:cs typeface="Calibri"/>
+                <a:sym typeface="Calibri"/>
+              </a:rPr>
+              <a:t>:</a:t>
+            </a:r>
+            <a:r>
+              <a:rPr lang="en-US" altLang="ko-KR" sz="1050">
+                <a:solidFill>
+                  <a:schemeClr val="dk1"/>
+                </a:solidFill>
+                <a:latin typeface="Calibri"/>
+                <a:ea typeface="Calibri"/>
+                <a:cs typeface="Calibri"/>
+                <a:sym typeface="Calibri"/>
+              </a:rPr>
+              <a:t> </a:t>
+            </a:r>
+            <a:r>
+              <a:rPr lang="ko-KR" altLang="en-US" sz="1050">
+                <a:solidFill>
+                  <a:schemeClr val="dk1"/>
+                </a:solidFill>
+                <a:latin typeface="Calibri"/>
+                <a:ea typeface="Calibri"/>
+                <a:cs typeface="Calibri"/>
+                <a:sym typeface="Calibri"/>
+              </a:rPr>
+              <a:t>딥러닝 알고리즘 이해 및 데이터분석 성능 고도화</a:t>
+            </a:r>
+            <a:endParaRPr lang="en-US" altLang="ko-KR" sz="1050">
+              <a:solidFill>
+                <a:schemeClr val="dk1"/>
+              </a:solidFill>
+              <a:latin typeface="Calibri"/>
+              <a:ea typeface="Calibri"/>
+              <a:cs typeface="Calibri"/>
+              <a:sym typeface="Calibri"/>
+            </a:endParaRPr>
+          </a:p>
+          <a:p>
+            <a:pPr marL="92075" lvl="0" indent="-92075">
+              <a:lnSpc>
+                <a:spcPct val="120000"/>
+              </a:lnSpc>
+              <a:buSzPts val="1400"/>
+              <a:buFont typeface="Noto Sans Symbols"/>
+              <a:buChar char="▪"/>
+            </a:pPr>
+            <a:endParaRPr lang="en-US" altLang="ko-KR" sz="1050">
+              <a:solidFill>
+                <a:schemeClr val="dk1"/>
+              </a:solidFill>
+              <a:latin typeface="Calibri"/>
+              <a:ea typeface="Calibri"/>
+              <a:cs typeface="Calibri"/>
+              <a:sym typeface="Calibri"/>
+            </a:endParaRPr>
+          </a:p>
+          <a:p>
+            <a:pPr marL="92075" lvl="0" indent="-92075">
+              <a:lnSpc>
+                <a:spcPct val="120000"/>
+              </a:lnSpc>
+              <a:buSzPts val="1400"/>
+              <a:buFont typeface="Noto Sans Symbols"/>
+              <a:buChar char="▪"/>
+            </a:pPr>
+            <a:r>
+              <a:rPr lang="ko-KR" altLang="en-US" sz="1050" b="1">
+                <a:solidFill>
+                  <a:schemeClr val="dk1"/>
+                </a:solidFill>
+                <a:latin typeface="Calibri"/>
+                <a:ea typeface="Calibri"/>
+                <a:cs typeface="Calibri"/>
+                <a:sym typeface="Calibri"/>
+              </a:rPr>
+              <a:t>강의자료</a:t>
+            </a:r>
+            <a:r>
+              <a:rPr lang="en-US" altLang="ko-KR" sz="1050" b="1">
+                <a:solidFill>
+                  <a:schemeClr val="dk1"/>
+                </a:solidFill>
+                <a:latin typeface="Calibri"/>
+                <a:ea typeface="Calibri"/>
+                <a:cs typeface="Calibri"/>
+                <a:sym typeface="Calibri"/>
+              </a:rPr>
+              <a:t>:</a:t>
+            </a:r>
+            <a:r>
+              <a:rPr lang="en-US" altLang="ko-KR" sz="1050">
+                <a:solidFill>
+                  <a:schemeClr val="dk1"/>
+                </a:solidFill>
+                <a:latin typeface="Calibri"/>
+                <a:ea typeface="Calibri"/>
+                <a:cs typeface="Calibri"/>
+                <a:sym typeface="Calibri"/>
+              </a:rPr>
+              <a:t> </a:t>
+            </a:r>
+          </a:p>
+          <a:p>
+            <a:pPr marL="171450" lvl="0" indent="-171450">
+              <a:lnSpc>
+                <a:spcPct val="120000"/>
+              </a:lnSpc>
+              <a:buSzPts val="1400"/>
+              <a:buFontTx/>
+              <a:buChar char="-"/>
+            </a:pPr>
+            <a:r>
+              <a:rPr lang="en-US" altLang="ko-KR" sz="800">
+                <a:solidFill>
+                  <a:schemeClr val="dk1"/>
+                </a:solidFill>
+                <a:latin typeface="Calibri"/>
+                <a:ea typeface="Calibri"/>
+                <a:cs typeface="Calibri"/>
+                <a:sym typeface="Calibri"/>
+                <a:hlinkClick r:id="rId3"/>
+              </a:rPr>
+              <a:t>https://github.com/thekimk/All-About-Deep-Learning</a:t>
+            </a:r>
+            <a:endParaRPr lang="en-US" altLang="ko-KR" sz="800">
+              <a:solidFill>
+                <a:schemeClr val="dk1"/>
+              </a:solidFill>
+              <a:latin typeface="Calibri"/>
+              <a:ea typeface="Calibri"/>
+              <a:cs typeface="Calibri"/>
+              <a:sym typeface="Calibri"/>
+            </a:endParaRPr>
+          </a:p>
+          <a:p>
+            <a:pPr lvl="0">
+              <a:lnSpc>
+                <a:spcPct val="120000"/>
+              </a:lnSpc>
+              <a:buSzPts val="1400"/>
+            </a:pPr>
+            <a:endParaRPr lang="en-US" altLang="ko-KR" sz="800">
+              <a:solidFill>
+                <a:schemeClr val="dk1"/>
+              </a:solidFill>
+              <a:latin typeface="Calibri"/>
+              <a:ea typeface="Calibri"/>
+              <a:cs typeface="Calibri"/>
+              <a:sym typeface="Calibri"/>
+            </a:endParaRPr>
+          </a:p>
+          <a:p>
+            <a:pPr marL="92075" lvl="0" indent="-92075">
+              <a:lnSpc>
+                <a:spcPct val="120000"/>
+              </a:lnSpc>
+              <a:buSzPts val="1400"/>
+              <a:buFont typeface="Noto Sans Symbols"/>
+              <a:buChar char="▪"/>
+            </a:pPr>
+            <a:r>
+              <a:rPr lang="ko-KR" altLang="en-US" sz="1050" b="1">
+                <a:solidFill>
+                  <a:schemeClr val="dk1"/>
+                </a:solidFill>
+                <a:latin typeface="Calibri"/>
+                <a:ea typeface="Calibri"/>
+                <a:cs typeface="Calibri"/>
+                <a:sym typeface="Calibri"/>
+              </a:rPr>
+              <a:t>영상</a:t>
+            </a:r>
+            <a:r>
+              <a:rPr lang="en-US" altLang="ko-KR" sz="1050" b="1">
+                <a:solidFill>
+                  <a:schemeClr val="dk1"/>
+                </a:solidFill>
+                <a:latin typeface="Calibri"/>
+                <a:ea typeface="Calibri"/>
+                <a:cs typeface="Calibri"/>
+                <a:sym typeface="Calibri"/>
+              </a:rPr>
+              <a:t>:</a:t>
+            </a:r>
+          </a:p>
+          <a:p>
+            <a:pPr marL="171450" lvl="0" indent="-171450">
+              <a:lnSpc>
+                <a:spcPct val="120000"/>
+              </a:lnSpc>
+              <a:buSzPts val="1400"/>
+              <a:buFontTx/>
+              <a:buChar char="-"/>
+            </a:pPr>
+            <a:r>
+              <a:rPr lang="en-US" altLang="ko-KR" sz="800">
+                <a:solidFill>
+                  <a:schemeClr val="dk1"/>
+                </a:solidFill>
+                <a:latin typeface="Calibri"/>
+                <a:ea typeface="Calibri"/>
+                <a:cs typeface="Calibri"/>
+                <a:sym typeface="Calibri"/>
+                <a:hlinkClick r:id="rId4"/>
+              </a:rPr>
+              <a:t>https://www.youtube.com/playlist?list=PLYP0LH6y1TM6s-bdE1Og3U6_SnV6CsqwJ</a:t>
+            </a:r>
+            <a:endParaRPr lang="en-US" altLang="ko-KR" sz="800">
+              <a:solidFill>
+                <a:schemeClr val="dk1"/>
+              </a:solidFill>
+              <a:latin typeface="Calibri"/>
+              <a:ea typeface="Calibri"/>
+              <a:cs typeface="Calibri"/>
+              <a:sym typeface="Calibri"/>
+            </a:endParaRPr>
+          </a:p>
+          <a:p>
+            <a:pPr marL="171450" lvl="0" indent="-171450">
+              <a:lnSpc>
+                <a:spcPct val="120000"/>
+              </a:lnSpc>
+              <a:buSzPts val="1400"/>
+              <a:buFontTx/>
+              <a:buChar char="-"/>
+            </a:pPr>
+            <a:endParaRPr lang="en-US" altLang="ko-KR" sz="800">
+              <a:solidFill>
+                <a:schemeClr val="dk1"/>
+              </a:solidFill>
+              <a:latin typeface="Calibri"/>
+              <a:ea typeface="Calibri"/>
+              <a:cs typeface="Calibri"/>
+              <a:sym typeface="Calibri"/>
+            </a:endParaRPr>
+          </a:p>
+          <a:p>
+            <a:pPr marL="92075" lvl="0" indent="-92075">
+              <a:lnSpc>
+                <a:spcPct val="120000"/>
+              </a:lnSpc>
+              <a:buSzPts val="1400"/>
+              <a:buFont typeface="Noto Sans Symbols"/>
+              <a:buChar char="▪"/>
+            </a:pPr>
+            <a:r>
+              <a:rPr lang="ko-KR" altLang="en-US" sz="1050" b="1">
+                <a:solidFill>
+                  <a:schemeClr val="dk1"/>
+                </a:solidFill>
+                <a:latin typeface="Calibri"/>
+                <a:ea typeface="Calibri"/>
+                <a:cs typeface="Calibri"/>
+                <a:sym typeface="Calibri"/>
+              </a:rPr>
+              <a:t>학습방향</a:t>
+            </a:r>
+            <a:r>
+              <a:rPr lang="en-US" altLang="ko-KR" sz="1050" b="1">
+                <a:solidFill>
+                  <a:schemeClr val="dk1"/>
+                </a:solidFill>
+                <a:latin typeface="Calibri"/>
+                <a:ea typeface="Calibri"/>
+                <a:cs typeface="Calibri"/>
+                <a:sym typeface="Calibri"/>
+              </a:rPr>
+              <a:t>:</a:t>
+            </a:r>
+          </a:p>
+          <a:p>
+            <a:pPr marL="171450" lvl="0" indent="-171450">
+              <a:lnSpc>
+                <a:spcPct val="120000"/>
+              </a:lnSpc>
+              <a:buSzPts val="1400"/>
+              <a:buFontTx/>
+              <a:buChar char="-"/>
+            </a:pPr>
+            <a:r>
+              <a:rPr lang="ko-KR" altLang="en-US" sz="800">
+                <a:solidFill>
+                  <a:schemeClr val="dk1"/>
+                </a:solidFill>
+                <a:latin typeface="Calibri"/>
+                <a:ea typeface="Calibri"/>
+                <a:cs typeface="Calibri"/>
+                <a:sym typeface="Calibri"/>
+              </a:rPr>
+              <a:t>인공지능기반의사결정 또는 딥러닝 등 수강시 미필요</a:t>
+            </a:r>
+            <a:endParaRPr lang="en-US" altLang="ko-KR" sz="800">
+              <a:solidFill>
+                <a:schemeClr val="dk1"/>
+              </a:solidFill>
+              <a:latin typeface="Calibri"/>
+              <a:ea typeface="Calibri"/>
+              <a:cs typeface="Calibri"/>
+              <a:sym typeface="Calibri"/>
+            </a:endParaRPr>
+          </a:p>
+          <a:p>
+            <a:pPr marL="171450" indent="-171450">
+              <a:lnSpc>
+                <a:spcPct val="120000"/>
+              </a:lnSpc>
+              <a:buSzPts val="1400"/>
+              <a:buFontTx/>
+              <a:buChar char="-"/>
+            </a:pPr>
+            <a:r>
+              <a:rPr lang="ko-KR" altLang="en-US" sz="800">
+                <a:solidFill>
+                  <a:schemeClr val="tx2">
+                    <a:lumMod val="10000"/>
+                  </a:schemeClr>
+                </a:solidFill>
+                <a:latin typeface="Calibri"/>
+                <a:ea typeface="Calibri"/>
+                <a:cs typeface="Calibri"/>
+                <a:sym typeface="Calibri"/>
+              </a:rPr>
+              <a:t>최소 </a:t>
+            </a:r>
+            <a:r>
+              <a:rPr lang="en-US" altLang="ko-KR" sz="800">
+                <a:solidFill>
+                  <a:schemeClr val="tx2">
+                    <a:lumMod val="10000"/>
+                  </a:schemeClr>
+                </a:solidFill>
+                <a:latin typeface="Calibri"/>
+                <a:ea typeface="Calibri"/>
+                <a:cs typeface="Calibri"/>
+                <a:sym typeface="Calibri"/>
+              </a:rPr>
+              <a:t>“</a:t>
+            </a:r>
+            <a:r>
+              <a:rPr lang="en-US" altLang="ko-KR" sz="800" b="1">
+                <a:solidFill>
+                  <a:schemeClr val="tx2">
+                    <a:lumMod val="10000"/>
+                  </a:schemeClr>
+                </a:solidFill>
+                <a:latin typeface="Calibri"/>
+                <a:ea typeface="Calibri"/>
+                <a:cs typeface="Calibri"/>
+                <a:sym typeface="Calibri"/>
+              </a:rPr>
+              <a:t>Data Science Algorithms | What are Machine Learning Algorithms for AI Engines?”</a:t>
+            </a:r>
+            <a:r>
+              <a:rPr lang="ko-KR" altLang="en-US" sz="800">
+                <a:solidFill>
+                  <a:schemeClr val="tx2">
+                    <a:lumMod val="10000"/>
+                  </a:schemeClr>
+                </a:solidFill>
+                <a:latin typeface="Calibri"/>
+                <a:ea typeface="Calibri"/>
+                <a:cs typeface="Calibri"/>
+                <a:sym typeface="Calibri"/>
+              </a:rPr>
+              <a:t> 스스로 완성 및 충분히 익숙해진 후 수강 추천</a:t>
+            </a:r>
+            <a:r>
+              <a:rPr lang="en-US" altLang="ko-KR" sz="800">
+                <a:solidFill>
+                  <a:schemeClr val="tx2">
+                    <a:lumMod val="10000"/>
+                  </a:schemeClr>
+                </a:solidFill>
+                <a:latin typeface="Calibri"/>
+                <a:ea typeface="Calibri"/>
+                <a:cs typeface="Calibri"/>
+                <a:sym typeface="Calibri"/>
+              </a:rPr>
+              <a:t>~</a:t>
+            </a:r>
+          </a:p>
+          <a:p>
+            <a:pPr marL="171450" indent="-171450">
+              <a:lnSpc>
+                <a:spcPct val="120000"/>
+              </a:lnSpc>
+              <a:buSzPts val="1400"/>
+              <a:buFontTx/>
+              <a:buChar char="-"/>
+            </a:pPr>
+            <a:r>
+              <a:rPr lang="ko-KR" altLang="en-US" sz="800">
+                <a:solidFill>
+                  <a:schemeClr val="tx2">
+                    <a:lumMod val="10000"/>
+                  </a:schemeClr>
+                </a:solidFill>
+                <a:latin typeface="Calibri"/>
+                <a:ea typeface="Calibri"/>
+                <a:cs typeface="Calibri"/>
+                <a:sym typeface="Calibri"/>
+              </a:rPr>
+              <a:t>시간데이터 처리가 포함되므로 </a:t>
+            </a:r>
+            <a:r>
+              <a:rPr lang="en-US" altLang="ko-KR" sz="800">
+                <a:solidFill>
+                  <a:schemeClr val="tx2">
+                    <a:lumMod val="10000"/>
+                  </a:schemeClr>
+                </a:solidFill>
+                <a:latin typeface="Calibri"/>
+                <a:ea typeface="Calibri"/>
+                <a:cs typeface="Calibri"/>
+                <a:sym typeface="Calibri"/>
+              </a:rPr>
+              <a:t>“</a:t>
+            </a:r>
+            <a:r>
+              <a:rPr lang="en-US" altLang="ko-KR" sz="800" b="1">
+                <a:solidFill>
+                  <a:schemeClr val="tx2">
+                    <a:lumMod val="10000"/>
+                  </a:schemeClr>
+                </a:solidFill>
+                <a:latin typeface="Calibri"/>
+                <a:ea typeface="Calibri"/>
+                <a:cs typeface="Calibri"/>
+                <a:sym typeface="Calibri"/>
+              </a:rPr>
+              <a:t>Data Science Process + Algorithms | How Do We Solve the Time Dependency Problem?</a:t>
+            </a:r>
+            <a:r>
+              <a:rPr lang="en-US" altLang="ko-KR" sz="800">
+                <a:solidFill>
+                  <a:schemeClr val="tx2">
+                    <a:lumMod val="10000"/>
+                  </a:schemeClr>
+                </a:solidFill>
+                <a:latin typeface="Calibri"/>
+                <a:ea typeface="Calibri"/>
+                <a:cs typeface="Calibri"/>
+                <a:sym typeface="Calibri"/>
+              </a:rPr>
+              <a:t>” </a:t>
+            </a:r>
+            <a:r>
+              <a:rPr lang="ko-KR" altLang="en-US" sz="800">
+                <a:solidFill>
+                  <a:schemeClr val="tx2">
+                    <a:lumMod val="10000"/>
+                  </a:schemeClr>
+                </a:solidFill>
+                <a:latin typeface="Calibri"/>
+                <a:ea typeface="Calibri"/>
+                <a:cs typeface="Calibri"/>
+                <a:sym typeface="Calibri"/>
+              </a:rPr>
+              <a:t>수강 후 학습해야 끝까지 달리기 용이함</a:t>
+            </a:r>
+            <a:endParaRPr lang="en-US" altLang="ko-KR" sz="500">
+              <a:solidFill>
+                <a:schemeClr val="tx2">
+                  <a:lumMod val="10000"/>
+                </a:schemeClr>
+              </a:solidFill>
+              <a:latin typeface="Calibri"/>
+              <a:ea typeface="Calibri"/>
+              <a:cs typeface="Calibri"/>
+              <a:sym typeface="Calibri"/>
+            </a:endParaRPr>
+          </a:p>
+        </p:txBody>
+      </p:sp>
+      <p:sp>
+        <p:nvSpPr>
+          <p:cNvPr id="576" name="Google Shape;576;p41">
+            <a:extLst>
+              <a:ext uri="{FF2B5EF4-FFF2-40B4-BE49-F238E27FC236}">
+                <a16:creationId xmlns:a16="http://schemas.microsoft.com/office/drawing/2014/main" id="{6CD80869-4EB3-CBB6-CE4A-1872A3DA1027}"/>
+              </a:ext>
+            </a:extLst>
+          </p:cNvPr>
+          <p:cNvSpPr txBox="1"/>
+          <p:nvPr/>
+        </p:nvSpPr>
+        <p:spPr>
+          <a:xfrm>
+            <a:off x="112295" y="101025"/>
+            <a:ext cx="8919300" cy="461700"/>
+          </a:xfrm>
+          <a:prstGeom prst="rect">
+            <a:avLst/>
+          </a:prstGeom>
+          <a:noFill/>
+          <a:ln>
+            <a:noFill/>
+          </a:ln>
+        </p:spPr>
+        <p:txBody>
+          <a:bodyPr spcFirstLastPara="1" wrap="square" lIns="91425" tIns="45700" rIns="91425" bIns="45700" anchor="t" anchorCtr="0">
+            <a:noAutofit/>
+          </a:bodyPr>
+          <a:lstStyle/>
+          <a:p>
+            <a:pPr marL="0" marR="0" lvl="0" indent="0" algn="l" rtl="0">
+              <a:lnSpc>
+                <a:spcPct val="100000"/>
+              </a:lnSpc>
+              <a:spcBef>
+                <a:spcPts val="0"/>
+              </a:spcBef>
+              <a:spcAft>
+                <a:spcPts val="0"/>
+              </a:spcAft>
+              <a:buNone/>
+            </a:pPr>
+            <a:r>
+              <a:rPr lang="en-US" sz="2400" b="1" i="0" u="none" strike="noStrike" cap="none">
+                <a:solidFill>
+                  <a:schemeClr val="lt1"/>
+                </a:solidFill>
+                <a:latin typeface="Calibri"/>
+                <a:ea typeface="Calibri"/>
+                <a:cs typeface="Calibri"/>
+                <a:sym typeface="Calibri"/>
+              </a:rPr>
+              <a:t>Introduction of DIVE Research Group</a:t>
+            </a:r>
+            <a:endParaRPr/>
+          </a:p>
+        </p:txBody>
+      </p:sp>
+      <p:sp>
+        <p:nvSpPr>
+          <p:cNvPr id="579" name="Google Shape;579;p41">
+            <a:extLst>
+              <a:ext uri="{FF2B5EF4-FFF2-40B4-BE49-F238E27FC236}">
+                <a16:creationId xmlns:a16="http://schemas.microsoft.com/office/drawing/2014/main" id="{01321049-A43E-D94D-0075-20EFCB5C896D}"/>
+              </a:ext>
+            </a:extLst>
+          </p:cNvPr>
+          <p:cNvSpPr txBox="1"/>
+          <p:nvPr/>
+        </p:nvSpPr>
+        <p:spPr>
+          <a:xfrm>
+            <a:off x="1507587" y="645940"/>
+            <a:ext cx="6128825" cy="892512"/>
+          </a:xfrm>
+          <a:prstGeom prst="rect">
+            <a:avLst/>
+          </a:prstGeom>
+          <a:noFill/>
+          <a:ln>
+            <a:noFill/>
+          </a:ln>
+        </p:spPr>
+        <p:txBody>
+          <a:bodyPr spcFirstLastPara="1" wrap="square" lIns="91425" tIns="45700" rIns="91425" bIns="45700" anchor="t" anchorCtr="0">
+            <a:spAutoFit/>
+          </a:bodyPr>
+          <a:lstStyle/>
+          <a:p>
+            <a:pPr algn="ctr"/>
+            <a:r>
+              <a:rPr lang="en-US" altLang="ko-KR" sz="3200" b="1">
+                <a:solidFill>
+                  <a:srgbClr val="C00000"/>
+                </a:solidFill>
+                <a:latin typeface="Calibri"/>
+                <a:ea typeface="Calibri"/>
+                <a:cs typeface="Calibri"/>
+                <a:sym typeface="Calibri"/>
+              </a:rPr>
+              <a:t>DIVE</a:t>
+            </a:r>
+            <a:r>
+              <a:rPr lang="en-US" altLang="ko-KR" sz="3200" b="1">
+                <a:solidFill>
+                  <a:srgbClr val="002060"/>
+                </a:solidFill>
+                <a:latin typeface="Calibri"/>
+                <a:ea typeface="Calibri"/>
+                <a:cs typeface="Calibri"/>
+                <a:sym typeface="Calibri"/>
+              </a:rPr>
+              <a:t> Group &gt; Study Diving</a:t>
+            </a:r>
+          </a:p>
+          <a:p>
+            <a:pPr algn="ctr"/>
+            <a:r>
+              <a:rPr lang="en-US" altLang="ko-KR" sz="2000" b="1" u="sng">
+                <a:solidFill>
+                  <a:srgbClr val="FF0000"/>
+                </a:solidFill>
+                <a:latin typeface="Calibri"/>
+                <a:ea typeface="Calibri"/>
+                <a:cs typeface="Calibri"/>
+                <a:sym typeface="Calibri"/>
+              </a:rPr>
+              <a:t>(ADVANCED)</a:t>
+            </a:r>
+            <a:endParaRPr lang="en-US" altLang="ko-KR" b="1" u="sng">
+              <a:solidFill>
+                <a:srgbClr val="FF0000"/>
+              </a:solidFill>
+              <a:latin typeface="Calibri"/>
+              <a:ea typeface="Calibri"/>
+              <a:cs typeface="Calibri"/>
+              <a:sym typeface="Calibri"/>
+            </a:endParaRPr>
+          </a:p>
+        </p:txBody>
+      </p:sp>
+      <p:sp>
+        <p:nvSpPr>
+          <p:cNvPr id="580" name="Google Shape;580;p41">
+            <a:extLst>
+              <a:ext uri="{FF2B5EF4-FFF2-40B4-BE49-F238E27FC236}">
+                <a16:creationId xmlns:a16="http://schemas.microsoft.com/office/drawing/2014/main" id="{B45AC09A-47DF-ABF1-B692-57A3C81248EE}"/>
+              </a:ext>
+            </a:extLst>
+          </p:cNvPr>
+          <p:cNvSpPr/>
+          <p:nvPr/>
+        </p:nvSpPr>
+        <p:spPr>
+          <a:xfrm>
+            <a:off x="370981" y="1971883"/>
+            <a:ext cx="4117491" cy="4055244"/>
+          </a:xfrm>
+          <a:prstGeom prst="rect">
+            <a:avLst/>
+          </a:prstGeom>
+          <a:noFill/>
+          <a:ln w="9525" cap="flat" cmpd="sng">
+            <a:solidFill>
+              <a:srgbClr val="023A79"/>
+            </a:solidFill>
+            <a:prstDash val="solid"/>
+            <a:round/>
+            <a:headEnd type="none" w="sm" len="sm"/>
+            <a:tailEnd type="none" w="sm" len="sm"/>
+          </a:ln>
+        </p:spPr>
+        <p:txBody>
+          <a:bodyPr spcFirstLastPara="1" wrap="square" lIns="68575" tIns="34275" rIns="68575" bIns="34275" anchor="t" anchorCtr="0">
+            <a:noAutofit/>
+          </a:bodyPr>
+          <a:lstStyle/>
+          <a:p>
+            <a:pPr marL="0" marR="0" lvl="0" indent="0" algn="l" rtl="0">
+              <a:lnSpc>
+                <a:spcPct val="100000"/>
+              </a:lnSpc>
+              <a:spcBef>
+                <a:spcPts val="0"/>
+              </a:spcBef>
+              <a:spcAft>
+                <a:spcPts val="0"/>
+              </a:spcAft>
+              <a:buNone/>
+            </a:pPr>
+            <a:endParaRPr sz="1200" b="0" i="0" u="none" strike="noStrike" cap="none">
+              <a:solidFill>
+                <a:srgbClr val="000000"/>
+              </a:solidFill>
+              <a:latin typeface="Calibri"/>
+              <a:ea typeface="Calibri"/>
+              <a:cs typeface="Calibri"/>
+              <a:sym typeface="Calibri"/>
+            </a:endParaRPr>
+          </a:p>
+        </p:txBody>
+      </p:sp>
+      <p:sp>
+        <p:nvSpPr>
+          <p:cNvPr id="581" name="Google Shape;581;p41">
+            <a:extLst>
+              <a:ext uri="{FF2B5EF4-FFF2-40B4-BE49-F238E27FC236}">
+                <a16:creationId xmlns:a16="http://schemas.microsoft.com/office/drawing/2014/main" id="{2ABE44CB-7466-4322-ED02-C13E281BEFDA}"/>
+              </a:ext>
+            </a:extLst>
+          </p:cNvPr>
+          <p:cNvSpPr/>
+          <p:nvPr/>
+        </p:nvSpPr>
+        <p:spPr>
+          <a:xfrm>
+            <a:off x="370981" y="1820232"/>
+            <a:ext cx="4117491" cy="461701"/>
+          </a:xfrm>
+          <a:prstGeom prst="roundRect">
+            <a:avLst>
+              <a:gd name="adj" fmla="val 0"/>
+            </a:avLst>
+          </a:prstGeom>
+          <a:solidFill>
+            <a:srgbClr val="002060"/>
+          </a:solidFill>
+          <a:ln w="9525" cap="flat" cmpd="sng">
+            <a:solidFill>
+              <a:srgbClr val="7F7F7F"/>
+            </a:solidFill>
+            <a:prstDash val="solid"/>
+            <a:round/>
+            <a:headEnd type="none" w="sm" len="sm"/>
+            <a:tailEnd type="none" w="sm" len="sm"/>
+          </a:ln>
+        </p:spPr>
+        <p:txBody>
+          <a:bodyPr spcFirstLastPara="1" wrap="square" lIns="91425" tIns="45700" rIns="91425" bIns="45700" anchor="ctr" anchorCtr="0">
+            <a:noAutofit/>
+          </a:bodyPr>
+          <a:lstStyle/>
+          <a:p>
+            <a:pPr lvl="0" algn="ctr"/>
+            <a:r>
+              <a:rPr lang="en-US" altLang="ko-KR" b="1">
+                <a:solidFill>
+                  <a:srgbClr val="FFFFFF"/>
+                </a:solidFill>
+                <a:latin typeface="Calibri"/>
+                <a:ea typeface="Calibri"/>
+                <a:cs typeface="Calibri"/>
+                <a:sym typeface="Calibri"/>
+              </a:rPr>
+              <a:t>Data Science Process + Algorithms | How Do We Solve the Time Dependency Problem?</a:t>
+            </a:r>
+            <a:endParaRPr lang="en-US" altLang="ko-KR" sz="1200"/>
+          </a:p>
+        </p:txBody>
+      </p:sp>
+      <p:sp>
+        <p:nvSpPr>
+          <p:cNvPr id="599" name="Google Shape;599;p41">
+            <a:extLst>
+              <a:ext uri="{FF2B5EF4-FFF2-40B4-BE49-F238E27FC236}">
+                <a16:creationId xmlns:a16="http://schemas.microsoft.com/office/drawing/2014/main" id="{6567846B-EE6A-266C-C06E-60901E18F28E}"/>
+              </a:ext>
+            </a:extLst>
+          </p:cNvPr>
+          <p:cNvSpPr/>
+          <p:nvPr/>
+        </p:nvSpPr>
+        <p:spPr>
+          <a:xfrm>
+            <a:off x="4655530" y="1971886"/>
+            <a:ext cx="4125217" cy="4055241"/>
+          </a:xfrm>
+          <a:prstGeom prst="rect">
+            <a:avLst/>
+          </a:prstGeom>
+          <a:noFill/>
+          <a:ln w="9525" cap="flat" cmpd="sng">
+            <a:solidFill>
+              <a:srgbClr val="023A79"/>
+            </a:solidFill>
+            <a:prstDash val="solid"/>
+            <a:round/>
+            <a:headEnd type="none" w="sm" len="sm"/>
+            <a:tailEnd type="none" w="sm" len="sm"/>
+          </a:ln>
+        </p:spPr>
+        <p:txBody>
+          <a:bodyPr spcFirstLastPara="1" wrap="square" lIns="68575" tIns="34275" rIns="68575" bIns="34275" anchor="t" anchorCtr="0">
+            <a:noAutofit/>
+          </a:bodyPr>
+          <a:lstStyle/>
+          <a:p>
+            <a:pPr marL="0" marR="0" lvl="0" indent="0" algn="l" rtl="0">
+              <a:lnSpc>
+                <a:spcPct val="100000"/>
+              </a:lnSpc>
+              <a:spcBef>
+                <a:spcPts val="0"/>
+              </a:spcBef>
+              <a:spcAft>
+                <a:spcPts val="0"/>
+              </a:spcAft>
+              <a:buNone/>
+            </a:pPr>
+            <a:endParaRPr sz="1200" b="0" i="0" u="none" strike="noStrike" cap="none">
+              <a:solidFill>
+                <a:srgbClr val="000000"/>
+              </a:solidFill>
+              <a:latin typeface="Calibri"/>
+              <a:ea typeface="Calibri"/>
+              <a:cs typeface="Calibri"/>
+              <a:sym typeface="Calibri"/>
+            </a:endParaRPr>
+          </a:p>
+        </p:txBody>
+      </p:sp>
+      <p:sp>
+        <p:nvSpPr>
+          <p:cNvPr id="601" name="Google Shape;601;p41">
+            <a:extLst>
+              <a:ext uri="{FF2B5EF4-FFF2-40B4-BE49-F238E27FC236}">
+                <a16:creationId xmlns:a16="http://schemas.microsoft.com/office/drawing/2014/main" id="{C80324B1-0C31-2F23-02C5-3C477093C7B5}"/>
+              </a:ext>
+            </a:extLst>
+          </p:cNvPr>
+          <p:cNvSpPr/>
+          <p:nvPr/>
+        </p:nvSpPr>
+        <p:spPr>
+          <a:xfrm>
+            <a:off x="4655530" y="1820232"/>
+            <a:ext cx="4125217" cy="461701"/>
+          </a:xfrm>
+          <a:prstGeom prst="roundRect">
+            <a:avLst>
+              <a:gd name="adj" fmla="val 0"/>
+            </a:avLst>
+          </a:prstGeom>
+          <a:solidFill>
+            <a:srgbClr val="002060"/>
+          </a:solidFill>
+          <a:ln w="9525" cap="flat" cmpd="sng">
+            <a:solidFill>
+              <a:srgbClr val="7F7F7F"/>
+            </a:solidFill>
+            <a:prstDash val="solid"/>
+            <a:round/>
+            <a:headEnd type="none" w="sm" len="sm"/>
+            <a:tailEnd type="none" w="sm" len="sm"/>
+          </a:ln>
+        </p:spPr>
+        <p:txBody>
+          <a:bodyPr spcFirstLastPara="1" wrap="square" lIns="91425" tIns="45700" rIns="91425" bIns="45700" anchor="ctr" anchorCtr="0">
+            <a:noAutofit/>
+          </a:bodyPr>
+          <a:lstStyle/>
+          <a:p>
+            <a:pPr lvl="0" algn="ctr"/>
+            <a:r>
+              <a:rPr lang="en-US" altLang="ko-KR" b="1">
+                <a:solidFill>
+                  <a:srgbClr val="FFFFFF"/>
+                </a:solidFill>
+                <a:latin typeface="Calibri"/>
+                <a:ea typeface="Calibri"/>
+                <a:cs typeface="Calibri"/>
+                <a:sym typeface="Calibri"/>
+              </a:rPr>
+              <a:t>Data Science Algorithms | What are Deep Learning Algorithms for AI Engines?</a:t>
+            </a:r>
+            <a:endParaRPr lang="en-US" altLang="ko-KR" sz="1200"/>
+          </a:p>
+        </p:txBody>
+      </p:sp>
+      <p:sp>
+        <p:nvSpPr>
+          <p:cNvPr id="2" name="슬라이드 번호 개체 틀 1">
+            <a:extLst>
+              <a:ext uri="{FF2B5EF4-FFF2-40B4-BE49-F238E27FC236}">
+                <a16:creationId xmlns:a16="http://schemas.microsoft.com/office/drawing/2014/main" id="{3E36C33B-3D13-9517-6345-233CC2B24C52}"/>
+              </a:ext>
+            </a:extLst>
+          </p:cNvPr>
+          <p:cNvSpPr>
+            <a:spLocks noGrp="1"/>
+          </p:cNvSpPr>
+          <p:nvPr>
+            <p:ph type="sldNum" sz="quarter" idx="4"/>
+          </p:nvPr>
+        </p:nvSpPr>
+        <p:spPr/>
+        <p:txBody>
+          <a:bodyPr/>
+          <a:lstStyle/>
+          <a:p>
+            <a:fld id="{CDF9F5A3-DAD3-49E7-B926-6F61E4EB127E}" type="slidenum">
+              <a:rPr lang="ko-KR" altLang="en-US" smtClean="0"/>
+              <a:pPr/>
+              <a:t>3</a:t>
+            </a:fld>
+            <a:r>
+              <a:rPr lang="ko-KR" altLang="en-US"/>
+              <a:t> </a:t>
+            </a:r>
+            <a:r>
+              <a:rPr lang="en-US" altLang="ko-KR"/>
+              <a:t>/ 37</a:t>
+            </a:r>
+            <a:endParaRPr lang="ko-KR" altLang="en-US" dirty="0"/>
+          </a:p>
+        </p:txBody>
+      </p:sp>
+      <p:sp>
+        <p:nvSpPr>
+          <p:cNvPr id="3" name="Google Shape;721;p43">
+            <a:extLst>
+              <a:ext uri="{FF2B5EF4-FFF2-40B4-BE49-F238E27FC236}">
+                <a16:creationId xmlns:a16="http://schemas.microsoft.com/office/drawing/2014/main" id="{651C8841-E303-7C44-038F-92F15589885C}"/>
+              </a:ext>
+            </a:extLst>
+          </p:cNvPr>
+          <p:cNvSpPr txBox="1"/>
+          <p:nvPr/>
+        </p:nvSpPr>
+        <p:spPr>
+          <a:xfrm>
+            <a:off x="370982" y="2300797"/>
+            <a:ext cx="4117490" cy="2095918"/>
+          </a:xfrm>
+          <a:prstGeom prst="rect">
+            <a:avLst/>
+          </a:prstGeom>
+          <a:noFill/>
+          <a:ln>
+            <a:noFill/>
+          </a:ln>
+        </p:spPr>
+        <p:txBody>
+          <a:bodyPr spcFirstLastPara="1" wrap="square" lIns="91425" tIns="45700" rIns="91425" bIns="45700" anchor="t" anchorCtr="0">
+            <a:spAutoFit/>
+          </a:bodyPr>
+          <a:lstStyle/>
+          <a:p>
+            <a:pPr marL="92075" lvl="0" indent="-92075">
+              <a:lnSpc>
+                <a:spcPct val="120000"/>
+              </a:lnSpc>
+              <a:buSzPts val="1400"/>
+              <a:buFont typeface="Noto Sans Symbols"/>
+              <a:buChar char="▪"/>
+            </a:pPr>
+            <a:r>
+              <a:rPr lang="ko-KR" altLang="en-US" sz="1050" b="1">
+                <a:solidFill>
+                  <a:schemeClr val="dk1"/>
+                </a:solidFill>
+                <a:latin typeface="Calibri"/>
+                <a:ea typeface="Calibri"/>
+                <a:cs typeface="Calibri"/>
+                <a:sym typeface="Calibri"/>
+              </a:rPr>
+              <a:t>목표</a:t>
+            </a:r>
+            <a:r>
+              <a:rPr lang="en-US" altLang="ko-KR" sz="1050" b="1">
+                <a:solidFill>
+                  <a:schemeClr val="dk1"/>
+                </a:solidFill>
+                <a:latin typeface="Calibri"/>
+                <a:ea typeface="Calibri"/>
+                <a:cs typeface="Calibri"/>
+                <a:sym typeface="Calibri"/>
+              </a:rPr>
+              <a:t>:</a:t>
+            </a:r>
+            <a:r>
+              <a:rPr lang="en-US" altLang="ko-KR" sz="1050">
+                <a:solidFill>
+                  <a:schemeClr val="dk1"/>
+                </a:solidFill>
+                <a:latin typeface="Calibri"/>
+                <a:ea typeface="Calibri"/>
+                <a:cs typeface="Calibri"/>
+                <a:sym typeface="Calibri"/>
+              </a:rPr>
+              <a:t> </a:t>
+            </a:r>
+            <a:r>
+              <a:rPr lang="ko-KR" altLang="en-US" sz="1050">
+                <a:solidFill>
+                  <a:schemeClr val="dk1"/>
+                </a:solidFill>
+                <a:latin typeface="Calibri"/>
+                <a:ea typeface="Calibri"/>
+                <a:cs typeface="Calibri"/>
+                <a:sym typeface="Calibri"/>
+              </a:rPr>
+              <a:t>시간의존 문제 해결을 위한 데이터분석 프로세스 단계 완성</a:t>
+            </a:r>
+            <a:endParaRPr lang="en-US" altLang="ko-KR" sz="1050">
+              <a:solidFill>
+                <a:schemeClr val="dk1"/>
+              </a:solidFill>
+              <a:latin typeface="Calibri"/>
+              <a:ea typeface="Calibri"/>
+              <a:cs typeface="Calibri"/>
+              <a:sym typeface="Calibri"/>
+            </a:endParaRPr>
+          </a:p>
+          <a:p>
+            <a:pPr marL="92075" lvl="0" indent="-92075">
+              <a:lnSpc>
+                <a:spcPct val="120000"/>
+              </a:lnSpc>
+              <a:buSzPts val="1400"/>
+              <a:buFont typeface="Noto Sans Symbols"/>
+              <a:buChar char="▪"/>
+            </a:pPr>
+            <a:endParaRPr lang="en-US" altLang="ko-KR" sz="1050">
+              <a:solidFill>
+                <a:schemeClr val="dk1"/>
+              </a:solidFill>
+              <a:latin typeface="Calibri"/>
+              <a:ea typeface="Calibri"/>
+              <a:cs typeface="Calibri"/>
+              <a:sym typeface="Calibri"/>
+            </a:endParaRPr>
+          </a:p>
+          <a:p>
+            <a:pPr marL="92075" lvl="0" indent="-92075">
+              <a:lnSpc>
+                <a:spcPct val="120000"/>
+              </a:lnSpc>
+              <a:buSzPts val="1400"/>
+              <a:buFont typeface="Noto Sans Symbols"/>
+              <a:buChar char="▪"/>
+            </a:pPr>
+            <a:r>
+              <a:rPr lang="ko-KR" altLang="en-US" sz="1050" b="1">
+                <a:solidFill>
+                  <a:schemeClr val="dk1"/>
+                </a:solidFill>
+                <a:latin typeface="Calibri"/>
+                <a:ea typeface="Calibri"/>
+                <a:cs typeface="Calibri"/>
+                <a:sym typeface="Calibri"/>
+              </a:rPr>
+              <a:t>강의자료</a:t>
+            </a:r>
+            <a:r>
+              <a:rPr lang="en-US" altLang="ko-KR" sz="1050" b="1">
+                <a:solidFill>
+                  <a:schemeClr val="dk1"/>
+                </a:solidFill>
+                <a:latin typeface="Calibri"/>
+                <a:ea typeface="Calibri"/>
+                <a:cs typeface="Calibri"/>
+                <a:sym typeface="Calibri"/>
+              </a:rPr>
+              <a:t>:</a:t>
+            </a:r>
+          </a:p>
+          <a:p>
+            <a:pPr marL="171450" lvl="0" indent="-171450">
+              <a:lnSpc>
+                <a:spcPct val="120000"/>
+              </a:lnSpc>
+              <a:buSzPts val="1400"/>
+              <a:buFontTx/>
+              <a:buChar char="-"/>
+            </a:pPr>
+            <a:r>
+              <a:rPr lang="en-US" altLang="ko-KR" sz="800">
+                <a:solidFill>
+                  <a:schemeClr val="dk1"/>
+                </a:solidFill>
+                <a:latin typeface="Calibri"/>
+                <a:ea typeface="Calibri"/>
+                <a:cs typeface="Calibri"/>
+                <a:sym typeface="Calibri"/>
+                <a:hlinkClick r:id="rId5"/>
+              </a:rPr>
+              <a:t>https://github.com/thekimk/All-About-Machine-Learning</a:t>
+            </a:r>
+            <a:endParaRPr lang="en-US" altLang="ko-KR" sz="800">
+              <a:solidFill>
+                <a:schemeClr val="dk1"/>
+              </a:solidFill>
+              <a:latin typeface="Calibri"/>
+              <a:ea typeface="Calibri"/>
+              <a:cs typeface="Calibri"/>
+              <a:sym typeface="Calibri"/>
+            </a:endParaRPr>
+          </a:p>
+          <a:p>
+            <a:pPr lvl="0">
+              <a:lnSpc>
+                <a:spcPct val="120000"/>
+              </a:lnSpc>
+              <a:buSzPts val="1400"/>
+            </a:pPr>
+            <a:endParaRPr lang="en-US" altLang="ko-KR" sz="800">
+              <a:solidFill>
+                <a:schemeClr val="dk1"/>
+              </a:solidFill>
+              <a:latin typeface="Calibri"/>
+              <a:ea typeface="Calibri"/>
+              <a:cs typeface="Calibri"/>
+              <a:sym typeface="Calibri"/>
+            </a:endParaRPr>
+          </a:p>
+          <a:p>
+            <a:pPr marL="92075" lvl="0" indent="-92075">
+              <a:lnSpc>
+                <a:spcPct val="120000"/>
+              </a:lnSpc>
+              <a:buSzPts val="1400"/>
+              <a:buFont typeface="Noto Sans Symbols"/>
+              <a:buChar char="▪"/>
+            </a:pPr>
+            <a:r>
+              <a:rPr lang="ko-KR" altLang="en-US" sz="1050" b="1">
+                <a:solidFill>
+                  <a:schemeClr val="dk1"/>
+                </a:solidFill>
+                <a:latin typeface="Calibri"/>
+                <a:ea typeface="Calibri"/>
+                <a:cs typeface="Calibri"/>
+                <a:sym typeface="Calibri"/>
+              </a:rPr>
+              <a:t>영상</a:t>
+            </a:r>
+            <a:r>
+              <a:rPr lang="en-US" altLang="ko-KR" sz="1050" b="1">
+                <a:solidFill>
+                  <a:schemeClr val="dk1"/>
+                </a:solidFill>
+                <a:latin typeface="Calibri"/>
+                <a:ea typeface="Calibri"/>
+                <a:cs typeface="Calibri"/>
+                <a:sym typeface="Calibri"/>
+              </a:rPr>
+              <a:t>:</a:t>
+            </a:r>
+          </a:p>
+          <a:p>
+            <a:pPr marL="171450" lvl="0" indent="-171450">
+              <a:lnSpc>
+                <a:spcPct val="120000"/>
+              </a:lnSpc>
+              <a:buSzPts val="1400"/>
+              <a:buFontTx/>
+              <a:buChar char="-"/>
+            </a:pPr>
+            <a:r>
+              <a:rPr lang="en-US" altLang="ko-KR" sz="800">
+                <a:solidFill>
+                  <a:schemeClr val="dk1"/>
+                </a:solidFill>
+                <a:latin typeface="Calibri"/>
+                <a:ea typeface="Calibri"/>
+                <a:cs typeface="Calibri"/>
+                <a:sym typeface="Calibri"/>
+                <a:hlinkClick r:id="rId6"/>
+              </a:rPr>
+              <a:t>https://www.youtube.com/playlist?list=PLYP0LH6y1TM50-9XqZfI2bbIOXCxYLauH</a:t>
+            </a:r>
+            <a:endParaRPr lang="en-US" altLang="ko-KR" sz="800">
+              <a:solidFill>
+                <a:schemeClr val="dk1"/>
+              </a:solidFill>
+              <a:latin typeface="Calibri"/>
+              <a:ea typeface="Calibri"/>
+              <a:cs typeface="Calibri"/>
+              <a:sym typeface="Calibri"/>
+            </a:endParaRPr>
+          </a:p>
+          <a:p>
+            <a:pPr marL="171450" lvl="0" indent="-171450">
+              <a:lnSpc>
+                <a:spcPct val="120000"/>
+              </a:lnSpc>
+              <a:buSzPts val="1400"/>
+              <a:buFontTx/>
+              <a:buChar char="-"/>
+            </a:pPr>
+            <a:endParaRPr lang="en-US" altLang="ko-KR" sz="800">
+              <a:solidFill>
+                <a:schemeClr val="dk1"/>
+              </a:solidFill>
+              <a:latin typeface="Calibri"/>
+              <a:ea typeface="Calibri"/>
+              <a:cs typeface="Calibri"/>
+              <a:sym typeface="Calibri"/>
+            </a:endParaRPr>
+          </a:p>
+          <a:p>
+            <a:pPr marL="92075" lvl="0" indent="-92075">
+              <a:lnSpc>
+                <a:spcPct val="120000"/>
+              </a:lnSpc>
+              <a:buSzPts val="1400"/>
+              <a:buFont typeface="Noto Sans Symbols"/>
+              <a:buChar char="▪"/>
+            </a:pPr>
+            <a:r>
+              <a:rPr lang="ko-KR" altLang="en-US" sz="1050" b="1">
+                <a:solidFill>
+                  <a:schemeClr val="dk1"/>
+                </a:solidFill>
+                <a:latin typeface="Calibri"/>
+                <a:ea typeface="Calibri"/>
+                <a:cs typeface="Calibri"/>
+                <a:sym typeface="Calibri"/>
+              </a:rPr>
+              <a:t>학습방향</a:t>
+            </a:r>
+            <a:r>
+              <a:rPr lang="en-US" altLang="ko-KR" sz="1050" b="1">
+                <a:solidFill>
+                  <a:schemeClr val="dk1"/>
+                </a:solidFill>
+                <a:latin typeface="Calibri"/>
+                <a:ea typeface="Calibri"/>
+                <a:cs typeface="Calibri"/>
+                <a:sym typeface="Calibri"/>
+              </a:rPr>
+              <a:t>:</a:t>
+            </a:r>
+          </a:p>
+          <a:p>
+            <a:pPr marL="171450" lvl="0" indent="-171450">
+              <a:lnSpc>
+                <a:spcPct val="120000"/>
+              </a:lnSpc>
+              <a:buSzPts val="1400"/>
+              <a:buFontTx/>
+              <a:buChar char="-"/>
+            </a:pPr>
+            <a:r>
+              <a:rPr lang="ko-KR" altLang="en-US" sz="800">
+                <a:solidFill>
+                  <a:schemeClr val="dk1"/>
+                </a:solidFill>
+                <a:latin typeface="Calibri"/>
+                <a:ea typeface="Calibri"/>
+                <a:cs typeface="Calibri"/>
+                <a:sym typeface="Calibri"/>
+              </a:rPr>
+              <a:t>비즈니스수요예측 또는 시계열분석 등 수강시 미필요</a:t>
+            </a:r>
+            <a:endParaRPr lang="en-US" altLang="ko-KR" sz="800">
+              <a:solidFill>
+                <a:schemeClr val="dk1"/>
+              </a:solidFill>
+              <a:latin typeface="Calibri"/>
+              <a:ea typeface="Calibri"/>
+              <a:cs typeface="Calibri"/>
+              <a:sym typeface="Calibri"/>
+            </a:endParaRPr>
+          </a:p>
+          <a:p>
+            <a:pPr marL="171450" lvl="0" indent="-171450">
+              <a:lnSpc>
+                <a:spcPct val="120000"/>
+              </a:lnSpc>
+              <a:buSzPts val="1400"/>
+              <a:buFontTx/>
+              <a:buChar char="-"/>
+            </a:pPr>
+            <a:r>
+              <a:rPr lang="ko-KR" altLang="en-US" sz="800">
+                <a:solidFill>
+                  <a:schemeClr val="dk1"/>
+                </a:solidFill>
+                <a:latin typeface="Calibri"/>
+                <a:ea typeface="Calibri"/>
+                <a:cs typeface="Calibri"/>
+                <a:sym typeface="Calibri"/>
+              </a:rPr>
+              <a:t>시간의존 데이터처리를 위한 데이터분석 프로세스를 완성과 관련 알고리즘을 동시에 다루기 때문에 끝까지 달려 실습을 완성하지 못하면 시간데이터 다루지 못함</a:t>
+            </a:r>
+            <a:r>
+              <a:rPr lang="en-US" altLang="ko-KR" sz="800">
+                <a:solidFill>
+                  <a:schemeClr val="dk1"/>
+                </a:solidFill>
+                <a:latin typeface="Calibri"/>
+                <a:ea typeface="Calibri"/>
+                <a:cs typeface="Calibri"/>
+                <a:sym typeface="Calibri"/>
+              </a:rPr>
+              <a:t>~</a:t>
+            </a:r>
+            <a:endParaRPr lang="en-US" altLang="ko-KR" sz="500">
+              <a:solidFill>
+                <a:schemeClr val="dk1"/>
+              </a:solidFill>
+              <a:latin typeface="Calibri"/>
+              <a:ea typeface="Calibri"/>
+              <a:cs typeface="Calibri"/>
+              <a:sym typeface="Calibri"/>
+            </a:endParaRPr>
+          </a:p>
+        </p:txBody>
+      </p:sp>
+      <p:cxnSp>
+        <p:nvCxnSpPr>
+          <p:cNvPr id="19" name="연결선: 꺾임 18">
+            <a:extLst>
+              <a:ext uri="{FF2B5EF4-FFF2-40B4-BE49-F238E27FC236}">
+                <a16:creationId xmlns:a16="http://schemas.microsoft.com/office/drawing/2014/main" id="{BF16AF9E-B382-610C-40D2-F590972DD453}"/>
+              </a:ext>
+            </a:extLst>
+          </p:cNvPr>
+          <p:cNvCxnSpPr>
+            <a:cxnSpLocks/>
+            <a:stCxn id="579" idx="2"/>
+            <a:endCxn id="581" idx="0"/>
+          </p:cNvCxnSpPr>
+          <p:nvPr/>
+        </p:nvCxnSpPr>
+        <p:spPr>
+          <a:xfrm rot="5400000">
+            <a:off x="3359974" y="608206"/>
+            <a:ext cx="281780" cy="2142273"/>
+          </a:xfrm>
+          <a:prstGeom prst="bentConnector3">
+            <a:avLst/>
+          </a:prstGeom>
+          <a:ln>
+            <a:solidFill>
+              <a:srgbClr val="002060"/>
+            </a:solidFill>
+            <a:tailEnd type="triangle"/>
+          </a:ln>
+        </p:spPr>
+        <p:style>
+          <a:lnRef idx="1">
+            <a:schemeClr val="accent1"/>
+          </a:lnRef>
+          <a:fillRef idx="0">
+            <a:schemeClr val="accent1"/>
+          </a:fillRef>
+          <a:effectRef idx="0">
+            <a:schemeClr val="accent1"/>
+          </a:effectRef>
+          <a:fontRef idx="minor">
+            <a:schemeClr val="tx1"/>
+          </a:fontRef>
+        </p:style>
+      </p:cxnSp>
+      <p:cxnSp>
+        <p:nvCxnSpPr>
+          <p:cNvPr id="21" name="연결선: 꺾임 20">
+            <a:extLst>
+              <a:ext uri="{FF2B5EF4-FFF2-40B4-BE49-F238E27FC236}">
+                <a16:creationId xmlns:a16="http://schemas.microsoft.com/office/drawing/2014/main" id="{5D21C9B4-B3C0-9B59-CD98-DAE111E774E5}"/>
+              </a:ext>
+            </a:extLst>
+          </p:cNvPr>
+          <p:cNvCxnSpPr>
+            <a:cxnSpLocks/>
+            <a:stCxn id="579" idx="2"/>
+            <a:endCxn id="601" idx="0"/>
+          </p:cNvCxnSpPr>
+          <p:nvPr/>
+        </p:nvCxnSpPr>
+        <p:spPr>
+          <a:xfrm rot="16200000" flipH="1">
+            <a:off x="5504179" y="606272"/>
+            <a:ext cx="281780" cy="2146139"/>
+          </a:xfrm>
+          <a:prstGeom prst="bentConnector3">
+            <a:avLst>
+              <a:gd name="adj1" fmla="val 50000"/>
+            </a:avLst>
+          </a:prstGeom>
+          <a:ln>
+            <a:solidFill>
+              <a:srgbClr val="002060"/>
+            </a:solidFill>
+            <a:tailEnd type="triangle"/>
+          </a:ln>
+        </p:spPr>
+        <p:style>
+          <a:lnRef idx="1">
+            <a:schemeClr val="accent1"/>
+          </a:lnRef>
+          <a:fillRef idx="0">
+            <a:schemeClr val="accent1"/>
+          </a:fillRef>
+          <a:effectRef idx="0">
+            <a:schemeClr val="accent1"/>
+          </a:effectRef>
+          <a:fontRef idx="minor">
+            <a:schemeClr val="tx1"/>
+          </a:fontRef>
+        </p:style>
+      </p:cxnSp>
+    </p:spTree>
+    <p:extLst>
+      <p:ext uri="{BB962C8B-B14F-4D97-AF65-F5344CB8AC3E}">
+        <p14:creationId xmlns:p14="http://schemas.microsoft.com/office/powerpoint/2010/main" val="1723852078"/>
+      </p:ext>
+    </p:extLst>
+  </p:cSld>
+  <p:clrMapOvr>
+    <a:masterClrMapping/>
+  </p:clrMapOvr>
+</p:sld>
+</file>
+
+<file path=ppt/slides/slide5.xml><?xml version="1.0" encoding="utf-8"?>
+<p:sld xmlns:a="http://schemas.openxmlformats.org/drawingml/2006/main" xmlns:r="http://schemas.openxmlformats.org/officeDocument/2006/relationships" xmlns:p="http://schemas.openxmlformats.org/presentationml/2006/main">
+  <p:cSld>
+    <p:spTree>
+      <p:nvGrpSpPr>
+        <p:cNvPr id="1" name="Shape 575">
+          <a:extLst>
+            <a:ext uri="{FF2B5EF4-FFF2-40B4-BE49-F238E27FC236}">
+              <a16:creationId xmlns:a16="http://schemas.microsoft.com/office/drawing/2014/main" id="{4B86F084-A60B-D00A-83D3-13FF3105983C}"/>
+            </a:ext>
+          </a:extLst>
+        </p:cNvPr>
+        <p:cNvGrpSpPr/>
+        <p:nvPr/>
+      </p:nvGrpSpPr>
+      <p:grpSpPr>
+        <a:xfrm>
+          <a:off x="0" y="0"/>
+          <a:ext cx="0" cy="0"/>
+          <a:chOff x="0" y="0"/>
+          <a:chExt cx="0" cy="0"/>
+        </a:xfrm>
+      </p:grpSpPr>
+      <p:sp>
+        <p:nvSpPr>
+          <p:cNvPr id="7" name="Google Shape;721;p43">
+            <a:extLst>
+              <a:ext uri="{FF2B5EF4-FFF2-40B4-BE49-F238E27FC236}">
+                <a16:creationId xmlns:a16="http://schemas.microsoft.com/office/drawing/2014/main" id="{3324F300-B896-0689-4ED6-4CFC9A626B5F}"/>
+              </a:ext>
+            </a:extLst>
+          </p:cNvPr>
+          <p:cNvSpPr txBox="1"/>
+          <p:nvPr/>
+        </p:nvSpPr>
+        <p:spPr>
+          <a:xfrm>
+            <a:off x="4655529" y="2300797"/>
+            <a:ext cx="4125217" cy="2483716"/>
+          </a:xfrm>
+          <a:prstGeom prst="rect">
+            <a:avLst/>
+          </a:prstGeom>
+          <a:noFill/>
+          <a:ln>
+            <a:noFill/>
+          </a:ln>
+        </p:spPr>
+        <p:txBody>
+          <a:bodyPr spcFirstLastPara="1" wrap="square" lIns="91425" tIns="45700" rIns="91425" bIns="45700" anchor="t" anchorCtr="0">
+            <a:spAutoFit/>
+          </a:bodyPr>
+          <a:lstStyle/>
+          <a:p>
+            <a:pPr marL="92075" marR="0" lvl="0" indent="-92075" algn="l" rtl="0">
+              <a:lnSpc>
+                <a:spcPct val="120000"/>
+              </a:lnSpc>
+              <a:spcBef>
+                <a:spcPts val="0"/>
+              </a:spcBef>
+              <a:spcAft>
+                <a:spcPts val="0"/>
+              </a:spcAft>
+              <a:buClr>
+                <a:srgbClr val="000000"/>
+              </a:buClr>
+              <a:buSzPts val="1400"/>
+              <a:buFont typeface="Noto Sans Symbols"/>
+              <a:buChar char="▪"/>
+            </a:pPr>
+            <a:r>
+              <a:rPr lang="ko-KR" altLang="en-US" sz="1050" b="1">
+                <a:solidFill>
+                  <a:schemeClr val="dk1"/>
+                </a:solidFill>
+                <a:latin typeface="Calibri"/>
+                <a:ea typeface="Calibri"/>
+                <a:cs typeface="Calibri"/>
+                <a:sym typeface="Calibri"/>
+              </a:rPr>
+              <a:t>비즈니스 애널리틱스</a:t>
+            </a:r>
+            <a:r>
+              <a:rPr lang="en-US" altLang="ko-KR" sz="1050" b="1">
+                <a:solidFill>
+                  <a:schemeClr val="dk1"/>
+                </a:solidFill>
+                <a:latin typeface="Calibri"/>
+                <a:ea typeface="Calibri"/>
+                <a:cs typeface="Calibri"/>
+                <a:sym typeface="Calibri"/>
+              </a:rPr>
+              <a:t>2: </a:t>
+            </a:r>
+            <a:r>
+              <a:rPr lang="ko-KR" altLang="en-US" sz="1050">
+                <a:solidFill>
+                  <a:schemeClr val="dk1"/>
+                </a:solidFill>
+                <a:latin typeface="Calibri"/>
+                <a:ea typeface="Calibri"/>
+                <a:cs typeface="Calibri"/>
+                <a:sym typeface="Calibri"/>
+              </a:rPr>
+              <a:t>비즈니스 수요를 정확하게 예측해볼까</a:t>
+            </a:r>
+            <a:r>
+              <a:rPr lang="en-US" altLang="ko-KR" sz="1050">
+                <a:solidFill>
+                  <a:schemeClr val="dk1"/>
+                </a:solidFill>
+                <a:latin typeface="Calibri"/>
+                <a:ea typeface="Calibri"/>
+                <a:cs typeface="Calibri"/>
+                <a:sym typeface="Calibri"/>
+              </a:rPr>
+              <a:t>? </a:t>
+            </a:r>
+            <a:r>
+              <a:rPr lang="ko-KR" altLang="en-US" sz="1050">
+                <a:solidFill>
+                  <a:schemeClr val="dk1"/>
+                </a:solidFill>
+                <a:latin typeface="Calibri"/>
+                <a:ea typeface="Calibri"/>
+                <a:cs typeface="Calibri"/>
+                <a:sym typeface="Calibri"/>
+              </a:rPr>
+              <a:t>시계열 및 텍스트 형태로 구성된 경제지표와 뉴스데이터 융합을 통한 미래예측</a:t>
+            </a:r>
+            <a:endParaRPr lang="en-US" altLang="ko-KR" sz="1050">
+              <a:solidFill>
+                <a:schemeClr val="dk1"/>
+              </a:solidFill>
+              <a:latin typeface="Calibri"/>
+              <a:ea typeface="Calibri"/>
+              <a:cs typeface="Calibri"/>
+              <a:sym typeface="Calibri"/>
+            </a:endParaRPr>
+          </a:p>
+          <a:p>
+            <a:pPr marL="92075" marR="0" lvl="0" indent="-92075" algn="l" rtl="0">
+              <a:lnSpc>
+                <a:spcPct val="120000"/>
+              </a:lnSpc>
+              <a:spcBef>
+                <a:spcPts val="0"/>
+              </a:spcBef>
+              <a:spcAft>
+                <a:spcPts val="0"/>
+              </a:spcAft>
+              <a:buClr>
+                <a:srgbClr val="000000"/>
+              </a:buClr>
+              <a:buSzPts val="1400"/>
+              <a:buFont typeface="Noto Sans Symbols"/>
+              <a:buChar char="▪"/>
+            </a:pPr>
+            <a:r>
+              <a:rPr lang="ko-KR" altLang="en-US" sz="1050" b="1">
+                <a:solidFill>
+                  <a:schemeClr val="dk1"/>
+                </a:solidFill>
+                <a:latin typeface="Calibri"/>
+                <a:ea typeface="Calibri"/>
+                <a:cs typeface="Calibri"/>
+                <a:sym typeface="Calibri"/>
+              </a:rPr>
+              <a:t>목표</a:t>
+            </a:r>
+            <a:r>
+              <a:rPr lang="en-US" altLang="ko-KR" sz="1050" b="1">
+                <a:solidFill>
+                  <a:schemeClr val="dk1"/>
+                </a:solidFill>
+                <a:latin typeface="Calibri"/>
+                <a:ea typeface="Calibri"/>
+                <a:cs typeface="Calibri"/>
+                <a:sym typeface="Calibri"/>
+              </a:rPr>
+              <a:t>1: </a:t>
+            </a:r>
+            <a:r>
+              <a:rPr lang="ko-KR" altLang="en-US" sz="1050" b="1">
+                <a:solidFill>
+                  <a:schemeClr val="dk1"/>
+                </a:solidFill>
+                <a:latin typeface="Calibri"/>
+                <a:ea typeface="Calibri"/>
+                <a:cs typeface="Calibri"/>
+                <a:sym typeface="Calibri"/>
+              </a:rPr>
+              <a:t>데이터결합 </a:t>
+            </a:r>
+            <a:r>
+              <a:rPr lang="en-US" altLang="ko-KR" sz="1050" b="1">
+                <a:solidFill>
+                  <a:schemeClr val="dk1"/>
+                </a:solidFill>
+                <a:latin typeface="Calibri"/>
+                <a:ea typeface="Calibri"/>
+                <a:cs typeface="Calibri"/>
+                <a:sym typeface="Calibri"/>
+              </a:rPr>
+              <a:t>+ </a:t>
+            </a:r>
+            <a:r>
+              <a:rPr lang="ko-KR" altLang="en-US" sz="1050" b="1">
+                <a:solidFill>
+                  <a:schemeClr val="dk1"/>
+                </a:solidFill>
+                <a:latin typeface="Calibri"/>
+                <a:ea typeface="Calibri"/>
+                <a:cs typeface="Calibri"/>
+                <a:sym typeface="Calibri"/>
+              </a:rPr>
+              <a:t>시계열정보추출 </a:t>
+            </a:r>
+            <a:r>
+              <a:rPr lang="en-US" altLang="ko-KR" sz="1050" b="1">
+                <a:solidFill>
+                  <a:schemeClr val="dk1"/>
+                </a:solidFill>
+                <a:latin typeface="Calibri"/>
+                <a:ea typeface="Calibri"/>
+                <a:cs typeface="Calibri"/>
+                <a:sym typeface="Calibri"/>
+              </a:rPr>
+              <a:t>+ </a:t>
+            </a:r>
+            <a:r>
+              <a:rPr lang="ko-KR" altLang="en-US" sz="1050" b="1">
+                <a:solidFill>
+                  <a:schemeClr val="dk1"/>
+                </a:solidFill>
+                <a:latin typeface="Calibri"/>
+                <a:ea typeface="Calibri"/>
+                <a:cs typeface="Calibri"/>
+                <a:sym typeface="Calibri"/>
+              </a:rPr>
+              <a:t>텍스트정보추출 </a:t>
+            </a:r>
+            <a:r>
+              <a:rPr lang="en-US" altLang="ko-KR" sz="1050" b="1">
+                <a:solidFill>
+                  <a:schemeClr val="dk1"/>
+                </a:solidFill>
+                <a:latin typeface="Calibri"/>
+                <a:ea typeface="Calibri"/>
+                <a:cs typeface="Calibri"/>
+                <a:sym typeface="Calibri"/>
+              </a:rPr>
+              <a:t>+ </a:t>
+            </a:r>
+            <a:r>
+              <a:rPr lang="ko-KR" altLang="en-US" sz="1050" b="1">
+                <a:solidFill>
+                  <a:schemeClr val="dk1"/>
+                </a:solidFill>
+                <a:latin typeface="Calibri"/>
+                <a:ea typeface="Calibri"/>
+                <a:cs typeface="Calibri"/>
+                <a:sym typeface="Calibri"/>
+              </a:rPr>
+              <a:t>신규</a:t>
+            </a:r>
+            <a:r>
+              <a:rPr lang="en-US" altLang="ko-KR" sz="1050" b="1">
+                <a:solidFill>
+                  <a:schemeClr val="dk1"/>
+                </a:solidFill>
+                <a:latin typeface="Calibri"/>
+                <a:ea typeface="Calibri"/>
+                <a:cs typeface="Calibri"/>
+                <a:sym typeface="Calibri"/>
+              </a:rPr>
+              <a:t>DB</a:t>
+            </a:r>
+          </a:p>
+          <a:p>
+            <a:pPr marL="171450" lvl="0" indent="-171450">
+              <a:lnSpc>
+                <a:spcPct val="120000"/>
+              </a:lnSpc>
+              <a:buSzPts val="1400"/>
+              <a:buFontTx/>
+              <a:buChar char="-"/>
+            </a:pPr>
+            <a:r>
+              <a:rPr lang="ko-KR" altLang="en-US" sz="900">
+                <a:solidFill>
+                  <a:schemeClr val="dk1"/>
+                </a:solidFill>
+                <a:latin typeface="Calibri"/>
+                <a:ea typeface="Calibri"/>
+                <a:cs typeface="Calibri"/>
+                <a:sym typeface="Calibri"/>
+              </a:rPr>
+              <a:t>데이터</a:t>
+            </a:r>
+            <a:r>
+              <a:rPr lang="en-US" altLang="ko-KR" sz="900">
+                <a:solidFill>
+                  <a:schemeClr val="dk1"/>
+                </a:solidFill>
+                <a:latin typeface="Calibri"/>
+                <a:ea typeface="Calibri"/>
+                <a:cs typeface="Calibri"/>
+                <a:sym typeface="Calibri"/>
+              </a:rPr>
+              <a:t>: </a:t>
+            </a:r>
+            <a:r>
+              <a:rPr lang="en-US" altLang="ko-KR" sz="900">
+                <a:solidFill>
+                  <a:schemeClr val="dk1"/>
+                </a:solidFill>
+                <a:latin typeface="Calibri"/>
+                <a:ea typeface="Calibri"/>
+                <a:cs typeface="Calibri"/>
+                <a:sym typeface="Calibri"/>
+                <a:hlinkClick r:id="rId3"/>
+              </a:rPr>
+              <a:t>https://github.com/thekimk/Lecture-NIA/tree/main/Data</a:t>
+            </a:r>
+            <a:endParaRPr lang="en-US" altLang="ko-KR" sz="900">
+              <a:solidFill>
+                <a:schemeClr val="dk1"/>
+              </a:solidFill>
+              <a:latin typeface="Calibri"/>
+              <a:ea typeface="Calibri"/>
+              <a:cs typeface="Calibri"/>
+              <a:sym typeface="Calibri"/>
+            </a:endParaRPr>
+          </a:p>
+          <a:p>
+            <a:pPr marL="171450" marR="0" lvl="0" indent="-171450" algn="l" rtl="0">
+              <a:lnSpc>
+                <a:spcPct val="120000"/>
+              </a:lnSpc>
+              <a:spcBef>
+                <a:spcPts val="0"/>
+              </a:spcBef>
+              <a:spcAft>
+                <a:spcPts val="0"/>
+              </a:spcAft>
+              <a:buClr>
+                <a:srgbClr val="000000"/>
+              </a:buClr>
+              <a:buSzPts val="1400"/>
+              <a:buFontTx/>
+              <a:buChar char="-"/>
+            </a:pPr>
+            <a:r>
+              <a:rPr lang="ko-KR" altLang="en-US" sz="900">
+                <a:solidFill>
+                  <a:schemeClr val="dk1"/>
+                </a:solidFill>
+                <a:latin typeface="Calibri"/>
+                <a:ea typeface="Calibri"/>
+                <a:cs typeface="Calibri"/>
+                <a:sym typeface="Calibri"/>
+              </a:rPr>
+              <a:t>데이터결합</a:t>
+            </a:r>
+            <a:r>
+              <a:rPr lang="en-US" altLang="ko-KR" sz="900">
+                <a:solidFill>
+                  <a:schemeClr val="dk1"/>
+                </a:solidFill>
+                <a:latin typeface="Calibri"/>
+                <a:ea typeface="Calibri"/>
+                <a:cs typeface="Calibri"/>
+                <a:sym typeface="Calibri"/>
+              </a:rPr>
+              <a:t>: </a:t>
+            </a:r>
+            <a:r>
+              <a:rPr lang="ko-KR" altLang="en-US" sz="900">
+                <a:solidFill>
+                  <a:schemeClr val="dk1"/>
+                </a:solidFill>
+                <a:latin typeface="Calibri"/>
+                <a:ea typeface="Calibri"/>
+                <a:cs typeface="Calibri"/>
+                <a:sym typeface="Calibri"/>
+              </a:rPr>
+              <a:t>비즈니스 수요데이터</a:t>
+            </a:r>
+            <a:r>
+              <a:rPr lang="en-US" altLang="ko-KR" sz="900">
+                <a:solidFill>
+                  <a:schemeClr val="dk1"/>
+                </a:solidFill>
+                <a:latin typeface="Calibri"/>
+                <a:ea typeface="Calibri"/>
+                <a:cs typeface="Calibri"/>
+                <a:sym typeface="Calibri"/>
+              </a:rPr>
+              <a:t>(df_KTX_monthsum_example_KK)</a:t>
+            </a:r>
+            <a:r>
+              <a:rPr lang="ko-KR" altLang="en-US" sz="900">
+                <a:solidFill>
+                  <a:schemeClr val="dk1"/>
+                </a:solidFill>
+                <a:latin typeface="Calibri"/>
+                <a:ea typeface="Calibri"/>
+                <a:cs typeface="Calibri"/>
+                <a:sym typeface="Calibri"/>
+              </a:rPr>
+              <a:t> </a:t>
+            </a:r>
+            <a:r>
+              <a:rPr lang="en-US" altLang="ko-KR" sz="900">
+                <a:solidFill>
+                  <a:schemeClr val="dk1"/>
+                </a:solidFill>
+                <a:latin typeface="Calibri"/>
+                <a:ea typeface="Calibri"/>
+                <a:cs typeface="Calibri"/>
+                <a:sym typeface="Calibri"/>
+              </a:rPr>
+              <a:t>+ </a:t>
+            </a:r>
+            <a:r>
+              <a:rPr lang="ko-KR" altLang="en-US" sz="900">
+                <a:solidFill>
+                  <a:schemeClr val="dk1"/>
+                </a:solidFill>
+                <a:latin typeface="Calibri"/>
+                <a:ea typeface="Calibri"/>
+                <a:cs typeface="Calibri"/>
+                <a:sym typeface="Calibri"/>
+              </a:rPr>
+              <a:t>경제지표 데이터</a:t>
+            </a:r>
+            <a:r>
+              <a:rPr lang="en-US" altLang="ko-KR" sz="900">
+                <a:solidFill>
+                  <a:schemeClr val="dk1"/>
+                </a:solidFill>
+                <a:latin typeface="Calibri"/>
+                <a:ea typeface="Calibri"/>
+                <a:cs typeface="Calibri"/>
+                <a:sym typeface="Calibri"/>
+              </a:rPr>
+              <a:t>(ECON &amp; KOSIS)</a:t>
+            </a:r>
+          </a:p>
+          <a:p>
+            <a:pPr marL="171450" marR="0" lvl="0" indent="-171450" algn="l" rtl="0">
+              <a:lnSpc>
+                <a:spcPct val="120000"/>
+              </a:lnSpc>
+              <a:spcBef>
+                <a:spcPts val="0"/>
+              </a:spcBef>
+              <a:spcAft>
+                <a:spcPts val="0"/>
+              </a:spcAft>
+              <a:buClr>
+                <a:srgbClr val="000000"/>
+              </a:buClr>
+              <a:buSzPts val="1400"/>
+              <a:buFontTx/>
+              <a:buChar char="-"/>
+            </a:pPr>
+            <a:r>
+              <a:rPr lang="ko-KR" altLang="en-US" sz="900">
+                <a:solidFill>
+                  <a:schemeClr val="dk1"/>
+                </a:solidFill>
+                <a:latin typeface="Calibri"/>
+                <a:ea typeface="Calibri"/>
+                <a:cs typeface="Calibri"/>
+                <a:sym typeface="Calibri"/>
+              </a:rPr>
+              <a:t>시계열정보추출</a:t>
+            </a:r>
+            <a:r>
+              <a:rPr lang="en-US" altLang="ko-KR" sz="900">
+                <a:solidFill>
+                  <a:schemeClr val="dk1"/>
+                </a:solidFill>
+                <a:latin typeface="Calibri"/>
+                <a:ea typeface="Calibri"/>
+                <a:cs typeface="Calibri"/>
+                <a:sym typeface="Calibri"/>
+              </a:rPr>
+              <a:t>: </a:t>
+            </a:r>
+            <a:r>
+              <a:rPr lang="ko-KR" altLang="en-US" sz="900">
+                <a:solidFill>
+                  <a:schemeClr val="dk1"/>
+                </a:solidFill>
+                <a:latin typeface="Calibri"/>
+                <a:ea typeface="Calibri"/>
+                <a:cs typeface="Calibri"/>
+                <a:sym typeface="Calibri"/>
+              </a:rPr>
+              <a:t>비즈니스 시간 정보에서 추출할 수 있는 주말</a:t>
+            </a:r>
+            <a:r>
+              <a:rPr lang="en-US" altLang="ko-KR" sz="900">
+                <a:solidFill>
+                  <a:schemeClr val="dk1"/>
+                </a:solidFill>
+                <a:latin typeface="Calibri"/>
+                <a:ea typeface="Calibri"/>
+                <a:cs typeface="Calibri"/>
+                <a:sym typeface="Calibri"/>
+              </a:rPr>
+              <a:t>, </a:t>
+            </a:r>
+            <a:r>
+              <a:rPr lang="ko-KR" altLang="en-US" sz="900">
+                <a:solidFill>
+                  <a:schemeClr val="dk1"/>
+                </a:solidFill>
+                <a:latin typeface="Calibri"/>
+                <a:ea typeface="Calibri"/>
+                <a:cs typeface="Calibri"/>
+                <a:sym typeface="Calibri"/>
+              </a:rPr>
+              <a:t>주중</a:t>
+            </a:r>
+            <a:r>
+              <a:rPr lang="en-US" altLang="ko-KR" sz="900">
+                <a:solidFill>
+                  <a:schemeClr val="dk1"/>
+                </a:solidFill>
+                <a:latin typeface="Calibri"/>
+                <a:ea typeface="Calibri"/>
+                <a:cs typeface="Calibri"/>
+                <a:sym typeface="Calibri"/>
+              </a:rPr>
+              <a:t>, </a:t>
+            </a:r>
+            <a:r>
+              <a:rPr lang="ko-KR" altLang="en-US" sz="900">
+                <a:solidFill>
+                  <a:schemeClr val="dk1"/>
+                </a:solidFill>
+                <a:latin typeface="Calibri"/>
+                <a:ea typeface="Calibri"/>
+                <a:cs typeface="Calibri"/>
+                <a:sym typeface="Calibri"/>
+              </a:rPr>
+              <a:t>공휴일</a:t>
+            </a:r>
+            <a:r>
+              <a:rPr lang="en-US" altLang="ko-KR" sz="900">
+                <a:solidFill>
+                  <a:schemeClr val="dk1"/>
+                </a:solidFill>
+                <a:latin typeface="Calibri"/>
+                <a:ea typeface="Calibri"/>
+                <a:cs typeface="Calibri"/>
+                <a:sym typeface="Calibri"/>
+              </a:rPr>
+              <a:t>, </a:t>
+            </a:r>
+            <a:r>
+              <a:rPr lang="ko-KR" altLang="en-US" sz="900">
+                <a:solidFill>
+                  <a:schemeClr val="dk1"/>
+                </a:solidFill>
+                <a:latin typeface="Calibri"/>
+                <a:ea typeface="Calibri"/>
+                <a:cs typeface="Calibri"/>
+                <a:sym typeface="Calibri"/>
+              </a:rPr>
+              <a:t>대체공휴일</a:t>
+            </a:r>
+            <a:r>
+              <a:rPr lang="en-US" altLang="ko-KR" sz="900">
+                <a:solidFill>
+                  <a:schemeClr val="dk1"/>
+                </a:solidFill>
+                <a:latin typeface="Calibri"/>
+                <a:ea typeface="Calibri"/>
+                <a:cs typeface="Calibri"/>
+                <a:sym typeface="Calibri"/>
+              </a:rPr>
+              <a:t>, </a:t>
+            </a:r>
+            <a:r>
+              <a:rPr lang="ko-KR" altLang="en-US" sz="900">
+                <a:solidFill>
+                  <a:schemeClr val="dk1"/>
+                </a:solidFill>
+                <a:latin typeface="Calibri"/>
+                <a:ea typeface="Calibri"/>
+                <a:cs typeface="Calibri"/>
+                <a:sym typeface="Calibri"/>
+              </a:rPr>
+              <a:t>명절 등 추출</a:t>
+            </a:r>
+            <a:endParaRPr lang="en-US" altLang="ko-KR" sz="900">
+              <a:solidFill>
+                <a:schemeClr val="dk1"/>
+              </a:solidFill>
+              <a:latin typeface="Calibri"/>
+              <a:ea typeface="Calibri"/>
+              <a:cs typeface="Calibri"/>
+              <a:sym typeface="Calibri"/>
+            </a:endParaRPr>
+          </a:p>
+          <a:p>
+            <a:pPr marL="171450" lvl="0" indent="-171450">
+              <a:lnSpc>
+                <a:spcPct val="120000"/>
+              </a:lnSpc>
+              <a:buSzPts val="1400"/>
+              <a:buFontTx/>
+              <a:buChar char="-"/>
+            </a:pPr>
+            <a:r>
+              <a:rPr lang="ko-KR" altLang="en-US" sz="900">
+                <a:solidFill>
+                  <a:schemeClr val="dk1"/>
+                </a:solidFill>
+                <a:latin typeface="Calibri"/>
+                <a:ea typeface="Calibri"/>
+                <a:cs typeface="Calibri"/>
+                <a:sym typeface="Calibri"/>
+              </a:rPr>
+              <a:t>뉴스데이터</a:t>
+            </a:r>
+            <a:r>
+              <a:rPr lang="en-US" altLang="ko-KR" sz="900">
+                <a:solidFill>
+                  <a:schemeClr val="dk1"/>
+                </a:solidFill>
+                <a:latin typeface="Calibri"/>
+                <a:ea typeface="Calibri"/>
+                <a:cs typeface="Calibri"/>
+                <a:sym typeface="Calibri"/>
+              </a:rPr>
+              <a:t>: </a:t>
+            </a:r>
+            <a:r>
+              <a:rPr lang="ko-KR" altLang="en-US" sz="900">
+                <a:solidFill>
+                  <a:schemeClr val="dk1"/>
+                </a:solidFill>
+                <a:latin typeface="Calibri"/>
+                <a:ea typeface="Calibri"/>
+                <a:cs typeface="Calibri"/>
+                <a:sym typeface="Calibri"/>
+              </a:rPr>
+              <a:t>크롤링 또는 빅카인즈에서 뉴스데이터 추출 </a:t>
+            </a:r>
+            <a:r>
+              <a:rPr lang="en-US" altLang="ko-KR" sz="900">
+                <a:solidFill>
+                  <a:schemeClr val="dk1"/>
+                </a:solidFill>
+                <a:latin typeface="Calibri"/>
+                <a:ea typeface="Calibri"/>
+                <a:cs typeface="Calibri"/>
+                <a:sym typeface="Calibri"/>
+              </a:rPr>
+              <a:t>(NewsResult_20150101-20250331_KTX</a:t>
+            </a:r>
+            <a:r>
+              <a:rPr lang="ko-KR" altLang="en-US" sz="900">
+                <a:solidFill>
+                  <a:schemeClr val="dk1"/>
+                </a:solidFill>
+                <a:latin typeface="Calibri"/>
+                <a:ea typeface="Calibri"/>
+                <a:cs typeface="Calibri"/>
+                <a:sym typeface="Calibri"/>
+              </a:rPr>
+              <a:t>코레일</a:t>
+            </a:r>
+            <a:r>
+              <a:rPr lang="en-US" altLang="ko-KR" sz="900">
+                <a:solidFill>
+                  <a:schemeClr val="dk1"/>
+                </a:solidFill>
+                <a:latin typeface="Calibri"/>
+                <a:ea typeface="Calibri"/>
+                <a:cs typeface="Calibri"/>
+                <a:sym typeface="Calibri"/>
+              </a:rPr>
+              <a:t>.xlsx) </a:t>
+            </a:r>
+          </a:p>
+          <a:p>
+            <a:pPr lvl="0">
+              <a:lnSpc>
+                <a:spcPct val="120000"/>
+              </a:lnSpc>
+              <a:buSzPts val="1400"/>
+            </a:pPr>
+            <a:r>
+              <a:rPr lang="en-US" altLang="ko-KR" sz="500">
+                <a:solidFill>
+                  <a:schemeClr val="dk1"/>
+                </a:solidFill>
+                <a:latin typeface="Calibri"/>
+                <a:ea typeface="Calibri"/>
+                <a:cs typeface="Calibri"/>
+                <a:sym typeface="Calibri"/>
+              </a:rPr>
+              <a:t>            (</a:t>
+            </a:r>
+            <a:r>
+              <a:rPr lang="ko-KR" altLang="en-US" sz="500">
+                <a:solidFill>
+                  <a:schemeClr val="dk1"/>
+                </a:solidFill>
+                <a:latin typeface="Calibri"/>
+                <a:ea typeface="Calibri"/>
+                <a:cs typeface="Calibri"/>
+                <a:sym typeface="Calibri"/>
+              </a:rPr>
+              <a:t>검색어</a:t>
+            </a:r>
+            <a:r>
+              <a:rPr lang="en-US" altLang="ko-KR" sz="500">
+                <a:solidFill>
+                  <a:schemeClr val="dk1"/>
+                </a:solidFill>
+                <a:latin typeface="Calibri"/>
+                <a:ea typeface="Calibri"/>
+                <a:cs typeface="Calibri"/>
+                <a:sym typeface="Calibri"/>
+              </a:rPr>
+              <a:t>: KTX </a:t>
+            </a:r>
+            <a:r>
+              <a:rPr lang="ko-KR" altLang="en-US" sz="500">
+                <a:solidFill>
+                  <a:schemeClr val="dk1"/>
+                </a:solidFill>
+                <a:latin typeface="Calibri"/>
+                <a:ea typeface="Calibri"/>
+                <a:cs typeface="Calibri"/>
+                <a:sym typeface="Calibri"/>
+              </a:rPr>
+              <a:t>코레일</a:t>
+            </a:r>
+            <a:r>
+              <a:rPr lang="en-US" altLang="ko-KR" sz="500">
+                <a:solidFill>
+                  <a:schemeClr val="dk1"/>
+                </a:solidFill>
+                <a:latin typeface="Calibri"/>
+                <a:ea typeface="Calibri"/>
+                <a:cs typeface="Calibri"/>
+                <a:sym typeface="Calibri"/>
+              </a:rPr>
+              <a:t> + </a:t>
+            </a:r>
+            <a:r>
+              <a:rPr lang="ko-KR" altLang="en-US" sz="500">
+                <a:solidFill>
+                  <a:schemeClr val="dk1"/>
+                </a:solidFill>
+                <a:latin typeface="Calibri"/>
+                <a:ea typeface="Calibri"/>
+                <a:cs typeface="Calibri"/>
+                <a:sym typeface="Calibri"/>
+              </a:rPr>
+              <a:t>기간</a:t>
+            </a:r>
+            <a:r>
+              <a:rPr lang="en-US" altLang="ko-KR" sz="500">
+                <a:solidFill>
+                  <a:schemeClr val="dk1"/>
+                </a:solidFill>
+                <a:latin typeface="Calibri"/>
+                <a:ea typeface="Calibri"/>
+                <a:cs typeface="Calibri"/>
+                <a:sym typeface="Calibri"/>
+              </a:rPr>
+              <a:t>: 15</a:t>
+            </a:r>
+            <a:r>
+              <a:rPr lang="ko-KR" altLang="en-US" sz="500">
+                <a:solidFill>
+                  <a:schemeClr val="dk1"/>
+                </a:solidFill>
+                <a:latin typeface="Calibri"/>
+                <a:ea typeface="Calibri"/>
+                <a:cs typeface="Calibri"/>
+                <a:sym typeface="Calibri"/>
+              </a:rPr>
+              <a:t>년</a:t>
+            </a:r>
+            <a:r>
+              <a:rPr lang="en-US" altLang="ko-KR" sz="500">
+                <a:solidFill>
+                  <a:schemeClr val="dk1"/>
+                </a:solidFill>
+                <a:latin typeface="Calibri"/>
+                <a:ea typeface="Calibri"/>
+                <a:cs typeface="Calibri"/>
+                <a:sym typeface="Calibri"/>
+              </a:rPr>
+              <a:t>1</a:t>
+            </a:r>
+            <a:r>
+              <a:rPr lang="ko-KR" altLang="en-US" sz="500">
+                <a:solidFill>
+                  <a:schemeClr val="dk1"/>
+                </a:solidFill>
+                <a:latin typeface="Calibri"/>
+                <a:ea typeface="Calibri"/>
+                <a:cs typeface="Calibri"/>
+                <a:sym typeface="Calibri"/>
+              </a:rPr>
+              <a:t>월</a:t>
+            </a:r>
+            <a:r>
+              <a:rPr lang="en-US" altLang="ko-KR" sz="500">
+                <a:solidFill>
+                  <a:schemeClr val="dk1"/>
+                </a:solidFill>
+                <a:latin typeface="Calibri"/>
+                <a:ea typeface="Calibri"/>
+                <a:cs typeface="Calibri"/>
+                <a:sym typeface="Calibri"/>
+              </a:rPr>
+              <a:t>1</a:t>
+            </a:r>
+            <a:r>
+              <a:rPr lang="ko-KR" altLang="en-US" sz="500">
+                <a:solidFill>
+                  <a:schemeClr val="dk1"/>
+                </a:solidFill>
+                <a:latin typeface="Calibri"/>
+                <a:ea typeface="Calibri"/>
+                <a:cs typeface="Calibri"/>
+                <a:sym typeface="Calibri"/>
+              </a:rPr>
+              <a:t>일</a:t>
+            </a:r>
+            <a:r>
+              <a:rPr lang="en-US" altLang="ko-KR" sz="500">
+                <a:solidFill>
+                  <a:schemeClr val="dk1"/>
+                </a:solidFill>
+                <a:latin typeface="Calibri"/>
+                <a:ea typeface="Calibri"/>
+                <a:cs typeface="Calibri"/>
+                <a:sym typeface="Calibri"/>
+              </a:rPr>
+              <a:t>~25</a:t>
+            </a:r>
+            <a:r>
+              <a:rPr lang="ko-KR" altLang="en-US" sz="500">
+                <a:solidFill>
+                  <a:schemeClr val="dk1"/>
+                </a:solidFill>
+                <a:latin typeface="Calibri"/>
+                <a:ea typeface="Calibri"/>
+                <a:cs typeface="Calibri"/>
+                <a:sym typeface="Calibri"/>
+              </a:rPr>
+              <a:t>년</a:t>
+            </a:r>
+            <a:r>
+              <a:rPr lang="en-US" altLang="ko-KR" sz="500">
+                <a:solidFill>
+                  <a:schemeClr val="dk1"/>
+                </a:solidFill>
+                <a:latin typeface="Calibri"/>
+                <a:ea typeface="Calibri"/>
+                <a:cs typeface="Calibri"/>
+                <a:sym typeface="Calibri"/>
+              </a:rPr>
+              <a:t>3</a:t>
+            </a:r>
+            <a:r>
+              <a:rPr lang="ko-KR" altLang="en-US" sz="500">
+                <a:solidFill>
+                  <a:schemeClr val="dk1"/>
+                </a:solidFill>
+                <a:latin typeface="Calibri"/>
+                <a:ea typeface="Calibri"/>
+                <a:cs typeface="Calibri"/>
+                <a:sym typeface="Calibri"/>
+              </a:rPr>
+              <a:t>월</a:t>
+            </a:r>
+            <a:r>
+              <a:rPr lang="en-US" altLang="ko-KR" sz="500">
+                <a:solidFill>
+                  <a:schemeClr val="dk1"/>
+                </a:solidFill>
+                <a:latin typeface="Calibri"/>
+                <a:ea typeface="Calibri"/>
+                <a:cs typeface="Calibri"/>
+                <a:sym typeface="Calibri"/>
+              </a:rPr>
+              <a:t>31</a:t>
+            </a:r>
+            <a:r>
+              <a:rPr lang="ko-KR" altLang="en-US" sz="500">
+                <a:solidFill>
+                  <a:schemeClr val="dk1"/>
+                </a:solidFill>
+                <a:latin typeface="Calibri"/>
+                <a:ea typeface="Calibri"/>
+                <a:cs typeface="Calibri"/>
+                <a:sym typeface="Calibri"/>
+              </a:rPr>
+              <a:t>일 </a:t>
+            </a:r>
+            <a:r>
+              <a:rPr lang="en-US" altLang="ko-KR" sz="500">
+                <a:solidFill>
+                  <a:schemeClr val="dk1"/>
+                </a:solidFill>
+                <a:latin typeface="Calibri"/>
+                <a:ea typeface="Calibri"/>
+                <a:cs typeface="Calibri"/>
+                <a:sym typeface="Calibri"/>
+              </a:rPr>
+              <a:t>+ </a:t>
+            </a:r>
+            <a:r>
+              <a:rPr lang="ko-KR" altLang="en-US" sz="500">
+                <a:solidFill>
+                  <a:schemeClr val="dk1"/>
+                </a:solidFill>
+                <a:latin typeface="Calibri"/>
+                <a:ea typeface="Calibri"/>
+                <a:cs typeface="Calibri"/>
+                <a:sym typeface="Calibri"/>
+              </a:rPr>
+              <a:t>언론사</a:t>
+            </a:r>
+            <a:r>
+              <a:rPr lang="en-US" altLang="ko-KR" sz="500">
+                <a:solidFill>
+                  <a:schemeClr val="dk1"/>
+                </a:solidFill>
+                <a:latin typeface="Calibri"/>
+                <a:ea typeface="Calibri"/>
+                <a:cs typeface="Calibri"/>
+                <a:sym typeface="Calibri"/>
+              </a:rPr>
+              <a:t>: </a:t>
+            </a:r>
+            <a:r>
+              <a:rPr lang="ko-KR" altLang="en-US" sz="500">
+                <a:solidFill>
+                  <a:schemeClr val="dk1"/>
+                </a:solidFill>
+                <a:latin typeface="Calibri"/>
+                <a:ea typeface="Calibri"/>
+                <a:cs typeface="Calibri"/>
+                <a:sym typeface="Calibri"/>
+              </a:rPr>
+              <a:t>전국일간지</a:t>
+            </a:r>
+            <a:r>
+              <a:rPr lang="en-US" altLang="ko-KR" sz="500">
+                <a:solidFill>
+                  <a:schemeClr val="dk1"/>
+                </a:solidFill>
+                <a:latin typeface="Calibri"/>
+                <a:ea typeface="Calibri"/>
+                <a:cs typeface="Calibri"/>
+                <a:sym typeface="Calibri"/>
+              </a:rPr>
+              <a:t>/</a:t>
+            </a:r>
+            <a:r>
+              <a:rPr lang="ko-KR" altLang="en-US" sz="500">
+                <a:solidFill>
+                  <a:schemeClr val="dk1"/>
+                </a:solidFill>
+                <a:latin typeface="Calibri"/>
+                <a:ea typeface="Calibri"/>
+                <a:cs typeface="Calibri"/>
+                <a:sym typeface="Calibri"/>
+              </a:rPr>
+              <a:t>경제일간지</a:t>
+            </a:r>
+            <a:r>
+              <a:rPr lang="en-US" altLang="ko-KR" sz="500">
+                <a:solidFill>
+                  <a:schemeClr val="dk1"/>
+                </a:solidFill>
+                <a:latin typeface="Calibri"/>
+                <a:ea typeface="Calibri"/>
+                <a:cs typeface="Calibri"/>
+                <a:sym typeface="Calibri"/>
+              </a:rPr>
+              <a:t>/</a:t>
+            </a:r>
+            <a:r>
+              <a:rPr lang="ko-KR" altLang="en-US" sz="500">
+                <a:solidFill>
+                  <a:schemeClr val="dk1"/>
+                </a:solidFill>
+                <a:latin typeface="Calibri"/>
+                <a:ea typeface="Calibri"/>
+                <a:cs typeface="Calibri"/>
+                <a:sym typeface="Calibri"/>
+              </a:rPr>
+              <a:t>방송사</a:t>
+            </a:r>
+            <a:r>
+              <a:rPr lang="en-US" altLang="ko-KR" sz="500">
+                <a:solidFill>
+                  <a:schemeClr val="dk1"/>
+                </a:solidFill>
+                <a:latin typeface="Calibri"/>
+                <a:ea typeface="Calibri"/>
+                <a:cs typeface="Calibri"/>
+                <a:sym typeface="Calibri"/>
+              </a:rPr>
+              <a:t>/</a:t>
+            </a:r>
+            <a:r>
+              <a:rPr lang="ko-KR" altLang="en-US" sz="500">
+                <a:solidFill>
+                  <a:schemeClr val="dk1"/>
+                </a:solidFill>
+                <a:latin typeface="Calibri"/>
+                <a:ea typeface="Calibri"/>
+                <a:cs typeface="Calibri"/>
+                <a:sym typeface="Calibri"/>
+              </a:rPr>
+              <a:t>전문지 </a:t>
+            </a:r>
+            <a:r>
+              <a:rPr lang="en-US" altLang="ko-KR" sz="500">
+                <a:solidFill>
+                  <a:schemeClr val="dk1"/>
+                </a:solidFill>
+                <a:latin typeface="Calibri"/>
+                <a:ea typeface="Calibri"/>
+                <a:cs typeface="Calibri"/>
+                <a:sym typeface="Calibri"/>
+              </a:rPr>
+              <a:t>+ </a:t>
+            </a:r>
+            <a:r>
+              <a:rPr lang="ko-KR" altLang="en-US" sz="500">
+                <a:solidFill>
+                  <a:schemeClr val="dk1"/>
+                </a:solidFill>
+                <a:latin typeface="Calibri"/>
+                <a:ea typeface="Calibri"/>
+                <a:cs typeface="Calibri"/>
+                <a:sym typeface="Calibri"/>
+              </a:rPr>
+              <a:t>통합분류</a:t>
+            </a:r>
+            <a:r>
+              <a:rPr lang="en-US" altLang="ko-KR" sz="500">
+                <a:solidFill>
+                  <a:schemeClr val="dk1"/>
+                </a:solidFill>
+                <a:latin typeface="Calibri"/>
+                <a:ea typeface="Calibri"/>
+                <a:cs typeface="Calibri"/>
+                <a:sym typeface="Calibri"/>
+              </a:rPr>
+              <a:t>: </a:t>
+            </a:r>
+            <a:r>
+              <a:rPr lang="ko-KR" altLang="en-US" sz="500">
+                <a:solidFill>
+                  <a:schemeClr val="dk1"/>
+                </a:solidFill>
+                <a:latin typeface="Calibri"/>
+                <a:ea typeface="Calibri"/>
+                <a:cs typeface="Calibri"/>
+                <a:sym typeface="Calibri"/>
+              </a:rPr>
+              <a:t>경제</a:t>
+            </a:r>
+            <a:r>
+              <a:rPr lang="en-US" altLang="ko-KR" sz="500">
+                <a:solidFill>
+                  <a:schemeClr val="dk1"/>
+                </a:solidFill>
+                <a:latin typeface="Calibri"/>
+                <a:ea typeface="Calibri"/>
+                <a:cs typeface="Calibri"/>
+                <a:sym typeface="Calibri"/>
+              </a:rPr>
+              <a:t>/</a:t>
+            </a:r>
+            <a:r>
+              <a:rPr lang="ko-KR" altLang="en-US" sz="500">
+                <a:solidFill>
+                  <a:schemeClr val="dk1"/>
+                </a:solidFill>
+                <a:latin typeface="Calibri"/>
+                <a:ea typeface="Calibri"/>
+                <a:cs typeface="Calibri"/>
+                <a:sym typeface="Calibri"/>
+              </a:rPr>
+              <a:t>사회</a:t>
+            </a:r>
+            <a:r>
+              <a:rPr lang="en-US" altLang="ko-KR" sz="500">
+                <a:solidFill>
+                  <a:schemeClr val="dk1"/>
+                </a:solidFill>
+                <a:latin typeface="Calibri"/>
+                <a:ea typeface="Calibri"/>
+                <a:cs typeface="Calibri"/>
+                <a:sym typeface="Calibri"/>
+              </a:rPr>
+              <a:t>)</a:t>
+            </a:r>
+          </a:p>
+          <a:p>
+            <a:pPr marL="171450" lvl="0" indent="-171450">
+              <a:lnSpc>
+                <a:spcPct val="120000"/>
+              </a:lnSpc>
+              <a:buSzPts val="1400"/>
+              <a:buFontTx/>
+              <a:buChar char="-"/>
+            </a:pPr>
+            <a:r>
+              <a:rPr lang="ko-KR" altLang="en-US" sz="900">
+                <a:solidFill>
+                  <a:schemeClr val="dk1"/>
+                </a:solidFill>
+                <a:latin typeface="Calibri"/>
+                <a:ea typeface="Calibri"/>
+                <a:cs typeface="Calibri"/>
+                <a:sym typeface="Calibri"/>
+              </a:rPr>
+              <a:t>텍스트정보추출</a:t>
+            </a:r>
+            <a:r>
+              <a:rPr lang="en-US" altLang="ko-KR" sz="900">
+                <a:solidFill>
+                  <a:schemeClr val="dk1"/>
+                </a:solidFill>
+                <a:latin typeface="Calibri"/>
+                <a:ea typeface="Calibri"/>
+                <a:cs typeface="Calibri"/>
+                <a:sym typeface="Calibri"/>
+              </a:rPr>
+              <a:t>: </a:t>
+            </a:r>
+            <a:r>
+              <a:rPr lang="ko-KR" altLang="en-US" sz="900">
+                <a:solidFill>
+                  <a:schemeClr val="dk1"/>
+                </a:solidFill>
+                <a:latin typeface="Calibri"/>
+                <a:ea typeface="Calibri"/>
+                <a:cs typeface="Calibri"/>
+                <a:sym typeface="Calibri"/>
+              </a:rPr>
+              <a:t>시간 빈도별 뉴스 트래픽 및 </a:t>
+            </a:r>
+            <a:r>
+              <a:rPr lang="en-US" altLang="ko-KR" sz="900">
+                <a:solidFill>
+                  <a:schemeClr val="dk1"/>
+                </a:solidFill>
+                <a:latin typeface="Calibri"/>
+                <a:ea typeface="Calibri"/>
+                <a:cs typeface="Calibri"/>
+                <a:sym typeface="Calibri"/>
+              </a:rPr>
+              <a:t>Transformer </a:t>
+            </a:r>
+            <a:r>
+              <a:rPr lang="ko-KR" altLang="en-US" sz="900">
+                <a:solidFill>
+                  <a:schemeClr val="dk1"/>
+                </a:solidFill>
+                <a:latin typeface="Calibri"/>
+                <a:ea typeface="Calibri"/>
+                <a:cs typeface="Calibri"/>
+                <a:sym typeface="Calibri"/>
+              </a:rPr>
+              <a:t>기반 감성분석</a:t>
+            </a:r>
+            <a:endParaRPr lang="en-US" altLang="ko-KR" sz="1050">
+              <a:solidFill>
+                <a:schemeClr val="dk1"/>
+              </a:solidFill>
+              <a:latin typeface="Calibri"/>
+              <a:ea typeface="Calibri"/>
+              <a:cs typeface="Calibri"/>
+              <a:sym typeface="Calibri"/>
+            </a:endParaRPr>
+          </a:p>
+          <a:p>
+            <a:pPr marL="92075" marR="0" lvl="0" indent="-92075" algn="l" rtl="0">
+              <a:lnSpc>
+                <a:spcPct val="120000"/>
+              </a:lnSpc>
+              <a:spcBef>
+                <a:spcPts val="0"/>
+              </a:spcBef>
+              <a:spcAft>
+                <a:spcPts val="0"/>
+              </a:spcAft>
+              <a:buClr>
+                <a:srgbClr val="000000"/>
+              </a:buClr>
+              <a:buSzPts val="1400"/>
+              <a:buFont typeface="Noto Sans Symbols"/>
+              <a:buChar char="▪"/>
+            </a:pPr>
+            <a:r>
+              <a:rPr lang="ko-KR" altLang="en-US" sz="1050" b="1">
+                <a:solidFill>
+                  <a:schemeClr val="dk1"/>
+                </a:solidFill>
+                <a:latin typeface="Calibri"/>
+                <a:ea typeface="Calibri"/>
+                <a:cs typeface="Calibri"/>
+                <a:sym typeface="Calibri"/>
+              </a:rPr>
+              <a:t>목표</a:t>
+            </a:r>
+            <a:r>
+              <a:rPr lang="en-US" altLang="ko-KR" sz="1050" b="1">
+                <a:solidFill>
+                  <a:schemeClr val="dk1"/>
+                </a:solidFill>
+                <a:latin typeface="Calibri"/>
+                <a:ea typeface="Calibri"/>
+                <a:cs typeface="Calibri"/>
+                <a:sym typeface="Calibri"/>
+              </a:rPr>
+              <a:t>2: </a:t>
+            </a:r>
+            <a:r>
+              <a:rPr lang="ko-KR" altLang="en-US" sz="1050" b="1">
+                <a:solidFill>
+                  <a:schemeClr val="dk1"/>
+                </a:solidFill>
+                <a:latin typeface="Calibri"/>
+                <a:ea typeface="Calibri"/>
+                <a:cs typeface="Calibri"/>
+                <a:sym typeface="Calibri"/>
+              </a:rPr>
+              <a:t>독립변수 </a:t>
+            </a:r>
+            <a:r>
+              <a:rPr lang="en-US" altLang="ko-KR" sz="1050" b="1">
+                <a:solidFill>
+                  <a:schemeClr val="dk1"/>
+                </a:solidFill>
+                <a:latin typeface="Calibri"/>
+                <a:ea typeface="Calibri"/>
+                <a:cs typeface="Calibri"/>
+                <a:sym typeface="Calibri"/>
+              </a:rPr>
+              <a:t>X</a:t>
+            </a:r>
+            <a:r>
+              <a:rPr lang="ko-KR" altLang="en-US" sz="1050" b="1">
+                <a:solidFill>
+                  <a:schemeClr val="dk1"/>
+                </a:solidFill>
+                <a:latin typeface="Calibri"/>
+                <a:ea typeface="Calibri"/>
+                <a:cs typeface="Calibri"/>
+                <a:sym typeface="Calibri"/>
+              </a:rPr>
+              <a:t>가 없는 미래 기간의 수요 예측</a:t>
+            </a:r>
+            <a:endParaRPr lang="en-US" altLang="ko-KR" sz="1050" b="1">
+              <a:solidFill>
+                <a:schemeClr val="dk1"/>
+              </a:solidFill>
+              <a:latin typeface="Calibri"/>
+              <a:ea typeface="Calibri"/>
+              <a:cs typeface="Calibri"/>
+              <a:sym typeface="Calibri"/>
+            </a:endParaRPr>
+          </a:p>
+        </p:txBody>
+      </p:sp>
+      <p:sp>
+        <p:nvSpPr>
+          <p:cNvPr id="576" name="Google Shape;576;p41">
+            <a:extLst>
+              <a:ext uri="{FF2B5EF4-FFF2-40B4-BE49-F238E27FC236}">
+                <a16:creationId xmlns:a16="http://schemas.microsoft.com/office/drawing/2014/main" id="{30C7D7A2-A15F-EA79-05C8-688F62D604E1}"/>
+              </a:ext>
+            </a:extLst>
+          </p:cNvPr>
+          <p:cNvSpPr txBox="1"/>
+          <p:nvPr/>
+        </p:nvSpPr>
+        <p:spPr>
+          <a:xfrm>
+            <a:off x="112295" y="101025"/>
+            <a:ext cx="8919300" cy="461700"/>
+          </a:xfrm>
+          <a:prstGeom prst="rect">
+            <a:avLst/>
+          </a:prstGeom>
+          <a:noFill/>
+          <a:ln>
+            <a:noFill/>
+          </a:ln>
+        </p:spPr>
+        <p:txBody>
+          <a:bodyPr spcFirstLastPara="1" wrap="square" lIns="91425" tIns="45700" rIns="91425" bIns="45700" anchor="t" anchorCtr="0">
+            <a:noAutofit/>
+          </a:bodyPr>
+          <a:lstStyle/>
+          <a:p>
+            <a:pPr marL="0" marR="0" lvl="0" indent="0" algn="l" rtl="0">
+              <a:lnSpc>
+                <a:spcPct val="100000"/>
+              </a:lnSpc>
+              <a:spcBef>
+                <a:spcPts val="0"/>
+              </a:spcBef>
+              <a:spcAft>
+                <a:spcPts val="0"/>
+              </a:spcAft>
+              <a:buNone/>
+            </a:pPr>
+            <a:r>
+              <a:rPr lang="en-US" sz="2400" b="1" i="0" u="none" strike="noStrike" cap="none">
+                <a:solidFill>
+                  <a:schemeClr val="lt1"/>
+                </a:solidFill>
+                <a:latin typeface="Calibri"/>
+                <a:ea typeface="Calibri"/>
+                <a:cs typeface="Calibri"/>
+                <a:sym typeface="Calibri"/>
+              </a:rPr>
+              <a:t>Introduction of DIVE Research Group</a:t>
+            </a:r>
+            <a:endParaRPr/>
+          </a:p>
+        </p:txBody>
+      </p:sp>
+      <p:sp>
+        <p:nvSpPr>
+          <p:cNvPr id="579" name="Google Shape;579;p41">
+            <a:extLst>
+              <a:ext uri="{FF2B5EF4-FFF2-40B4-BE49-F238E27FC236}">
+                <a16:creationId xmlns:a16="http://schemas.microsoft.com/office/drawing/2014/main" id="{EAF01631-C050-3EC7-C11E-17E04E39A120}"/>
+              </a:ext>
+            </a:extLst>
+          </p:cNvPr>
+          <p:cNvSpPr txBox="1"/>
+          <p:nvPr/>
+        </p:nvSpPr>
+        <p:spPr>
+          <a:xfrm>
+            <a:off x="1507587" y="645940"/>
+            <a:ext cx="6128825" cy="584735"/>
+          </a:xfrm>
+          <a:prstGeom prst="rect">
+            <a:avLst/>
+          </a:prstGeom>
+          <a:noFill/>
+          <a:ln>
+            <a:noFill/>
+          </a:ln>
+        </p:spPr>
+        <p:txBody>
+          <a:bodyPr spcFirstLastPara="1" wrap="square" lIns="91425" tIns="45700" rIns="91425" bIns="45700" anchor="t" anchorCtr="0">
+            <a:spAutoFit/>
+          </a:bodyPr>
+          <a:lstStyle/>
+          <a:p>
+            <a:pPr algn="ctr"/>
+            <a:r>
+              <a:rPr lang="en-US" altLang="ko-KR" sz="3200" b="1">
+                <a:solidFill>
+                  <a:srgbClr val="C00000"/>
+                </a:solidFill>
+                <a:latin typeface="Calibri"/>
+                <a:ea typeface="Calibri"/>
+                <a:cs typeface="Calibri"/>
+                <a:sym typeface="Calibri"/>
+              </a:rPr>
+              <a:t>DIVE</a:t>
+            </a:r>
+            <a:r>
+              <a:rPr lang="en-US" altLang="ko-KR" sz="3200" b="1">
+                <a:solidFill>
+                  <a:srgbClr val="002060"/>
+                </a:solidFill>
+                <a:latin typeface="Calibri"/>
+                <a:ea typeface="Calibri"/>
+                <a:cs typeface="Calibri"/>
+                <a:sym typeface="Calibri"/>
+              </a:rPr>
+              <a:t> Group &gt; Project Diving</a:t>
+            </a:r>
+            <a:endParaRPr lang="en-US" altLang="ko-KR" sz="2000" b="1">
+              <a:solidFill>
+                <a:srgbClr val="002060"/>
+              </a:solidFill>
+              <a:latin typeface="Calibri"/>
+              <a:ea typeface="Calibri"/>
+              <a:cs typeface="Calibri"/>
+              <a:sym typeface="Calibri"/>
+            </a:endParaRPr>
+          </a:p>
+        </p:txBody>
+      </p:sp>
+      <p:sp>
+        <p:nvSpPr>
+          <p:cNvPr id="580" name="Google Shape;580;p41">
+            <a:extLst>
+              <a:ext uri="{FF2B5EF4-FFF2-40B4-BE49-F238E27FC236}">
+                <a16:creationId xmlns:a16="http://schemas.microsoft.com/office/drawing/2014/main" id="{073D5AA6-4886-CC39-97D8-2818FF66C61C}"/>
+              </a:ext>
+            </a:extLst>
+          </p:cNvPr>
+          <p:cNvSpPr/>
+          <p:nvPr/>
+        </p:nvSpPr>
+        <p:spPr>
+          <a:xfrm>
+            <a:off x="370981" y="1971883"/>
+            <a:ext cx="4117491" cy="4055244"/>
+          </a:xfrm>
+          <a:prstGeom prst="rect">
+            <a:avLst/>
+          </a:prstGeom>
+          <a:noFill/>
+          <a:ln w="9525" cap="flat" cmpd="sng">
+            <a:solidFill>
+              <a:srgbClr val="023A79"/>
+            </a:solidFill>
+            <a:prstDash val="solid"/>
+            <a:round/>
+            <a:headEnd type="none" w="sm" len="sm"/>
+            <a:tailEnd type="none" w="sm" len="sm"/>
+          </a:ln>
+        </p:spPr>
+        <p:txBody>
+          <a:bodyPr spcFirstLastPara="1" wrap="square" lIns="68575" tIns="34275" rIns="68575" bIns="34275" anchor="t" anchorCtr="0">
+            <a:noAutofit/>
+          </a:bodyPr>
+          <a:lstStyle/>
+          <a:p>
+            <a:pPr marL="0" marR="0" lvl="0" indent="0" algn="l" rtl="0">
+              <a:lnSpc>
+                <a:spcPct val="100000"/>
+              </a:lnSpc>
+              <a:spcBef>
+                <a:spcPts val="0"/>
+              </a:spcBef>
+              <a:spcAft>
+                <a:spcPts val="0"/>
+              </a:spcAft>
+              <a:buNone/>
+            </a:pPr>
+            <a:endParaRPr sz="1200" b="0" i="0" u="none" strike="noStrike" cap="none">
+              <a:solidFill>
+                <a:srgbClr val="000000"/>
+              </a:solidFill>
+              <a:latin typeface="Calibri"/>
+              <a:ea typeface="Calibri"/>
+              <a:cs typeface="Calibri"/>
+              <a:sym typeface="Calibri"/>
+            </a:endParaRPr>
+          </a:p>
+        </p:txBody>
+      </p:sp>
+      <p:sp>
+        <p:nvSpPr>
+          <p:cNvPr id="581" name="Google Shape;581;p41">
+            <a:extLst>
+              <a:ext uri="{FF2B5EF4-FFF2-40B4-BE49-F238E27FC236}">
+                <a16:creationId xmlns:a16="http://schemas.microsoft.com/office/drawing/2014/main" id="{5FA56E53-AA9A-1248-BE2B-C9868AACA5E5}"/>
+              </a:ext>
+            </a:extLst>
+          </p:cNvPr>
+          <p:cNvSpPr/>
+          <p:nvPr/>
+        </p:nvSpPr>
+        <p:spPr>
+          <a:xfrm>
+            <a:off x="370981" y="1820232"/>
+            <a:ext cx="4117491" cy="461701"/>
+          </a:xfrm>
+          <a:prstGeom prst="roundRect">
+            <a:avLst>
+              <a:gd name="adj" fmla="val 0"/>
+            </a:avLst>
+          </a:prstGeom>
+          <a:solidFill>
+            <a:srgbClr val="002060"/>
+          </a:solidFill>
+          <a:ln w="9525" cap="flat" cmpd="sng">
+            <a:solidFill>
+              <a:srgbClr val="7F7F7F"/>
+            </a:solidFill>
+            <a:prstDash val="solid"/>
+            <a:round/>
+            <a:headEnd type="none" w="sm" len="sm"/>
+            <a:tailEnd type="none" w="sm" len="sm"/>
+          </a:ln>
+        </p:spPr>
+        <p:txBody>
+          <a:bodyPr spcFirstLastPara="1" wrap="square" lIns="91425" tIns="45700" rIns="91425" bIns="45700" anchor="ctr" anchorCtr="0">
+            <a:noAutofit/>
+          </a:bodyPr>
+          <a:lstStyle/>
+          <a:p>
+            <a:pPr lvl="0" algn="ctr"/>
+            <a:r>
+              <a:rPr lang="en-US" altLang="ko-KR" sz="2000" b="1">
+                <a:solidFill>
+                  <a:srgbClr val="FFFFFF"/>
+                </a:solidFill>
+                <a:latin typeface="Calibri"/>
+                <a:ea typeface="Calibri"/>
+                <a:cs typeface="Calibri"/>
+                <a:sym typeface="Calibri"/>
+              </a:rPr>
+              <a:t>Supervised Classification</a:t>
+            </a:r>
+            <a:endParaRPr lang="en-US" altLang="ko-KR" sz="1800"/>
+          </a:p>
+        </p:txBody>
+      </p:sp>
+      <p:sp>
+        <p:nvSpPr>
+          <p:cNvPr id="599" name="Google Shape;599;p41">
+            <a:extLst>
+              <a:ext uri="{FF2B5EF4-FFF2-40B4-BE49-F238E27FC236}">
+                <a16:creationId xmlns:a16="http://schemas.microsoft.com/office/drawing/2014/main" id="{9363C759-ECE5-BF81-2107-57D18D854147}"/>
+              </a:ext>
+            </a:extLst>
+          </p:cNvPr>
+          <p:cNvSpPr/>
+          <p:nvPr/>
+        </p:nvSpPr>
+        <p:spPr>
+          <a:xfrm>
+            <a:off x="4655530" y="1971886"/>
+            <a:ext cx="4125217" cy="4055241"/>
+          </a:xfrm>
+          <a:prstGeom prst="rect">
+            <a:avLst/>
+          </a:prstGeom>
+          <a:noFill/>
+          <a:ln w="9525" cap="flat" cmpd="sng">
+            <a:solidFill>
+              <a:srgbClr val="023A79"/>
+            </a:solidFill>
+            <a:prstDash val="solid"/>
+            <a:round/>
+            <a:headEnd type="none" w="sm" len="sm"/>
+            <a:tailEnd type="none" w="sm" len="sm"/>
+          </a:ln>
+        </p:spPr>
+        <p:txBody>
+          <a:bodyPr spcFirstLastPara="1" wrap="square" lIns="68575" tIns="34275" rIns="68575" bIns="34275" anchor="t" anchorCtr="0">
+            <a:noAutofit/>
+          </a:bodyPr>
+          <a:lstStyle/>
+          <a:p>
+            <a:pPr marL="0" marR="0" lvl="0" indent="0" algn="l" rtl="0">
+              <a:lnSpc>
+                <a:spcPct val="100000"/>
+              </a:lnSpc>
+              <a:spcBef>
+                <a:spcPts val="0"/>
+              </a:spcBef>
+              <a:spcAft>
+                <a:spcPts val="0"/>
+              </a:spcAft>
+              <a:buNone/>
+            </a:pPr>
+            <a:endParaRPr sz="1200" b="0" i="0" u="none" strike="noStrike" cap="none">
+              <a:solidFill>
+                <a:srgbClr val="000000"/>
+              </a:solidFill>
+              <a:latin typeface="Calibri"/>
+              <a:ea typeface="Calibri"/>
+              <a:cs typeface="Calibri"/>
+              <a:sym typeface="Calibri"/>
+            </a:endParaRPr>
+          </a:p>
+        </p:txBody>
+      </p:sp>
+      <p:sp>
+        <p:nvSpPr>
+          <p:cNvPr id="601" name="Google Shape;601;p41">
+            <a:extLst>
+              <a:ext uri="{FF2B5EF4-FFF2-40B4-BE49-F238E27FC236}">
+                <a16:creationId xmlns:a16="http://schemas.microsoft.com/office/drawing/2014/main" id="{56F73D3C-E1A4-5566-9A6B-A38588302CAB}"/>
+              </a:ext>
+            </a:extLst>
+          </p:cNvPr>
+          <p:cNvSpPr/>
+          <p:nvPr/>
+        </p:nvSpPr>
+        <p:spPr>
+          <a:xfrm>
+            <a:off x="4655530" y="1820232"/>
+            <a:ext cx="4125217" cy="461701"/>
+          </a:xfrm>
+          <a:prstGeom prst="roundRect">
+            <a:avLst>
+              <a:gd name="adj" fmla="val 0"/>
+            </a:avLst>
+          </a:prstGeom>
+          <a:solidFill>
+            <a:srgbClr val="002060"/>
+          </a:solidFill>
+          <a:ln w="9525" cap="flat" cmpd="sng">
+            <a:solidFill>
+              <a:srgbClr val="7F7F7F"/>
+            </a:solidFill>
+            <a:prstDash val="solid"/>
+            <a:round/>
+            <a:headEnd type="none" w="sm" len="sm"/>
+            <a:tailEnd type="none" w="sm" len="sm"/>
+          </a:ln>
+        </p:spPr>
+        <p:txBody>
+          <a:bodyPr spcFirstLastPara="1" wrap="square" lIns="91425" tIns="45700" rIns="91425" bIns="45700" anchor="ctr" anchorCtr="0">
+            <a:noAutofit/>
+          </a:bodyPr>
+          <a:lstStyle/>
+          <a:p>
+            <a:pPr marL="0" marR="0" lvl="0" indent="0" algn="ctr" rtl="0">
+              <a:lnSpc>
+                <a:spcPct val="100000"/>
+              </a:lnSpc>
+              <a:spcBef>
+                <a:spcPts val="0"/>
+              </a:spcBef>
+              <a:spcAft>
+                <a:spcPts val="0"/>
+              </a:spcAft>
+              <a:buNone/>
+            </a:pPr>
+            <a:r>
+              <a:rPr lang="en-US" sz="2000" b="1" i="0" u="none" strike="noStrike" cap="none">
+                <a:solidFill>
+                  <a:srgbClr val="FFFFFF"/>
+                </a:solidFill>
+                <a:latin typeface="Calibri"/>
+                <a:ea typeface="Calibri"/>
+                <a:cs typeface="Calibri"/>
+                <a:sym typeface="Calibri"/>
+              </a:rPr>
+              <a:t>Supervised Regression</a:t>
+            </a:r>
+            <a:endParaRPr sz="1800"/>
+          </a:p>
+        </p:txBody>
+      </p:sp>
+      <p:sp>
+        <p:nvSpPr>
+          <p:cNvPr id="2" name="슬라이드 번호 개체 틀 1">
+            <a:extLst>
+              <a:ext uri="{FF2B5EF4-FFF2-40B4-BE49-F238E27FC236}">
+                <a16:creationId xmlns:a16="http://schemas.microsoft.com/office/drawing/2014/main" id="{0471ACDD-9352-ECA5-7E26-4F0CBD3B2F8A}"/>
+              </a:ext>
+            </a:extLst>
+          </p:cNvPr>
+          <p:cNvSpPr>
+            <a:spLocks noGrp="1"/>
+          </p:cNvSpPr>
+          <p:nvPr>
+            <p:ph type="sldNum" sz="quarter" idx="4"/>
+          </p:nvPr>
+        </p:nvSpPr>
+        <p:spPr/>
+        <p:txBody>
+          <a:bodyPr/>
+          <a:lstStyle/>
+          <a:p>
+            <a:fld id="{CDF9F5A3-DAD3-49E7-B926-6F61E4EB127E}" type="slidenum">
+              <a:rPr lang="ko-KR" altLang="en-US" smtClean="0"/>
+              <a:pPr/>
+              <a:t>4</a:t>
+            </a:fld>
+            <a:r>
+              <a:rPr lang="ko-KR" altLang="en-US"/>
+              <a:t> </a:t>
+            </a:r>
+            <a:r>
+              <a:rPr lang="en-US" altLang="ko-KR"/>
+              <a:t>/ 37</a:t>
+            </a:r>
+            <a:endParaRPr lang="ko-KR" altLang="en-US" dirty="0"/>
+          </a:p>
+        </p:txBody>
+      </p:sp>
+      <p:sp>
+        <p:nvSpPr>
+          <p:cNvPr id="3" name="Google Shape;721;p43">
+            <a:extLst>
+              <a:ext uri="{FF2B5EF4-FFF2-40B4-BE49-F238E27FC236}">
+                <a16:creationId xmlns:a16="http://schemas.microsoft.com/office/drawing/2014/main" id="{4494053A-85F6-EEB5-8C3F-D1CF6C70B62D}"/>
               </a:ext>
             </a:extLst>
           </p:cNvPr>
@@ -11172,7 +16101,7 @@
           <p:cNvPr id="19" name="연결선: 꺾임 18">
             <a:extLst>
               <a:ext uri="{FF2B5EF4-FFF2-40B4-BE49-F238E27FC236}">
-                <a16:creationId xmlns:a16="http://schemas.microsoft.com/office/drawing/2014/main" id="{174405D2-28AD-37A2-6CA5-AB88B9C15988}"/>
+                <a16:creationId xmlns:a16="http://schemas.microsoft.com/office/drawing/2014/main" id="{50FC8D22-DA8C-6ACA-09B5-FD62BAB22402}"/>
               </a:ext>
             </a:extLst>
           </p:cNvPr>
@@ -11218,7 +16147,7 @@
           <p:cNvPr id="21" name="연결선: 꺾임 20">
             <a:extLst>
               <a:ext uri="{FF2B5EF4-FFF2-40B4-BE49-F238E27FC236}">
-                <a16:creationId xmlns:a16="http://schemas.microsoft.com/office/drawing/2014/main" id="{7DB30250-B249-69EB-7590-A0B64C9A769B}"/>
+                <a16:creationId xmlns:a16="http://schemas.microsoft.com/office/drawing/2014/main" id="{02D6D092-985B-606C-44C8-1F0125387B0A}"/>
               </a:ext>
             </a:extLst>
           </p:cNvPr>
@@ -11266,7 +16195,7 @@
           <p:cNvPr id="1026" name="Picture 2">
             <a:extLst>
               <a:ext uri="{FF2B5EF4-FFF2-40B4-BE49-F238E27FC236}">
-                <a16:creationId xmlns:a16="http://schemas.microsoft.com/office/drawing/2014/main" id="{FB5ADD8F-806A-BA35-33E6-0FA8B2D23951}"/>
+                <a16:creationId xmlns:a16="http://schemas.microsoft.com/office/drawing/2014/main" id="{A8BC64A8-69E2-43C4-9936-09AEAF872D25}"/>
               </a:ext>
             </a:extLst>
           </p:cNvPr>
@@ -11313,7 +16242,7 @@
           <p:cNvPr id="1028" name="Picture 4">
             <a:extLst>
               <a:ext uri="{FF2B5EF4-FFF2-40B4-BE49-F238E27FC236}">
-                <a16:creationId xmlns:a16="http://schemas.microsoft.com/office/drawing/2014/main" id="{AF8DCAF3-275F-FB7A-411E-774354649254}"/>
+                <a16:creationId xmlns:a16="http://schemas.microsoft.com/office/drawing/2014/main" id="{633F3FAE-FC26-6BA1-207D-540B643907F2}"/>
               </a:ext>
             </a:extLst>
           </p:cNvPr>
@@ -11358,7 +16287,7 @@
     </p:spTree>
     <p:extLst>
       <p:ext uri="{BB962C8B-B14F-4D97-AF65-F5344CB8AC3E}">
-        <p14:creationId xmlns:p14="http://schemas.microsoft.com/office/powerpoint/2010/main" val="2378669709"/>
+        <p14:creationId xmlns:p14="http://schemas.microsoft.com/office/powerpoint/2010/main" val="4175404665"/>
       </p:ext>
     </p:extLst>
   </p:cSld>

--- a/[Document]/소개운영자료/[DIVE_운영방향_김경원교수].pptx
+++ b/[Document]/소개운영자료/[DIVE_운영방향_김경원교수].pptx
@@ -288,7 +288,7 @@
       </p15:notesGuideLst>
     </p:ext>
     <p:ext uri="http://customooxmlschemas.google.com/">
-      <go:slidesCustomData xmlns:go="http://customooxmlschemas.google.com/" xmlns:p15="http://schemas.microsoft.com/office/powerpoint/2012/main" xmlns:p14="http://schemas.microsoft.com/office/powerpoint/2010/main" xmlns:com="http://schemas.openxmlformats.org/drawingml/2006/compatibility" xmlns:pvml="urn:schemas-microsoft-com:office:powerpoint" xmlns:v="urn:schemas-microsoft-com:vml" xmlns:o="urn:schemas-microsoft-com:office:office" xmlns:dgm="http://schemas.openxmlformats.org/drawingml/2006/diagram" xmlns:c="http://schemas.openxmlformats.org/drawingml/2006/chart" xmlns:mv="urn:schemas-microsoft-com:mac:vml" xmlns:mc="http://schemas.openxmlformats.org/markup-compatibility/2006" xmlns="" r:id="rId105" roundtripDataSignature="AMtx7miUWwlRzSp7FmXEzuK0I58SVnBqRw=="/>
+      <go:slidesCustomData xmlns="" xmlns:mc="http://schemas.openxmlformats.org/markup-compatibility/2006" xmlns:mv="urn:schemas-microsoft-com:mac:vml" xmlns:c="http://schemas.openxmlformats.org/drawingml/2006/chart" xmlns:dgm="http://schemas.openxmlformats.org/drawingml/2006/diagram" xmlns:o="urn:schemas-microsoft-com:office:office" xmlns:v="urn:schemas-microsoft-com:vml" xmlns:pvml="urn:schemas-microsoft-com:office:powerpoint" xmlns:com="http://schemas.openxmlformats.org/drawingml/2006/compatibility" xmlns:p14="http://schemas.microsoft.com/office/powerpoint/2010/main" xmlns:p15="http://schemas.microsoft.com/office/powerpoint/2012/main" xmlns:go="http://customooxmlschemas.google.com/" r:id="rId105" roundtripDataSignature="AMtx7miUWwlRzSp7FmXEzuK0I58SVnBqRw=="/>
     </p:ext>
   </p:extLst>
 </p:presentation>
@@ -13326,7 +13326,7 @@
                 <a:sym typeface="Calibri"/>
                 <a:hlinkClick r:id="rId5"/>
               </a:rPr>
-              <a:t>https://github.com/thekimk/All-About-Machine-Learning</a:t>
+              <a:t>https://github.com/thekimk/All-About-Time-Series-Analysis</a:t>
             </a:r>
             <a:endParaRPr lang="en-US" altLang="ko-KR" sz="800">
               <a:solidFill>
@@ -13409,7 +13409,7 @@
                 <a:sym typeface="Calibri"/>
                 <a:hlinkClick r:id="rId6"/>
               </a:rPr>
-              <a:t>https://www.youtube.com/playlist?list=PLYP0LH6y1TM50-9XqZfI2bbIOXCxYLauH</a:t>
+              <a:t>https://www.youtube.com/playlist?list=PLYP0LH6y1TM77hdoLW5W5IdvQpk20UK5W</a:t>
             </a:r>
             <a:endParaRPr lang="en-US" altLang="ko-KR" sz="800">
               <a:solidFill>

--- a/[Document]/소개운영자료/[DIVE_운영방향_김경원교수].pptx
+++ b/[Document]/소개운영자료/[DIVE_운영방향_김경원교수].pptx
@@ -288,7 +288,7 @@
       </p15:notesGuideLst>
     </p:ext>
     <p:ext uri="http://customooxmlschemas.google.com/">
-      <go:slidesCustomData xmlns="" xmlns:mc="http://schemas.openxmlformats.org/markup-compatibility/2006" xmlns:mv="urn:schemas-microsoft-com:mac:vml" xmlns:c="http://schemas.openxmlformats.org/drawingml/2006/chart" xmlns:dgm="http://schemas.openxmlformats.org/drawingml/2006/diagram" xmlns:o="urn:schemas-microsoft-com:office:office" xmlns:v="urn:schemas-microsoft-com:vml" xmlns:pvml="urn:schemas-microsoft-com:office:powerpoint" xmlns:com="http://schemas.openxmlformats.org/drawingml/2006/compatibility" xmlns:p14="http://schemas.microsoft.com/office/powerpoint/2010/main" xmlns:p15="http://schemas.microsoft.com/office/powerpoint/2012/main" xmlns:go="http://customooxmlschemas.google.com/" r:id="rId105" roundtripDataSignature="AMtx7miUWwlRzSp7FmXEzuK0I58SVnBqRw=="/>
+      <go:slidesCustomData xmlns:go="http://customooxmlschemas.google.com/" xmlns:p15="http://schemas.microsoft.com/office/powerpoint/2012/main" xmlns:p14="http://schemas.microsoft.com/office/powerpoint/2010/main" xmlns:com="http://schemas.openxmlformats.org/drawingml/2006/compatibility" xmlns:pvml="urn:schemas-microsoft-com:office:powerpoint" xmlns:v="urn:schemas-microsoft-com:vml" xmlns:o="urn:schemas-microsoft-com:office:office" xmlns:dgm="http://schemas.openxmlformats.org/drawingml/2006/diagram" xmlns:c="http://schemas.openxmlformats.org/drawingml/2006/chart" xmlns:mv="urn:schemas-microsoft-com:mac:vml" xmlns:mc="http://schemas.openxmlformats.org/markup-compatibility/2006" xmlns="" r:id="rId105" roundtripDataSignature="AMtx7miUWwlRzSp7FmXEzuK0I58SVnBqRw=="/>
     </p:ext>
   </p:extLst>
 </p:presentation>
@@ -15021,7 +15021,7 @@
         <p:spPr>
           <a:xfrm>
             <a:off x="1507587" y="645940"/>
-            <a:ext cx="6128825" cy="584735"/>
+            <a:ext cx="6128825" cy="892512"/>
           </a:xfrm>
           <a:prstGeom prst="rect">
             <a:avLst/>
@@ -15062,7 +15062,71 @@
               </a:rPr>
               <a:t> Group &gt; Project Diving</a:t>
             </a:r>
-            <a:endParaRPr lang="en-US" altLang="ko-KR" sz="2000" b="1">
+          </a:p>
+          <a:p>
+            <a:pPr algn="ctr"/>
+            <a:r>
+              <a:rPr lang="en-US" altLang="ko-KR" sz="1800" b="1">
+                <a:solidFill>
+                  <a:srgbClr val="002060"/>
+                </a:solidFill>
+                <a:latin typeface="Calibri"/>
+                <a:ea typeface="Calibri"/>
+                <a:cs typeface="Calibri"/>
+                <a:sym typeface="Calibri"/>
+              </a:rPr>
+              <a:t>(</a:t>
+            </a:r>
+            <a:r>
+              <a:rPr lang="en-US" altLang="ko-KR" sz="1800" b="1">
+                <a:solidFill>
+                  <a:srgbClr val="002060"/>
+                </a:solidFill>
+                <a:latin typeface="Calibri"/>
+                <a:ea typeface="Calibri"/>
+                <a:cs typeface="Calibri"/>
+                <a:sym typeface="Calibri"/>
+                <a:hlinkClick r:id="rId4"/>
+              </a:rPr>
+              <a:t>https://github.com/thekimk/Lecture-NIA</a:t>
+            </a:r>
+            <a:r>
+              <a:rPr lang="en-US" altLang="ko-KR" sz="1800" b="1">
+                <a:solidFill>
+                  <a:srgbClr val="002060"/>
+                </a:solidFill>
+                <a:latin typeface="Calibri"/>
+                <a:ea typeface="Calibri"/>
+                <a:cs typeface="Calibri"/>
+                <a:sym typeface="Calibri"/>
+              </a:rPr>
+              <a:t> </a:t>
+            </a:r>
+            <a:r>
+              <a:rPr lang="ko-KR" altLang="en-US" sz="1800" b="1">
+                <a:solidFill>
+                  <a:srgbClr val="002060"/>
+                </a:solidFill>
+                <a:latin typeface="Calibri"/>
+                <a:ea typeface="Calibri"/>
+                <a:cs typeface="Calibri"/>
+                <a:sym typeface="Calibri"/>
+              </a:rPr>
+              <a:t>참고</a:t>
+            </a:r>
+            <a:r>
+              <a:rPr lang="en-US" altLang="ko-KR" sz="1800" b="1">
+                <a:solidFill>
+                  <a:srgbClr val="002060"/>
+                </a:solidFill>
+                <a:latin typeface="Calibri"/>
+                <a:ea typeface="Calibri"/>
+                <a:cs typeface="Calibri"/>
+                <a:sym typeface="Calibri"/>
+              </a:rPr>
+              <a:t>)</a:t>
+            </a:r>
+            <a:endParaRPr lang="en-US" altLang="ko-KR" sz="1200" b="1">
               <a:solidFill>
                 <a:srgbClr val="002060"/>
               </a:solidFill>
@@ -15600,7 +15664,7 @@
                 <a:ea typeface="Calibri"/>
                 <a:cs typeface="Calibri"/>
                 <a:sym typeface="Calibri"/>
-                <a:hlinkClick r:id="rId4"/>
+                <a:hlinkClick r:id="rId5"/>
               </a:rPr>
               <a:t>https://github.com/thekimk/Lecture-NIA/blob/main/Data/df_concat_BA1.csv</a:t>
             </a:r>
@@ -15838,7 +15902,7 @@
                 <a:ea typeface="Calibri"/>
                 <a:cs typeface="Calibri"/>
                 <a:sym typeface="Calibri"/>
-                <a:hlinkClick r:id="rId5"/>
+                <a:hlinkClick r:id="rId6"/>
               </a:rPr>
               <a:t>https://mdis.kostat.go.kr/dwnlSvc/ofrSurvSearch.do?curMenuNo=UI_POR_P9240</a:t>
             </a:r>
@@ -16114,11 +16178,13 @@
         </p:nvCxnSpPr>
         <p:spPr>
           <a:xfrm rot="5400000">
-            <a:off x="3206086" y="454317"/>
-            <a:ext cx="589557" cy="2142273"/>
+            <a:off x="3359974" y="608206"/>
+            <a:ext cx="281780" cy="2142273"/>
           </a:xfrm>
           <a:prstGeom prst="bentConnector3">
-            <a:avLst/>
+            <a:avLst>
+              <a:gd name="adj1" fmla="val 50000"/>
+            </a:avLst>
           </a:prstGeom>
           <a:ln>
             <a:solidFill>
@@ -16160,8 +16226,8 @@
         </p:nvCxnSpPr>
         <p:spPr>
           <a:xfrm rot="16200000" flipH="1">
-            <a:off x="5350291" y="452383"/>
-            <a:ext cx="589557" cy="2146139"/>
+            <a:off x="5504179" y="606272"/>
+            <a:ext cx="281780" cy="2146139"/>
           </a:xfrm>
           <a:prstGeom prst="bentConnector3">
             <a:avLst>
@@ -16205,7 +16271,7 @@
           <p:nvPr/>
         </p:nvPicPr>
         <p:blipFill rotWithShape="1">
-          <a:blip r:embed="rId6">
+          <a:blip r:embed="rId7">
             <a:extLst>
               <a:ext uri="{28A0092B-C50C-407E-A947-70E740481C1C}">
                 <a14:useLocalDpi xmlns:a14="http://schemas.microsoft.com/office/drawing/2010/main" val="0"/>
@@ -16252,7 +16318,7 @@
           <p:nvPr/>
         </p:nvPicPr>
         <p:blipFill rotWithShape="1">
-          <a:blip r:embed="rId7">
+          <a:blip r:embed="rId8">
             <a:extLst>
               <a:ext uri="{28A0092B-C50C-407E-A947-70E740481C1C}">
                 <a14:useLocalDpi xmlns:a14="http://schemas.microsoft.com/office/drawing/2010/main" val="0"/>

--- a/[Document]/소개운영자료/[DIVE_운영방향_김경원교수].pptx
+++ b/[Document]/소개운영자료/[DIVE_운영방향_김경원교수].pptx
@@ -288,7 +288,7 @@
       </p15:notesGuideLst>
     </p:ext>
     <p:ext uri="http://customooxmlschemas.google.com/">
-      <go:slidesCustomData xmlns:go="http://customooxmlschemas.google.com/" xmlns:p15="http://schemas.microsoft.com/office/powerpoint/2012/main" xmlns:p14="http://schemas.microsoft.com/office/powerpoint/2010/main" xmlns:com="http://schemas.openxmlformats.org/drawingml/2006/compatibility" xmlns:pvml="urn:schemas-microsoft-com:office:powerpoint" xmlns:v="urn:schemas-microsoft-com:vml" xmlns:o="urn:schemas-microsoft-com:office:office" xmlns:dgm="http://schemas.openxmlformats.org/drawingml/2006/diagram" xmlns:c="http://schemas.openxmlformats.org/drawingml/2006/chart" xmlns:mv="urn:schemas-microsoft-com:mac:vml" xmlns:mc="http://schemas.openxmlformats.org/markup-compatibility/2006" xmlns="" r:id="rId105" roundtripDataSignature="AMtx7miUWwlRzSp7FmXEzuK0I58SVnBqRw=="/>
+      <go:slidesCustomData xmlns="" xmlns:mc="http://schemas.openxmlformats.org/markup-compatibility/2006" xmlns:mv="urn:schemas-microsoft-com:mac:vml" xmlns:c="http://schemas.openxmlformats.org/drawingml/2006/chart" xmlns:dgm="http://schemas.openxmlformats.org/drawingml/2006/diagram" xmlns:o="urn:schemas-microsoft-com:office:office" xmlns:v="urn:schemas-microsoft-com:vml" xmlns:pvml="urn:schemas-microsoft-com:office:powerpoint" xmlns:com="http://schemas.openxmlformats.org/drawingml/2006/compatibility" xmlns:p14="http://schemas.microsoft.com/office/powerpoint/2010/main" xmlns:p15="http://schemas.microsoft.com/office/powerpoint/2012/main" xmlns:go="http://customooxmlschemas.google.com/" r:id="rId105" roundtripDataSignature="AMtx7miUWwlRzSp7FmXEzuK0I58SVnBqRw=="/>
     </p:ext>
   </p:extLst>
 </p:presentation>
@@ -12168,6 +12168,140 @@
           </a:fontRef>
         </p:style>
       </p:cxnSp>
+      <p:sp>
+        <p:nvSpPr>
+          <p:cNvPr id="4" name="사각형: 둥근 모서리 3">
+            <a:extLst>
+              <a:ext uri="{FF2B5EF4-FFF2-40B4-BE49-F238E27FC236}">
+                <a16:creationId xmlns:a16="http://schemas.microsoft.com/office/drawing/2014/main" id="{CFFE3BCA-23F5-9392-B79A-A6C5C68921D4}"/>
+              </a:ext>
+            </a:extLst>
+          </p:cNvPr>
+          <p:cNvSpPr/>
+          <p:nvPr/>
+        </p:nvSpPr>
+        <p:spPr>
+          <a:xfrm>
+            <a:off x="370981" y="1529492"/>
+            <a:ext cx="1361807" cy="321219"/>
+          </a:xfrm>
+          <a:prstGeom prst="roundRect">
+            <a:avLst/>
+          </a:prstGeom>
+          <a:solidFill>
+            <a:srgbClr val="C00000"/>
+          </a:solidFill>
+          <a:ln>
+            <a:noFill/>
+          </a:ln>
+        </p:spPr>
+        <p:style>
+          <a:lnRef idx="2">
+            <a:schemeClr val="accent1">
+              <a:shade val="15000"/>
+            </a:schemeClr>
+          </a:lnRef>
+          <a:fillRef idx="1">
+            <a:schemeClr val="accent1"/>
+          </a:fillRef>
+          <a:effectRef idx="0">
+            <a:schemeClr val="accent1"/>
+          </a:effectRef>
+          <a:fontRef idx="minor">
+            <a:schemeClr val="lt1"/>
+          </a:fontRef>
+        </p:style>
+        <p:txBody>
+          <a:bodyPr rtlCol="0" anchor="ctr"/>
+          <a:lstStyle/>
+          <a:p>
+            <a:pPr algn="ctr"/>
+            <a:r>
+              <a:rPr lang="en-US" altLang="ko-KR" sz="1200" b="1"/>
+              <a:t>25</a:t>
+            </a:r>
+            <a:r>
+              <a:rPr lang="ko-KR" altLang="en-US" sz="1200" b="1"/>
+              <a:t>년 </a:t>
+            </a:r>
+            <a:r>
+              <a:rPr lang="en-US" altLang="ko-KR" sz="1200" b="1"/>
+              <a:t>3</a:t>
+            </a:r>
+            <a:r>
+              <a:rPr lang="ko-KR" altLang="en-US" sz="1200" b="1"/>
+              <a:t>분기 목표</a:t>
+            </a:r>
+          </a:p>
+        </p:txBody>
+      </p:sp>
+      <p:sp>
+        <p:nvSpPr>
+          <p:cNvPr id="5" name="사각형: 둥근 모서리 4">
+            <a:extLst>
+              <a:ext uri="{FF2B5EF4-FFF2-40B4-BE49-F238E27FC236}">
+                <a16:creationId xmlns:a16="http://schemas.microsoft.com/office/drawing/2014/main" id="{DB921964-1A95-F318-48E0-7A096BF61BAF}"/>
+              </a:ext>
+            </a:extLst>
+          </p:cNvPr>
+          <p:cNvSpPr/>
+          <p:nvPr/>
+        </p:nvSpPr>
+        <p:spPr>
+          <a:xfrm>
+            <a:off x="7418939" y="1529492"/>
+            <a:ext cx="1361807" cy="321219"/>
+          </a:xfrm>
+          <a:prstGeom prst="roundRect">
+            <a:avLst/>
+          </a:prstGeom>
+          <a:solidFill>
+            <a:srgbClr val="C00000"/>
+          </a:solidFill>
+          <a:ln>
+            <a:noFill/>
+          </a:ln>
+        </p:spPr>
+        <p:style>
+          <a:lnRef idx="2">
+            <a:schemeClr val="accent1">
+              <a:shade val="15000"/>
+            </a:schemeClr>
+          </a:lnRef>
+          <a:fillRef idx="1">
+            <a:schemeClr val="accent1"/>
+          </a:fillRef>
+          <a:effectRef idx="0">
+            <a:schemeClr val="accent1"/>
+          </a:effectRef>
+          <a:fontRef idx="minor">
+            <a:schemeClr val="lt1"/>
+          </a:fontRef>
+        </p:style>
+        <p:txBody>
+          <a:bodyPr rtlCol="0" anchor="ctr"/>
+          <a:lstStyle/>
+          <a:p>
+            <a:pPr algn="ctr"/>
+            <a:r>
+              <a:rPr lang="en-US" altLang="ko-KR" sz="1200" b="1"/>
+              <a:t>25</a:t>
+            </a:r>
+            <a:r>
+              <a:rPr lang="ko-KR" altLang="en-US" sz="1200" b="1"/>
+              <a:t>년 </a:t>
+            </a:r>
+            <a:r>
+              <a:rPr lang="en-US" altLang="ko-KR" sz="1200" b="1"/>
+              <a:t>3</a:t>
+            </a:r>
+            <a:r>
+              <a:rPr lang="ko-KR" altLang="en-US" sz="1200" b="1"/>
+              <a:t>분기 목표</a:t>
+            </a:r>
+          </a:p>
+        </p:txBody>
+      </p:sp>
     </p:spTree>
     <p:extLst>
       <p:ext uri="{BB962C8B-B14F-4D97-AF65-F5344CB8AC3E}">
@@ -13644,6 +13778,73 @@
           </a:fontRef>
         </p:style>
       </p:cxnSp>
+      <p:sp>
+        <p:nvSpPr>
+          <p:cNvPr id="4" name="사각형: 둥근 모서리 3">
+            <a:extLst>
+              <a:ext uri="{FF2B5EF4-FFF2-40B4-BE49-F238E27FC236}">
+                <a16:creationId xmlns:a16="http://schemas.microsoft.com/office/drawing/2014/main" id="{F17F0EAB-2C14-9BC0-6AA1-BA6DF06E07A9}"/>
+              </a:ext>
+            </a:extLst>
+          </p:cNvPr>
+          <p:cNvSpPr/>
+          <p:nvPr/>
+        </p:nvSpPr>
+        <p:spPr>
+          <a:xfrm>
+            <a:off x="7418939" y="1529492"/>
+            <a:ext cx="1361807" cy="321219"/>
+          </a:xfrm>
+          <a:prstGeom prst="roundRect">
+            <a:avLst/>
+          </a:prstGeom>
+          <a:solidFill>
+            <a:srgbClr val="C00000"/>
+          </a:solidFill>
+          <a:ln>
+            <a:noFill/>
+          </a:ln>
+        </p:spPr>
+        <p:style>
+          <a:lnRef idx="2">
+            <a:schemeClr val="accent1">
+              <a:shade val="15000"/>
+            </a:schemeClr>
+          </a:lnRef>
+          <a:fillRef idx="1">
+            <a:schemeClr val="accent1"/>
+          </a:fillRef>
+          <a:effectRef idx="0">
+            <a:schemeClr val="accent1"/>
+          </a:effectRef>
+          <a:fontRef idx="minor">
+            <a:schemeClr val="lt1"/>
+          </a:fontRef>
+        </p:style>
+        <p:txBody>
+          <a:bodyPr rtlCol="0" anchor="ctr"/>
+          <a:lstStyle/>
+          <a:p>
+            <a:pPr algn="ctr"/>
+            <a:r>
+              <a:rPr lang="en-US" altLang="ko-KR" sz="1200" b="1"/>
+              <a:t>25</a:t>
+            </a:r>
+            <a:r>
+              <a:rPr lang="ko-KR" altLang="en-US" sz="1200" b="1"/>
+              <a:t>년 </a:t>
+            </a:r>
+            <a:r>
+              <a:rPr lang="en-US" altLang="ko-KR" sz="1200" b="1"/>
+              <a:t>3</a:t>
+            </a:r>
+            <a:r>
+              <a:rPr lang="ko-KR" altLang="en-US" sz="1200" b="1"/>
+              <a:t>분기 목표</a:t>
+            </a:r>
+          </a:p>
+        </p:txBody>
+      </p:sp>
     </p:spTree>
     <p:extLst>
       <p:ext uri="{BB962C8B-B14F-4D97-AF65-F5344CB8AC3E}">

--- a/[Document]/소개운영자료/[DIVE_운영방향_김경원교수].pptx
+++ b/[Document]/소개운영자료/[DIVE_운영방향_김경원교수].pptx
@@ -288,7 +288,7 @@
       </p15:notesGuideLst>
     </p:ext>
     <p:ext uri="http://customooxmlschemas.google.com/">
-      <go:slidesCustomData xmlns="" xmlns:mc="http://schemas.openxmlformats.org/markup-compatibility/2006" xmlns:mv="urn:schemas-microsoft-com:mac:vml" xmlns:c="http://schemas.openxmlformats.org/drawingml/2006/chart" xmlns:dgm="http://schemas.openxmlformats.org/drawingml/2006/diagram" xmlns:o="urn:schemas-microsoft-com:office:office" xmlns:v="urn:schemas-microsoft-com:vml" xmlns:pvml="urn:schemas-microsoft-com:office:powerpoint" xmlns:com="http://schemas.openxmlformats.org/drawingml/2006/compatibility" xmlns:p14="http://schemas.microsoft.com/office/powerpoint/2010/main" xmlns:p15="http://schemas.microsoft.com/office/powerpoint/2012/main" xmlns:go="http://customooxmlschemas.google.com/" r:id="rId105" roundtripDataSignature="AMtx7miUWwlRzSp7FmXEzuK0I58SVnBqRw=="/>
+      <go:slidesCustomData xmlns:go="http://customooxmlschemas.google.com/" xmlns:p15="http://schemas.microsoft.com/office/powerpoint/2012/main" xmlns:p14="http://schemas.microsoft.com/office/powerpoint/2010/main" xmlns:com="http://schemas.openxmlformats.org/drawingml/2006/compatibility" xmlns:pvml="urn:schemas-microsoft-com:office:powerpoint" xmlns:v="urn:schemas-microsoft-com:vml" xmlns:o="urn:schemas-microsoft-com:office:office" xmlns:dgm="http://schemas.openxmlformats.org/drawingml/2006/diagram" xmlns:c="http://schemas.openxmlformats.org/drawingml/2006/chart" xmlns:mv="urn:schemas-microsoft-com:mac:vml" xmlns:mc="http://schemas.openxmlformats.org/markup-compatibility/2006" xmlns="" r:id="rId105" roundtripDataSignature="AMtx7miUWwlRzSp7FmXEzuK0I58SVnBqRw=="/>
     </p:ext>
   </p:extLst>
 </p:presentation>
@@ -388,7 +388,7 @@
           <a:p>
             <a:fld id="{0FE758C4-0839-4DFD-B23C-C4B0E1666FA8}" type="datetimeFigureOut">
               <a:rPr lang="ko-KR" altLang="en-US" smtClean="0"/>
-              <a:t>2025-07-05</a:t>
+              <a:t>2025-07-09</a:t>
             </a:fld>
             <a:endParaRPr lang="ko-KR" altLang="en-US"/>
           </a:p>
@@ -14099,44 +14099,17 @@
                 <a:cs typeface="Calibri"/>
                 <a:sym typeface="Calibri"/>
               </a:rPr>
-              <a:t>텍스트정보추출 </a:t>
-            </a:r>
-            <a:r>
-              <a:rPr lang="en-US" altLang="ko-KR" sz="1050" b="1">
-                <a:solidFill>
-                  <a:schemeClr val="dk1"/>
-                </a:solidFill>
-                <a:latin typeface="Calibri"/>
-                <a:ea typeface="Calibri"/>
-                <a:cs typeface="Calibri"/>
-                <a:sym typeface="Calibri"/>
-              </a:rPr>
-              <a:t>+ </a:t>
-            </a:r>
-            <a:r>
-              <a:rPr lang="ko-KR" altLang="en-US" sz="1050" b="1">
-                <a:solidFill>
-                  <a:schemeClr val="dk1"/>
-                </a:solidFill>
-                <a:latin typeface="Calibri"/>
-                <a:ea typeface="Calibri"/>
-                <a:cs typeface="Calibri"/>
-                <a:sym typeface="Calibri"/>
-              </a:rPr>
-              <a:t>신규</a:t>
-            </a:r>
-            <a:r>
-              <a:rPr lang="en-US" altLang="ko-KR" sz="1050" b="1">
-                <a:solidFill>
-                  <a:schemeClr val="dk1"/>
-                </a:solidFill>
-                <a:latin typeface="Calibri"/>
-                <a:ea typeface="Calibri"/>
-                <a:cs typeface="Calibri"/>
-                <a:sym typeface="Calibri"/>
-              </a:rPr>
-              <a:t>DB</a:t>
-            </a:r>
+              <a:t>텍스트정보추출</a:t>
+            </a:r>
+            <a:endParaRPr lang="en-US" altLang="ko-KR" sz="1050" b="1">
+              <a:solidFill>
+                <a:srgbClr val="FF0000"/>
+              </a:solidFill>
+              <a:latin typeface="Calibri"/>
+              <a:ea typeface="Calibri"/>
+              <a:cs typeface="Calibri"/>
+              <a:sym typeface="Calibri"/>
+            </a:endParaRPr>
           </a:p>
           <a:p>
             <a:pPr marL="171450" lvl="0" indent="-171450">
@@ -15059,19 +15032,10 @@
             </a:endParaRPr>
           </a:p>
           <a:p>
-            <a:pPr marL="92075" marR="0" lvl="0" indent="-92075" algn="l" rtl="0">
+            <a:pPr marL="92075" lvl="0" indent="-92075">
               <a:lnSpc>
                 <a:spcPct val="120000"/>
               </a:lnSpc>
-              <a:spcBef>
-                <a:spcPts val="0"/>
-              </a:spcBef>
-              <a:spcAft>
-                <a:spcPts val="0"/>
-              </a:spcAft>
-              <a:buClr>
-                <a:srgbClr val="000000"/>
-              </a:buClr>
               <a:buSzPts val="1400"/>
               <a:buFont typeface="Noto Sans Symbols"/>
               <a:buChar char="▪"/>
@@ -15099,6 +15063,78 @@
                 <a:sym typeface="Calibri"/>
               </a:rPr>
               <a:t>2: </a:t>
+            </a:r>
+            <a:r>
+              <a:rPr lang="en-US" altLang="ko-KR" sz="1050" b="1">
+                <a:solidFill>
+                  <a:srgbClr val="FF0000"/>
+                </a:solidFill>
+                <a:latin typeface="Calibri"/>
+                <a:ea typeface="Calibri"/>
+                <a:cs typeface="Calibri"/>
+                <a:sym typeface="Calibri"/>
+              </a:rPr>
+              <a:t>(</a:t>
+            </a:r>
+            <a:r>
+              <a:rPr lang="ko-KR" altLang="en-US" sz="1050" b="1">
+                <a:solidFill>
+                  <a:srgbClr val="FF0000"/>
+                </a:solidFill>
+                <a:latin typeface="Calibri"/>
+                <a:ea typeface="Calibri"/>
+                <a:cs typeface="Calibri"/>
+                <a:sym typeface="Calibri"/>
+              </a:rPr>
+              <a:t>필요시</a:t>
+            </a:r>
+            <a:r>
+              <a:rPr lang="en-US" altLang="ko-KR" sz="1050" b="1">
+                <a:solidFill>
+                  <a:srgbClr val="FF0000"/>
+                </a:solidFill>
+                <a:latin typeface="Calibri"/>
+                <a:ea typeface="Calibri"/>
+                <a:cs typeface="Calibri"/>
+                <a:sym typeface="Calibri"/>
+              </a:rPr>
+              <a:t>)</a:t>
+            </a:r>
+            <a:r>
+              <a:rPr lang="ko-KR" altLang="en-US" sz="1050" b="1">
+                <a:solidFill>
+                  <a:srgbClr val="FF0000"/>
+                </a:solidFill>
+                <a:latin typeface="Calibri"/>
+                <a:ea typeface="Calibri"/>
+                <a:cs typeface="Calibri"/>
+                <a:sym typeface="Calibri"/>
+              </a:rPr>
+              <a:t>신규</a:t>
+            </a:r>
+            <a:r>
+              <a:rPr lang="en-US" altLang="ko-KR" sz="1050" b="1">
+                <a:solidFill>
+                  <a:srgbClr val="FF0000"/>
+                </a:solidFill>
+                <a:latin typeface="Calibri"/>
+                <a:ea typeface="Calibri"/>
+                <a:cs typeface="Calibri"/>
+                <a:sym typeface="Calibri"/>
+              </a:rPr>
+              <a:t>DB</a:t>
+            </a:r>
+            <a:r>
+              <a:rPr lang="en-US" altLang="ko-KR" sz="1050" b="1">
+                <a:solidFill>
+                  <a:schemeClr val="dk1"/>
+                </a:solidFill>
+                <a:latin typeface="Calibri"/>
+                <a:ea typeface="Calibri"/>
+                <a:cs typeface="Calibri"/>
+                <a:sym typeface="Calibri"/>
+              </a:rPr>
+              <a:t> + </a:t>
             </a:r>
             <a:r>
               <a:rPr lang="ko-KR" altLang="en-US" sz="1050" b="1">

--- a/[Document]/소개운영자료/[DIVE_운영방향_김경원교수].pptx
+++ b/[Document]/소개운영자료/[DIVE_운영방향_김경원교수].pptx
@@ -288,7 +288,7 @@
       </p15:notesGuideLst>
     </p:ext>
     <p:ext uri="http://customooxmlschemas.google.com/">
-      <go:slidesCustomData xmlns:go="http://customooxmlschemas.google.com/" xmlns:p15="http://schemas.microsoft.com/office/powerpoint/2012/main" xmlns:p14="http://schemas.microsoft.com/office/powerpoint/2010/main" xmlns:com="http://schemas.openxmlformats.org/drawingml/2006/compatibility" xmlns:pvml="urn:schemas-microsoft-com:office:powerpoint" xmlns:v="urn:schemas-microsoft-com:vml" xmlns:o="urn:schemas-microsoft-com:office:office" xmlns:dgm="http://schemas.openxmlformats.org/drawingml/2006/diagram" xmlns:c="http://schemas.openxmlformats.org/drawingml/2006/chart" xmlns:mv="urn:schemas-microsoft-com:mac:vml" xmlns:mc="http://schemas.openxmlformats.org/markup-compatibility/2006" xmlns="" r:id="rId105" roundtripDataSignature="AMtx7miUWwlRzSp7FmXEzuK0I58SVnBqRw=="/>
+      <go:slidesCustomData xmlns="" xmlns:mc="http://schemas.openxmlformats.org/markup-compatibility/2006" xmlns:mv="urn:schemas-microsoft-com:mac:vml" xmlns:c="http://schemas.openxmlformats.org/drawingml/2006/chart" xmlns:dgm="http://schemas.openxmlformats.org/drawingml/2006/diagram" xmlns:o="urn:schemas-microsoft-com:office:office" xmlns:v="urn:schemas-microsoft-com:vml" xmlns:pvml="urn:schemas-microsoft-com:office:powerpoint" xmlns:com="http://schemas.openxmlformats.org/drawingml/2006/compatibility" xmlns:p14="http://schemas.microsoft.com/office/powerpoint/2010/main" xmlns:p15="http://schemas.microsoft.com/office/powerpoint/2012/main" xmlns:go="http://customooxmlschemas.google.com/" r:id="rId105" roundtripDataSignature="AMtx7miUWwlRzSp7FmXEzuK0I58SVnBqRw=="/>
     </p:ext>
   </p:extLst>
 </p:presentation>
@@ -388,7 +388,7 @@
           <a:p>
             <a:fld id="{0FE758C4-0839-4DFD-B23C-C4B0E1666FA8}" type="datetimeFigureOut">
               <a:rPr lang="ko-KR" altLang="en-US" smtClean="0"/>
-              <a:t>2025-07-09</a:t>
+              <a:t>2025-07-24</a:t>
             </a:fld>
             <a:endParaRPr lang="ko-KR" altLang="en-US"/>
           </a:p>
@@ -15677,7 +15677,7 @@
         <p:spPr>
           <a:xfrm>
             <a:off x="370982" y="2300797"/>
-            <a:ext cx="4117490" cy="2733015"/>
+            <a:ext cx="4117490" cy="2862282"/>
           </a:xfrm>
           <a:prstGeom prst="rect">
             <a:avLst/>
@@ -15906,6 +15906,61 @@
               <a:t>https://github.com/thekimk/Lecture-NIA/blob/main/Data/df_concat_BA1.csv</a:t>
             </a:r>
             <a:endParaRPr lang="en-US" altLang="ko-KR" sz="800">
+              <a:solidFill>
+                <a:schemeClr val="dk1"/>
+              </a:solidFill>
+              <a:latin typeface="Calibri"/>
+              <a:ea typeface="Calibri"/>
+              <a:cs typeface="Calibri"/>
+              <a:sym typeface="Calibri"/>
+            </a:endParaRPr>
+          </a:p>
+          <a:p>
+            <a:pPr marL="171450" indent="-171450">
+              <a:lnSpc>
+                <a:spcPct val="120000"/>
+              </a:lnSpc>
+              <a:buSzPts val="1400"/>
+              <a:buFontTx/>
+              <a:buChar char="-"/>
+            </a:pPr>
+            <a:r>
+              <a:rPr lang="ko-KR" altLang="en-US" sz="900">
+                <a:solidFill>
+                  <a:schemeClr val="dk1"/>
+                </a:solidFill>
+                <a:latin typeface="Calibri"/>
+                <a:ea typeface="Calibri"/>
+                <a:cs typeface="Calibri"/>
+                <a:sym typeface="Calibri"/>
+              </a:rPr>
+              <a:t>종속변수</a:t>
+            </a:r>
+            <a:r>
+              <a:rPr lang="en-US" altLang="ko-KR" sz="900">
+                <a:solidFill>
+                  <a:schemeClr val="dk1"/>
+                </a:solidFill>
+                <a:latin typeface="Calibri"/>
+                <a:ea typeface="Calibri"/>
+                <a:cs typeface="Calibri"/>
+                <a:sym typeface="Calibri"/>
+              </a:rPr>
+              <a:t>: </a:t>
+            </a:r>
+            <a:r>
+              <a:rPr lang="ko-KR" altLang="en-US" sz="900">
+                <a:solidFill>
+                  <a:schemeClr val="dk1"/>
+                </a:solidFill>
+                <a:latin typeface="Calibri"/>
+                <a:ea typeface="Calibri"/>
+                <a:cs typeface="Calibri"/>
+                <a:sym typeface="Calibri"/>
+              </a:rPr>
+              <a:t>기부여부</a:t>
+            </a:r>
+            <a:endParaRPr lang="en-US" altLang="ko-KR" sz="900">
               <a:solidFill>
                 <a:schemeClr val="dk1"/>
               </a:solidFill>
@@ -16522,8 +16577,8 @@
         </p:blipFill>
         <p:spPr bwMode="auto">
           <a:xfrm>
-            <a:off x="415704" y="4766959"/>
-            <a:ext cx="4026771" cy="1198621"/>
+            <a:off x="525036" y="4884519"/>
+            <a:ext cx="3809381" cy="1133912"/>
           </a:xfrm>
           <a:prstGeom prst="rect">
             <a:avLst/>

--- a/[Document]/소개운영자료/[DIVE_운영방향_김경원교수].pptx
+++ b/[Document]/소개운영자료/[DIVE_운영방향_김경원교수].pptx
@@ -288,7 +288,7 @@
       </p15:notesGuideLst>
     </p:ext>
     <p:ext uri="http://customooxmlschemas.google.com/">
-      <go:slidesCustomData xmlns="" xmlns:mc="http://schemas.openxmlformats.org/markup-compatibility/2006" xmlns:mv="urn:schemas-microsoft-com:mac:vml" xmlns:c="http://schemas.openxmlformats.org/drawingml/2006/chart" xmlns:dgm="http://schemas.openxmlformats.org/drawingml/2006/diagram" xmlns:o="urn:schemas-microsoft-com:office:office" xmlns:v="urn:schemas-microsoft-com:vml" xmlns:pvml="urn:schemas-microsoft-com:office:powerpoint" xmlns:com="http://schemas.openxmlformats.org/drawingml/2006/compatibility" xmlns:p14="http://schemas.microsoft.com/office/powerpoint/2010/main" xmlns:p15="http://schemas.microsoft.com/office/powerpoint/2012/main" xmlns:go="http://customooxmlschemas.google.com/" r:id="rId105" roundtripDataSignature="AMtx7miUWwlRzSp7FmXEzuK0I58SVnBqRw=="/>
+      <go:slidesCustomData xmlns:go="http://customooxmlschemas.google.com/" xmlns:p15="http://schemas.microsoft.com/office/powerpoint/2012/main" xmlns:p14="http://schemas.microsoft.com/office/powerpoint/2010/main" xmlns:com="http://schemas.openxmlformats.org/drawingml/2006/compatibility" xmlns:pvml="urn:schemas-microsoft-com:office:powerpoint" xmlns:v="urn:schemas-microsoft-com:vml" xmlns:o="urn:schemas-microsoft-com:office:office" xmlns:dgm="http://schemas.openxmlformats.org/drawingml/2006/diagram" xmlns:c="http://schemas.openxmlformats.org/drawingml/2006/chart" xmlns:mv="urn:schemas-microsoft-com:mac:vml" xmlns:mc="http://schemas.openxmlformats.org/markup-compatibility/2006" xmlns="" r:id="rId105" roundtripDataSignature="AMtx7miUWwlRzSp7FmXEzuK0I58SVnBqRw=="/>
     </p:ext>
   </p:extLst>
 </p:presentation>
@@ -388,7 +388,7 @@
           <a:p>
             <a:fld id="{0FE758C4-0839-4DFD-B23C-C4B0E1666FA8}" type="datetimeFigureOut">
               <a:rPr lang="ko-KR" altLang="en-US" smtClean="0"/>
-              <a:t>2025-07-24</a:t>
+              <a:t>2025-08-07</a:t>
             </a:fld>
             <a:endParaRPr lang="ko-KR" altLang="en-US"/>
           </a:p>
@@ -15677,7 +15677,7 @@
         <p:spPr>
           <a:xfrm>
             <a:off x="370982" y="2300797"/>
-            <a:ext cx="4117490" cy="2862282"/>
+            <a:ext cx="4117490" cy="3028481"/>
           </a:xfrm>
           <a:prstGeom prst="rect">
             <a:avLst/>
@@ -16198,15 +16198,210 @@
               </a:rPr>
               <a:t>https://mdis.kostat.go.kr/dwnlSvc/ofrSurvSearch.do?curMenuNo=UI_POR_P9240</a:t>
             </a:r>
-            <a:endParaRPr lang="en-US" altLang="ko-KR" sz="800">
-              <a:solidFill>
-                <a:schemeClr val="dk1"/>
-              </a:solidFill>
-              <a:latin typeface="Calibri"/>
-              <a:ea typeface="Calibri"/>
-              <a:cs typeface="Calibri"/>
-              <a:sym typeface="Calibri"/>
-            </a:endParaRPr>
+            <a:r>
+              <a:rPr lang="en-US" altLang="ko-KR" sz="800">
+                <a:solidFill>
+                  <a:schemeClr val="dk1"/>
+                </a:solidFill>
+                <a:latin typeface="Calibri"/>
+                <a:ea typeface="Calibri"/>
+                <a:cs typeface="Calibri"/>
+                <a:sym typeface="Calibri"/>
+              </a:rPr>
+              <a:t> (</a:t>
+            </a:r>
+            <a:r>
+              <a:rPr lang="ko-KR" altLang="en-US" sz="800">
+                <a:solidFill>
+                  <a:schemeClr val="dk1"/>
+                </a:solidFill>
+                <a:latin typeface="Calibri"/>
+                <a:ea typeface="Calibri"/>
+                <a:cs typeface="Calibri"/>
+                <a:sym typeface="Calibri"/>
+              </a:rPr>
+              <a:t>사회일반 </a:t>
+            </a:r>
+            <a:r>
+              <a:rPr lang="en-US" altLang="ko-KR" sz="800">
+                <a:solidFill>
+                  <a:schemeClr val="dk1"/>
+                </a:solidFill>
+                <a:latin typeface="Calibri"/>
+                <a:ea typeface="Calibri"/>
+                <a:cs typeface="Calibri"/>
+                <a:sym typeface="Calibri"/>
+              </a:rPr>
+              <a:t>&gt; </a:t>
+            </a:r>
+            <a:r>
+              <a:rPr lang="ko-KR" altLang="en-US" sz="800">
+                <a:solidFill>
+                  <a:schemeClr val="dk1"/>
+                </a:solidFill>
+                <a:latin typeface="Calibri"/>
+                <a:ea typeface="Calibri"/>
+                <a:cs typeface="Calibri"/>
+                <a:sym typeface="Calibri"/>
+              </a:rPr>
+              <a:t>사회조사 </a:t>
+            </a:r>
+            <a:r>
+              <a:rPr lang="en-US" altLang="ko-KR" sz="800">
+                <a:solidFill>
+                  <a:schemeClr val="dk1"/>
+                </a:solidFill>
+                <a:latin typeface="Calibri"/>
+                <a:ea typeface="Calibri"/>
+                <a:cs typeface="Calibri"/>
+                <a:sym typeface="Calibri"/>
+              </a:rPr>
+              <a:t>&gt; </a:t>
+            </a:r>
+            <a:r>
+              <a:rPr lang="ko-KR" altLang="en-US" sz="800">
+                <a:solidFill>
+                  <a:schemeClr val="dk1"/>
+                </a:solidFill>
+                <a:latin typeface="Calibri"/>
+                <a:ea typeface="Calibri"/>
+                <a:cs typeface="Calibri"/>
+                <a:sym typeface="Calibri"/>
+              </a:rPr>
+              <a:t>복지</a:t>
+            </a:r>
+            <a:r>
+              <a:rPr lang="en-US" altLang="ko-KR" sz="800">
+                <a:solidFill>
+                  <a:schemeClr val="dk1"/>
+                </a:solidFill>
+                <a:latin typeface="Calibri"/>
+                <a:ea typeface="Calibri"/>
+                <a:cs typeface="Calibri"/>
+                <a:sym typeface="Calibri"/>
+              </a:rPr>
+              <a:t>/</a:t>
+            </a:r>
+            <a:r>
+              <a:rPr lang="ko-KR" altLang="en-US" sz="800">
+                <a:solidFill>
+                  <a:schemeClr val="dk1"/>
+                </a:solidFill>
+                <a:latin typeface="Calibri"/>
+                <a:ea typeface="Calibri"/>
+                <a:cs typeface="Calibri"/>
+                <a:sym typeface="Calibri"/>
+              </a:rPr>
+              <a:t>사회참여</a:t>
+            </a:r>
+            <a:r>
+              <a:rPr lang="en-US" altLang="ko-KR" sz="800">
+                <a:solidFill>
+                  <a:schemeClr val="dk1"/>
+                </a:solidFill>
+                <a:latin typeface="Calibri"/>
+                <a:ea typeface="Calibri"/>
+                <a:cs typeface="Calibri"/>
+                <a:sym typeface="Calibri"/>
+              </a:rPr>
+              <a:t>/</a:t>
+            </a:r>
+            <a:r>
+              <a:rPr lang="ko-KR" altLang="en-US" sz="800">
+                <a:solidFill>
+                  <a:schemeClr val="dk1"/>
+                </a:solidFill>
+                <a:latin typeface="Calibri"/>
+                <a:ea typeface="Calibri"/>
+                <a:cs typeface="Calibri"/>
+                <a:sym typeface="Calibri"/>
+              </a:rPr>
+              <a:t>문화와여가</a:t>
+            </a:r>
+            <a:r>
+              <a:rPr lang="en-US" altLang="ko-KR" sz="800">
+                <a:solidFill>
+                  <a:schemeClr val="dk1"/>
+                </a:solidFill>
+                <a:latin typeface="Calibri"/>
+                <a:ea typeface="Calibri"/>
+                <a:cs typeface="Calibri"/>
+                <a:sym typeface="Calibri"/>
+              </a:rPr>
+              <a:t>/</a:t>
+            </a:r>
+            <a:r>
+              <a:rPr lang="ko-KR" altLang="en-US" sz="800">
+                <a:solidFill>
+                  <a:schemeClr val="dk1"/>
+                </a:solidFill>
+                <a:latin typeface="Calibri"/>
+                <a:ea typeface="Calibri"/>
+                <a:cs typeface="Calibri"/>
+                <a:sym typeface="Calibri"/>
+              </a:rPr>
+              <a:t>소득과소비</a:t>
+            </a:r>
+            <a:r>
+              <a:rPr lang="en-US" altLang="ko-KR" sz="800">
+                <a:solidFill>
+                  <a:schemeClr val="dk1"/>
+                </a:solidFill>
+                <a:latin typeface="Calibri"/>
+                <a:ea typeface="Calibri"/>
+                <a:cs typeface="Calibri"/>
+                <a:sym typeface="Calibri"/>
+              </a:rPr>
+              <a:t>/</a:t>
+            </a:r>
+            <a:r>
+              <a:rPr lang="ko-KR" altLang="en-US" sz="800">
+                <a:solidFill>
+                  <a:schemeClr val="dk1"/>
+                </a:solidFill>
+                <a:latin typeface="Calibri"/>
+                <a:ea typeface="Calibri"/>
+                <a:cs typeface="Calibri"/>
+                <a:sym typeface="Calibri"/>
+              </a:rPr>
+              <a:t>노동 </a:t>
+            </a:r>
+            <a:r>
+              <a:rPr lang="en-US" altLang="ko-KR" sz="800">
+                <a:solidFill>
+                  <a:schemeClr val="dk1"/>
+                </a:solidFill>
+                <a:latin typeface="Calibri"/>
+                <a:ea typeface="Calibri"/>
+                <a:cs typeface="Calibri"/>
+                <a:sym typeface="Calibri"/>
+              </a:rPr>
+              <a:t>&gt; 2021~2023</a:t>
+            </a:r>
+            <a:r>
+              <a:rPr lang="ko-KR" altLang="en-US" sz="800">
+                <a:solidFill>
+                  <a:schemeClr val="dk1"/>
+                </a:solidFill>
+                <a:latin typeface="Calibri"/>
+                <a:ea typeface="Calibri"/>
+                <a:cs typeface="Calibri"/>
+                <a:sym typeface="Calibri"/>
+              </a:rPr>
+              <a:t>년</a:t>
+            </a:r>
+            <a:r>
+              <a:rPr lang="en-US" altLang="ko-KR" sz="800">
+                <a:solidFill>
+                  <a:schemeClr val="dk1"/>
+                </a:solidFill>
+                <a:latin typeface="Calibri"/>
+                <a:ea typeface="Calibri"/>
+                <a:cs typeface="Calibri"/>
+                <a:sym typeface="Calibri"/>
+              </a:rPr>
+              <a:t>)</a:t>
+            </a:r>
           </a:p>
           <a:p>
             <a:pPr marL="171450" indent="-171450">

--- a/[Document]/소개운영자료/[DIVE_운영방향_김경원교수].pptx
+++ b/[Document]/소개운영자료/[DIVE_운영방향_김경원교수].pptx
@@ -5,17 +5,18 @@
     <p:sldMasterId id="2147483648" r:id="rId1"/>
   </p:sldMasterIdLst>
   <p:notesMasterIdLst>
-    <p:notesMasterId r:id="rId7"/>
+    <p:notesMasterId r:id="rId8"/>
   </p:notesMasterIdLst>
   <p:handoutMasterIdLst>
-    <p:handoutMasterId r:id="rId8"/>
+    <p:handoutMasterId r:id="rId9"/>
   </p:handoutMasterIdLst>
   <p:sldIdLst>
-    <p:sldId id="365" r:id="rId2"/>
+    <p:sldId id="372" r:id="rId2"/>
     <p:sldId id="367" r:id="rId3"/>
     <p:sldId id="370" r:id="rId4"/>
     <p:sldId id="371" r:id="rId5"/>
     <p:sldId id="369" r:id="rId6"/>
+    <p:sldId id="365" r:id="rId7"/>
   </p:sldIdLst>
   <p:sldSz cx="9144000" cy="6858000" type="screen4x3"/>
   <p:notesSz cx="6797675" cy="9926638"/>
@@ -388,7 +389,7 @@
           <a:p>
             <a:fld id="{0FE758C4-0839-4DFD-B23C-C4B0E1666FA8}" type="datetimeFigureOut">
               <a:rPr lang="ko-KR" altLang="en-US" smtClean="0"/>
-              <a:t>2025-08-07</a:t>
+              <a:t>2025-09-04</a:t>
             </a:fld>
             <a:endParaRPr lang="ko-KR" altLang="en-US"/>
           </a:p>
@@ -1943,7 +1944,13 @@
   <p:cSld>
     <p:spTree>
       <p:nvGrpSpPr>
-        <p:cNvPr id="1" name="Shape 572"/>
+        <p:cNvPr id="1" name="Shape 572">
+          <a:extLst>
+            <a:ext uri="{FF2B5EF4-FFF2-40B4-BE49-F238E27FC236}">
+              <a16:creationId xmlns:a16="http://schemas.microsoft.com/office/drawing/2014/main" id="{BAE1EF43-5B23-1754-FDCC-F8942711385D}"/>
+            </a:ext>
+          </a:extLst>
+        </p:cNvPr>
         <p:cNvGrpSpPr/>
         <p:nvPr/>
       </p:nvGrpSpPr>
@@ -1957,7 +1964,13 @@
       </p:grpSpPr>
       <p:sp>
         <p:nvSpPr>
-          <p:cNvPr id="573" name="Google Shape;573;p41:notes"/>
+          <p:cNvPr id="573" name="Google Shape;573;p41:notes">
+            <a:extLst>
+              <a:ext uri="{FF2B5EF4-FFF2-40B4-BE49-F238E27FC236}">
+                <a16:creationId xmlns:a16="http://schemas.microsoft.com/office/drawing/2014/main" id="{19D6380E-D328-EF88-18E2-88AEB2BC99F7}"/>
+              </a:ext>
+            </a:extLst>
+          </p:cNvPr>
           <p:cNvSpPr txBox="1">
             <a:spLocks noGrp="1"/>
           </p:cNvSpPr>
@@ -1995,7 +2008,13 @@
       </p:sp>
       <p:sp>
         <p:nvSpPr>
-          <p:cNvPr id="574" name="Google Shape;574;p41:notes"/>
+          <p:cNvPr id="574" name="Google Shape;574;p41:notes">
+            <a:extLst>
+              <a:ext uri="{FF2B5EF4-FFF2-40B4-BE49-F238E27FC236}">
+                <a16:creationId xmlns:a16="http://schemas.microsoft.com/office/drawing/2014/main" id="{A7A79743-D0B7-43E1-C3B1-0E1D3A32A995}"/>
+              </a:ext>
+            </a:extLst>
+          </p:cNvPr>
           <p:cNvSpPr>
             <a:spLocks noGrp="1" noRot="1" noChangeAspect="1"/>
           </p:cNvSpPr>
@@ -2035,6 +2054,11 @@
         </p:spPr>
       </p:sp>
     </p:spTree>
+    <p:extLst>
+      <p:ext uri="{BB962C8B-B14F-4D97-AF65-F5344CB8AC3E}">
+        <p14:creationId xmlns:p14="http://schemas.microsoft.com/office/powerpoint/2010/main" val="518088863"/>
+      </p:ext>
+    </p:extLst>
   </p:cSld>
   <p:clrMapOvr>
     <a:masterClrMapping/>
@@ -2543,6 +2567,110 @@
         <p14:creationId xmlns:p14="http://schemas.microsoft.com/office/powerpoint/2010/main" val="1770662911"/>
       </p:ext>
     </p:extLst>
+  </p:cSld>
+  <p:clrMapOvr>
+    <a:masterClrMapping/>
+  </p:clrMapOvr>
+</p:notes>
+</file>
+
+<file path=ppt/notesSlides/notesSlide6.xml><?xml version="1.0" encoding="utf-8"?>
+<p:notes xmlns:a="http://schemas.openxmlformats.org/drawingml/2006/main" xmlns:r="http://schemas.openxmlformats.org/officeDocument/2006/relationships" xmlns:p="http://schemas.openxmlformats.org/presentationml/2006/main" showMasterSp="0" showMasterPhAnim="0">
+  <p:cSld>
+    <p:spTree>
+      <p:nvGrpSpPr>
+        <p:cNvPr id="1" name="Shape 572"/>
+        <p:cNvGrpSpPr/>
+        <p:nvPr/>
+      </p:nvGrpSpPr>
+      <p:grpSpPr>
+        <a:xfrm>
+          <a:off x="0" y="0"/>
+          <a:ext cx="0" cy="0"/>
+          <a:chOff x="0" y="0"/>
+          <a:chExt cx="0" cy="0"/>
+        </a:xfrm>
+      </p:grpSpPr>
+      <p:sp>
+        <p:nvSpPr>
+          <p:cNvPr id="573" name="Google Shape;573;p41:notes"/>
+          <p:cNvSpPr txBox="1">
+            <a:spLocks noGrp="1"/>
+          </p:cNvSpPr>
+          <p:nvPr>
+            <p:ph type="body" idx="1"/>
+          </p:nvPr>
+        </p:nvSpPr>
+        <p:spPr>
+          <a:xfrm>
+            <a:off x="679768" y="4715154"/>
+            <a:ext cx="5438140" cy="4466987"/>
+          </a:xfrm>
+          <a:prstGeom prst="rect">
+            <a:avLst/>
+          </a:prstGeom>
+        </p:spPr>
+        <p:txBody>
+          <a:bodyPr spcFirstLastPara="1" wrap="square" lIns="91425" tIns="45700" rIns="91425" bIns="45700" anchor="t" anchorCtr="0">
+            <a:noAutofit/>
+          </a:bodyPr>
+          <a:lstStyle/>
+          <a:p>
+            <a:pPr marL="0" lvl="0" indent="0" algn="l" rtl="0">
+              <a:spcBef>
+                <a:spcPts val="0"/>
+              </a:spcBef>
+              <a:spcAft>
+                <a:spcPts val="0"/>
+              </a:spcAft>
+              <a:buNone/>
+            </a:pPr>
+            <a:endParaRPr/>
+          </a:p>
+        </p:txBody>
+      </p:sp>
+      <p:sp>
+        <p:nvSpPr>
+          <p:cNvPr id="574" name="Google Shape;574;p41:notes"/>
+          <p:cNvSpPr>
+            <a:spLocks noGrp="1" noRot="1" noChangeAspect="1"/>
+          </p:cNvSpPr>
+          <p:nvPr>
+            <p:ph type="sldImg" idx="2"/>
+          </p:nvPr>
+        </p:nvSpPr>
+        <p:spPr>
+          <a:xfrm>
+            <a:off x="917575" y="744538"/>
+            <a:ext cx="4962525" cy="3722687"/>
+          </a:xfrm>
+          <a:custGeom>
+            <a:avLst/>
+            <a:gdLst/>
+            <a:ahLst/>
+            <a:cxnLst/>
+            <a:rect l="l" t="t" r="r" b="b"/>
+            <a:pathLst>
+              <a:path w="120000" h="120000" extrusionOk="0">
+                <a:moveTo>
+                  <a:pt x="0" y="0"/>
+                </a:moveTo>
+                <a:lnTo>
+                  <a:pt x="120000" y="0"/>
+                </a:lnTo>
+                <a:lnTo>
+                  <a:pt x="120000" y="120000"/>
+                </a:lnTo>
+                <a:lnTo>
+                  <a:pt x="0" y="120000"/>
+                </a:lnTo>
+                <a:close/>
+              </a:path>
+            </a:pathLst>
+          </a:custGeom>
+        </p:spPr>
+      </p:sp>
+    </p:spTree>
   </p:cSld>
   <p:clrMapOvr>
     <a:masterClrMapping/>
@@ -5550,7 +5678,13 @@
   <p:cSld>
     <p:spTree>
       <p:nvGrpSpPr>
-        <p:cNvPr id="1" name="Shape 575"/>
+        <p:cNvPr id="1" name="Shape 575">
+          <a:extLst>
+            <a:ext uri="{FF2B5EF4-FFF2-40B4-BE49-F238E27FC236}">
+              <a16:creationId xmlns:a16="http://schemas.microsoft.com/office/drawing/2014/main" id="{8D6BA330-23B8-F760-0A76-C3D7FFA76153}"/>
+            </a:ext>
+          </a:extLst>
+        </p:cNvPr>
         <p:cNvGrpSpPr/>
         <p:nvPr/>
       </p:nvGrpSpPr>
@@ -5567,7 +5701,7 @@
           <p:cNvPr id="7" name="Google Shape;721;p43">
             <a:extLst>
               <a:ext uri="{FF2B5EF4-FFF2-40B4-BE49-F238E27FC236}">
-                <a16:creationId xmlns:a16="http://schemas.microsoft.com/office/drawing/2014/main" id="{B75324E4-B745-140A-85CB-8626D4F88AFA}"/>
+                <a16:creationId xmlns:a16="http://schemas.microsoft.com/office/drawing/2014/main" id="{087968D2-CC12-78B3-4C68-498D2BC41C3E}"/>
               </a:ext>
             </a:extLst>
           </p:cNvPr>
@@ -6391,7 +6525,13 @@
       </p:sp>
       <p:sp>
         <p:nvSpPr>
-          <p:cNvPr id="576" name="Google Shape;576;p41"/>
+          <p:cNvPr id="576" name="Google Shape;576;p41">
+            <a:extLst>
+              <a:ext uri="{FF2B5EF4-FFF2-40B4-BE49-F238E27FC236}">
+                <a16:creationId xmlns:a16="http://schemas.microsoft.com/office/drawing/2014/main" id="{5898717B-FB10-775E-F108-8E47309100A1}"/>
+              </a:ext>
+            </a:extLst>
+          </p:cNvPr>
           <p:cNvSpPr txBox="1"/>
           <p:nvPr/>
         </p:nvSpPr>
@@ -6444,7 +6584,13 @@
       </p:sp>
       <p:sp>
         <p:nvSpPr>
-          <p:cNvPr id="579" name="Google Shape;579;p41"/>
+          <p:cNvPr id="579" name="Google Shape;579;p41">
+            <a:extLst>
+              <a:ext uri="{FF2B5EF4-FFF2-40B4-BE49-F238E27FC236}">
+                <a16:creationId xmlns:a16="http://schemas.microsoft.com/office/drawing/2014/main" id="{8C001949-097F-D3F4-DBA9-D80CD42423D8}"/>
+              </a:ext>
+            </a:extLst>
+          </p:cNvPr>
           <p:cNvSpPr txBox="1"/>
           <p:nvPr/>
         </p:nvSpPr>
@@ -6608,7 +6754,13 @@
       </p:sp>
       <p:sp>
         <p:nvSpPr>
-          <p:cNvPr id="580" name="Google Shape;580;p41"/>
+          <p:cNvPr id="580" name="Google Shape;580;p41">
+            <a:extLst>
+              <a:ext uri="{FF2B5EF4-FFF2-40B4-BE49-F238E27FC236}">
+                <a16:creationId xmlns:a16="http://schemas.microsoft.com/office/drawing/2014/main" id="{379858C0-4351-C5DC-E37E-DD8690F69DAB}"/>
+              </a:ext>
+            </a:extLst>
+          </p:cNvPr>
           <p:cNvSpPr/>
           <p:nvPr/>
         </p:nvSpPr>
@@ -6663,7 +6815,13 @@
       </p:sp>
       <p:sp>
         <p:nvSpPr>
-          <p:cNvPr id="581" name="Google Shape;581;p41"/>
+          <p:cNvPr id="581" name="Google Shape;581;p41">
+            <a:extLst>
+              <a:ext uri="{FF2B5EF4-FFF2-40B4-BE49-F238E27FC236}">
+                <a16:creationId xmlns:a16="http://schemas.microsoft.com/office/drawing/2014/main" id="{79934BCB-66EE-3C98-4AD0-6B242313D549}"/>
+              </a:ext>
+            </a:extLst>
+          </p:cNvPr>
           <p:cNvSpPr/>
           <p:nvPr/>
         </p:nvSpPr>
@@ -6734,7 +6892,13 @@
       </p:sp>
       <p:sp>
         <p:nvSpPr>
-          <p:cNvPr id="582" name="Google Shape;582;p41"/>
+          <p:cNvPr id="582" name="Google Shape;582;p41">
+            <a:extLst>
+              <a:ext uri="{FF2B5EF4-FFF2-40B4-BE49-F238E27FC236}">
+                <a16:creationId xmlns:a16="http://schemas.microsoft.com/office/drawing/2014/main" id="{2A7E659A-7D3A-AAC8-A05D-A83521BE3382}"/>
+              </a:ext>
+            </a:extLst>
+          </p:cNvPr>
           <p:cNvSpPr/>
           <p:nvPr/>
         </p:nvSpPr>
@@ -6789,7 +6953,13 @@
       </p:sp>
       <p:sp>
         <p:nvSpPr>
-          <p:cNvPr id="583" name="Google Shape;583;p41"/>
+          <p:cNvPr id="583" name="Google Shape;583;p41">
+            <a:extLst>
+              <a:ext uri="{FF2B5EF4-FFF2-40B4-BE49-F238E27FC236}">
+                <a16:creationId xmlns:a16="http://schemas.microsoft.com/office/drawing/2014/main" id="{6E4A68BD-514F-D12A-4F9E-9014C4F87716}"/>
+              </a:ext>
+            </a:extLst>
+          </p:cNvPr>
           <p:cNvSpPr/>
           <p:nvPr/>
         </p:nvSpPr>
@@ -6852,7 +7022,13 @@
       </p:sp>
       <p:sp>
         <p:nvSpPr>
-          <p:cNvPr id="599" name="Google Shape;599;p41"/>
+          <p:cNvPr id="599" name="Google Shape;599;p41">
+            <a:extLst>
+              <a:ext uri="{FF2B5EF4-FFF2-40B4-BE49-F238E27FC236}">
+                <a16:creationId xmlns:a16="http://schemas.microsoft.com/office/drawing/2014/main" id="{CC4FC95D-2FE7-304C-A836-D951E6867A4B}"/>
+              </a:ext>
+            </a:extLst>
+          </p:cNvPr>
           <p:cNvSpPr/>
           <p:nvPr/>
         </p:nvSpPr>
@@ -6907,7 +7083,13 @@
       </p:sp>
       <p:sp>
         <p:nvSpPr>
-          <p:cNvPr id="601" name="Google Shape;601;p41"/>
+          <p:cNvPr id="601" name="Google Shape;601;p41">
+            <a:extLst>
+              <a:ext uri="{FF2B5EF4-FFF2-40B4-BE49-F238E27FC236}">
+                <a16:creationId xmlns:a16="http://schemas.microsoft.com/office/drawing/2014/main" id="{ABAECF0B-912F-A781-2EB6-68345587DB82}"/>
+              </a:ext>
+            </a:extLst>
+          </p:cNvPr>
           <p:cNvSpPr/>
           <p:nvPr/>
         </p:nvSpPr>
@@ -6973,7 +7155,7 @@
           <p:cNvPr id="2" name="슬라이드 번호 개체 틀 1">
             <a:extLst>
               <a:ext uri="{FF2B5EF4-FFF2-40B4-BE49-F238E27FC236}">
-                <a16:creationId xmlns:a16="http://schemas.microsoft.com/office/drawing/2014/main" id="{47F075A8-4252-AF85-AD17-CC86EF746F80}"/>
+                <a16:creationId xmlns:a16="http://schemas.microsoft.com/office/drawing/2014/main" id="{EA396626-1ADE-5AA0-CC6A-67452AD2E60B}"/>
               </a:ext>
             </a:extLst>
           </p:cNvPr>
@@ -7013,7 +7195,7 @@
               <p:cNvPr id="3" name="Google Shape;721;p43">
                 <a:extLst>
                   <a:ext uri="{FF2B5EF4-FFF2-40B4-BE49-F238E27FC236}">
-                    <a16:creationId xmlns:a16="http://schemas.microsoft.com/office/drawing/2014/main" id="{A53C4606-6E1E-5825-667D-E9A7F3F562AA}"/>
+                    <a16:creationId xmlns:a16="http://schemas.microsoft.com/office/drawing/2014/main" id="{B485AA15-4A9C-9F40-FB93-BE8210CE5D84}"/>
                   </a:ext>
                 </a:extLst>
               </p:cNvPr>
@@ -7728,7 +7910,7 @@
           <p:cNvPr id="6" name="Google Shape;721;p43">
             <a:extLst>
               <a:ext uri="{FF2B5EF4-FFF2-40B4-BE49-F238E27FC236}">
-                <a16:creationId xmlns:a16="http://schemas.microsoft.com/office/drawing/2014/main" id="{4EF81B5C-45FE-B060-39FB-E99762C438CE}"/>
+                <a16:creationId xmlns:a16="http://schemas.microsoft.com/office/drawing/2014/main" id="{43BB4752-03C4-AED7-02A5-9597DE7AACE8}"/>
               </a:ext>
             </a:extLst>
           </p:cNvPr>
@@ -8385,7 +8567,7 @@
           <p:cNvPr id="19" name="연결선: 꺾임 18">
             <a:extLst>
               <a:ext uri="{FF2B5EF4-FFF2-40B4-BE49-F238E27FC236}">
-                <a16:creationId xmlns:a16="http://schemas.microsoft.com/office/drawing/2014/main" id="{05E43616-75CC-2CDF-3E3C-F108324A2FA9}"/>
+                <a16:creationId xmlns:a16="http://schemas.microsoft.com/office/drawing/2014/main" id="{F5598CE9-8BA2-8C48-7612-2A715616956F}"/>
               </a:ext>
             </a:extLst>
           </p:cNvPr>
@@ -8431,7 +8613,7 @@
           <p:cNvPr id="21" name="연결선: 꺾임 20">
             <a:extLst>
               <a:ext uri="{FF2B5EF4-FFF2-40B4-BE49-F238E27FC236}">
-                <a16:creationId xmlns:a16="http://schemas.microsoft.com/office/drawing/2014/main" id="{D3CB13AD-64B4-1DDB-B33F-C4B2D746B8E2}"/>
+                <a16:creationId xmlns:a16="http://schemas.microsoft.com/office/drawing/2014/main" id="{93C421CB-332D-46B9-7D30-1EB9F726250C}"/>
               </a:ext>
             </a:extLst>
           </p:cNvPr>
@@ -8479,7 +8661,7 @@
           <p:cNvPr id="31" name="직선 화살표 연결선 30">
             <a:extLst>
               <a:ext uri="{FF2B5EF4-FFF2-40B4-BE49-F238E27FC236}">
-                <a16:creationId xmlns:a16="http://schemas.microsoft.com/office/drawing/2014/main" id="{92DDD2F3-C01E-E466-6F49-27032706F8EB}"/>
+                <a16:creationId xmlns:a16="http://schemas.microsoft.com/office/drawing/2014/main" id="{178F7226-4E4B-BE66-94FA-9102EE805DEC}"/>
               </a:ext>
             </a:extLst>
           </p:cNvPr>
@@ -8525,7 +8707,7 @@
           <p:cNvPr id="36" name="Google Shape;534;p39">
             <a:extLst>
               <a:ext uri="{FF2B5EF4-FFF2-40B4-BE49-F238E27FC236}">
-                <a16:creationId xmlns:a16="http://schemas.microsoft.com/office/drawing/2014/main" id="{FABE51A8-C50F-3624-8465-2F2371E763AA}"/>
+                <a16:creationId xmlns:a16="http://schemas.microsoft.com/office/drawing/2014/main" id="{17C4A2CC-4D08-EB54-ACEB-02143258CB50}"/>
               </a:ext>
             </a:extLst>
           </p:cNvPr>
@@ -9105,6 +9287,11 @@
         </p:txBody>
       </p:sp>
     </p:spTree>
+    <p:extLst>
+      <p:ext uri="{BB962C8B-B14F-4D97-AF65-F5344CB8AC3E}">
+        <p14:creationId xmlns:p14="http://schemas.microsoft.com/office/powerpoint/2010/main" val="2267638586"/>
+      </p:ext>
+    </p:extLst>
   </p:cSld>
   <p:clrMapOvr>
     <a:masterClrMapping/>
@@ -16843,6 +17030,5254 @@
         <p14:creationId xmlns:p14="http://schemas.microsoft.com/office/powerpoint/2010/main" val="4175404665"/>
       </p:ext>
     </p:extLst>
+  </p:cSld>
+  <p:clrMapOvr>
+    <a:masterClrMapping/>
+  </p:clrMapOvr>
+</p:sld>
+</file>
+
+<file path=ppt/slides/slide6.xml><?xml version="1.0" encoding="utf-8"?>
+<p:sld xmlns:a="http://schemas.openxmlformats.org/drawingml/2006/main" xmlns:r="http://schemas.openxmlformats.org/officeDocument/2006/relationships" xmlns:p="http://schemas.openxmlformats.org/presentationml/2006/main">
+  <p:cSld>
+    <p:spTree>
+      <p:nvGrpSpPr>
+        <p:cNvPr id="1" name="Shape 575"/>
+        <p:cNvGrpSpPr/>
+        <p:nvPr/>
+      </p:nvGrpSpPr>
+      <p:grpSpPr>
+        <a:xfrm>
+          <a:off x="0" y="0"/>
+          <a:ext cx="0" cy="0"/>
+          <a:chOff x="0" y="0"/>
+          <a:chExt cx="0" cy="0"/>
+        </a:xfrm>
+      </p:grpSpPr>
+      <p:sp>
+        <p:nvSpPr>
+          <p:cNvPr id="576" name="Google Shape;576;p41"/>
+          <p:cNvSpPr txBox="1"/>
+          <p:nvPr/>
+        </p:nvSpPr>
+        <p:spPr>
+          <a:xfrm>
+            <a:off x="112295" y="101025"/>
+            <a:ext cx="8919300" cy="461700"/>
+          </a:xfrm>
+          <a:prstGeom prst="rect">
+            <a:avLst/>
+          </a:prstGeom>
+          <a:noFill/>
+          <a:ln>
+            <a:noFill/>
+          </a:ln>
+        </p:spPr>
+        <p:txBody>
+          <a:bodyPr spcFirstLastPara="1" wrap="square" lIns="91425" tIns="45700" rIns="91425" bIns="45700" anchor="t" anchorCtr="0">
+            <a:noAutofit/>
+          </a:bodyPr>
+          <a:lstStyle/>
+          <a:p>
+            <a:pPr marL="0" marR="0" lvl="0" indent="0" algn="l" rtl="0">
+              <a:lnSpc>
+                <a:spcPct val="100000"/>
+              </a:lnSpc>
+              <a:spcBef>
+                <a:spcPts val="0"/>
+              </a:spcBef>
+              <a:spcAft>
+                <a:spcPts val="0"/>
+              </a:spcAft>
+              <a:buNone/>
+            </a:pPr>
+            <a:r>
+              <a:rPr lang="en-US" sz="2400" b="1" i="0" u="none" strike="noStrike" cap="none">
+                <a:solidFill>
+                  <a:schemeClr val="lt1"/>
+                </a:solidFill>
+                <a:latin typeface="Calibri"/>
+                <a:ea typeface="Calibri"/>
+                <a:cs typeface="Calibri"/>
+                <a:sym typeface="Calibri"/>
+              </a:rPr>
+              <a:t>Introduction of DIVE Research Group</a:t>
+            </a:r>
+            <a:endParaRPr/>
+          </a:p>
+        </p:txBody>
+      </p:sp>
+      <p:sp>
+        <p:nvSpPr>
+          <p:cNvPr id="579" name="Google Shape;579;p41"/>
+          <p:cNvSpPr txBox="1"/>
+          <p:nvPr/>
+        </p:nvSpPr>
+        <p:spPr>
+          <a:xfrm>
+            <a:off x="1507587" y="645940"/>
+            <a:ext cx="6128825" cy="892512"/>
+          </a:xfrm>
+          <a:prstGeom prst="rect">
+            <a:avLst/>
+          </a:prstGeom>
+          <a:noFill/>
+          <a:ln>
+            <a:noFill/>
+          </a:ln>
+        </p:spPr>
+        <p:txBody>
+          <a:bodyPr spcFirstLastPara="1" wrap="square" lIns="91425" tIns="45700" rIns="91425" bIns="45700" anchor="t" anchorCtr="0">
+            <a:spAutoFit/>
+          </a:bodyPr>
+          <a:lstStyle/>
+          <a:p>
+            <a:pPr algn="ctr"/>
+            <a:r>
+              <a:rPr lang="en-US" altLang="ko-KR" sz="3200" b="1">
+                <a:solidFill>
+                  <a:srgbClr val="C00000"/>
+                </a:solidFill>
+                <a:latin typeface="Calibri"/>
+                <a:ea typeface="Calibri"/>
+                <a:cs typeface="Calibri"/>
+                <a:sym typeface="Calibri"/>
+              </a:rPr>
+              <a:t>DIVE</a:t>
+            </a:r>
+            <a:r>
+              <a:rPr lang="en-US" altLang="ko-KR" sz="3200" b="1">
+                <a:solidFill>
+                  <a:srgbClr val="002060"/>
+                </a:solidFill>
+                <a:latin typeface="Calibri"/>
+                <a:ea typeface="Calibri"/>
+                <a:cs typeface="Calibri"/>
+                <a:sym typeface="Calibri"/>
+              </a:rPr>
+              <a:t> Time</a:t>
+            </a:r>
+            <a:r>
+              <a:rPr lang="ko-KR" altLang="en-US" sz="3200" b="1">
+                <a:solidFill>
+                  <a:srgbClr val="002060"/>
+                </a:solidFill>
+                <a:latin typeface="Calibri"/>
+                <a:ea typeface="Calibri"/>
+                <a:cs typeface="Calibri"/>
+                <a:sym typeface="Calibri"/>
+              </a:rPr>
+              <a:t> </a:t>
+            </a:r>
+            <a:r>
+              <a:rPr lang="en-US" altLang="ko-KR" sz="3200" b="1">
+                <a:solidFill>
+                  <a:srgbClr val="002060"/>
+                </a:solidFill>
+                <a:latin typeface="Calibri"/>
+                <a:ea typeface="Calibri"/>
+                <a:cs typeface="Calibri"/>
+                <a:sym typeface="Calibri"/>
+              </a:rPr>
+              <a:t>Line</a:t>
+            </a:r>
+          </a:p>
+          <a:p>
+            <a:pPr algn="ctr"/>
+            <a:r>
+              <a:rPr lang="en-US" altLang="ko-KR" sz="2000" b="1">
+                <a:solidFill>
+                  <a:srgbClr val="002060"/>
+                </a:solidFill>
+                <a:latin typeface="Calibri"/>
+                <a:ea typeface="Calibri"/>
+                <a:cs typeface="Calibri"/>
+                <a:sym typeface="Calibri"/>
+              </a:rPr>
+              <a:t>(</a:t>
+            </a:r>
+            <a:r>
+              <a:rPr lang="ko-KR" altLang="en-US" sz="2000" b="1">
+                <a:solidFill>
+                  <a:srgbClr val="002060"/>
+                </a:solidFill>
+                <a:latin typeface="Calibri"/>
+                <a:ea typeface="Calibri"/>
+                <a:cs typeface="Calibri"/>
+                <a:sym typeface="Calibri"/>
+              </a:rPr>
+              <a:t>이상적인 방향이며 개인별 맞춤 분기별 선택</a:t>
+            </a:r>
+            <a:r>
+              <a:rPr lang="en-US" altLang="ko-KR" sz="2000" b="1">
+                <a:solidFill>
+                  <a:srgbClr val="002060"/>
+                </a:solidFill>
+                <a:latin typeface="Calibri"/>
+                <a:ea typeface="Calibri"/>
+                <a:cs typeface="Calibri"/>
+                <a:sym typeface="Calibri"/>
+              </a:rPr>
+              <a:t>!)</a:t>
+            </a:r>
+          </a:p>
+        </p:txBody>
+      </p:sp>
+      <p:sp>
+        <p:nvSpPr>
+          <p:cNvPr id="2" name="슬라이드 번호 개체 틀 1">
+            <a:extLst>
+              <a:ext uri="{FF2B5EF4-FFF2-40B4-BE49-F238E27FC236}">
+                <a16:creationId xmlns:a16="http://schemas.microsoft.com/office/drawing/2014/main" id="{47F075A8-4252-AF85-AD17-CC86EF746F80}"/>
+              </a:ext>
+            </a:extLst>
+          </p:cNvPr>
+          <p:cNvSpPr>
+            <a:spLocks noGrp="1"/>
+          </p:cNvSpPr>
+          <p:nvPr>
+            <p:ph type="sldNum" sz="quarter" idx="4"/>
+          </p:nvPr>
+        </p:nvSpPr>
+        <p:spPr/>
+        <p:txBody>
+          <a:bodyPr/>
+          <a:lstStyle/>
+          <a:p>
+            <a:fld id="{CDF9F5A3-DAD3-49E7-B926-6F61E4EB127E}" type="slidenum">
+              <a:rPr lang="ko-KR" altLang="en-US" smtClean="0"/>
+              <a:pPr/>
+              <a:t>5</a:t>
+            </a:fld>
+            <a:r>
+              <a:rPr lang="ko-KR" altLang="en-US"/>
+              <a:t> </a:t>
+            </a:r>
+            <a:r>
+              <a:rPr lang="en-US" altLang="ko-KR"/>
+              <a:t>/ 37</a:t>
+            </a:r>
+            <a:endParaRPr lang="ko-KR" altLang="en-US" dirty="0"/>
+          </a:p>
+        </p:txBody>
+      </p:sp>
+      <p:sp>
+        <p:nvSpPr>
+          <p:cNvPr id="578" name="화살표: 갈매기형 수장 577">
+            <a:extLst>
+              <a:ext uri="{FF2B5EF4-FFF2-40B4-BE49-F238E27FC236}">
+                <a16:creationId xmlns:a16="http://schemas.microsoft.com/office/drawing/2014/main" id="{F2D9B29E-711C-E92C-D3FC-DFADA77AB9CE}"/>
+              </a:ext>
+            </a:extLst>
+          </p:cNvPr>
+          <p:cNvSpPr/>
+          <p:nvPr/>
+        </p:nvSpPr>
+        <p:spPr>
+          <a:xfrm>
+            <a:off x="105509" y="1713768"/>
+            <a:ext cx="2342874" cy="515566"/>
+          </a:xfrm>
+          <a:prstGeom prst="chevron">
+            <a:avLst/>
+          </a:prstGeom>
+          <a:solidFill>
+            <a:srgbClr val="92D050"/>
+          </a:solidFill>
+          <a:ln>
+            <a:noFill/>
+          </a:ln>
+        </p:spPr>
+        <p:style>
+          <a:lnRef idx="2">
+            <a:schemeClr val="accent1">
+              <a:shade val="50000"/>
+            </a:schemeClr>
+          </a:lnRef>
+          <a:fillRef idx="1">
+            <a:schemeClr val="accent1"/>
+          </a:fillRef>
+          <a:effectRef idx="0">
+            <a:schemeClr val="accent1"/>
+          </a:effectRef>
+          <a:fontRef idx="minor">
+            <a:schemeClr val="lt1"/>
+          </a:fontRef>
+        </p:style>
+        <p:txBody>
+          <a:bodyPr rtlCol="0" anchor="ctr"/>
+          <a:lstStyle/>
+          <a:p>
+            <a:pPr algn="ctr"/>
+            <a:endParaRPr lang="ko-KR" altLang="en-US"/>
+          </a:p>
+        </p:txBody>
+      </p:sp>
+      <p:sp>
+        <p:nvSpPr>
+          <p:cNvPr id="584" name="TextBox 583">
+            <a:extLst>
+              <a:ext uri="{FF2B5EF4-FFF2-40B4-BE49-F238E27FC236}">
+                <a16:creationId xmlns:a16="http://schemas.microsoft.com/office/drawing/2014/main" id="{F3503539-3AFB-8E69-7B80-95937887FEDE}"/>
+              </a:ext>
+            </a:extLst>
+          </p:cNvPr>
+          <p:cNvSpPr txBox="1"/>
+          <p:nvPr/>
+        </p:nvSpPr>
+        <p:spPr>
+          <a:xfrm>
+            <a:off x="381606" y="1742642"/>
+            <a:ext cx="1772348" cy="461665"/>
+          </a:xfrm>
+          <a:prstGeom prst="rect">
+            <a:avLst/>
+          </a:prstGeom>
+          <a:noFill/>
+        </p:spPr>
+        <p:txBody>
+          <a:bodyPr wrap="square" rtlCol="0">
+            <a:spAutoFit/>
+          </a:bodyPr>
+          <a:lstStyle/>
+          <a:p>
+            <a:pPr algn="ctr"/>
+            <a:r>
+              <a:rPr lang="en-US" altLang="ko-KR" sz="2400" b="1">
+                <a:solidFill>
+                  <a:schemeClr val="bg1"/>
+                </a:solidFill>
+              </a:rPr>
+              <a:t>2025 3Q</a:t>
+            </a:r>
+            <a:endParaRPr lang="ko-KR" altLang="en-US" sz="2400" b="1" dirty="0">
+              <a:solidFill>
+                <a:schemeClr val="bg1"/>
+              </a:solidFill>
+            </a:endParaRPr>
+          </a:p>
+        </p:txBody>
+      </p:sp>
+      <p:cxnSp>
+        <p:nvCxnSpPr>
+          <p:cNvPr id="588" name="직선 화살표 연결선 587">
+            <a:extLst>
+              <a:ext uri="{FF2B5EF4-FFF2-40B4-BE49-F238E27FC236}">
+                <a16:creationId xmlns:a16="http://schemas.microsoft.com/office/drawing/2014/main" id="{F57A510E-6338-5263-DAAA-BDBFACDB3A0A}"/>
+              </a:ext>
+            </a:extLst>
+          </p:cNvPr>
+          <p:cNvCxnSpPr>
+            <a:cxnSpLocks/>
+          </p:cNvCxnSpPr>
+          <p:nvPr/>
+        </p:nvCxnSpPr>
+        <p:spPr>
+          <a:xfrm>
+            <a:off x="1276946" y="2288085"/>
+            <a:ext cx="0" cy="257288"/>
+          </a:xfrm>
+          <a:prstGeom prst="straightConnector1">
+            <a:avLst/>
+          </a:prstGeom>
+          <a:ln w="19050">
+            <a:solidFill>
+              <a:srgbClr val="92D050"/>
+            </a:solidFill>
+            <a:tailEnd type="triangle"/>
+          </a:ln>
+        </p:spPr>
+        <p:style>
+          <a:lnRef idx="1">
+            <a:schemeClr val="accent1"/>
+          </a:lnRef>
+          <a:fillRef idx="0">
+            <a:schemeClr val="accent1"/>
+          </a:fillRef>
+          <a:effectRef idx="0">
+            <a:schemeClr val="accent1"/>
+          </a:effectRef>
+          <a:fontRef idx="minor">
+            <a:schemeClr val="tx1"/>
+          </a:fontRef>
+        </p:style>
+      </p:cxnSp>
+      <p:grpSp>
+        <p:nvGrpSpPr>
+          <p:cNvPr id="589" name="Group 66">
+            <a:extLst>
+              <a:ext uri="{FF2B5EF4-FFF2-40B4-BE49-F238E27FC236}">
+                <a16:creationId xmlns:a16="http://schemas.microsoft.com/office/drawing/2014/main" id="{B59D5234-CB93-F6AC-0C35-7D5FFF667235}"/>
+              </a:ext>
+            </a:extLst>
+          </p:cNvPr>
+          <p:cNvGrpSpPr/>
+          <p:nvPr/>
+        </p:nvGrpSpPr>
+        <p:grpSpPr>
+          <a:xfrm>
+            <a:off x="231276" y="2527791"/>
+            <a:ext cx="2091340" cy="3015618"/>
+            <a:chOff x="3017861" y="4222351"/>
+            <a:chExt cx="1917633" cy="3015618"/>
+          </a:xfrm>
+        </p:grpSpPr>
+        <p:sp>
+          <p:nvSpPr>
+            <p:cNvPr id="590" name="TextBox 589">
+              <a:extLst>
+                <a:ext uri="{FF2B5EF4-FFF2-40B4-BE49-F238E27FC236}">
+                  <a16:creationId xmlns:a16="http://schemas.microsoft.com/office/drawing/2014/main" id="{CA4CE6DA-42F9-C23E-AA79-347BE790A8EC}"/>
+                </a:ext>
+              </a:extLst>
+            </p:cNvPr>
+            <p:cNvSpPr txBox="1"/>
+            <p:nvPr/>
+          </p:nvSpPr>
+          <p:spPr>
+            <a:xfrm>
+              <a:off x="3017861" y="4560313"/>
+              <a:ext cx="1917633" cy="2677656"/>
+            </a:xfrm>
+            <a:prstGeom prst="rect">
+              <a:avLst/>
+            </a:prstGeom>
+            <a:noFill/>
+          </p:spPr>
+          <p:txBody>
+            <a:bodyPr wrap="square" rtlCol="0">
+              <a:spAutoFit/>
+            </a:bodyPr>
+            <a:lstStyle/>
+            <a:p>
+              <a:pPr algn="ctr"/>
+              <a:r>
+                <a:rPr lang="en-US" altLang="ko-KR" sz="800" b="1" u="sng">
+                  <a:cs typeface="Arial" pitchFamily="34" charset="0"/>
+                </a:rPr>
+                <a:t>[</a:t>
+              </a:r>
+              <a:r>
+                <a:rPr lang="ko-KR" altLang="en-US" sz="800" b="1" u="sng">
+                  <a:cs typeface="Arial" pitchFamily="34" charset="0"/>
+                </a:rPr>
+                <a:t>선수과목</a:t>
+              </a:r>
+              <a:r>
+                <a:rPr lang="en-US" altLang="ko-KR" sz="800" b="1" u="sng">
+                  <a:cs typeface="Arial" pitchFamily="34" charset="0"/>
+                </a:rPr>
+                <a:t>]</a:t>
+              </a:r>
+            </a:p>
+            <a:p>
+              <a:pPr algn="ctr"/>
+              <a:r>
+                <a:rPr lang="en-US" altLang="ko-KR" sz="800">
+                  <a:cs typeface="Arial" pitchFamily="34" charset="0"/>
+                </a:rPr>
+                <a:t>Data Science Tool</a:t>
+              </a:r>
+            </a:p>
+            <a:p>
+              <a:pPr algn="ctr"/>
+              <a:r>
+                <a:rPr lang="en-US" altLang="ko-KR" sz="800">
+                  <a:cs typeface="Arial" pitchFamily="34" charset="0"/>
+                </a:rPr>
+                <a:t>Data Science Prerequisites</a:t>
+              </a:r>
+            </a:p>
+            <a:p>
+              <a:pPr algn="ctr"/>
+              <a:r>
+                <a:rPr lang="en-US" altLang="ko-KR" sz="800">
+                  <a:cs typeface="Arial" pitchFamily="34" charset="0"/>
+                </a:rPr>
+                <a:t>Data Science Process</a:t>
+              </a:r>
+            </a:p>
+            <a:p>
+              <a:pPr algn="ctr"/>
+              <a:endParaRPr lang="en-US" altLang="ko-KR" sz="800">
+                <a:cs typeface="Arial" pitchFamily="34" charset="0"/>
+              </a:endParaRPr>
+            </a:p>
+            <a:p>
+              <a:pPr algn="ctr"/>
+              <a:endParaRPr lang="en-US" altLang="ko-KR" sz="800">
+                <a:cs typeface="Arial" pitchFamily="34" charset="0"/>
+              </a:endParaRPr>
+            </a:p>
+            <a:p>
+              <a:pPr algn="ctr"/>
+              <a:r>
+                <a:rPr lang="en-US" altLang="ko-KR" sz="800" b="1" u="sng">
+                  <a:cs typeface="Arial" pitchFamily="34" charset="0"/>
+                </a:rPr>
+                <a:t>[</a:t>
+              </a:r>
+              <a:r>
+                <a:rPr lang="ko-KR" altLang="en-US" sz="800" b="1" u="sng">
+                  <a:cs typeface="Arial" pitchFamily="34" charset="0"/>
+                </a:rPr>
+                <a:t>목표 </a:t>
+              </a:r>
+              <a:r>
+                <a:rPr lang="en-US" altLang="ko-KR" sz="800" b="1" u="sng">
+                  <a:cs typeface="Arial" pitchFamily="34" charset="0"/>
+                </a:rPr>
+                <a:t>&amp; </a:t>
+              </a:r>
+              <a:r>
+                <a:rPr lang="ko-KR" altLang="en-US" sz="800" b="1" u="sng">
+                  <a:cs typeface="Arial" pitchFamily="34" charset="0"/>
+                </a:rPr>
+                <a:t>비즈니스수요예측</a:t>
+              </a:r>
+              <a:r>
+                <a:rPr lang="en-US" altLang="ko-KR" sz="800" b="1" u="sng">
+                  <a:cs typeface="Arial" pitchFamily="34" charset="0"/>
+                </a:rPr>
+                <a:t>]</a:t>
+              </a:r>
+            </a:p>
+            <a:p>
+              <a:pPr algn="ctr"/>
+              <a:endParaRPr lang="en-US" altLang="ko-KR" sz="800" b="1">
+                <a:cs typeface="Arial" pitchFamily="34" charset="0"/>
+              </a:endParaRPr>
+            </a:p>
+            <a:p>
+              <a:pPr algn="ctr"/>
+              <a:r>
+                <a:rPr lang="en-US" altLang="ko-KR" sz="800" b="1">
+                  <a:cs typeface="Arial" pitchFamily="34" charset="0"/>
+                </a:rPr>
+                <a:t>(1) Data Science Algorithms | </a:t>
+              </a:r>
+              <a:r>
+                <a:rPr lang="en-US" altLang="ko-KR" sz="800">
+                  <a:cs typeface="Arial" pitchFamily="34" charset="0"/>
+                </a:rPr>
+                <a:t>What are Machine Learning Algorithms for AI Engines?</a:t>
+              </a:r>
+            </a:p>
+            <a:p>
+              <a:pPr algn="ctr"/>
+              <a:endParaRPr lang="en-US" altLang="ko-KR" sz="800" b="1">
+                <a:cs typeface="Arial" pitchFamily="34" charset="0"/>
+              </a:endParaRPr>
+            </a:p>
+            <a:p>
+              <a:pPr algn="ctr"/>
+              <a:r>
+                <a:rPr lang="en-US" altLang="ko-KR" sz="800" b="1">
+                  <a:cs typeface="Arial" pitchFamily="34" charset="0"/>
+                </a:rPr>
+                <a:t>(2) Data Science Process + Algorithms | </a:t>
+              </a:r>
+              <a:r>
+                <a:rPr lang="en-US" altLang="ko-KR" sz="800">
+                  <a:cs typeface="Arial" pitchFamily="34" charset="0"/>
+                </a:rPr>
+                <a:t>How Do We Solve the Time Dependency Problem?</a:t>
+              </a:r>
+            </a:p>
+            <a:p>
+              <a:pPr algn="ctr"/>
+              <a:endParaRPr lang="en-US" altLang="ko-KR" sz="800" b="1">
+                <a:cs typeface="Arial" pitchFamily="34" charset="0"/>
+              </a:endParaRPr>
+            </a:p>
+            <a:p>
+              <a:pPr algn="ctr"/>
+              <a:r>
+                <a:rPr lang="en-US" altLang="ko-KR" sz="800" b="1">
+                  <a:cs typeface="Arial" pitchFamily="34" charset="0"/>
+                </a:rPr>
+                <a:t>(3) Data Science Algorithms | </a:t>
+              </a:r>
+              <a:r>
+                <a:rPr lang="en-US" altLang="ko-KR" sz="800">
+                  <a:cs typeface="Arial" pitchFamily="34" charset="0"/>
+                </a:rPr>
+                <a:t>What are Deep Learning Algorithms for AI Engines?</a:t>
+              </a:r>
+            </a:p>
+            <a:p>
+              <a:pPr algn="ctr"/>
+              <a:endParaRPr lang="en-US" altLang="ko-KR" sz="800">
+                <a:cs typeface="Arial" pitchFamily="34" charset="0"/>
+              </a:endParaRPr>
+            </a:p>
+            <a:p>
+              <a:pPr algn="ctr"/>
+              <a:r>
+                <a:rPr lang="en-US" altLang="ko-KR" sz="800" b="1">
+                  <a:cs typeface="Arial" pitchFamily="34" charset="0"/>
+                </a:rPr>
+                <a:t>(4) </a:t>
+              </a:r>
+              <a:r>
+                <a:rPr lang="ko-KR" altLang="en-US" sz="800" b="1">
+                  <a:cs typeface="Arial" pitchFamily="34" charset="0"/>
+                </a:rPr>
+                <a:t>다음 분기 방향 계획</a:t>
+              </a:r>
+              <a:endParaRPr lang="en-US" altLang="ko-KR" sz="800" b="1">
+                <a:cs typeface="Arial" pitchFamily="34" charset="0"/>
+              </a:endParaRPr>
+            </a:p>
+            <a:p>
+              <a:pPr algn="ctr"/>
+              <a:endParaRPr lang="en-US" altLang="ko-KR" sz="800">
+                <a:cs typeface="Arial" pitchFamily="34" charset="0"/>
+              </a:endParaRPr>
+            </a:p>
+          </p:txBody>
+        </p:sp>
+        <p:sp>
+          <p:nvSpPr>
+            <p:cNvPr id="591" name="TextBox 590">
+              <a:extLst>
+                <a:ext uri="{FF2B5EF4-FFF2-40B4-BE49-F238E27FC236}">
+                  <a16:creationId xmlns:a16="http://schemas.microsoft.com/office/drawing/2014/main" id="{3369309B-B2BE-C06E-FD1D-CF6B6BE79E70}"/>
+                </a:ext>
+              </a:extLst>
+            </p:cNvPr>
+            <p:cNvSpPr txBox="1"/>
+            <p:nvPr/>
+          </p:nvSpPr>
+          <p:spPr>
+            <a:xfrm>
+              <a:off x="3017861" y="4222351"/>
+              <a:ext cx="1901330" cy="307777"/>
+            </a:xfrm>
+            <a:prstGeom prst="rect">
+              <a:avLst/>
+            </a:prstGeom>
+            <a:noFill/>
+          </p:spPr>
+          <p:txBody>
+            <a:bodyPr wrap="square" rtlCol="0">
+              <a:spAutoFit/>
+            </a:bodyPr>
+            <a:lstStyle/>
+            <a:p>
+              <a:pPr algn="ctr"/>
+              <a:r>
+                <a:rPr lang="en-US" altLang="ko-KR" b="1">
+                  <a:solidFill>
+                    <a:srgbClr val="92D050"/>
+                  </a:solidFill>
+                  <a:cs typeface="Arial" pitchFamily="34" charset="0"/>
+                </a:rPr>
+                <a:t>Study</a:t>
+              </a:r>
+              <a:r>
+                <a:rPr lang="ko-KR" altLang="en-US" b="1">
+                  <a:solidFill>
+                    <a:srgbClr val="92D050"/>
+                  </a:solidFill>
+                  <a:cs typeface="Arial" pitchFamily="34" charset="0"/>
+                </a:rPr>
+                <a:t> </a:t>
+              </a:r>
+              <a:r>
+                <a:rPr lang="en-US" altLang="ko-KR" b="1">
+                  <a:solidFill>
+                    <a:srgbClr val="92D050"/>
+                  </a:solidFill>
+                  <a:cs typeface="Arial" pitchFamily="34" charset="0"/>
+                </a:rPr>
+                <a:t>Diving</a:t>
+              </a:r>
+              <a:endParaRPr lang="ko-KR" altLang="en-US" sz="1400" b="1" dirty="0">
+                <a:solidFill>
+                  <a:srgbClr val="92D050"/>
+                </a:solidFill>
+                <a:cs typeface="Arial" pitchFamily="34" charset="0"/>
+              </a:endParaRPr>
+            </a:p>
+          </p:txBody>
+        </p:sp>
+      </p:grpSp>
+      <p:sp>
+        <p:nvSpPr>
+          <p:cNvPr id="592" name="타원 591">
+            <a:extLst>
+              <a:ext uri="{FF2B5EF4-FFF2-40B4-BE49-F238E27FC236}">
+                <a16:creationId xmlns:a16="http://schemas.microsoft.com/office/drawing/2014/main" id="{08E10661-45F6-9567-47B8-9E1BEA691825}"/>
+              </a:ext>
+            </a:extLst>
+          </p:cNvPr>
+          <p:cNvSpPr/>
+          <p:nvPr/>
+        </p:nvSpPr>
+        <p:spPr>
+          <a:xfrm>
+            <a:off x="862183" y="5443940"/>
+            <a:ext cx="829524" cy="829524"/>
+          </a:xfrm>
+          <a:prstGeom prst="ellipse">
+            <a:avLst/>
+          </a:prstGeom>
+          <a:solidFill>
+            <a:srgbClr val="92D050"/>
+          </a:solidFill>
+          <a:ln>
+            <a:noFill/>
+          </a:ln>
+        </p:spPr>
+        <p:style>
+          <a:lnRef idx="2">
+            <a:schemeClr val="accent1">
+              <a:shade val="50000"/>
+            </a:schemeClr>
+          </a:lnRef>
+          <a:fillRef idx="1">
+            <a:schemeClr val="accent1"/>
+          </a:fillRef>
+          <a:effectRef idx="0">
+            <a:schemeClr val="accent1"/>
+          </a:effectRef>
+          <a:fontRef idx="minor">
+            <a:schemeClr val="lt1"/>
+          </a:fontRef>
+        </p:style>
+        <p:txBody>
+          <a:bodyPr rtlCol="0" anchor="ctr"/>
+          <a:lstStyle/>
+          <a:p>
+            <a:pPr algn="ctr"/>
+            <a:endParaRPr lang="ko-KR" altLang="en-US"/>
+          </a:p>
+        </p:txBody>
+      </p:sp>
+      <p:sp>
+        <p:nvSpPr>
+          <p:cNvPr id="651" name="화살표: 갈매기형 수장 650">
+            <a:extLst>
+              <a:ext uri="{FF2B5EF4-FFF2-40B4-BE49-F238E27FC236}">
+                <a16:creationId xmlns:a16="http://schemas.microsoft.com/office/drawing/2014/main" id="{357627FE-0465-3E0F-AEDC-08D827AB3B4D}"/>
+              </a:ext>
+            </a:extLst>
+          </p:cNvPr>
+          <p:cNvSpPr/>
+          <p:nvPr/>
+        </p:nvSpPr>
+        <p:spPr>
+          <a:xfrm>
+            <a:off x="2322615" y="1713768"/>
+            <a:ext cx="2342874" cy="515566"/>
+          </a:xfrm>
+          <a:prstGeom prst="chevron">
+            <a:avLst>
+              <a:gd name="adj" fmla="val 53644"/>
+            </a:avLst>
+          </a:prstGeom>
+          <a:solidFill>
+            <a:srgbClr val="FFC000"/>
+          </a:solidFill>
+          <a:ln>
+            <a:noFill/>
+          </a:ln>
+        </p:spPr>
+        <p:style>
+          <a:lnRef idx="2">
+            <a:schemeClr val="accent1">
+              <a:shade val="50000"/>
+            </a:schemeClr>
+          </a:lnRef>
+          <a:fillRef idx="1">
+            <a:schemeClr val="accent1"/>
+          </a:fillRef>
+          <a:effectRef idx="0">
+            <a:schemeClr val="accent1"/>
+          </a:effectRef>
+          <a:fontRef idx="minor">
+            <a:schemeClr val="lt1"/>
+          </a:fontRef>
+        </p:style>
+        <p:txBody>
+          <a:bodyPr rtlCol="0" anchor="ctr"/>
+          <a:lstStyle/>
+          <a:p>
+            <a:pPr algn="ctr"/>
+            <a:endParaRPr lang="ko-KR" altLang="en-US"/>
+          </a:p>
+        </p:txBody>
+      </p:sp>
+      <p:sp>
+        <p:nvSpPr>
+          <p:cNvPr id="652" name="TextBox 651">
+            <a:extLst>
+              <a:ext uri="{FF2B5EF4-FFF2-40B4-BE49-F238E27FC236}">
+                <a16:creationId xmlns:a16="http://schemas.microsoft.com/office/drawing/2014/main" id="{9947AEEC-BAD3-DA58-2F15-F78101FC05BB}"/>
+              </a:ext>
+            </a:extLst>
+          </p:cNvPr>
+          <p:cNvSpPr txBox="1"/>
+          <p:nvPr/>
+        </p:nvSpPr>
+        <p:spPr>
+          <a:xfrm>
+            <a:off x="2598712" y="1742642"/>
+            <a:ext cx="1772348" cy="461665"/>
+          </a:xfrm>
+          <a:prstGeom prst="rect">
+            <a:avLst/>
+          </a:prstGeom>
+          <a:noFill/>
+        </p:spPr>
+        <p:txBody>
+          <a:bodyPr wrap="square" rtlCol="0">
+            <a:spAutoFit/>
+          </a:bodyPr>
+          <a:lstStyle/>
+          <a:p>
+            <a:pPr algn="ctr"/>
+            <a:r>
+              <a:rPr lang="en-US" altLang="ko-KR" sz="2400" b="1">
+                <a:solidFill>
+                  <a:schemeClr val="bg1"/>
+                </a:solidFill>
+              </a:rPr>
+              <a:t>2025 4Q</a:t>
+            </a:r>
+            <a:endParaRPr lang="ko-KR" altLang="en-US" sz="2400" b="1" dirty="0">
+              <a:solidFill>
+                <a:schemeClr val="bg1"/>
+              </a:solidFill>
+            </a:endParaRPr>
+          </a:p>
+        </p:txBody>
+      </p:sp>
+      <p:grpSp>
+        <p:nvGrpSpPr>
+          <p:cNvPr id="654" name="Group 66">
+            <a:extLst>
+              <a:ext uri="{FF2B5EF4-FFF2-40B4-BE49-F238E27FC236}">
+                <a16:creationId xmlns:a16="http://schemas.microsoft.com/office/drawing/2014/main" id="{22A3A13D-3E85-1592-D7CB-679EFBD9BC9C}"/>
+              </a:ext>
+            </a:extLst>
+          </p:cNvPr>
+          <p:cNvGrpSpPr/>
+          <p:nvPr/>
+        </p:nvGrpSpPr>
+        <p:grpSpPr>
+          <a:xfrm>
+            <a:off x="2448382" y="2527791"/>
+            <a:ext cx="2091340" cy="2769397"/>
+            <a:chOff x="3017861" y="4222351"/>
+            <a:chExt cx="1917633" cy="2769397"/>
+          </a:xfrm>
+        </p:grpSpPr>
+        <p:sp>
+          <p:nvSpPr>
+            <p:cNvPr id="655" name="TextBox 654">
+              <a:extLst>
+                <a:ext uri="{FF2B5EF4-FFF2-40B4-BE49-F238E27FC236}">
+                  <a16:creationId xmlns:a16="http://schemas.microsoft.com/office/drawing/2014/main" id="{B6DA4AEF-9021-9F11-A08D-8523E5D9C0DF}"/>
+                </a:ext>
+              </a:extLst>
+            </p:cNvPr>
+            <p:cNvSpPr txBox="1"/>
+            <p:nvPr/>
+          </p:nvSpPr>
+          <p:spPr>
+            <a:xfrm>
+              <a:off x="3017861" y="4560313"/>
+              <a:ext cx="1917633" cy="2431435"/>
+            </a:xfrm>
+            <a:prstGeom prst="rect">
+              <a:avLst/>
+            </a:prstGeom>
+            <a:noFill/>
+          </p:spPr>
+          <p:txBody>
+            <a:bodyPr wrap="square" rtlCol="0">
+              <a:spAutoFit/>
+            </a:bodyPr>
+            <a:lstStyle/>
+            <a:p>
+              <a:pPr algn="ctr"/>
+              <a:r>
+                <a:rPr lang="en-US" altLang="ko-KR" sz="800" b="1" u="sng">
+                  <a:cs typeface="Arial" pitchFamily="34" charset="0"/>
+                </a:rPr>
+                <a:t>[</a:t>
+              </a:r>
+              <a:r>
+                <a:rPr lang="ko-KR" altLang="en-US" sz="800" b="1" u="sng">
+                  <a:cs typeface="Arial" pitchFamily="34" charset="0"/>
+                </a:rPr>
+                <a:t>선수과목</a:t>
+              </a:r>
+              <a:r>
+                <a:rPr lang="en-US" altLang="ko-KR" sz="800" b="1" u="sng">
+                  <a:cs typeface="Arial" pitchFamily="34" charset="0"/>
+                </a:rPr>
+                <a:t>]</a:t>
+              </a:r>
+            </a:p>
+            <a:p>
+              <a:pPr algn="ctr"/>
+              <a:r>
+                <a:rPr lang="en-US" altLang="ko-KR" sz="800">
+                  <a:cs typeface="Arial" pitchFamily="34" charset="0"/>
+                </a:rPr>
+                <a:t>Study</a:t>
+              </a:r>
+              <a:r>
+                <a:rPr lang="ko-KR" altLang="en-US" sz="800">
+                  <a:cs typeface="Arial" pitchFamily="34" charset="0"/>
+                </a:rPr>
+                <a:t> </a:t>
+              </a:r>
+              <a:r>
+                <a:rPr lang="en-US" altLang="ko-KR" sz="800">
+                  <a:cs typeface="Arial" pitchFamily="34" charset="0"/>
+                </a:rPr>
+                <a:t>Diving</a:t>
+              </a:r>
+            </a:p>
+            <a:p>
+              <a:pPr algn="ctr"/>
+              <a:endParaRPr lang="en-US" altLang="ko-KR" sz="800">
+                <a:cs typeface="Arial" pitchFamily="34" charset="0"/>
+              </a:endParaRPr>
+            </a:p>
+            <a:p>
+              <a:pPr algn="ctr"/>
+              <a:endParaRPr lang="en-US" altLang="ko-KR" sz="800">
+                <a:cs typeface="Arial" pitchFamily="34" charset="0"/>
+              </a:endParaRPr>
+            </a:p>
+            <a:p>
+              <a:pPr algn="ctr"/>
+              <a:endParaRPr lang="en-US" altLang="ko-KR" sz="800">
+                <a:cs typeface="Arial" pitchFamily="34" charset="0"/>
+              </a:endParaRPr>
+            </a:p>
+            <a:p>
+              <a:pPr algn="ctr"/>
+              <a:endParaRPr lang="en-US" altLang="ko-KR" sz="800">
+                <a:cs typeface="Arial" pitchFamily="34" charset="0"/>
+              </a:endParaRPr>
+            </a:p>
+            <a:p>
+              <a:pPr algn="ctr"/>
+              <a:r>
+                <a:rPr lang="en-US" altLang="ko-KR" sz="800" b="1" u="sng">
+                  <a:cs typeface="Arial" pitchFamily="34" charset="0"/>
+                </a:rPr>
+                <a:t>[</a:t>
+              </a:r>
+              <a:r>
+                <a:rPr lang="ko-KR" altLang="en-US" sz="800" b="1" u="sng">
+                  <a:cs typeface="Arial" pitchFamily="34" charset="0"/>
+                </a:rPr>
+                <a:t>목표</a:t>
+              </a:r>
+              <a:r>
+                <a:rPr lang="en-US" altLang="ko-KR" sz="800" b="1" u="sng">
+                  <a:cs typeface="Arial" pitchFamily="34" charset="0"/>
+                </a:rPr>
+                <a:t>]</a:t>
+              </a:r>
+            </a:p>
+            <a:p>
+              <a:pPr algn="ctr"/>
+              <a:endParaRPr lang="en-US" altLang="ko-KR" sz="800" b="1">
+                <a:cs typeface="Arial" pitchFamily="34" charset="0"/>
+              </a:endParaRPr>
+            </a:p>
+            <a:p>
+              <a:pPr algn="ctr"/>
+              <a:r>
+                <a:rPr lang="en-US" altLang="ko-KR" sz="800" b="1">
+                  <a:cs typeface="Arial" pitchFamily="34" charset="0"/>
+                </a:rPr>
+                <a:t>(1) </a:t>
+              </a:r>
+              <a:r>
+                <a:rPr lang="ko-KR" altLang="en-US" sz="800" b="1">
+                  <a:cs typeface="Arial" pitchFamily="34" charset="0"/>
+                </a:rPr>
+                <a:t>비즈니스 애널리틱스</a:t>
+              </a:r>
+              <a:r>
+                <a:rPr lang="en-US" altLang="ko-KR" sz="800" b="1">
+                  <a:cs typeface="Arial" pitchFamily="34" charset="0"/>
+                </a:rPr>
+                <a:t>1:</a:t>
+              </a:r>
+              <a:r>
+                <a:rPr lang="en-US" altLang="ko-KR" sz="800">
+                  <a:cs typeface="Arial" pitchFamily="34" charset="0"/>
+                </a:rPr>
+                <a:t> </a:t>
+              </a:r>
+              <a:r>
+                <a:rPr lang="ko-KR" altLang="en-US" sz="800">
+                  <a:cs typeface="Arial" pitchFamily="34" charset="0"/>
+                </a:rPr>
+                <a:t>누구에게 마케팅을 해야할 것인가</a:t>
+              </a:r>
+              <a:r>
+                <a:rPr lang="en-US" altLang="ko-KR" sz="800">
+                  <a:cs typeface="Arial" pitchFamily="34" charset="0"/>
+                </a:rPr>
+                <a:t>? </a:t>
+              </a:r>
+              <a:r>
+                <a:rPr lang="ko-KR" altLang="en-US" sz="800">
+                  <a:cs typeface="Arial" pitchFamily="34" charset="0"/>
+                </a:rPr>
+                <a:t>설명가능한 인공지능을 활용한 추천과 근거</a:t>
+              </a:r>
+            </a:p>
+            <a:p>
+              <a:pPr algn="ctr"/>
+              <a:endParaRPr lang="en-US" altLang="ko-KR" sz="800" b="1">
+                <a:cs typeface="Arial" pitchFamily="34" charset="0"/>
+              </a:endParaRPr>
+            </a:p>
+            <a:p>
+              <a:pPr algn="ctr"/>
+              <a:r>
+                <a:rPr lang="en-US" altLang="ko-KR" sz="800" b="1">
+                  <a:cs typeface="Arial" pitchFamily="34" charset="0"/>
+                </a:rPr>
+                <a:t>(2) </a:t>
+              </a:r>
+              <a:r>
+                <a:rPr lang="ko-KR" altLang="en-US" sz="800" b="1">
+                  <a:cs typeface="Arial" pitchFamily="34" charset="0"/>
+                </a:rPr>
+                <a:t>비즈니스 애널리틱스</a:t>
+              </a:r>
+              <a:r>
+                <a:rPr lang="en-US" altLang="ko-KR" sz="800" b="1">
+                  <a:cs typeface="Arial" pitchFamily="34" charset="0"/>
+                </a:rPr>
+                <a:t>2:</a:t>
+              </a:r>
+              <a:r>
+                <a:rPr lang="en-US" altLang="ko-KR" sz="800">
+                  <a:cs typeface="Arial" pitchFamily="34" charset="0"/>
+                </a:rPr>
+                <a:t> </a:t>
+              </a:r>
+              <a:r>
+                <a:rPr lang="ko-KR" altLang="en-US" sz="800">
+                  <a:cs typeface="Arial" pitchFamily="34" charset="0"/>
+                </a:rPr>
+                <a:t>비즈니스 수요를 정확하게 예측해볼까</a:t>
+              </a:r>
+              <a:r>
+                <a:rPr lang="en-US" altLang="ko-KR" sz="800">
+                  <a:cs typeface="Arial" pitchFamily="34" charset="0"/>
+                </a:rPr>
+                <a:t>? </a:t>
+              </a:r>
+              <a:r>
+                <a:rPr lang="ko-KR" altLang="en-US" sz="800">
+                  <a:cs typeface="Arial" pitchFamily="34" charset="0"/>
+                </a:rPr>
+                <a:t>시계열 및 텍스트 형태로 구성된 경제지표와 뉴스데이터 융합을 통한 미래예측</a:t>
+              </a:r>
+              <a:endParaRPr lang="en-US" altLang="ko-KR" sz="800">
+                <a:cs typeface="Arial" pitchFamily="34" charset="0"/>
+              </a:endParaRPr>
+            </a:p>
+            <a:p>
+              <a:pPr algn="ctr"/>
+              <a:endParaRPr lang="en-US" altLang="ko-KR" sz="800">
+                <a:cs typeface="Arial" pitchFamily="34" charset="0"/>
+              </a:endParaRPr>
+            </a:p>
+            <a:p>
+              <a:pPr algn="ctr"/>
+              <a:r>
+                <a:rPr lang="en-US" altLang="ko-KR" sz="800" b="1">
+                  <a:cs typeface="Arial" pitchFamily="34" charset="0"/>
+                </a:rPr>
+                <a:t>(3) </a:t>
+              </a:r>
+              <a:r>
+                <a:rPr lang="ko-KR" altLang="en-US" sz="800" b="1">
+                  <a:cs typeface="Arial" pitchFamily="34" charset="0"/>
+                </a:rPr>
+                <a:t>다음 분기 방향 계획</a:t>
+              </a:r>
+            </a:p>
+            <a:p>
+              <a:pPr algn="ctr"/>
+              <a:endParaRPr lang="en-US" altLang="ko-KR" sz="800">
+                <a:cs typeface="Arial" pitchFamily="34" charset="0"/>
+              </a:endParaRPr>
+            </a:p>
+          </p:txBody>
+        </p:sp>
+        <p:sp>
+          <p:nvSpPr>
+            <p:cNvPr id="656" name="TextBox 655">
+              <a:extLst>
+                <a:ext uri="{FF2B5EF4-FFF2-40B4-BE49-F238E27FC236}">
+                  <a16:creationId xmlns:a16="http://schemas.microsoft.com/office/drawing/2014/main" id="{0DE5D15B-1F86-7651-F18F-148759C6DFEA}"/>
+                </a:ext>
+              </a:extLst>
+            </p:cNvPr>
+            <p:cNvSpPr txBox="1"/>
+            <p:nvPr/>
+          </p:nvSpPr>
+          <p:spPr>
+            <a:xfrm>
+              <a:off x="3017861" y="4222351"/>
+              <a:ext cx="1901330" cy="307777"/>
+            </a:xfrm>
+            <a:prstGeom prst="rect">
+              <a:avLst/>
+            </a:prstGeom>
+            <a:noFill/>
+          </p:spPr>
+          <p:txBody>
+            <a:bodyPr wrap="square" rtlCol="0">
+              <a:spAutoFit/>
+            </a:bodyPr>
+            <a:lstStyle/>
+            <a:p>
+              <a:pPr algn="ctr"/>
+              <a:r>
+                <a:rPr lang="en-US" altLang="ko-KR" sz="1400" b="1">
+                  <a:solidFill>
+                    <a:srgbClr val="FFC000"/>
+                  </a:solidFill>
+                  <a:cs typeface="Arial" pitchFamily="34" charset="0"/>
+                </a:rPr>
+                <a:t>Project Diving</a:t>
+              </a:r>
+              <a:endParaRPr lang="ko-KR" altLang="en-US" sz="1400" b="1" dirty="0">
+                <a:solidFill>
+                  <a:srgbClr val="FFC000"/>
+                </a:solidFill>
+                <a:cs typeface="Arial" pitchFamily="34" charset="0"/>
+              </a:endParaRPr>
+            </a:p>
+          </p:txBody>
+        </p:sp>
+      </p:grpSp>
+      <p:sp>
+        <p:nvSpPr>
+          <p:cNvPr id="657" name="타원 656">
+            <a:extLst>
+              <a:ext uri="{FF2B5EF4-FFF2-40B4-BE49-F238E27FC236}">
+                <a16:creationId xmlns:a16="http://schemas.microsoft.com/office/drawing/2014/main" id="{5A7F13BB-005A-FBD3-7A03-D7F64DB1089F}"/>
+              </a:ext>
+            </a:extLst>
+          </p:cNvPr>
+          <p:cNvSpPr/>
+          <p:nvPr/>
+        </p:nvSpPr>
+        <p:spPr>
+          <a:xfrm>
+            <a:off x="3079289" y="5443940"/>
+            <a:ext cx="829524" cy="829524"/>
+          </a:xfrm>
+          <a:prstGeom prst="ellipse">
+            <a:avLst/>
+          </a:prstGeom>
+          <a:solidFill>
+            <a:srgbClr val="FFC000"/>
+          </a:solidFill>
+          <a:ln>
+            <a:noFill/>
+          </a:ln>
+        </p:spPr>
+        <p:style>
+          <a:lnRef idx="2">
+            <a:schemeClr val="accent1">
+              <a:shade val="50000"/>
+            </a:schemeClr>
+          </a:lnRef>
+          <a:fillRef idx="1">
+            <a:schemeClr val="accent1"/>
+          </a:fillRef>
+          <a:effectRef idx="0">
+            <a:schemeClr val="accent1"/>
+          </a:effectRef>
+          <a:fontRef idx="minor">
+            <a:schemeClr val="lt1"/>
+          </a:fontRef>
+        </p:style>
+        <p:txBody>
+          <a:bodyPr rtlCol="0" anchor="ctr"/>
+          <a:lstStyle/>
+          <a:p>
+            <a:pPr algn="ctr"/>
+            <a:endParaRPr lang="ko-KR" altLang="en-US"/>
+          </a:p>
+        </p:txBody>
+      </p:sp>
+      <p:sp>
+        <p:nvSpPr>
+          <p:cNvPr id="707" name="화살표: 갈매기형 수장 706">
+            <a:extLst>
+              <a:ext uri="{FF2B5EF4-FFF2-40B4-BE49-F238E27FC236}">
+                <a16:creationId xmlns:a16="http://schemas.microsoft.com/office/drawing/2014/main" id="{9B1C7E13-D457-1B7F-F1CD-F34EA08E6F9D}"/>
+              </a:ext>
+            </a:extLst>
+          </p:cNvPr>
+          <p:cNvSpPr/>
+          <p:nvPr/>
+        </p:nvSpPr>
+        <p:spPr>
+          <a:xfrm>
+            <a:off x="4521389" y="1713768"/>
+            <a:ext cx="2342874" cy="515566"/>
+          </a:xfrm>
+          <a:prstGeom prst="chevron">
+            <a:avLst/>
+          </a:prstGeom>
+          <a:solidFill>
+            <a:srgbClr val="7030A0"/>
+          </a:solidFill>
+          <a:ln>
+            <a:noFill/>
+          </a:ln>
+        </p:spPr>
+        <p:style>
+          <a:lnRef idx="2">
+            <a:schemeClr val="accent1">
+              <a:shade val="50000"/>
+            </a:schemeClr>
+          </a:lnRef>
+          <a:fillRef idx="1">
+            <a:schemeClr val="accent1"/>
+          </a:fillRef>
+          <a:effectRef idx="0">
+            <a:schemeClr val="accent1"/>
+          </a:effectRef>
+          <a:fontRef idx="minor">
+            <a:schemeClr val="lt1"/>
+          </a:fontRef>
+        </p:style>
+        <p:txBody>
+          <a:bodyPr rtlCol="0" anchor="ctr"/>
+          <a:lstStyle/>
+          <a:p>
+            <a:pPr algn="ctr"/>
+            <a:endParaRPr lang="ko-KR" altLang="en-US"/>
+          </a:p>
+        </p:txBody>
+      </p:sp>
+      <p:sp>
+        <p:nvSpPr>
+          <p:cNvPr id="708" name="TextBox 707">
+            <a:extLst>
+              <a:ext uri="{FF2B5EF4-FFF2-40B4-BE49-F238E27FC236}">
+                <a16:creationId xmlns:a16="http://schemas.microsoft.com/office/drawing/2014/main" id="{1DDD56B7-8391-EF62-E033-6E036BD79D7D}"/>
+              </a:ext>
+            </a:extLst>
+          </p:cNvPr>
+          <p:cNvSpPr txBox="1"/>
+          <p:nvPr/>
+        </p:nvSpPr>
+        <p:spPr>
+          <a:xfrm>
+            <a:off x="4797486" y="1742642"/>
+            <a:ext cx="1772348" cy="461665"/>
+          </a:xfrm>
+          <a:prstGeom prst="rect">
+            <a:avLst/>
+          </a:prstGeom>
+          <a:noFill/>
+        </p:spPr>
+        <p:txBody>
+          <a:bodyPr wrap="square" rtlCol="0">
+            <a:spAutoFit/>
+          </a:bodyPr>
+          <a:lstStyle/>
+          <a:p>
+            <a:pPr algn="ctr"/>
+            <a:r>
+              <a:rPr lang="en-US" altLang="ko-KR" sz="2400" b="1">
+                <a:solidFill>
+                  <a:schemeClr val="bg1"/>
+                </a:solidFill>
+              </a:rPr>
+              <a:t>2026 1Q</a:t>
+            </a:r>
+            <a:endParaRPr lang="ko-KR" altLang="en-US" sz="2400" b="1" dirty="0">
+              <a:solidFill>
+                <a:schemeClr val="bg1"/>
+              </a:solidFill>
+            </a:endParaRPr>
+          </a:p>
+        </p:txBody>
+      </p:sp>
+      <p:grpSp>
+        <p:nvGrpSpPr>
+          <p:cNvPr id="710" name="Group 66">
+            <a:extLst>
+              <a:ext uri="{FF2B5EF4-FFF2-40B4-BE49-F238E27FC236}">
+                <a16:creationId xmlns:a16="http://schemas.microsoft.com/office/drawing/2014/main" id="{18E61766-8621-9612-3BC6-B7F7FC20419A}"/>
+              </a:ext>
+            </a:extLst>
+          </p:cNvPr>
+          <p:cNvGrpSpPr/>
+          <p:nvPr/>
+        </p:nvGrpSpPr>
+        <p:grpSpPr>
+          <a:xfrm>
+            <a:off x="4647156" y="2527791"/>
+            <a:ext cx="2091340" cy="2646286"/>
+            <a:chOff x="3017861" y="4222351"/>
+            <a:chExt cx="1917633" cy="2646286"/>
+          </a:xfrm>
+        </p:grpSpPr>
+        <p:sp>
+          <p:nvSpPr>
+            <p:cNvPr id="711" name="TextBox 710">
+              <a:extLst>
+                <a:ext uri="{FF2B5EF4-FFF2-40B4-BE49-F238E27FC236}">
+                  <a16:creationId xmlns:a16="http://schemas.microsoft.com/office/drawing/2014/main" id="{A734D83A-ED8D-E767-00FE-D01EAD2653E6}"/>
+                </a:ext>
+              </a:extLst>
+            </p:cNvPr>
+            <p:cNvSpPr txBox="1"/>
+            <p:nvPr/>
+          </p:nvSpPr>
+          <p:spPr>
+            <a:xfrm>
+              <a:off x="3017861" y="4560313"/>
+              <a:ext cx="1917633" cy="2308324"/>
+            </a:xfrm>
+            <a:prstGeom prst="rect">
+              <a:avLst/>
+            </a:prstGeom>
+            <a:noFill/>
+          </p:spPr>
+          <p:txBody>
+            <a:bodyPr wrap="square" rtlCol="0">
+              <a:spAutoFit/>
+            </a:bodyPr>
+            <a:lstStyle/>
+            <a:p>
+              <a:pPr algn="ctr"/>
+              <a:r>
+                <a:rPr lang="en-US" altLang="ko-KR" sz="800" b="1" u="sng">
+                  <a:cs typeface="Arial" pitchFamily="34" charset="0"/>
+                </a:rPr>
+                <a:t>[</a:t>
+              </a:r>
+              <a:r>
+                <a:rPr lang="ko-KR" altLang="en-US" sz="800" b="1" u="sng">
+                  <a:cs typeface="Arial" pitchFamily="34" charset="0"/>
+                </a:rPr>
+                <a:t>선수과목</a:t>
+              </a:r>
+              <a:r>
+                <a:rPr lang="en-US" altLang="ko-KR" sz="800" b="1" u="sng">
+                  <a:cs typeface="Arial" pitchFamily="34" charset="0"/>
+                </a:rPr>
+                <a:t>]</a:t>
+              </a:r>
+            </a:p>
+            <a:p>
+              <a:pPr algn="ctr"/>
+              <a:r>
+                <a:rPr lang="en-US" altLang="ko-KR" sz="800">
+                  <a:cs typeface="Arial" pitchFamily="34" charset="0"/>
+                </a:rPr>
+                <a:t>Project Diving</a:t>
+              </a:r>
+            </a:p>
+            <a:p>
+              <a:pPr algn="ctr"/>
+              <a:endParaRPr lang="en-US" altLang="ko-KR" sz="800">
+                <a:cs typeface="Arial" pitchFamily="34" charset="0"/>
+              </a:endParaRPr>
+            </a:p>
+            <a:p>
+              <a:pPr algn="ctr"/>
+              <a:endParaRPr lang="en-US" altLang="ko-KR" sz="800">
+                <a:cs typeface="Arial" pitchFamily="34" charset="0"/>
+              </a:endParaRPr>
+            </a:p>
+            <a:p>
+              <a:pPr algn="ctr"/>
+              <a:endParaRPr lang="en-US" altLang="ko-KR" sz="800">
+                <a:cs typeface="Arial" pitchFamily="34" charset="0"/>
+              </a:endParaRPr>
+            </a:p>
+            <a:p>
+              <a:pPr algn="ctr"/>
+              <a:endParaRPr lang="en-US" altLang="ko-KR" sz="800">
+                <a:cs typeface="Arial" pitchFamily="34" charset="0"/>
+              </a:endParaRPr>
+            </a:p>
+            <a:p>
+              <a:pPr algn="ctr"/>
+              <a:r>
+                <a:rPr lang="en-US" altLang="ko-KR" sz="800" b="1" u="sng">
+                  <a:cs typeface="Arial" pitchFamily="34" charset="0"/>
+                </a:rPr>
+                <a:t>[</a:t>
+              </a:r>
+              <a:r>
+                <a:rPr lang="ko-KR" altLang="en-US" sz="800" b="1" u="sng">
+                  <a:cs typeface="Arial" pitchFamily="34" charset="0"/>
+                </a:rPr>
+                <a:t>목표</a:t>
+              </a:r>
+              <a:r>
+                <a:rPr lang="en-US" altLang="ko-KR" sz="800" b="1" u="sng">
+                  <a:cs typeface="Arial" pitchFamily="34" charset="0"/>
+                </a:rPr>
+                <a:t>: </a:t>
+              </a:r>
+              <a:r>
+                <a:rPr lang="ko-KR" altLang="en-US" sz="800" b="1" u="sng">
+                  <a:cs typeface="Arial" pitchFamily="34" charset="0"/>
+                </a:rPr>
+                <a:t>개인 브랜딩 선행</a:t>
+              </a:r>
+              <a:r>
+                <a:rPr lang="en-US" altLang="ko-KR" sz="800" b="1" u="sng">
+                  <a:cs typeface="Arial" pitchFamily="34" charset="0"/>
+                </a:rPr>
+                <a:t>]</a:t>
+              </a:r>
+            </a:p>
+            <a:p>
+              <a:pPr algn="ctr"/>
+              <a:endParaRPr lang="en-US" altLang="ko-KR" sz="800" b="1">
+                <a:cs typeface="Arial" pitchFamily="34" charset="0"/>
+              </a:endParaRPr>
+            </a:p>
+            <a:p>
+              <a:pPr algn="ctr"/>
+              <a:r>
+                <a:rPr lang="en-US" altLang="ko-KR" sz="800" b="1">
+                  <a:cs typeface="Arial" pitchFamily="34" charset="0"/>
+                </a:rPr>
+                <a:t>(1) Project Diving </a:t>
+              </a:r>
+              <a:r>
+                <a:rPr lang="ko-KR" altLang="en-US" sz="800" b="1">
+                  <a:cs typeface="Arial" pitchFamily="34" charset="0"/>
+                </a:rPr>
+                <a:t>결과 고도화 및 논문화</a:t>
+              </a:r>
+              <a:endParaRPr lang="en-US" altLang="ko-KR" sz="800" b="1">
+                <a:cs typeface="Arial" pitchFamily="34" charset="0"/>
+              </a:endParaRPr>
+            </a:p>
+            <a:p>
+              <a:pPr marL="228600" indent="-228600" algn="ctr">
+                <a:buAutoNum type="arabicParenBoth"/>
+              </a:pPr>
+              <a:endParaRPr lang="en-US" altLang="ko-KR" sz="800" b="1">
+                <a:cs typeface="Arial" pitchFamily="34" charset="0"/>
+              </a:endParaRPr>
+            </a:p>
+            <a:p>
+              <a:pPr algn="ctr"/>
+              <a:r>
+                <a:rPr lang="en-US" altLang="ko-KR" sz="800" b="1">
+                  <a:cs typeface="Arial" pitchFamily="34" charset="0"/>
+                </a:rPr>
+                <a:t>(2) </a:t>
+              </a:r>
+              <a:r>
+                <a:rPr lang="ko-KR" altLang="en-US" sz="800" b="1">
+                  <a:cs typeface="Arial" pitchFamily="34" charset="0"/>
+                </a:rPr>
+                <a:t>본인 진로 기반 출시 예상 공모전 미리 분석 및 고도화</a:t>
+              </a:r>
+              <a:endParaRPr lang="en-US" altLang="ko-KR" sz="800" b="1">
+                <a:cs typeface="Arial" pitchFamily="34" charset="0"/>
+              </a:endParaRPr>
+            </a:p>
+            <a:p>
+              <a:pPr marL="228600" indent="-228600" algn="ctr">
+                <a:buAutoNum type="arabicParenBoth"/>
+              </a:pPr>
+              <a:endParaRPr lang="en-US" altLang="ko-KR" sz="800" b="1">
+                <a:cs typeface="Arial" pitchFamily="34" charset="0"/>
+              </a:endParaRPr>
+            </a:p>
+            <a:p>
+              <a:pPr algn="ctr"/>
+              <a:r>
+                <a:rPr lang="en-US" altLang="ko-KR" sz="800" b="1">
+                  <a:cs typeface="Arial" pitchFamily="34" charset="0"/>
+                </a:rPr>
+                <a:t>(3) </a:t>
+              </a:r>
+              <a:r>
+                <a:rPr lang="ko-KR" altLang="en-US" sz="800" b="1">
+                  <a:cs typeface="Arial" pitchFamily="34" charset="0"/>
+                </a:rPr>
+                <a:t>본인 진로 기반 논문</a:t>
+              </a:r>
+              <a:r>
+                <a:rPr lang="en-US" altLang="ko-KR" sz="800" b="1">
+                  <a:cs typeface="Arial" pitchFamily="34" charset="0"/>
+                </a:rPr>
+                <a:t>/</a:t>
+              </a:r>
+              <a:r>
+                <a:rPr lang="ko-KR" altLang="en-US" sz="800" b="1">
+                  <a:cs typeface="Arial" pitchFamily="34" charset="0"/>
+                </a:rPr>
+                <a:t>특허</a:t>
+              </a:r>
+              <a:r>
+                <a:rPr lang="en-US" altLang="ko-KR" sz="800" b="1">
+                  <a:cs typeface="Arial" pitchFamily="34" charset="0"/>
+                </a:rPr>
+                <a:t>/</a:t>
+              </a:r>
+              <a:r>
+                <a:rPr lang="ko-KR" altLang="en-US" sz="800" b="1">
+                  <a:cs typeface="Arial" pitchFamily="34" charset="0"/>
+                </a:rPr>
+                <a:t>창업 제안을 위한 분석 및 고도화 </a:t>
+              </a:r>
+              <a:endParaRPr lang="en-US" altLang="ko-KR" sz="800" b="1">
+                <a:cs typeface="Arial" pitchFamily="34" charset="0"/>
+              </a:endParaRPr>
+            </a:p>
+            <a:p>
+              <a:pPr algn="ctr"/>
+              <a:endParaRPr lang="en-US" altLang="ko-KR" sz="800">
+                <a:cs typeface="Arial" pitchFamily="34" charset="0"/>
+              </a:endParaRPr>
+            </a:p>
+            <a:p>
+              <a:pPr algn="ctr"/>
+              <a:r>
+                <a:rPr lang="en-US" altLang="ko-KR" sz="800" b="1">
+                  <a:cs typeface="Arial" pitchFamily="34" charset="0"/>
+                </a:rPr>
+                <a:t>(4) </a:t>
+              </a:r>
+              <a:r>
+                <a:rPr lang="ko-KR" altLang="en-US" sz="800" b="1">
+                  <a:cs typeface="Arial" pitchFamily="34" charset="0"/>
+                </a:rPr>
+                <a:t>다음 분기 방향 계획</a:t>
+              </a:r>
+              <a:endParaRPr lang="en-US" altLang="ko-KR" sz="800" b="1">
+                <a:cs typeface="Arial" pitchFamily="34" charset="0"/>
+              </a:endParaRPr>
+            </a:p>
+            <a:p>
+              <a:pPr algn="ctr"/>
+              <a:endParaRPr lang="en-US" altLang="ko-KR" sz="800">
+                <a:cs typeface="Arial" pitchFamily="34" charset="0"/>
+              </a:endParaRPr>
+            </a:p>
+          </p:txBody>
+        </p:sp>
+        <p:sp>
+          <p:nvSpPr>
+            <p:cNvPr id="712" name="TextBox 711">
+              <a:extLst>
+                <a:ext uri="{FF2B5EF4-FFF2-40B4-BE49-F238E27FC236}">
+                  <a16:creationId xmlns:a16="http://schemas.microsoft.com/office/drawing/2014/main" id="{D01706C5-6A05-600B-DDF9-899DA3D9CFB8}"/>
+                </a:ext>
+              </a:extLst>
+            </p:cNvPr>
+            <p:cNvSpPr txBox="1"/>
+            <p:nvPr/>
+          </p:nvSpPr>
+          <p:spPr>
+            <a:xfrm>
+              <a:off x="3017861" y="4222351"/>
+              <a:ext cx="1901330" cy="307777"/>
+            </a:xfrm>
+            <a:prstGeom prst="rect">
+              <a:avLst/>
+            </a:prstGeom>
+            <a:noFill/>
+          </p:spPr>
+          <p:txBody>
+            <a:bodyPr wrap="square" rtlCol="0">
+              <a:spAutoFit/>
+            </a:bodyPr>
+            <a:lstStyle/>
+            <a:p>
+              <a:pPr algn="ctr"/>
+              <a:r>
+                <a:rPr lang="en-US" altLang="ko-KR" b="1">
+                  <a:solidFill>
+                    <a:srgbClr val="7030A0"/>
+                  </a:solidFill>
+                  <a:cs typeface="Arial" pitchFamily="34" charset="0"/>
+                </a:rPr>
+                <a:t>Brand Diving</a:t>
+              </a:r>
+              <a:endParaRPr lang="ko-KR" altLang="en-US" sz="1400" b="1" dirty="0">
+                <a:solidFill>
+                  <a:srgbClr val="7030A0"/>
+                </a:solidFill>
+                <a:cs typeface="Arial" pitchFamily="34" charset="0"/>
+              </a:endParaRPr>
+            </a:p>
+          </p:txBody>
+        </p:sp>
+      </p:grpSp>
+      <p:sp>
+        <p:nvSpPr>
+          <p:cNvPr id="713" name="타원 712">
+            <a:extLst>
+              <a:ext uri="{FF2B5EF4-FFF2-40B4-BE49-F238E27FC236}">
+                <a16:creationId xmlns:a16="http://schemas.microsoft.com/office/drawing/2014/main" id="{0F3A81DB-4321-5266-6868-CE03F3340978}"/>
+              </a:ext>
+            </a:extLst>
+          </p:cNvPr>
+          <p:cNvSpPr/>
+          <p:nvPr/>
+        </p:nvSpPr>
+        <p:spPr>
+          <a:xfrm>
+            <a:off x="5278063" y="5443940"/>
+            <a:ext cx="829524" cy="829524"/>
+          </a:xfrm>
+          <a:prstGeom prst="ellipse">
+            <a:avLst/>
+          </a:prstGeom>
+          <a:solidFill>
+            <a:srgbClr val="7030A0"/>
+          </a:solidFill>
+          <a:ln>
+            <a:noFill/>
+          </a:ln>
+        </p:spPr>
+        <p:style>
+          <a:lnRef idx="2">
+            <a:schemeClr val="accent1">
+              <a:shade val="50000"/>
+            </a:schemeClr>
+          </a:lnRef>
+          <a:fillRef idx="1">
+            <a:schemeClr val="accent1"/>
+          </a:fillRef>
+          <a:effectRef idx="0">
+            <a:schemeClr val="accent1"/>
+          </a:effectRef>
+          <a:fontRef idx="minor">
+            <a:schemeClr val="lt1"/>
+          </a:fontRef>
+        </p:style>
+        <p:txBody>
+          <a:bodyPr rtlCol="0" anchor="ctr"/>
+          <a:lstStyle/>
+          <a:p>
+            <a:pPr algn="ctr"/>
+            <a:endParaRPr lang="ko-KR" altLang="en-US"/>
+          </a:p>
+        </p:txBody>
+      </p:sp>
+      <p:sp>
+        <p:nvSpPr>
+          <p:cNvPr id="714" name="Rectangle 36">
+            <a:extLst>
+              <a:ext uri="{FF2B5EF4-FFF2-40B4-BE49-F238E27FC236}">
+                <a16:creationId xmlns:a16="http://schemas.microsoft.com/office/drawing/2014/main" id="{F68546E3-6B24-2499-6C00-2DF4365ECE5C}"/>
+              </a:ext>
+            </a:extLst>
+          </p:cNvPr>
+          <p:cNvSpPr/>
+          <p:nvPr/>
+        </p:nvSpPr>
+        <p:spPr>
+          <a:xfrm>
+            <a:off x="5499323" y="5694305"/>
+            <a:ext cx="387004" cy="323504"/>
+          </a:xfrm>
+          <a:custGeom>
+            <a:avLst/>
+            <a:gdLst/>
+            <a:ahLst/>
+            <a:cxnLst/>
+            <a:rect l="l" t="t" r="r" b="b"/>
+            <a:pathLst>
+              <a:path w="3186824" h="2663936">
+                <a:moveTo>
+                  <a:pt x="2624444" y="2376100"/>
+                </a:moveTo>
+                <a:lnTo>
+                  <a:pt x="2624444" y="2520100"/>
+                </a:lnTo>
+                <a:lnTo>
+                  <a:pt x="2952463" y="2520100"/>
+                </a:lnTo>
+                <a:lnTo>
+                  <a:pt x="2952463" y="2376100"/>
+                </a:lnTo>
+                <a:close/>
+                <a:moveTo>
+                  <a:pt x="210911" y="2376100"/>
+                </a:moveTo>
+                <a:lnTo>
+                  <a:pt x="210911" y="2520100"/>
+                </a:lnTo>
+                <a:lnTo>
+                  <a:pt x="538930" y="2520100"/>
+                </a:lnTo>
+                <a:lnTo>
+                  <a:pt x="538930" y="2376100"/>
+                </a:lnTo>
+                <a:close/>
+                <a:moveTo>
+                  <a:pt x="2624444" y="2095269"/>
+                </a:moveTo>
+                <a:lnTo>
+                  <a:pt x="2624444" y="2239269"/>
+                </a:lnTo>
+                <a:lnTo>
+                  <a:pt x="2952463" y="2239269"/>
+                </a:lnTo>
+                <a:lnTo>
+                  <a:pt x="2952463" y="2095269"/>
+                </a:lnTo>
+                <a:close/>
+                <a:moveTo>
+                  <a:pt x="210911" y="2095269"/>
+                </a:moveTo>
+                <a:lnTo>
+                  <a:pt x="210911" y="2239269"/>
+                </a:lnTo>
+                <a:lnTo>
+                  <a:pt x="538930" y="2239269"/>
+                </a:lnTo>
+                <a:lnTo>
+                  <a:pt x="538930" y="2095269"/>
+                </a:lnTo>
+                <a:close/>
+                <a:moveTo>
+                  <a:pt x="2624444" y="1814436"/>
+                </a:moveTo>
+                <a:lnTo>
+                  <a:pt x="2624444" y="1958436"/>
+                </a:lnTo>
+                <a:lnTo>
+                  <a:pt x="2952463" y="1958436"/>
+                </a:lnTo>
+                <a:lnTo>
+                  <a:pt x="2952463" y="1814436"/>
+                </a:lnTo>
+                <a:close/>
+                <a:moveTo>
+                  <a:pt x="210911" y="1814436"/>
+                </a:moveTo>
+                <a:lnTo>
+                  <a:pt x="210911" y="1958436"/>
+                </a:lnTo>
+                <a:lnTo>
+                  <a:pt x="538930" y="1958436"/>
+                </a:lnTo>
+                <a:lnTo>
+                  <a:pt x="538930" y="1814436"/>
+                </a:lnTo>
+                <a:close/>
+                <a:moveTo>
+                  <a:pt x="2624444" y="1533603"/>
+                </a:moveTo>
+                <a:lnTo>
+                  <a:pt x="2624444" y="1677603"/>
+                </a:lnTo>
+                <a:lnTo>
+                  <a:pt x="2952463" y="1677603"/>
+                </a:lnTo>
+                <a:lnTo>
+                  <a:pt x="2952463" y="1533603"/>
+                </a:lnTo>
+                <a:close/>
+                <a:moveTo>
+                  <a:pt x="210911" y="1533603"/>
+                </a:moveTo>
+                <a:lnTo>
+                  <a:pt x="210911" y="1677603"/>
+                </a:lnTo>
+                <a:lnTo>
+                  <a:pt x="538930" y="1677603"/>
+                </a:lnTo>
+                <a:lnTo>
+                  <a:pt x="538930" y="1533603"/>
+                </a:lnTo>
+                <a:close/>
+                <a:moveTo>
+                  <a:pt x="2624444" y="1252770"/>
+                </a:moveTo>
+                <a:lnTo>
+                  <a:pt x="2624444" y="1396770"/>
+                </a:lnTo>
+                <a:lnTo>
+                  <a:pt x="2952463" y="1396770"/>
+                </a:lnTo>
+                <a:lnTo>
+                  <a:pt x="2952463" y="1252770"/>
+                </a:lnTo>
+                <a:close/>
+                <a:moveTo>
+                  <a:pt x="210911" y="1252770"/>
+                </a:moveTo>
+                <a:lnTo>
+                  <a:pt x="210911" y="1396770"/>
+                </a:lnTo>
+                <a:lnTo>
+                  <a:pt x="538930" y="1396770"/>
+                </a:lnTo>
+                <a:lnTo>
+                  <a:pt x="538930" y="1252770"/>
+                </a:lnTo>
+                <a:close/>
+                <a:moveTo>
+                  <a:pt x="2624444" y="971937"/>
+                </a:moveTo>
+                <a:lnTo>
+                  <a:pt x="2624444" y="1115937"/>
+                </a:lnTo>
+                <a:lnTo>
+                  <a:pt x="2952463" y="1115937"/>
+                </a:lnTo>
+                <a:lnTo>
+                  <a:pt x="2952463" y="971937"/>
+                </a:lnTo>
+                <a:close/>
+                <a:moveTo>
+                  <a:pt x="210911" y="971937"/>
+                </a:moveTo>
+                <a:lnTo>
+                  <a:pt x="210911" y="1115937"/>
+                </a:lnTo>
+                <a:lnTo>
+                  <a:pt x="538930" y="1115937"/>
+                </a:lnTo>
+                <a:lnTo>
+                  <a:pt x="538930" y="971937"/>
+                </a:lnTo>
+                <a:close/>
+                <a:moveTo>
+                  <a:pt x="2624444" y="691104"/>
+                </a:moveTo>
+                <a:lnTo>
+                  <a:pt x="2624444" y="835104"/>
+                </a:lnTo>
+                <a:lnTo>
+                  <a:pt x="2952463" y="835104"/>
+                </a:lnTo>
+                <a:lnTo>
+                  <a:pt x="2952463" y="691104"/>
+                </a:lnTo>
+                <a:close/>
+                <a:moveTo>
+                  <a:pt x="210911" y="691104"/>
+                </a:moveTo>
+                <a:lnTo>
+                  <a:pt x="210911" y="835104"/>
+                </a:lnTo>
+                <a:lnTo>
+                  <a:pt x="538930" y="835104"/>
+                </a:lnTo>
+                <a:lnTo>
+                  <a:pt x="538930" y="691104"/>
+                </a:lnTo>
+                <a:close/>
+                <a:moveTo>
+                  <a:pt x="988006" y="552354"/>
+                </a:moveTo>
+                <a:lnTo>
+                  <a:pt x="988006" y="2111583"/>
+                </a:lnTo>
+                <a:lnTo>
+                  <a:pt x="2332169" y="1331969"/>
+                </a:lnTo>
+                <a:close/>
+                <a:moveTo>
+                  <a:pt x="2624444" y="410271"/>
+                </a:moveTo>
+                <a:lnTo>
+                  <a:pt x="2624444" y="554271"/>
+                </a:lnTo>
+                <a:lnTo>
+                  <a:pt x="2952463" y="554271"/>
+                </a:lnTo>
+                <a:lnTo>
+                  <a:pt x="2952463" y="410271"/>
+                </a:lnTo>
+                <a:close/>
+                <a:moveTo>
+                  <a:pt x="210911" y="410271"/>
+                </a:moveTo>
+                <a:lnTo>
+                  <a:pt x="210911" y="554271"/>
+                </a:lnTo>
+                <a:lnTo>
+                  <a:pt x="538930" y="554271"/>
+                </a:lnTo>
+                <a:lnTo>
+                  <a:pt x="538930" y="410271"/>
+                </a:lnTo>
+                <a:close/>
+                <a:moveTo>
+                  <a:pt x="2624444" y="129438"/>
+                </a:moveTo>
+                <a:lnTo>
+                  <a:pt x="2624444" y="273438"/>
+                </a:lnTo>
+                <a:lnTo>
+                  <a:pt x="2952463" y="273438"/>
+                </a:lnTo>
+                <a:lnTo>
+                  <a:pt x="2952463" y="129438"/>
+                </a:lnTo>
+                <a:close/>
+                <a:moveTo>
+                  <a:pt x="210911" y="129438"/>
+                </a:moveTo>
+                <a:lnTo>
+                  <a:pt x="210911" y="273438"/>
+                </a:lnTo>
+                <a:lnTo>
+                  <a:pt x="538930" y="273438"/>
+                </a:lnTo>
+                <a:lnTo>
+                  <a:pt x="538930" y="129438"/>
+                </a:lnTo>
+                <a:close/>
+                <a:moveTo>
+                  <a:pt x="0" y="0"/>
+                </a:moveTo>
+                <a:lnTo>
+                  <a:pt x="3186824" y="0"/>
+                </a:lnTo>
+                <a:lnTo>
+                  <a:pt x="3186824" y="2663936"/>
+                </a:lnTo>
+                <a:lnTo>
+                  <a:pt x="0" y="2663936"/>
+                </a:lnTo>
+                <a:close/>
+              </a:path>
+            </a:pathLst>
+          </a:custGeom>
+          <a:solidFill>
+            <a:schemeClr val="bg1"/>
+          </a:solidFill>
+          <a:ln>
+            <a:noFill/>
+          </a:ln>
+        </p:spPr>
+        <p:style>
+          <a:lnRef idx="2">
+            <a:schemeClr val="accent1">
+              <a:shade val="50000"/>
+            </a:schemeClr>
+          </a:lnRef>
+          <a:fillRef idx="1">
+            <a:schemeClr val="accent1"/>
+          </a:fillRef>
+          <a:effectRef idx="0">
+            <a:schemeClr val="accent1"/>
+          </a:effectRef>
+          <a:fontRef idx="minor">
+            <a:schemeClr val="lt1"/>
+          </a:fontRef>
+        </p:style>
+        <p:txBody>
+          <a:bodyPr rot="0" spcFirstLastPara="0" vert="horz" wrap="square" lIns="91440" tIns="45720" rIns="91440" bIns="45720" numCol="1" spcCol="0" rtlCol="0" fromWordArt="0" anchor="ctr" anchorCtr="0" forceAA="0" compatLnSpc="1">
+            <a:prstTxWarp prst="textNoShape">
+              <a:avLst/>
+            </a:prstTxWarp>
+            <a:noAutofit/>
+          </a:bodyPr>
+          <a:lstStyle>
+            <a:defPPr>
+              <a:defRPr lang="ko-KR"/>
+            </a:defPPr>
+            <a:lvl1pPr marL="0" algn="l" defTabSz="914400" rtl="0" eaLnBrk="1" latinLnBrk="1" hangingPunct="1">
+              <a:defRPr sz="1800" kern="1200">
+                <a:solidFill>
+                  <a:schemeClr val="lt1"/>
+                </a:solidFill>
+                <a:latin typeface="+mn-lt"/>
+                <a:ea typeface="+mn-ea"/>
+                <a:cs typeface="+mn-cs"/>
+              </a:defRPr>
+            </a:lvl1pPr>
+            <a:lvl2pPr marL="457200" algn="l" defTabSz="914400" rtl="0" eaLnBrk="1" latinLnBrk="1" hangingPunct="1">
+              <a:defRPr sz="1800" kern="1200">
+                <a:solidFill>
+                  <a:schemeClr val="lt1"/>
+                </a:solidFill>
+                <a:latin typeface="+mn-lt"/>
+                <a:ea typeface="+mn-ea"/>
+                <a:cs typeface="+mn-cs"/>
+              </a:defRPr>
+            </a:lvl2pPr>
+            <a:lvl3pPr marL="914400" algn="l" defTabSz="914400" rtl="0" eaLnBrk="1" latinLnBrk="1" hangingPunct="1">
+              <a:defRPr sz="1800" kern="1200">
+                <a:solidFill>
+                  <a:schemeClr val="lt1"/>
+                </a:solidFill>
+                <a:latin typeface="+mn-lt"/>
+                <a:ea typeface="+mn-ea"/>
+                <a:cs typeface="+mn-cs"/>
+              </a:defRPr>
+            </a:lvl3pPr>
+            <a:lvl4pPr marL="1371600" algn="l" defTabSz="914400" rtl="0" eaLnBrk="1" latinLnBrk="1" hangingPunct="1">
+              <a:defRPr sz="1800" kern="1200">
+                <a:solidFill>
+                  <a:schemeClr val="lt1"/>
+                </a:solidFill>
+                <a:latin typeface="+mn-lt"/>
+                <a:ea typeface="+mn-ea"/>
+                <a:cs typeface="+mn-cs"/>
+              </a:defRPr>
+            </a:lvl4pPr>
+            <a:lvl5pPr marL="1828800" algn="l" defTabSz="914400" rtl="0" eaLnBrk="1" latinLnBrk="1" hangingPunct="1">
+              <a:defRPr sz="1800" kern="1200">
+                <a:solidFill>
+                  <a:schemeClr val="lt1"/>
+                </a:solidFill>
+                <a:latin typeface="+mn-lt"/>
+                <a:ea typeface="+mn-ea"/>
+                <a:cs typeface="+mn-cs"/>
+              </a:defRPr>
+            </a:lvl5pPr>
+            <a:lvl6pPr marL="2286000" algn="l" defTabSz="914400" rtl="0" eaLnBrk="1" latinLnBrk="1" hangingPunct="1">
+              <a:defRPr sz="1800" kern="1200">
+                <a:solidFill>
+                  <a:schemeClr val="lt1"/>
+                </a:solidFill>
+                <a:latin typeface="+mn-lt"/>
+                <a:ea typeface="+mn-ea"/>
+                <a:cs typeface="+mn-cs"/>
+              </a:defRPr>
+            </a:lvl6pPr>
+            <a:lvl7pPr marL="2743200" algn="l" defTabSz="914400" rtl="0" eaLnBrk="1" latinLnBrk="1" hangingPunct="1">
+              <a:defRPr sz="1800" kern="1200">
+                <a:solidFill>
+                  <a:schemeClr val="lt1"/>
+                </a:solidFill>
+                <a:latin typeface="+mn-lt"/>
+                <a:ea typeface="+mn-ea"/>
+                <a:cs typeface="+mn-cs"/>
+              </a:defRPr>
+            </a:lvl7pPr>
+            <a:lvl8pPr marL="3200400" algn="l" defTabSz="914400" rtl="0" eaLnBrk="1" latinLnBrk="1" hangingPunct="1">
+              <a:defRPr sz="1800" kern="1200">
+                <a:solidFill>
+                  <a:schemeClr val="lt1"/>
+                </a:solidFill>
+                <a:latin typeface="+mn-lt"/>
+                <a:ea typeface="+mn-ea"/>
+                <a:cs typeface="+mn-cs"/>
+              </a:defRPr>
+            </a:lvl8pPr>
+            <a:lvl9pPr marL="3657600" algn="l" defTabSz="914400" rtl="0" eaLnBrk="1" latinLnBrk="1" hangingPunct="1">
+              <a:defRPr sz="1800" kern="1200">
+                <a:solidFill>
+                  <a:schemeClr val="lt1"/>
+                </a:solidFill>
+                <a:latin typeface="+mn-lt"/>
+                <a:ea typeface="+mn-ea"/>
+                <a:cs typeface="+mn-cs"/>
+              </a:defRPr>
+            </a:lvl9pPr>
+          </a:lstStyle>
+          <a:p>
+            <a:pPr algn="ctr"/>
+            <a:endParaRPr lang="ko-KR" altLang="en-US" dirty="0"/>
+          </a:p>
+        </p:txBody>
+      </p:sp>
+      <p:sp>
+        <p:nvSpPr>
+          <p:cNvPr id="715" name="화살표: 갈매기형 수장 714">
+            <a:extLst>
+              <a:ext uri="{FF2B5EF4-FFF2-40B4-BE49-F238E27FC236}">
+                <a16:creationId xmlns:a16="http://schemas.microsoft.com/office/drawing/2014/main" id="{ECFBE4F0-EC3E-6F16-F64F-43BD023AE1D0}"/>
+              </a:ext>
+            </a:extLst>
+          </p:cNvPr>
+          <p:cNvSpPr/>
+          <p:nvPr/>
+        </p:nvSpPr>
+        <p:spPr>
+          <a:xfrm>
+            <a:off x="6738495" y="1713768"/>
+            <a:ext cx="2342874" cy="515566"/>
+          </a:xfrm>
+          <a:prstGeom prst="chevron">
+            <a:avLst/>
+          </a:prstGeom>
+          <a:solidFill>
+            <a:srgbClr val="FF0000"/>
+          </a:solidFill>
+          <a:ln>
+            <a:noFill/>
+          </a:ln>
+        </p:spPr>
+        <p:style>
+          <a:lnRef idx="2">
+            <a:schemeClr val="accent1">
+              <a:shade val="50000"/>
+            </a:schemeClr>
+          </a:lnRef>
+          <a:fillRef idx="1">
+            <a:schemeClr val="accent1"/>
+          </a:fillRef>
+          <a:effectRef idx="0">
+            <a:schemeClr val="accent1"/>
+          </a:effectRef>
+          <a:fontRef idx="minor">
+            <a:schemeClr val="lt1"/>
+          </a:fontRef>
+        </p:style>
+        <p:txBody>
+          <a:bodyPr rtlCol="0" anchor="ctr"/>
+          <a:lstStyle/>
+          <a:p>
+            <a:pPr algn="ctr"/>
+            <a:endParaRPr lang="ko-KR" altLang="en-US"/>
+          </a:p>
+        </p:txBody>
+      </p:sp>
+      <p:sp>
+        <p:nvSpPr>
+          <p:cNvPr id="716" name="TextBox 715">
+            <a:extLst>
+              <a:ext uri="{FF2B5EF4-FFF2-40B4-BE49-F238E27FC236}">
+                <a16:creationId xmlns:a16="http://schemas.microsoft.com/office/drawing/2014/main" id="{83739127-94D2-22D2-9106-03E61D838B83}"/>
+              </a:ext>
+            </a:extLst>
+          </p:cNvPr>
+          <p:cNvSpPr txBox="1"/>
+          <p:nvPr/>
+        </p:nvSpPr>
+        <p:spPr>
+          <a:xfrm>
+            <a:off x="7014592" y="1742642"/>
+            <a:ext cx="1772348" cy="461665"/>
+          </a:xfrm>
+          <a:prstGeom prst="rect">
+            <a:avLst/>
+          </a:prstGeom>
+          <a:noFill/>
+        </p:spPr>
+        <p:txBody>
+          <a:bodyPr wrap="square" rtlCol="0">
+            <a:spAutoFit/>
+          </a:bodyPr>
+          <a:lstStyle/>
+          <a:p>
+            <a:pPr algn="ctr"/>
+            <a:r>
+              <a:rPr lang="en-US" altLang="ko-KR" sz="2400" b="1">
+                <a:solidFill>
+                  <a:schemeClr val="bg1"/>
+                </a:solidFill>
+              </a:rPr>
+              <a:t>2026 2Q</a:t>
+            </a:r>
+            <a:endParaRPr lang="ko-KR" altLang="en-US" sz="2400" b="1" dirty="0">
+              <a:solidFill>
+                <a:schemeClr val="bg1"/>
+              </a:solidFill>
+            </a:endParaRPr>
+          </a:p>
+        </p:txBody>
+      </p:sp>
+      <p:grpSp>
+        <p:nvGrpSpPr>
+          <p:cNvPr id="718" name="Group 66">
+            <a:extLst>
+              <a:ext uri="{FF2B5EF4-FFF2-40B4-BE49-F238E27FC236}">
+                <a16:creationId xmlns:a16="http://schemas.microsoft.com/office/drawing/2014/main" id="{0556E8C5-CB30-F4EA-B207-DECF24D2D35C}"/>
+              </a:ext>
+            </a:extLst>
+          </p:cNvPr>
+          <p:cNvGrpSpPr/>
+          <p:nvPr/>
+        </p:nvGrpSpPr>
+        <p:grpSpPr>
+          <a:xfrm>
+            <a:off x="6864262" y="2527791"/>
+            <a:ext cx="2091340" cy="2153844"/>
+            <a:chOff x="3017861" y="4222351"/>
+            <a:chExt cx="1917633" cy="2153844"/>
+          </a:xfrm>
+        </p:grpSpPr>
+        <p:sp>
+          <p:nvSpPr>
+            <p:cNvPr id="719" name="TextBox 718">
+              <a:extLst>
+                <a:ext uri="{FF2B5EF4-FFF2-40B4-BE49-F238E27FC236}">
+                  <a16:creationId xmlns:a16="http://schemas.microsoft.com/office/drawing/2014/main" id="{AAA93F93-8A5A-48A1-F155-39AD2576141C}"/>
+                </a:ext>
+              </a:extLst>
+            </p:cNvPr>
+            <p:cNvSpPr txBox="1"/>
+            <p:nvPr/>
+          </p:nvSpPr>
+          <p:spPr>
+            <a:xfrm>
+              <a:off x="3017861" y="4560313"/>
+              <a:ext cx="1917633" cy="1815882"/>
+            </a:xfrm>
+            <a:prstGeom prst="rect">
+              <a:avLst/>
+            </a:prstGeom>
+            <a:noFill/>
+          </p:spPr>
+          <p:txBody>
+            <a:bodyPr wrap="square" rtlCol="0">
+              <a:spAutoFit/>
+            </a:bodyPr>
+            <a:lstStyle/>
+            <a:p>
+              <a:pPr algn="ctr"/>
+              <a:r>
+                <a:rPr lang="en-US" altLang="ko-KR" sz="800" b="1" u="sng">
+                  <a:cs typeface="Arial" pitchFamily="34" charset="0"/>
+                </a:rPr>
+                <a:t>[</a:t>
+              </a:r>
+              <a:r>
+                <a:rPr lang="ko-KR" altLang="en-US" sz="800" b="1" u="sng">
+                  <a:cs typeface="Arial" pitchFamily="34" charset="0"/>
+                </a:rPr>
+                <a:t>선수과목</a:t>
+              </a:r>
+              <a:r>
+                <a:rPr lang="en-US" altLang="ko-KR" sz="800" b="1" u="sng">
+                  <a:cs typeface="Arial" pitchFamily="34" charset="0"/>
+                </a:rPr>
+                <a:t>]</a:t>
+              </a:r>
+            </a:p>
+            <a:p>
+              <a:pPr algn="ctr"/>
+              <a:r>
+                <a:rPr lang="en-US" altLang="ko-KR" sz="800">
+                  <a:cs typeface="Arial" pitchFamily="34" charset="0"/>
+                </a:rPr>
+                <a:t>Project Diving</a:t>
+              </a:r>
+            </a:p>
+            <a:p>
+              <a:pPr algn="ctr"/>
+              <a:endParaRPr lang="en-US" altLang="ko-KR" sz="800">
+                <a:cs typeface="Arial" pitchFamily="34" charset="0"/>
+              </a:endParaRPr>
+            </a:p>
+            <a:p>
+              <a:pPr algn="ctr"/>
+              <a:endParaRPr lang="en-US" altLang="ko-KR" sz="800">
+                <a:cs typeface="Arial" pitchFamily="34" charset="0"/>
+              </a:endParaRPr>
+            </a:p>
+            <a:p>
+              <a:pPr algn="ctr"/>
+              <a:endParaRPr lang="en-US" altLang="ko-KR" sz="800">
+                <a:cs typeface="Arial" pitchFamily="34" charset="0"/>
+              </a:endParaRPr>
+            </a:p>
+            <a:p>
+              <a:pPr algn="ctr"/>
+              <a:endParaRPr lang="en-US" altLang="ko-KR" sz="800">
+                <a:cs typeface="Arial" pitchFamily="34" charset="0"/>
+              </a:endParaRPr>
+            </a:p>
+            <a:p>
+              <a:pPr algn="ctr"/>
+              <a:r>
+                <a:rPr lang="en-US" altLang="ko-KR" sz="800" b="1" u="sng">
+                  <a:cs typeface="Arial" pitchFamily="34" charset="0"/>
+                </a:rPr>
+                <a:t>[</a:t>
+              </a:r>
+              <a:r>
+                <a:rPr lang="ko-KR" altLang="en-US" sz="800" b="1" u="sng">
+                  <a:cs typeface="Arial" pitchFamily="34" charset="0"/>
+                </a:rPr>
+                <a:t>목표 </a:t>
+              </a:r>
+              <a:r>
+                <a:rPr lang="en-US" altLang="ko-KR" sz="800" b="1" u="sng">
+                  <a:cs typeface="Arial" pitchFamily="34" charset="0"/>
+                </a:rPr>
+                <a:t>&amp; </a:t>
+              </a:r>
+              <a:r>
+                <a:rPr lang="ko-KR" altLang="en-US" sz="800" b="1" u="sng">
+                  <a:cs typeface="Arial" pitchFamily="34" charset="0"/>
+                </a:rPr>
+                <a:t>인공지능의사결정</a:t>
+              </a:r>
+              <a:r>
+                <a:rPr lang="en-US" altLang="ko-KR" sz="800" b="1" u="sng">
+                  <a:cs typeface="Arial" pitchFamily="34" charset="0"/>
+                </a:rPr>
+                <a:t>]</a:t>
+              </a:r>
+            </a:p>
+            <a:p>
+              <a:pPr algn="ctr"/>
+              <a:endParaRPr lang="en-US" altLang="ko-KR" sz="800" b="1">
+                <a:cs typeface="Arial" pitchFamily="34" charset="0"/>
+              </a:endParaRPr>
+            </a:p>
+            <a:p>
+              <a:pPr algn="ctr"/>
+              <a:r>
+                <a:rPr lang="en-US" altLang="ko-KR" sz="800" b="1">
+                  <a:cs typeface="Arial" pitchFamily="34" charset="0"/>
+                </a:rPr>
+                <a:t>(1) </a:t>
+              </a:r>
+              <a:r>
+                <a:rPr lang="ko-KR" altLang="en-US" sz="800" b="1">
+                  <a:cs typeface="Arial" pitchFamily="34" charset="0"/>
+                </a:rPr>
+                <a:t>개인 브랜딩 증명을 위해 집중</a:t>
+              </a:r>
+              <a:r>
+                <a:rPr lang="en-US" altLang="ko-KR" sz="800" b="1">
+                  <a:cs typeface="Arial" pitchFamily="34" charset="0"/>
+                </a:rPr>
+                <a:t>!</a:t>
+              </a:r>
+            </a:p>
+            <a:p>
+              <a:pPr algn="ctr"/>
+              <a:endParaRPr lang="en-US" altLang="ko-KR" sz="800" b="1">
+                <a:cs typeface="Arial" pitchFamily="34" charset="0"/>
+              </a:endParaRPr>
+            </a:p>
+            <a:p>
+              <a:pPr algn="ctr"/>
+              <a:r>
+                <a:rPr lang="en-US" altLang="ko-KR" sz="800" b="1">
+                  <a:cs typeface="Arial" pitchFamily="34" charset="0"/>
+                </a:rPr>
+                <a:t>(2) </a:t>
+              </a:r>
+              <a:r>
+                <a:rPr lang="ko-KR" altLang="en-US" sz="800" b="1">
+                  <a:cs typeface="Arial" pitchFamily="34" charset="0"/>
+                </a:rPr>
+                <a:t>본인 진로 기반 공모전</a:t>
+              </a:r>
+              <a:r>
+                <a:rPr lang="en-US" altLang="ko-KR" sz="800" b="1">
+                  <a:cs typeface="Arial" pitchFamily="34" charset="0"/>
+                </a:rPr>
+                <a:t>/</a:t>
+              </a:r>
+              <a:r>
+                <a:rPr lang="ko-KR" altLang="en-US" sz="800" b="1">
+                  <a:cs typeface="Arial" pitchFamily="34" charset="0"/>
+                </a:rPr>
+                <a:t>논문</a:t>
+              </a:r>
+              <a:r>
+                <a:rPr lang="en-US" altLang="ko-KR" sz="800" b="1">
+                  <a:cs typeface="Arial" pitchFamily="34" charset="0"/>
+                </a:rPr>
+                <a:t>/</a:t>
+              </a:r>
+              <a:r>
+                <a:rPr lang="ko-KR" altLang="en-US" sz="800" b="1">
+                  <a:cs typeface="Arial" pitchFamily="34" charset="0"/>
+                </a:rPr>
+                <a:t>특허</a:t>
+              </a:r>
+              <a:r>
+                <a:rPr lang="en-US" altLang="ko-KR" sz="800" b="1">
+                  <a:cs typeface="Arial" pitchFamily="34" charset="0"/>
+                </a:rPr>
+                <a:t>/</a:t>
+              </a:r>
+              <a:r>
+                <a:rPr lang="ko-KR" altLang="en-US" sz="800" b="1">
+                  <a:cs typeface="Arial" pitchFamily="34" charset="0"/>
+                </a:rPr>
+                <a:t>창업 산출물 완성 및 추가</a:t>
+              </a:r>
+              <a:endParaRPr lang="en-US" altLang="ko-KR" sz="800" b="1">
+                <a:cs typeface="Arial" pitchFamily="34" charset="0"/>
+              </a:endParaRPr>
+            </a:p>
+            <a:p>
+              <a:pPr algn="ctr"/>
+              <a:endParaRPr lang="en-US" altLang="ko-KR" sz="800">
+                <a:cs typeface="Arial" pitchFamily="34" charset="0"/>
+              </a:endParaRPr>
+            </a:p>
+            <a:p>
+              <a:pPr algn="ctr"/>
+              <a:r>
+                <a:rPr lang="en-US" altLang="ko-KR" sz="800" b="1">
+                  <a:cs typeface="Arial" pitchFamily="34" charset="0"/>
+                </a:rPr>
+                <a:t>(3) </a:t>
+              </a:r>
+              <a:r>
+                <a:rPr lang="ko-KR" altLang="en-US" sz="800" b="1">
+                  <a:cs typeface="Arial" pitchFamily="34" charset="0"/>
+                </a:rPr>
+                <a:t>다음 분기 방향 계획</a:t>
+              </a:r>
+              <a:endParaRPr lang="en-US" altLang="ko-KR" sz="800" b="1">
+                <a:cs typeface="Arial" pitchFamily="34" charset="0"/>
+              </a:endParaRPr>
+            </a:p>
+          </p:txBody>
+        </p:sp>
+        <p:sp>
+          <p:nvSpPr>
+            <p:cNvPr id="720" name="TextBox 719">
+              <a:extLst>
+                <a:ext uri="{FF2B5EF4-FFF2-40B4-BE49-F238E27FC236}">
+                  <a16:creationId xmlns:a16="http://schemas.microsoft.com/office/drawing/2014/main" id="{DB473F7B-2171-1E9B-957A-64A6E5ABCC35}"/>
+                </a:ext>
+              </a:extLst>
+            </p:cNvPr>
+            <p:cNvSpPr txBox="1"/>
+            <p:nvPr/>
+          </p:nvSpPr>
+          <p:spPr>
+            <a:xfrm>
+              <a:off x="3017861" y="4222351"/>
+              <a:ext cx="1901330" cy="307777"/>
+            </a:xfrm>
+            <a:prstGeom prst="rect">
+              <a:avLst/>
+            </a:prstGeom>
+            <a:noFill/>
+          </p:spPr>
+          <p:txBody>
+            <a:bodyPr wrap="square" rtlCol="0">
+              <a:spAutoFit/>
+            </a:bodyPr>
+            <a:lstStyle/>
+            <a:p>
+              <a:pPr algn="ctr"/>
+              <a:r>
+                <a:rPr lang="en-US" altLang="ko-KR" sz="1400" b="1">
+                  <a:solidFill>
+                    <a:srgbClr val="FF0000"/>
+                  </a:solidFill>
+                  <a:cs typeface="Arial" pitchFamily="34" charset="0"/>
+                </a:rPr>
+                <a:t>Brand Diving</a:t>
+              </a:r>
+              <a:endParaRPr lang="ko-KR" altLang="en-US" sz="1400" b="1" dirty="0">
+                <a:solidFill>
+                  <a:srgbClr val="FF0000"/>
+                </a:solidFill>
+                <a:cs typeface="Arial" pitchFamily="34" charset="0"/>
+              </a:endParaRPr>
+            </a:p>
+          </p:txBody>
+        </p:sp>
+      </p:grpSp>
+      <p:sp>
+        <p:nvSpPr>
+          <p:cNvPr id="721" name="타원 720">
+            <a:extLst>
+              <a:ext uri="{FF2B5EF4-FFF2-40B4-BE49-F238E27FC236}">
+                <a16:creationId xmlns:a16="http://schemas.microsoft.com/office/drawing/2014/main" id="{CCA116E3-0D72-9842-C3A3-7C040FA06FE9}"/>
+              </a:ext>
+            </a:extLst>
+          </p:cNvPr>
+          <p:cNvSpPr/>
+          <p:nvPr/>
+        </p:nvSpPr>
+        <p:spPr>
+          <a:xfrm>
+            <a:off x="7495169" y="5443940"/>
+            <a:ext cx="829524" cy="829524"/>
+          </a:xfrm>
+          <a:prstGeom prst="ellipse">
+            <a:avLst/>
+          </a:prstGeom>
+          <a:solidFill>
+            <a:srgbClr val="FF0000"/>
+          </a:solidFill>
+          <a:ln>
+            <a:noFill/>
+          </a:ln>
+        </p:spPr>
+        <p:style>
+          <a:lnRef idx="2">
+            <a:schemeClr val="accent1">
+              <a:shade val="50000"/>
+            </a:schemeClr>
+          </a:lnRef>
+          <a:fillRef idx="1">
+            <a:schemeClr val="accent1"/>
+          </a:fillRef>
+          <a:effectRef idx="0">
+            <a:schemeClr val="accent1"/>
+          </a:effectRef>
+          <a:fontRef idx="minor">
+            <a:schemeClr val="lt1"/>
+          </a:fontRef>
+        </p:style>
+        <p:txBody>
+          <a:bodyPr rtlCol="0" anchor="ctr"/>
+          <a:lstStyle/>
+          <a:p>
+            <a:pPr algn="ctr"/>
+            <a:endParaRPr lang="ko-KR" altLang="en-US"/>
+          </a:p>
+        </p:txBody>
+      </p:sp>
+      <p:sp>
+        <p:nvSpPr>
+          <p:cNvPr id="726" name="Rounded Rectangle 32">
+            <a:extLst>
+              <a:ext uri="{FF2B5EF4-FFF2-40B4-BE49-F238E27FC236}">
+                <a16:creationId xmlns:a16="http://schemas.microsoft.com/office/drawing/2014/main" id="{7E2E2D30-A1EC-4135-3C0D-2755EF23EB64}"/>
+              </a:ext>
+            </a:extLst>
+          </p:cNvPr>
+          <p:cNvSpPr/>
+          <p:nvPr/>
+        </p:nvSpPr>
+        <p:spPr>
+          <a:xfrm>
+            <a:off x="3327546" y="5694305"/>
+            <a:ext cx="333009" cy="333007"/>
+          </a:xfrm>
+          <a:custGeom>
+            <a:avLst/>
+            <a:gdLst/>
+            <a:ahLst/>
+            <a:cxnLst/>
+            <a:rect l="l" t="t" r="r" b="b"/>
+            <a:pathLst>
+              <a:path w="3240000" h="3240000">
+                <a:moveTo>
+                  <a:pt x="2019696" y="2510955"/>
+                </a:moveTo>
+                <a:lnTo>
+                  <a:pt x="2019696" y="2797359"/>
+                </a:lnTo>
+                <a:lnTo>
+                  <a:pt x="2914589" y="2797359"/>
+                </a:lnTo>
+                <a:lnTo>
+                  <a:pt x="2914589" y="2510955"/>
+                </a:lnTo>
+                <a:close/>
+                <a:moveTo>
+                  <a:pt x="2019696" y="2081348"/>
+                </a:moveTo>
+                <a:lnTo>
+                  <a:pt x="2019696" y="2367752"/>
+                </a:lnTo>
+                <a:lnTo>
+                  <a:pt x="2914589" y="2367752"/>
+                </a:lnTo>
+                <a:lnTo>
+                  <a:pt x="2914589" y="2081348"/>
+                </a:lnTo>
+                <a:close/>
+                <a:moveTo>
+                  <a:pt x="580710" y="2021703"/>
+                </a:moveTo>
+                <a:lnTo>
+                  <a:pt x="378191" y="2224222"/>
+                </a:lnTo>
+                <a:lnTo>
+                  <a:pt x="593323" y="2439354"/>
+                </a:lnTo>
+                <a:lnTo>
+                  <a:pt x="378191" y="2654485"/>
+                </a:lnTo>
+                <a:lnTo>
+                  <a:pt x="580710" y="2857004"/>
+                </a:lnTo>
+                <a:lnTo>
+                  <a:pt x="795842" y="2641872"/>
+                </a:lnTo>
+                <a:lnTo>
+                  <a:pt x="1010973" y="2857004"/>
+                </a:lnTo>
+                <a:lnTo>
+                  <a:pt x="1213492" y="2654485"/>
+                </a:lnTo>
+                <a:lnTo>
+                  <a:pt x="998360" y="2439354"/>
+                </a:lnTo>
+                <a:lnTo>
+                  <a:pt x="1213492" y="2224222"/>
+                </a:lnTo>
+                <a:lnTo>
+                  <a:pt x="1010973" y="2021703"/>
+                </a:lnTo>
+                <a:lnTo>
+                  <a:pt x="795842" y="2236835"/>
+                </a:lnTo>
+                <a:close/>
+                <a:moveTo>
+                  <a:pt x="1656000" y="1656001"/>
+                </a:moveTo>
+                <a:lnTo>
+                  <a:pt x="3240000" y="1656001"/>
+                </a:lnTo>
+                <a:lnTo>
+                  <a:pt x="3240000" y="2699989"/>
+                </a:lnTo>
+                <a:cubicBezTo>
+                  <a:pt x="3240000" y="2998229"/>
+                  <a:pt x="2998229" y="3240000"/>
+                  <a:pt x="2699989" y="3240000"/>
+                </a:cubicBezTo>
+                <a:lnTo>
+                  <a:pt x="1656000" y="3240000"/>
+                </a:lnTo>
+                <a:close/>
+                <a:moveTo>
+                  <a:pt x="0" y="1656001"/>
+                </a:moveTo>
+                <a:lnTo>
+                  <a:pt x="1584000" y="1656001"/>
+                </a:lnTo>
+                <a:lnTo>
+                  <a:pt x="1584000" y="3240000"/>
+                </a:lnTo>
+                <a:lnTo>
+                  <a:pt x="540011" y="3240000"/>
+                </a:lnTo>
+                <a:cubicBezTo>
+                  <a:pt x="241771" y="3240000"/>
+                  <a:pt x="0" y="2998229"/>
+                  <a:pt x="0" y="2699989"/>
+                </a:cubicBezTo>
+                <a:close/>
+                <a:moveTo>
+                  <a:pt x="2467143" y="957859"/>
+                </a:moveTo>
+                <a:cubicBezTo>
+                  <a:pt x="2388055" y="957859"/>
+                  <a:pt x="2323941" y="1021973"/>
+                  <a:pt x="2323941" y="1101061"/>
+                </a:cubicBezTo>
+                <a:cubicBezTo>
+                  <a:pt x="2323941" y="1180149"/>
+                  <a:pt x="2388055" y="1244263"/>
+                  <a:pt x="2467143" y="1244263"/>
+                </a:cubicBezTo>
+                <a:cubicBezTo>
+                  <a:pt x="2546231" y="1244263"/>
+                  <a:pt x="2610345" y="1180149"/>
+                  <a:pt x="2610345" y="1101061"/>
+                </a:cubicBezTo>
+                <a:cubicBezTo>
+                  <a:pt x="2610345" y="1021973"/>
+                  <a:pt x="2546231" y="957859"/>
+                  <a:pt x="2467143" y="957859"/>
+                </a:cubicBezTo>
+                <a:close/>
+                <a:moveTo>
+                  <a:pt x="2019696" y="635775"/>
+                </a:moveTo>
+                <a:lnTo>
+                  <a:pt x="2019696" y="922180"/>
+                </a:lnTo>
+                <a:lnTo>
+                  <a:pt x="2914589" y="922180"/>
+                </a:lnTo>
+                <a:lnTo>
+                  <a:pt x="2914589" y="635775"/>
+                </a:lnTo>
+                <a:close/>
+                <a:moveTo>
+                  <a:pt x="652639" y="331531"/>
+                </a:moveTo>
+                <a:lnTo>
+                  <a:pt x="652639" y="635775"/>
+                </a:lnTo>
+                <a:lnTo>
+                  <a:pt x="348395" y="635775"/>
+                </a:lnTo>
+                <a:lnTo>
+                  <a:pt x="348395" y="922180"/>
+                </a:lnTo>
+                <a:lnTo>
+                  <a:pt x="652639" y="922180"/>
+                </a:lnTo>
+                <a:lnTo>
+                  <a:pt x="652639" y="1226424"/>
+                </a:lnTo>
+                <a:lnTo>
+                  <a:pt x="939044" y="1226424"/>
+                </a:lnTo>
+                <a:lnTo>
+                  <a:pt x="939044" y="922180"/>
+                </a:lnTo>
+                <a:lnTo>
+                  <a:pt x="1243288" y="922180"/>
+                </a:lnTo>
+                <a:lnTo>
+                  <a:pt x="1243288" y="635775"/>
+                </a:lnTo>
+                <a:lnTo>
+                  <a:pt x="939044" y="635775"/>
+                </a:lnTo>
+                <a:lnTo>
+                  <a:pt x="939044" y="331531"/>
+                </a:lnTo>
+                <a:close/>
+                <a:moveTo>
+                  <a:pt x="2467143" y="313692"/>
+                </a:moveTo>
+                <a:cubicBezTo>
+                  <a:pt x="2388055" y="313692"/>
+                  <a:pt x="2323941" y="377806"/>
+                  <a:pt x="2323941" y="456894"/>
+                </a:cubicBezTo>
+                <a:cubicBezTo>
+                  <a:pt x="2323941" y="535982"/>
+                  <a:pt x="2388055" y="600096"/>
+                  <a:pt x="2467143" y="600096"/>
+                </a:cubicBezTo>
+                <a:cubicBezTo>
+                  <a:pt x="2546231" y="600096"/>
+                  <a:pt x="2610345" y="535982"/>
+                  <a:pt x="2610345" y="456894"/>
+                </a:cubicBezTo>
+                <a:cubicBezTo>
+                  <a:pt x="2610345" y="377806"/>
+                  <a:pt x="2546231" y="313692"/>
+                  <a:pt x="2467143" y="313692"/>
+                </a:cubicBezTo>
+                <a:close/>
+                <a:moveTo>
+                  <a:pt x="540011" y="0"/>
+                </a:moveTo>
+                <a:lnTo>
+                  <a:pt x="2699989" y="0"/>
+                </a:lnTo>
+                <a:cubicBezTo>
+                  <a:pt x="2998229" y="0"/>
+                  <a:pt x="3240000" y="241771"/>
+                  <a:pt x="3240000" y="540011"/>
+                </a:cubicBezTo>
+                <a:lnTo>
+                  <a:pt x="3240000" y="1584001"/>
+                </a:lnTo>
+                <a:lnTo>
+                  <a:pt x="1656000" y="1584001"/>
+                </a:lnTo>
+                <a:lnTo>
+                  <a:pt x="1656000" y="1"/>
+                </a:lnTo>
+                <a:lnTo>
+                  <a:pt x="1584000" y="1"/>
+                </a:lnTo>
+                <a:lnTo>
+                  <a:pt x="1584000" y="1584001"/>
+                </a:lnTo>
+                <a:lnTo>
+                  <a:pt x="0" y="1584001"/>
+                </a:lnTo>
+                <a:lnTo>
+                  <a:pt x="0" y="540011"/>
+                </a:lnTo>
+                <a:cubicBezTo>
+                  <a:pt x="0" y="241771"/>
+                  <a:pt x="241771" y="0"/>
+                  <a:pt x="540011" y="0"/>
+                </a:cubicBezTo>
+                <a:close/>
+              </a:path>
+            </a:pathLst>
+          </a:custGeom>
+          <a:solidFill>
+            <a:schemeClr val="bg1"/>
+          </a:solidFill>
+          <a:ln>
+            <a:noFill/>
+          </a:ln>
+        </p:spPr>
+        <p:style>
+          <a:lnRef idx="2">
+            <a:schemeClr val="accent1">
+              <a:shade val="50000"/>
+            </a:schemeClr>
+          </a:lnRef>
+          <a:fillRef idx="1">
+            <a:schemeClr val="accent1"/>
+          </a:fillRef>
+          <a:effectRef idx="0">
+            <a:schemeClr val="accent1"/>
+          </a:effectRef>
+          <a:fontRef idx="minor">
+            <a:schemeClr val="lt1"/>
+          </a:fontRef>
+        </p:style>
+        <p:txBody>
+          <a:bodyPr rot="0" spcFirstLastPara="0" vert="horz" wrap="square" lIns="91440" tIns="45720" rIns="91440" bIns="45720" numCol="1" spcCol="0" rtlCol="0" fromWordArt="0" anchor="ctr" anchorCtr="0" forceAA="0" compatLnSpc="1">
+            <a:prstTxWarp prst="textNoShape">
+              <a:avLst/>
+            </a:prstTxWarp>
+            <a:noAutofit/>
+          </a:bodyPr>
+          <a:lstStyle>
+            <a:defPPr>
+              <a:defRPr lang="ko-KR"/>
+            </a:defPPr>
+            <a:lvl1pPr marL="0" algn="l" defTabSz="914400" rtl="0" eaLnBrk="1" latinLnBrk="1" hangingPunct="1">
+              <a:defRPr sz="1800" kern="1200">
+                <a:solidFill>
+                  <a:schemeClr val="lt1"/>
+                </a:solidFill>
+                <a:latin typeface="+mn-lt"/>
+                <a:ea typeface="+mn-ea"/>
+                <a:cs typeface="+mn-cs"/>
+              </a:defRPr>
+            </a:lvl1pPr>
+            <a:lvl2pPr marL="457200" algn="l" defTabSz="914400" rtl="0" eaLnBrk="1" latinLnBrk="1" hangingPunct="1">
+              <a:defRPr sz="1800" kern="1200">
+                <a:solidFill>
+                  <a:schemeClr val="lt1"/>
+                </a:solidFill>
+                <a:latin typeface="+mn-lt"/>
+                <a:ea typeface="+mn-ea"/>
+                <a:cs typeface="+mn-cs"/>
+              </a:defRPr>
+            </a:lvl2pPr>
+            <a:lvl3pPr marL="914400" algn="l" defTabSz="914400" rtl="0" eaLnBrk="1" latinLnBrk="1" hangingPunct="1">
+              <a:defRPr sz="1800" kern="1200">
+                <a:solidFill>
+                  <a:schemeClr val="lt1"/>
+                </a:solidFill>
+                <a:latin typeface="+mn-lt"/>
+                <a:ea typeface="+mn-ea"/>
+                <a:cs typeface="+mn-cs"/>
+              </a:defRPr>
+            </a:lvl3pPr>
+            <a:lvl4pPr marL="1371600" algn="l" defTabSz="914400" rtl="0" eaLnBrk="1" latinLnBrk="1" hangingPunct="1">
+              <a:defRPr sz="1800" kern="1200">
+                <a:solidFill>
+                  <a:schemeClr val="lt1"/>
+                </a:solidFill>
+                <a:latin typeface="+mn-lt"/>
+                <a:ea typeface="+mn-ea"/>
+                <a:cs typeface="+mn-cs"/>
+              </a:defRPr>
+            </a:lvl4pPr>
+            <a:lvl5pPr marL="1828800" algn="l" defTabSz="914400" rtl="0" eaLnBrk="1" latinLnBrk="1" hangingPunct="1">
+              <a:defRPr sz="1800" kern="1200">
+                <a:solidFill>
+                  <a:schemeClr val="lt1"/>
+                </a:solidFill>
+                <a:latin typeface="+mn-lt"/>
+                <a:ea typeface="+mn-ea"/>
+                <a:cs typeface="+mn-cs"/>
+              </a:defRPr>
+            </a:lvl5pPr>
+            <a:lvl6pPr marL="2286000" algn="l" defTabSz="914400" rtl="0" eaLnBrk="1" latinLnBrk="1" hangingPunct="1">
+              <a:defRPr sz="1800" kern="1200">
+                <a:solidFill>
+                  <a:schemeClr val="lt1"/>
+                </a:solidFill>
+                <a:latin typeface="+mn-lt"/>
+                <a:ea typeface="+mn-ea"/>
+                <a:cs typeface="+mn-cs"/>
+              </a:defRPr>
+            </a:lvl6pPr>
+            <a:lvl7pPr marL="2743200" algn="l" defTabSz="914400" rtl="0" eaLnBrk="1" latinLnBrk="1" hangingPunct="1">
+              <a:defRPr sz="1800" kern="1200">
+                <a:solidFill>
+                  <a:schemeClr val="lt1"/>
+                </a:solidFill>
+                <a:latin typeface="+mn-lt"/>
+                <a:ea typeface="+mn-ea"/>
+                <a:cs typeface="+mn-cs"/>
+              </a:defRPr>
+            </a:lvl7pPr>
+            <a:lvl8pPr marL="3200400" algn="l" defTabSz="914400" rtl="0" eaLnBrk="1" latinLnBrk="1" hangingPunct="1">
+              <a:defRPr sz="1800" kern="1200">
+                <a:solidFill>
+                  <a:schemeClr val="lt1"/>
+                </a:solidFill>
+                <a:latin typeface="+mn-lt"/>
+                <a:ea typeface="+mn-ea"/>
+                <a:cs typeface="+mn-cs"/>
+              </a:defRPr>
+            </a:lvl8pPr>
+            <a:lvl9pPr marL="3657600" algn="l" defTabSz="914400" rtl="0" eaLnBrk="1" latinLnBrk="1" hangingPunct="1">
+              <a:defRPr sz="1800" kern="1200">
+                <a:solidFill>
+                  <a:schemeClr val="lt1"/>
+                </a:solidFill>
+                <a:latin typeface="+mn-lt"/>
+                <a:ea typeface="+mn-ea"/>
+                <a:cs typeface="+mn-cs"/>
+              </a:defRPr>
+            </a:lvl9pPr>
+          </a:lstStyle>
+          <a:p>
+            <a:pPr algn="ctr"/>
+            <a:endParaRPr lang="ko-KR" altLang="en-US" dirty="0"/>
+          </a:p>
+        </p:txBody>
+      </p:sp>
+      <p:sp>
+        <p:nvSpPr>
+          <p:cNvPr id="727" name="Rectangle 9">
+            <a:extLst>
+              <a:ext uri="{FF2B5EF4-FFF2-40B4-BE49-F238E27FC236}">
+                <a16:creationId xmlns:a16="http://schemas.microsoft.com/office/drawing/2014/main" id="{5517A6E2-2DA2-583B-9F6D-1B2704133DA2}"/>
+              </a:ext>
+            </a:extLst>
+          </p:cNvPr>
+          <p:cNvSpPr/>
+          <p:nvPr/>
+        </p:nvSpPr>
+        <p:spPr>
+          <a:xfrm>
+            <a:off x="1106918" y="5694305"/>
+            <a:ext cx="340053" cy="318320"/>
+          </a:xfrm>
+          <a:custGeom>
+            <a:avLst/>
+            <a:gdLst>
+              <a:gd name="connsiteX0" fmla="*/ 833935 w 3239999"/>
+              <a:gd name="connsiteY0" fmla="*/ 22 h 3032924"/>
+              <a:gd name="connsiteX1" fmla="*/ 1576606 w 3239999"/>
+              <a:gd name="connsiteY1" fmla="*/ 402054 h 3032924"/>
+              <a:gd name="connsiteX2" fmla="*/ 1576606 w 3239999"/>
+              <a:gd name="connsiteY2" fmla="*/ 430441 h 3032924"/>
+              <a:gd name="connsiteX3" fmla="*/ 1576606 w 3239999"/>
+              <a:gd name="connsiteY3" fmla="*/ 526981 h 3032924"/>
+              <a:gd name="connsiteX4" fmla="*/ 1576606 w 3239999"/>
+              <a:gd name="connsiteY4" fmla="*/ 2765302 h 3032924"/>
+              <a:gd name="connsiteX5" fmla="*/ 378630 w 3239999"/>
+              <a:gd name="connsiteY5" fmla="*/ 2472117 h 3032924"/>
+              <a:gd name="connsiteX6" fmla="*/ 384918 w 3239999"/>
+              <a:gd name="connsiteY6" fmla="*/ 526981 h 3032924"/>
+              <a:gd name="connsiteX7" fmla="*/ 239143 w 3239999"/>
+              <a:gd name="connsiteY7" fmla="*/ 526981 h 3032924"/>
+              <a:gd name="connsiteX8" fmla="*/ 239143 w 3239999"/>
+              <a:gd name="connsiteY8" fmla="*/ 2776423 h 3032924"/>
+              <a:gd name="connsiteX9" fmla="*/ 1576606 w 3239999"/>
+              <a:gd name="connsiteY9" fmla="*/ 2776423 h 3032924"/>
+              <a:gd name="connsiteX10" fmla="*/ 1576606 w 3239999"/>
+              <a:gd name="connsiteY10" fmla="*/ 2778202 h 3032924"/>
+              <a:gd name="connsiteX11" fmla="*/ 1663394 w 3239999"/>
+              <a:gd name="connsiteY11" fmla="*/ 2778202 h 3032924"/>
+              <a:gd name="connsiteX12" fmla="*/ 1663394 w 3239999"/>
+              <a:gd name="connsiteY12" fmla="*/ 2776423 h 3032924"/>
+              <a:gd name="connsiteX13" fmla="*/ 3000856 w 3239999"/>
+              <a:gd name="connsiteY13" fmla="*/ 2776423 h 3032924"/>
+              <a:gd name="connsiteX14" fmla="*/ 3000856 w 3239999"/>
+              <a:gd name="connsiteY14" fmla="*/ 526981 h 3032924"/>
+              <a:gd name="connsiteX15" fmla="*/ 2855082 w 3239999"/>
+              <a:gd name="connsiteY15" fmla="*/ 526981 h 3032924"/>
+              <a:gd name="connsiteX16" fmla="*/ 2861369 w 3239999"/>
+              <a:gd name="connsiteY16" fmla="*/ 2472117 h 3032924"/>
+              <a:gd name="connsiteX17" fmla="*/ 1663394 w 3239999"/>
+              <a:gd name="connsiteY17" fmla="*/ 2765302 h 3032924"/>
+              <a:gd name="connsiteX18" fmla="*/ 1663394 w 3239999"/>
+              <a:gd name="connsiteY18" fmla="*/ 526981 h 3032924"/>
+              <a:gd name="connsiteX19" fmla="*/ 1663394 w 3239999"/>
+              <a:gd name="connsiteY19" fmla="*/ 430441 h 3032924"/>
+              <a:gd name="connsiteX20" fmla="*/ 1663394 w 3239999"/>
+              <a:gd name="connsiteY20" fmla="*/ 402054 h 3032924"/>
+              <a:gd name="connsiteX21" fmla="*/ 2406065 w 3239999"/>
+              <a:gd name="connsiteY21" fmla="*/ 22 h 3032924"/>
+              <a:gd name="connsiteX22" fmla="*/ 2853673 w 3239999"/>
+              <a:gd name="connsiteY22" fmla="*/ 91100 h 3032924"/>
+              <a:gd name="connsiteX23" fmla="*/ 2854770 w 3239999"/>
+              <a:gd name="connsiteY23" fmla="*/ 430441 h 3032924"/>
+              <a:gd name="connsiteX24" fmla="*/ 3120669 w 3239999"/>
+              <a:gd name="connsiteY24" fmla="*/ 428517 h 3032924"/>
+              <a:gd name="connsiteX25" fmla="*/ 3120669 w 3239999"/>
+              <a:gd name="connsiteY25" fmla="*/ 738345 h 3032924"/>
+              <a:gd name="connsiteX26" fmla="*/ 3239999 w 3239999"/>
+              <a:gd name="connsiteY26" fmla="*/ 738345 h 3032924"/>
+              <a:gd name="connsiteX27" fmla="*/ 3239999 w 3239999"/>
+              <a:gd name="connsiteY27" fmla="*/ 3032924 h 3032924"/>
+              <a:gd name="connsiteX28" fmla="*/ 0 w 3239999"/>
+              <a:gd name="connsiteY28" fmla="*/ 3032924 h 3032924"/>
+              <a:gd name="connsiteX29" fmla="*/ 0 w 3239999"/>
+              <a:gd name="connsiteY29" fmla="*/ 738345 h 3032924"/>
+              <a:gd name="connsiteX30" fmla="*/ 102477 w 3239999"/>
+              <a:gd name="connsiteY30" fmla="*/ 738345 h 3032924"/>
+              <a:gd name="connsiteX31" fmla="*/ 102477 w 3239999"/>
+              <a:gd name="connsiteY31" fmla="*/ 428517 h 3032924"/>
+              <a:gd name="connsiteX32" fmla="*/ 385229 w 3239999"/>
+              <a:gd name="connsiteY32" fmla="*/ 430441 h 3032924"/>
+              <a:gd name="connsiteX33" fmla="*/ 386326 w 3239999"/>
+              <a:gd name="connsiteY33" fmla="*/ 91100 h 3032924"/>
+              <a:gd name="connsiteX34" fmla="*/ 833935 w 3239999"/>
+              <a:gd name="connsiteY34" fmla="*/ 22 h 3032924"/>
+              <a:gd name="connsiteX0" fmla="*/ 833935 w 3239999"/>
+              <a:gd name="connsiteY0" fmla="*/ 22 h 3032924"/>
+              <a:gd name="connsiteX1" fmla="*/ 1576606 w 3239999"/>
+              <a:gd name="connsiteY1" fmla="*/ 402054 h 3032924"/>
+              <a:gd name="connsiteX2" fmla="*/ 1576606 w 3239999"/>
+              <a:gd name="connsiteY2" fmla="*/ 430441 h 3032924"/>
+              <a:gd name="connsiteX3" fmla="*/ 1576606 w 3239999"/>
+              <a:gd name="connsiteY3" fmla="*/ 526981 h 3032924"/>
+              <a:gd name="connsiteX4" fmla="*/ 1576606 w 3239999"/>
+              <a:gd name="connsiteY4" fmla="*/ 2765302 h 3032924"/>
+              <a:gd name="connsiteX5" fmla="*/ 378630 w 3239999"/>
+              <a:gd name="connsiteY5" fmla="*/ 2472117 h 3032924"/>
+              <a:gd name="connsiteX6" fmla="*/ 384918 w 3239999"/>
+              <a:gd name="connsiteY6" fmla="*/ 526981 h 3032924"/>
+              <a:gd name="connsiteX7" fmla="*/ 239143 w 3239999"/>
+              <a:gd name="connsiteY7" fmla="*/ 526981 h 3032924"/>
+              <a:gd name="connsiteX8" fmla="*/ 239143 w 3239999"/>
+              <a:gd name="connsiteY8" fmla="*/ 2776423 h 3032924"/>
+              <a:gd name="connsiteX9" fmla="*/ 1576606 w 3239999"/>
+              <a:gd name="connsiteY9" fmla="*/ 2776423 h 3032924"/>
+              <a:gd name="connsiteX10" fmla="*/ 1576606 w 3239999"/>
+              <a:gd name="connsiteY10" fmla="*/ 2778202 h 3032924"/>
+              <a:gd name="connsiteX11" fmla="*/ 1663394 w 3239999"/>
+              <a:gd name="connsiteY11" fmla="*/ 2778202 h 3032924"/>
+              <a:gd name="connsiteX12" fmla="*/ 1663394 w 3239999"/>
+              <a:gd name="connsiteY12" fmla="*/ 2776423 h 3032924"/>
+              <a:gd name="connsiteX13" fmla="*/ 3000856 w 3239999"/>
+              <a:gd name="connsiteY13" fmla="*/ 2776423 h 3032924"/>
+              <a:gd name="connsiteX14" fmla="*/ 3000856 w 3239999"/>
+              <a:gd name="connsiteY14" fmla="*/ 526981 h 3032924"/>
+              <a:gd name="connsiteX15" fmla="*/ 2855082 w 3239999"/>
+              <a:gd name="connsiteY15" fmla="*/ 526981 h 3032924"/>
+              <a:gd name="connsiteX16" fmla="*/ 2861369 w 3239999"/>
+              <a:gd name="connsiteY16" fmla="*/ 2472117 h 3032924"/>
+              <a:gd name="connsiteX17" fmla="*/ 1663394 w 3239999"/>
+              <a:gd name="connsiteY17" fmla="*/ 2765302 h 3032924"/>
+              <a:gd name="connsiteX18" fmla="*/ 1663394 w 3239999"/>
+              <a:gd name="connsiteY18" fmla="*/ 526981 h 3032924"/>
+              <a:gd name="connsiteX19" fmla="*/ 1663394 w 3239999"/>
+              <a:gd name="connsiteY19" fmla="*/ 430441 h 3032924"/>
+              <a:gd name="connsiteX20" fmla="*/ 1663394 w 3239999"/>
+              <a:gd name="connsiteY20" fmla="*/ 402054 h 3032924"/>
+              <a:gd name="connsiteX21" fmla="*/ 2406065 w 3239999"/>
+              <a:gd name="connsiteY21" fmla="*/ 22 h 3032924"/>
+              <a:gd name="connsiteX22" fmla="*/ 2853673 w 3239999"/>
+              <a:gd name="connsiteY22" fmla="*/ 91100 h 3032924"/>
+              <a:gd name="connsiteX23" fmla="*/ 2854770 w 3239999"/>
+              <a:gd name="connsiteY23" fmla="*/ 430441 h 3032924"/>
+              <a:gd name="connsiteX24" fmla="*/ 3120669 w 3239999"/>
+              <a:gd name="connsiteY24" fmla="*/ 428517 h 3032924"/>
+              <a:gd name="connsiteX25" fmla="*/ 3120669 w 3239999"/>
+              <a:gd name="connsiteY25" fmla="*/ 738345 h 3032924"/>
+              <a:gd name="connsiteX26" fmla="*/ 3239999 w 3239999"/>
+              <a:gd name="connsiteY26" fmla="*/ 738345 h 3032924"/>
+              <a:gd name="connsiteX27" fmla="*/ 3239999 w 3239999"/>
+              <a:gd name="connsiteY27" fmla="*/ 3032924 h 3032924"/>
+              <a:gd name="connsiteX28" fmla="*/ 0 w 3239999"/>
+              <a:gd name="connsiteY28" fmla="*/ 3032924 h 3032924"/>
+              <a:gd name="connsiteX29" fmla="*/ 0 w 3239999"/>
+              <a:gd name="connsiteY29" fmla="*/ 738345 h 3032924"/>
+              <a:gd name="connsiteX30" fmla="*/ 102477 w 3239999"/>
+              <a:gd name="connsiteY30" fmla="*/ 738345 h 3032924"/>
+              <a:gd name="connsiteX31" fmla="*/ 102477 w 3239999"/>
+              <a:gd name="connsiteY31" fmla="*/ 428517 h 3032924"/>
+              <a:gd name="connsiteX32" fmla="*/ 385229 w 3239999"/>
+              <a:gd name="connsiteY32" fmla="*/ 430441 h 3032924"/>
+              <a:gd name="connsiteX33" fmla="*/ 386326 w 3239999"/>
+              <a:gd name="connsiteY33" fmla="*/ 91100 h 3032924"/>
+              <a:gd name="connsiteX34" fmla="*/ 833935 w 3239999"/>
+              <a:gd name="connsiteY34" fmla="*/ 22 h 3032924"/>
+              <a:gd name="connsiteX0" fmla="*/ 833935 w 3239999"/>
+              <a:gd name="connsiteY0" fmla="*/ 22 h 3032924"/>
+              <a:gd name="connsiteX1" fmla="*/ 1576606 w 3239999"/>
+              <a:gd name="connsiteY1" fmla="*/ 402054 h 3032924"/>
+              <a:gd name="connsiteX2" fmla="*/ 1576606 w 3239999"/>
+              <a:gd name="connsiteY2" fmla="*/ 430441 h 3032924"/>
+              <a:gd name="connsiteX3" fmla="*/ 1576606 w 3239999"/>
+              <a:gd name="connsiteY3" fmla="*/ 526981 h 3032924"/>
+              <a:gd name="connsiteX4" fmla="*/ 1576606 w 3239999"/>
+              <a:gd name="connsiteY4" fmla="*/ 2765302 h 3032924"/>
+              <a:gd name="connsiteX5" fmla="*/ 378630 w 3239999"/>
+              <a:gd name="connsiteY5" fmla="*/ 2472117 h 3032924"/>
+              <a:gd name="connsiteX6" fmla="*/ 384918 w 3239999"/>
+              <a:gd name="connsiteY6" fmla="*/ 526981 h 3032924"/>
+              <a:gd name="connsiteX7" fmla="*/ 239143 w 3239999"/>
+              <a:gd name="connsiteY7" fmla="*/ 526981 h 3032924"/>
+              <a:gd name="connsiteX8" fmla="*/ 239143 w 3239999"/>
+              <a:gd name="connsiteY8" fmla="*/ 2776423 h 3032924"/>
+              <a:gd name="connsiteX9" fmla="*/ 1576606 w 3239999"/>
+              <a:gd name="connsiteY9" fmla="*/ 2776423 h 3032924"/>
+              <a:gd name="connsiteX10" fmla="*/ 1576606 w 3239999"/>
+              <a:gd name="connsiteY10" fmla="*/ 2778202 h 3032924"/>
+              <a:gd name="connsiteX11" fmla="*/ 1663394 w 3239999"/>
+              <a:gd name="connsiteY11" fmla="*/ 2778202 h 3032924"/>
+              <a:gd name="connsiteX12" fmla="*/ 1663394 w 3239999"/>
+              <a:gd name="connsiteY12" fmla="*/ 2776423 h 3032924"/>
+              <a:gd name="connsiteX13" fmla="*/ 3000856 w 3239999"/>
+              <a:gd name="connsiteY13" fmla="*/ 2776423 h 3032924"/>
+              <a:gd name="connsiteX14" fmla="*/ 3000856 w 3239999"/>
+              <a:gd name="connsiteY14" fmla="*/ 526981 h 3032924"/>
+              <a:gd name="connsiteX15" fmla="*/ 2855082 w 3239999"/>
+              <a:gd name="connsiteY15" fmla="*/ 526981 h 3032924"/>
+              <a:gd name="connsiteX16" fmla="*/ 2861369 w 3239999"/>
+              <a:gd name="connsiteY16" fmla="*/ 2472117 h 3032924"/>
+              <a:gd name="connsiteX17" fmla="*/ 1663394 w 3239999"/>
+              <a:gd name="connsiteY17" fmla="*/ 2765302 h 3032924"/>
+              <a:gd name="connsiteX18" fmla="*/ 1663394 w 3239999"/>
+              <a:gd name="connsiteY18" fmla="*/ 526981 h 3032924"/>
+              <a:gd name="connsiteX19" fmla="*/ 1663394 w 3239999"/>
+              <a:gd name="connsiteY19" fmla="*/ 430441 h 3032924"/>
+              <a:gd name="connsiteX20" fmla="*/ 1663394 w 3239999"/>
+              <a:gd name="connsiteY20" fmla="*/ 402054 h 3032924"/>
+              <a:gd name="connsiteX21" fmla="*/ 2406065 w 3239999"/>
+              <a:gd name="connsiteY21" fmla="*/ 22 h 3032924"/>
+              <a:gd name="connsiteX22" fmla="*/ 2853673 w 3239999"/>
+              <a:gd name="connsiteY22" fmla="*/ 91100 h 3032924"/>
+              <a:gd name="connsiteX23" fmla="*/ 2854770 w 3239999"/>
+              <a:gd name="connsiteY23" fmla="*/ 430441 h 3032924"/>
+              <a:gd name="connsiteX24" fmla="*/ 3120669 w 3239999"/>
+              <a:gd name="connsiteY24" fmla="*/ 428517 h 3032924"/>
+              <a:gd name="connsiteX25" fmla="*/ 3120669 w 3239999"/>
+              <a:gd name="connsiteY25" fmla="*/ 738345 h 3032924"/>
+              <a:gd name="connsiteX26" fmla="*/ 3239999 w 3239999"/>
+              <a:gd name="connsiteY26" fmla="*/ 738345 h 3032924"/>
+              <a:gd name="connsiteX27" fmla="*/ 3239999 w 3239999"/>
+              <a:gd name="connsiteY27" fmla="*/ 3032924 h 3032924"/>
+              <a:gd name="connsiteX28" fmla="*/ 0 w 3239999"/>
+              <a:gd name="connsiteY28" fmla="*/ 3032924 h 3032924"/>
+              <a:gd name="connsiteX29" fmla="*/ 0 w 3239999"/>
+              <a:gd name="connsiteY29" fmla="*/ 738345 h 3032924"/>
+              <a:gd name="connsiteX30" fmla="*/ 102477 w 3239999"/>
+              <a:gd name="connsiteY30" fmla="*/ 738345 h 3032924"/>
+              <a:gd name="connsiteX31" fmla="*/ 102477 w 3239999"/>
+              <a:gd name="connsiteY31" fmla="*/ 428517 h 3032924"/>
+              <a:gd name="connsiteX32" fmla="*/ 385229 w 3239999"/>
+              <a:gd name="connsiteY32" fmla="*/ 430441 h 3032924"/>
+              <a:gd name="connsiteX33" fmla="*/ 386326 w 3239999"/>
+              <a:gd name="connsiteY33" fmla="*/ 91100 h 3032924"/>
+              <a:gd name="connsiteX34" fmla="*/ 833935 w 3239999"/>
+              <a:gd name="connsiteY34" fmla="*/ 22 h 3032924"/>
+              <a:gd name="connsiteX0" fmla="*/ 1576606 w 3239999"/>
+              <a:gd name="connsiteY0" fmla="*/ 2778202 h 3032924"/>
+              <a:gd name="connsiteX1" fmla="*/ 1663394 w 3239999"/>
+              <a:gd name="connsiteY1" fmla="*/ 2778202 h 3032924"/>
+              <a:gd name="connsiteX2" fmla="*/ 1663394 w 3239999"/>
+              <a:gd name="connsiteY2" fmla="*/ 2776423 h 3032924"/>
+              <a:gd name="connsiteX3" fmla="*/ 3000856 w 3239999"/>
+              <a:gd name="connsiteY3" fmla="*/ 2776423 h 3032924"/>
+              <a:gd name="connsiteX4" fmla="*/ 3000856 w 3239999"/>
+              <a:gd name="connsiteY4" fmla="*/ 526981 h 3032924"/>
+              <a:gd name="connsiteX5" fmla="*/ 2855082 w 3239999"/>
+              <a:gd name="connsiteY5" fmla="*/ 526981 h 3032924"/>
+              <a:gd name="connsiteX6" fmla="*/ 2861369 w 3239999"/>
+              <a:gd name="connsiteY6" fmla="*/ 2472117 h 3032924"/>
+              <a:gd name="connsiteX7" fmla="*/ 1663394 w 3239999"/>
+              <a:gd name="connsiteY7" fmla="*/ 2765302 h 3032924"/>
+              <a:gd name="connsiteX8" fmla="*/ 1663394 w 3239999"/>
+              <a:gd name="connsiteY8" fmla="*/ 526981 h 3032924"/>
+              <a:gd name="connsiteX9" fmla="*/ 1663394 w 3239999"/>
+              <a:gd name="connsiteY9" fmla="*/ 430441 h 3032924"/>
+              <a:gd name="connsiteX10" fmla="*/ 1663394 w 3239999"/>
+              <a:gd name="connsiteY10" fmla="*/ 402054 h 3032924"/>
+              <a:gd name="connsiteX11" fmla="*/ 2406065 w 3239999"/>
+              <a:gd name="connsiteY11" fmla="*/ 22 h 3032924"/>
+              <a:gd name="connsiteX12" fmla="*/ 2853673 w 3239999"/>
+              <a:gd name="connsiteY12" fmla="*/ 91100 h 3032924"/>
+              <a:gd name="connsiteX13" fmla="*/ 2854770 w 3239999"/>
+              <a:gd name="connsiteY13" fmla="*/ 430441 h 3032924"/>
+              <a:gd name="connsiteX14" fmla="*/ 3120669 w 3239999"/>
+              <a:gd name="connsiteY14" fmla="*/ 428517 h 3032924"/>
+              <a:gd name="connsiteX15" fmla="*/ 3120669 w 3239999"/>
+              <a:gd name="connsiteY15" fmla="*/ 738345 h 3032924"/>
+              <a:gd name="connsiteX16" fmla="*/ 3239999 w 3239999"/>
+              <a:gd name="connsiteY16" fmla="*/ 738345 h 3032924"/>
+              <a:gd name="connsiteX17" fmla="*/ 3239999 w 3239999"/>
+              <a:gd name="connsiteY17" fmla="*/ 3032924 h 3032924"/>
+              <a:gd name="connsiteX18" fmla="*/ 0 w 3239999"/>
+              <a:gd name="connsiteY18" fmla="*/ 3032924 h 3032924"/>
+              <a:gd name="connsiteX19" fmla="*/ 0 w 3239999"/>
+              <a:gd name="connsiteY19" fmla="*/ 738345 h 3032924"/>
+              <a:gd name="connsiteX20" fmla="*/ 102477 w 3239999"/>
+              <a:gd name="connsiteY20" fmla="*/ 738345 h 3032924"/>
+              <a:gd name="connsiteX21" fmla="*/ 102477 w 3239999"/>
+              <a:gd name="connsiteY21" fmla="*/ 428517 h 3032924"/>
+              <a:gd name="connsiteX22" fmla="*/ 385229 w 3239999"/>
+              <a:gd name="connsiteY22" fmla="*/ 430441 h 3032924"/>
+              <a:gd name="connsiteX23" fmla="*/ 386326 w 3239999"/>
+              <a:gd name="connsiteY23" fmla="*/ 91100 h 3032924"/>
+              <a:gd name="connsiteX24" fmla="*/ 833935 w 3239999"/>
+              <a:gd name="connsiteY24" fmla="*/ 22 h 3032924"/>
+              <a:gd name="connsiteX25" fmla="*/ 1576606 w 3239999"/>
+              <a:gd name="connsiteY25" fmla="*/ 402054 h 3032924"/>
+              <a:gd name="connsiteX26" fmla="*/ 1576606 w 3239999"/>
+              <a:gd name="connsiteY26" fmla="*/ 430441 h 3032924"/>
+              <a:gd name="connsiteX27" fmla="*/ 1576606 w 3239999"/>
+              <a:gd name="connsiteY27" fmla="*/ 526981 h 3032924"/>
+              <a:gd name="connsiteX28" fmla="*/ 1576606 w 3239999"/>
+              <a:gd name="connsiteY28" fmla="*/ 2765302 h 3032924"/>
+              <a:gd name="connsiteX29" fmla="*/ 378630 w 3239999"/>
+              <a:gd name="connsiteY29" fmla="*/ 2472117 h 3032924"/>
+              <a:gd name="connsiteX30" fmla="*/ 384918 w 3239999"/>
+              <a:gd name="connsiteY30" fmla="*/ 526981 h 3032924"/>
+              <a:gd name="connsiteX31" fmla="*/ 239143 w 3239999"/>
+              <a:gd name="connsiteY31" fmla="*/ 526981 h 3032924"/>
+              <a:gd name="connsiteX32" fmla="*/ 239143 w 3239999"/>
+              <a:gd name="connsiteY32" fmla="*/ 2776423 h 3032924"/>
+              <a:gd name="connsiteX33" fmla="*/ 1576606 w 3239999"/>
+              <a:gd name="connsiteY33" fmla="*/ 2776423 h 3032924"/>
+              <a:gd name="connsiteX34" fmla="*/ 1668046 w 3239999"/>
+              <a:gd name="connsiteY34" fmla="*/ 2869642 h 3032924"/>
+              <a:gd name="connsiteX0" fmla="*/ 1576606 w 3239999"/>
+              <a:gd name="connsiteY0" fmla="*/ 2778202 h 3032924"/>
+              <a:gd name="connsiteX1" fmla="*/ 1663394 w 3239999"/>
+              <a:gd name="connsiteY1" fmla="*/ 2778202 h 3032924"/>
+              <a:gd name="connsiteX2" fmla="*/ 1663394 w 3239999"/>
+              <a:gd name="connsiteY2" fmla="*/ 2776423 h 3032924"/>
+              <a:gd name="connsiteX3" fmla="*/ 3000856 w 3239999"/>
+              <a:gd name="connsiteY3" fmla="*/ 2776423 h 3032924"/>
+              <a:gd name="connsiteX4" fmla="*/ 3000856 w 3239999"/>
+              <a:gd name="connsiteY4" fmla="*/ 526981 h 3032924"/>
+              <a:gd name="connsiteX5" fmla="*/ 2855082 w 3239999"/>
+              <a:gd name="connsiteY5" fmla="*/ 526981 h 3032924"/>
+              <a:gd name="connsiteX6" fmla="*/ 2861369 w 3239999"/>
+              <a:gd name="connsiteY6" fmla="*/ 2472117 h 3032924"/>
+              <a:gd name="connsiteX7" fmla="*/ 1663394 w 3239999"/>
+              <a:gd name="connsiteY7" fmla="*/ 2765302 h 3032924"/>
+              <a:gd name="connsiteX8" fmla="*/ 1663394 w 3239999"/>
+              <a:gd name="connsiteY8" fmla="*/ 526981 h 3032924"/>
+              <a:gd name="connsiteX9" fmla="*/ 1663394 w 3239999"/>
+              <a:gd name="connsiteY9" fmla="*/ 430441 h 3032924"/>
+              <a:gd name="connsiteX10" fmla="*/ 1663394 w 3239999"/>
+              <a:gd name="connsiteY10" fmla="*/ 402054 h 3032924"/>
+              <a:gd name="connsiteX11" fmla="*/ 2406065 w 3239999"/>
+              <a:gd name="connsiteY11" fmla="*/ 22 h 3032924"/>
+              <a:gd name="connsiteX12" fmla="*/ 2853673 w 3239999"/>
+              <a:gd name="connsiteY12" fmla="*/ 91100 h 3032924"/>
+              <a:gd name="connsiteX13" fmla="*/ 2854770 w 3239999"/>
+              <a:gd name="connsiteY13" fmla="*/ 430441 h 3032924"/>
+              <a:gd name="connsiteX14" fmla="*/ 3120669 w 3239999"/>
+              <a:gd name="connsiteY14" fmla="*/ 428517 h 3032924"/>
+              <a:gd name="connsiteX15" fmla="*/ 3120669 w 3239999"/>
+              <a:gd name="connsiteY15" fmla="*/ 738345 h 3032924"/>
+              <a:gd name="connsiteX16" fmla="*/ 3239999 w 3239999"/>
+              <a:gd name="connsiteY16" fmla="*/ 738345 h 3032924"/>
+              <a:gd name="connsiteX17" fmla="*/ 3239999 w 3239999"/>
+              <a:gd name="connsiteY17" fmla="*/ 3032924 h 3032924"/>
+              <a:gd name="connsiteX18" fmla="*/ 0 w 3239999"/>
+              <a:gd name="connsiteY18" fmla="*/ 3032924 h 3032924"/>
+              <a:gd name="connsiteX19" fmla="*/ 0 w 3239999"/>
+              <a:gd name="connsiteY19" fmla="*/ 738345 h 3032924"/>
+              <a:gd name="connsiteX20" fmla="*/ 102477 w 3239999"/>
+              <a:gd name="connsiteY20" fmla="*/ 738345 h 3032924"/>
+              <a:gd name="connsiteX21" fmla="*/ 102477 w 3239999"/>
+              <a:gd name="connsiteY21" fmla="*/ 428517 h 3032924"/>
+              <a:gd name="connsiteX22" fmla="*/ 385229 w 3239999"/>
+              <a:gd name="connsiteY22" fmla="*/ 430441 h 3032924"/>
+              <a:gd name="connsiteX23" fmla="*/ 386326 w 3239999"/>
+              <a:gd name="connsiteY23" fmla="*/ 91100 h 3032924"/>
+              <a:gd name="connsiteX24" fmla="*/ 833935 w 3239999"/>
+              <a:gd name="connsiteY24" fmla="*/ 22 h 3032924"/>
+              <a:gd name="connsiteX25" fmla="*/ 1576606 w 3239999"/>
+              <a:gd name="connsiteY25" fmla="*/ 402054 h 3032924"/>
+              <a:gd name="connsiteX26" fmla="*/ 1576606 w 3239999"/>
+              <a:gd name="connsiteY26" fmla="*/ 430441 h 3032924"/>
+              <a:gd name="connsiteX27" fmla="*/ 1576606 w 3239999"/>
+              <a:gd name="connsiteY27" fmla="*/ 526981 h 3032924"/>
+              <a:gd name="connsiteX28" fmla="*/ 1576606 w 3239999"/>
+              <a:gd name="connsiteY28" fmla="*/ 2765302 h 3032924"/>
+              <a:gd name="connsiteX29" fmla="*/ 378630 w 3239999"/>
+              <a:gd name="connsiteY29" fmla="*/ 2472117 h 3032924"/>
+              <a:gd name="connsiteX30" fmla="*/ 384918 w 3239999"/>
+              <a:gd name="connsiteY30" fmla="*/ 526981 h 3032924"/>
+              <a:gd name="connsiteX31" fmla="*/ 239143 w 3239999"/>
+              <a:gd name="connsiteY31" fmla="*/ 526981 h 3032924"/>
+              <a:gd name="connsiteX32" fmla="*/ 239143 w 3239999"/>
+              <a:gd name="connsiteY32" fmla="*/ 2776423 h 3032924"/>
+              <a:gd name="connsiteX33" fmla="*/ 1576606 w 3239999"/>
+              <a:gd name="connsiteY33" fmla="*/ 2776423 h 3032924"/>
+              <a:gd name="connsiteX34" fmla="*/ 1668046 w 3239999"/>
+              <a:gd name="connsiteY34" fmla="*/ 2869642 h 3032924"/>
+              <a:gd name="connsiteX0" fmla="*/ 1576606 w 3239999"/>
+              <a:gd name="connsiteY0" fmla="*/ 2778202 h 3032924"/>
+              <a:gd name="connsiteX1" fmla="*/ 1663394 w 3239999"/>
+              <a:gd name="connsiteY1" fmla="*/ 2778202 h 3032924"/>
+              <a:gd name="connsiteX2" fmla="*/ 1663394 w 3239999"/>
+              <a:gd name="connsiteY2" fmla="*/ 2776423 h 3032924"/>
+              <a:gd name="connsiteX3" fmla="*/ 3000856 w 3239999"/>
+              <a:gd name="connsiteY3" fmla="*/ 2776423 h 3032924"/>
+              <a:gd name="connsiteX4" fmla="*/ 3000856 w 3239999"/>
+              <a:gd name="connsiteY4" fmla="*/ 526981 h 3032924"/>
+              <a:gd name="connsiteX5" fmla="*/ 2855082 w 3239999"/>
+              <a:gd name="connsiteY5" fmla="*/ 526981 h 3032924"/>
+              <a:gd name="connsiteX6" fmla="*/ 2861369 w 3239999"/>
+              <a:gd name="connsiteY6" fmla="*/ 2472117 h 3032924"/>
+              <a:gd name="connsiteX7" fmla="*/ 1663394 w 3239999"/>
+              <a:gd name="connsiteY7" fmla="*/ 2765302 h 3032924"/>
+              <a:gd name="connsiteX8" fmla="*/ 1663394 w 3239999"/>
+              <a:gd name="connsiteY8" fmla="*/ 526981 h 3032924"/>
+              <a:gd name="connsiteX9" fmla="*/ 1663394 w 3239999"/>
+              <a:gd name="connsiteY9" fmla="*/ 430441 h 3032924"/>
+              <a:gd name="connsiteX10" fmla="*/ 1663394 w 3239999"/>
+              <a:gd name="connsiteY10" fmla="*/ 402054 h 3032924"/>
+              <a:gd name="connsiteX11" fmla="*/ 2406065 w 3239999"/>
+              <a:gd name="connsiteY11" fmla="*/ 22 h 3032924"/>
+              <a:gd name="connsiteX12" fmla="*/ 2853673 w 3239999"/>
+              <a:gd name="connsiteY12" fmla="*/ 91100 h 3032924"/>
+              <a:gd name="connsiteX13" fmla="*/ 2854770 w 3239999"/>
+              <a:gd name="connsiteY13" fmla="*/ 430441 h 3032924"/>
+              <a:gd name="connsiteX14" fmla="*/ 3120669 w 3239999"/>
+              <a:gd name="connsiteY14" fmla="*/ 428517 h 3032924"/>
+              <a:gd name="connsiteX15" fmla="*/ 3120669 w 3239999"/>
+              <a:gd name="connsiteY15" fmla="*/ 738345 h 3032924"/>
+              <a:gd name="connsiteX16" fmla="*/ 3239999 w 3239999"/>
+              <a:gd name="connsiteY16" fmla="*/ 738345 h 3032924"/>
+              <a:gd name="connsiteX17" fmla="*/ 3239999 w 3239999"/>
+              <a:gd name="connsiteY17" fmla="*/ 3032924 h 3032924"/>
+              <a:gd name="connsiteX18" fmla="*/ 0 w 3239999"/>
+              <a:gd name="connsiteY18" fmla="*/ 3032924 h 3032924"/>
+              <a:gd name="connsiteX19" fmla="*/ 0 w 3239999"/>
+              <a:gd name="connsiteY19" fmla="*/ 738345 h 3032924"/>
+              <a:gd name="connsiteX20" fmla="*/ 102477 w 3239999"/>
+              <a:gd name="connsiteY20" fmla="*/ 738345 h 3032924"/>
+              <a:gd name="connsiteX21" fmla="*/ 102477 w 3239999"/>
+              <a:gd name="connsiteY21" fmla="*/ 428517 h 3032924"/>
+              <a:gd name="connsiteX22" fmla="*/ 385229 w 3239999"/>
+              <a:gd name="connsiteY22" fmla="*/ 430441 h 3032924"/>
+              <a:gd name="connsiteX23" fmla="*/ 386326 w 3239999"/>
+              <a:gd name="connsiteY23" fmla="*/ 91100 h 3032924"/>
+              <a:gd name="connsiteX24" fmla="*/ 833935 w 3239999"/>
+              <a:gd name="connsiteY24" fmla="*/ 22 h 3032924"/>
+              <a:gd name="connsiteX25" fmla="*/ 1576606 w 3239999"/>
+              <a:gd name="connsiteY25" fmla="*/ 402054 h 3032924"/>
+              <a:gd name="connsiteX26" fmla="*/ 1576606 w 3239999"/>
+              <a:gd name="connsiteY26" fmla="*/ 430441 h 3032924"/>
+              <a:gd name="connsiteX27" fmla="*/ 1576606 w 3239999"/>
+              <a:gd name="connsiteY27" fmla="*/ 526981 h 3032924"/>
+              <a:gd name="connsiteX28" fmla="*/ 1576606 w 3239999"/>
+              <a:gd name="connsiteY28" fmla="*/ 2765302 h 3032924"/>
+              <a:gd name="connsiteX29" fmla="*/ 378630 w 3239999"/>
+              <a:gd name="connsiteY29" fmla="*/ 2472117 h 3032924"/>
+              <a:gd name="connsiteX30" fmla="*/ 384918 w 3239999"/>
+              <a:gd name="connsiteY30" fmla="*/ 526981 h 3032924"/>
+              <a:gd name="connsiteX31" fmla="*/ 239143 w 3239999"/>
+              <a:gd name="connsiteY31" fmla="*/ 526981 h 3032924"/>
+              <a:gd name="connsiteX32" fmla="*/ 239143 w 3239999"/>
+              <a:gd name="connsiteY32" fmla="*/ 2776423 h 3032924"/>
+              <a:gd name="connsiteX33" fmla="*/ 1576606 w 3239999"/>
+              <a:gd name="connsiteY33" fmla="*/ 2776423 h 3032924"/>
+              <a:gd name="connsiteX34" fmla="*/ 1668046 w 3239999"/>
+              <a:gd name="connsiteY34" fmla="*/ 2869642 h 3032924"/>
+              <a:gd name="connsiteX0" fmla="*/ 1576606 w 3239999"/>
+              <a:gd name="connsiteY0" fmla="*/ 2778202 h 3032924"/>
+              <a:gd name="connsiteX1" fmla="*/ 1663394 w 3239999"/>
+              <a:gd name="connsiteY1" fmla="*/ 2778202 h 3032924"/>
+              <a:gd name="connsiteX2" fmla="*/ 1663394 w 3239999"/>
+              <a:gd name="connsiteY2" fmla="*/ 2776423 h 3032924"/>
+              <a:gd name="connsiteX3" fmla="*/ 3000856 w 3239999"/>
+              <a:gd name="connsiteY3" fmla="*/ 2776423 h 3032924"/>
+              <a:gd name="connsiteX4" fmla="*/ 3000856 w 3239999"/>
+              <a:gd name="connsiteY4" fmla="*/ 526981 h 3032924"/>
+              <a:gd name="connsiteX5" fmla="*/ 2855082 w 3239999"/>
+              <a:gd name="connsiteY5" fmla="*/ 526981 h 3032924"/>
+              <a:gd name="connsiteX6" fmla="*/ 2861369 w 3239999"/>
+              <a:gd name="connsiteY6" fmla="*/ 2472117 h 3032924"/>
+              <a:gd name="connsiteX7" fmla="*/ 1663394 w 3239999"/>
+              <a:gd name="connsiteY7" fmla="*/ 2765302 h 3032924"/>
+              <a:gd name="connsiteX8" fmla="*/ 1663394 w 3239999"/>
+              <a:gd name="connsiteY8" fmla="*/ 526981 h 3032924"/>
+              <a:gd name="connsiteX9" fmla="*/ 1663394 w 3239999"/>
+              <a:gd name="connsiteY9" fmla="*/ 430441 h 3032924"/>
+              <a:gd name="connsiteX10" fmla="*/ 1663394 w 3239999"/>
+              <a:gd name="connsiteY10" fmla="*/ 402054 h 3032924"/>
+              <a:gd name="connsiteX11" fmla="*/ 2406065 w 3239999"/>
+              <a:gd name="connsiteY11" fmla="*/ 22 h 3032924"/>
+              <a:gd name="connsiteX12" fmla="*/ 2853673 w 3239999"/>
+              <a:gd name="connsiteY12" fmla="*/ 91100 h 3032924"/>
+              <a:gd name="connsiteX13" fmla="*/ 2854770 w 3239999"/>
+              <a:gd name="connsiteY13" fmla="*/ 430441 h 3032924"/>
+              <a:gd name="connsiteX14" fmla="*/ 3120669 w 3239999"/>
+              <a:gd name="connsiteY14" fmla="*/ 428517 h 3032924"/>
+              <a:gd name="connsiteX15" fmla="*/ 3120669 w 3239999"/>
+              <a:gd name="connsiteY15" fmla="*/ 738345 h 3032924"/>
+              <a:gd name="connsiteX16" fmla="*/ 3239999 w 3239999"/>
+              <a:gd name="connsiteY16" fmla="*/ 738345 h 3032924"/>
+              <a:gd name="connsiteX17" fmla="*/ 3239999 w 3239999"/>
+              <a:gd name="connsiteY17" fmla="*/ 3032924 h 3032924"/>
+              <a:gd name="connsiteX18" fmla="*/ 0 w 3239999"/>
+              <a:gd name="connsiteY18" fmla="*/ 3032924 h 3032924"/>
+              <a:gd name="connsiteX19" fmla="*/ 0 w 3239999"/>
+              <a:gd name="connsiteY19" fmla="*/ 738345 h 3032924"/>
+              <a:gd name="connsiteX20" fmla="*/ 102477 w 3239999"/>
+              <a:gd name="connsiteY20" fmla="*/ 738345 h 3032924"/>
+              <a:gd name="connsiteX21" fmla="*/ 102477 w 3239999"/>
+              <a:gd name="connsiteY21" fmla="*/ 428517 h 3032924"/>
+              <a:gd name="connsiteX22" fmla="*/ 385229 w 3239999"/>
+              <a:gd name="connsiteY22" fmla="*/ 430441 h 3032924"/>
+              <a:gd name="connsiteX23" fmla="*/ 386326 w 3239999"/>
+              <a:gd name="connsiteY23" fmla="*/ 91100 h 3032924"/>
+              <a:gd name="connsiteX24" fmla="*/ 833935 w 3239999"/>
+              <a:gd name="connsiteY24" fmla="*/ 22 h 3032924"/>
+              <a:gd name="connsiteX25" fmla="*/ 1576606 w 3239999"/>
+              <a:gd name="connsiteY25" fmla="*/ 402054 h 3032924"/>
+              <a:gd name="connsiteX26" fmla="*/ 1576606 w 3239999"/>
+              <a:gd name="connsiteY26" fmla="*/ 430441 h 3032924"/>
+              <a:gd name="connsiteX27" fmla="*/ 1576606 w 3239999"/>
+              <a:gd name="connsiteY27" fmla="*/ 526981 h 3032924"/>
+              <a:gd name="connsiteX28" fmla="*/ 1576606 w 3239999"/>
+              <a:gd name="connsiteY28" fmla="*/ 2765302 h 3032924"/>
+              <a:gd name="connsiteX29" fmla="*/ 378630 w 3239999"/>
+              <a:gd name="connsiteY29" fmla="*/ 2472117 h 3032924"/>
+              <a:gd name="connsiteX30" fmla="*/ 384918 w 3239999"/>
+              <a:gd name="connsiteY30" fmla="*/ 526981 h 3032924"/>
+              <a:gd name="connsiteX31" fmla="*/ 239143 w 3239999"/>
+              <a:gd name="connsiteY31" fmla="*/ 526981 h 3032924"/>
+              <a:gd name="connsiteX32" fmla="*/ 239143 w 3239999"/>
+              <a:gd name="connsiteY32" fmla="*/ 2776423 h 3032924"/>
+              <a:gd name="connsiteX33" fmla="*/ 1576606 w 3239999"/>
+              <a:gd name="connsiteY33" fmla="*/ 2776423 h 3032924"/>
+              <a:gd name="connsiteX34" fmla="*/ 1668046 w 3239999"/>
+              <a:gd name="connsiteY34" fmla="*/ 2869642 h 3032924"/>
+              <a:gd name="connsiteX0" fmla="*/ 1576606 w 3239999"/>
+              <a:gd name="connsiteY0" fmla="*/ 2778202 h 3032924"/>
+              <a:gd name="connsiteX1" fmla="*/ 1663394 w 3239999"/>
+              <a:gd name="connsiteY1" fmla="*/ 2778202 h 3032924"/>
+              <a:gd name="connsiteX2" fmla="*/ 1663394 w 3239999"/>
+              <a:gd name="connsiteY2" fmla="*/ 2776423 h 3032924"/>
+              <a:gd name="connsiteX3" fmla="*/ 3000856 w 3239999"/>
+              <a:gd name="connsiteY3" fmla="*/ 2776423 h 3032924"/>
+              <a:gd name="connsiteX4" fmla="*/ 3000856 w 3239999"/>
+              <a:gd name="connsiteY4" fmla="*/ 526981 h 3032924"/>
+              <a:gd name="connsiteX5" fmla="*/ 2855082 w 3239999"/>
+              <a:gd name="connsiteY5" fmla="*/ 526981 h 3032924"/>
+              <a:gd name="connsiteX6" fmla="*/ 2861369 w 3239999"/>
+              <a:gd name="connsiteY6" fmla="*/ 2472117 h 3032924"/>
+              <a:gd name="connsiteX7" fmla="*/ 1663394 w 3239999"/>
+              <a:gd name="connsiteY7" fmla="*/ 2765302 h 3032924"/>
+              <a:gd name="connsiteX8" fmla="*/ 1663394 w 3239999"/>
+              <a:gd name="connsiteY8" fmla="*/ 526981 h 3032924"/>
+              <a:gd name="connsiteX9" fmla="*/ 1663394 w 3239999"/>
+              <a:gd name="connsiteY9" fmla="*/ 430441 h 3032924"/>
+              <a:gd name="connsiteX10" fmla="*/ 1663394 w 3239999"/>
+              <a:gd name="connsiteY10" fmla="*/ 402054 h 3032924"/>
+              <a:gd name="connsiteX11" fmla="*/ 2406065 w 3239999"/>
+              <a:gd name="connsiteY11" fmla="*/ 22 h 3032924"/>
+              <a:gd name="connsiteX12" fmla="*/ 2853673 w 3239999"/>
+              <a:gd name="connsiteY12" fmla="*/ 91100 h 3032924"/>
+              <a:gd name="connsiteX13" fmla="*/ 2854770 w 3239999"/>
+              <a:gd name="connsiteY13" fmla="*/ 430441 h 3032924"/>
+              <a:gd name="connsiteX14" fmla="*/ 3120669 w 3239999"/>
+              <a:gd name="connsiteY14" fmla="*/ 428517 h 3032924"/>
+              <a:gd name="connsiteX15" fmla="*/ 3120669 w 3239999"/>
+              <a:gd name="connsiteY15" fmla="*/ 738345 h 3032924"/>
+              <a:gd name="connsiteX16" fmla="*/ 3239999 w 3239999"/>
+              <a:gd name="connsiteY16" fmla="*/ 738345 h 3032924"/>
+              <a:gd name="connsiteX17" fmla="*/ 3239999 w 3239999"/>
+              <a:gd name="connsiteY17" fmla="*/ 3032924 h 3032924"/>
+              <a:gd name="connsiteX18" fmla="*/ 0 w 3239999"/>
+              <a:gd name="connsiteY18" fmla="*/ 3032924 h 3032924"/>
+              <a:gd name="connsiteX19" fmla="*/ 0 w 3239999"/>
+              <a:gd name="connsiteY19" fmla="*/ 738345 h 3032924"/>
+              <a:gd name="connsiteX20" fmla="*/ 102477 w 3239999"/>
+              <a:gd name="connsiteY20" fmla="*/ 738345 h 3032924"/>
+              <a:gd name="connsiteX21" fmla="*/ 102477 w 3239999"/>
+              <a:gd name="connsiteY21" fmla="*/ 428517 h 3032924"/>
+              <a:gd name="connsiteX22" fmla="*/ 385229 w 3239999"/>
+              <a:gd name="connsiteY22" fmla="*/ 430441 h 3032924"/>
+              <a:gd name="connsiteX23" fmla="*/ 386326 w 3239999"/>
+              <a:gd name="connsiteY23" fmla="*/ 91100 h 3032924"/>
+              <a:gd name="connsiteX24" fmla="*/ 833935 w 3239999"/>
+              <a:gd name="connsiteY24" fmla="*/ 22 h 3032924"/>
+              <a:gd name="connsiteX25" fmla="*/ 1576606 w 3239999"/>
+              <a:gd name="connsiteY25" fmla="*/ 402054 h 3032924"/>
+              <a:gd name="connsiteX26" fmla="*/ 1576606 w 3239999"/>
+              <a:gd name="connsiteY26" fmla="*/ 430441 h 3032924"/>
+              <a:gd name="connsiteX27" fmla="*/ 1576606 w 3239999"/>
+              <a:gd name="connsiteY27" fmla="*/ 526981 h 3032924"/>
+              <a:gd name="connsiteX28" fmla="*/ 1576606 w 3239999"/>
+              <a:gd name="connsiteY28" fmla="*/ 2765302 h 3032924"/>
+              <a:gd name="connsiteX29" fmla="*/ 378630 w 3239999"/>
+              <a:gd name="connsiteY29" fmla="*/ 2472117 h 3032924"/>
+              <a:gd name="connsiteX30" fmla="*/ 384918 w 3239999"/>
+              <a:gd name="connsiteY30" fmla="*/ 526981 h 3032924"/>
+              <a:gd name="connsiteX31" fmla="*/ 239143 w 3239999"/>
+              <a:gd name="connsiteY31" fmla="*/ 526981 h 3032924"/>
+              <a:gd name="connsiteX32" fmla="*/ 239143 w 3239999"/>
+              <a:gd name="connsiteY32" fmla="*/ 2776423 h 3032924"/>
+              <a:gd name="connsiteX33" fmla="*/ 1576606 w 3239999"/>
+              <a:gd name="connsiteY33" fmla="*/ 2776423 h 3032924"/>
+              <a:gd name="connsiteX34" fmla="*/ 1668046 w 3239999"/>
+              <a:gd name="connsiteY34" fmla="*/ 2869642 h 3032924"/>
+              <a:gd name="connsiteX0" fmla="*/ 1576606 w 3239999"/>
+              <a:gd name="connsiteY0" fmla="*/ 2778202 h 3032924"/>
+              <a:gd name="connsiteX1" fmla="*/ 1663394 w 3239999"/>
+              <a:gd name="connsiteY1" fmla="*/ 2778202 h 3032924"/>
+              <a:gd name="connsiteX2" fmla="*/ 1663394 w 3239999"/>
+              <a:gd name="connsiteY2" fmla="*/ 2776423 h 3032924"/>
+              <a:gd name="connsiteX3" fmla="*/ 3000856 w 3239999"/>
+              <a:gd name="connsiteY3" fmla="*/ 2776423 h 3032924"/>
+              <a:gd name="connsiteX4" fmla="*/ 3000856 w 3239999"/>
+              <a:gd name="connsiteY4" fmla="*/ 526981 h 3032924"/>
+              <a:gd name="connsiteX5" fmla="*/ 2855082 w 3239999"/>
+              <a:gd name="connsiteY5" fmla="*/ 526981 h 3032924"/>
+              <a:gd name="connsiteX6" fmla="*/ 2861369 w 3239999"/>
+              <a:gd name="connsiteY6" fmla="*/ 2472117 h 3032924"/>
+              <a:gd name="connsiteX7" fmla="*/ 1663394 w 3239999"/>
+              <a:gd name="connsiteY7" fmla="*/ 2765302 h 3032924"/>
+              <a:gd name="connsiteX8" fmla="*/ 1663394 w 3239999"/>
+              <a:gd name="connsiteY8" fmla="*/ 526981 h 3032924"/>
+              <a:gd name="connsiteX9" fmla="*/ 1663394 w 3239999"/>
+              <a:gd name="connsiteY9" fmla="*/ 430441 h 3032924"/>
+              <a:gd name="connsiteX10" fmla="*/ 1663394 w 3239999"/>
+              <a:gd name="connsiteY10" fmla="*/ 402054 h 3032924"/>
+              <a:gd name="connsiteX11" fmla="*/ 2406065 w 3239999"/>
+              <a:gd name="connsiteY11" fmla="*/ 22 h 3032924"/>
+              <a:gd name="connsiteX12" fmla="*/ 2853673 w 3239999"/>
+              <a:gd name="connsiteY12" fmla="*/ 91100 h 3032924"/>
+              <a:gd name="connsiteX13" fmla="*/ 2854770 w 3239999"/>
+              <a:gd name="connsiteY13" fmla="*/ 430441 h 3032924"/>
+              <a:gd name="connsiteX14" fmla="*/ 3120669 w 3239999"/>
+              <a:gd name="connsiteY14" fmla="*/ 428517 h 3032924"/>
+              <a:gd name="connsiteX15" fmla="*/ 3120669 w 3239999"/>
+              <a:gd name="connsiteY15" fmla="*/ 738345 h 3032924"/>
+              <a:gd name="connsiteX16" fmla="*/ 3239999 w 3239999"/>
+              <a:gd name="connsiteY16" fmla="*/ 738345 h 3032924"/>
+              <a:gd name="connsiteX17" fmla="*/ 3239999 w 3239999"/>
+              <a:gd name="connsiteY17" fmla="*/ 3032924 h 3032924"/>
+              <a:gd name="connsiteX18" fmla="*/ 0 w 3239999"/>
+              <a:gd name="connsiteY18" fmla="*/ 3032924 h 3032924"/>
+              <a:gd name="connsiteX19" fmla="*/ 0 w 3239999"/>
+              <a:gd name="connsiteY19" fmla="*/ 738345 h 3032924"/>
+              <a:gd name="connsiteX20" fmla="*/ 102477 w 3239999"/>
+              <a:gd name="connsiteY20" fmla="*/ 738345 h 3032924"/>
+              <a:gd name="connsiteX21" fmla="*/ 102477 w 3239999"/>
+              <a:gd name="connsiteY21" fmla="*/ 428517 h 3032924"/>
+              <a:gd name="connsiteX22" fmla="*/ 385229 w 3239999"/>
+              <a:gd name="connsiteY22" fmla="*/ 430441 h 3032924"/>
+              <a:gd name="connsiteX23" fmla="*/ 386326 w 3239999"/>
+              <a:gd name="connsiteY23" fmla="*/ 91100 h 3032924"/>
+              <a:gd name="connsiteX24" fmla="*/ 833935 w 3239999"/>
+              <a:gd name="connsiteY24" fmla="*/ 22 h 3032924"/>
+              <a:gd name="connsiteX25" fmla="*/ 1576606 w 3239999"/>
+              <a:gd name="connsiteY25" fmla="*/ 402054 h 3032924"/>
+              <a:gd name="connsiteX26" fmla="*/ 1576606 w 3239999"/>
+              <a:gd name="connsiteY26" fmla="*/ 430441 h 3032924"/>
+              <a:gd name="connsiteX27" fmla="*/ 1576606 w 3239999"/>
+              <a:gd name="connsiteY27" fmla="*/ 526981 h 3032924"/>
+              <a:gd name="connsiteX28" fmla="*/ 1576606 w 3239999"/>
+              <a:gd name="connsiteY28" fmla="*/ 2765302 h 3032924"/>
+              <a:gd name="connsiteX29" fmla="*/ 378630 w 3239999"/>
+              <a:gd name="connsiteY29" fmla="*/ 2472117 h 3032924"/>
+              <a:gd name="connsiteX30" fmla="*/ 384918 w 3239999"/>
+              <a:gd name="connsiteY30" fmla="*/ 526981 h 3032924"/>
+              <a:gd name="connsiteX31" fmla="*/ 239143 w 3239999"/>
+              <a:gd name="connsiteY31" fmla="*/ 526981 h 3032924"/>
+              <a:gd name="connsiteX32" fmla="*/ 239143 w 3239999"/>
+              <a:gd name="connsiteY32" fmla="*/ 2776423 h 3032924"/>
+              <a:gd name="connsiteX33" fmla="*/ 1576606 w 3239999"/>
+              <a:gd name="connsiteY33" fmla="*/ 2776423 h 3032924"/>
+              <a:gd name="connsiteX34" fmla="*/ 1668046 w 3239999"/>
+              <a:gd name="connsiteY34" fmla="*/ 2869642 h 3032924"/>
+              <a:gd name="connsiteX0" fmla="*/ 1576606 w 3239999"/>
+              <a:gd name="connsiteY0" fmla="*/ 2778202 h 3032924"/>
+              <a:gd name="connsiteX1" fmla="*/ 1663394 w 3239999"/>
+              <a:gd name="connsiteY1" fmla="*/ 2778202 h 3032924"/>
+              <a:gd name="connsiteX2" fmla="*/ 1663394 w 3239999"/>
+              <a:gd name="connsiteY2" fmla="*/ 2776423 h 3032924"/>
+              <a:gd name="connsiteX3" fmla="*/ 3000856 w 3239999"/>
+              <a:gd name="connsiteY3" fmla="*/ 2776423 h 3032924"/>
+              <a:gd name="connsiteX4" fmla="*/ 3000856 w 3239999"/>
+              <a:gd name="connsiteY4" fmla="*/ 526981 h 3032924"/>
+              <a:gd name="connsiteX5" fmla="*/ 2855082 w 3239999"/>
+              <a:gd name="connsiteY5" fmla="*/ 526981 h 3032924"/>
+              <a:gd name="connsiteX6" fmla="*/ 2861369 w 3239999"/>
+              <a:gd name="connsiteY6" fmla="*/ 2472117 h 3032924"/>
+              <a:gd name="connsiteX7" fmla="*/ 1663394 w 3239999"/>
+              <a:gd name="connsiteY7" fmla="*/ 2765302 h 3032924"/>
+              <a:gd name="connsiteX8" fmla="*/ 1663394 w 3239999"/>
+              <a:gd name="connsiteY8" fmla="*/ 526981 h 3032924"/>
+              <a:gd name="connsiteX9" fmla="*/ 1663394 w 3239999"/>
+              <a:gd name="connsiteY9" fmla="*/ 430441 h 3032924"/>
+              <a:gd name="connsiteX10" fmla="*/ 1663394 w 3239999"/>
+              <a:gd name="connsiteY10" fmla="*/ 402054 h 3032924"/>
+              <a:gd name="connsiteX11" fmla="*/ 2406065 w 3239999"/>
+              <a:gd name="connsiteY11" fmla="*/ 22 h 3032924"/>
+              <a:gd name="connsiteX12" fmla="*/ 2853673 w 3239999"/>
+              <a:gd name="connsiteY12" fmla="*/ 91100 h 3032924"/>
+              <a:gd name="connsiteX13" fmla="*/ 2854770 w 3239999"/>
+              <a:gd name="connsiteY13" fmla="*/ 430441 h 3032924"/>
+              <a:gd name="connsiteX14" fmla="*/ 3120669 w 3239999"/>
+              <a:gd name="connsiteY14" fmla="*/ 428517 h 3032924"/>
+              <a:gd name="connsiteX15" fmla="*/ 3120669 w 3239999"/>
+              <a:gd name="connsiteY15" fmla="*/ 738345 h 3032924"/>
+              <a:gd name="connsiteX16" fmla="*/ 3239999 w 3239999"/>
+              <a:gd name="connsiteY16" fmla="*/ 738345 h 3032924"/>
+              <a:gd name="connsiteX17" fmla="*/ 3239999 w 3239999"/>
+              <a:gd name="connsiteY17" fmla="*/ 3032924 h 3032924"/>
+              <a:gd name="connsiteX18" fmla="*/ 0 w 3239999"/>
+              <a:gd name="connsiteY18" fmla="*/ 3032924 h 3032924"/>
+              <a:gd name="connsiteX19" fmla="*/ 0 w 3239999"/>
+              <a:gd name="connsiteY19" fmla="*/ 738345 h 3032924"/>
+              <a:gd name="connsiteX20" fmla="*/ 102477 w 3239999"/>
+              <a:gd name="connsiteY20" fmla="*/ 738345 h 3032924"/>
+              <a:gd name="connsiteX21" fmla="*/ 102477 w 3239999"/>
+              <a:gd name="connsiteY21" fmla="*/ 428517 h 3032924"/>
+              <a:gd name="connsiteX22" fmla="*/ 385229 w 3239999"/>
+              <a:gd name="connsiteY22" fmla="*/ 430441 h 3032924"/>
+              <a:gd name="connsiteX23" fmla="*/ 386326 w 3239999"/>
+              <a:gd name="connsiteY23" fmla="*/ 91100 h 3032924"/>
+              <a:gd name="connsiteX24" fmla="*/ 833935 w 3239999"/>
+              <a:gd name="connsiteY24" fmla="*/ 22 h 3032924"/>
+              <a:gd name="connsiteX25" fmla="*/ 1576606 w 3239999"/>
+              <a:gd name="connsiteY25" fmla="*/ 402054 h 3032924"/>
+              <a:gd name="connsiteX26" fmla="*/ 1576606 w 3239999"/>
+              <a:gd name="connsiteY26" fmla="*/ 430441 h 3032924"/>
+              <a:gd name="connsiteX27" fmla="*/ 1576606 w 3239999"/>
+              <a:gd name="connsiteY27" fmla="*/ 526981 h 3032924"/>
+              <a:gd name="connsiteX28" fmla="*/ 1576606 w 3239999"/>
+              <a:gd name="connsiteY28" fmla="*/ 2765302 h 3032924"/>
+              <a:gd name="connsiteX29" fmla="*/ 378630 w 3239999"/>
+              <a:gd name="connsiteY29" fmla="*/ 2472117 h 3032924"/>
+              <a:gd name="connsiteX30" fmla="*/ 384918 w 3239999"/>
+              <a:gd name="connsiteY30" fmla="*/ 526981 h 3032924"/>
+              <a:gd name="connsiteX31" fmla="*/ 239143 w 3239999"/>
+              <a:gd name="connsiteY31" fmla="*/ 526981 h 3032924"/>
+              <a:gd name="connsiteX32" fmla="*/ 239143 w 3239999"/>
+              <a:gd name="connsiteY32" fmla="*/ 2776423 h 3032924"/>
+              <a:gd name="connsiteX33" fmla="*/ 1576606 w 3239999"/>
+              <a:gd name="connsiteY33" fmla="*/ 2776423 h 3032924"/>
+              <a:gd name="connsiteX34" fmla="*/ 1668046 w 3239999"/>
+              <a:gd name="connsiteY34" fmla="*/ 2869642 h 3032924"/>
+              <a:gd name="connsiteX0" fmla="*/ 1576606 w 3239999"/>
+              <a:gd name="connsiteY0" fmla="*/ 2778202 h 3032924"/>
+              <a:gd name="connsiteX1" fmla="*/ 1663394 w 3239999"/>
+              <a:gd name="connsiteY1" fmla="*/ 2778202 h 3032924"/>
+              <a:gd name="connsiteX2" fmla="*/ 1663394 w 3239999"/>
+              <a:gd name="connsiteY2" fmla="*/ 2776423 h 3032924"/>
+              <a:gd name="connsiteX3" fmla="*/ 3000856 w 3239999"/>
+              <a:gd name="connsiteY3" fmla="*/ 2776423 h 3032924"/>
+              <a:gd name="connsiteX4" fmla="*/ 3000856 w 3239999"/>
+              <a:gd name="connsiteY4" fmla="*/ 526981 h 3032924"/>
+              <a:gd name="connsiteX5" fmla="*/ 2855082 w 3239999"/>
+              <a:gd name="connsiteY5" fmla="*/ 526981 h 3032924"/>
+              <a:gd name="connsiteX6" fmla="*/ 2861369 w 3239999"/>
+              <a:gd name="connsiteY6" fmla="*/ 2472117 h 3032924"/>
+              <a:gd name="connsiteX7" fmla="*/ 1663394 w 3239999"/>
+              <a:gd name="connsiteY7" fmla="*/ 2765302 h 3032924"/>
+              <a:gd name="connsiteX8" fmla="*/ 1663394 w 3239999"/>
+              <a:gd name="connsiteY8" fmla="*/ 526981 h 3032924"/>
+              <a:gd name="connsiteX9" fmla="*/ 1663394 w 3239999"/>
+              <a:gd name="connsiteY9" fmla="*/ 430441 h 3032924"/>
+              <a:gd name="connsiteX10" fmla="*/ 1663394 w 3239999"/>
+              <a:gd name="connsiteY10" fmla="*/ 402054 h 3032924"/>
+              <a:gd name="connsiteX11" fmla="*/ 2406065 w 3239999"/>
+              <a:gd name="connsiteY11" fmla="*/ 22 h 3032924"/>
+              <a:gd name="connsiteX12" fmla="*/ 2853673 w 3239999"/>
+              <a:gd name="connsiteY12" fmla="*/ 91100 h 3032924"/>
+              <a:gd name="connsiteX13" fmla="*/ 2854770 w 3239999"/>
+              <a:gd name="connsiteY13" fmla="*/ 430441 h 3032924"/>
+              <a:gd name="connsiteX14" fmla="*/ 3120669 w 3239999"/>
+              <a:gd name="connsiteY14" fmla="*/ 428517 h 3032924"/>
+              <a:gd name="connsiteX15" fmla="*/ 3120669 w 3239999"/>
+              <a:gd name="connsiteY15" fmla="*/ 738345 h 3032924"/>
+              <a:gd name="connsiteX16" fmla="*/ 3239999 w 3239999"/>
+              <a:gd name="connsiteY16" fmla="*/ 738345 h 3032924"/>
+              <a:gd name="connsiteX17" fmla="*/ 3239999 w 3239999"/>
+              <a:gd name="connsiteY17" fmla="*/ 3032924 h 3032924"/>
+              <a:gd name="connsiteX18" fmla="*/ 0 w 3239999"/>
+              <a:gd name="connsiteY18" fmla="*/ 3032924 h 3032924"/>
+              <a:gd name="connsiteX19" fmla="*/ 0 w 3239999"/>
+              <a:gd name="connsiteY19" fmla="*/ 738345 h 3032924"/>
+              <a:gd name="connsiteX20" fmla="*/ 102477 w 3239999"/>
+              <a:gd name="connsiteY20" fmla="*/ 738345 h 3032924"/>
+              <a:gd name="connsiteX21" fmla="*/ 102477 w 3239999"/>
+              <a:gd name="connsiteY21" fmla="*/ 428517 h 3032924"/>
+              <a:gd name="connsiteX22" fmla="*/ 385229 w 3239999"/>
+              <a:gd name="connsiteY22" fmla="*/ 430441 h 3032924"/>
+              <a:gd name="connsiteX23" fmla="*/ 386326 w 3239999"/>
+              <a:gd name="connsiteY23" fmla="*/ 91100 h 3032924"/>
+              <a:gd name="connsiteX24" fmla="*/ 833935 w 3239999"/>
+              <a:gd name="connsiteY24" fmla="*/ 22 h 3032924"/>
+              <a:gd name="connsiteX25" fmla="*/ 1576606 w 3239999"/>
+              <a:gd name="connsiteY25" fmla="*/ 402054 h 3032924"/>
+              <a:gd name="connsiteX26" fmla="*/ 1576606 w 3239999"/>
+              <a:gd name="connsiteY26" fmla="*/ 430441 h 3032924"/>
+              <a:gd name="connsiteX27" fmla="*/ 1576606 w 3239999"/>
+              <a:gd name="connsiteY27" fmla="*/ 526981 h 3032924"/>
+              <a:gd name="connsiteX28" fmla="*/ 1576606 w 3239999"/>
+              <a:gd name="connsiteY28" fmla="*/ 2765302 h 3032924"/>
+              <a:gd name="connsiteX29" fmla="*/ 378630 w 3239999"/>
+              <a:gd name="connsiteY29" fmla="*/ 2472117 h 3032924"/>
+              <a:gd name="connsiteX30" fmla="*/ 384918 w 3239999"/>
+              <a:gd name="connsiteY30" fmla="*/ 526981 h 3032924"/>
+              <a:gd name="connsiteX31" fmla="*/ 239143 w 3239999"/>
+              <a:gd name="connsiteY31" fmla="*/ 526981 h 3032924"/>
+              <a:gd name="connsiteX32" fmla="*/ 239143 w 3239999"/>
+              <a:gd name="connsiteY32" fmla="*/ 2776423 h 3032924"/>
+              <a:gd name="connsiteX33" fmla="*/ 1576606 w 3239999"/>
+              <a:gd name="connsiteY33" fmla="*/ 2776423 h 3032924"/>
+              <a:gd name="connsiteX34" fmla="*/ 1668046 w 3239999"/>
+              <a:gd name="connsiteY34" fmla="*/ 2869642 h 3032924"/>
+              <a:gd name="connsiteX0" fmla="*/ 1576606 w 3239999"/>
+              <a:gd name="connsiteY0" fmla="*/ 2778202 h 3032924"/>
+              <a:gd name="connsiteX1" fmla="*/ 1663394 w 3239999"/>
+              <a:gd name="connsiteY1" fmla="*/ 2778202 h 3032924"/>
+              <a:gd name="connsiteX2" fmla="*/ 1663394 w 3239999"/>
+              <a:gd name="connsiteY2" fmla="*/ 2776423 h 3032924"/>
+              <a:gd name="connsiteX3" fmla="*/ 3000856 w 3239999"/>
+              <a:gd name="connsiteY3" fmla="*/ 2776423 h 3032924"/>
+              <a:gd name="connsiteX4" fmla="*/ 3000856 w 3239999"/>
+              <a:gd name="connsiteY4" fmla="*/ 526981 h 3032924"/>
+              <a:gd name="connsiteX5" fmla="*/ 2855082 w 3239999"/>
+              <a:gd name="connsiteY5" fmla="*/ 526981 h 3032924"/>
+              <a:gd name="connsiteX6" fmla="*/ 2861369 w 3239999"/>
+              <a:gd name="connsiteY6" fmla="*/ 2472117 h 3032924"/>
+              <a:gd name="connsiteX7" fmla="*/ 1663394 w 3239999"/>
+              <a:gd name="connsiteY7" fmla="*/ 2765302 h 3032924"/>
+              <a:gd name="connsiteX8" fmla="*/ 1663394 w 3239999"/>
+              <a:gd name="connsiteY8" fmla="*/ 526981 h 3032924"/>
+              <a:gd name="connsiteX9" fmla="*/ 1663394 w 3239999"/>
+              <a:gd name="connsiteY9" fmla="*/ 430441 h 3032924"/>
+              <a:gd name="connsiteX10" fmla="*/ 1663394 w 3239999"/>
+              <a:gd name="connsiteY10" fmla="*/ 402054 h 3032924"/>
+              <a:gd name="connsiteX11" fmla="*/ 2406065 w 3239999"/>
+              <a:gd name="connsiteY11" fmla="*/ 22 h 3032924"/>
+              <a:gd name="connsiteX12" fmla="*/ 2853673 w 3239999"/>
+              <a:gd name="connsiteY12" fmla="*/ 91100 h 3032924"/>
+              <a:gd name="connsiteX13" fmla="*/ 2854770 w 3239999"/>
+              <a:gd name="connsiteY13" fmla="*/ 430441 h 3032924"/>
+              <a:gd name="connsiteX14" fmla="*/ 3120669 w 3239999"/>
+              <a:gd name="connsiteY14" fmla="*/ 428517 h 3032924"/>
+              <a:gd name="connsiteX15" fmla="*/ 3120669 w 3239999"/>
+              <a:gd name="connsiteY15" fmla="*/ 738345 h 3032924"/>
+              <a:gd name="connsiteX16" fmla="*/ 3239999 w 3239999"/>
+              <a:gd name="connsiteY16" fmla="*/ 738345 h 3032924"/>
+              <a:gd name="connsiteX17" fmla="*/ 3239999 w 3239999"/>
+              <a:gd name="connsiteY17" fmla="*/ 3032924 h 3032924"/>
+              <a:gd name="connsiteX18" fmla="*/ 0 w 3239999"/>
+              <a:gd name="connsiteY18" fmla="*/ 3032924 h 3032924"/>
+              <a:gd name="connsiteX19" fmla="*/ 0 w 3239999"/>
+              <a:gd name="connsiteY19" fmla="*/ 738345 h 3032924"/>
+              <a:gd name="connsiteX20" fmla="*/ 102477 w 3239999"/>
+              <a:gd name="connsiteY20" fmla="*/ 738345 h 3032924"/>
+              <a:gd name="connsiteX21" fmla="*/ 102477 w 3239999"/>
+              <a:gd name="connsiteY21" fmla="*/ 428517 h 3032924"/>
+              <a:gd name="connsiteX22" fmla="*/ 385229 w 3239999"/>
+              <a:gd name="connsiteY22" fmla="*/ 430441 h 3032924"/>
+              <a:gd name="connsiteX23" fmla="*/ 386326 w 3239999"/>
+              <a:gd name="connsiteY23" fmla="*/ 91100 h 3032924"/>
+              <a:gd name="connsiteX24" fmla="*/ 833935 w 3239999"/>
+              <a:gd name="connsiteY24" fmla="*/ 22 h 3032924"/>
+              <a:gd name="connsiteX25" fmla="*/ 1576606 w 3239999"/>
+              <a:gd name="connsiteY25" fmla="*/ 402054 h 3032924"/>
+              <a:gd name="connsiteX26" fmla="*/ 1576606 w 3239999"/>
+              <a:gd name="connsiteY26" fmla="*/ 430441 h 3032924"/>
+              <a:gd name="connsiteX27" fmla="*/ 1576606 w 3239999"/>
+              <a:gd name="connsiteY27" fmla="*/ 526981 h 3032924"/>
+              <a:gd name="connsiteX28" fmla="*/ 1576606 w 3239999"/>
+              <a:gd name="connsiteY28" fmla="*/ 2765302 h 3032924"/>
+              <a:gd name="connsiteX29" fmla="*/ 378630 w 3239999"/>
+              <a:gd name="connsiteY29" fmla="*/ 2472117 h 3032924"/>
+              <a:gd name="connsiteX30" fmla="*/ 384918 w 3239999"/>
+              <a:gd name="connsiteY30" fmla="*/ 526981 h 3032924"/>
+              <a:gd name="connsiteX31" fmla="*/ 239143 w 3239999"/>
+              <a:gd name="connsiteY31" fmla="*/ 526981 h 3032924"/>
+              <a:gd name="connsiteX32" fmla="*/ 239143 w 3239999"/>
+              <a:gd name="connsiteY32" fmla="*/ 2776423 h 3032924"/>
+              <a:gd name="connsiteX33" fmla="*/ 1576606 w 3239999"/>
+              <a:gd name="connsiteY33" fmla="*/ 2776423 h 3032924"/>
+              <a:gd name="connsiteX34" fmla="*/ 1668046 w 3239999"/>
+              <a:gd name="connsiteY34" fmla="*/ 2869642 h 3032924"/>
+              <a:gd name="connsiteX0" fmla="*/ 1576606 w 3239999"/>
+              <a:gd name="connsiteY0" fmla="*/ 2778202 h 3032924"/>
+              <a:gd name="connsiteX1" fmla="*/ 1663394 w 3239999"/>
+              <a:gd name="connsiteY1" fmla="*/ 2778202 h 3032924"/>
+              <a:gd name="connsiteX2" fmla="*/ 1663394 w 3239999"/>
+              <a:gd name="connsiteY2" fmla="*/ 2776423 h 3032924"/>
+              <a:gd name="connsiteX3" fmla="*/ 3000856 w 3239999"/>
+              <a:gd name="connsiteY3" fmla="*/ 2776423 h 3032924"/>
+              <a:gd name="connsiteX4" fmla="*/ 3000856 w 3239999"/>
+              <a:gd name="connsiteY4" fmla="*/ 526981 h 3032924"/>
+              <a:gd name="connsiteX5" fmla="*/ 2855082 w 3239999"/>
+              <a:gd name="connsiteY5" fmla="*/ 526981 h 3032924"/>
+              <a:gd name="connsiteX6" fmla="*/ 2861369 w 3239999"/>
+              <a:gd name="connsiteY6" fmla="*/ 2472117 h 3032924"/>
+              <a:gd name="connsiteX7" fmla="*/ 1663394 w 3239999"/>
+              <a:gd name="connsiteY7" fmla="*/ 2765302 h 3032924"/>
+              <a:gd name="connsiteX8" fmla="*/ 1663394 w 3239999"/>
+              <a:gd name="connsiteY8" fmla="*/ 526981 h 3032924"/>
+              <a:gd name="connsiteX9" fmla="*/ 1663394 w 3239999"/>
+              <a:gd name="connsiteY9" fmla="*/ 430441 h 3032924"/>
+              <a:gd name="connsiteX10" fmla="*/ 1663394 w 3239999"/>
+              <a:gd name="connsiteY10" fmla="*/ 402054 h 3032924"/>
+              <a:gd name="connsiteX11" fmla="*/ 2406065 w 3239999"/>
+              <a:gd name="connsiteY11" fmla="*/ 22 h 3032924"/>
+              <a:gd name="connsiteX12" fmla="*/ 2853673 w 3239999"/>
+              <a:gd name="connsiteY12" fmla="*/ 91100 h 3032924"/>
+              <a:gd name="connsiteX13" fmla="*/ 2854770 w 3239999"/>
+              <a:gd name="connsiteY13" fmla="*/ 430441 h 3032924"/>
+              <a:gd name="connsiteX14" fmla="*/ 3120669 w 3239999"/>
+              <a:gd name="connsiteY14" fmla="*/ 428517 h 3032924"/>
+              <a:gd name="connsiteX15" fmla="*/ 3120669 w 3239999"/>
+              <a:gd name="connsiteY15" fmla="*/ 738345 h 3032924"/>
+              <a:gd name="connsiteX16" fmla="*/ 3239999 w 3239999"/>
+              <a:gd name="connsiteY16" fmla="*/ 738345 h 3032924"/>
+              <a:gd name="connsiteX17" fmla="*/ 3239999 w 3239999"/>
+              <a:gd name="connsiteY17" fmla="*/ 3032924 h 3032924"/>
+              <a:gd name="connsiteX18" fmla="*/ 0 w 3239999"/>
+              <a:gd name="connsiteY18" fmla="*/ 3032924 h 3032924"/>
+              <a:gd name="connsiteX19" fmla="*/ 0 w 3239999"/>
+              <a:gd name="connsiteY19" fmla="*/ 738345 h 3032924"/>
+              <a:gd name="connsiteX20" fmla="*/ 102477 w 3239999"/>
+              <a:gd name="connsiteY20" fmla="*/ 738345 h 3032924"/>
+              <a:gd name="connsiteX21" fmla="*/ 102477 w 3239999"/>
+              <a:gd name="connsiteY21" fmla="*/ 428517 h 3032924"/>
+              <a:gd name="connsiteX22" fmla="*/ 385229 w 3239999"/>
+              <a:gd name="connsiteY22" fmla="*/ 430441 h 3032924"/>
+              <a:gd name="connsiteX23" fmla="*/ 386326 w 3239999"/>
+              <a:gd name="connsiteY23" fmla="*/ 91100 h 3032924"/>
+              <a:gd name="connsiteX24" fmla="*/ 833935 w 3239999"/>
+              <a:gd name="connsiteY24" fmla="*/ 22 h 3032924"/>
+              <a:gd name="connsiteX25" fmla="*/ 1576606 w 3239999"/>
+              <a:gd name="connsiteY25" fmla="*/ 402054 h 3032924"/>
+              <a:gd name="connsiteX26" fmla="*/ 1576606 w 3239999"/>
+              <a:gd name="connsiteY26" fmla="*/ 430441 h 3032924"/>
+              <a:gd name="connsiteX27" fmla="*/ 1576606 w 3239999"/>
+              <a:gd name="connsiteY27" fmla="*/ 526981 h 3032924"/>
+              <a:gd name="connsiteX28" fmla="*/ 1576606 w 3239999"/>
+              <a:gd name="connsiteY28" fmla="*/ 2765302 h 3032924"/>
+              <a:gd name="connsiteX29" fmla="*/ 378630 w 3239999"/>
+              <a:gd name="connsiteY29" fmla="*/ 2472117 h 3032924"/>
+              <a:gd name="connsiteX30" fmla="*/ 384918 w 3239999"/>
+              <a:gd name="connsiteY30" fmla="*/ 526981 h 3032924"/>
+              <a:gd name="connsiteX31" fmla="*/ 239143 w 3239999"/>
+              <a:gd name="connsiteY31" fmla="*/ 526981 h 3032924"/>
+              <a:gd name="connsiteX32" fmla="*/ 239143 w 3239999"/>
+              <a:gd name="connsiteY32" fmla="*/ 2776423 h 3032924"/>
+              <a:gd name="connsiteX33" fmla="*/ 1576606 w 3239999"/>
+              <a:gd name="connsiteY33" fmla="*/ 2776423 h 3032924"/>
+              <a:gd name="connsiteX34" fmla="*/ 1668046 w 3239999"/>
+              <a:gd name="connsiteY34" fmla="*/ 2869642 h 3032924"/>
+              <a:gd name="connsiteX0" fmla="*/ 1576606 w 3239999"/>
+              <a:gd name="connsiteY0" fmla="*/ 2778202 h 3032924"/>
+              <a:gd name="connsiteX1" fmla="*/ 1663394 w 3239999"/>
+              <a:gd name="connsiteY1" fmla="*/ 2778202 h 3032924"/>
+              <a:gd name="connsiteX2" fmla="*/ 1663394 w 3239999"/>
+              <a:gd name="connsiteY2" fmla="*/ 2776423 h 3032924"/>
+              <a:gd name="connsiteX3" fmla="*/ 3000856 w 3239999"/>
+              <a:gd name="connsiteY3" fmla="*/ 2776423 h 3032924"/>
+              <a:gd name="connsiteX4" fmla="*/ 3000856 w 3239999"/>
+              <a:gd name="connsiteY4" fmla="*/ 526981 h 3032924"/>
+              <a:gd name="connsiteX5" fmla="*/ 2855082 w 3239999"/>
+              <a:gd name="connsiteY5" fmla="*/ 526981 h 3032924"/>
+              <a:gd name="connsiteX6" fmla="*/ 2861369 w 3239999"/>
+              <a:gd name="connsiteY6" fmla="*/ 2472117 h 3032924"/>
+              <a:gd name="connsiteX7" fmla="*/ 1663394 w 3239999"/>
+              <a:gd name="connsiteY7" fmla="*/ 2765302 h 3032924"/>
+              <a:gd name="connsiteX8" fmla="*/ 1663394 w 3239999"/>
+              <a:gd name="connsiteY8" fmla="*/ 526981 h 3032924"/>
+              <a:gd name="connsiteX9" fmla="*/ 1663394 w 3239999"/>
+              <a:gd name="connsiteY9" fmla="*/ 430441 h 3032924"/>
+              <a:gd name="connsiteX10" fmla="*/ 1663394 w 3239999"/>
+              <a:gd name="connsiteY10" fmla="*/ 402054 h 3032924"/>
+              <a:gd name="connsiteX11" fmla="*/ 2406065 w 3239999"/>
+              <a:gd name="connsiteY11" fmla="*/ 22 h 3032924"/>
+              <a:gd name="connsiteX12" fmla="*/ 2853673 w 3239999"/>
+              <a:gd name="connsiteY12" fmla="*/ 91100 h 3032924"/>
+              <a:gd name="connsiteX13" fmla="*/ 2854770 w 3239999"/>
+              <a:gd name="connsiteY13" fmla="*/ 430441 h 3032924"/>
+              <a:gd name="connsiteX14" fmla="*/ 3120669 w 3239999"/>
+              <a:gd name="connsiteY14" fmla="*/ 428517 h 3032924"/>
+              <a:gd name="connsiteX15" fmla="*/ 3120669 w 3239999"/>
+              <a:gd name="connsiteY15" fmla="*/ 738345 h 3032924"/>
+              <a:gd name="connsiteX16" fmla="*/ 3239999 w 3239999"/>
+              <a:gd name="connsiteY16" fmla="*/ 738345 h 3032924"/>
+              <a:gd name="connsiteX17" fmla="*/ 3239999 w 3239999"/>
+              <a:gd name="connsiteY17" fmla="*/ 3032924 h 3032924"/>
+              <a:gd name="connsiteX18" fmla="*/ 0 w 3239999"/>
+              <a:gd name="connsiteY18" fmla="*/ 3032924 h 3032924"/>
+              <a:gd name="connsiteX19" fmla="*/ 0 w 3239999"/>
+              <a:gd name="connsiteY19" fmla="*/ 738345 h 3032924"/>
+              <a:gd name="connsiteX20" fmla="*/ 102477 w 3239999"/>
+              <a:gd name="connsiteY20" fmla="*/ 738345 h 3032924"/>
+              <a:gd name="connsiteX21" fmla="*/ 102477 w 3239999"/>
+              <a:gd name="connsiteY21" fmla="*/ 428517 h 3032924"/>
+              <a:gd name="connsiteX22" fmla="*/ 385229 w 3239999"/>
+              <a:gd name="connsiteY22" fmla="*/ 430441 h 3032924"/>
+              <a:gd name="connsiteX23" fmla="*/ 386326 w 3239999"/>
+              <a:gd name="connsiteY23" fmla="*/ 91100 h 3032924"/>
+              <a:gd name="connsiteX24" fmla="*/ 833935 w 3239999"/>
+              <a:gd name="connsiteY24" fmla="*/ 22 h 3032924"/>
+              <a:gd name="connsiteX25" fmla="*/ 1576606 w 3239999"/>
+              <a:gd name="connsiteY25" fmla="*/ 402054 h 3032924"/>
+              <a:gd name="connsiteX26" fmla="*/ 1576606 w 3239999"/>
+              <a:gd name="connsiteY26" fmla="*/ 430441 h 3032924"/>
+              <a:gd name="connsiteX27" fmla="*/ 1576606 w 3239999"/>
+              <a:gd name="connsiteY27" fmla="*/ 526981 h 3032924"/>
+              <a:gd name="connsiteX28" fmla="*/ 1576606 w 3239999"/>
+              <a:gd name="connsiteY28" fmla="*/ 2765302 h 3032924"/>
+              <a:gd name="connsiteX29" fmla="*/ 378630 w 3239999"/>
+              <a:gd name="connsiteY29" fmla="*/ 2472117 h 3032924"/>
+              <a:gd name="connsiteX30" fmla="*/ 384918 w 3239999"/>
+              <a:gd name="connsiteY30" fmla="*/ 526981 h 3032924"/>
+              <a:gd name="connsiteX31" fmla="*/ 239143 w 3239999"/>
+              <a:gd name="connsiteY31" fmla="*/ 526981 h 3032924"/>
+              <a:gd name="connsiteX32" fmla="*/ 239143 w 3239999"/>
+              <a:gd name="connsiteY32" fmla="*/ 2776423 h 3032924"/>
+              <a:gd name="connsiteX33" fmla="*/ 1576606 w 3239999"/>
+              <a:gd name="connsiteY33" fmla="*/ 2776423 h 3032924"/>
+              <a:gd name="connsiteX34" fmla="*/ 1668046 w 3239999"/>
+              <a:gd name="connsiteY34" fmla="*/ 2869642 h 3032924"/>
+              <a:gd name="connsiteX0" fmla="*/ 1576606 w 3239999"/>
+              <a:gd name="connsiteY0" fmla="*/ 2778202 h 3032924"/>
+              <a:gd name="connsiteX1" fmla="*/ 1663394 w 3239999"/>
+              <a:gd name="connsiteY1" fmla="*/ 2778202 h 3032924"/>
+              <a:gd name="connsiteX2" fmla="*/ 1663394 w 3239999"/>
+              <a:gd name="connsiteY2" fmla="*/ 2776423 h 3032924"/>
+              <a:gd name="connsiteX3" fmla="*/ 3000856 w 3239999"/>
+              <a:gd name="connsiteY3" fmla="*/ 2776423 h 3032924"/>
+              <a:gd name="connsiteX4" fmla="*/ 3000856 w 3239999"/>
+              <a:gd name="connsiteY4" fmla="*/ 526981 h 3032924"/>
+              <a:gd name="connsiteX5" fmla="*/ 2855082 w 3239999"/>
+              <a:gd name="connsiteY5" fmla="*/ 526981 h 3032924"/>
+              <a:gd name="connsiteX6" fmla="*/ 2861369 w 3239999"/>
+              <a:gd name="connsiteY6" fmla="*/ 2472117 h 3032924"/>
+              <a:gd name="connsiteX7" fmla="*/ 1663394 w 3239999"/>
+              <a:gd name="connsiteY7" fmla="*/ 2765302 h 3032924"/>
+              <a:gd name="connsiteX8" fmla="*/ 1663394 w 3239999"/>
+              <a:gd name="connsiteY8" fmla="*/ 526981 h 3032924"/>
+              <a:gd name="connsiteX9" fmla="*/ 1663394 w 3239999"/>
+              <a:gd name="connsiteY9" fmla="*/ 430441 h 3032924"/>
+              <a:gd name="connsiteX10" fmla="*/ 1663394 w 3239999"/>
+              <a:gd name="connsiteY10" fmla="*/ 402054 h 3032924"/>
+              <a:gd name="connsiteX11" fmla="*/ 2406065 w 3239999"/>
+              <a:gd name="connsiteY11" fmla="*/ 22 h 3032924"/>
+              <a:gd name="connsiteX12" fmla="*/ 2853673 w 3239999"/>
+              <a:gd name="connsiteY12" fmla="*/ 91100 h 3032924"/>
+              <a:gd name="connsiteX13" fmla="*/ 2854770 w 3239999"/>
+              <a:gd name="connsiteY13" fmla="*/ 430441 h 3032924"/>
+              <a:gd name="connsiteX14" fmla="*/ 3120669 w 3239999"/>
+              <a:gd name="connsiteY14" fmla="*/ 428517 h 3032924"/>
+              <a:gd name="connsiteX15" fmla="*/ 3120669 w 3239999"/>
+              <a:gd name="connsiteY15" fmla="*/ 738345 h 3032924"/>
+              <a:gd name="connsiteX16" fmla="*/ 3239999 w 3239999"/>
+              <a:gd name="connsiteY16" fmla="*/ 738345 h 3032924"/>
+              <a:gd name="connsiteX17" fmla="*/ 3239999 w 3239999"/>
+              <a:gd name="connsiteY17" fmla="*/ 3032924 h 3032924"/>
+              <a:gd name="connsiteX18" fmla="*/ 0 w 3239999"/>
+              <a:gd name="connsiteY18" fmla="*/ 3032924 h 3032924"/>
+              <a:gd name="connsiteX19" fmla="*/ 0 w 3239999"/>
+              <a:gd name="connsiteY19" fmla="*/ 738345 h 3032924"/>
+              <a:gd name="connsiteX20" fmla="*/ 102477 w 3239999"/>
+              <a:gd name="connsiteY20" fmla="*/ 738345 h 3032924"/>
+              <a:gd name="connsiteX21" fmla="*/ 102477 w 3239999"/>
+              <a:gd name="connsiteY21" fmla="*/ 428517 h 3032924"/>
+              <a:gd name="connsiteX22" fmla="*/ 385229 w 3239999"/>
+              <a:gd name="connsiteY22" fmla="*/ 430441 h 3032924"/>
+              <a:gd name="connsiteX23" fmla="*/ 386326 w 3239999"/>
+              <a:gd name="connsiteY23" fmla="*/ 91100 h 3032924"/>
+              <a:gd name="connsiteX24" fmla="*/ 833935 w 3239999"/>
+              <a:gd name="connsiteY24" fmla="*/ 22 h 3032924"/>
+              <a:gd name="connsiteX25" fmla="*/ 1576606 w 3239999"/>
+              <a:gd name="connsiteY25" fmla="*/ 402054 h 3032924"/>
+              <a:gd name="connsiteX26" fmla="*/ 1576606 w 3239999"/>
+              <a:gd name="connsiteY26" fmla="*/ 430441 h 3032924"/>
+              <a:gd name="connsiteX27" fmla="*/ 1576606 w 3239999"/>
+              <a:gd name="connsiteY27" fmla="*/ 526981 h 3032924"/>
+              <a:gd name="connsiteX28" fmla="*/ 1576606 w 3239999"/>
+              <a:gd name="connsiteY28" fmla="*/ 2765302 h 3032924"/>
+              <a:gd name="connsiteX29" fmla="*/ 378630 w 3239999"/>
+              <a:gd name="connsiteY29" fmla="*/ 2472117 h 3032924"/>
+              <a:gd name="connsiteX30" fmla="*/ 384918 w 3239999"/>
+              <a:gd name="connsiteY30" fmla="*/ 526981 h 3032924"/>
+              <a:gd name="connsiteX31" fmla="*/ 239143 w 3239999"/>
+              <a:gd name="connsiteY31" fmla="*/ 526981 h 3032924"/>
+              <a:gd name="connsiteX32" fmla="*/ 239143 w 3239999"/>
+              <a:gd name="connsiteY32" fmla="*/ 2776423 h 3032924"/>
+              <a:gd name="connsiteX33" fmla="*/ 1576606 w 3239999"/>
+              <a:gd name="connsiteY33" fmla="*/ 2776423 h 3032924"/>
+              <a:gd name="connsiteX34" fmla="*/ 1668046 w 3239999"/>
+              <a:gd name="connsiteY34" fmla="*/ 2869642 h 3032924"/>
+              <a:gd name="connsiteX0" fmla="*/ 1576606 w 3239999"/>
+              <a:gd name="connsiteY0" fmla="*/ 2778202 h 3032924"/>
+              <a:gd name="connsiteX1" fmla="*/ 1663394 w 3239999"/>
+              <a:gd name="connsiteY1" fmla="*/ 2778202 h 3032924"/>
+              <a:gd name="connsiteX2" fmla="*/ 1663394 w 3239999"/>
+              <a:gd name="connsiteY2" fmla="*/ 2776423 h 3032924"/>
+              <a:gd name="connsiteX3" fmla="*/ 3000856 w 3239999"/>
+              <a:gd name="connsiteY3" fmla="*/ 2776423 h 3032924"/>
+              <a:gd name="connsiteX4" fmla="*/ 3000856 w 3239999"/>
+              <a:gd name="connsiteY4" fmla="*/ 526981 h 3032924"/>
+              <a:gd name="connsiteX5" fmla="*/ 2855082 w 3239999"/>
+              <a:gd name="connsiteY5" fmla="*/ 526981 h 3032924"/>
+              <a:gd name="connsiteX6" fmla="*/ 2861369 w 3239999"/>
+              <a:gd name="connsiteY6" fmla="*/ 2472117 h 3032924"/>
+              <a:gd name="connsiteX7" fmla="*/ 1663394 w 3239999"/>
+              <a:gd name="connsiteY7" fmla="*/ 2765302 h 3032924"/>
+              <a:gd name="connsiteX8" fmla="*/ 1663394 w 3239999"/>
+              <a:gd name="connsiteY8" fmla="*/ 526981 h 3032924"/>
+              <a:gd name="connsiteX9" fmla="*/ 1663394 w 3239999"/>
+              <a:gd name="connsiteY9" fmla="*/ 430441 h 3032924"/>
+              <a:gd name="connsiteX10" fmla="*/ 1663394 w 3239999"/>
+              <a:gd name="connsiteY10" fmla="*/ 402054 h 3032924"/>
+              <a:gd name="connsiteX11" fmla="*/ 2406065 w 3239999"/>
+              <a:gd name="connsiteY11" fmla="*/ 22 h 3032924"/>
+              <a:gd name="connsiteX12" fmla="*/ 2853673 w 3239999"/>
+              <a:gd name="connsiteY12" fmla="*/ 91100 h 3032924"/>
+              <a:gd name="connsiteX13" fmla="*/ 2854770 w 3239999"/>
+              <a:gd name="connsiteY13" fmla="*/ 430441 h 3032924"/>
+              <a:gd name="connsiteX14" fmla="*/ 3120669 w 3239999"/>
+              <a:gd name="connsiteY14" fmla="*/ 428517 h 3032924"/>
+              <a:gd name="connsiteX15" fmla="*/ 3120669 w 3239999"/>
+              <a:gd name="connsiteY15" fmla="*/ 738345 h 3032924"/>
+              <a:gd name="connsiteX16" fmla="*/ 3239999 w 3239999"/>
+              <a:gd name="connsiteY16" fmla="*/ 738345 h 3032924"/>
+              <a:gd name="connsiteX17" fmla="*/ 3239999 w 3239999"/>
+              <a:gd name="connsiteY17" fmla="*/ 3032924 h 3032924"/>
+              <a:gd name="connsiteX18" fmla="*/ 0 w 3239999"/>
+              <a:gd name="connsiteY18" fmla="*/ 3032924 h 3032924"/>
+              <a:gd name="connsiteX19" fmla="*/ 0 w 3239999"/>
+              <a:gd name="connsiteY19" fmla="*/ 738345 h 3032924"/>
+              <a:gd name="connsiteX20" fmla="*/ 102477 w 3239999"/>
+              <a:gd name="connsiteY20" fmla="*/ 738345 h 3032924"/>
+              <a:gd name="connsiteX21" fmla="*/ 102477 w 3239999"/>
+              <a:gd name="connsiteY21" fmla="*/ 428517 h 3032924"/>
+              <a:gd name="connsiteX22" fmla="*/ 385229 w 3239999"/>
+              <a:gd name="connsiteY22" fmla="*/ 430441 h 3032924"/>
+              <a:gd name="connsiteX23" fmla="*/ 386326 w 3239999"/>
+              <a:gd name="connsiteY23" fmla="*/ 91100 h 3032924"/>
+              <a:gd name="connsiteX24" fmla="*/ 833935 w 3239999"/>
+              <a:gd name="connsiteY24" fmla="*/ 22 h 3032924"/>
+              <a:gd name="connsiteX25" fmla="*/ 1576606 w 3239999"/>
+              <a:gd name="connsiteY25" fmla="*/ 402054 h 3032924"/>
+              <a:gd name="connsiteX26" fmla="*/ 1576606 w 3239999"/>
+              <a:gd name="connsiteY26" fmla="*/ 430441 h 3032924"/>
+              <a:gd name="connsiteX27" fmla="*/ 1576606 w 3239999"/>
+              <a:gd name="connsiteY27" fmla="*/ 526981 h 3032924"/>
+              <a:gd name="connsiteX28" fmla="*/ 1576606 w 3239999"/>
+              <a:gd name="connsiteY28" fmla="*/ 2765302 h 3032924"/>
+              <a:gd name="connsiteX29" fmla="*/ 378630 w 3239999"/>
+              <a:gd name="connsiteY29" fmla="*/ 2472117 h 3032924"/>
+              <a:gd name="connsiteX30" fmla="*/ 384918 w 3239999"/>
+              <a:gd name="connsiteY30" fmla="*/ 526981 h 3032924"/>
+              <a:gd name="connsiteX31" fmla="*/ 239143 w 3239999"/>
+              <a:gd name="connsiteY31" fmla="*/ 526981 h 3032924"/>
+              <a:gd name="connsiteX32" fmla="*/ 239143 w 3239999"/>
+              <a:gd name="connsiteY32" fmla="*/ 2776423 h 3032924"/>
+              <a:gd name="connsiteX33" fmla="*/ 1576606 w 3239999"/>
+              <a:gd name="connsiteY33" fmla="*/ 2776423 h 3032924"/>
+              <a:gd name="connsiteX34" fmla="*/ 1668046 w 3239999"/>
+              <a:gd name="connsiteY34" fmla="*/ 2869642 h 3032924"/>
+              <a:gd name="connsiteX0" fmla="*/ 1576606 w 3239999"/>
+              <a:gd name="connsiteY0" fmla="*/ 2778202 h 3032924"/>
+              <a:gd name="connsiteX1" fmla="*/ 1663394 w 3239999"/>
+              <a:gd name="connsiteY1" fmla="*/ 2778202 h 3032924"/>
+              <a:gd name="connsiteX2" fmla="*/ 1663394 w 3239999"/>
+              <a:gd name="connsiteY2" fmla="*/ 2776423 h 3032924"/>
+              <a:gd name="connsiteX3" fmla="*/ 3000856 w 3239999"/>
+              <a:gd name="connsiteY3" fmla="*/ 2776423 h 3032924"/>
+              <a:gd name="connsiteX4" fmla="*/ 3000856 w 3239999"/>
+              <a:gd name="connsiteY4" fmla="*/ 526981 h 3032924"/>
+              <a:gd name="connsiteX5" fmla="*/ 2855082 w 3239999"/>
+              <a:gd name="connsiteY5" fmla="*/ 526981 h 3032924"/>
+              <a:gd name="connsiteX6" fmla="*/ 2861369 w 3239999"/>
+              <a:gd name="connsiteY6" fmla="*/ 2472117 h 3032924"/>
+              <a:gd name="connsiteX7" fmla="*/ 1663394 w 3239999"/>
+              <a:gd name="connsiteY7" fmla="*/ 2765302 h 3032924"/>
+              <a:gd name="connsiteX8" fmla="*/ 1663394 w 3239999"/>
+              <a:gd name="connsiteY8" fmla="*/ 526981 h 3032924"/>
+              <a:gd name="connsiteX9" fmla="*/ 1663394 w 3239999"/>
+              <a:gd name="connsiteY9" fmla="*/ 430441 h 3032924"/>
+              <a:gd name="connsiteX10" fmla="*/ 1663394 w 3239999"/>
+              <a:gd name="connsiteY10" fmla="*/ 402054 h 3032924"/>
+              <a:gd name="connsiteX11" fmla="*/ 2406065 w 3239999"/>
+              <a:gd name="connsiteY11" fmla="*/ 22 h 3032924"/>
+              <a:gd name="connsiteX12" fmla="*/ 2853673 w 3239999"/>
+              <a:gd name="connsiteY12" fmla="*/ 91100 h 3032924"/>
+              <a:gd name="connsiteX13" fmla="*/ 2854770 w 3239999"/>
+              <a:gd name="connsiteY13" fmla="*/ 430441 h 3032924"/>
+              <a:gd name="connsiteX14" fmla="*/ 3120669 w 3239999"/>
+              <a:gd name="connsiteY14" fmla="*/ 428517 h 3032924"/>
+              <a:gd name="connsiteX15" fmla="*/ 3120669 w 3239999"/>
+              <a:gd name="connsiteY15" fmla="*/ 738345 h 3032924"/>
+              <a:gd name="connsiteX16" fmla="*/ 3239999 w 3239999"/>
+              <a:gd name="connsiteY16" fmla="*/ 738345 h 3032924"/>
+              <a:gd name="connsiteX17" fmla="*/ 3239999 w 3239999"/>
+              <a:gd name="connsiteY17" fmla="*/ 3032924 h 3032924"/>
+              <a:gd name="connsiteX18" fmla="*/ 0 w 3239999"/>
+              <a:gd name="connsiteY18" fmla="*/ 3032924 h 3032924"/>
+              <a:gd name="connsiteX19" fmla="*/ 0 w 3239999"/>
+              <a:gd name="connsiteY19" fmla="*/ 738345 h 3032924"/>
+              <a:gd name="connsiteX20" fmla="*/ 102477 w 3239999"/>
+              <a:gd name="connsiteY20" fmla="*/ 738345 h 3032924"/>
+              <a:gd name="connsiteX21" fmla="*/ 102477 w 3239999"/>
+              <a:gd name="connsiteY21" fmla="*/ 428517 h 3032924"/>
+              <a:gd name="connsiteX22" fmla="*/ 385229 w 3239999"/>
+              <a:gd name="connsiteY22" fmla="*/ 430441 h 3032924"/>
+              <a:gd name="connsiteX23" fmla="*/ 386326 w 3239999"/>
+              <a:gd name="connsiteY23" fmla="*/ 91100 h 3032924"/>
+              <a:gd name="connsiteX24" fmla="*/ 833935 w 3239999"/>
+              <a:gd name="connsiteY24" fmla="*/ 22 h 3032924"/>
+              <a:gd name="connsiteX25" fmla="*/ 1576606 w 3239999"/>
+              <a:gd name="connsiteY25" fmla="*/ 402054 h 3032924"/>
+              <a:gd name="connsiteX26" fmla="*/ 1576606 w 3239999"/>
+              <a:gd name="connsiteY26" fmla="*/ 430441 h 3032924"/>
+              <a:gd name="connsiteX27" fmla="*/ 1576606 w 3239999"/>
+              <a:gd name="connsiteY27" fmla="*/ 526981 h 3032924"/>
+              <a:gd name="connsiteX28" fmla="*/ 1576606 w 3239999"/>
+              <a:gd name="connsiteY28" fmla="*/ 2765302 h 3032924"/>
+              <a:gd name="connsiteX29" fmla="*/ 378630 w 3239999"/>
+              <a:gd name="connsiteY29" fmla="*/ 2472117 h 3032924"/>
+              <a:gd name="connsiteX30" fmla="*/ 384918 w 3239999"/>
+              <a:gd name="connsiteY30" fmla="*/ 526981 h 3032924"/>
+              <a:gd name="connsiteX31" fmla="*/ 239143 w 3239999"/>
+              <a:gd name="connsiteY31" fmla="*/ 526981 h 3032924"/>
+              <a:gd name="connsiteX32" fmla="*/ 239143 w 3239999"/>
+              <a:gd name="connsiteY32" fmla="*/ 2776423 h 3032924"/>
+              <a:gd name="connsiteX33" fmla="*/ 1576606 w 3239999"/>
+              <a:gd name="connsiteY33" fmla="*/ 2776423 h 3032924"/>
+              <a:gd name="connsiteX0" fmla="*/ 1576606 w 3239999"/>
+              <a:gd name="connsiteY0" fmla="*/ 2778202 h 3032924"/>
+              <a:gd name="connsiteX1" fmla="*/ 1663394 w 3239999"/>
+              <a:gd name="connsiteY1" fmla="*/ 2778202 h 3032924"/>
+              <a:gd name="connsiteX2" fmla="*/ 1663394 w 3239999"/>
+              <a:gd name="connsiteY2" fmla="*/ 2776423 h 3032924"/>
+              <a:gd name="connsiteX3" fmla="*/ 3000856 w 3239999"/>
+              <a:gd name="connsiteY3" fmla="*/ 2776423 h 3032924"/>
+              <a:gd name="connsiteX4" fmla="*/ 3000856 w 3239999"/>
+              <a:gd name="connsiteY4" fmla="*/ 526981 h 3032924"/>
+              <a:gd name="connsiteX5" fmla="*/ 2855082 w 3239999"/>
+              <a:gd name="connsiteY5" fmla="*/ 526981 h 3032924"/>
+              <a:gd name="connsiteX6" fmla="*/ 2861369 w 3239999"/>
+              <a:gd name="connsiteY6" fmla="*/ 2472117 h 3032924"/>
+              <a:gd name="connsiteX7" fmla="*/ 1663394 w 3239999"/>
+              <a:gd name="connsiteY7" fmla="*/ 2765302 h 3032924"/>
+              <a:gd name="connsiteX8" fmla="*/ 1663394 w 3239999"/>
+              <a:gd name="connsiteY8" fmla="*/ 526981 h 3032924"/>
+              <a:gd name="connsiteX9" fmla="*/ 1663394 w 3239999"/>
+              <a:gd name="connsiteY9" fmla="*/ 430441 h 3032924"/>
+              <a:gd name="connsiteX10" fmla="*/ 1663394 w 3239999"/>
+              <a:gd name="connsiteY10" fmla="*/ 402054 h 3032924"/>
+              <a:gd name="connsiteX11" fmla="*/ 2406065 w 3239999"/>
+              <a:gd name="connsiteY11" fmla="*/ 22 h 3032924"/>
+              <a:gd name="connsiteX12" fmla="*/ 2853673 w 3239999"/>
+              <a:gd name="connsiteY12" fmla="*/ 91100 h 3032924"/>
+              <a:gd name="connsiteX13" fmla="*/ 2854770 w 3239999"/>
+              <a:gd name="connsiteY13" fmla="*/ 430441 h 3032924"/>
+              <a:gd name="connsiteX14" fmla="*/ 3120669 w 3239999"/>
+              <a:gd name="connsiteY14" fmla="*/ 428517 h 3032924"/>
+              <a:gd name="connsiteX15" fmla="*/ 3120669 w 3239999"/>
+              <a:gd name="connsiteY15" fmla="*/ 738345 h 3032924"/>
+              <a:gd name="connsiteX16" fmla="*/ 3239999 w 3239999"/>
+              <a:gd name="connsiteY16" fmla="*/ 738345 h 3032924"/>
+              <a:gd name="connsiteX17" fmla="*/ 3239999 w 3239999"/>
+              <a:gd name="connsiteY17" fmla="*/ 3032924 h 3032924"/>
+              <a:gd name="connsiteX18" fmla="*/ 0 w 3239999"/>
+              <a:gd name="connsiteY18" fmla="*/ 3032924 h 3032924"/>
+              <a:gd name="connsiteX19" fmla="*/ 0 w 3239999"/>
+              <a:gd name="connsiteY19" fmla="*/ 738345 h 3032924"/>
+              <a:gd name="connsiteX20" fmla="*/ 102477 w 3239999"/>
+              <a:gd name="connsiteY20" fmla="*/ 738345 h 3032924"/>
+              <a:gd name="connsiteX21" fmla="*/ 102477 w 3239999"/>
+              <a:gd name="connsiteY21" fmla="*/ 428517 h 3032924"/>
+              <a:gd name="connsiteX22" fmla="*/ 385229 w 3239999"/>
+              <a:gd name="connsiteY22" fmla="*/ 430441 h 3032924"/>
+              <a:gd name="connsiteX23" fmla="*/ 386326 w 3239999"/>
+              <a:gd name="connsiteY23" fmla="*/ 91100 h 3032924"/>
+              <a:gd name="connsiteX24" fmla="*/ 833935 w 3239999"/>
+              <a:gd name="connsiteY24" fmla="*/ 22 h 3032924"/>
+              <a:gd name="connsiteX25" fmla="*/ 1576606 w 3239999"/>
+              <a:gd name="connsiteY25" fmla="*/ 402054 h 3032924"/>
+              <a:gd name="connsiteX26" fmla="*/ 1576606 w 3239999"/>
+              <a:gd name="connsiteY26" fmla="*/ 430441 h 3032924"/>
+              <a:gd name="connsiteX27" fmla="*/ 1576606 w 3239999"/>
+              <a:gd name="connsiteY27" fmla="*/ 526981 h 3032924"/>
+              <a:gd name="connsiteX28" fmla="*/ 1576606 w 3239999"/>
+              <a:gd name="connsiteY28" fmla="*/ 2765302 h 3032924"/>
+              <a:gd name="connsiteX29" fmla="*/ 378630 w 3239999"/>
+              <a:gd name="connsiteY29" fmla="*/ 2472117 h 3032924"/>
+              <a:gd name="connsiteX30" fmla="*/ 384918 w 3239999"/>
+              <a:gd name="connsiteY30" fmla="*/ 526981 h 3032924"/>
+              <a:gd name="connsiteX31" fmla="*/ 239143 w 3239999"/>
+              <a:gd name="connsiteY31" fmla="*/ 526981 h 3032924"/>
+              <a:gd name="connsiteX32" fmla="*/ 239143 w 3239999"/>
+              <a:gd name="connsiteY32" fmla="*/ 2776423 h 3032924"/>
+              <a:gd name="connsiteX33" fmla="*/ 1576606 w 3239999"/>
+              <a:gd name="connsiteY33" fmla="*/ 2776423 h 3032924"/>
+              <a:gd name="connsiteX0" fmla="*/ 1576606 w 3239999"/>
+              <a:gd name="connsiteY0" fmla="*/ 2778202 h 3032924"/>
+              <a:gd name="connsiteX1" fmla="*/ 1663394 w 3239999"/>
+              <a:gd name="connsiteY1" fmla="*/ 2778202 h 3032924"/>
+              <a:gd name="connsiteX2" fmla="*/ 1663394 w 3239999"/>
+              <a:gd name="connsiteY2" fmla="*/ 2776423 h 3032924"/>
+              <a:gd name="connsiteX3" fmla="*/ 3000856 w 3239999"/>
+              <a:gd name="connsiteY3" fmla="*/ 2776423 h 3032924"/>
+              <a:gd name="connsiteX4" fmla="*/ 3000856 w 3239999"/>
+              <a:gd name="connsiteY4" fmla="*/ 526981 h 3032924"/>
+              <a:gd name="connsiteX5" fmla="*/ 2855082 w 3239999"/>
+              <a:gd name="connsiteY5" fmla="*/ 526981 h 3032924"/>
+              <a:gd name="connsiteX6" fmla="*/ 2861369 w 3239999"/>
+              <a:gd name="connsiteY6" fmla="*/ 2472117 h 3032924"/>
+              <a:gd name="connsiteX7" fmla="*/ 1663394 w 3239999"/>
+              <a:gd name="connsiteY7" fmla="*/ 2765302 h 3032924"/>
+              <a:gd name="connsiteX8" fmla="*/ 1663394 w 3239999"/>
+              <a:gd name="connsiteY8" fmla="*/ 526981 h 3032924"/>
+              <a:gd name="connsiteX9" fmla="*/ 1663394 w 3239999"/>
+              <a:gd name="connsiteY9" fmla="*/ 430441 h 3032924"/>
+              <a:gd name="connsiteX10" fmla="*/ 1663394 w 3239999"/>
+              <a:gd name="connsiteY10" fmla="*/ 402054 h 3032924"/>
+              <a:gd name="connsiteX11" fmla="*/ 2406065 w 3239999"/>
+              <a:gd name="connsiteY11" fmla="*/ 22 h 3032924"/>
+              <a:gd name="connsiteX12" fmla="*/ 2853673 w 3239999"/>
+              <a:gd name="connsiteY12" fmla="*/ 91100 h 3032924"/>
+              <a:gd name="connsiteX13" fmla="*/ 2854770 w 3239999"/>
+              <a:gd name="connsiteY13" fmla="*/ 430441 h 3032924"/>
+              <a:gd name="connsiteX14" fmla="*/ 3120669 w 3239999"/>
+              <a:gd name="connsiteY14" fmla="*/ 428517 h 3032924"/>
+              <a:gd name="connsiteX15" fmla="*/ 3120669 w 3239999"/>
+              <a:gd name="connsiteY15" fmla="*/ 738345 h 3032924"/>
+              <a:gd name="connsiteX16" fmla="*/ 3239999 w 3239999"/>
+              <a:gd name="connsiteY16" fmla="*/ 738345 h 3032924"/>
+              <a:gd name="connsiteX17" fmla="*/ 3239999 w 3239999"/>
+              <a:gd name="connsiteY17" fmla="*/ 3032924 h 3032924"/>
+              <a:gd name="connsiteX18" fmla="*/ 0 w 3239999"/>
+              <a:gd name="connsiteY18" fmla="*/ 3032924 h 3032924"/>
+              <a:gd name="connsiteX19" fmla="*/ 0 w 3239999"/>
+              <a:gd name="connsiteY19" fmla="*/ 738345 h 3032924"/>
+              <a:gd name="connsiteX20" fmla="*/ 102477 w 3239999"/>
+              <a:gd name="connsiteY20" fmla="*/ 738345 h 3032924"/>
+              <a:gd name="connsiteX21" fmla="*/ 102477 w 3239999"/>
+              <a:gd name="connsiteY21" fmla="*/ 428517 h 3032924"/>
+              <a:gd name="connsiteX22" fmla="*/ 385229 w 3239999"/>
+              <a:gd name="connsiteY22" fmla="*/ 430441 h 3032924"/>
+              <a:gd name="connsiteX23" fmla="*/ 386326 w 3239999"/>
+              <a:gd name="connsiteY23" fmla="*/ 91100 h 3032924"/>
+              <a:gd name="connsiteX24" fmla="*/ 833935 w 3239999"/>
+              <a:gd name="connsiteY24" fmla="*/ 22 h 3032924"/>
+              <a:gd name="connsiteX25" fmla="*/ 1576606 w 3239999"/>
+              <a:gd name="connsiteY25" fmla="*/ 402054 h 3032924"/>
+              <a:gd name="connsiteX26" fmla="*/ 1576606 w 3239999"/>
+              <a:gd name="connsiteY26" fmla="*/ 430441 h 3032924"/>
+              <a:gd name="connsiteX27" fmla="*/ 1576606 w 3239999"/>
+              <a:gd name="connsiteY27" fmla="*/ 526981 h 3032924"/>
+              <a:gd name="connsiteX28" fmla="*/ 1576606 w 3239999"/>
+              <a:gd name="connsiteY28" fmla="*/ 2765302 h 3032924"/>
+              <a:gd name="connsiteX29" fmla="*/ 378630 w 3239999"/>
+              <a:gd name="connsiteY29" fmla="*/ 2472117 h 3032924"/>
+              <a:gd name="connsiteX30" fmla="*/ 384918 w 3239999"/>
+              <a:gd name="connsiteY30" fmla="*/ 526981 h 3032924"/>
+              <a:gd name="connsiteX31" fmla="*/ 239143 w 3239999"/>
+              <a:gd name="connsiteY31" fmla="*/ 526981 h 3032924"/>
+              <a:gd name="connsiteX32" fmla="*/ 239143 w 3239999"/>
+              <a:gd name="connsiteY32" fmla="*/ 2776423 h 3032924"/>
+              <a:gd name="connsiteX33" fmla="*/ 1576606 w 3239999"/>
+              <a:gd name="connsiteY33" fmla="*/ 2776423 h 3032924"/>
+              <a:gd name="connsiteX0" fmla="*/ 1576606 w 3239999"/>
+              <a:gd name="connsiteY0" fmla="*/ 2778202 h 3032924"/>
+              <a:gd name="connsiteX1" fmla="*/ 1663394 w 3239999"/>
+              <a:gd name="connsiteY1" fmla="*/ 2778202 h 3032924"/>
+              <a:gd name="connsiteX2" fmla="*/ 1663394 w 3239999"/>
+              <a:gd name="connsiteY2" fmla="*/ 2776423 h 3032924"/>
+              <a:gd name="connsiteX3" fmla="*/ 3000856 w 3239999"/>
+              <a:gd name="connsiteY3" fmla="*/ 2776423 h 3032924"/>
+              <a:gd name="connsiteX4" fmla="*/ 3000856 w 3239999"/>
+              <a:gd name="connsiteY4" fmla="*/ 526981 h 3032924"/>
+              <a:gd name="connsiteX5" fmla="*/ 2855082 w 3239999"/>
+              <a:gd name="connsiteY5" fmla="*/ 526981 h 3032924"/>
+              <a:gd name="connsiteX6" fmla="*/ 2861369 w 3239999"/>
+              <a:gd name="connsiteY6" fmla="*/ 2472117 h 3032924"/>
+              <a:gd name="connsiteX7" fmla="*/ 1663394 w 3239999"/>
+              <a:gd name="connsiteY7" fmla="*/ 2765302 h 3032924"/>
+              <a:gd name="connsiteX8" fmla="*/ 1663394 w 3239999"/>
+              <a:gd name="connsiteY8" fmla="*/ 526981 h 3032924"/>
+              <a:gd name="connsiteX9" fmla="*/ 1663394 w 3239999"/>
+              <a:gd name="connsiteY9" fmla="*/ 430441 h 3032924"/>
+              <a:gd name="connsiteX10" fmla="*/ 1663394 w 3239999"/>
+              <a:gd name="connsiteY10" fmla="*/ 402054 h 3032924"/>
+              <a:gd name="connsiteX11" fmla="*/ 2406065 w 3239999"/>
+              <a:gd name="connsiteY11" fmla="*/ 22 h 3032924"/>
+              <a:gd name="connsiteX12" fmla="*/ 2853673 w 3239999"/>
+              <a:gd name="connsiteY12" fmla="*/ 91100 h 3032924"/>
+              <a:gd name="connsiteX13" fmla="*/ 2854770 w 3239999"/>
+              <a:gd name="connsiteY13" fmla="*/ 430441 h 3032924"/>
+              <a:gd name="connsiteX14" fmla="*/ 3120669 w 3239999"/>
+              <a:gd name="connsiteY14" fmla="*/ 428517 h 3032924"/>
+              <a:gd name="connsiteX15" fmla="*/ 3120669 w 3239999"/>
+              <a:gd name="connsiteY15" fmla="*/ 738345 h 3032924"/>
+              <a:gd name="connsiteX16" fmla="*/ 3239999 w 3239999"/>
+              <a:gd name="connsiteY16" fmla="*/ 738345 h 3032924"/>
+              <a:gd name="connsiteX17" fmla="*/ 3239999 w 3239999"/>
+              <a:gd name="connsiteY17" fmla="*/ 3032924 h 3032924"/>
+              <a:gd name="connsiteX18" fmla="*/ 0 w 3239999"/>
+              <a:gd name="connsiteY18" fmla="*/ 3032924 h 3032924"/>
+              <a:gd name="connsiteX19" fmla="*/ 0 w 3239999"/>
+              <a:gd name="connsiteY19" fmla="*/ 738345 h 3032924"/>
+              <a:gd name="connsiteX20" fmla="*/ 102477 w 3239999"/>
+              <a:gd name="connsiteY20" fmla="*/ 738345 h 3032924"/>
+              <a:gd name="connsiteX21" fmla="*/ 102477 w 3239999"/>
+              <a:gd name="connsiteY21" fmla="*/ 428517 h 3032924"/>
+              <a:gd name="connsiteX22" fmla="*/ 385229 w 3239999"/>
+              <a:gd name="connsiteY22" fmla="*/ 430441 h 3032924"/>
+              <a:gd name="connsiteX23" fmla="*/ 386326 w 3239999"/>
+              <a:gd name="connsiteY23" fmla="*/ 91100 h 3032924"/>
+              <a:gd name="connsiteX24" fmla="*/ 833935 w 3239999"/>
+              <a:gd name="connsiteY24" fmla="*/ 22 h 3032924"/>
+              <a:gd name="connsiteX25" fmla="*/ 1576606 w 3239999"/>
+              <a:gd name="connsiteY25" fmla="*/ 402054 h 3032924"/>
+              <a:gd name="connsiteX26" fmla="*/ 1576606 w 3239999"/>
+              <a:gd name="connsiteY26" fmla="*/ 430441 h 3032924"/>
+              <a:gd name="connsiteX27" fmla="*/ 1576606 w 3239999"/>
+              <a:gd name="connsiteY27" fmla="*/ 526981 h 3032924"/>
+              <a:gd name="connsiteX28" fmla="*/ 1576606 w 3239999"/>
+              <a:gd name="connsiteY28" fmla="*/ 2765302 h 3032924"/>
+              <a:gd name="connsiteX29" fmla="*/ 378630 w 3239999"/>
+              <a:gd name="connsiteY29" fmla="*/ 2472117 h 3032924"/>
+              <a:gd name="connsiteX30" fmla="*/ 384918 w 3239999"/>
+              <a:gd name="connsiteY30" fmla="*/ 526981 h 3032924"/>
+              <a:gd name="connsiteX31" fmla="*/ 239143 w 3239999"/>
+              <a:gd name="connsiteY31" fmla="*/ 526981 h 3032924"/>
+              <a:gd name="connsiteX32" fmla="*/ 239143 w 3239999"/>
+              <a:gd name="connsiteY32" fmla="*/ 2776423 h 3032924"/>
+              <a:gd name="connsiteX33" fmla="*/ 1576606 w 3239999"/>
+              <a:gd name="connsiteY33" fmla="*/ 2776423 h 3032924"/>
+              <a:gd name="connsiteX0" fmla="*/ 1576606 w 3239999"/>
+              <a:gd name="connsiteY0" fmla="*/ 2778202 h 3032924"/>
+              <a:gd name="connsiteX1" fmla="*/ 1663394 w 3239999"/>
+              <a:gd name="connsiteY1" fmla="*/ 2778202 h 3032924"/>
+              <a:gd name="connsiteX2" fmla="*/ 1663394 w 3239999"/>
+              <a:gd name="connsiteY2" fmla="*/ 2776423 h 3032924"/>
+              <a:gd name="connsiteX3" fmla="*/ 3000856 w 3239999"/>
+              <a:gd name="connsiteY3" fmla="*/ 2776423 h 3032924"/>
+              <a:gd name="connsiteX4" fmla="*/ 3000856 w 3239999"/>
+              <a:gd name="connsiteY4" fmla="*/ 526981 h 3032924"/>
+              <a:gd name="connsiteX5" fmla="*/ 2855082 w 3239999"/>
+              <a:gd name="connsiteY5" fmla="*/ 526981 h 3032924"/>
+              <a:gd name="connsiteX6" fmla="*/ 2861369 w 3239999"/>
+              <a:gd name="connsiteY6" fmla="*/ 2472117 h 3032924"/>
+              <a:gd name="connsiteX7" fmla="*/ 1663394 w 3239999"/>
+              <a:gd name="connsiteY7" fmla="*/ 2765302 h 3032924"/>
+              <a:gd name="connsiteX8" fmla="*/ 1663394 w 3239999"/>
+              <a:gd name="connsiteY8" fmla="*/ 526981 h 3032924"/>
+              <a:gd name="connsiteX9" fmla="*/ 1663394 w 3239999"/>
+              <a:gd name="connsiteY9" fmla="*/ 430441 h 3032924"/>
+              <a:gd name="connsiteX10" fmla="*/ 1663394 w 3239999"/>
+              <a:gd name="connsiteY10" fmla="*/ 402054 h 3032924"/>
+              <a:gd name="connsiteX11" fmla="*/ 2406065 w 3239999"/>
+              <a:gd name="connsiteY11" fmla="*/ 22 h 3032924"/>
+              <a:gd name="connsiteX12" fmla="*/ 2853673 w 3239999"/>
+              <a:gd name="connsiteY12" fmla="*/ 91100 h 3032924"/>
+              <a:gd name="connsiteX13" fmla="*/ 2854770 w 3239999"/>
+              <a:gd name="connsiteY13" fmla="*/ 430441 h 3032924"/>
+              <a:gd name="connsiteX14" fmla="*/ 3120669 w 3239999"/>
+              <a:gd name="connsiteY14" fmla="*/ 428517 h 3032924"/>
+              <a:gd name="connsiteX15" fmla="*/ 3120669 w 3239999"/>
+              <a:gd name="connsiteY15" fmla="*/ 738345 h 3032924"/>
+              <a:gd name="connsiteX16" fmla="*/ 3239999 w 3239999"/>
+              <a:gd name="connsiteY16" fmla="*/ 738345 h 3032924"/>
+              <a:gd name="connsiteX17" fmla="*/ 3239999 w 3239999"/>
+              <a:gd name="connsiteY17" fmla="*/ 3032924 h 3032924"/>
+              <a:gd name="connsiteX18" fmla="*/ 0 w 3239999"/>
+              <a:gd name="connsiteY18" fmla="*/ 3032924 h 3032924"/>
+              <a:gd name="connsiteX19" fmla="*/ 0 w 3239999"/>
+              <a:gd name="connsiteY19" fmla="*/ 738345 h 3032924"/>
+              <a:gd name="connsiteX20" fmla="*/ 102477 w 3239999"/>
+              <a:gd name="connsiteY20" fmla="*/ 738345 h 3032924"/>
+              <a:gd name="connsiteX21" fmla="*/ 102477 w 3239999"/>
+              <a:gd name="connsiteY21" fmla="*/ 428517 h 3032924"/>
+              <a:gd name="connsiteX22" fmla="*/ 385229 w 3239999"/>
+              <a:gd name="connsiteY22" fmla="*/ 430441 h 3032924"/>
+              <a:gd name="connsiteX23" fmla="*/ 386326 w 3239999"/>
+              <a:gd name="connsiteY23" fmla="*/ 91100 h 3032924"/>
+              <a:gd name="connsiteX24" fmla="*/ 833935 w 3239999"/>
+              <a:gd name="connsiteY24" fmla="*/ 22 h 3032924"/>
+              <a:gd name="connsiteX25" fmla="*/ 1576606 w 3239999"/>
+              <a:gd name="connsiteY25" fmla="*/ 402054 h 3032924"/>
+              <a:gd name="connsiteX26" fmla="*/ 1576606 w 3239999"/>
+              <a:gd name="connsiteY26" fmla="*/ 430441 h 3032924"/>
+              <a:gd name="connsiteX27" fmla="*/ 1576606 w 3239999"/>
+              <a:gd name="connsiteY27" fmla="*/ 526981 h 3032924"/>
+              <a:gd name="connsiteX28" fmla="*/ 1576606 w 3239999"/>
+              <a:gd name="connsiteY28" fmla="*/ 2765302 h 3032924"/>
+              <a:gd name="connsiteX29" fmla="*/ 378630 w 3239999"/>
+              <a:gd name="connsiteY29" fmla="*/ 2472117 h 3032924"/>
+              <a:gd name="connsiteX30" fmla="*/ 384918 w 3239999"/>
+              <a:gd name="connsiteY30" fmla="*/ 526981 h 3032924"/>
+              <a:gd name="connsiteX31" fmla="*/ 239143 w 3239999"/>
+              <a:gd name="connsiteY31" fmla="*/ 526981 h 3032924"/>
+              <a:gd name="connsiteX32" fmla="*/ 229618 w 3239999"/>
+              <a:gd name="connsiteY32" fmla="*/ 2690698 h 3032924"/>
+              <a:gd name="connsiteX33" fmla="*/ 1576606 w 3239999"/>
+              <a:gd name="connsiteY33" fmla="*/ 2776423 h 3032924"/>
+              <a:gd name="connsiteX0" fmla="*/ 1576606 w 3239999"/>
+              <a:gd name="connsiteY0" fmla="*/ 2778202 h 3032924"/>
+              <a:gd name="connsiteX1" fmla="*/ 1663394 w 3239999"/>
+              <a:gd name="connsiteY1" fmla="*/ 2778202 h 3032924"/>
+              <a:gd name="connsiteX2" fmla="*/ 1663394 w 3239999"/>
+              <a:gd name="connsiteY2" fmla="*/ 2776423 h 3032924"/>
+              <a:gd name="connsiteX3" fmla="*/ 2991331 w 3239999"/>
+              <a:gd name="connsiteY3" fmla="*/ 2709748 h 3032924"/>
+              <a:gd name="connsiteX4" fmla="*/ 3000856 w 3239999"/>
+              <a:gd name="connsiteY4" fmla="*/ 526981 h 3032924"/>
+              <a:gd name="connsiteX5" fmla="*/ 2855082 w 3239999"/>
+              <a:gd name="connsiteY5" fmla="*/ 526981 h 3032924"/>
+              <a:gd name="connsiteX6" fmla="*/ 2861369 w 3239999"/>
+              <a:gd name="connsiteY6" fmla="*/ 2472117 h 3032924"/>
+              <a:gd name="connsiteX7" fmla="*/ 1663394 w 3239999"/>
+              <a:gd name="connsiteY7" fmla="*/ 2765302 h 3032924"/>
+              <a:gd name="connsiteX8" fmla="*/ 1663394 w 3239999"/>
+              <a:gd name="connsiteY8" fmla="*/ 526981 h 3032924"/>
+              <a:gd name="connsiteX9" fmla="*/ 1663394 w 3239999"/>
+              <a:gd name="connsiteY9" fmla="*/ 430441 h 3032924"/>
+              <a:gd name="connsiteX10" fmla="*/ 1663394 w 3239999"/>
+              <a:gd name="connsiteY10" fmla="*/ 402054 h 3032924"/>
+              <a:gd name="connsiteX11" fmla="*/ 2406065 w 3239999"/>
+              <a:gd name="connsiteY11" fmla="*/ 22 h 3032924"/>
+              <a:gd name="connsiteX12" fmla="*/ 2853673 w 3239999"/>
+              <a:gd name="connsiteY12" fmla="*/ 91100 h 3032924"/>
+              <a:gd name="connsiteX13" fmla="*/ 2854770 w 3239999"/>
+              <a:gd name="connsiteY13" fmla="*/ 430441 h 3032924"/>
+              <a:gd name="connsiteX14" fmla="*/ 3120669 w 3239999"/>
+              <a:gd name="connsiteY14" fmla="*/ 428517 h 3032924"/>
+              <a:gd name="connsiteX15" fmla="*/ 3120669 w 3239999"/>
+              <a:gd name="connsiteY15" fmla="*/ 738345 h 3032924"/>
+              <a:gd name="connsiteX16" fmla="*/ 3239999 w 3239999"/>
+              <a:gd name="connsiteY16" fmla="*/ 738345 h 3032924"/>
+              <a:gd name="connsiteX17" fmla="*/ 3239999 w 3239999"/>
+              <a:gd name="connsiteY17" fmla="*/ 3032924 h 3032924"/>
+              <a:gd name="connsiteX18" fmla="*/ 0 w 3239999"/>
+              <a:gd name="connsiteY18" fmla="*/ 3032924 h 3032924"/>
+              <a:gd name="connsiteX19" fmla="*/ 0 w 3239999"/>
+              <a:gd name="connsiteY19" fmla="*/ 738345 h 3032924"/>
+              <a:gd name="connsiteX20" fmla="*/ 102477 w 3239999"/>
+              <a:gd name="connsiteY20" fmla="*/ 738345 h 3032924"/>
+              <a:gd name="connsiteX21" fmla="*/ 102477 w 3239999"/>
+              <a:gd name="connsiteY21" fmla="*/ 428517 h 3032924"/>
+              <a:gd name="connsiteX22" fmla="*/ 385229 w 3239999"/>
+              <a:gd name="connsiteY22" fmla="*/ 430441 h 3032924"/>
+              <a:gd name="connsiteX23" fmla="*/ 386326 w 3239999"/>
+              <a:gd name="connsiteY23" fmla="*/ 91100 h 3032924"/>
+              <a:gd name="connsiteX24" fmla="*/ 833935 w 3239999"/>
+              <a:gd name="connsiteY24" fmla="*/ 22 h 3032924"/>
+              <a:gd name="connsiteX25" fmla="*/ 1576606 w 3239999"/>
+              <a:gd name="connsiteY25" fmla="*/ 402054 h 3032924"/>
+              <a:gd name="connsiteX26" fmla="*/ 1576606 w 3239999"/>
+              <a:gd name="connsiteY26" fmla="*/ 430441 h 3032924"/>
+              <a:gd name="connsiteX27" fmla="*/ 1576606 w 3239999"/>
+              <a:gd name="connsiteY27" fmla="*/ 526981 h 3032924"/>
+              <a:gd name="connsiteX28" fmla="*/ 1576606 w 3239999"/>
+              <a:gd name="connsiteY28" fmla="*/ 2765302 h 3032924"/>
+              <a:gd name="connsiteX29" fmla="*/ 378630 w 3239999"/>
+              <a:gd name="connsiteY29" fmla="*/ 2472117 h 3032924"/>
+              <a:gd name="connsiteX30" fmla="*/ 384918 w 3239999"/>
+              <a:gd name="connsiteY30" fmla="*/ 526981 h 3032924"/>
+              <a:gd name="connsiteX31" fmla="*/ 239143 w 3239999"/>
+              <a:gd name="connsiteY31" fmla="*/ 526981 h 3032924"/>
+              <a:gd name="connsiteX32" fmla="*/ 229618 w 3239999"/>
+              <a:gd name="connsiteY32" fmla="*/ 2690698 h 3032924"/>
+              <a:gd name="connsiteX33" fmla="*/ 1576606 w 3239999"/>
+              <a:gd name="connsiteY33" fmla="*/ 2776423 h 3032924"/>
+            </a:gdLst>
+            <a:ahLst/>
+            <a:cxnLst>
+              <a:cxn ang="0">
+                <a:pos x="connsiteX0" y="connsiteY0"/>
+              </a:cxn>
+              <a:cxn ang="0">
+                <a:pos x="connsiteX1" y="connsiteY1"/>
+              </a:cxn>
+              <a:cxn ang="0">
+                <a:pos x="connsiteX2" y="connsiteY2"/>
+              </a:cxn>
+              <a:cxn ang="0">
+                <a:pos x="connsiteX3" y="connsiteY3"/>
+              </a:cxn>
+              <a:cxn ang="0">
+                <a:pos x="connsiteX4" y="connsiteY4"/>
+              </a:cxn>
+              <a:cxn ang="0">
+                <a:pos x="connsiteX5" y="connsiteY5"/>
+              </a:cxn>
+              <a:cxn ang="0">
+                <a:pos x="connsiteX6" y="connsiteY6"/>
+              </a:cxn>
+              <a:cxn ang="0">
+                <a:pos x="connsiteX7" y="connsiteY7"/>
+              </a:cxn>
+              <a:cxn ang="0">
+                <a:pos x="connsiteX8" y="connsiteY8"/>
+              </a:cxn>
+              <a:cxn ang="0">
+                <a:pos x="connsiteX9" y="connsiteY9"/>
+              </a:cxn>
+              <a:cxn ang="0">
+                <a:pos x="connsiteX10" y="connsiteY10"/>
+              </a:cxn>
+              <a:cxn ang="0">
+                <a:pos x="connsiteX11" y="connsiteY11"/>
+              </a:cxn>
+              <a:cxn ang="0">
+                <a:pos x="connsiteX12" y="connsiteY12"/>
+              </a:cxn>
+              <a:cxn ang="0">
+                <a:pos x="connsiteX13" y="connsiteY13"/>
+              </a:cxn>
+              <a:cxn ang="0">
+                <a:pos x="connsiteX14" y="connsiteY14"/>
+              </a:cxn>
+              <a:cxn ang="0">
+                <a:pos x="connsiteX15" y="connsiteY15"/>
+              </a:cxn>
+              <a:cxn ang="0">
+                <a:pos x="connsiteX16" y="connsiteY16"/>
+              </a:cxn>
+              <a:cxn ang="0">
+                <a:pos x="connsiteX17" y="connsiteY17"/>
+              </a:cxn>
+              <a:cxn ang="0">
+                <a:pos x="connsiteX18" y="connsiteY18"/>
+              </a:cxn>
+              <a:cxn ang="0">
+                <a:pos x="connsiteX19" y="connsiteY19"/>
+              </a:cxn>
+              <a:cxn ang="0">
+                <a:pos x="connsiteX20" y="connsiteY20"/>
+              </a:cxn>
+              <a:cxn ang="0">
+                <a:pos x="connsiteX21" y="connsiteY21"/>
+              </a:cxn>
+              <a:cxn ang="0">
+                <a:pos x="connsiteX22" y="connsiteY22"/>
+              </a:cxn>
+              <a:cxn ang="0">
+                <a:pos x="connsiteX23" y="connsiteY23"/>
+              </a:cxn>
+              <a:cxn ang="0">
+                <a:pos x="connsiteX24" y="connsiteY24"/>
+              </a:cxn>
+              <a:cxn ang="0">
+                <a:pos x="connsiteX25" y="connsiteY25"/>
+              </a:cxn>
+              <a:cxn ang="0">
+                <a:pos x="connsiteX26" y="connsiteY26"/>
+              </a:cxn>
+              <a:cxn ang="0">
+                <a:pos x="connsiteX27" y="connsiteY27"/>
+              </a:cxn>
+              <a:cxn ang="0">
+                <a:pos x="connsiteX28" y="connsiteY28"/>
+              </a:cxn>
+              <a:cxn ang="0">
+                <a:pos x="connsiteX29" y="connsiteY29"/>
+              </a:cxn>
+              <a:cxn ang="0">
+                <a:pos x="connsiteX30" y="connsiteY30"/>
+              </a:cxn>
+              <a:cxn ang="0">
+                <a:pos x="connsiteX31" y="connsiteY31"/>
+              </a:cxn>
+              <a:cxn ang="0">
+                <a:pos x="connsiteX32" y="connsiteY32"/>
+              </a:cxn>
+              <a:cxn ang="0">
+                <a:pos x="connsiteX33" y="connsiteY33"/>
+              </a:cxn>
+            </a:cxnLst>
+            <a:rect l="l" t="t" r="r" b="b"/>
+            <a:pathLst>
+              <a:path w="3239999" h="3032924">
+                <a:moveTo>
+                  <a:pt x="1576606" y="2778202"/>
+                </a:moveTo>
+                <a:cubicBezTo>
+                  <a:pt x="1576606" y="2778795"/>
+                  <a:pt x="1663394" y="2792670"/>
+                  <a:pt x="1663394" y="2778202"/>
+                </a:cubicBezTo>
+                <a:lnTo>
+                  <a:pt x="1663394" y="2776423"/>
+                </a:lnTo>
+                <a:cubicBezTo>
+                  <a:pt x="2185083" y="2605634"/>
+                  <a:pt x="2444552" y="2500589"/>
+                  <a:pt x="2991331" y="2709748"/>
+                </a:cubicBezTo>
+                <a:lnTo>
+                  <a:pt x="3000856" y="526981"/>
+                </a:lnTo>
+                <a:lnTo>
+                  <a:pt x="2855082" y="526981"/>
+                </a:lnTo>
+                <a:cubicBezTo>
+                  <a:pt x="2857178" y="1175360"/>
+                  <a:pt x="2859273" y="1823738"/>
+                  <a:pt x="2861369" y="2472117"/>
+                </a:cubicBezTo>
+                <a:cubicBezTo>
+                  <a:pt x="2483869" y="2318121"/>
+                  <a:pt x="2052449" y="2439541"/>
+                  <a:pt x="1663394" y="2765302"/>
+                </a:cubicBezTo>
+                <a:lnTo>
+                  <a:pt x="1663394" y="526981"/>
+                </a:lnTo>
+                <a:lnTo>
+                  <a:pt x="1663394" y="430441"/>
+                </a:lnTo>
+                <a:lnTo>
+                  <a:pt x="1663394" y="402054"/>
+                </a:lnTo>
+                <a:cubicBezTo>
+                  <a:pt x="1896442" y="149589"/>
+                  <a:pt x="2115835" y="2106"/>
+                  <a:pt x="2406065" y="22"/>
+                </a:cubicBezTo>
+                <a:cubicBezTo>
+                  <a:pt x="2537987" y="-925"/>
+                  <a:pt x="2684544" y="28169"/>
+                  <a:pt x="2853673" y="91100"/>
+                </a:cubicBezTo>
+                <a:cubicBezTo>
+                  <a:pt x="2854039" y="204214"/>
+                  <a:pt x="2854404" y="317327"/>
+                  <a:pt x="2854770" y="430441"/>
+                </a:cubicBezTo>
+                <a:lnTo>
+                  <a:pt x="3120669" y="428517"/>
+                </a:lnTo>
+                <a:lnTo>
+                  <a:pt x="3120669" y="738345"/>
+                </a:lnTo>
+                <a:lnTo>
+                  <a:pt x="3239999" y="738345"/>
+                </a:lnTo>
+                <a:lnTo>
+                  <a:pt x="3239999" y="3032924"/>
+                </a:lnTo>
+                <a:lnTo>
+                  <a:pt x="0" y="3032924"/>
+                </a:lnTo>
+                <a:lnTo>
+                  <a:pt x="0" y="738345"/>
+                </a:lnTo>
+                <a:lnTo>
+                  <a:pt x="102477" y="738345"/>
+                </a:lnTo>
+                <a:lnTo>
+                  <a:pt x="102477" y="428517"/>
+                </a:lnTo>
+                <a:lnTo>
+                  <a:pt x="385229" y="430441"/>
+                </a:lnTo>
+                <a:cubicBezTo>
+                  <a:pt x="385595" y="317327"/>
+                  <a:pt x="385960" y="204214"/>
+                  <a:pt x="386326" y="91100"/>
+                </a:cubicBezTo>
+                <a:cubicBezTo>
+                  <a:pt x="555455" y="28169"/>
+                  <a:pt x="702013" y="-925"/>
+                  <a:pt x="833935" y="22"/>
+                </a:cubicBezTo>
+                <a:cubicBezTo>
+                  <a:pt x="1124164" y="2106"/>
+                  <a:pt x="1343558" y="149589"/>
+                  <a:pt x="1576606" y="402054"/>
+                </a:cubicBezTo>
+                <a:lnTo>
+                  <a:pt x="1576606" y="430441"/>
+                </a:lnTo>
+                <a:lnTo>
+                  <a:pt x="1576606" y="526981"/>
+                </a:lnTo>
+                <a:lnTo>
+                  <a:pt x="1576606" y="2765302"/>
+                </a:lnTo>
+                <a:cubicBezTo>
+                  <a:pt x="1187550" y="2439541"/>
+                  <a:pt x="756130" y="2318121"/>
+                  <a:pt x="378630" y="2472117"/>
+                </a:cubicBezTo>
+                <a:lnTo>
+                  <a:pt x="384918" y="526981"/>
+                </a:lnTo>
+                <a:lnTo>
+                  <a:pt x="239143" y="526981"/>
+                </a:lnTo>
+                <a:lnTo>
+                  <a:pt x="229618" y="2690698"/>
+                </a:lnTo>
+                <a:cubicBezTo>
+                  <a:pt x="773243" y="2466244"/>
+                  <a:pt x="1081748" y="2626096"/>
+                  <a:pt x="1576606" y="2776423"/>
+                </a:cubicBezTo>
+              </a:path>
+            </a:pathLst>
+          </a:custGeom>
+          <a:solidFill>
+            <a:schemeClr val="bg1"/>
+          </a:solidFill>
+          <a:ln>
+            <a:noFill/>
+          </a:ln>
+        </p:spPr>
+        <p:style>
+          <a:lnRef idx="2">
+            <a:schemeClr val="accent1">
+              <a:shade val="50000"/>
+            </a:schemeClr>
+          </a:lnRef>
+          <a:fillRef idx="1">
+            <a:schemeClr val="accent1"/>
+          </a:fillRef>
+          <a:effectRef idx="0">
+            <a:schemeClr val="accent1"/>
+          </a:effectRef>
+          <a:fontRef idx="minor">
+            <a:schemeClr val="lt1"/>
+          </a:fontRef>
+        </p:style>
+        <p:txBody>
+          <a:bodyPr rtlCol="0" anchor="ctr"/>
+          <a:lstStyle>
+            <a:defPPr>
+              <a:defRPr lang="ko-KR"/>
+            </a:defPPr>
+            <a:lvl1pPr marL="0" algn="l" defTabSz="914400" rtl="0" eaLnBrk="1" latinLnBrk="1" hangingPunct="1">
+              <a:defRPr sz="1800" kern="1200">
+                <a:solidFill>
+                  <a:schemeClr val="lt1"/>
+                </a:solidFill>
+                <a:latin typeface="+mn-lt"/>
+                <a:ea typeface="+mn-ea"/>
+                <a:cs typeface="+mn-cs"/>
+              </a:defRPr>
+            </a:lvl1pPr>
+            <a:lvl2pPr marL="457200" algn="l" defTabSz="914400" rtl="0" eaLnBrk="1" latinLnBrk="1" hangingPunct="1">
+              <a:defRPr sz="1800" kern="1200">
+                <a:solidFill>
+                  <a:schemeClr val="lt1"/>
+                </a:solidFill>
+                <a:latin typeface="+mn-lt"/>
+                <a:ea typeface="+mn-ea"/>
+                <a:cs typeface="+mn-cs"/>
+              </a:defRPr>
+            </a:lvl2pPr>
+            <a:lvl3pPr marL="914400" algn="l" defTabSz="914400" rtl="0" eaLnBrk="1" latinLnBrk="1" hangingPunct="1">
+              <a:defRPr sz="1800" kern="1200">
+                <a:solidFill>
+                  <a:schemeClr val="lt1"/>
+                </a:solidFill>
+                <a:latin typeface="+mn-lt"/>
+                <a:ea typeface="+mn-ea"/>
+                <a:cs typeface="+mn-cs"/>
+              </a:defRPr>
+            </a:lvl3pPr>
+            <a:lvl4pPr marL="1371600" algn="l" defTabSz="914400" rtl="0" eaLnBrk="1" latinLnBrk="1" hangingPunct="1">
+              <a:defRPr sz="1800" kern="1200">
+                <a:solidFill>
+                  <a:schemeClr val="lt1"/>
+                </a:solidFill>
+                <a:latin typeface="+mn-lt"/>
+                <a:ea typeface="+mn-ea"/>
+                <a:cs typeface="+mn-cs"/>
+              </a:defRPr>
+            </a:lvl4pPr>
+            <a:lvl5pPr marL="1828800" algn="l" defTabSz="914400" rtl="0" eaLnBrk="1" latinLnBrk="1" hangingPunct="1">
+              <a:defRPr sz="1800" kern="1200">
+                <a:solidFill>
+                  <a:schemeClr val="lt1"/>
+                </a:solidFill>
+                <a:latin typeface="+mn-lt"/>
+                <a:ea typeface="+mn-ea"/>
+                <a:cs typeface="+mn-cs"/>
+              </a:defRPr>
+            </a:lvl5pPr>
+            <a:lvl6pPr marL="2286000" algn="l" defTabSz="914400" rtl="0" eaLnBrk="1" latinLnBrk="1" hangingPunct="1">
+              <a:defRPr sz="1800" kern="1200">
+                <a:solidFill>
+                  <a:schemeClr val="lt1"/>
+                </a:solidFill>
+                <a:latin typeface="+mn-lt"/>
+                <a:ea typeface="+mn-ea"/>
+                <a:cs typeface="+mn-cs"/>
+              </a:defRPr>
+            </a:lvl6pPr>
+            <a:lvl7pPr marL="2743200" algn="l" defTabSz="914400" rtl="0" eaLnBrk="1" latinLnBrk="1" hangingPunct="1">
+              <a:defRPr sz="1800" kern="1200">
+                <a:solidFill>
+                  <a:schemeClr val="lt1"/>
+                </a:solidFill>
+                <a:latin typeface="+mn-lt"/>
+                <a:ea typeface="+mn-ea"/>
+                <a:cs typeface="+mn-cs"/>
+              </a:defRPr>
+            </a:lvl7pPr>
+            <a:lvl8pPr marL="3200400" algn="l" defTabSz="914400" rtl="0" eaLnBrk="1" latinLnBrk="1" hangingPunct="1">
+              <a:defRPr sz="1800" kern="1200">
+                <a:solidFill>
+                  <a:schemeClr val="lt1"/>
+                </a:solidFill>
+                <a:latin typeface="+mn-lt"/>
+                <a:ea typeface="+mn-ea"/>
+                <a:cs typeface="+mn-cs"/>
+              </a:defRPr>
+            </a:lvl8pPr>
+            <a:lvl9pPr marL="3657600" algn="l" defTabSz="914400" rtl="0" eaLnBrk="1" latinLnBrk="1" hangingPunct="1">
+              <a:defRPr sz="1800" kern="1200">
+                <a:solidFill>
+                  <a:schemeClr val="lt1"/>
+                </a:solidFill>
+                <a:latin typeface="+mn-lt"/>
+                <a:ea typeface="+mn-ea"/>
+                <a:cs typeface="+mn-cs"/>
+              </a:defRPr>
+            </a:lvl9pPr>
+          </a:lstStyle>
+          <a:p>
+            <a:pPr algn="ctr"/>
+            <a:endParaRPr lang="ko-KR" altLang="en-US" dirty="0"/>
+          </a:p>
+        </p:txBody>
+      </p:sp>
+      <p:sp>
+        <p:nvSpPr>
+          <p:cNvPr id="728" name="Round Same Side Corner Rectangle 11">
+            <a:extLst>
+              <a:ext uri="{FF2B5EF4-FFF2-40B4-BE49-F238E27FC236}">
+                <a16:creationId xmlns:a16="http://schemas.microsoft.com/office/drawing/2014/main" id="{843C49A9-6996-87E2-26FD-53BB37E7878E}"/>
+              </a:ext>
+            </a:extLst>
+          </p:cNvPr>
+          <p:cNvSpPr>
+            <a:spLocks noChangeAspect="1"/>
+          </p:cNvSpPr>
+          <p:nvPr/>
+        </p:nvSpPr>
+        <p:spPr>
+          <a:xfrm rot="9900000">
+            <a:off x="7731820" y="5709536"/>
+            <a:ext cx="356223" cy="302546"/>
+          </a:xfrm>
+          <a:custGeom>
+            <a:avLst/>
+            <a:gdLst/>
+            <a:ahLst/>
+            <a:cxnLst/>
+            <a:rect l="l" t="t" r="r" b="b"/>
+            <a:pathLst>
+              <a:path w="2911009" h="2472345">
+                <a:moveTo>
+                  <a:pt x="2219598" y="1335309"/>
+                </a:moveTo>
+                <a:lnTo>
+                  <a:pt x="2219598" y="1222573"/>
+                </a:lnTo>
+                <a:cubicBezTo>
+                  <a:pt x="2219598" y="1176944"/>
+                  <a:pt x="2241926" y="1136530"/>
+                  <a:pt x="2277694" y="1113650"/>
+                </a:cubicBezTo>
+                <a:lnTo>
+                  <a:pt x="2277694" y="137786"/>
+                </a:lnTo>
+                <a:cubicBezTo>
+                  <a:pt x="2277694" y="61689"/>
+                  <a:pt x="2339383" y="0"/>
+                  <a:pt x="2415480" y="0"/>
+                </a:cubicBezTo>
+                <a:lnTo>
+                  <a:pt x="2545196" y="0"/>
+                </a:lnTo>
+                <a:cubicBezTo>
+                  <a:pt x="2621293" y="0"/>
+                  <a:pt x="2682982" y="61689"/>
+                  <a:pt x="2682982" y="137786"/>
+                </a:cubicBezTo>
+                <a:lnTo>
+                  <a:pt x="2682982" y="1099067"/>
+                </a:lnTo>
+                <a:cubicBezTo>
+                  <a:pt x="2730197" y="1120049"/>
+                  <a:pt x="2762708" y="1167515"/>
+                  <a:pt x="2762708" y="1222573"/>
+                </a:cubicBezTo>
+                <a:lnTo>
+                  <a:pt x="2762708" y="1480834"/>
+                </a:lnTo>
+                <a:close/>
+                <a:moveTo>
+                  <a:pt x="241900" y="1676361"/>
+                </a:moveTo>
+                <a:cubicBezTo>
+                  <a:pt x="69371" y="1631107"/>
+                  <a:pt x="-34146" y="1454930"/>
+                  <a:pt x="10296" y="1282189"/>
+                </a:cubicBezTo>
+                <a:cubicBezTo>
+                  <a:pt x="54739" y="1109449"/>
+                  <a:pt x="230428" y="1005105"/>
+                  <a:pt x="403375" y="1048736"/>
+                </a:cubicBezTo>
+                <a:cubicBezTo>
+                  <a:pt x="349550" y="1257945"/>
+                  <a:pt x="295726" y="1467153"/>
+                  <a:pt x="241900" y="1676361"/>
+                </a:cubicBezTo>
+                <a:close/>
+                <a:moveTo>
+                  <a:pt x="2578947" y="2467929"/>
+                </a:moveTo>
+                <a:lnTo>
+                  <a:pt x="1957545" y="2301425"/>
+                </a:lnTo>
+                <a:lnTo>
+                  <a:pt x="2194209" y="1418183"/>
+                </a:lnTo>
+                <a:lnTo>
+                  <a:pt x="2815611" y="1584687"/>
+                </a:lnTo>
+                <a:cubicBezTo>
+                  <a:pt x="2884250" y="1603079"/>
+                  <a:pt x="2924985" y="1673632"/>
+                  <a:pt x="2906593" y="1742272"/>
+                </a:cubicBezTo>
+                <a:lnTo>
+                  <a:pt x="2736532" y="2376947"/>
+                </a:lnTo>
+                <a:cubicBezTo>
+                  <a:pt x="2718140" y="2445587"/>
+                  <a:pt x="2647586" y="2486321"/>
+                  <a:pt x="2578947" y="2467929"/>
+                </a:cubicBezTo>
+                <a:close/>
+                <a:moveTo>
+                  <a:pt x="610249" y="2287120"/>
+                </a:moveTo>
+                <a:lnTo>
+                  <a:pt x="1020264" y="756923"/>
+                </a:lnTo>
+                <a:lnTo>
+                  <a:pt x="2107356" y="1398691"/>
+                </a:lnTo>
+                <a:lnTo>
+                  <a:pt x="1872582" y="2274879"/>
+                </a:lnTo>
+                <a:close/>
+                <a:moveTo>
+                  <a:pt x="426016" y="2349577"/>
+                </a:moveTo>
+                <a:lnTo>
+                  <a:pt x="243978" y="2300800"/>
+                </a:lnTo>
+                <a:cubicBezTo>
+                  <a:pt x="205115" y="2290387"/>
+                  <a:pt x="182051" y="2250439"/>
+                  <a:pt x="192464" y="2211576"/>
+                </a:cubicBezTo>
+                <a:lnTo>
+                  <a:pt x="620679" y="613455"/>
+                </a:lnTo>
+                <a:cubicBezTo>
+                  <a:pt x="631093" y="574592"/>
+                  <a:pt x="671040" y="551528"/>
+                  <a:pt x="709903" y="561941"/>
+                </a:cubicBezTo>
+                <a:lnTo>
+                  <a:pt x="891942" y="610718"/>
+                </a:lnTo>
+                <a:cubicBezTo>
+                  <a:pt x="930805" y="621132"/>
+                  <a:pt x="953869" y="661079"/>
+                  <a:pt x="943455" y="699942"/>
+                </a:cubicBezTo>
+                <a:lnTo>
+                  <a:pt x="515240" y="2298064"/>
+                </a:lnTo>
+                <a:cubicBezTo>
+                  <a:pt x="504827" y="2336927"/>
+                  <a:pt x="464879" y="2359990"/>
+                  <a:pt x="426016" y="2349577"/>
+                </a:cubicBezTo>
+                <a:close/>
+              </a:path>
+            </a:pathLst>
+          </a:custGeom>
+          <a:solidFill>
+            <a:schemeClr val="bg1"/>
+          </a:solidFill>
+          <a:ln>
+            <a:noFill/>
+          </a:ln>
+        </p:spPr>
+        <p:style>
+          <a:lnRef idx="2">
+            <a:schemeClr val="accent1">
+              <a:shade val="50000"/>
+            </a:schemeClr>
+          </a:lnRef>
+          <a:fillRef idx="1">
+            <a:schemeClr val="accent1"/>
+          </a:fillRef>
+          <a:effectRef idx="0">
+            <a:schemeClr val="accent1"/>
+          </a:effectRef>
+          <a:fontRef idx="minor">
+            <a:schemeClr val="lt1"/>
+          </a:fontRef>
+        </p:style>
+        <p:txBody>
+          <a:bodyPr rot="0" spcFirstLastPara="0" vert="horz" wrap="square" lIns="91440" tIns="45720" rIns="91440" bIns="45720" numCol="1" spcCol="0" rtlCol="0" fromWordArt="0" anchor="ctr" anchorCtr="0" forceAA="0" compatLnSpc="1">
+            <a:prstTxWarp prst="textNoShape">
+              <a:avLst/>
+            </a:prstTxWarp>
+            <a:noAutofit/>
+          </a:bodyPr>
+          <a:lstStyle>
+            <a:defPPr>
+              <a:defRPr lang="ko-KR"/>
+            </a:defPPr>
+            <a:lvl1pPr marL="0" algn="l" defTabSz="914400" rtl="0" eaLnBrk="1" latinLnBrk="1" hangingPunct="1">
+              <a:defRPr sz="1800" kern="1200">
+                <a:solidFill>
+                  <a:schemeClr val="lt1"/>
+                </a:solidFill>
+                <a:latin typeface="+mn-lt"/>
+                <a:ea typeface="+mn-ea"/>
+                <a:cs typeface="+mn-cs"/>
+              </a:defRPr>
+            </a:lvl1pPr>
+            <a:lvl2pPr marL="457200" algn="l" defTabSz="914400" rtl="0" eaLnBrk="1" latinLnBrk="1" hangingPunct="1">
+              <a:defRPr sz="1800" kern="1200">
+                <a:solidFill>
+                  <a:schemeClr val="lt1"/>
+                </a:solidFill>
+                <a:latin typeface="+mn-lt"/>
+                <a:ea typeface="+mn-ea"/>
+                <a:cs typeface="+mn-cs"/>
+              </a:defRPr>
+            </a:lvl2pPr>
+            <a:lvl3pPr marL="914400" algn="l" defTabSz="914400" rtl="0" eaLnBrk="1" latinLnBrk="1" hangingPunct="1">
+              <a:defRPr sz="1800" kern="1200">
+                <a:solidFill>
+                  <a:schemeClr val="lt1"/>
+                </a:solidFill>
+                <a:latin typeface="+mn-lt"/>
+                <a:ea typeface="+mn-ea"/>
+                <a:cs typeface="+mn-cs"/>
+              </a:defRPr>
+            </a:lvl3pPr>
+            <a:lvl4pPr marL="1371600" algn="l" defTabSz="914400" rtl="0" eaLnBrk="1" latinLnBrk="1" hangingPunct="1">
+              <a:defRPr sz="1800" kern="1200">
+                <a:solidFill>
+                  <a:schemeClr val="lt1"/>
+                </a:solidFill>
+                <a:latin typeface="+mn-lt"/>
+                <a:ea typeface="+mn-ea"/>
+                <a:cs typeface="+mn-cs"/>
+              </a:defRPr>
+            </a:lvl4pPr>
+            <a:lvl5pPr marL="1828800" algn="l" defTabSz="914400" rtl="0" eaLnBrk="1" latinLnBrk="1" hangingPunct="1">
+              <a:defRPr sz="1800" kern="1200">
+                <a:solidFill>
+                  <a:schemeClr val="lt1"/>
+                </a:solidFill>
+                <a:latin typeface="+mn-lt"/>
+                <a:ea typeface="+mn-ea"/>
+                <a:cs typeface="+mn-cs"/>
+              </a:defRPr>
+            </a:lvl5pPr>
+            <a:lvl6pPr marL="2286000" algn="l" defTabSz="914400" rtl="0" eaLnBrk="1" latinLnBrk="1" hangingPunct="1">
+              <a:defRPr sz="1800" kern="1200">
+                <a:solidFill>
+                  <a:schemeClr val="lt1"/>
+                </a:solidFill>
+                <a:latin typeface="+mn-lt"/>
+                <a:ea typeface="+mn-ea"/>
+                <a:cs typeface="+mn-cs"/>
+              </a:defRPr>
+            </a:lvl6pPr>
+            <a:lvl7pPr marL="2743200" algn="l" defTabSz="914400" rtl="0" eaLnBrk="1" latinLnBrk="1" hangingPunct="1">
+              <a:defRPr sz="1800" kern="1200">
+                <a:solidFill>
+                  <a:schemeClr val="lt1"/>
+                </a:solidFill>
+                <a:latin typeface="+mn-lt"/>
+                <a:ea typeface="+mn-ea"/>
+                <a:cs typeface="+mn-cs"/>
+              </a:defRPr>
+            </a:lvl7pPr>
+            <a:lvl8pPr marL="3200400" algn="l" defTabSz="914400" rtl="0" eaLnBrk="1" latinLnBrk="1" hangingPunct="1">
+              <a:defRPr sz="1800" kern="1200">
+                <a:solidFill>
+                  <a:schemeClr val="lt1"/>
+                </a:solidFill>
+                <a:latin typeface="+mn-lt"/>
+                <a:ea typeface="+mn-ea"/>
+                <a:cs typeface="+mn-cs"/>
+              </a:defRPr>
+            </a:lvl8pPr>
+            <a:lvl9pPr marL="3657600" algn="l" defTabSz="914400" rtl="0" eaLnBrk="1" latinLnBrk="1" hangingPunct="1">
+              <a:defRPr sz="1800" kern="1200">
+                <a:solidFill>
+                  <a:schemeClr val="lt1"/>
+                </a:solidFill>
+                <a:latin typeface="+mn-lt"/>
+                <a:ea typeface="+mn-ea"/>
+                <a:cs typeface="+mn-cs"/>
+              </a:defRPr>
+            </a:lvl9pPr>
+          </a:lstStyle>
+          <a:p>
+            <a:pPr algn="ctr"/>
+            <a:endParaRPr lang="ko-KR" altLang="en-US" dirty="0"/>
+          </a:p>
+        </p:txBody>
+      </p:sp>
+      <p:cxnSp>
+        <p:nvCxnSpPr>
+          <p:cNvPr id="750" name="직선 화살표 연결선 749">
+            <a:extLst>
+              <a:ext uri="{FF2B5EF4-FFF2-40B4-BE49-F238E27FC236}">
+                <a16:creationId xmlns:a16="http://schemas.microsoft.com/office/drawing/2014/main" id="{640C335D-6A97-088E-7E3C-62F0D4FAB249}"/>
+              </a:ext>
+            </a:extLst>
+          </p:cNvPr>
+          <p:cNvCxnSpPr>
+            <a:cxnSpLocks/>
+          </p:cNvCxnSpPr>
+          <p:nvPr/>
+        </p:nvCxnSpPr>
+        <p:spPr>
+          <a:xfrm>
+            <a:off x="3514588" y="2288085"/>
+            <a:ext cx="0" cy="257288"/>
+          </a:xfrm>
+          <a:prstGeom prst="straightConnector1">
+            <a:avLst/>
+          </a:prstGeom>
+          <a:ln w="19050">
+            <a:solidFill>
+              <a:srgbClr val="FFC000"/>
+            </a:solidFill>
+            <a:tailEnd type="triangle"/>
+          </a:ln>
+        </p:spPr>
+        <p:style>
+          <a:lnRef idx="1">
+            <a:schemeClr val="accent1"/>
+          </a:lnRef>
+          <a:fillRef idx="0">
+            <a:schemeClr val="accent1"/>
+          </a:fillRef>
+          <a:effectRef idx="0">
+            <a:schemeClr val="accent1"/>
+          </a:effectRef>
+          <a:fontRef idx="minor">
+            <a:schemeClr val="tx1"/>
+          </a:fontRef>
+        </p:style>
+      </p:cxnSp>
+      <p:cxnSp>
+        <p:nvCxnSpPr>
+          <p:cNvPr id="752" name="직선 화살표 연결선 751">
+            <a:extLst>
+              <a:ext uri="{FF2B5EF4-FFF2-40B4-BE49-F238E27FC236}">
+                <a16:creationId xmlns:a16="http://schemas.microsoft.com/office/drawing/2014/main" id="{49FFEE26-86A3-F106-6980-99078C0877D7}"/>
+              </a:ext>
+            </a:extLst>
+          </p:cNvPr>
+          <p:cNvCxnSpPr>
+            <a:cxnSpLocks/>
+          </p:cNvCxnSpPr>
+          <p:nvPr/>
+        </p:nvCxnSpPr>
+        <p:spPr>
+          <a:xfrm>
+            <a:off x="5712665" y="2288085"/>
+            <a:ext cx="0" cy="257288"/>
+          </a:xfrm>
+          <a:prstGeom prst="straightConnector1">
+            <a:avLst/>
+          </a:prstGeom>
+          <a:ln w="19050">
+            <a:solidFill>
+              <a:srgbClr val="7030A0"/>
+            </a:solidFill>
+            <a:tailEnd type="triangle"/>
+          </a:ln>
+        </p:spPr>
+        <p:style>
+          <a:lnRef idx="1">
+            <a:schemeClr val="accent1"/>
+          </a:lnRef>
+          <a:fillRef idx="0">
+            <a:schemeClr val="accent1"/>
+          </a:fillRef>
+          <a:effectRef idx="0">
+            <a:schemeClr val="accent1"/>
+          </a:effectRef>
+          <a:fontRef idx="minor">
+            <a:schemeClr val="tx1"/>
+          </a:fontRef>
+        </p:style>
+      </p:cxnSp>
+      <p:cxnSp>
+        <p:nvCxnSpPr>
+          <p:cNvPr id="753" name="직선 화살표 연결선 752">
+            <a:extLst>
+              <a:ext uri="{FF2B5EF4-FFF2-40B4-BE49-F238E27FC236}">
+                <a16:creationId xmlns:a16="http://schemas.microsoft.com/office/drawing/2014/main" id="{4D49FC0B-0E1B-4114-263D-2188D170C1D0}"/>
+              </a:ext>
+            </a:extLst>
+          </p:cNvPr>
+          <p:cNvCxnSpPr>
+            <a:cxnSpLocks/>
+          </p:cNvCxnSpPr>
+          <p:nvPr/>
+        </p:nvCxnSpPr>
+        <p:spPr>
+          <a:xfrm>
+            <a:off x="7928327" y="2288085"/>
+            <a:ext cx="0" cy="257288"/>
+          </a:xfrm>
+          <a:prstGeom prst="straightConnector1">
+            <a:avLst/>
+          </a:prstGeom>
+          <a:ln w="19050">
+            <a:solidFill>
+              <a:srgbClr val="FF0000"/>
+            </a:solidFill>
+            <a:tailEnd type="triangle"/>
+          </a:ln>
+        </p:spPr>
+        <p:style>
+          <a:lnRef idx="1">
+            <a:schemeClr val="accent1"/>
+          </a:lnRef>
+          <a:fillRef idx="0">
+            <a:schemeClr val="accent1"/>
+          </a:fillRef>
+          <a:effectRef idx="0">
+            <a:schemeClr val="accent1"/>
+          </a:effectRef>
+          <a:fontRef idx="minor">
+            <a:schemeClr val="tx1"/>
+          </a:fontRef>
+        </p:style>
+      </p:cxnSp>
+    </p:spTree>
   </p:cSld>
   <p:clrMapOvr>
     <a:masterClrMapping/>

--- a/[Document]/소개운영자료/[DIVE_운영방향_김경원교수].pptx
+++ b/[Document]/소개운영자료/[DIVE_운영방향_김경원교수].pptx
@@ -289,7 +289,7 @@
       </p15:notesGuideLst>
     </p:ext>
     <p:ext uri="http://customooxmlschemas.google.com/">
-      <go:slidesCustomData xmlns:go="http://customooxmlschemas.google.com/" xmlns:p15="http://schemas.microsoft.com/office/powerpoint/2012/main" xmlns:p14="http://schemas.microsoft.com/office/powerpoint/2010/main" xmlns:com="http://schemas.openxmlformats.org/drawingml/2006/compatibility" xmlns:pvml="urn:schemas-microsoft-com:office:powerpoint" xmlns:v="urn:schemas-microsoft-com:vml" xmlns:o="urn:schemas-microsoft-com:office:office" xmlns:dgm="http://schemas.openxmlformats.org/drawingml/2006/diagram" xmlns:c="http://schemas.openxmlformats.org/drawingml/2006/chart" xmlns:mv="urn:schemas-microsoft-com:mac:vml" xmlns:mc="http://schemas.openxmlformats.org/markup-compatibility/2006" xmlns="" r:id="rId105" roundtripDataSignature="AMtx7miUWwlRzSp7FmXEzuK0I58SVnBqRw=="/>
+      <go:slidesCustomData xmlns="" xmlns:mc="http://schemas.openxmlformats.org/markup-compatibility/2006" xmlns:mv="urn:schemas-microsoft-com:mac:vml" xmlns:c="http://schemas.openxmlformats.org/drawingml/2006/chart" xmlns:dgm="http://schemas.openxmlformats.org/drawingml/2006/diagram" xmlns:o="urn:schemas-microsoft-com:office:office" xmlns:v="urn:schemas-microsoft-com:vml" xmlns:pvml="urn:schemas-microsoft-com:office:powerpoint" xmlns:com="http://schemas.openxmlformats.org/drawingml/2006/compatibility" xmlns:p14="http://schemas.microsoft.com/office/powerpoint/2010/main" xmlns:p15="http://schemas.microsoft.com/office/powerpoint/2012/main" xmlns:go="http://customooxmlschemas.google.com/" r:id="rId105" roundtripDataSignature="AMtx7miUWwlRzSp7FmXEzuK0I58SVnBqRw=="/>
     </p:ext>
   </p:extLst>
 </p:presentation>
@@ -389,7 +389,7 @@
           <a:p>
             <a:fld id="{0FE758C4-0839-4DFD-B23C-C4B0E1666FA8}" type="datetimeFigureOut">
               <a:rPr lang="ko-KR" altLang="en-US" smtClean="0"/>
-              <a:t>2025-09-04</a:t>
+              <a:t>2025-09-21</a:t>
             </a:fld>
             <a:endParaRPr lang="ko-KR" altLang="en-US"/>
           </a:p>
@@ -13314,7 +13314,7 @@
                 <a:cs typeface="Calibri"/>
                 <a:sym typeface="Calibri"/>
               </a:rPr>
-              <a:t>Data Science Process + Algorithms | How Do We Solve the Time Dependency Problem?</a:t>
+              <a:t>Data Science | How Do We Solve the Time Dependency Problem?</a:t>
             </a:r>
             <a:endParaRPr lang="en-US" altLang="ko-KR" sz="1200"/>
           </a:p>
@@ -13433,7 +13433,7 @@
                 <a:cs typeface="Calibri"/>
                 <a:sym typeface="Calibri"/>
               </a:rPr>
-              <a:t>Data Science Algorithms | What are Deep Learning Algorithms for AI Engines?</a:t>
+              <a:t>Data Science | What are Deep Learning Algorithms for AI Engines?</a:t>
             </a:r>
             <a:endParaRPr lang="en-US" altLang="ko-KR" sz="1200"/>
           </a:p>

--- a/[Document]/소개운영자료/[DIVE_운영방향_김경원교수].pptx
+++ b/[Document]/소개운영자료/[DIVE_운영방향_김경원교수].pptx
@@ -289,7 +289,7 @@
       </p15:notesGuideLst>
     </p:ext>
     <p:ext uri="http://customooxmlschemas.google.com/">
-      <go:slidesCustomData xmlns="" xmlns:mc="http://schemas.openxmlformats.org/markup-compatibility/2006" xmlns:mv="urn:schemas-microsoft-com:mac:vml" xmlns:c="http://schemas.openxmlformats.org/drawingml/2006/chart" xmlns:dgm="http://schemas.openxmlformats.org/drawingml/2006/diagram" xmlns:o="urn:schemas-microsoft-com:office:office" xmlns:v="urn:schemas-microsoft-com:vml" xmlns:pvml="urn:schemas-microsoft-com:office:powerpoint" xmlns:com="http://schemas.openxmlformats.org/drawingml/2006/compatibility" xmlns:p14="http://schemas.microsoft.com/office/powerpoint/2010/main" xmlns:p15="http://schemas.microsoft.com/office/powerpoint/2012/main" xmlns:go="http://customooxmlschemas.google.com/" r:id="rId105" roundtripDataSignature="AMtx7miUWwlRzSp7FmXEzuK0I58SVnBqRw=="/>
+      <go:slidesCustomData xmlns:go="http://customooxmlschemas.google.com/" xmlns:p15="http://schemas.microsoft.com/office/powerpoint/2012/main" xmlns:p14="http://schemas.microsoft.com/office/powerpoint/2010/main" xmlns:com="http://schemas.openxmlformats.org/drawingml/2006/compatibility" xmlns:pvml="urn:schemas-microsoft-com:office:powerpoint" xmlns:v="urn:schemas-microsoft-com:vml" xmlns:o="urn:schemas-microsoft-com:office:office" xmlns:dgm="http://schemas.openxmlformats.org/drawingml/2006/diagram" xmlns:c="http://schemas.openxmlformats.org/drawingml/2006/chart" xmlns:mv="urn:schemas-microsoft-com:mac:vml" xmlns:mc="http://schemas.openxmlformats.org/markup-compatibility/2006" xmlns="" r:id="rId105" roundtripDataSignature="AMtx7miUWwlRzSp7FmXEzuK0I58SVnBqRw=="/>
     </p:ext>
   </p:extLst>
 </p:presentation>
@@ -389,7 +389,7 @@
           <a:p>
             <a:fld id="{0FE758C4-0839-4DFD-B23C-C4B0E1666FA8}" type="datetimeFigureOut">
               <a:rPr lang="ko-KR" altLang="en-US" smtClean="0"/>
-              <a:t>2025-09-21</a:t>
+              <a:t>2025-09-25</a:t>
             </a:fld>
             <a:endParaRPr lang="ko-KR" altLang="en-US"/>
           </a:p>
@@ -13492,7 +13492,7 @@
         <p:spPr>
           <a:xfrm>
             <a:off x="370982" y="2300797"/>
-            <a:ext cx="4117490" cy="2095918"/>
+            <a:ext cx="4117490" cy="2243651"/>
           </a:xfrm>
           <a:prstGeom prst="rect">
             <a:avLst/>
@@ -13858,6 +13858,76 @@
                 <a:sym typeface="Calibri"/>
               </a:rPr>
               <a:t>~</a:t>
+            </a:r>
+          </a:p>
+          <a:p>
+            <a:pPr marL="171450" lvl="0" indent="-171450">
+              <a:lnSpc>
+                <a:spcPct val="120000"/>
+              </a:lnSpc>
+              <a:buSzPts val="1400"/>
+              <a:buFontTx/>
+              <a:buChar char="-"/>
+            </a:pPr>
+            <a:r>
+              <a:rPr lang="ko-KR" altLang="en-US" sz="800">
+                <a:solidFill>
+                  <a:schemeClr val="dk1"/>
+                </a:solidFill>
+                <a:latin typeface="Calibri"/>
+                <a:ea typeface="Calibri"/>
+                <a:cs typeface="Calibri"/>
+                <a:sym typeface="Calibri"/>
+              </a:rPr>
+              <a:t>매년 진행되는 </a:t>
+            </a:r>
+            <a:r>
+              <a:rPr lang="en-US" altLang="ko-KR" sz="800">
+                <a:solidFill>
+                  <a:schemeClr val="dk1"/>
+                </a:solidFill>
+                <a:latin typeface="Calibri"/>
+                <a:ea typeface="Calibri"/>
+                <a:cs typeface="Calibri"/>
+                <a:sym typeface="Calibri"/>
+              </a:rPr>
+              <a:t>“</a:t>
+            </a:r>
+            <a:r>
+              <a:rPr lang="ko-KR" altLang="en-US" sz="800">
+                <a:solidFill>
+                  <a:schemeClr val="dk1"/>
+                </a:solidFill>
+                <a:latin typeface="Calibri"/>
+                <a:ea typeface="Calibri"/>
+                <a:cs typeface="Calibri"/>
+                <a:sym typeface="Calibri"/>
+              </a:rPr>
+              <a:t>유통데이터 활용 경진대회</a:t>
+            </a:r>
+            <a:r>
+              <a:rPr lang="en-US" altLang="ko-KR" sz="800">
+                <a:solidFill>
+                  <a:schemeClr val="dk1"/>
+                </a:solidFill>
+                <a:latin typeface="Calibri"/>
+                <a:ea typeface="Calibri"/>
+                <a:cs typeface="Calibri"/>
+                <a:sym typeface="Calibri"/>
+              </a:rPr>
+              <a:t>” </a:t>
+            </a:r>
+            <a:r>
+              <a:rPr lang="ko-KR" altLang="en-US" sz="800">
+                <a:solidFill>
+                  <a:schemeClr val="dk1"/>
+                </a:solidFill>
+                <a:latin typeface="Calibri"/>
+                <a:ea typeface="Calibri"/>
+                <a:cs typeface="Calibri"/>
+                <a:sym typeface="Calibri"/>
+              </a:rPr>
+              <a:t>미리 준비 후 수상시 전문가 증빙 추천</a:t>
             </a:r>
             <a:endParaRPr lang="en-US" altLang="ko-KR" sz="500">
               <a:solidFill>

--- a/[Document]/소개운영자료/[DIVE_운영방향_김경원교수].pptx
+++ b/[Document]/소개운영자료/[DIVE_운영방향_김경원교수].pptx
@@ -289,7 +289,7 @@
       </p15:notesGuideLst>
     </p:ext>
     <p:ext uri="http://customooxmlschemas.google.com/">
-      <go:slidesCustomData xmlns:go="http://customooxmlschemas.google.com/" xmlns:p15="http://schemas.microsoft.com/office/powerpoint/2012/main" xmlns:p14="http://schemas.microsoft.com/office/powerpoint/2010/main" xmlns:com="http://schemas.openxmlformats.org/drawingml/2006/compatibility" xmlns:pvml="urn:schemas-microsoft-com:office:powerpoint" xmlns:v="urn:schemas-microsoft-com:vml" xmlns:o="urn:schemas-microsoft-com:office:office" xmlns:dgm="http://schemas.openxmlformats.org/drawingml/2006/diagram" xmlns:c="http://schemas.openxmlformats.org/drawingml/2006/chart" xmlns:mv="urn:schemas-microsoft-com:mac:vml" xmlns:mc="http://schemas.openxmlformats.org/markup-compatibility/2006" xmlns="" r:id="rId105" roundtripDataSignature="AMtx7miUWwlRzSp7FmXEzuK0I58SVnBqRw=="/>
+      <go:slidesCustomData xmlns="" xmlns:mc="http://schemas.openxmlformats.org/markup-compatibility/2006" xmlns:mv="urn:schemas-microsoft-com:mac:vml" xmlns:c="http://schemas.openxmlformats.org/drawingml/2006/chart" xmlns:dgm="http://schemas.openxmlformats.org/drawingml/2006/diagram" xmlns:o="urn:schemas-microsoft-com:office:office" xmlns:v="urn:schemas-microsoft-com:vml" xmlns:pvml="urn:schemas-microsoft-com:office:powerpoint" xmlns:com="http://schemas.openxmlformats.org/drawingml/2006/compatibility" xmlns:p14="http://schemas.microsoft.com/office/powerpoint/2010/main" xmlns:p15="http://schemas.microsoft.com/office/powerpoint/2012/main" xmlns:go="http://customooxmlschemas.google.com/" r:id="rId105" roundtripDataSignature="AMtx7miUWwlRzSp7FmXEzuK0I58SVnBqRw=="/>
     </p:ext>
   </p:extLst>
 </p:presentation>
@@ -12540,7 +12540,7 @@
         <p:spPr>
           <a:xfrm>
             <a:off x="4655529" y="2300797"/>
-            <a:ext cx="4125217" cy="2391384"/>
+            <a:ext cx="4125217" cy="2539116"/>
           </a:xfrm>
           <a:prstGeom prst="rect">
             <a:avLst/>
@@ -12565,7 +12565,7 @@
               <a:buChar char="▪"/>
             </a:pPr>
             <a:r>
-              <a:rPr lang="ko-KR" altLang="en-US" sz="1050" b="1">
+              <a:rPr lang="ko-KR" altLang="en-US" sz="1050" b="1" dirty="0">
                 <a:solidFill>
                   <a:schemeClr val="dk1"/>
                 </a:solidFill>
@@ -12577,7 +12577,7 @@
               <a:t>목표</a:t>
             </a:r>
             <a:r>
-              <a:rPr lang="en-US" altLang="ko-KR" sz="1050" b="1">
+              <a:rPr lang="en-US" altLang="ko-KR" sz="1050" b="1" dirty="0">
                 <a:solidFill>
                   <a:schemeClr val="dk1"/>
                 </a:solidFill>
@@ -12589,7 +12589,7 @@
               <a:t>:</a:t>
             </a:r>
             <a:r>
-              <a:rPr lang="en-US" altLang="ko-KR" sz="1050">
+              <a:rPr lang="en-US" altLang="ko-KR" sz="1050" dirty="0">
                 <a:solidFill>
                   <a:schemeClr val="dk1"/>
                 </a:solidFill>
@@ -12601,7 +12601,7 @@
               <a:t> </a:t>
             </a:r>
             <a:r>
-              <a:rPr lang="ko-KR" altLang="en-US" sz="1050">
+              <a:rPr lang="ko-KR" altLang="en-US" sz="1050" dirty="0">
                 <a:solidFill>
                   <a:schemeClr val="dk1"/>
                 </a:solidFill>
@@ -12612,7 +12612,7 @@
               </a:rPr>
               <a:t>딥러닝 알고리즘 이해 및 데이터분석 성능 고도화</a:t>
             </a:r>
-            <a:endParaRPr lang="en-US" altLang="ko-KR" sz="1050">
+            <a:endParaRPr lang="en-US" altLang="ko-KR" sz="1050" dirty="0">
               <a:solidFill>
                 <a:schemeClr val="dk1"/>
               </a:solidFill>
@@ -12631,7 +12631,7 @@
               <a:buFont typeface="Noto Sans Symbols"/>
               <a:buChar char="▪"/>
             </a:pPr>
-            <a:endParaRPr lang="en-US" altLang="ko-KR" sz="1050">
+            <a:endParaRPr lang="en-US" altLang="ko-KR" sz="1050" dirty="0">
               <a:solidFill>
                 <a:schemeClr val="dk1"/>
               </a:solidFill>
@@ -12651,7 +12651,7 @@
               <a:buChar char="▪"/>
             </a:pPr>
             <a:r>
-              <a:rPr lang="ko-KR" altLang="en-US" sz="1050" b="1">
+              <a:rPr lang="ko-KR" altLang="en-US" sz="1050" b="1" dirty="0">
                 <a:solidFill>
                   <a:schemeClr val="dk1"/>
                 </a:solidFill>
@@ -12663,7 +12663,7 @@
               <a:t>강의자료</a:t>
             </a:r>
             <a:r>
-              <a:rPr lang="en-US" altLang="ko-KR" sz="1050" b="1">
+              <a:rPr lang="en-US" altLang="ko-KR" sz="1050" b="1" dirty="0">
                 <a:solidFill>
                   <a:schemeClr val="dk1"/>
                 </a:solidFill>
@@ -12675,7 +12675,7 @@
               <a:t>:</a:t>
             </a:r>
             <a:r>
-              <a:rPr lang="en-US" altLang="ko-KR" sz="1050">
+              <a:rPr lang="en-US" altLang="ko-KR" sz="1050" dirty="0">
                 <a:solidFill>
                   <a:schemeClr val="dk1"/>
                 </a:solidFill>
@@ -12697,7 +12697,7 @@
               <a:buChar char="-"/>
             </a:pPr>
             <a:r>
-              <a:rPr lang="en-US" altLang="ko-KR" sz="800">
+              <a:rPr lang="en-US" altLang="ko-KR" sz="800" dirty="0">
                 <a:solidFill>
                   <a:schemeClr val="dk1"/>
                 </a:solidFill>
@@ -12709,7 +12709,7 @@
               </a:rPr>
               <a:t>https://github.com/thekimk/All-About-Deep-Learning</a:t>
             </a:r>
-            <a:endParaRPr lang="en-US" altLang="ko-KR" sz="800">
+            <a:endParaRPr lang="en-US" altLang="ko-KR" sz="800" dirty="0">
               <a:solidFill>
                 <a:schemeClr val="dk1"/>
               </a:solidFill>
@@ -12726,7 +12726,7 @@
               </a:lnSpc>
               <a:buSzPts val="1400"/>
             </a:pPr>
-            <a:endParaRPr lang="en-US" altLang="ko-KR" sz="800">
+            <a:endParaRPr lang="en-US" altLang="ko-KR" sz="800" dirty="0">
               <a:solidFill>
                 <a:schemeClr val="dk1"/>
               </a:solidFill>
@@ -12746,7 +12746,7 @@
               <a:buChar char="▪"/>
             </a:pPr>
             <a:r>
-              <a:rPr lang="ko-KR" altLang="en-US" sz="1050" b="1">
+              <a:rPr lang="ko-KR" altLang="en-US" sz="1050" b="1" dirty="0">
                 <a:solidFill>
                   <a:schemeClr val="dk1"/>
                 </a:solidFill>
@@ -12758,7 +12758,7 @@
               <a:t>영상</a:t>
             </a:r>
             <a:r>
-              <a:rPr lang="en-US" altLang="ko-KR" sz="1050" b="1">
+              <a:rPr lang="en-US" altLang="ko-KR" sz="1050" b="1" dirty="0">
                 <a:solidFill>
                   <a:schemeClr val="dk1"/>
                 </a:solidFill>
@@ -12780,7 +12780,7 @@
               <a:buChar char="-"/>
             </a:pPr>
             <a:r>
-              <a:rPr lang="en-US" altLang="ko-KR" sz="800">
+              <a:rPr lang="en-US" altLang="ko-KR" sz="800" dirty="0">
                 <a:solidFill>
                   <a:schemeClr val="dk1"/>
                 </a:solidFill>
@@ -12790,9 +12790,9 @@
                 <a:sym typeface="Calibri"/>
                 <a:hlinkClick r:id="rId4"/>
               </a:rPr>
-              <a:t>https://www.youtube.com/playlist?list=PLYP0LH6y1TM6s-bdE1Og3U6_SnV6CsqwJ</a:t>
-            </a:r>
-            <a:endParaRPr lang="en-US" altLang="ko-KR" sz="800">
+              <a:t>https://youtube.com/playlist?list=PLYP0LH6y1TM6s-bdE1Og3U6_SnV6CsqwJ&amp;si=o1BDtamwTK9are_e</a:t>
+            </a:r>
+            <a:endParaRPr lang="en-US" altLang="ko-KR" sz="800" dirty="0">
               <a:solidFill>
                 <a:schemeClr val="dk1"/>
               </a:solidFill>
@@ -12811,7 +12811,7 @@
               <a:buFontTx/>
               <a:buChar char="-"/>
             </a:pPr>
-            <a:endParaRPr lang="en-US" altLang="ko-KR" sz="800">
+            <a:endParaRPr lang="en-US" altLang="ko-KR" sz="800" dirty="0">
               <a:solidFill>
                 <a:schemeClr val="dk1"/>
               </a:solidFill>
@@ -12831,7 +12831,7 @@
               <a:buChar char="▪"/>
             </a:pPr>
             <a:r>
-              <a:rPr lang="ko-KR" altLang="en-US" sz="1050" b="1">
+              <a:rPr lang="ko-KR" altLang="en-US" sz="1050" b="1" dirty="0">
                 <a:solidFill>
                   <a:schemeClr val="dk1"/>
                 </a:solidFill>
@@ -12843,7 +12843,7 @@
               <a:t>학습방향</a:t>
             </a:r>
             <a:r>
-              <a:rPr lang="en-US" altLang="ko-KR" sz="1050" b="1">
+              <a:rPr lang="en-US" altLang="ko-KR" sz="1050" b="1" dirty="0">
                 <a:solidFill>
                   <a:schemeClr val="dk1"/>
                 </a:solidFill>
@@ -12865,18 +12865,54 @@
               <a:buChar char="-"/>
             </a:pPr>
             <a:r>
-              <a:rPr lang="ko-KR" altLang="en-US" sz="800">
-                <a:solidFill>
-                  <a:schemeClr val="dk1"/>
-                </a:solidFill>
-                <a:latin typeface="Calibri"/>
-                <a:ea typeface="Calibri"/>
-                <a:cs typeface="Calibri"/>
-                <a:sym typeface="Calibri"/>
-              </a:rPr>
-              <a:t>인공지능기반의사결정 또는 딥러닝 등 수강시 미필요</a:t>
-            </a:r>
-            <a:endParaRPr lang="en-US" altLang="ko-KR" sz="800">
+              <a:rPr lang="ko-KR" altLang="en-US" sz="800" dirty="0" err="1">
+                <a:solidFill>
+                  <a:schemeClr val="dk1"/>
+                </a:solidFill>
+                <a:latin typeface="Calibri"/>
+                <a:ea typeface="Calibri"/>
+                <a:cs typeface="Calibri"/>
+                <a:sym typeface="Calibri"/>
+              </a:rPr>
+              <a:t>인공지능기반의사결정</a:t>
+            </a:r>
+            <a:r>
+              <a:rPr lang="ko-KR" altLang="en-US" sz="800" dirty="0">
+                <a:solidFill>
+                  <a:schemeClr val="dk1"/>
+                </a:solidFill>
+                <a:latin typeface="Calibri"/>
+                <a:ea typeface="Calibri"/>
+                <a:cs typeface="Calibri"/>
+                <a:sym typeface="Calibri"/>
+              </a:rPr>
+              <a:t> 또는 딥러닝 등 </a:t>
+            </a:r>
+            <a:r>
+              <a:rPr lang="ko-KR" altLang="en-US" sz="800" dirty="0" err="1">
+                <a:solidFill>
+                  <a:schemeClr val="dk1"/>
+                </a:solidFill>
+                <a:latin typeface="Calibri"/>
+                <a:ea typeface="Calibri"/>
+                <a:cs typeface="Calibri"/>
+                <a:sym typeface="Calibri"/>
+              </a:rPr>
+              <a:t>수강시</a:t>
+            </a:r>
+            <a:r>
+              <a:rPr lang="ko-KR" altLang="en-US" sz="800" dirty="0">
+                <a:solidFill>
+                  <a:schemeClr val="dk1"/>
+                </a:solidFill>
+                <a:latin typeface="Calibri"/>
+                <a:ea typeface="Calibri"/>
+                <a:cs typeface="Calibri"/>
+                <a:sym typeface="Calibri"/>
+              </a:rPr>
+              <a:t> 미필요</a:t>
+            </a:r>
+            <a:endParaRPr lang="en-US" altLang="ko-KR" sz="800" dirty="0">
               <a:solidFill>
                 <a:schemeClr val="dk1"/>
               </a:solidFill>
@@ -12896,7 +12932,7 @@
               <a:buChar char="-"/>
             </a:pPr>
             <a:r>
-              <a:rPr lang="ko-KR" altLang="en-US" sz="800">
+              <a:rPr lang="ko-KR" altLang="en-US" sz="800" dirty="0">
                 <a:solidFill>
                   <a:schemeClr val="tx2">
                     <a:lumMod val="10000"/>
@@ -12910,7 +12946,7 @@
               <a:t>최소 </a:t>
             </a:r>
             <a:r>
-              <a:rPr lang="en-US" altLang="ko-KR" sz="800">
+              <a:rPr lang="en-US" altLang="ko-KR" sz="800" dirty="0">
                 <a:solidFill>
                   <a:schemeClr val="tx2">
                     <a:lumMod val="10000"/>
@@ -12924,7 +12960,7 @@
               <a:t>“</a:t>
             </a:r>
             <a:r>
-              <a:rPr lang="en-US" altLang="ko-KR" sz="800" b="1">
+              <a:rPr lang="en-US" altLang="ko-KR" sz="800" b="1" dirty="0">
                 <a:solidFill>
                   <a:schemeClr val="tx2">
                     <a:lumMod val="10000"/>
@@ -12938,7 +12974,7 @@
               <a:t>Data Science Algorithms | What are Machine Learning Algorithms for AI Engines?”</a:t>
             </a:r>
             <a:r>
-              <a:rPr lang="ko-KR" altLang="en-US" sz="800">
+              <a:rPr lang="ko-KR" altLang="en-US" sz="800" dirty="0">
                 <a:solidFill>
                   <a:schemeClr val="tx2">
                     <a:lumMod val="10000"/>
@@ -12952,7 +12988,7 @@
               <a:t> 스스로 완성 및 충분히 익숙해진 후 수강 추천</a:t>
             </a:r>
             <a:r>
-              <a:rPr lang="en-US" altLang="ko-KR" sz="800">
+              <a:rPr lang="en-US" altLang="ko-KR" sz="800" dirty="0">
                 <a:solidFill>
                   <a:schemeClr val="tx2">
                     <a:lumMod val="10000"/>
@@ -12976,7 +13012,7 @@
               <a:buChar char="-"/>
             </a:pPr>
             <a:r>
-              <a:rPr lang="ko-KR" altLang="en-US" sz="800">
+              <a:rPr lang="ko-KR" altLang="en-US" sz="800" dirty="0">
                 <a:solidFill>
                   <a:schemeClr val="tx2">
                     <a:lumMod val="10000"/>
@@ -12990,7 +13026,7 @@
               <a:t>시간데이터 처리가 포함되므로 </a:t>
             </a:r>
             <a:r>
-              <a:rPr lang="en-US" altLang="ko-KR" sz="800">
+              <a:rPr lang="en-US" altLang="ko-KR" sz="800" dirty="0">
                 <a:solidFill>
                   <a:schemeClr val="tx2">
                     <a:lumMod val="10000"/>
@@ -13004,7 +13040,7 @@
               <a:t>“</a:t>
             </a:r>
             <a:r>
-              <a:rPr lang="en-US" altLang="ko-KR" sz="800" b="1">
+              <a:rPr lang="en-US" altLang="ko-KR" sz="800" b="1" dirty="0">
                 <a:solidFill>
                   <a:schemeClr val="tx2">
                     <a:lumMod val="10000"/>
@@ -13018,7 +13054,7 @@
               <a:t>Data Science Process + Algorithms | How Do We Solve the Time Dependency Problem?</a:t>
             </a:r>
             <a:r>
-              <a:rPr lang="en-US" altLang="ko-KR" sz="800">
+              <a:rPr lang="en-US" altLang="ko-KR" sz="800" dirty="0">
                 <a:solidFill>
                   <a:schemeClr val="tx2">
                     <a:lumMod val="10000"/>
@@ -13032,7 +13068,7 @@
               <a:t>” </a:t>
             </a:r>
             <a:r>
-              <a:rPr lang="ko-KR" altLang="en-US" sz="800">
+              <a:rPr lang="ko-KR" altLang="en-US" sz="800" dirty="0">
                 <a:solidFill>
                   <a:schemeClr val="tx2">
                     <a:lumMod val="10000"/>
@@ -13045,7 +13081,7 @@
               </a:rPr>
               <a:t>수강 후 학습해야 끝까지 달리기 용이함</a:t>
             </a:r>
-            <a:endParaRPr lang="en-US" altLang="ko-KR" sz="500">
+            <a:endParaRPr lang="en-US" altLang="ko-KR" sz="500" dirty="0">
               <a:solidFill>
                 <a:schemeClr val="tx2">
                   <a:lumMod val="10000"/>

--- a/[Document]/소개운영자료/[DIVE_운영방향_김경원교수].pptx
+++ b/[Document]/소개운영자료/[DIVE_운영방향_김경원교수].pptx
@@ -289,7 +289,7 @@
       </p15:notesGuideLst>
     </p:ext>
     <p:ext uri="http://customooxmlschemas.google.com/">
-      <go:slidesCustomData xmlns:go="http://customooxmlschemas.google.com/" xmlns:p15="http://schemas.microsoft.com/office/powerpoint/2012/main" xmlns:p14="http://schemas.microsoft.com/office/powerpoint/2010/main" xmlns:com="http://schemas.openxmlformats.org/drawingml/2006/compatibility" xmlns:pvml="urn:schemas-microsoft-com:office:powerpoint" xmlns:v="urn:schemas-microsoft-com:vml" xmlns:o="urn:schemas-microsoft-com:office:office" xmlns:dgm="http://schemas.openxmlformats.org/drawingml/2006/diagram" xmlns:c="http://schemas.openxmlformats.org/drawingml/2006/chart" xmlns:mv="urn:schemas-microsoft-com:mac:vml" xmlns:mc="http://schemas.openxmlformats.org/markup-compatibility/2006" xmlns="" r:id="rId105" roundtripDataSignature="AMtx7miUWwlRzSp7FmXEzuK0I58SVnBqRw=="/>
+      <go:slidesCustomData xmlns="" xmlns:mc="http://schemas.openxmlformats.org/markup-compatibility/2006" xmlns:mv="urn:schemas-microsoft-com:mac:vml" xmlns:c="http://schemas.openxmlformats.org/drawingml/2006/chart" xmlns:dgm="http://schemas.openxmlformats.org/drawingml/2006/diagram" xmlns:o="urn:schemas-microsoft-com:office:office" xmlns:v="urn:schemas-microsoft-com:vml" xmlns:pvml="urn:schemas-microsoft-com:office:powerpoint" xmlns:com="http://schemas.openxmlformats.org/drawingml/2006/compatibility" xmlns:p14="http://schemas.microsoft.com/office/powerpoint/2010/main" xmlns:p15="http://schemas.microsoft.com/office/powerpoint/2012/main" xmlns:go="http://customooxmlschemas.google.com/" r:id="rId105" roundtripDataSignature="AMtx7miUWwlRzSp7FmXEzuK0I58SVnBqRw=="/>
     </p:ext>
   </p:extLst>
 </p:presentation>
@@ -389,7 +389,7 @@
           <a:p>
             <a:fld id="{0FE758C4-0839-4DFD-B23C-C4B0E1666FA8}" type="datetimeFigureOut">
               <a:rPr lang="ko-KR" altLang="en-US" smtClean="0"/>
-              <a:t>2025-11-02</a:t>
+              <a:t>2025-11-19</a:t>
             </a:fld>
             <a:endParaRPr lang="ko-KR" altLang="en-US"/>
           </a:p>
@@ -5982,7 +5982,7 @@
                 <a:cs typeface="Calibri"/>
                 <a:sym typeface="Calibri"/>
               </a:rPr>
-              <a:t>산출물</a:t>
+              <a:t>산출물 우선순위</a:t>
             </a:r>
             <a:r>
               <a:rPr lang="en-US" altLang="ko-KR" sz="1050" b="1">
@@ -6007,10 +6007,34 @@
                 <a:sym typeface="Calibri"/>
               </a:rPr>
               <a:t> </a:t>
+            </a:r>
+            <a:r>
+              <a:rPr lang="ko-KR" altLang="en-US" sz="1050">
+                <a:solidFill>
+                  <a:schemeClr val="dk1"/>
+                </a:solidFill>
+                <a:latin typeface="Calibri"/>
+                <a:ea typeface="Calibri"/>
+                <a:cs typeface="Calibri"/>
+                <a:sym typeface="Calibri"/>
+              </a:rPr>
+              <a:t>결국 개인 포트폴리오</a:t>
+            </a:r>
+            <a:r>
+              <a:rPr lang="en-US" altLang="ko-KR" sz="1050">
+                <a:solidFill>
+                  <a:schemeClr val="dk1"/>
+                </a:solidFill>
+                <a:latin typeface="Calibri"/>
+                <a:ea typeface="Calibri"/>
+                <a:cs typeface="Calibri"/>
+                <a:sym typeface="Calibri"/>
+              </a:rPr>
+              <a:t>!</a:t>
             </a:r>
           </a:p>
           <a:p>
-            <a:pPr lvl="0">
+            <a:pPr>
               <a:lnSpc>
                 <a:spcPct val="120000"/>
               </a:lnSpc>
@@ -6026,7 +6050,31 @@
                 <a:cs typeface="Calibri"/>
                 <a:sym typeface="Calibri"/>
               </a:rPr>
-              <a:t>① 공모전 수상</a:t>
+              <a:t>① 창업</a:t>
+            </a:r>
+            <a:r>
+              <a:rPr lang="en-US" altLang="ko-KR" sz="1050">
+                <a:solidFill>
+                  <a:schemeClr val="dk1"/>
+                </a:solidFill>
+                <a:latin typeface="Calibri"/>
+                <a:ea typeface="Calibri"/>
+                <a:cs typeface="Calibri"/>
+                <a:sym typeface="Calibri"/>
+              </a:rPr>
+              <a:t>/</a:t>
+            </a:r>
+            <a:r>
+              <a:rPr lang="ko-KR" altLang="en-US" sz="1050">
+                <a:solidFill>
+                  <a:schemeClr val="dk1"/>
+                </a:solidFill>
+                <a:latin typeface="Calibri"/>
+                <a:ea typeface="Calibri"/>
+                <a:cs typeface="Calibri"/>
+                <a:sym typeface="Calibri"/>
+              </a:rPr>
+              <a:t>특허 제안서 작성</a:t>
             </a:r>
             <a:endParaRPr lang="en-US" altLang="ko-KR" sz="1050">
               <a:solidFill>
@@ -6055,31 +6103,7 @@
                 <a:cs typeface="Calibri"/>
                 <a:sym typeface="Calibri"/>
               </a:rPr>
-              <a:t>② </a:t>
-            </a:r>
-            <a:r>
-              <a:rPr lang="en-US" altLang="ko-KR" sz="1050">
-                <a:solidFill>
-                  <a:schemeClr val="dk1"/>
-                </a:solidFill>
-                <a:latin typeface="Calibri"/>
-                <a:ea typeface="Calibri"/>
-                <a:cs typeface="Calibri"/>
-                <a:sym typeface="Calibri"/>
-              </a:rPr>
-              <a:t>KCI/SCIE/SSCI </a:t>
-            </a:r>
-            <a:r>
-              <a:rPr lang="ko-KR" altLang="en-US" sz="1050">
-                <a:solidFill>
-                  <a:schemeClr val="dk1"/>
-                </a:solidFill>
-                <a:latin typeface="Calibri"/>
-                <a:ea typeface="Calibri"/>
-                <a:cs typeface="Calibri"/>
-                <a:sym typeface="Calibri"/>
-              </a:rPr>
-              <a:t>연구논문 작성</a:t>
+              <a:t>② 공모전 수상</a:t>
             </a:r>
             <a:endParaRPr lang="en-US" altLang="ko-KR" sz="1050">
               <a:solidFill>
@@ -6108,7 +6132,7 @@
                 <a:cs typeface="Calibri"/>
                 <a:sym typeface="Calibri"/>
               </a:rPr>
-              <a:t>③ </a:t>
+              <a:t>③</a:t>
             </a:r>
             <a:r>
               <a:rPr lang="ko-KR" altLang="en-US" sz="1050">
@@ -6120,7 +6144,7 @@
                 <a:cs typeface="Calibri"/>
                 <a:sym typeface="Calibri"/>
               </a:rPr>
-              <a:t>창업</a:t>
+              <a:t> </a:t>
             </a:r>
             <a:r>
               <a:rPr lang="en-US" altLang="ko-KR" sz="1050">
@@ -6132,7 +6156,7 @@
                 <a:cs typeface="Calibri"/>
                 <a:sym typeface="Calibri"/>
               </a:rPr>
-              <a:t>/</a:t>
+              <a:t>KCI/SCIE/SSCI </a:t>
             </a:r>
             <a:r>
               <a:rPr lang="ko-KR" altLang="en-US" sz="1050">
@@ -6144,7 +6168,7 @@
                 <a:cs typeface="Calibri"/>
                 <a:sym typeface="Calibri"/>
               </a:rPr>
-              <a:t>특허 제안서 작성</a:t>
+              <a:t>연구논문 작성</a:t>
             </a:r>
             <a:endParaRPr lang="en-US" altLang="ko-KR" sz="1050">
               <a:solidFill>

--- a/[Document]/소개운영자료/[DIVE_운영방향_김경원교수].pptx
+++ b/[Document]/소개운영자료/[DIVE_운영방향_김경원교수].pptx
@@ -289,7 +289,7 @@
       </p15:notesGuideLst>
     </p:ext>
     <p:ext uri="http://customooxmlschemas.google.com/">
-      <go:slidesCustomData xmlns="" xmlns:mc="http://schemas.openxmlformats.org/markup-compatibility/2006" xmlns:mv="urn:schemas-microsoft-com:mac:vml" xmlns:c="http://schemas.openxmlformats.org/drawingml/2006/chart" xmlns:dgm="http://schemas.openxmlformats.org/drawingml/2006/diagram" xmlns:o="urn:schemas-microsoft-com:office:office" xmlns:v="urn:schemas-microsoft-com:vml" xmlns:pvml="urn:schemas-microsoft-com:office:powerpoint" xmlns:com="http://schemas.openxmlformats.org/drawingml/2006/compatibility" xmlns:p14="http://schemas.microsoft.com/office/powerpoint/2010/main" xmlns:p15="http://schemas.microsoft.com/office/powerpoint/2012/main" xmlns:go="http://customooxmlschemas.google.com/" r:id="rId105" roundtripDataSignature="AMtx7miUWwlRzSp7FmXEzuK0I58SVnBqRw=="/>
+      <go:slidesCustomData xmlns:go="http://customooxmlschemas.google.com/" xmlns:p15="http://schemas.microsoft.com/office/powerpoint/2012/main" xmlns:p14="http://schemas.microsoft.com/office/powerpoint/2010/main" xmlns:com="http://schemas.openxmlformats.org/drawingml/2006/compatibility" xmlns:pvml="urn:schemas-microsoft-com:office:powerpoint" xmlns:v="urn:schemas-microsoft-com:vml" xmlns:o="urn:schemas-microsoft-com:office:office" xmlns:dgm="http://schemas.openxmlformats.org/drawingml/2006/diagram" xmlns:c="http://schemas.openxmlformats.org/drawingml/2006/chart" xmlns:mv="urn:schemas-microsoft-com:mac:vml" xmlns:mc="http://schemas.openxmlformats.org/markup-compatibility/2006" xmlns="" r:id="rId105" roundtripDataSignature="AMtx7miUWwlRzSp7FmXEzuK0I58SVnBqRw=="/>
     </p:ext>
   </p:extLst>
 </p:presentation>
@@ -389,7 +389,7 @@
           <a:p>
             <a:fld id="{0FE758C4-0839-4DFD-B23C-C4B0E1666FA8}" type="datetimeFigureOut">
               <a:rPr lang="ko-KR" altLang="en-US" smtClean="0"/>
-              <a:t>2025-11-19</a:t>
+              <a:t>2025-12-30</a:t>
             </a:fld>
             <a:endParaRPr lang="ko-KR" altLang="en-US"/>
           </a:p>
@@ -6103,7 +6103,31 @@
                 <a:cs typeface="Calibri"/>
                 <a:sym typeface="Calibri"/>
               </a:rPr>
-              <a:t>② 공모전 수상</a:t>
+              <a:t>② </a:t>
+            </a:r>
+            <a:r>
+              <a:rPr lang="en-US" altLang="ko-KR" sz="1050">
+                <a:solidFill>
+                  <a:schemeClr val="dk1"/>
+                </a:solidFill>
+                <a:latin typeface="Calibri"/>
+                <a:ea typeface="Calibri"/>
+                <a:cs typeface="Calibri"/>
+                <a:sym typeface="Calibri"/>
+              </a:rPr>
+              <a:t>KCI/SCIE/SSCI </a:t>
+            </a:r>
+            <a:r>
+              <a:rPr lang="ko-KR" altLang="en-US" sz="1050">
+                <a:solidFill>
+                  <a:schemeClr val="dk1"/>
+                </a:solidFill>
+                <a:latin typeface="Calibri"/>
+                <a:ea typeface="Calibri"/>
+                <a:cs typeface="Calibri"/>
+                <a:sym typeface="Calibri"/>
+              </a:rPr>
+              <a:t>연구논문 작성</a:t>
             </a:r>
             <a:endParaRPr lang="en-US" altLang="ko-KR" sz="1050">
               <a:solidFill>
@@ -6144,31 +6168,7 @@
                 <a:cs typeface="Calibri"/>
                 <a:sym typeface="Calibri"/>
               </a:rPr>
-              <a:t> </a:t>
-            </a:r>
-            <a:r>
-              <a:rPr lang="en-US" altLang="ko-KR" sz="1050">
-                <a:solidFill>
-                  <a:schemeClr val="dk1"/>
-                </a:solidFill>
-                <a:latin typeface="Calibri"/>
-                <a:ea typeface="Calibri"/>
-                <a:cs typeface="Calibri"/>
-                <a:sym typeface="Calibri"/>
-              </a:rPr>
-              <a:t>KCI/SCIE/SSCI </a:t>
-            </a:r>
-            <a:r>
-              <a:rPr lang="ko-KR" altLang="en-US" sz="1050">
-                <a:solidFill>
-                  <a:schemeClr val="dk1"/>
-                </a:solidFill>
-                <a:latin typeface="Calibri"/>
-                <a:ea typeface="Calibri"/>
-                <a:cs typeface="Calibri"/>
-                <a:sym typeface="Calibri"/>
-              </a:rPr>
-              <a:t>연구논문 작성</a:t>
+              <a:t> 공모전 수상</a:t>
             </a:r>
             <a:endParaRPr lang="en-US" altLang="ko-KR" sz="1050">
               <a:solidFill>
